--- a/Trunk/Getting Started Material/DCAF Training/6 Static Modules.pptx
+++ b/Trunk/Getting Started Material/DCAF Training/6 Static Modules.pptx
@@ -4,9 +4,29 @@
   <p:sldMasterIdLst>
     <p:sldMasterId id="2147483648" r:id="rId1"/>
   </p:sldMasterIdLst>
+  <p:notesMasterIdLst>
+    <p:notesMasterId r:id="rId21"/>
+  </p:notesMasterIdLst>
   <p:sldIdLst>
-    <p:sldId id="256" r:id="rId2"/>
+    <p:sldId id="259" r:id="rId2"/>
     <p:sldId id="257" r:id="rId3"/>
+    <p:sldId id="376" r:id="rId4"/>
+    <p:sldId id="325" r:id="rId5"/>
+    <p:sldId id="382" r:id="rId6"/>
+    <p:sldId id="383" r:id="rId7"/>
+    <p:sldId id="385" r:id="rId8"/>
+    <p:sldId id="386" r:id="rId9"/>
+    <p:sldId id="387" r:id="rId10"/>
+    <p:sldId id="388" r:id="rId11"/>
+    <p:sldId id="389" r:id="rId12"/>
+    <p:sldId id="394" r:id="rId13"/>
+    <p:sldId id="390" r:id="rId14"/>
+    <p:sldId id="391" r:id="rId15"/>
+    <p:sldId id="392" r:id="rId16"/>
+    <p:sldId id="393" r:id="rId17"/>
+    <p:sldId id="381" r:id="rId18"/>
+    <p:sldId id="380" r:id="rId19"/>
+    <p:sldId id="384" r:id="rId20"/>
   </p:sldIdLst>
   <p:sldSz cx="12192000" cy="6858000"/>
   <p:notesSz cx="6858000" cy="9144000"/>
@@ -105,7 +125,639 @@
       </a:defRPr>
     </a:lvl9pPr>
   </p:defaultTextStyle>
+  <p:extLst>
+    <p:ext uri="{EFAFB233-063F-42B5-8137-9DF3F51BA10A}">
+      <p15:sldGuideLst xmlns:p15="http://schemas.microsoft.com/office/powerpoint/2012/main"/>
+    </p:ext>
+  </p:extLst>
 </p:presentation>
+</file>
+
+<file path=ppt/commentAuthors.xml><?xml version="1.0" encoding="utf-8"?>
+<p:cmAuthorLst xmlns:a="http://schemas.openxmlformats.org/drawingml/2006/main" xmlns:r="http://schemas.openxmlformats.org/officeDocument/2006/relationships" xmlns:p="http://schemas.openxmlformats.org/presentationml/2006/main">
+  <p:cmAuthor id="1" name="Simon Perez Santa Maria" initials="SPSM" lastIdx="1" clrIdx="0">
+    <p:extLst>
+      <p:ext uri="{19B8F6BF-5375-455C-9EA6-DF929625EA0E}">
+        <p15:presenceInfo xmlns:p15="http://schemas.microsoft.com/office/powerpoint/2012/main" userId="S-1-5-21-4170831575-233351449-3708798867-51094" providerId="AD"/>
+      </p:ext>
+    </p:extLst>
+  </p:cmAuthor>
+</p:cmAuthorLst>
+</file>
+
+<file path=ppt/comments/comment1.xml><?xml version="1.0" encoding="utf-8"?>
+<p:cmLst xmlns:a="http://schemas.openxmlformats.org/drawingml/2006/main" xmlns:r="http://schemas.openxmlformats.org/officeDocument/2006/relationships" xmlns:p="http://schemas.openxmlformats.org/presentationml/2006/main">
+  <p:cm authorId="1" dt="2018-06-18T15:46:19.292" idx="1">
+    <p:pos x="6641" y="1179"/>
+    <p:text>add image here</p:text>
+    <p:extLst>
+      <p:ext uri="{C676402C-5697-4E1C-873F-D02D1690AC5C}">
+        <p15:threadingInfo xmlns:p15="http://schemas.microsoft.com/office/powerpoint/2012/main" timeZoneBias="300"/>
+      </p:ext>
+    </p:extLst>
+  </p:cm>
+</p:cmLst>
+</file>
+
+<file path=ppt/notesMasters/notesMaster1.xml><?xml version="1.0" encoding="utf-8"?>
+<p:notesMaster xmlns:a="http://schemas.openxmlformats.org/drawingml/2006/main" xmlns:r="http://schemas.openxmlformats.org/officeDocument/2006/relationships" xmlns:p="http://schemas.openxmlformats.org/presentationml/2006/main">
+  <p:cSld>
+    <p:bg>
+      <p:bgRef idx="1001">
+        <a:schemeClr val="bg1"/>
+      </p:bgRef>
+    </p:bg>
+    <p:spTree>
+      <p:nvGrpSpPr>
+        <p:cNvPr id="1" name=""/>
+        <p:cNvGrpSpPr/>
+        <p:nvPr/>
+      </p:nvGrpSpPr>
+      <p:grpSpPr>
+        <a:xfrm>
+          <a:off x="0" y="0"/>
+          <a:ext cx="0" cy="0"/>
+          <a:chOff x="0" y="0"/>
+          <a:chExt cx="0" cy="0"/>
+        </a:xfrm>
+      </p:grpSpPr>
+      <p:sp>
+        <p:nvSpPr>
+          <p:cNvPr id="2" name="Header Placeholder 1"/>
+          <p:cNvSpPr>
+            <a:spLocks noGrp="1"/>
+          </p:cNvSpPr>
+          <p:nvPr>
+            <p:ph type="hdr" sz="quarter"/>
+          </p:nvPr>
+        </p:nvSpPr>
+        <p:spPr>
+          <a:xfrm>
+            <a:off x="0" y="0"/>
+            <a:ext cx="2971800" cy="458788"/>
+          </a:xfrm>
+          <a:prstGeom prst="rect">
+            <a:avLst/>
+          </a:prstGeom>
+        </p:spPr>
+        <p:txBody>
+          <a:bodyPr vert="horz" lIns="91440" tIns="45720" rIns="91440" bIns="45720" rtlCol="0"/>
+          <a:lstStyle>
+            <a:lvl1pPr algn="l">
+              <a:defRPr sz="1200"/>
+            </a:lvl1pPr>
+          </a:lstStyle>
+          <a:p>
+            <a:endParaRPr lang="en-US"/>
+          </a:p>
+        </p:txBody>
+      </p:sp>
+      <p:sp>
+        <p:nvSpPr>
+          <p:cNvPr id="3" name="Date Placeholder 2"/>
+          <p:cNvSpPr>
+            <a:spLocks noGrp="1"/>
+          </p:cNvSpPr>
+          <p:nvPr>
+            <p:ph type="dt" idx="1"/>
+          </p:nvPr>
+        </p:nvSpPr>
+        <p:spPr>
+          <a:xfrm>
+            <a:off x="3884613" y="0"/>
+            <a:ext cx="2971800" cy="458788"/>
+          </a:xfrm>
+          <a:prstGeom prst="rect">
+            <a:avLst/>
+          </a:prstGeom>
+        </p:spPr>
+        <p:txBody>
+          <a:bodyPr vert="horz" lIns="91440" tIns="45720" rIns="91440" bIns="45720" rtlCol="0"/>
+          <a:lstStyle>
+            <a:lvl1pPr algn="r">
+              <a:defRPr sz="1200"/>
+            </a:lvl1pPr>
+          </a:lstStyle>
+          <a:p>
+            <a:fld id="{EA1FD1DD-1EDF-4341-AE12-9015BA74AB77}" type="datetimeFigureOut">
+              <a:rPr lang="en-US" smtClean="0"/>
+              <a:t>2018-06-18</a:t>
+            </a:fld>
+            <a:endParaRPr lang="en-US"/>
+          </a:p>
+        </p:txBody>
+      </p:sp>
+      <p:sp>
+        <p:nvSpPr>
+          <p:cNvPr id="4" name="Slide Image Placeholder 3"/>
+          <p:cNvSpPr>
+            <a:spLocks noGrp="1" noRot="1" noChangeAspect="1"/>
+          </p:cNvSpPr>
+          <p:nvPr>
+            <p:ph type="sldImg" idx="2"/>
+          </p:nvPr>
+        </p:nvSpPr>
+        <p:spPr>
+          <a:xfrm>
+            <a:off x="685800" y="1143000"/>
+            <a:ext cx="5486400" cy="3086100"/>
+          </a:xfrm>
+          <a:prstGeom prst="rect">
+            <a:avLst/>
+          </a:prstGeom>
+          <a:noFill/>
+          <a:ln w="12700">
+            <a:solidFill>
+              <a:prstClr val="black"/>
+            </a:solidFill>
+          </a:ln>
+        </p:spPr>
+        <p:txBody>
+          <a:bodyPr vert="horz" lIns="91440" tIns="45720" rIns="91440" bIns="45720" rtlCol="0" anchor="ctr"/>
+          <a:lstStyle/>
+          <a:p>
+            <a:endParaRPr lang="en-US"/>
+          </a:p>
+        </p:txBody>
+      </p:sp>
+      <p:sp>
+        <p:nvSpPr>
+          <p:cNvPr id="5" name="Notes Placeholder 4"/>
+          <p:cNvSpPr>
+            <a:spLocks noGrp="1"/>
+          </p:cNvSpPr>
+          <p:nvPr>
+            <p:ph type="body" sz="quarter" idx="3"/>
+          </p:nvPr>
+        </p:nvSpPr>
+        <p:spPr>
+          <a:xfrm>
+            <a:off x="685800" y="4400550"/>
+            <a:ext cx="5486400" cy="3600450"/>
+          </a:xfrm>
+          <a:prstGeom prst="rect">
+            <a:avLst/>
+          </a:prstGeom>
+        </p:spPr>
+        <p:txBody>
+          <a:bodyPr vert="horz" lIns="91440" tIns="45720" rIns="91440" bIns="45720" rtlCol="0"/>
+          <a:lstStyle/>
+          <a:p>
+            <a:pPr lvl="0"/>
+            <a:r>
+              <a:rPr lang="en-US"/>
+              <a:t>Edit Master text styles</a:t>
+            </a:r>
+          </a:p>
+          <a:p>
+            <a:pPr lvl="1"/>
+            <a:r>
+              <a:rPr lang="en-US"/>
+              <a:t>Second level</a:t>
+            </a:r>
+          </a:p>
+          <a:p>
+            <a:pPr lvl="2"/>
+            <a:r>
+              <a:rPr lang="en-US"/>
+              <a:t>Third level</a:t>
+            </a:r>
+          </a:p>
+          <a:p>
+            <a:pPr lvl="3"/>
+            <a:r>
+              <a:rPr lang="en-US"/>
+              <a:t>Fourth level</a:t>
+            </a:r>
+          </a:p>
+          <a:p>
+            <a:pPr lvl="4"/>
+            <a:r>
+              <a:rPr lang="en-US"/>
+              <a:t>Fifth level</a:t>
+            </a:r>
+          </a:p>
+        </p:txBody>
+      </p:sp>
+      <p:sp>
+        <p:nvSpPr>
+          <p:cNvPr id="6" name="Footer Placeholder 5"/>
+          <p:cNvSpPr>
+            <a:spLocks noGrp="1"/>
+          </p:cNvSpPr>
+          <p:nvPr>
+            <p:ph type="ftr" sz="quarter" idx="4"/>
+          </p:nvPr>
+        </p:nvSpPr>
+        <p:spPr>
+          <a:xfrm>
+            <a:off x="0" y="8685213"/>
+            <a:ext cx="2971800" cy="458787"/>
+          </a:xfrm>
+          <a:prstGeom prst="rect">
+            <a:avLst/>
+          </a:prstGeom>
+        </p:spPr>
+        <p:txBody>
+          <a:bodyPr vert="horz" lIns="91440" tIns="45720" rIns="91440" bIns="45720" rtlCol="0" anchor="b"/>
+          <a:lstStyle>
+            <a:lvl1pPr algn="l">
+              <a:defRPr sz="1200"/>
+            </a:lvl1pPr>
+          </a:lstStyle>
+          <a:p>
+            <a:endParaRPr lang="en-US"/>
+          </a:p>
+        </p:txBody>
+      </p:sp>
+      <p:sp>
+        <p:nvSpPr>
+          <p:cNvPr id="7" name="Slide Number Placeholder 6"/>
+          <p:cNvSpPr>
+            <a:spLocks noGrp="1"/>
+          </p:cNvSpPr>
+          <p:nvPr>
+            <p:ph type="sldNum" sz="quarter" idx="5"/>
+          </p:nvPr>
+        </p:nvSpPr>
+        <p:spPr>
+          <a:xfrm>
+            <a:off x="3884613" y="8685213"/>
+            <a:ext cx="2971800" cy="458787"/>
+          </a:xfrm>
+          <a:prstGeom prst="rect">
+            <a:avLst/>
+          </a:prstGeom>
+        </p:spPr>
+        <p:txBody>
+          <a:bodyPr vert="horz" lIns="91440" tIns="45720" rIns="91440" bIns="45720" rtlCol="0" anchor="b"/>
+          <a:lstStyle>
+            <a:lvl1pPr algn="r">
+              <a:defRPr sz="1200"/>
+            </a:lvl1pPr>
+          </a:lstStyle>
+          <a:p>
+            <a:fld id="{6181AA9A-826B-4D28-AD84-6800691176DC}" type="slidenum">
+              <a:rPr lang="en-US" smtClean="0"/>
+              <a:t>‹#›</a:t>
+            </a:fld>
+            <a:endParaRPr lang="en-US"/>
+          </a:p>
+        </p:txBody>
+      </p:sp>
+    </p:spTree>
+    <p:extLst>
+      <p:ext uri="{BB962C8B-B14F-4D97-AF65-F5344CB8AC3E}">
+        <p14:creationId xmlns:p14="http://schemas.microsoft.com/office/powerpoint/2010/main" val="2828394526"/>
+      </p:ext>
+    </p:extLst>
+  </p:cSld>
+  <p:clrMap bg1="lt1" tx1="dk1" bg2="lt2" tx2="dk2" accent1="accent1" accent2="accent2" accent3="accent3" accent4="accent4" accent5="accent5" accent6="accent6" hlink="hlink" folHlink="folHlink"/>
+  <p:notesStyle>
+    <a:lvl1pPr marL="0" algn="l" defTabSz="914400" rtl="0" eaLnBrk="1" latinLnBrk="0" hangingPunct="1">
+      <a:defRPr sz="1200" kern="1200">
+        <a:solidFill>
+          <a:schemeClr val="tx1"/>
+        </a:solidFill>
+        <a:latin typeface="+mn-lt"/>
+        <a:ea typeface="+mn-ea"/>
+        <a:cs typeface="+mn-cs"/>
+      </a:defRPr>
+    </a:lvl1pPr>
+    <a:lvl2pPr marL="457200" algn="l" defTabSz="914400" rtl="0" eaLnBrk="1" latinLnBrk="0" hangingPunct="1">
+      <a:defRPr sz="1200" kern="1200">
+        <a:solidFill>
+          <a:schemeClr val="tx1"/>
+        </a:solidFill>
+        <a:latin typeface="+mn-lt"/>
+        <a:ea typeface="+mn-ea"/>
+        <a:cs typeface="+mn-cs"/>
+      </a:defRPr>
+    </a:lvl2pPr>
+    <a:lvl3pPr marL="914400" algn="l" defTabSz="914400" rtl="0" eaLnBrk="1" latinLnBrk="0" hangingPunct="1">
+      <a:defRPr sz="1200" kern="1200">
+        <a:solidFill>
+          <a:schemeClr val="tx1"/>
+        </a:solidFill>
+        <a:latin typeface="+mn-lt"/>
+        <a:ea typeface="+mn-ea"/>
+        <a:cs typeface="+mn-cs"/>
+      </a:defRPr>
+    </a:lvl3pPr>
+    <a:lvl4pPr marL="1371600" algn="l" defTabSz="914400" rtl="0" eaLnBrk="1" latinLnBrk="0" hangingPunct="1">
+      <a:defRPr sz="1200" kern="1200">
+        <a:solidFill>
+          <a:schemeClr val="tx1"/>
+        </a:solidFill>
+        <a:latin typeface="+mn-lt"/>
+        <a:ea typeface="+mn-ea"/>
+        <a:cs typeface="+mn-cs"/>
+      </a:defRPr>
+    </a:lvl4pPr>
+    <a:lvl5pPr marL="1828800" algn="l" defTabSz="914400" rtl="0" eaLnBrk="1" latinLnBrk="0" hangingPunct="1">
+      <a:defRPr sz="1200" kern="1200">
+        <a:solidFill>
+          <a:schemeClr val="tx1"/>
+        </a:solidFill>
+        <a:latin typeface="+mn-lt"/>
+        <a:ea typeface="+mn-ea"/>
+        <a:cs typeface="+mn-cs"/>
+      </a:defRPr>
+    </a:lvl5pPr>
+    <a:lvl6pPr marL="2286000" algn="l" defTabSz="914400" rtl="0" eaLnBrk="1" latinLnBrk="0" hangingPunct="1">
+      <a:defRPr sz="1200" kern="1200">
+        <a:solidFill>
+          <a:schemeClr val="tx1"/>
+        </a:solidFill>
+        <a:latin typeface="+mn-lt"/>
+        <a:ea typeface="+mn-ea"/>
+        <a:cs typeface="+mn-cs"/>
+      </a:defRPr>
+    </a:lvl6pPr>
+    <a:lvl7pPr marL="2743200" algn="l" defTabSz="914400" rtl="0" eaLnBrk="1" latinLnBrk="0" hangingPunct="1">
+      <a:defRPr sz="1200" kern="1200">
+        <a:solidFill>
+          <a:schemeClr val="tx1"/>
+        </a:solidFill>
+        <a:latin typeface="+mn-lt"/>
+        <a:ea typeface="+mn-ea"/>
+        <a:cs typeface="+mn-cs"/>
+      </a:defRPr>
+    </a:lvl7pPr>
+    <a:lvl8pPr marL="3200400" algn="l" defTabSz="914400" rtl="0" eaLnBrk="1" latinLnBrk="0" hangingPunct="1">
+      <a:defRPr sz="1200" kern="1200">
+        <a:solidFill>
+          <a:schemeClr val="tx1"/>
+        </a:solidFill>
+        <a:latin typeface="+mn-lt"/>
+        <a:ea typeface="+mn-ea"/>
+        <a:cs typeface="+mn-cs"/>
+      </a:defRPr>
+    </a:lvl8pPr>
+    <a:lvl9pPr marL="3657600" algn="l" defTabSz="914400" rtl="0" eaLnBrk="1" latinLnBrk="0" hangingPunct="1">
+      <a:defRPr sz="1200" kern="1200">
+        <a:solidFill>
+          <a:schemeClr val="tx1"/>
+        </a:solidFill>
+        <a:latin typeface="+mn-lt"/>
+        <a:ea typeface="+mn-ea"/>
+        <a:cs typeface="+mn-cs"/>
+      </a:defRPr>
+    </a:lvl9pPr>
+  </p:notesStyle>
+</p:notesMaster>
+</file>
+
+<file path=ppt/notesSlides/notesSlide1.xml><?xml version="1.0" encoding="utf-8"?>
+<p:notes xmlns:a="http://schemas.openxmlformats.org/drawingml/2006/main" xmlns:r="http://schemas.openxmlformats.org/officeDocument/2006/relationships" xmlns:p="http://schemas.openxmlformats.org/presentationml/2006/main">
+  <p:cSld>
+    <p:spTree>
+      <p:nvGrpSpPr>
+        <p:cNvPr id="1" name=""/>
+        <p:cNvGrpSpPr/>
+        <p:nvPr/>
+      </p:nvGrpSpPr>
+      <p:grpSpPr>
+        <a:xfrm>
+          <a:off x="0" y="0"/>
+          <a:ext cx="0" cy="0"/>
+          <a:chOff x="0" y="0"/>
+          <a:chExt cx="0" cy="0"/>
+        </a:xfrm>
+      </p:grpSpPr>
+      <p:sp>
+        <p:nvSpPr>
+          <p:cNvPr id="2" name="Slide Image Placeholder 1"/>
+          <p:cNvSpPr>
+            <a:spLocks noGrp="1" noRot="1" noChangeAspect="1"/>
+          </p:cNvSpPr>
+          <p:nvPr>
+            <p:ph type="sldImg"/>
+          </p:nvPr>
+        </p:nvSpPr>
+        <p:spPr/>
+      </p:sp>
+      <p:sp>
+        <p:nvSpPr>
+          <p:cNvPr id="3" name="Notes Placeholder 2"/>
+          <p:cNvSpPr>
+            <a:spLocks noGrp="1"/>
+          </p:cNvSpPr>
+          <p:nvPr>
+            <p:ph type="body" idx="1"/>
+          </p:nvPr>
+        </p:nvSpPr>
+        <p:spPr/>
+        <p:txBody>
+          <a:bodyPr/>
+          <a:lstStyle/>
+          <a:p>
+            <a:endParaRPr lang="en-US" dirty="0"/>
+          </a:p>
+        </p:txBody>
+      </p:sp>
+      <p:sp>
+        <p:nvSpPr>
+          <p:cNvPr id="4" name="Slide Number Placeholder 3"/>
+          <p:cNvSpPr>
+            <a:spLocks noGrp="1"/>
+          </p:cNvSpPr>
+          <p:nvPr>
+            <p:ph type="sldNum" sz="quarter" idx="10"/>
+          </p:nvPr>
+        </p:nvSpPr>
+        <p:spPr/>
+        <p:txBody>
+          <a:bodyPr/>
+          <a:lstStyle/>
+          <a:p>
+            <a:fld id="{E78E71CD-9786-4621-AA97-B53C62C3E534}" type="slidenum">
+              <a:rPr lang="en-US" smtClean="0"/>
+              <a:t>3</a:t>
+            </a:fld>
+            <a:endParaRPr lang="en-US"/>
+          </a:p>
+        </p:txBody>
+      </p:sp>
+    </p:spTree>
+    <p:extLst>
+      <p:ext uri="{BB962C8B-B14F-4D97-AF65-F5344CB8AC3E}">
+        <p14:creationId xmlns:p14="http://schemas.microsoft.com/office/powerpoint/2010/main" val="339952883"/>
+      </p:ext>
+    </p:extLst>
+  </p:cSld>
+  <p:clrMapOvr>
+    <a:masterClrMapping/>
+  </p:clrMapOvr>
+</p:notes>
+</file>
+
+<file path=ppt/notesSlides/notesSlide2.xml><?xml version="1.0" encoding="utf-8"?>
+<p:notes xmlns:a="http://schemas.openxmlformats.org/drawingml/2006/main" xmlns:r="http://schemas.openxmlformats.org/officeDocument/2006/relationships" xmlns:p="http://schemas.openxmlformats.org/presentationml/2006/main">
+  <p:cSld>
+    <p:spTree>
+      <p:nvGrpSpPr>
+        <p:cNvPr id="1" name=""/>
+        <p:cNvGrpSpPr/>
+        <p:nvPr/>
+      </p:nvGrpSpPr>
+      <p:grpSpPr>
+        <a:xfrm>
+          <a:off x="0" y="0"/>
+          <a:ext cx="0" cy="0"/>
+          <a:chOff x="0" y="0"/>
+          <a:chExt cx="0" cy="0"/>
+        </a:xfrm>
+      </p:grpSpPr>
+      <p:sp>
+        <p:nvSpPr>
+          <p:cNvPr id="2" name="Slide Image Placeholder 1"/>
+          <p:cNvSpPr>
+            <a:spLocks noGrp="1" noRot="1" noChangeAspect="1"/>
+          </p:cNvSpPr>
+          <p:nvPr>
+            <p:ph type="sldImg"/>
+          </p:nvPr>
+        </p:nvSpPr>
+        <p:spPr/>
+      </p:sp>
+      <p:sp>
+        <p:nvSpPr>
+          <p:cNvPr id="3" name="Notes Placeholder 2"/>
+          <p:cNvSpPr>
+            <a:spLocks noGrp="1"/>
+          </p:cNvSpPr>
+          <p:nvPr>
+            <p:ph type="body" idx="1"/>
+          </p:nvPr>
+        </p:nvSpPr>
+        <p:spPr/>
+        <p:txBody>
+          <a:bodyPr/>
+          <a:lstStyle/>
+          <a:p>
+            <a:endParaRPr lang="en-US" dirty="0"/>
+          </a:p>
+        </p:txBody>
+      </p:sp>
+      <p:sp>
+        <p:nvSpPr>
+          <p:cNvPr id="4" name="Slide Number Placeholder 3"/>
+          <p:cNvSpPr>
+            <a:spLocks noGrp="1"/>
+          </p:cNvSpPr>
+          <p:nvPr>
+            <p:ph type="sldNum" sz="quarter" idx="10"/>
+          </p:nvPr>
+        </p:nvSpPr>
+        <p:spPr/>
+        <p:txBody>
+          <a:bodyPr/>
+          <a:lstStyle/>
+          <a:p>
+            <a:fld id="{E78E71CD-9786-4621-AA97-B53C62C3E534}" type="slidenum">
+              <a:rPr lang="en-US" smtClean="0"/>
+              <a:t>6</a:t>
+            </a:fld>
+            <a:endParaRPr lang="en-US"/>
+          </a:p>
+        </p:txBody>
+      </p:sp>
+    </p:spTree>
+    <p:extLst>
+      <p:ext uri="{BB962C8B-B14F-4D97-AF65-F5344CB8AC3E}">
+        <p14:creationId xmlns:p14="http://schemas.microsoft.com/office/powerpoint/2010/main" val="2462365046"/>
+      </p:ext>
+    </p:extLst>
+  </p:cSld>
+  <p:clrMapOvr>
+    <a:masterClrMapping/>
+  </p:clrMapOvr>
+</p:notes>
+</file>
+
+<file path=ppt/notesSlides/notesSlide3.xml><?xml version="1.0" encoding="utf-8"?>
+<p:notes xmlns:a="http://schemas.openxmlformats.org/drawingml/2006/main" xmlns:r="http://schemas.openxmlformats.org/officeDocument/2006/relationships" xmlns:p="http://schemas.openxmlformats.org/presentationml/2006/main">
+  <p:cSld>
+    <p:spTree>
+      <p:nvGrpSpPr>
+        <p:cNvPr id="1" name=""/>
+        <p:cNvGrpSpPr/>
+        <p:nvPr/>
+      </p:nvGrpSpPr>
+      <p:grpSpPr>
+        <a:xfrm>
+          <a:off x="0" y="0"/>
+          <a:ext cx="0" cy="0"/>
+          <a:chOff x="0" y="0"/>
+          <a:chExt cx="0" cy="0"/>
+        </a:xfrm>
+      </p:grpSpPr>
+      <p:sp>
+        <p:nvSpPr>
+          <p:cNvPr id="2" name="Slide Image Placeholder 1"/>
+          <p:cNvSpPr>
+            <a:spLocks noGrp="1" noRot="1" noChangeAspect="1"/>
+          </p:cNvSpPr>
+          <p:nvPr>
+            <p:ph type="sldImg"/>
+          </p:nvPr>
+        </p:nvSpPr>
+        <p:spPr/>
+      </p:sp>
+      <p:sp>
+        <p:nvSpPr>
+          <p:cNvPr id="3" name="Notes Placeholder 2"/>
+          <p:cNvSpPr>
+            <a:spLocks noGrp="1"/>
+          </p:cNvSpPr>
+          <p:nvPr>
+            <p:ph type="body" idx="1"/>
+          </p:nvPr>
+        </p:nvSpPr>
+        <p:spPr/>
+        <p:txBody>
+          <a:bodyPr/>
+          <a:lstStyle/>
+          <a:p>
+            <a:endParaRPr lang="en-US" dirty="0"/>
+          </a:p>
+        </p:txBody>
+      </p:sp>
+      <p:sp>
+        <p:nvSpPr>
+          <p:cNvPr id="4" name="Slide Number Placeholder 3"/>
+          <p:cNvSpPr>
+            <a:spLocks noGrp="1"/>
+          </p:cNvSpPr>
+          <p:nvPr>
+            <p:ph type="sldNum" sz="quarter" idx="10"/>
+          </p:nvPr>
+        </p:nvSpPr>
+        <p:spPr/>
+        <p:txBody>
+          <a:bodyPr/>
+          <a:lstStyle/>
+          <a:p>
+            <a:fld id="{E78E71CD-9786-4621-AA97-B53C62C3E534}" type="slidenum">
+              <a:rPr lang="en-US" smtClean="0"/>
+              <a:t>19</a:t>
+            </a:fld>
+            <a:endParaRPr lang="en-US"/>
+          </a:p>
+        </p:txBody>
+      </p:sp>
+    </p:spTree>
+    <p:extLst>
+      <p:ext uri="{BB962C8B-B14F-4D97-AF65-F5344CB8AC3E}">
+        <p14:creationId xmlns:p14="http://schemas.microsoft.com/office/powerpoint/2010/main" val="1944816922"/>
+      </p:ext>
+    </p:extLst>
+  </p:cSld>
+  <p:clrMapOvr>
+    <a:masterClrMapping/>
+  </p:clrMapOvr>
+</p:notes>
 </file>
 
 <file path=ppt/slideLayouts/slideLayout1.xml><?xml version="1.0" encoding="utf-8"?>
@@ -255,7 +907,7 @@
           <a:p>
             <a:fld id="{C328AB28-8CF8-4FDA-851D-B8A8B08C8597}" type="datetimeFigureOut">
               <a:rPr lang="en-US" smtClean="0"/>
-              <a:t>6/6/2018</a:t>
+              <a:t>2018-06-18</a:t>
             </a:fld>
             <a:endParaRPr lang="en-US"/>
           </a:p>
@@ -453,7 +1105,7 @@
           <a:p>
             <a:fld id="{C328AB28-8CF8-4FDA-851D-B8A8B08C8597}" type="datetimeFigureOut">
               <a:rPr lang="en-US" smtClean="0"/>
-              <a:t>6/6/2018</a:t>
+              <a:t>2018-06-18</a:t>
             </a:fld>
             <a:endParaRPr lang="en-US"/>
           </a:p>
@@ -661,7 +1313,7 @@
           <a:p>
             <a:fld id="{C328AB28-8CF8-4FDA-851D-B8A8B08C8597}" type="datetimeFigureOut">
               <a:rPr lang="en-US" smtClean="0"/>
-              <a:t>6/6/2018</a:t>
+              <a:t>2018-06-18</a:t>
             </a:fld>
             <a:endParaRPr lang="en-US"/>
           </a:p>
@@ -725,6 +1377,1004 @@
     <p:extLst>
       <p:ext uri="{BB962C8B-B14F-4D97-AF65-F5344CB8AC3E}">
         <p14:creationId xmlns:p14="http://schemas.microsoft.com/office/powerpoint/2010/main" val="2521811866"/>
+      </p:ext>
+    </p:extLst>
+  </p:cSld>
+  <p:clrMapOvr>
+    <a:masterClrMapping/>
+  </p:clrMapOvr>
+</p:sldLayout>
+</file>
+
+<file path=ppt/slideLayouts/slideLayout12.xml><?xml version="1.0" encoding="utf-8"?>
+<p:sldLayout xmlns:a="http://schemas.openxmlformats.org/drawingml/2006/main" xmlns:r="http://schemas.openxmlformats.org/officeDocument/2006/relationships" xmlns:p="http://schemas.openxmlformats.org/presentationml/2006/main" showMasterSp="0">
+  <p:cSld name="1_Title Slide">
+    <p:bg>
+      <p:bgPr>
+        <a:solidFill>
+          <a:schemeClr val="bg1"/>
+        </a:solidFill>
+        <a:effectLst/>
+      </p:bgPr>
+    </p:bg>
+    <p:spTree>
+      <p:nvGrpSpPr>
+        <p:cNvPr id="1" name=""/>
+        <p:cNvGrpSpPr/>
+        <p:nvPr/>
+      </p:nvGrpSpPr>
+      <p:grpSpPr>
+        <a:xfrm>
+          <a:off x="0" y="0"/>
+          <a:ext cx="0" cy="0"/>
+          <a:chOff x="0" y="0"/>
+          <a:chExt cx="0" cy="0"/>
+        </a:xfrm>
+      </p:grpSpPr>
+      <p:sp>
+        <p:nvSpPr>
+          <p:cNvPr id="7" name="Rectangle 6"/>
+          <p:cNvSpPr/>
+          <p:nvPr/>
+        </p:nvSpPr>
+        <p:spPr>
+          <a:xfrm>
+            <a:off x="0" y="2"/>
+            <a:ext cx="12203992" cy="4375505"/>
+          </a:xfrm>
+          <a:prstGeom prst="rect">
+            <a:avLst/>
+          </a:prstGeom>
+          <a:solidFill>
+            <a:srgbClr val="0A60A3"/>
+          </a:solidFill>
+          <a:ln>
+            <a:noFill/>
+          </a:ln>
+          <a:effectLst/>
+        </p:spPr>
+        <p:style>
+          <a:lnRef idx="1">
+            <a:schemeClr val="accent1"/>
+          </a:lnRef>
+          <a:fillRef idx="3">
+            <a:schemeClr val="accent1"/>
+          </a:fillRef>
+          <a:effectRef idx="2">
+            <a:schemeClr val="accent1"/>
+          </a:effectRef>
+          <a:fontRef idx="minor">
+            <a:schemeClr val="lt1"/>
+          </a:fontRef>
+        </p:style>
+        <p:txBody>
+          <a:bodyPr lIns="0" rIns="0" rtlCol="0" anchor="ctr"/>
+          <a:lstStyle/>
+          <a:p>
+            <a:pPr algn="ctr"/>
+            <a:endParaRPr lang="en-US" sz="2400"/>
+          </a:p>
+        </p:txBody>
+      </p:sp>
+      <p:sp>
+        <p:nvSpPr>
+          <p:cNvPr id="2" name="Title 1"/>
+          <p:cNvSpPr>
+            <a:spLocks noGrp="1"/>
+          </p:cNvSpPr>
+          <p:nvPr>
+            <p:ph type="ctrTitle" hasCustomPrompt="1"/>
+          </p:nvPr>
+        </p:nvSpPr>
+        <p:spPr>
+          <a:xfrm>
+            <a:off x="605368" y="1121833"/>
+            <a:ext cx="10981265" cy="2387600"/>
+          </a:xfrm>
+        </p:spPr>
+        <p:txBody>
+          <a:bodyPr anchor="b"/>
+          <a:lstStyle>
+            <a:lvl1pPr algn="ctr">
+              <a:defRPr sz="3733" baseline="0">
+                <a:solidFill>
+                  <a:schemeClr val="bg1"/>
+                </a:solidFill>
+              </a:defRPr>
+            </a:lvl1pPr>
+          </a:lstStyle>
+          <a:p>
+            <a:r>
+              <a:rPr lang="en-US" dirty="0"/>
+              <a:t>Presentation Title</a:t>
+            </a:r>
+          </a:p>
+        </p:txBody>
+      </p:sp>
+      <p:sp>
+        <p:nvSpPr>
+          <p:cNvPr id="3" name="Subtitle 2"/>
+          <p:cNvSpPr>
+            <a:spLocks noGrp="1"/>
+          </p:cNvSpPr>
+          <p:nvPr>
+            <p:ph type="subTitle" idx="1" hasCustomPrompt="1"/>
+          </p:nvPr>
+        </p:nvSpPr>
+        <p:spPr>
+          <a:xfrm>
+            <a:off x="605367" y="3509434"/>
+            <a:ext cx="10981267" cy="757767"/>
+          </a:xfrm>
+        </p:spPr>
+        <p:txBody>
+          <a:bodyPr/>
+          <a:lstStyle>
+            <a:lvl1pPr marL="0" marR="0" indent="0" algn="ctr" defTabSz="1219170" rtl="0" eaLnBrk="1" fontAlgn="auto" latinLnBrk="0" hangingPunct="1">
+              <a:lnSpc>
+                <a:spcPts val="2133"/>
+              </a:lnSpc>
+              <a:spcBef>
+                <a:spcPts val="1333"/>
+              </a:spcBef>
+              <a:spcAft>
+                <a:spcPts val="0"/>
+              </a:spcAft>
+              <a:buClrTx/>
+              <a:buSzTx/>
+              <a:buFont typeface="Arial"/>
+              <a:buNone/>
+              <a:tabLst/>
+              <a:defRPr sz="2400" baseline="0">
+                <a:solidFill>
+                  <a:schemeClr val="bg1"/>
+                </a:solidFill>
+              </a:defRPr>
+            </a:lvl1pPr>
+            <a:lvl2pPr marL="609585" indent="0" algn="ctr">
+              <a:buNone/>
+              <a:defRPr sz="2667"/>
+            </a:lvl2pPr>
+            <a:lvl3pPr marL="1219170" indent="0" algn="ctr">
+              <a:buNone/>
+              <a:defRPr sz="2400"/>
+            </a:lvl3pPr>
+            <a:lvl4pPr marL="1828754" indent="0" algn="ctr">
+              <a:buNone/>
+              <a:defRPr sz="2133"/>
+            </a:lvl4pPr>
+            <a:lvl5pPr marL="2438339" indent="0" algn="ctr">
+              <a:buNone/>
+              <a:defRPr sz="2133"/>
+            </a:lvl5pPr>
+            <a:lvl6pPr marL="3047924" indent="0" algn="ctr">
+              <a:buNone/>
+              <a:defRPr sz="2133"/>
+            </a:lvl6pPr>
+            <a:lvl7pPr marL="3657509" indent="0" algn="ctr">
+              <a:buNone/>
+              <a:defRPr sz="2133"/>
+            </a:lvl7pPr>
+            <a:lvl8pPr marL="4267093" indent="0" algn="ctr">
+              <a:buNone/>
+              <a:defRPr sz="2133"/>
+            </a:lvl8pPr>
+            <a:lvl9pPr marL="4876678" indent="0" algn="ctr">
+              <a:buNone/>
+              <a:defRPr sz="2133"/>
+            </a:lvl9pPr>
+          </a:lstStyle>
+          <a:p>
+            <a:r>
+              <a:rPr lang="en-US" dirty="0"/>
+              <a:t>Subhead</a:t>
+            </a:r>
+          </a:p>
+        </p:txBody>
+      </p:sp>
+      <p:sp>
+        <p:nvSpPr>
+          <p:cNvPr id="17" name="Text Placeholder 16"/>
+          <p:cNvSpPr>
+            <a:spLocks noGrp="1"/>
+          </p:cNvSpPr>
+          <p:nvPr>
+            <p:ph type="body" sz="quarter" idx="12" hasCustomPrompt="1"/>
+          </p:nvPr>
+        </p:nvSpPr>
+        <p:spPr>
+          <a:xfrm>
+            <a:off x="605367" y="4631266"/>
+            <a:ext cx="10981267" cy="414868"/>
+          </a:xfrm>
+        </p:spPr>
+        <p:txBody>
+          <a:bodyPr/>
+          <a:lstStyle>
+            <a:lvl1pPr marL="0" marR="0" indent="0" algn="ctr" defTabSz="1219170" rtl="0" eaLnBrk="1" fontAlgn="auto" latinLnBrk="0" hangingPunct="1">
+              <a:lnSpc>
+                <a:spcPct val="100000"/>
+              </a:lnSpc>
+              <a:spcBef>
+                <a:spcPts val="533"/>
+              </a:spcBef>
+              <a:spcAft>
+                <a:spcPts val="800"/>
+              </a:spcAft>
+              <a:buClr>
+                <a:schemeClr val="bg2">
+                  <a:lumMod val="50000"/>
+                </a:schemeClr>
+              </a:buClr>
+              <a:buSzPct val="70000"/>
+              <a:buFont typeface="Wingdings" charset="2"/>
+              <a:buNone/>
+              <a:tabLst>
+                <a:tab pos="243411" algn="l"/>
+                <a:tab pos="4944410" algn="l"/>
+              </a:tabLst>
+              <a:defRPr sz="2133">
+                <a:solidFill>
+                  <a:schemeClr val="bg2">
+                    <a:lumMod val="50000"/>
+                  </a:schemeClr>
+                </a:solidFill>
+              </a:defRPr>
+            </a:lvl1pPr>
+          </a:lstStyle>
+          <a:p>
+            <a:pPr algn="ctr">
+              <a:spcAft>
+                <a:spcPts val="600"/>
+              </a:spcAft>
+            </a:pPr>
+            <a:r>
+              <a:rPr lang="en-US" dirty="0">
+                <a:solidFill>
+                  <a:schemeClr val="tx1">
+                    <a:lumMod val="50000"/>
+                    <a:lumOff val="50000"/>
+                  </a:schemeClr>
+                </a:solidFill>
+              </a:rPr>
+              <a:t>Speaker</a:t>
+            </a:r>
+            <a:endParaRPr lang="en-US" sz="1867" dirty="0">
+              <a:solidFill>
+                <a:schemeClr val="bg1">
+                  <a:lumMod val="65000"/>
+                </a:schemeClr>
+              </a:solidFill>
+            </a:endParaRPr>
+          </a:p>
+        </p:txBody>
+      </p:sp>
+      <p:sp>
+        <p:nvSpPr>
+          <p:cNvPr id="21" name="Text Placeholder 20"/>
+          <p:cNvSpPr>
+            <a:spLocks noGrp="1"/>
+          </p:cNvSpPr>
+          <p:nvPr>
+            <p:ph type="body" sz="quarter" idx="13" hasCustomPrompt="1"/>
+          </p:nvPr>
+        </p:nvSpPr>
+        <p:spPr>
+          <a:xfrm>
+            <a:off x="605367" y="5046134"/>
+            <a:ext cx="10981267" cy="463551"/>
+          </a:xfrm>
+        </p:spPr>
+        <p:txBody>
+          <a:bodyPr/>
+          <a:lstStyle>
+            <a:lvl1pPr marL="0" marR="0" indent="0" algn="ctr" defTabSz="1219170" rtl="0" eaLnBrk="1" fontAlgn="auto" latinLnBrk="0" hangingPunct="1">
+              <a:lnSpc>
+                <a:spcPct val="100000"/>
+              </a:lnSpc>
+              <a:spcBef>
+                <a:spcPts val="533"/>
+              </a:spcBef>
+              <a:spcAft>
+                <a:spcPts val="800"/>
+              </a:spcAft>
+              <a:buClr>
+                <a:schemeClr val="bg2">
+                  <a:lumMod val="50000"/>
+                </a:schemeClr>
+              </a:buClr>
+              <a:buSzPct val="70000"/>
+              <a:buFont typeface="Wingdings" charset="2"/>
+              <a:buNone/>
+              <a:tabLst>
+                <a:tab pos="243834" algn="l"/>
+              </a:tabLst>
+              <a:defRPr sz="2133">
+                <a:solidFill>
+                  <a:schemeClr val="bg2">
+                    <a:lumMod val="50000"/>
+                  </a:schemeClr>
+                </a:solidFill>
+              </a:defRPr>
+            </a:lvl1pPr>
+          </a:lstStyle>
+          <a:p>
+            <a:pPr>
+              <a:spcAft>
+                <a:spcPts val="600"/>
+              </a:spcAft>
+            </a:pPr>
+            <a:r>
+              <a:rPr lang="en-US" dirty="0">
+                <a:solidFill>
+                  <a:schemeClr val="bg1">
+                    <a:lumMod val="65000"/>
+                  </a:schemeClr>
+                </a:solidFill>
+              </a:rPr>
+              <a:t>Title</a:t>
+            </a:r>
+          </a:p>
+        </p:txBody>
+      </p:sp>
+      <p:pic>
+        <p:nvPicPr>
+          <p:cNvPr id="11" name="Picture 10"/>
+          <p:cNvPicPr>
+            <a:picLocks noChangeAspect="1"/>
+          </p:cNvPicPr>
+          <p:nvPr/>
+        </p:nvPicPr>
+        <p:blipFill>
+          <a:blip r:embed="rId2" cstate="screen">
+            <a:extLst>
+              <a:ext uri="{28A0092B-C50C-407E-A947-70E740481C1C}">
+                <a14:useLocalDpi xmlns:a14="http://schemas.microsoft.com/office/drawing/2010/main"/>
+              </a:ext>
+            </a:extLst>
+          </a:blip>
+          <a:stretch>
+            <a:fillRect/>
+          </a:stretch>
+        </p:blipFill>
+        <p:spPr>
+          <a:xfrm>
+            <a:off x="615165" y="6324601"/>
+            <a:ext cx="1418891" cy="343808"/>
+          </a:xfrm>
+          <a:prstGeom prst="rect">
+            <a:avLst/>
+          </a:prstGeom>
+        </p:spPr>
+      </p:pic>
+      <p:sp>
+        <p:nvSpPr>
+          <p:cNvPr id="10" name="Footer Placeholder 3"/>
+          <p:cNvSpPr txBox="1">
+            <a:spLocks/>
+          </p:cNvSpPr>
+          <p:nvPr/>
+        </p:nvSpPr>
+        <p:spPr>
+          <a:xfrm>
+            <a:off x="9593112" y="6392672"/>
+            <a:ext cx="2002985" cy="267608"/>
+          </a:xfrm>
+          <a:prstGeom prst="rect">
+            <a:avLst/>
+          </a:prstGeom>
+        </p:spPr>
+        <p:txBody>
+          <a:bodyPr vert="horz" lIns="0" tIns="60960" rIns="0" bIns="60960" rtlCol="0" anchor="ctr"/>
+          <a:lstStyle>
+            <a:defPPr>
+              <a:defRPr lang="en-US"/>
+            </a:defPPr>
+            <a:lvl1pPr marL="0" algn="r" defTabSz="457174" rtl="0" eaLnBrk="1" latinLnBrk="0" hangingPunct="1">
+              <a:defRPr sz="1200" kern="1200">
+                <a:solidFill>
+                  <a:schemeClr val="tx1">
+                    <a:tint val="75000"/>
+                  </a:schemeClr>
+                </a:solidFill>
+                <a:latin typeface="+mn-lt"/>
+                <a:ea typeface="+mn-ea"/>
+                <a:cs typeface="+mn-cs"/>
+              </a:defRPr>
+            </a:lvl1pPr>
+            <a:lvl2pPr marL="457174" algn="l" defTabSz="457174" rtl="0" eaLnBrk="1" latinLnBrk="0" hangingPunct="1">
+              <a:defRPr sz="1800" kern="1200">
+                <a:solidFill>
+                  <a:schemeClr val="tx1"/>
+                </a:solidFill>
+                <a:latin typeface="+mn-lt"/>
+                <a:ea typeface="+mn-ea"/>
+                <a:cs typeface="+mn-cs"/>
+              </a:defRPr>
+            </a:lvl2pPr>
+            <a:lvl3pPr marL="914348" algn="l" defTabSz="457174" rtl="0" eaLnBrk="1" latinLnBrk="0" hangingPunct="1">
+              <a:defRPr sz="1800" kern="1200">
+                <a:solidFill>
+                  <a:schemeClr val="tx1"/>
+                </a:solidFill>
+                <a:latin typeface="+mn-lt"/>
+                <a:ea typeface="+mn-ea"/>
+                <a:cs typeface="+mn-cs"/>
+              </a:defRPr>
+            </a:lvl3pPr>
+            <a:lvl4pPr marL="1371523" algn="l" defTabSz="457174" rtl="0" eaLnBrk="1" latinLnBrk="0" hangingPunct="1">
+              <a:defRPr sz="1800" kern="1200">
+                <a:solidFill>
+                  <a:schemeClr val="tx1"/>
+                </a:solidFill>
+                <a:latin typeface="+mn-lt"/>
+                <a:ea typeface="+mn-ea"/>
+                <a:cs typeface="+mn-cs"/>
+              </a:defRPr>
+            </a:lvl4pPr>
+            <a:lvl5pPr marL="1828698" algn="l" defTabSz="457174" rtl="0" eaLnBrk="1" latinLnBrk="0" hangingPunct="1">
+              <a:defRPr sz="1800" kern="1200">
+                <a:solidFill>
+                  <a:schemeClr val="tx1"/>
+                </a:solidFill>
+                <a:latin typeface="+mn-lt"/>
+                <a:ea typeface="+mn-ea"/>
+                <a:cs typeface="+mn-cs"/>
+              </a:defRPr>
+            </a:lvl5pPr>
+            <a:lvl6pPr marL="2285872" algn="l" defTabSz="457174" rtl="0" eaLnBrk="1" latinLnBrk="0" hangingPunct="1">
+              <a:defRPr sz="1800" kern="1200">
+                <a:solidFill>
+                  <a:schemeClr val="tx1"/>
+                </a:solidFill>
+                <a:latin typeface="+mn-lt"/>
+                <a:ea typeface="+mn-ea"/>
+                <a:cs typeface="+mn-cs"/>
+              </a:defRPr>
+            </a:lvl6pPr>
+            <a:lvl7pPr marL="2743046" algn="l" defTabSz="457174" rtl="0" eaLnBrk="1" latinLnBrk="0" hangingPunct="1">
+              <a:defRPr sz="1800" kern="1200">
+                <a:solidFill>
+                  <a:schemeClr val="tx1"/>
+                </a:solidFill>
+                <a:latin typeface="+mn-lt"/>
+                <a:ea typeface="+mn-ea"/>
+                <a:cs typeface="+mn-cs"/>
+              </a:defRPr>
+            </a:lvl7pPr>
+            <a:lvl8pPr marL="3200220" algn="l" defTabSz="457174" rtl="0" eaLnBrk="1" latinLnBrk="0" hangingPunct="1">
+              <a:defRPr sz="1800" kern="1200">
+                <a:solidFill>
+                  <a:schemeClr val="tx1"/>
+                </a:solidFill>
+                <a:latin typeface="+mn-lt"/>
+                <a:ea typeface="+mn-ea"/>
+                <a:cs typeface="+mn-cs"/>
+              </a:defRPr>
+            </a:lvl8pPr>
+            <a:lvl9pPr marL="3657394" algn="l" defTabSz="457174" rtl="0" eaLnBrk="1" latinLnBrk="0" hangingPunct="1">
+              <a:defRPr sz="1800" kern="1200">
+                <a:solidFill>
+                  <a:schemeClr val="tx1"/>
+                </a:solidFill>
+                <a:latin typeface="+mn-lt"/>
+                <a:ea typeface="+mn-ea"/>
+                <a:cs typeface="+mn-cs"/>
+              </a:defRPr>
+            </a:lvl9pPr>
+          </a:lstStyle>
+          <a:p>
+            <a:r>
+              <a:rPr lang="en-US" sz="1333" dirty="0" err="1"/>
+              <a:t>ni.com</a:t>
+            </a:r>
+            <a:endParaRPr lang="en-US" sz="1333" dirty="0"/>
+          </a:p>
+        </p:txBody>
+      </p:sp>
+    </p:spTree>
+    <p:extLst>
+      <p:ext uri="{BB962C8B-B14F-4D97-AF65-F5344CB8AC3E}">
+        <p14:creationId xmlns:p14="http://schemas.microsoft.com/office/powerpoint/2010/main" val="1374852398"/>
+      </p:ext>
+    </p:extLst>
+  </p:cSld>
+  <p:clrMapOvr>
+    <a:masterClrMapping/>
+  </p:clrMapOvr>
+</p:sldLayout>
+</file>
+
+<file path=ppt/slideLayouts/slideLayout13.xml><?xml version="1.0" encoding="utf-8"?>
+<p:sldLayout xmlns:a="http://schemas.openxmlformats.org/drawingml/2006/main" xmlns:r="http://schemas.openxmlformats.org/officeDocument/2006/relationships" xmlns:p="http://schemas.openxmlformats.org/presentationml/2006/main" showMasterSp="0">
+  <p:cSld name="External_Title Slide">
+    <p:bg>
+      <p:bgPr>
+        <a:solidFill>
+          <a:schemeClr val="bg1"/>
+        </a:solidFill>
+        <a:effectLst/>
+      </p:bgPr>
+    </p:bg>
+    <p:spTree>
+      <p:nvGrpSpPr>
+        <p:cNvPr id="1" name=""/>
+        <p:cNvGrpSpPr/>
+        <p:nvPr/>
+      </p:nvGrpSpPr>
+      <p:grpSpPr>
+        <a:xfrm>
+          <a:off x="0" y="0"/>
+          <a:ext cx="0" cy="0"/>
+          <a:chOff x="0" y="0"/>
+          <a:chExt cx="0" cy="0"/>
+        </a:xfrm>
+      </p:grpSpPr>
+      <p:sp>
+        <p:nvSpPr>
+          <p:cNvPr id="7" name="Rectangle 6"/>
+          <p:cNvSpPr/>
+          <p:nvPr/>
+        </p:nvSpPr>
+        <p:spPr>
+          <a:xfrm>
+            <a:off x="0" y="2"/>
+            <a:ext cx="12203992" cy="4375505"/>
+          </a:xfrm>
+          <a:prstGeom prst="rect">
+            <a:avLst/>
+          </a:prstGeom>
+          <a:solidFill>
+            <a:srgbClr val="0A60A3"/>
+          </a:solidFill>
+          <a:ln>
+            <a:noFill/>
+          </a:ln>
+          <a:effectLst/>
+        </p:spPr>
+        <p:style>
+          <a:lnRef idx="1">
+            <a:schemeClr val="accent1"/>
+          </a:lnRef>
+          <a:fillRef idx="3">
+            <a:schemeClr val="accent1"/>
+          </a:fillRef>
+          <a:effectRef idx="2">
+            <a:schemeClr val="accent1"/>
+          </a:effectRef>
+          <a:fontRef idx="minor">
+            <a:schemeClr val="lt1"/>
+          </a:fontRef>
+        </p:style>
+        <p:txBody>
+          <a:bodyPr lIns="0" rIns="0" rtlCol="0" anchor="ctr"/>
+          <a:lstStyle/>
+          <a:p>
+            <a:pPr algn="ctr"/>
+            <a:endParaRPr lang="en-US" sz="2400"/>
+          </a:p>
+        </p:txBody>
+      </p:sp>
+      <p:sp>
+        <p:nvSpPr>
+          <p:cNvPr id="2" name="Title 1"/>
+          <p:cNvSpPr>
+            <a:spLocks noGrp="1"/>
+          </p:cNvSpPr>
+          <p:nvPr>
+            <p:ph type="ctrTitle" hasCustomPrompt="1"/>
+          </p:nvPr>
+        </p:nvSpPr>
+        <p:spPr>
+          <a:xfrm>
+            <a:off x="605368" y="1121833"/>
+            <a:ext cx="10981265" cy="2387600"/>
+          </a:xfrm>
+        </p:spPr>
+        <p:txBody>
+          <a:bodyPr anchor="b"/>
+          <a:lstStyle>
+            <a:lvl1pPr algn="ctr">
+              <a:defRPr sz="3733" baseline="0">
+                <a:solidFill>
+                  <a:schemeClr val="bg1"/>
+                </a:solidFill>
+              </a:defRPr>
+            </a:lvl1pPr>
+          </a:lstStyle>
+          <a:p>
+            <a:r>
+              <a:rPr lang="en-US" dirty="0"/>
+              <a:t>Presentation Title</a:t>
+            </a:r>
+          </a:p>
+        </p:txBody>
+      </p:sp>
+      <p:sp>
+        <p:nvSpPr>
+          <p:cNvPr id="3" name="Subtitle 2"/>
+          <p:cNvSpPr>
+            <a:spLocks noGrp="1"/>
+          </p:cNvSpPr>
+          <p:nvPr>
+            <p:ph type="subTitle" idx="1" hasCustomPrompt="1"/>
+          </p:nvPr>
+        </p:nvSpPr>
+        <p:spPr>
+          <a:xfrm>
+            <a:off x="605367" y="3509434"/>
+            <a:ext cx="10981267" cy="757767"/>
+          </a:xfrm>
+        </p:spPr>
+        <p:txBody>
+          <a:bodyPr/>
+          <a:lstStyle>
+            <a:lvl1pPr marL="0" marR="0" indent="0" algn="ctr" defTabSz="1219170" rtl="0" eaLnBrk="1" fontAlgn="auto" latinLnBrk="0" hangingPunct="1">
+              <a:lnSpc>
+                <a:spcPts val="2133"/>
+              </a:lnSpc>
+              <a:spcBef>
+                <a:spcPts val="1333"/>
+              </a:spcBef>
+              <a:spcAft>
+                <a:spcPts val="0"/>
+              </a:spcAft>
+              <a:buClrTx/>
+              <a:buSzTx/>
+              <a:buFont typeface="Arial"/>
+              <a:buNone/>
+              <a:tabLst/>
+              <a:defRPr sz="2400" baseline="0">
+                <a:solidFill>
+                  <a:schemeClr val="bg1"/>
+                </a:solidFill>
+              </a:defRPr>
+            </a:lvl1pPr>
+            <a:lvl2pPr marL="609585" indent="0" algn="ctr">
+              <a:buNone/>
+              <a:defRPr sz="2667"/>
+            </a:lvl2pPr>
+            <a:lvl3pPr marL="1219170" indent="0" algn="ctr">
+              <a:buNone/>
+              <a:defRPr sz="2400"/>
+            </a:lvl3pPr>
+            <a:lvl4pPr marL="1828754" indent="0" algn="ctr">
+              <a:buNone/>
+              <a:defRPr sz="2133"/>
+            </a:lvl4pPr>
+            <a:lvl5pPr marL="2438339" indent="0" algn="ctr">
+              <a:buNone/>
+              <a:defRPr sz="2133"/>
+            </a:lvl5pPr>
+            <a:lvl6pPr marL="3047924" indent="0" algn="ctr">
+              <a:buNone/>
+              <a:defRPr sz="2133"/>
+            </a:lvl6pPr>
+            <a:lvl7pPr marL="3657509" indent="0" algn="ctr">
+              <a:buNone/>
+              <a:defRPr sz="2133"/>
+            </a:lvl7pPr>
+            <a:lvl8pPr marL="4267093" indent="0" algn="ctr">
+              <a:buNone/>
+              <a:defRPr sz="2133"/>
+            </a:lvl8pPr>
+            <a:lvl9pPr marL="4876678" indent="0" algn="ctr">
+              <a:buNone/>
+              <a:defRPr sz="2133"/>
+            </a:lvl9pPr>
+          </a:lstStyle>
+          <a:p>
+            <a:r>
+              <a:rPr lang="en-US" dirty="0"/>
+              <a:t>Subhead</a:t>
+            </a:r>
+          </a:p>
+        </p:txBody>
+      </p:sp>
+      <p:sp>
+        <p:nvSpPr>
+          <p:cNvPr id="17" name="Text Placeholder 16"/>
+          <p:cNvSpPr>
+            <a:spLocks noGrp="1"/>
+          </p:cNvSpPr>
+          <p:nvPr>
+            <p:ph type="body" sz="quarter" idx="12" hasCustomPrompt="1"/>
+          </p:nvPr>
+        </p:nvSpPr>
+        <p:spPr>
+          <a:xfrm>
+            <a:off x="605367" y="4631266"/>
+            <a:ext cx="10981267" cy="414868"/>
+          </a:xfrm>
+        </p:spPr>
+        <p:txBody>
+          <a:bodyPr/>
+          <a:lstStyle>
+            <a:lvl1pPr marL="0" marR="0" indent="0" algn="ctr" defTabSz="1219170" rtl="0" eaLnBrk="1" fontAlgn="auto" latinLnBrk="0" hangingPunct="1">
+              <a:lnSpc>
+                <a:spcPct val="100000"/>
+              </a:lnSpc>
+              <a:spcBef>
+                <a:spcPts val="533"/>
+              </a:spcBef>
+              <a:spcAft>
+                <a:spcPts val="800"/>
+              </a:spcAft>
+              <a:buClr>
+                <a:schemeClr val="bg2">
+                  <a:lumMod val="50000"/>
+                </a:schemeClr>
+              </a:buClr>
+              <a:buSzPct val="70000"/>
+              <a:buFont typeface="Wingdings" charset="2"/>
+              <a:buNone/>
+              <a:tabLst>
+                <a:tab pos="243411" algn="l"/>
+                <a:tab pos="4944410" algn="l"/>
+              </a:tabLst>
+              <a:defRPr sz="2133">
+                <a:solidFill>
+                  <a:schemeClr val="bg2">
+                    <a:lumMod val="50000"/>
+                  </a:schemeClr>
+                </a:solidFill>
+              </a:defRPr>
+            </a:lvl1pPr>
+          </a:lstStyle>
+          <a:p>
+            <a:pPr algn="ctr">
+              <a:spcAft>
+                <a:spcPts val="600"/>
+              </a:spcAft>
+            </a:pPr>
+            <a:r>
+              <a:rPr lang="en-US" dirty="0">
+                <a:solidFill>
+                  <a:schemeClr val="tx1">
+                    <a:lumMod val="50000"/>
+                    <a:lumOff val="50000"/>
+                  </a:schemeClr>
+                </a:solidFill>
+              </a:rPr>
+              <a:t>Speaker</a:t>
+            </a:r>
+            <a:endParaRPr lang="en-US" sz="1867" dirty="0">
+              <a:solidFill>
+                <a:schemeClr val="bg1">
+                  <a:lumMod val="65000"/>
+                </a:schemeClr>
+              </a:solidFill>
+            </a:endParaRPr>
+          </a:p>
+        </p:txBody>
+      </p:sp>
+      <p:sp>
+        <p:nvSpPr>
+          <p:cNvPr id="21" name="Text Placeholder 20"/>
+          <p:cNvSpPr>
+            <a:spLocks noGrp="1"/>
+          </p:cNvSpPr>
+          <p:nvPr>
+            <p:ph type="body" sz="quarter" idx="13" hasCustomPrompt="1"/>
+          </p:nvPr>
+        </p:nvSpPr>
+        <p:spPr>
+          <a:xfrm>
+            <a:off x="605367" y="5046134"/>
+            <a:ext cx="10981267" cy="463551"/>
+          </a:xfrm>
+        </p:spPr>
+        <p:txBody>
+          <a:bodyPr/>
+          <a:lstStyle>
+            <a:lvl1pPr marL="0" marR="0" indent="0" algn="ctr" defTabSz="1219170" rtl="0" eaLnBrk="1" fontAlgn="auto" latinLnBrk="0" hangingPunct="1">
+              <a:lnSpc>
+                <a:spcPct val="100000"/>
+              </a:lnSpc>
+              <a:spcBef>
+                <a:spcPts val="533"/>
+              </a:spcBef>
+              <a:spcAft>
+                <a:spcPts val="800"/>
+              </a:spcAft>
+              <a:buClr>
+                <a:schemeClr val="bg2">
+                  <a:lumMod val="50000"/>
+                </a:schemeClr>
+              </a:buClr>
+              <a:buSzPct val="70000"/>
+              <a:buFont typeface="Wingdings" charset="2"/>
+              <a:buNone/>
+              <a:tabLst>
+                <a:tab pos="243834" algn="l"/>
+              </a:tabLst>
+              <a:defRPr sz="1867">
+                <a:solidFill>
+                  <a:schemeClr val="bg2">
+                    <a:lumMod val="50000"/>
+                  </a:schemeClr>
+                </a:solidFill>
+              </a:defRPr>
+            </a:lvl1pPr>
+          </a:lstStyle>
+          <a:p>
+            <a:pPr>
+              <a:spcAft>
+                <a:spcPts val="600"/>
+              </a:spcAft>
+            </a:pPr>
+            <a:r>
+              <a:rPr lang="en-US" dirty="0">
+                <a:solidFill>
+                  <a:schemeClr val="bg1">
+                    <a:lumMod val="65000"/>
+                  </a:schemeClr>
+                </a:solidFill>
+              </a:rPr>
+              <a:t>Title</a:t>
+            </a:r>
+          </a:p>
+        </p:txBody>
+      </p:sp>
+      <p:pic>
+        <p:nvPicPr>
+          <p:cNvPr id="11" name="Picture 10"/>
+          <p:cNvPicPr>
+            <a:picLocks noChangeAspect="1"/>
+          </p:cNvPicPr>
+          <p:nvPr/>
+        </p:nvPicPr>
+        <p:blipFill>
+          <a:blip r:embed="rId2" cstate="screen">
+            <a:extLst>
+              <a:ext uri="{28A0092B-C50C-407E-A947-70E740481C1C}">
+                <a14:useLocalDpi xmlns:a14="http://schemas.microsoft.com/office/drawing/2010/main"/>
+              </a:ext>
+            </a:extLst>
+          </a:blip>
+          <a:stretch>
+            <a:fillRect/>
+          </a:stretch>
+        </p:blipFill>
+        <p:spPr>
+          <a:xfrm>
+            <a:off x="615165" y="6324601"/>
+            <a:ext cx="1418891" cy="343808"/>
+          </a:xfrm>
+          <a:prstGeom prst="rect">
+            <a:avLst/>
+          </a:prstGeom>
+        </p:spPr>
+      </p:pic>
+      <p:sp>
+        <p:nvSpPr>
+          <p:cNvPr id="10" name="Footer Placeholder 3"/>
+          <p:cNvSpPr txBox="1">
+            <a:spLocks/>
+          </p:cNvSpPr>
+          <p:nvPr/>
+        </p:nvSpPr>
+        <p:spPr>
+          <a:xfrm>
+            <a:off x="9593112" y="6392672"/>
+            <a:ext cx="2002985" cy="267608"/>
+          </a:xfrm>
+          <a:prstGeom prst="rect">
+            <a:avLst/>
+          </a:prstGeom>
+        </p:spPr>
+        <p:txBody>
+          <a:bodyPr vert="horz" lIns="0" tIns="60960" rIns="0" bIns="60960" rtlCol="0" anchor="ctr"/>
+          <a:lstStyle>
+            <a:defPPr>
+              <a:defRPr lang="en-US"/>
+            </a:defPPr>
+            <a:lvl1pPr marL="0" algn="r" defTabSz="457174" rtl="0" eaLnBrk="1" latinLnBrk="0" hangingPunct="1">
+              <a:defRPr sz="1200" kern="1200">
+                <a:solidFill>
+                  <a:schemeClr val="tx1">
+                    <a:tint val="75000"/>
+                  </a:schemeClr>
+                </a:solidFill>
+                <a:latin typeface="+mn-lt"/>
+                <a:ea typeface="+mn-ea"/>
+                <a:cs typeface="+mn-cs"/>
+              </a:defRPr>
+            </a:lvl1pPr>
+            <a:lvl2pPr marL="457174" algn="l" defTabSz="457174" rtl="0" eaLnBrk="1" latinLnBrk="0" hangingPunct="1">
+              <a:defRPr sz="1800" kern="1200">
+                <a:solidFill>
+                  <a:schemeClr val="tx1"/>
+                </a:solidFill>
+                <a:latin typeface="+mn-lt"/>
+                <a:ea typeface="+mn-ea"/>
+                <a:cs typeface="+mn-cs"/>
+              </a:defRPr>
+            </a:lvl2pPr>
+            <a:lvl3pPr marL="914348" algn="l" defTabSz="457174" rtl="0" eaLnBrk="1" latinLnBrk="0" hangingPunct="1">
+              <a:defRPr sz="1800" kern="1200">
+                <a:solidFill>
+                  <a:schemeClr val="tx1"/>
+                </a:solidFill>
+                <a:latin typeface="+mn-lt"/>
+                <a:ea typeface="+mn-ea"/>
+                <a:cs typeface="+mn-cs"/>
+              </a:defRPr>
+            </a:lvl3pPr>
+            <a:lvl4pPr marL="1371523" algn="l" defTabSz="457174" rtl="0" eaLnBrk="1" latinLnBrk="0" hangingPunct="1">
+              <a:defRPr sz="1800" kern="1200">
+                <a:solidFill>
+                  <a:schemeClr val="tx1"/>
+                </a:solidFill>
+                <a:latin typeface="+mn-lt"/>
+                <a:ea typeface="+mn-ea"/>
+                <a:cs typeface="+mn-cs"/>
+              </a:defRPr>
+            </a:lvl4pPr>
+            <a:lvl5pPr marL="1828698" algn="l" defTabSz="457174" rtl="0" eaLnBrk="1" latinLnBrk="0" hangingPunct="1">
+              <a:defRPr sz="1800" kern="1200">
+                <a:solidFill>
+                  <a:schemeClr val="tx1"/>
+                </a:solidFill>
+                <a:latin typeface="+mn-lt"/>
+                <a:ea typeface="+mn-ea"/>
+                <a:cs typeface="+mn-cs"/>
+              </a:defRPr>
+            </a:lvl5pPr>
+            <a:lvl6pPr marL="2285872" algn="l" defTabSz="457174" rtl="0" eaLnBrk="1" latinLnBrk="0" hangingPunct="1">
+              <a:defRPr sz="1800" kern="1200">
+                <a:solidFill>
+                  <a:schemeClr val="tx1"/>
+                </a:solidFill>
+                <a:latin typeface="+mn-lt"/>
+                <a:ea typeface="+mn-ea"/>
+                <a:cs typeface="+mn-cs"/>
+              </a:defRPr>
+            </a:lvl6pPr>
+            <a:lvl7pPr marL="2743046" algn="l" defTabSz="457174" rtl="0" eaLnBrk="1" latinLnBrk="0" hangingPunct="1">
+              <a:defRPr sz="1800" kern="1200">
+                <a:solidFill>
+                  <a:schemeClr val="tx1"/>
+                </a:solidFill>
+                <a:latin typeface="+mn-lt"/>
+                <a:ea typeface="+mn-ea"/>
+                <a:cs typeface="+mn-cs"/>
+              </a:defRPr>
+            </a:lvl7pPr>
+            <a:lvl8pPr marL="3200220" algn="l" defTabSz="457174" rtl="0" eaLnBrk="1" latinLnBrk="0" hangingPunct="1">
+              <a:defRPr sz="1800" kern="1200">
+                <a:solidFill>
+                  <a:schemeClr val="tx1"/>
+                </a:solidFill>
+                <a:latin typeface="+mn-lt"/>
+                <a:ea typeface="+mn-ea"/>
+                <a:cs typeface="+mn-cs"/>
+              </a:defRPr>
+            </a:lvl8pPr>
+            <a:lvl9pPr marL="3657394" algn="l" defTabSz="457174" rtl="0" eaLnBrk="1" latinLnBrk="0" hangingPunct="1">
+              <a:defRPr sz="1800" kern="1200">
+                <a:solidFill>
+                  <a:schemeClr val="tx1"/>
+                </a:solidFill>
+                <a:latin typeface="+mn-lt"/>
+                <a:ea typeface="+mn-ea"/>
+                <a:cs typeface="+mn-cs"/>
+              </a:defRPr>
+            </a:lvl9pPr>
+          </a:lstStyle>
+          <a:p>
+            <a:r>
+              <a:rPr lang="en-US" sz="1333" dirty="0" err="1"/>
+              <a:t>ni.com</a:t>
+            </a:r>
+            <a:endParaRPr lang="en-US" sz="1333" dirty="0"/>
+          </a:p>
+        </p:txBody>
+      </p:sp>
+    </p:spTree>
+    <p:extLst>
+      <p:ext uri="{BB962C8B-B14F-4D97-AF65-F5344CB8AC3E}">
+        <p14:creationId xmlns:p14="http://schemas.microsoft.com/office/powerpoint/2010/main" val="3867729335"/>
       </p:ext>
     </p:extLst>
   </p:cSld>
@@ -859,7 +2509,7 @@
           <a:p>
             <a:fld id="{C328AB28-8CF8-4FDA-851D-B8A8B08C8597}" type="datetimeFigureOut">
               <a:rPr lang="en-US" smtClean="0"/>
-              <a:t>6/6/2018</a:t>
+              <a:t>2018-06-18</a:t>
             </a:fld>
             <a:endParaRPr lang="en-US"/>
           </a:p>
@@ -1134,7 +2784,7 @@
           <a:p>
             <a:fld id="{C328AB28-8CF8-4FDA-851D-B8A8B08C8597}" type="datetimeFigureOut">
               <a:rPr lang="en-US" smtClean="0"/>
-              <a:t>6/6/2018</a:t>
+              <a:t>2018-06-18</a:t>
             </a:fld>
             <a:endParaRPr lang="en-US"/>
           </a:p>
@@ -1399,7 +3049,7 @@
           <a:p>
             <a:fld id="{C328AB28-8CF8-4FDA-851D-B8A8B08C8597}" type="datetimeFigureOut">
               <a:rPr lang="en-US" smtClean="0"/>
-              <a:t>6/6/2018</a:t>
+              <a:t>2018-06-18</a:t>
             </a:fld>
             <a:endParaRPr lang="en-US"/>
           </a:p>
@@ -1811,7 +3461,7 @@
           <a:p>
             <a:fld id="{C328AB28-8CF8-4FDA-851D-B8A8B08C8597}" type="datetimeFigureOut">
               <a:rPr lang="en-US" smtClean="0"/>
-              <a:t>6/6/2018</a:t>
+              <a:t>2018-06-18</a:t>
             </a:fld>
             <a:endParaRPr lang="en-US"/>
           </a:p>
@@ -1952,7 +3602,7 @@
           <a:p>
             <a:fld id="{C328AB28-8CF8-4FDA-851D-B8A8B08C8597}" type="datetimeFigureOut">
               <a:rPr lang="en-US" smtClean="0"/>
-              <a:t>6/6/2018</a:t>
+              <a:t>2018-06-18</a:t>
             </a:fld>
             <a:endParaRPr lang="en-US"/>
           </a:p>
@@ -2065,7 +3715,7 @@
           <a:p>
             <a:fld id="{C328AB28-8CF8-4FDA-851D-B8A8B08C8597}" type="datetimeFigureOut">
               <a:rPr lang="en-US" smtClean="0"/>
-              <a:t>6/6/2018</a:t>
+              <a:t>2018-06-18</a:t>
             </a:fld>
             <a:endParaRPr lang="en-US"/>
           </a:p>
@@ -2376,7 +4026,7 @@
           <a:p>
             <a:fld id="{C328AB28-8CF8-4FDA-851D-B8A8B08C8597}" type="datetimeFigureOut">
               <a:rPr lang="en-US" smtClean="0"/>
-              <a:t>6/6/2018</a:t>
+              <a:t>2018-06-18</a:t>
             </a:fld>
             <a:endParaRPr lang="en-US"/>
           </a:p>
@@ -2664,7 +4314,7 @@
           <a:p>
             <a:fld id="{C328AB28-8CF8-4FDA-851D-B8A8B08C8597}" type="datetimeFigureOut">
               <a:rPr lang="en-US" smtClean="0"/>
-              <a:t>6/6/2018</a:t>
+              <a:t>2018-06-18</a:t>
             </a:fld>
             <a:endParaRPr lang="en-US"/>
           </a:p>
@@ -2905,7 +4555,7 @@
           <a:p>
             <a:fld id="{C328AB28-8CF8-4FDA-851D-B8A8B08C8597}" type="datetimeFigureOut">
               <a:rPr lang="en-US" smtClean="0"/>
-              <a:t>6/6/2018</a:t>
+              <a:t>2018-06-18</a:t>
             </a:fld>
             <a:endParaRPr lang="en-US"/>
           </a:p>
@@ -3021,6 +4671,8 @@
     <p:sldLayoutId id="2147483657" r:id="rId9"/>
     <p:sldLayoutId id="2147483658" r:id="rId10"/>
     <p:sldLayoutId id="2147483659" r:id="rId11"/>
+    <p:sldLayoutId id="2147483660" r:id="rId12"/>
+    <p:sldLayoutId id="2147483661" r:id="rId13"/>
   </p:sldLayoutIdLst>
   <p:txStyles>
     <p:titleStyle>
@@ -3324,10 +4976,294 @@
       </p:grpSpPr>
       <p:sp>
         <p:nvSpPr>
-          <p:cNvPr id="2" name="Title 1">
+          <p:cNvPr id="2" name="Title 1"/>
+          <p:cNvSpPr>
+            <a:spLocks noGrp="1"/>
+          </p:cNvSpPr>
+          <p:nvPr>
+            <p:ph type="ctrTitle"/>
+          </p:nvPr>
+        </p:nvSpPr>
+        <p:spPr/>
+        <p:txBody>
+          <a:bodyPr/>
+          <a:lstStyle/>
+          <a:p>
+            <a:r>
+              <a:rPr lang="en-US" dirty="0"/>
+              <a:t>Distributed Control and Automation Framework (DCAF)</a:t>
+            </a:r>
+          </a:p>
+        </p:txBody>
+      </p:sp>
+      <p:sp>
+        <p:nvSpPr>
+          <p:cNvPr id="3" name="Subtitle 2"/>
+          <p:cNvSpPr>
+            <a:spLocks noGrp="1"/>
+          </p:cNvSpPr>
+          <p:nvPr>
+            <p:ph type="subTitle" idx="1"/>
+          </p:nvPr>
+        </p:nvSpPr>
+        <p:spPr/>
+        <p:txBody>
+          <a:bodyPr/>
+          <a:lstStyle/>
+          <a:p>
+            <a:r>
+              <a:rPr lang="en-US" dirty="0"/>
+              <a:t>Static Modules</a:t>
+            </a:r>
+          </a:p>
+        </p:txBody>
+      </p:sp>
+      <p:sp>
+        <p:nvSpPr>
+          <p:cNvPr id="4" name="Text Placeholder 3"/>
+          <p:cNvSpPr>
+            <a:spLocks noGrp="1"/>
+          </p:cNvSpPr>
+          <p:nvPr>
+            <p:ph type="body" sz="quarter" idx="12"/>
+          </p:nvPr>
+        </p:nvSpPr>
+        <p:spPr/>
+        <p:txBody>
+          <a:bodyPr>
+            <a:normAutofit lnSpcReduction="10000"/>
+          </a:bodyPr>
+          <a:lstStyle/>
+          <a:p>
+            <a:r>
+              <a:rPr lang="en-US" dirty="0"/>
+              <a:t>Benjamin </a:t>
+            </a:r>
+            <a:r>
+              <a:rPr lang="en-US" dirty="0" err="1"/>
+              <a:t>Celis</a:t>
+            </a:r>
+            <a:r>
+              <a:rPr lang="en-US" dirty="0"/>
+              <a:t>, Mathew Pollock, Simon Perez</a:t>
+            </a:r>
+          </a:p>
+        </p:txBody>
+      </p:sp>
+      <p:sp>
+        <p:nvSpPr>
+          <p:cNvPr id="5" name="Text Placeholder 4"/>
+          <p:cNvSpPr>
+            <a:spLocks noGrp="1"/>
+          </p:cNvSpPr>
+          <p:nvPr>
+            <p:ph type="body" sz="quarter" idx="13"/>
+          </p:nvPr>
+        </p:nvSpPr>
+        <p:spPr/>
+        <p:txBody>
+          <a:bodyPr/>
+          <a:lstStyle/>
+          <a:p>
+            <a:endParaRPr lang="en-US" dirty="0"/>
+          </a:p>
+        </p:txBody>
+      </p:sp>
+    </p:spTree>
+    <p:extLst>
+      <p:ext uri="{BB962C8B-B14F-4D97-AF65-F5344CB8AC3E}">
+        <p14:creationId xmlns:p14="http://schemas.microsoft.com/office/powerpoint/2010/main" val="3695697852"/>
+      </p:ext>
+    </p:extLst>
+  </p:cSld>
+  <p:clrMapOvr>
+    <a:masterClrMapping/>
+  </p:clrMapOvr>
+</p:sld>
+</file>
+
+<file path=ppt/slides/slide10.xml><?xml version="1.0" encoding="utf-8"?>
+<p:sld xmlns:a="http://schemas.openxmlformats.org/drawingml/2006/main" xmlns:r="http://schemas.openxmlformats.org/officeDocument/2006/relationships" xmlns:p="http://schemas.openxmlformats.org/presentationml/2006/main">
+  <p:cSld>
+    <p:spTree>
+      <p:nvGrpSpPr>
+        <p:cNvPr id="1" name=""/>
+        <p:cNvGrpSpPr/>
+        <p:nvPr/>
+      </p:nvGrpSpPr>
+      <p:grpSpPr>
+        <a:xfrm>
+          <a:off x="0" y="0"/>
+          <a:ext cx="0" cy="0"/>
+          <a:chOff x="0" y="0"/>
+          <a:chExt cx="0" cy="0"/>
+        </a:xfrm>
+      </p:grpSpPr>
+      <p:sp>
+        <p:nvSpPr>
+          <p:cNvPr id="2" name="Title 1"/>
+          <p:cNvSpPr>
+            <a:spLocks noGrp="1"/>
+          </p:cNvSpPr>
+          <p:nvPr>
+            <p:ph type="title"/>
+          </p:nvPr>
+        </p:nvSpPr>
+        <p:spPr/>
+        <p:txBody>
+          <a:bodyPr/>
+          <a:lstStyle/>
+          <a:p>
+            <a:r>
+              <a:rPr lang="en-US" dirty="0"/>
+              <a:t>Static Module Checklist</a:t>
+            </a:r>
+          </a:p>
+        </p:txBody>
+      </p:sp>
+      <p:sp>
+        <p:nvSpPr>
+          <p:cNvPr id="3" name="Content Placeholder 2"/>
+          <p:cNvSpPr>
+            <a:spLocks noGrp="1"/>
+          </p:cNvSpPr>
+          <p:nvPr>
+            <p:ph sz="half" idx="1"/>
+          </p:nvPr>
+        </p:nvSpPr>
+        <p:spPr/>
+        <p:txBody>
+          <a:bodyPr>
+            <a:normAutofit fontScale="62500" lnSpcReduction="20000"/>
+          </a:bodyPr>
+          <a:lstStyle/>
+          <a:p>
+            <a:pPr lvl="2"/>
+            <a:r>
+              <a:rPr lang="en-US" dirty="0"/>
+              <a:t>Create the Module from the Static Module Sample Project</a:t>
+            </a:r>
+          </a:p>
+          <a:p>
+            <a:pPr lvl="3"/>
+            <a:r>
+              <a:rPr lang="en-US" dirty="0"/>
+              <a:t>Define the Channels</a:t>
+            </a:r>
+          </a:p>
+          <a:p>
+            <a:pPr lvl="2"/>
+            <a:r>
+              <a:rPr lang="en-US" dirty="0"/>
+              <a:t>Add Parameters to set desired keys.vi (optional)</a:t>
+            </a:r>
+          </a:p>
+          <a:p>
+            <a:pPr lvl="2"/>
+            <a:r>
+              <a:rPr lang="en-US" dirty="0"/>
+              <a:t>Handle initialization (optional)</a:t>
+            </a:r>
+          </a:p>
+          <a:p>
+            <a:pPr lvl="3"/>
+            <a:r>
+              <a:rPr lang="en-US" dirty="0"/>
+              <a:t> Handle initialization of references, sessions, parameters</a:t>
+            </a:r>
+          </a:p>
+          <a:p>
+            <a:pPr lvl="3"/>
+            <a:r>
+              <a:rPr lang="en-US" dirty="0"/>
+              <a:t>Pass References into Runtime class if necessary, modify object to allow this</a:t>
+            </a:r>
+          </a:p>
+          <a:p>
+            <a:pPr lvl="2"/>
+            <a:r>
+              <a:rPr lang="en-US" dirty="0"/>
+              <a:t>Implement the Input, Processing, and/or Output Methods as needed</a:t>
+            </a:r>
+          </a:p>
+          <a:p>
+            <a:pPr lvl="3"/>
+            <a:r>
+              <a:rPr lang="en-US" dirty="0"/>
+              <a:t>Modify user process.vi to contain references or the Runtime class if needed and process.vi to pass data necessary to `user process.vi`</a:t>
+            </a:r>
+          </a:p>
+          <a:p>
+            <a:pPr lvl="3"/>
+            <a:r>
+              <a:rPr lang="en-US" dirty="0"/>
+              <a:t>Add Processing code to `user process.vi`</a:t>
+            </a:r>
+          </a:p>
+          <a:p>
+            <a:pPr lvl="3"/>
+            <a:r>
+              <a:rPr lang="en-US" dirty="0"/>
+              <a:t>Add code to input.vi to pass necessary sessions or config data to user input.vi</a:t>
+            </a:r>
+          </a:p>
+          <a:p>
+            <a:pPr lvl="3"/>
+            <a:r>
+              <a:rPr lang="en-US" dirty="0"/>
+              <a:t>Add input code to `user input.vi`.</a:t>
+            </a:r>
+          </a:p>
+          <a:p>
+            <a:pPr lvl="3"/>
+            <a:r>
+              <a:rPr lang="en-US" dirty="0"/>
+              <a:t>Repeat for output</a:t>
+            </a:r>
+          </a:p>
+          <a:p>
+            <a:pPr lvl="2"/>
+            <a:r>
+              <a:rPr lang="en-US" dirty="0"/>
+              <a:t>Programming Considerations for Run-State Methods</a:t>
+            </a:r>
+          </a:p>
+          <a:p>
+            <a:pPr lvl="3"/>
+            <a:r>
+              <a:rPr lang="en-US" dirty="0"/>
+              <a:t>Determinism</a:t>
+            </a:r>
+          </a:p>
+          <a:p>
+            <a:pPr lvl="3"/>
+            <a:r>
+              <a:rPr lang="en-US" dirty="0"/>
+              <a:t>Non-blocking execution</a:t>
+            </a:r>
+          </a:p>
+          <a:p>
+            <a:pPr lvl="2"/>
+            <a:r>
+              <a:rPr lang="en-US" dirty="0"/>
+              <a:t>Specifying other properties</a:t>
+            </a:r>
+          </a:p>
+          <a:p>
+            <a:pPr lvl="2"/>
+            <a:r>
+              <a:rPr lang="en-US" dirty="0"/>
+              <a:t>Testing and validation</a:t>
+            </a:r>
+          </a:p>
+        </p:txBody>
+      </p:sp>
+      <p:sp>
+        <p:nvSpPr>
+          <p:cNvPr id="6" name="Content Placeholder 5">
             <a:extLst>
               <a:ext uri="{FF2B5EF4-FFF2-40B4-BE49-F238E27FC236}">
-                <a16:creationId xmlns:a16="http://schemas.microsoft.com/office/drawing/2014/main" id="{14FF3392-7CC1-43A6-9C52-930D94802DCB}"/>
+                <a16:creationId xmlns:a16="http://schemas.microsoft.com/office/drawing/2014/main" id="{33673D65-56B4-4C8E-BEA6-451099666C1B}"/>
               </a:ext>
             </a:extLst>
           </p:cNvPr>
@@ -3335,39 +5271,73 @@
             <a:spLocks noGrp="1"/>
           </p:cNvSpPr>
           <p:nvPr>
-            <p:ph type="ctrTitle"/>
-          </p:nvPr>
-        </p:nvSpPr>
-        <p:spPr/>
-        <p:txBody>
-          <a:bodyPr/>
-          <a:lstStyle/>
-          <a:p>
-            <a:endParaRPr lang="en-US"/>
-          </a:p>
-        </p:txBody>
-      </p:sp>
-      <p:sp>
-        <p:nvSpPr>
-          <p:cNvPr id="3" name="Subtitle 2">
+            <p:ph sz="half" idx="2"/>
+          </p:nvPr>
+        </p:nvSpPr>
+        <p:spPr/>
+        <p:txBody>
+          <a:bodyPr>
+            <a:normAutofit fontScale="62500" lnSpcReduction="20000"/>
+          </a:bodyPr>
+          <a:lstStyle/>
+          <a:p>
+            <a:r>
+              <a:rPr lang="en-US" dirty="0"/>
+              <a:t>Create the Module from the Template</a:t>
+            </a:r>
+          </a:p>
+        </p:txBody>
+      </p:sp>
+      <p:sp>
+        <p:nvSpPr>
+          <p:cNvPr id="10" name="Rectangle 9">
             <a:extLst>
               <a:ext uri="{FF2B5EF4-FFF2-40B4-BE49-F238E27FC236}">
-                <a16:creationId xmlns:a16="http://schemas.microsoft.com/office/drawing/2014/main" id="{88F4E825-B9AF-4C93-ADFE-C6C99D19C4EE}"/>
+                <a16:creationId xmlns:a16="http://schemas.microsoft.com/office/drawing/2014/main" id="{C69AEF5D-B35F-4D7F-B547-B812D37ADE36}"/>
               </a:ext>
             </a:extLst>
           </p:cNvPr>
-          <p:cNvSpPr>
-            <a:spLocks noGrp="1"/>
-          </p:cNvSpPr>
-          <p:nvPr>
-            <p:ph type="subTitle" idx="1"/>
-          </p:nvPr>
-        </p:nvSpPr>
-        <p:spPr/>
-        <p:txBody>
-          <a:bodyPr/>
-          <a:lstStyle/>
-          <a:p>
+          <p:cNvSpPr/>
+          <p:nvPr/>
+        </p:nvSpPr>
+        <p:spPr>
+          <a:xfrm>
+            <a:off x="1681018" y="1690688"/>
+            <a:ext cx="3990109" cy="664585"/>
+          </a:xfrm>
+          <a:prstGeom prst="rect">
+            <a:avLst/>
+          </a:prstGeom>
+          <a:noFill/>
+          <a:ln w="9525" cap="flat" cmpd="sng" algn="ctr">
+            <a:solidFill>
+              <a:srgbClr val="FF0000"/>
+            </a:solidFill>
+            <a:prstDash val="solid"/>
+            <a:round/>
+            <a:headEnd type="none" w="med" len="med"/>
+            <a:tailEnd type="none" w="med" len="med"/>
+          </a:ln>
+        </p:spPr>
+        <p:style>
+          <a:lnRef idx="0">
+            <a:scrgbClr r="0" g="0" b="0"/>
+          </a:lnRef>
+          <a:fillRef idx="0">
+            <a:scrgbClr r="0" g="0" b="0"/>
+          </a:fillRef>
+          <a:effectRef idx="0">
+            <a:scrgbClr r="0" g="0" b="0"/>
+          </a:effectRef>
+          <a:fontRef idx="minor">
+            <a:schemeClr val="dk1"/>
+          </a:fontRef>
+        </p:style>
+        <p:txBody>
+          <a:bodyPr rtlCol="0" anchor="ctr"/>
+          <a:lstStyle/>
+          <a:p>
+            <a:pPr algn="ctr"/>
             <a:endParaRPr lang="en-US"/>
           </a:p>
         </p:txBody>
@@ -3375,7 +5345,2140 @@
     </p:spTree>
     <p:extLst>
       <p:ext uri="{BB962C8B-B14F-4D97-AF65-F5344CB8AC3E}">
-        <p14:creationId xmlns:p14="http://schemas.microsoft.com/office/powerpoint/2010/main" val="1013708104"/>
+        <p14:creationId xmlns:p14="http://schemas.microsoft.com/office/powerpoint/2010/main" val="1151618371"/>
+      </p:ext>
+    </p:extLst>
+  </p:cSld>
+  <p:clrMapOvr>
+    <a:masterClrMapping/>
+  </p:clrMapOvr>
+</p:sld>
+</file>
+
+<file path=ppt/slides/slide11.xml><?xml version="1.0" encoding="utf-8"?>
+<p:sld xmlns:a="http://schemas.openxmlformats.org/drawingml/2006/main" xmlns:r="http://schemas.openxmlformats.org/officeDocument/2006/relationships" xmlns:p="http://schemas.openxmlformats.org/presentationml/2006/main">
+  <p:cSld>
+    <p:spTree>
+      <p:nvGrpSpPr>
+        <p:cNvPr id="1" name=""/>
+        <p:cNvGrpSpPr/>
+        <p:nvPr/>
+      </p:nvGrpSpPr>
+      <p:grpSpPr>
+        <a:xfrm>
+          <a:off x="0" y="0"/>
+          <a:ext cx="0" cy="0"/>
+          <a:chOff x="0" y="0"/>
+          <a:chExt cx="0" cy="0"/>
+        </a:xfrm>
+      </p:grpSpPr>
+      <p:sp>
+        <p:nvSpPr>
+          <p:cNvPr id="2" name="Title 1"/>
+          <p:cNvSpPr>
+            <a:spLocks noGrp="1"/>
+          </p:cNvSpPr>
+          <p:nvPr>
+            <p:ph type="title"/>
+          </p:nvPr>
+        </p:nvSpPr>
+        <p:spPr/>
+        <p:txBody>
+          <a:bodyPr/>
+          <a:lstStyle/>
+          <a:p>
+            <a:r>
+              <a:rPr lang="en-US" dirty="0"/>
+              <a:t>Static Module Checklist</a:t>
+            </a:r>
+          </a:p>
+        </p:txBody>
+      </p:sp>
+      <p:sp>
+        <p:nvSpPr>
+          <p:cNvPr id="3" name="Content Placeholder 2"/>
+          <p:cNvSpPr>
+            <a:spLocks noGrp="1"/>
+          </p:cNvSpPr>
+          <p:nvPr>
+            <p:ph sz="half" idx="1"/>
+          </p:nvPr>
+        </p:nvSpPr>
+        <p:spPr/>
+        <p:txBody>
+          <a:bodyPr>
+            <a:normAutofit fontScale="62500" lnSpcReduction="20000"/>
+          </a:bodyPr>
+          <a:lstStyle/>
+          <a:p>
+            <a:pPr lvl="2"/>
+            <a:r>
+              <a:rPr lang="en-US" dirty="0"/>
+              <a:t>Create the Module from the Static Module Sample Project</a:t>
+            </a:r>
+          </a:p>
+          <a:p>
+            <a:pPr lvl="3"/>
+            <a:r>
+              <a:rPr lang="en-US" dirty="0"/>
+              <a:t>Define the Channels</a:t>
+            </a:r>
+          </a:p>
+          <a:p>
+            <a:pPr lvl="2"/>
+            <a:r>
+              <a:rPr lang="en-US" dirty="0"/>
+              <a:t>Add Parameters to set desired keys.vi (optional)</a:t>
+            </a:r>
+          </a:p>
+          <a:p>
+            <a:pPr lvl="2"/>
+            <a:r>
+              <a:rPr lang="en-US" dirty="0"/>
+              <a:t>Handle initialization (optional)</a:t>
+            </a:r>
+          </a:p>
+          <a:p>
+            <a:pPr lvl="3"/>
+            <a:r>
+              <a:rPr lang="en-US" dirty="0"/>
+              <a:t> Handle initialization of references, sessions, parameters</a:t>
+            </a:r>
+          </a:p>
+          <a:p>
+            <a:pPr lvl="3"/>
+            <a:r>
+              <a:rPr lang="en-US" dirty="0"/>
+              <a:t>Pass References into Runtime class if necessary, modify object to allow this</a:t>
+            </a:r>
+          </a:p>
+          <a:p>
+            <a:pPr lvl="2"/>
+            <a:r>
+              <a:rPr lang="en-US" dirty="0"/>
+              <a:t>Implement the Input, Processing, and/or Output Methods as needed</a:t>
+            </a:r>
+          </a:p>
+          <a:p>
+            <a:pPr lvl="3"/>
+            <a:r>
+              <a:rPr lang="en-US" dirty="0"/>
+              <a:t>Modify user process.vi to contain references or the Runtime class if needed and process.vi to pass data necessary to `user process.vi`</a:t>
+            </a:r>
+          </a:p>
+          <a:p>
+            <a:pPr lvl="3"/>
+            <a:r>
+              <a:rPr lang="en-US" dirty="0"/>
+              <a:t>Add Processing code to `user process.vi`</a:t>
+            </a:r>
+          </a:p>
+          <a:p>
+            <a:pPr lvl="3"/>
+            <a:r>
+              <a:rPr lang="en-US" dirty="0"/>
+              <a:t>Add code to input.vi to pass necessary sessions or config data to user input.vi</a:t>
+            </a:r>
+          </a:p>
+          <a:p>
+            <a:pPr lvl="3"/>
+            <a:r>
+              <a:rPr lang="en-US" dirty="0"/>
+              <a:t>Add input code to `user input.vi`.</a:t>
+            </a:r>
+          </a:p>
+          <a:p>
+            <a:pPr lvl="3"/>
+            <a:r>
+              <a:rPr lang="en-US" dirty="0"/>
+              <a:t>Repeat for output</a:t>
+            </a:r>
+          </a:p>
+          <a:p>
+            <a:pPr lvl="2"/>
+            <a:r>
+              <a:rPr lang="en-US" dirty="0"/>
+              <a:t>Programming Considerations for Run-State Methods</a:t>
+            </a:r>
+          </a:p>
+          <a:p>
+            <a:pPr lvl="3"/>
+            <a:r>
+              <a:rPr lang="en-US" dirty="0"/>
+              <a:t>Determinism</a:t>
+            </a:r>
+          </a:p>
+          <a:p>
+            <a:pPr lvl="3"/>
+            <a:r>
+              <a:rPr lang="en-US" dirty="0"/>
+              <a:t>Non-blocking execution</a:t>
+            </a:r>
+          </a:p>
+          <a:p>
+            <a:pPr lvl="2"/>
+            <a:r>
+              <a:rPr lang="en-US" dirty="0"/>
+              <a:t>Specifying other properties</a:t>
+            </a:r>
+          </a:p>
+          <a:p>
+            <a:pPr lvl="2"/>
+            <a:r>
+              <a:rPr lang="en-US" dirty="0"/>
+              <a:t>Testing and validation</a:t>
+            </a:r>
+          </a:p>
+        </p:txBody>
+      </p:sp>
+      <p:sp>
+        <p:nvSpPr>
+          <p:cNvPr id="6" name="Content Placeholder 5">
+            <a:extLst>
+              <a:ext uri="{FF2B5EF4-FFF2-40B4-BE49-F238E27FC236}">
+                <a16:creationId xmlns:a16="http://schemas.microsoft.com/office/drawing/2014/main" id="{33673D65-56B4-4C8E-BEA6-451099666C1B}"/>
+              </a:ext>
+            </a:extLst>
+          </p:cNvPr>
+          <p:cNvSpPr>
+            <a:spLocks noGrp="1"/>
+          </p:cNvSpPr>
+          <p:nvPr>
+            <p:ph sz="half" idx="2"/>
+          </p:nvPr>
+        </p:nvSpPr>
+        <p:spPr/>
+        <p:txBody>
+          <a:bodyPr>
+            <a:normAutofit fontScale="62500" lnSpcReduction="20000"/>
+          </a:bodyPr>
+          <a:lstStyle/>
+          <a:p>
+            <a:r>
+              <a:rPr lang="en-US" dirty="0"/>
+              <a:t>Set up the configuration that can be saved and loaded on initiation</a:t>
+            </a:r>
+          </a:p>
+          <a:p>
+            <a:r>
+              <a:rPr lang="en-US" dirty="0"/>
+              <a:t>Examples</a:t>
+            </a:r>
+          </a:p>
+          <a:p>
+            <a:pPr lvl="1"/>
+            <a:r>
+              <a:rPr lang="en-US" dirty="0"/>
+              <a:t>File Path</a:t>
+            </a:r>
+          </a:p>
+          <a:p>
+            <a:pPr lvl="1"/>
+            <a:r>
+              <a:rPr lang="en-US" dirty="0"/>
+              <a:t>Network address</a:t>
+            </a:r>
+          </a:p>
+          <a:p>
+            <a:pPr lvl="1"/>
+            <a:r>
+              <a:rPr lang="en-US" dirty="0"/>
+              <a:t>Data encoding</a:t>
+            </a:r>
+          </a:p>
+          <a:p>
+            <a:r>
+              <a:rPr lang="en-US" dirty="0"/>
+              <a:t>Avoid directly modifying the UI</a:t>
+            </a:r>
+          </a:p>
+          <a:p>
+            <a:endParaRPr lang="en-US" dirty="0"/>
+          </a:p>
+        </p:txBody>
+      </p:sp>
+      <p:sp>
+        <p:nvSpPr>
+          <p:cNvPr id="10" name="Rectangle 9">
+            <a:extLst>
+              <a:ext uri="{FF2B5EF4-FFF2-40B4-BE49-F238E27FC236}">
+                <a16:creationId xmlns:a16="http://schemas.microsoft.com/office/drawing/2014/main" id="{C69AEF5D-B35F-4D7F-B547-B812D37ADE36}"/>
+              </a:ext>
+            </a:extLst>
+          </p:cNvPr>
+          <p:cNvSpPr/>
+          <p:nvPr/>
+        </p:nvSpPr>
+        <p:spPr>
+          <a:xfrm>
+            <a:off x="1681018" y="2355707"/>
+            <a:ext cx="3990109" cy="184294"/>
+          </a:xfrm>
+          <a:prstGeom prst="rect">
+            <a:avLst/>
+          </a:prstGeom>
+          <a:noFill/>
+          <a:ln w="9525" cap="flat" cmpd="sng" algn="ctr">
+            <a:solidFill>
+              <a:srgbClr val="FF0000"/>
+            </a:solidFill>
+            <a:prstDash val="solid"/>
+            <a:round/>
+            <a:headEnd type="none" w="med" len="med"/>
+            <a:tailEnd type="none" w="med" len="med"/>
+          </a:ln>
+        </p:spPr>
+        <p:style>
+          <a:lnRef idx="0">
+            <a:scrgbClr r="0" g="0" b="0"/>
+          </a:lnRef>
+          <a:fillRef idx="0">
+            <a:scrgbClr r="0" g="0" b="0"/>
+          </a:fillRef>
+          <a:effectRef idx="0">
+            <a:scrgbClr r="0" g="0" b="0"/>
+          </a:effectRef>
+          <a:fontRef idx="minor">
+            <a:schemeClr val="dk1"/>
+          </a:fontRef>
+        </p:style>
+        <p:txBody>
+          <a:bodyPr rtlCol="0" anchor="ctr"/>
+          <a:lstStyle/>
+          <a:p>
+            <a:pPr algn="ctr"/>
+            <a:endParaRPr lang="en-US"/>
+          </a:p>
+        </p:txBody>
+      </p:sp>
+    </p:spTree>
+    <p:extLst>
+      <p:ext uri="{BB962C8B-B14F-4D97-AF65-F5344CB8AC3E}">
+        <p14:creationId xmlns:p14="http://schemas.microsoft.com/office/powerpoint/2010/main" val="1476541691"/>
+      </p:ext>
+    </p:extLst>
+  </p:cSld>
+  <p:clrMapOvr>
+    <a:masterClrMapping/>
+  </p:clrMapOvr>
+</p:sld>
+</file>
+
+<file path=ppt/slides/slide12.xml><?xml version="1.0" encoding="utf-8"?>
+<p:sld xmlns:a="http://schemas.openxmlformats.org/drawingml/2006/main" xmlns:r="http://schemas.openxmlformats.org/officeDocument/2006/relationships" xmlns:p="http://schemas.openxmlformats.org/presentationml/2006/main">
+  <p:cSld>
+    <p:spTree>
+      <p:nvGrpSpPr>
+        <p:cNvPr id="1" name=""/>
+        <p:cNvGrpSpPr/>
+        <p:nvPr/>
+      </p:nvGrpSpPr>
+      <p:grpSpPr>
+        <a:xfrm>
+          <a:off x="0" y="0"/>
+          <a:ext cx="0" cy="0"/>
+          <a:chOff x="0" y="0"/>
+          <a:chExt cx="0" cy="0"/>
+        </a:xfrm>
+      </p:grpSpPr>
+      <p:sp>
+        <p:nvSpPr>
+          <p:cNvPr id="2" name="Title 1"/>
+          <p:cNvSpPr>
+            <a:spLocks noGrp="1"/>
+          </p:cNvSpPr>
+          <p:nvPr>
+            <p:ph type="title"/>
+          </p:nvPr>
+        </p:nvSpPr>
+        <p:spPr/>
+        <p:txBody>
+          <a:bodyPr/>
+          <a:lstStyle/>
+          <a:p>
+            <a:r>
+              <a:rPr lang="en-US" dirty="0"/>
+              <a:t>Static Module Checklist</a:t>
+            </a:r>
+          </a:p>
+        </p:txBody>
+      </p:sp>
+      <p:sp>
+        <p:nvSpPr>
+          <p:cNvPr id="3" name="Content Placeholder 2"/>
+          <p:cNvSpPr>
+            <a:spLocks noGrp="1"/>
+          </p:cNvSpPr>
+          <p:nvPr>
+            <p:ph sz="half" idx="1"/>
+          </p:nvPr>
+        </p:nvSpPr>
+        <p:spPr/>
+        <p:txBody>
+          <a:bodyPr>
+            <a:normAutofit/>
+          </a:bodyPr>
+          <a:lstStyle/>
+          <a:p>
+            <a:pPr lvl="2"/>
+            <a:r>
+              <a:rPr lang="en-US" dirty="0"/>
+              <a:t>To add a Key Value Pair, modify the </a:t>
+            </a:r>
+            <a:r>
+              <a:rPr lang="en-US" i="1" dirty="0"/>
+              <a:t>get desired keys.vi</a:t>
+            </a:r>
+          </a:p>
+          <a:p>
+            <a:pPr lvl="2"/>
+            <a:r>
+              <a:rPr lang="en-US" dirty="0"/>
+              <a:t>Modify the </a:t>
+            </a:r>
+            <a:r>
+              <a:rPr lang="en-US" i="1" dirty="0"/>
+              <a:t>Apply Key Value Pairs.vi </a:t>
+            </a:r>
+            <a:r>
+              <a:rPr lang="en-US" dirty="0"/>
+              <a:t>to do something with the data</a:t>
+            </a:r>
+          </a:p>
+        </p:txBody>
+      </p:sp>
+      <p:pic>
+        <p:nvPicPr>
+          <p:cNvPr id="8" name="Content Placeholder 7">
+            <a:extLst>
+              <a:ext uri="{FF2B5EF4-FFF2-40B4-BE49-F238E27FC236}">
+                <a16:creationId xmlns:a16="http://schemas.microsoft.com/office/drawing/2014/main" id="{F95C56EE-3EC5-4DF7-A010-F30B65F10715}"/>
+              </a:ext>
+            </a:extLst>
+          </p:cNvPr>
+          <p:cNvPicPr>
+            <a:picLocks noGrp="1" noChangeAspect="1"/>
+          </p:cNvPicPr>
+          <p:nvPr>
+            <p:ph sz="half" idx="2"/>
+          </p:nvPr>
+        </p:nvPicPr>
+        <p:blipFill>
+          <a:blip r:embed="rId2">
+            <a:extLst>
+              <a:ext uri="{28A0092B-C50C-407E-A947-70E740481C1C}">
+                <a14:useLocalDpi xmlns:a14="http://schemas.microsoft.com/office/drawing/2010/main" val="0"/>
+              </a:ext>
+            </a:extLst>
+          </a:blip>
+          <a:stretch>
+            <a:fillRect/>
+          </a:stretch>
+        </p:blipFill>
+        <p:spPr>
+          <a:xfrm>
+            <a:off x="7010400" y="4231352"/>
+            <a:ext cx="5181600" cy="699911"/>
+          </a:xfrm>
+        </p:spPr>
+      </p:pic>
+      <p:pic>
+        <p:nvPicPr>
+          <p:cNvPr id="11" name="Picture 10">
+            <a:extLst>
+              <a:ext uri="{FF2B5EF4-FFF2-40B4-BE49-F238E27FC236}">
+                <a16:creationId xmlns:a16="http://schemas.microsoft.com/office/drawing/2014/main" id="{6D7A9847-9319-4258-855D-A2A51928FA94}"/>
+              </a:ext>
+            </a:extLst>
+          </p:cNvPr>
+          <p:cNvPicPr>
+            <a:picLocks noChangeAspect="1"/>
+          </p:cNvPicPr>
+          <p:nvPr/>
+        </p:nvPicPr>
+        <p:blipFill>
+          <a:blip r:embed="rId3">
+            <a:extLst>
+              <a:ext uri="{28A0092B-C50C-407E-A947-70E740481C1C}">
+                <a14:useLocalDpi xmlns:a14="http://schemas.microsoft.com/office/drawing/2010/main" val="0"/>
+              </a:ext>
+            </a:extLst>
+          </a:blip>
+          <a:stretch>
+            <a:fillRect/>
+          </a:stretch>
+        </p:blipFill>
+        <p:spPr>
+          <a:xfrm>
+            <a:off x="206535" y="3347777"/>
+            <a:ext cx="6492219" cy="2832822"/>
+          </a:xfrm>
+          <a:prstGeom prst="rect">
+            <a:avLst/>
+          </a:prstGeom>
+        </p:spPr>
+      </p:pic>
+      <p:sp>
+        <p:nvSpPr>
+          <p:cNvPr id="12" name="Rectangle 11">
+            <a:extLst>
+              <a:ext uri="{FF2B5EF4-FFF2-40B4-BE49-F238E27FC236}">
+                <a16:creationId xmlns:a16="http://schemas.microsoft.com/office/drawing/2014/main" id="{CEEA8F75-5BDB-4B34-9B9B-2B5D62E7D8D0}"/>
+              </a:ext>
+            </a:extLst>
+          </p:cNvPr>
+          <p:cNvSpPr/>
+          <p:nvPr/>
+        </p:nvSpPr>
+        <p:spPr>
+          <a:xfrm>
+            <a:off x="2029691" y="4489159"/>
+            <a:ext cx="2481349" cy="442103"/>
+          </a:xfrm>
+          <a:prstGeom prst="rect">
+            <a:avLst/>
+          </a:prstGeom>
+          <a:noFill/>
+          <a:ln w="9525" cap="flat" cmpd="sng" algn="ctr">
+            <a:solidFill>
+              <a:srgbClr val="FF0000"/>
+            </a:solidFill>
+            <a:prstDash val="solid"/>
+            <a:round/>
+            <a:headEnd type="none" w="med" len="med"/>
+            <a:tailEnd type="none" w="med" len="med"/>
+          </a:ln>
+        </p:spPr>
+        <p:style>
+          <a:lnRef idx="0">
+            <a:scrgbClr r="0" g="0" b="0"/>
+          </a:lnRef>
+          <a:fillRef idx="0">
+            <a:scrgbClr r="0" g="0" b="0"/>
+          </a:fillRef>
+          <a:effectRef idx="0">
+            <a:scrgbClr r="0" g="0" b="0"/>
+          </a:effectRef>
+          <a:fontRef idx="minor">
+            <a:schemeClr val="dk1"/>
+          </a:fontRef>
+        </p:style>
+        <p:txBody>
+          <a:bodyPr rtlCol="0" anchor="ctr"/>
+          <a:lstStyle/>
+          <a:p>
+            <a:pPr algn="ctr"/>
+            <a:endParaRPr lang="en-US"/>
+          </a:p>
+        </p:txBody>
+      </p:sp>
+      <p:sp>
+        <p:nvSpPr>
+          <p:cNvPr id="13" name="Rectangle 12">
+            <a:extLst>
+              <a:ext uri="{FF2B5EF4-FFF2-40B4-BE49-F238E27FC236}">
+                <a16:creationId xmlns:a16="http://schemas.microsoft.com/office/drawing/2014/main" id="{5287A441-0558-446C-ADAB-53A27A7E5576}"/>
+              </a:ext>
+            </a:extLst>
+          </p:cNvPr>
+          <p:cNvSpPr/>
+          <p:nvPr/>
+        </p:nvSpPr>
+        <p:spPr>
+          <a:xfrm>
+            <a:off x="6863819" y="4489158"/>
+            <a:ext cx="829333" cy="442103"/>
+          </a:xfrm>
+          <a:prstGeom prst="rect">
+            <a:avLst/>
+          </a:prstGeom>
+          <a:noFill/>
+          <a:ln w="9525" cap="flat" cmpd="sng" algn="ctr">
+            <a:solidFill>
+              <a:srgbClr val="FF0000"/>
+            </a:solidFill>
+            <a:prstDash val="solid"/>
+            <a:round/>
+            <a:headEnd type="none" w="med" len="med"/>
+            <a:tailEnd type="none" w="med" len="med"/>
+          </a:ln>
+        </p:spPr>
+        <p:style>
+          <a:lnRef idx="0">
+            <a:scrgbClr r="0" g="0" b="0"/>
+          </a:lnRef>
+          <a:fillRef idx="0">
+            <a:scrgbClr r="0" g="0" b="0"/>
+          </a:fillRef>
+          <a:effectRef idx="0">
+            <a:scrgbClr r="0" g="0" b="0"/>
+          </a:effectRef>
+          <a:fontRef idx="minor">
+            <a:schemeClr val="dk1"/>
+          </a:fontRef>
+        </p:style>
+        <p:txBody>
+          <a:bodyPr rtlCol="0" anchor="ctr"/>
+          <a:lstStyle/>
+          <a:p>
+            <a:pPr algn="ctr"/>
+            <a:endParaRPr lang="en-US"/>
+          </a:p>
+        </p:txBody>
+      </p:sp>
+    </p:spTree>
+    <p:extLst>
+      <p:ext uri="{BB962C8B-B14F-4D97-AF65-F5344CB8AC3E}">
+        <p14:creationId xmlns:p14="http://schemas.microsoft.com/office/powerpoint/2010/main" val="1404073566"/>
+      </p:ext>
+    </p:extLst>
+  </p:cSld>
+  <p:clrMapOvr>
+    <a:masterClrMapping/>
+  </p:clrMapOvr>
+</p:sld>
+</file>
+
+<file path=ppt/slides/slide13.xml><?xml version="1.0" encoding="utf-8"?>
+<p:sld xmlns:a="http://schemas.openxmlformats.org/drawingml/2006/main" xmlns:r="http://schemas.openxmlformats.org/officeDocument/2006/relationships" xmlns:p="http://schemas.openxmlformats.org/presentationml/2006/main">
+  <p:cSld>
+    <p:spTree>
+      <p:nvGrpSpPr>
+        <p:cNvPr id="1" name=""/>
+        <p:cNvGrpSpPr/>
+        <p:nvPr/>
+      </p:nvGrpSpPr>
+      <p:grpSpPr>
+        <a:xfrm>
+          <a:off x="0" y="0"/>
+          <a:ext cx="0" cy="0"/>
+          <a:chOff x="0" y="0"/>
+          <a:chExt cx="0" cy="0"/>
+        </a:xfrm>
+      </p:grpSpPr>
+      <p:sp>
+        <p:nvSpPr>
+          <p:cNvPr id="2" name="Title 1"/>
+          <p:cNvSpPr>
+            <a:spLocks noGrp="1"/>
+          </p:cNvSpPr>
+          <p:nvPr>
+            <p:ph type="title"/>
+          </p:nvPr>
+        </p:nvSpPr>
+        <p:spPr/>
+        <p:txBody>
+          <a:bodyPr/>
+          <a:lstStyle/>
+          <a:p>
+            <a:r>
+              <a:rPr lang="en-US" dirty="0"/>
+              <a:t>Static Module Checklist</a:t>
+            </a:r>
+          </a:p>
+        </p:txBody>
+      </p:sp>
+      <p:sp>
+        <p:nvSpPr>
+          <p:cNvPr id="3" name="Content Placeholder 2"/>
+          <p:cNvSpPr>
+            <a:spLocks noGrp="1"/>
+          </p:cNvSpPr>
+          <p:nvPr>
+            <p:ph sz="half" idx="1"/>
+          </p:nvPr>
+        </p:nvSpPr>
+        <p:spPr/>
+        <p:txBody>
+          <a:bodyPr>
+            <a:normAutofit fontScale="62500" lnSpcReduction="20000"/>
+          </a:bodyPr>
+          <a:lstStyle/>
+          <a:p>
+            <a:pPr lvl="2"/>
+            <a:r>
+              <a:rPr lang="en-US" dirty="0"/>
+              <a:t>Create the Module from the Static Module Sample Project</a:t>
+            </a:r>
+          </a:p>
+          <a:p>
+            <a:pPr lvl="3"/>
+            <a:r>
+              <a:rPr lang="en-US" dirty="0"/>
+              <a:t>Define the Channels</a:t>
+            </a:r>
+          </a:p>
+          <a:p>
+            <a:pPr lvl="2"/>
+            <a:r>
+              <a:rPr lang="en-US" dirty="0"/>
+              <a:t>Add Parameters to set desired keys.vi (optional)</a:t>
+            </a:r>
+          </a:p>
+          <a:p>
+            <a:pPr lvl="2"/>
+            <a:r>
+              <a:rPr lang="en-US" dirty="0"/>
+              <a:t>Handle initialization (optional)</a:t>
+            </a:r>
+          </a:p>
+          <a:p>
+            <a:pPr lvl="3"/>
+            <a:r>
+              <a:rPr lang="en-US" dirty="0"/>
+              <a:t> Handle initialization of references, sessions, parameters</a:t>
+            </a:r>
+          </a:p>
+          <a:p>
+            <a:pPr lvl="3"/>
+            <a:r>
+              <a:rPr lang="en-US" dirty="0"/>
+              <a:t>Pass References into Runtime class if necessary, modify object to allow this</a:t>
+            </a:r>
+          </a:p>
+          <a:p>
+            <a:pPr lvl="2"/>
+            <a:r>
+              <a:rPr lang="en-US" dirty="0"/>
+              <a:t>Implement the Input, Processing, and/or Output Methods as needed</a:t>
+            </a:r>
+          </a:p>
+          <a:p>
+            <a:pPr lvl="3"/>
+            <a:r>
+              <a:rPr lang="en-US" dirty="0"/>
+              <a:t>Modify user process.vi to contain references or the Runtime class if needed and process.vi to pass data necessary to `user process.vi`</a:t>
+            </a:r>
+          </a:p>
+          <a:p>
+            <a:pPr lvl="3"/>
+            <a:r>
+              <a:rPr lang="en-US" dirty="0"/>
+              <a:t>Add Processing code to `user process.vi`</a:t>
+            </a:r>
+          </a:p>
+          <a:p>
+            <a:pPr lvl="3"/>
+            <a:r>
+              <a:rPr lang="en-US" dirty="0"/>
+              <a:t>Add code to input.vi to pass necessary sessions or config data to user input.vi</a:t>
+            </a:r>
+          </a:p>
+          <a:p>
+            <a:pPr lvl="3"/>
+            <a:r>
+              <a:rPr lang="en-US" dirty="0"/>
+              <a:t>Add input code to `user input.vi`.</a:t>
+            </a:r>
+          </a:p>
+          <a:p>
+            <a:pPr lvl="3"/>
+            <a:r>
+              <a:rPr lang="en-US" dirty="0"/>
+              <a:t>Repeat for output</a:t>
+            </a:r>
+          </a:p>
+          <a:p>
+            <a:pPr lvl="2"/>
+            <a:r>
+              <a:rPr lang="en-US" dirty="0"/>
+              <a:t>Programming Considerations for Run-State Methods</a:t>
+            </a:r>
+          </a:p>
+          <a:p>
+            <a:pPr lvl="3"/>
+            <a:r>
+              <a:rPr lang="en-US" dirty="0"/>
+              <a:t>Determinism</a:t>
+            </a:r>
+          </a:p>
+          <a:p>
+            <a:pPr lvl="3"/>
+            <a:r>
+              <a:rPr lang="en-US" dirty="0"/>
+              <a:t>Non-blocking execution</a:t>
+            </a:r>
+          </a:p>
+          <a:p>
+            <a:pPr lvl="2"/>
+            <a:r>
+              <a:rPr lang="en-US" dirty="0"/>
+              <a:t>Specifying other properties</a:t>
+            </a:r>
+          </a:p>
+          <a:p>
+            <a:pPr lvl="2"/>
+            <a:r>
+              <a:rPr lang="en-US" dirty="0"/>
+              <a:t>Testing and validation</a:t>
+            </a:r>
+          </a:p>
+        </p:txBody>
+      </p:sp>
+      <p:sp>
+        <p:nvSpPr>
+          <p:cNvPr id="6" name="Content Placeholder 5">
+            <a:extLst>
+              <a:ext uri="{FF2B5EF4-FFF2-40B4-BE49-F238E27FC236}">
+                <a16:creationId xmlns:a16="http://schemas.microsoft.com/office/drawing/2014/main" id="{33673D65-56B4-4C8E-BEA6-451099666C1B}"/>
+              </a:ext>
+            </a:extLst>
+          </p:cNvPr>
+          <p:cNvSpPr>
+            <a:spLocks noGrp="1"/>
+          </p:cNvSpPr>
+          <p:nvPr>
+            <p:ph sz="half" idx="2"/>
+          </p:nvPr>
+        </p:nvSpPr>
+        <p:spPr/>
+        <p:txBody>
+          <a:bodyPr>
+            <a:normAutofit fontScale="62500" lnSpcReduction="20000"/>
+          </a:bodyPr>
+          <a:lstStyle/>
+          <a:p>
+            <a:r>
+              <a:rPr lang="en-US" dirty="0"/>
+              <a:t>Write the Initialization</a:t>
+            </a:r>
+          </a:p>
+          <a:p>
+            <a:pPr lvl="1"/>
+            <a:r>
+              <a:rPr lang="en-US" dirty="0"/>
+              <a:t>Requires modification of the </a:t>
+            </a:r>
+            <a:r>
+              <a:rPr lang="en-US" i="1" dirty="0"/>
+              <a:t>user init.vi</a:t>
+            </a:r>
+            <a:r>
+              <a:rPr lang="en-US" dirty="0"/>
+              <a:t> and maybe of the </a:t>
+            </a:r>
+            <a:r>
+              <a:rPr lang="en-US" i="1" dirty="0"/>
+              <a:t>init.vi</a:t>
+            </a:r>
+            <a:endParaRPr lang="en-US" dirty="0"/>
+          </a:p>
+          <a:p>
+            <a:endParaRPr lang="en-US" dirty="0"/>
+          </a:p>
+        </p:txBody>
+      </p:sp>
+      <p:sp>
+        <p:nvSpPr>
+          <p:cNvPr id="10" name="Rectangle 9">
+            <a:extLst>
+              <a:ext uri="{FF2B5EF4-FFF2-40B4-BE49-F238E27FC236}">
+                <a16:creationId xmlns:a16="http://schemas.microsoft.com/office/drawing/2014/main" id="{C69AEF5D-B35F-4D7F-B547-B812D37ADE36}"/>
+              </a:ext>
+            </a:extLst>
+          </p:cNvPr>
+          <p:cNvSpPr/>
+          <p:nvPr/>
+        </p:nvSpPr>
+        <p:spPr>
+          <a:xfrm>
+            <a:off x="1727200" y="2558907"/>
+            <a:ext cx="3990109" cy="673820"/>
+          </a:xfrm>
+          <a:prstGeom prst="rect">
+            <a:avLst/>
+          </a:prstGeom>
+          <a:noFill/>
+          <a:ln w="9525" cap="flat" cmpd="sng" algn="ctr">
+            <a:solidFill>
+              <a:srgbClr val="FF0000"/>
+            </a:solidFill>
+            <a:prstDash val="solid"/>
+            <a:round/>
+            <a:headEnd type="none" w="med" len="med"/>
+            <a:tailEnd type="none" w="med" len="med"/>
+          </a:ln>
+        </p:spPr>
+        <p:style>
+          <a:lnRef idx="0">
+            <a:scrgbClr r="0" g="0" b="0"/>
+          </a:lnRef>
+          <a:fillRef idx="0">
+            <a:scrgbClr r="0" g="0" b="0"/>
+          </a:fillRef>
+          <a:effectRef idx="0">
+            <a:scrgbClr r="0" g="0" b="0"/>
+          </a:effectRef>
+          <a:fontRef idx="minor">
+            <a:schemeClr val="dk1"/>
+          </a:fontRef>
+        </p:style>
+        <p:txBody>
+          <a:bodyPr rtlCol="0" anchor="ctr"/>
+          <a:lstStyle/>
+          <a:p>
+            <a:pPr algn="ctr"/>
+            <a:endParaRPr lang="en-US"/>
+          </a:p>
+        </p:txBody>
+      </p:sp>
+    </p:spTree>
+    <p:extLst>
+      <p:ext uri="{BB962C8B-B14F-4D97-AF65-F5344CB8AC3E}">
+        <p14:creationId xmlns:p14="http://schemas.microsoft.com/office/powerpoint/2010/main" val="1829071210"/>
+      </p:ext>
+    </p:extLst>
+  </p:cSld>
+  <p:clrMapOvr>
+    <a:masterClrMapping/>
+  </p:clrMapOvr>
+</p:sld>
+</file>
+
+<file path=ppt/slides/slide14.xml><?xml version="1.0" encoding="utf-8"?>
+<p:sld xmlns:a="http://schemas.openxmlformats.org/drawingml/2006/main" xmlns:r="http://schemas.openxmlformats.org/officeDocument/2006/relationships" xmlns:p="http://schemas.openxmlformats.org/presentationml/2006/main">
+  <p:cSld>
+    <p:spTree>
+      <p:nvGrpSpPr>
+        <p:cNvPr id="1" name=""/>
+        <p:cNvGrpSpPr/>
+        <p:nvPr/>
+      </p:nvGrpSpPr>
+      <p:grpSpPr>
+        <a:xfrm>
+          <a:off x="0" y="0"/>
+          <a:ext cx="0" cy="0"/>
+          <a:chOff x="0" y="0"/>
+          <a:chExt cx="0" cy="0"/>
+        </a:xfrm>
+      </p:grpSpPr>
+      <p:sp>
+        <p:nvSpPr>
+          <p:cNvPr id="2" name="Title 1"/>
+          <p:cNvSpPr>
+            <a:spLocks noGrp="1"/>
+          </p:cNvSpPr>
+          <p:nvPr>
+            <p:ph type="title"/>
+          </p:nvPr>
+        </p:nvSpPr>
+        <p:spPr/>
+        <p:txBody>
+          <a:bodyPr/>
+          <a:lstStyle/>
+          <a:p>
+            <a:r>
+              <a:rPr lang="en-US" dirty="0"/>
+              <a:t>Creating a Static</a:t>
+            </a:r>
+            <a:r>
+              <a:rPr lang="en-US" baseline="0" dirty="0"/>
+              <a:t> Module</a:t>
+            </a:r>
+            <a:endParaRPr lang="en-US" dirty="0"/>
+          </a:p>
+        </p:txBody>
+      </p:sp>
+      <p:sp>
+        <p:nvSpPr>
+          <p:cNvPr id="3" name="Content Placeholder 2"/>
+          <p:cNvSpPr>
+            <a:spLocks noGrp="1"/>
+          </p:cNvSpPr>
+          <p:nvPr>
+            <p:ph sz="half" idx="1"/>
+          </p:nvPr>
+        </p:nvSpPr>
+        <p:spPr/>
+        <p:txBody>
+          <a:bodyPr>
+            <a:normAutofit fontScale="62500" lnSpcReduction="20000"/>
+          </a:bodyPr>
+          <a:lstStyle/>
+          <a:p>
+            <a:pPr lvl="2"/>
+            <a:r>
+              <a:rPr lang="en-US" dirty="0"/>
+              <a:t>Create the Module from the Static Module Sample Project</a:t>
+            </a:r>
+          </a:p>
+          <a:p>
+            <a:pPr lvl="3"/>
+            <a:r>
+              <a:rPr lang="en-US" dirty="0"/>
+              <a:t>Define the Channels</a:t>
+            </a:r>
+          </a:p>
+          <a:p>
+            <a:pPr lvl="2"/>
+            <a:r>
+              <a:rPr lang="en-US" dirty="0"/>
+              <a:t>Add Parameters to set desired keys.vi (optional)</a:t>
+            </a:r>
+          </a:p>
+          <a:p>
+            <a:pPr lvl="2"/>
+            <a:r>
+              <a:rPr lang="en-US" dirty="0"/>
+              <a:t>Handle initialization (optional)</a:t>
+            </a:r>
+          </a:p>
+          <a:p>
+            <a:pPr lvl="3"/>
+            <a:r>
+              <a:rPr lang="en-US" dirty="0"/>
+              <a:t> Handle initialization of references, sessions, parameters</a:t>
+            </a:r>
+          </a:p>
+          <a:p>
+            <a:pPr lvl="3"/>
+            <a:r>
+              <a:rPr lang="en-US" dirty="0"/>
+              <a:t>Pass References into Runtime class if necessary, modify object to allow this</a:t>
+            </a:r>
+          </a:p>
+          <a:p>
+            <a:pPr lvl="2"/>
+            <a:r>
+              <a:rPr lang="en-US" dirty="0"/>
+              <a:t>Implement the Input, Processing, and/or Output Methods as needed</a:t>
+            </a:r>
+          </a:p>
+          <a:p>
+            <a:pPr lvl="3"/>
+            <a:r>
+              <a:rPr lang="en-US" dirty="0"/>
+              <a:t>Modify user process.vi to contain references or the Runtime class if needed and process.vi to pass data necessary to `user process.vi`</a:t>
+            </a:r>
+          </a:p>
+          <a:p>
+            <a:pPr lvl="3"/>
+            <a:r>
+              <a:rPr lang="en-US" dirty="0"/>
+              <a:t>Add Processing code to `user process.vi`</a:t>
+            </a:r>
+          </a:p>
+          <a:p>
+            <a:pPr lvl="3"/>
+            <a:r>
+              <a:rPr lang="en-US" dirty="0"/>
+              <a:t>Add code to input.vi to pass necessary sessions or config data to user input.vi</a:t>
+            </a:r>
+          </a:p>
+          <a:p>
+            <a:pPr lvl="3"/>
+            <a:r>
+              <a:rPr lang="en-US" dirty="0"/>
+              <a:t>Add input code to `user input.vi`.</a:t>
+            </a:r>
+          </a:p>
+          <a:p>
+            <a:pPr lvl="3"/>
+            <a:r>
+              <a:rPr lang="en-US" dirty="0"/>
+              <a:t>Repeat for output</a:t>
+            </a:r>
+          </a:p>
+          <a:p>
+            <a:pPr lvl="2"/>
+            <a:r>
+              <a:rPr lang="en-US" dirty="0"/>
+              <a:t>Programming Considerations for Run-State Methods</a:t>
+            </a:r>
+          </a:p>
+          <a:p>
+            <a:pPr lvl="3"/>
+            <a:r>
+              <a:rPr lang="en-US" dirty="0"/>
+              <a:t>Determinism</a:t>
+            </a:r>
+          </a:p>
+          <a:p>
+            <a:pPr lvl="3"/>
+            <a:r>
+              <a:rPr lang="en-US" dirty="0"/>
+              <a:t>Non-blocking execution</a:t>
+            </a:r>
+          </a:p>
+          <a:p>
+            <a:pPr lvl="2"/>
+            <a:r>
+              <a:rPr lang="en-US" dirty="0"/>
+              <a:t>Specifying other properties</a:t>
+            </a:r>
+          </a:p>
+          <a:p>
+            <a:pPr lvl="2"/>
+            <a:r>
+              <a:rPr lang="en-US" dirty="0"/>
+              <a:t>Testing and validation</a:t>
+            </a:r>
+          </a:p>
+        </p:txBody>
+      </p:sp>
+      <p:sp>
+        <p:nvSpPr>
+          <p:cNvPr id="6" name="Content Placeholder 5">
+            <a:extLst>
+              <a:ext uri="{FF2B5EF4-FFF2-40B4-BE49-F238E27FC236}">
+                <a16:creationId xmlns:a16="http://schemas.microsoft.com/office/drawing/2014/main" id="{33673D65-56B4-4C8E-BEA6-451099666C1B}"/>
+              </a:ext>
+            </a:extLst>
+          </p:cNvPr>
+          <p:cNvSpPr>
+            <a:spLocks noGrp="1"/>
+          </p:cNvSpPr>
+          <p:nvPr>
+            <p:ph sz="half" idx="2"/>
+          </p:nvPr>
+        </p:nvSpPr>
+        <p:spPr/>
+        <p:txBody>
+          <a:bodyPr>
+            <a:normAutofit fontScale="62500" lnSpcReduction="20000"/>
+          </a:bodyPr>
+          <a:lstStyle/>
+          <a:p>
+            <a:r>
+              <a:rPr lang="en-US" dirty="0"/>
+              <a:t>Write the Initialization</a:t>
+            </a:r>
+          </a:p>
+          <a:p>
+            <a:pPr lvl="1"/>
+            <a:r>
+              <a:rPr lang="en-US" dirty="0"/>
+              <a:t>Requires modification of the </a:t>
+            </a:r>
+            <a:r>
+              <a:rPr lang="en-US" i="1" dirty="0"/>
+              <a:t>user init.vi</a:t>
+            </a:r>
+            <a:r>
+              <a:rPr lang="en-US" dirty="0"/>
+              <a:t> and maybe of the </a:t>
+            </a:r>
+            <a:r>
+              <a:rPr lang="en-US" i="1" dirty="0"/>
+              <a:t>init.vi</a:t>
+            </a:r>
+            <a:endParaRPr lang="en-US" dirty="0"/>
+          </a:p>
+          <a:p>
+            <a:endParaRPr lang="en-US" dirty="0"/>
+          </a:p>
+        </p:txBody>
+      </p:sp>
+      <p:sp>
+        <p:nvSpPr>
+          <p:cNvPr id="10" name="Rectangle 9">
+            <a:extLst>
+              <a:ext uri="{FF2B5EF4-FFF2-40B4-BE49-F238E27FC236}">
+                <a16:creationId xmlns:a16="http://schemas.microsoft.com/office/drawing/2014/main" id="{C69AEF5D-B35F-4D7F-B547-B812D37ADE36}"/>
+              </a:ext>
+            </a:extLst>
+          </p:cNvPr>
+          <p:cNvSpPr/>
+          <p:nvPr/>
+        </p:nvSpPr>
+        <p:spPr>
+          <a:xfrm>
+            <a:off x="1782618" y="3260871"/>
+            <a:ext cx="3990109" cy="738474"/>
+          </a:xfrm>
+          <a:prstGeom prst="rect">
+            <a:avLst/>
+          </a:prstGeom>
+          <a:noFill/>
+          <a:ln w="9525" cap="flat" cmpd="sng" algn="ctr">
+            <a:solidFill>
+              <a:srgbClr val="FF0000"/>
+            </a:solidFill>
+            <a:prstDash val="solid"/>
+            <a:round/>
+            <a:headEnd type="none" w="med" len="med"/>
+            <a:tailEnd type="none" w="med" len="med"/>
+          </a:ln>
+        </p:spPr>
+        <p:style>
+          <a:lnRef idx="0">
+            <a:scrgbClr r="0" g="0" b="0"/>
+          </a:lnRef>
+          <a:fillRef idx="0">
+            <a:scrgbClr r="0" g="0" b="0"/>
+          </a:fillRef>
+          <a:effectRef idx="0">
+            <a:scrgbClr r="0" g="0" b="0"/>
+          </a:effectRef>
+          <a:fontRef idx="minor">
+            <a:schemeClr val="dk1"/>
+          </a:fontRef>
+        </p:style>
+        <p:txBody>
+          <a:bodyPr rtlCol="0" anchor="ctr"/>
+          <a:lstStyle/>
+          <a:p>
+            <a:pPr algn="ctr"/>
+            <a:endParaRPr lang="en-US"/>
+          </a:p>
+        </p:txBody>
+      </p:sp>
+    </p:spTree>
+    <p:extLst>
+      <p:ext uri="{BB962C8B-B14F-4D97-AF65-F5344CB8AC3E}">
+        <p14:creationId xmlns:p14="http://schemas.microsoft.com/office/powerpoint/2010/main" val="157821267"/>
+      </p:ext>
+    </p:extLst>
+  </p:cSld>
+  <p:clrMapOvr>
+    <a:masterClrMapping/>
+  </p:clrMapOvr>
+</p:sld>
+</file>
+
+<file path=ppt/slides/slide15.xml><?xml version="1.0" encoding="utf-8"?>
+<p:sld xmlns:a="http://schemas.openxmlformats.org/drawingml/2006/main" xmlns:r="http://schemas.openxmlformats.org/officeDocument/2006/relationships" xmlns:p="http://schemas.openxmlformats.org/presentationml/2006/main">
+  <p:cSld>
+    <p:spTree>
+      <p:nvGrpSpPr>
+        <p:cNvPr id="1" name=""/>
+        <p:cNvGrpSpPr/>
+        <p:nvPr/>
+      </p:nvGrpSpPr>
+      <p:grpSpPr>
+        <a:xfrm>
+          <a:off x="0" y="0"/>
+          <a:ext cx="0" cy="0"/>
+          <a:chOff x="0" y="0"/>
+          <a:chExt cx="0" cy="0"/>
+        </a:xfrm>
+      </p:grpSpPr>
+      <p:sp>
+        <p:nvSpPr>
+          <p:cNvPr id="2" name="Title 1"/>
+          <p:cNvSpPr>
+            <a:spLocks noGrp="1"/>
+          </p:cNvSpPr>
+          <p:nvPr>
+            <p:ph type="title"/>
+          </p:nvPr>
+        </p:nvSpPr>
+        <p:spPr/>
+        <p:txBody>
+          <a:bodyPr/>
+          <a:lstStyle/>
+          <a:p>
+            <a:r>
+              <a:rPr lang="en-US" dirty="0"/>
+              <a:t>Static Module Checklist</a:t>
+            </a:r>
+          </a:p>
+        </p:txBody>
+      </p:sp>
+      <p:sp>
+        <p:nvSpPr>
+          <p:cNvPr id="3" name="Content Placeholder 2"/>
+          <p:cNvSpPr>
+            <a:spLocks noGrp="1"/>
+          </p:cNvSpPr>
+          <p:nvPr>
+            <p:ph sz="half" idx="1"/>
+          </p:nvPr>
+        </p:nvSpPr>
+        <p:spPr/>
+        <p:txBody>
+          <a:bodyPr>
+            <a:normAutofit fontScale="62500" lnSpcReduction="20000"/>
+          </a:bodyPr>
+          <a:lstStyle/>
+          <a:p>
+            <a:pPr lvl="2"/>
+            <a:r>
+              <a:rPr lang="en-US" dirty="0"/>
+              <a:t>Create the Module from the Static Module Sample Project</a:t>
+            </a:r>
+          </a:p>
+          <a:p>
+            <a:pPr lvl="3"/>
+            <a:r>
+              <a:rPr lang="en-US" dirty="0"/>
+              <a:t>Define the Channels</a:t>
+            </a:r>
+          </a:p>
+          <a:p>
+            <a:pPr lvl="2"/>
+            <a:r>
+              <a:rPr lang="en-US" dirty="0"/>
+              <a:t>Add Parameters to set desired keys.vi (optional)</a:t>
+            </a:r>
+          </a:p>
+          <a:p>
+            <a:pPr lvl="2"/>
+            <a:r>
+              <a:rPr lang="en-US" dirty="0"/>
+              <a:t>Handle initialization (optional)</a:t>
+            </a:r>
+          </a:p>
+          <a:p>
+            <a:pPr lvl="3"/>
+            <a:r>
+              <a:rPr lang="en-US" dirty="0"/>
+              <a:t> Handle initialization of references, sessions, parameters</a:t>
+            </a:r>
+          </a:p>
+          <a:p>
+            <a:pPr lvl="3"/>
+            <a:r>
+              <a:rPr lang="en-US" dirty="0"/>
+              <a:t>Pass References into Runtime class if necessary, modify object to allow this</a:t>
+            </a:r>
+          </a:p>
+          <a:p>
+            <a:pPr lvl="2"/>
+            <a:r>
+              <a:rPr lang="en-US" dirty="0"/>
+              <a:t>Implement the Input, Processing, and/or Output Methods as needed</a:t>
+            </a:r>
+          </a:p>
+          <a:p>
+            <a:pPr lvl="3"/>
+            <a:r>
+              <a:rPr lang="en-US" dirty="0"/>
+              <a:t>Modify user process.vi to contain references or the Runtime class if needed and process.vi to pass data necessary to `user process.vi`</a:t>
+            </a:r>
+          </a:p>
+          <a:p>
+            <a:pPr lvl="3"/>
+            <a:r>
+              <a:rPr lang="en-US" dirty="0"/>
+              <a:t>Add Processing code to `user process.vi`</a:t>
+            </a:r>
+          </a:p>
+          <a:p>
+            <a:pPr lvl="3"/>
+            <a:r>
+              <a:rPr lang="en-US" dirty="0"/>
+              <a:t>Add code to input.vi to pass necessary sessions or config data to user input.vi</a:t>
+            </a:r>
+          </a:p>
+          <a:p>
+            <a:pPr lvl="3"/>
+            <a:r>
+              <a:rPr lang="en-US" dirty="0"/>
+              <a:t>Add input code to `user input.vi`.</a:t>
+            </a:r>
+          </a:p>
+          <a:p>
+            <a:pPr lvl="3"/>
+            <a:r>
+              <a:rPr lang="en-US" dirty="0"/>
+              <a:t>Repeat for output</a:t>
+            </a:r>
+          </a:p>
+          <a:p>
+            <a:pPr lvl="2"/>
+            <a:r>
+              <a:rPr lang="en-US" dirty="0"/>
+              <a:t>Programming Considerations for Run-State Methods</a:t>
+            </a:r>
+          </a:p>
+          <a:p>
+            <a:pPr lvl="3"/>
+            <a:r>
+              <a:rPr lang="en-US" dirty="0"/>
+              <a:t>Determinism</a:t>
+            </a:r>
+          </a:p>
+          <a:p>
+            <a:pPr lvl="3"/>
+            <a:r>
+              <a:rPr lang="en-US" dirty="0"/>
+              <a:t>Non-blocking execution</a:t>
+            </a:r>
+          </a:p>
+          <a:p>
+            <a:pPr lvl="2"/>
+            <a:r>
+              <a:rPr lang="en-US" dirty="0"/>
+              <a:t>Specifying other properties</a:t>
+            </a:r>
+          </a:p>
+          <a:p>
+            <a:pPr lvl="2"/>
+            <a:r>
+              <a:rPr lang="en-US" dirty="0"/>
+              <a:t>Testing and validation</a:t>
+            </a:r>
+          </a:p>
+        </p:txBody>
+      </p:sp>
+      <p:sp>
+        <p:nvSpPr>
+          <p:cNvPr id="6" name="Content Placeholder 5">
+            <a:extLst>
+              <a:ext uri="{FF2B5EF4-FFF2-40B4-BE49-F238E27FC236}">
+                <a16:creationId xmlns:a16="http://schemas.microsoft.com/office/drawing/2014/main" id="{33673D65-56B4-4C8E-BEA6-451099666C1B}"/>
+              </a:ext>
+            </a:extLst>
+          </p:cNvPr>
+          <p:cNvSpPr>
+            <a:spLocks noGrp="1"/>
+          </p:cNvSpPr>
+          <p:nvPr>
+            <p:ph sz="half" idx="2"/>
+          </p:nvPr>
+        </p:nvSpPr>
+        <p:spPr/>
+        <p:txBody>
+          <a:bodyPr>
+            <a:normAutofit fontScale="62500" lnSpcReduction="20000"/>
+          </a:bodyPr>
+          <a:lstStyle/>
+          <a:p>
+            <a:r>
+              <a:rPr lang="en-US" dirty="0"/>
+              <a:t>If the module requires configuration information, modify the </a:t>
+            </a:r>
+            <a:r>
+              <a:rPr lang="en-US" i="1" dirty="0"/>
+              <a:t>process.vi</a:t>
+            </a:r>
+            <a:r>
+              <a:rPr lang="en-US" dirty="0"/>
+              <a:t> to pass the </a:t>
+            </a:r>
+            <a:r>
+              <a:rPr lang="en-US" i="1" dirty="0" err="1"/>
+              <a:t>runtime.lvclass</a:t>
+            </a:r>
+            <a:r>
+              <a:rPr lang="en-US" dirty="0"/>
+              <a:t> into the </a:t>
+            </a:r>
+            <a:r>
+              <a:rPr lang="en-US" i="1" dirty="0"/>
+              <a:t>user process.vi</a:t>
+            </a:r>
+            <a:endParaRPr lang="en-US" dirty="0"/>
+          </a:p>
+          <a:p>
+            <a:endParaRPr lang="en-US" dirty="0"/>
+          </a:p>
+        </p:txBody>
+      </p:sp>
+      <p:sp>
+        <p:nvSpPr>
+          <p:cNvPr id="10" name="Rectangle 9">
+            <a:extLst>
+              <a:ext uri="{FF2B5EF4-FFF2-40B4-BE49-F238E27FC236}">
+                <a16:creationId xmlns:a16="http://schemas.microsoft.com/office/drawing/2014/main" id="{C69AEF5D-B35F-4D7F-B547-B812D37ADE36}"/>
+              </a:ext>
+            </a:extLst>
+          </p:cNvPr>
+          <p:cNvSpPr/>
+          <p:nvPr/>
+        </p:nvSpPr>
+        <p:spPr>
+          <a:xfrm>
+            <a:off x="1782618" y="3260871"/>
+            <a:ext cx="3990109" cy="738474"/>
+          </a:xfrm>
+          <a:prstGeom prst="rect">
+            <a:avLst/>
+          </a:prstGeom>
+          <a:noFill/>
+          <a:ln w="9525" cap="flat" cmpd="sng" algn="ctr">
+            <a:solidFill>
+              <a:srgbClr val="FF0000"/>
+            </a:solidFill>
+            <a:prstDash val="solid"/>
+            <a:round/>
+            <a:headEnd type="none" w="med" len="med"/>
+            <a:tailEnd type="none" w="med" len="med"/>
+          </a:ln>
+        </p:spPr>
+        <p:style>
+          <a:lnRef idx="0">
+            <a:scrgbClr r="0" g="0" b="0"/>
+          </a:lnRef>
+          <a:fillRef idx="0">
+            <a:scrgbClr r="0" g="0" b="0"/>
+          </a:fillRef>
+          <a:effectRef idx="0">
+            <a:scrgbClr r="0" g="0" b="0"/>
+          </a:effectRef>
+          <a:fontRef idx="minor">
+            <a:schemeClr val="dk1"/>
+          </a:fontRef>
+        </p:style>
+        <p:txBody>
+          <a:bodyPr rtlCol="0" anchor="ctr"/>
+          <a:lstStyle/>
+          <a:p>
+            <a:pPr algn="ctr"/>
+            <a:endParaRPr lang="en-US"/>
+          </a:p>
+        </p:txBody>
+      </p:sp>
+    </p:spTree>
+    <p:extLst>
+      <p:ext uri="{BB962C8B-B14F-4D97-AF65-F5344CB8AC3E}">
+        <p14:creationId xmlns:p14="http://schemas.microsoft.com/office/powerpoint/2010/main" val="3726513953"/>
+      </p:ext>
+    </p:extLst>
+  </p:cSld>
+  <p:clrMapOvr>
+    <a:masterClrMapping/>
+  </p:clrMapOvr>
+</p:sld>
+</file>
+
+<file path=ppt/slides/slide16.xml><?xml version="1.0" encoding="utf-8"?>
+<p:sld xmlns:a="http://schemas.openxmlformats.org/drawingml/2006/main" xmlns:r="http://schemas.openxmlformats.org/officeDocument/2006/relationships" xmlns:p="http://schemas.openxmlformats.org/presentationml/2006/main">
+  <p:cSld>
+    <p:spTree>
+      <p:nvGrpSpPr>
+        <p:cNvPr id="1" name=""/>
+        <p:cNvGrpSpPr/>
+        <p:nvPr/>
+      </p:nvGrpSpPr>
+      <p:grpSpPr>
+        <a:xfrm>
+          <a:off x="0" y="0"/>
+          <a:ext cx="0" cy="0"/>
+          <a:chOff x="0" y="0"/>
+          <a:chExt cx="0" cy="0"/>
+        </a:xfrm>
+      </p:grpSpPr>
+      <p:sp>
+        <p:nvSpPr>
+          <p:cNvPr id="2" name="Title 1"/>
+          <p:cNvSpPr>
+            <a:spLocks noGrp="1"/>
+          </p:cNvSpPr>
+          <p:nvPr>
+            <p:ph type="title"/>
+          </p:nvPr>
+        </p:nvSpPr>
+        <p:spPr/>
+        <p:txBody>
+          <a:bodyPr/>
+          <a:lstStyle/>
+          <a:p>
+            <a:r>
+              <a:rPr lang="en-US" dirty="0"/>
+              <a:t>Static Module Checklist</a:t>
+            </a:r>
+          </a:p>
+        </p:txBody>
+      </p:sp>
+      <p:sp>
+        <p:nvSpPr>
+          <p:cNvPr id="3" name="Content Placeholder 2"/>
+          <p:cNvSpPr>
+            <a:spLocks noGrp="1"/>
+          </p:cNvSpPr>
+          <p:nvPr>
+            <p:ph sz="half" idx="1"/>
+          </p:nvPr>
+        </p:nvSpPr>
+        <p:spPr/>
+        <p:txBody>
+          <a:bodyPr>
+            <a:normAutofit fontScale="62500" lnSpcReduction="20000"/>
+          </a:bodyPr>
+          <a:lstStyle/>
+          <a:p>
+            <a:pPr lvl="2"/>
+            <a:r>
+              <a:rPr lang="en-US" dirty="0"/>
+              <a:t>Create the Module from the Static Module Sample Project</a:t>
+            </a:r>
+          </a:p>
+          <a:p>
+            <a:pPr lvl="3"/>
+            <a:r>
+              <a:rPr lang="en-US" dirty="0"/>
+              <a:t>Define the Channels</a:t>
+            </a:r>
+          </a:p>
+          <a:p>
+            <a:pPr lvl="2"/>
+            <a:r>
+              <a:rPr lang="en-US" dirty="0"/>
+              <a:t>Add Parameters to set desired keys.vi (optional)</a:t>
+            </a:r>
+          </a:p>
+          <a:p>
+            <a:pPr lvl="2"/>
+            <a:r>
+              <a:rPr lang="en-US" dirty="0"/>
+              <a:t>Handle initialization (optional)</a:t>
+            </a:r>
+          </a:p>
+          <a:p>
+            <a:pPr lvl="3"/>
+            <a:r>
+              <a:rPr lang="en-US" dirty="0"/>
+              <a:t> Handle initialization of references, sessions, parameters</a:t>
+            </a:r>
+          </a:p>
+          <a:p>
+            <a:pPr lvl="3"/>
+            <a:r>
+              <a:rPr lang="en-US" dirty="0"/>
+              <a:t>Pass References into Runtime class if necessary, modify object to allow this</a:t>
+            </a:r>
+          </a:p>
+          <a:p>
+            <a:pPr lvl="2"/>
+            <a:r>
+              <a:rPr lang="en-US" dirty="0"/>
+              <a:t>Implement the Input, Processing, and/or Output Methods as needed</a:t>
+            </a:r>
+          </a:p>
+          <a:p>
+            <a:pPr lvl="3"/>
+            <a:r>
+              <a:rPr lang="en-US" dirty="0"/>
+              <a:t>Modify user process.vi to contain references or the Runtime class if needed and process.vi to pass data necessary to `user process.vi`</a:t>
+            </a:r>
+          </a:p>
+          <a:p>
+            <a:pPr lvl="3"/>
+            <a:r>
+              <a:rPr lang="en-US" dirty="0"/>
+              <a:t>Add Processing code to `user process.vi`</a:t>
+            </a:r>
+          </a:p>
+          <a:p>
+            <a:pPr lvl="3"/>
+            <a:r>
+              <a:rPr lang="en-US" dirty="0"/>
+              <a:t>Add code to input.vi to pass necessary sessions or config data to user input.vi</a:t>
+            </a:r>
+          </a:p>
+          <a:p>
+            <a:pPr lvl="3"/>
+            <a:r>
+              <a:rPr lang="en-US" dirty="0"/>
+              <a:t>Add input code to `user input.vi`.</a:t>
+            </a:r>
+          </a:p>
+          <a:p>
+            <a:pPr lvl="3"/>
+            <a:r>
+              <a:rPr lang="en-US" dirty="0"/>
+              <a:t>Repeat for output</a:t>
+            </a:r>
+          </a:p>
+          <a:p>
+            <a:pPr lvl="2"/>
+            <a:r>
+              <a:rPr lang="en-US" dirty="0"/>
+              <a:t>Programming Considerations for Run-State Methods</a:t>
+            </a:r>
+          </a:p>
+          <a:p>
+            <a:pPr lvl="3"/>
+            <a:r>
+              <a:rPr lang="en-US" dirty="0"/>
+              <a:t>Determinism</a:t>
+            </a:r>
+          </a:p>
+          <a:p>
+            <a:pPr lvl="3"/>
+            <a:r>
+              <a:rPr lang="en-US" dirty="0"/>
+              <a:t>Non-blocking execution</a:t>
+            </a:r>
+          </a:p>
+          <a:p>
+            <a:pPr lvl="2"/>
+            <a:r>
+              <a:rPr lang="en-US" dirty="0"/>
+              <a:t>Specifying other properties</a:t>
+            </a:r>
+          </a:p>
+          <a:p>
+            <a:pPr lvl="2"/>
+            <a:r>
+              <a:rPr lang="en-US" dirty="0"/>
+              <a:t>Testing and validation</a:t>
+            </a:r>
+          </a:p>
+        </p:txBody>
+      </p:sp>
+      <p:sp>
+        <p:nvSpPr>
+          <p:cNvPr id="6" name="Content Placeholder 5">
+            <a:extLst>
+              <a:ext uri="{FF2B5EF4-FFF2-40B4-BE49-F238E27FC236}">
+                <a16:creationId xmlns:a16="http://schemas.microsoft.com/office/drawing/2014/main" id="{33673D65-56B4-4C8E-BEA6-451099666C1B}"/>
+              </a:ext>
+            </a:extLst>
+          </p:cNvPr>
+          <p:cNvSpPr>
+            <a:spLocks noGrp="1"/>
+          </p:cNvSpPr>
+          <p:nvPr>
+            <p:ph sz="half" idx="2"/>
+          </p:nvPr>
+        </p:nvSpPr>
+        <p:spPr/>
+        <p:txBody>
+          <a:bodyPr>
+            <a:normAutofit fontScale="62500" lnSpcReduction="20000"/>
+          </a:bodyPr>
+          <a:lstStyle/>
+          <a:p>
+            <a:r>
+              <a:rPr lang="en-US" dirty="0"/>
+              <a:t>Write the Process, Input or Output functionality in the </a:t>
+            </a:r>
+            <a:r>
+              <a:rPr lang="en-US" i="1" dirty="0"/>
+              <a:t>user process.vi, user input.vi or user output.vi</a:t>
+            </a:r>
+            <a:endParaRPr lang="en-US" dirty="0"/>
+          </a:p>
+          <a:p>
+            <a:endParaRPr lang="en-US" dirty="0"/>
+          </a:p>
+        </p:txBody>
+      </p:sp>
+      <p:sp>
+        <p:nvSpPr>
+          <p:cNvPr id="10" name="Rectangle 9">
+            <a:extLst>
+              <a:ext uri="{FF2B5EF4-FFF2-40B4-BE49-F238E27FC236}">
+                <a16:creationId xmlns:a16="http://schemas.microsoft.com/office/drawing/2014/main" id="{C69AEF5D-B35F-4D7F-B547-B812D37ADE36}"/>
+              </a:ext>
+            </a:extLst>
+          </p:cNvPr>
+          <p:cNvSpPr/>
+          <p:nvPr/>
+        </p:nvSpPr>
+        <p:spPr>
+          <a:xfrm>
+            <a:off x="1801091" y="4137891"/>
+            <a:ext cx="3990109" cy="720436"/>
+          </a:xfrm>
+          <a:prstGeom prst="rect">
+            <a:avLst/>
+          </a:prstGeom>
+          <a:noFill/>
+          <a:ln w="9525" cap="flat" cmpd="sng" algn="ctr">
+            <a:solidFill>
+              <a:srgbClr val="FF0000"/>
+            </a:solidFill>
+            <a:prstDash val="solid"/>
+            <a:round/>
+            <a:headEnd type="none" w="med" len="med"/>
+            <a:tailEnd type="none" w="med" len="med"/>
+          </a:ln>
+        </p:spPr>
+        <p:style>
+          <a:lnRef idx="0">
+            <a:scrgbClr r="0" g="0" b="0"/>
+          </a:lnRef>
+          <a:fillRef idx="0">
+            <a:scrgbClr r="0" g="0" b="0"/>
+          </a:fillRef>
+          <a:effectRef idx="0">
+            <a:scrgbClr r="0" g="0" b="0"/>
+          </a:effectRef>
+          <a:fontRef idx="minor">
+            <a:schemeClr val="dk1"/>
+          </a:fontRef>
+        </p:style>
+        <p:txBody>
+          <a:bodyPr rtlCol="0" anchor="ctr"/>
+          <a:lstStyle/>
+          <a:p>
+            <a:pPr algn="ctr"/>
+            <a:endParaRPr lang="en-US"/>
+          </a:p>
+        </p:txBody>
+      </p:sp>
+    </p:spTree>
+    <p:extLst>
+      <p:ext uri="{BB962C8B-B14F-4D97-AF65-F5344CB8AC3E}">
+        <p14:creationId xmlns:p14="http://schemas.microsoft.com/office/powerpoint/2010/main" val="944902062"/>
+      </p:ext>
+    </p:extLst>
+  </p:cSld>
+  <p:clrMapOvr>
+    <a:masterClrMapping/>
+  </p:clrMapOvr>
+</p:sld>
+</file>
+
+<file path=ppt/slides/slide17.xml><?xml version="1.0" encoding="utf-8"?>
+<p:sld xmlns:a="http://schemas.openxmlformats.org/drawingml/2006/main" xmlns:r="http://schemas.openxmlformats.org/officeDocument/2006/relationships" xmlns:p="http://schemas.openxmlformats.org/presentationml/2006/main">
+  <p:cSld>
+    <p:spTree>
+      <p:nvGrpSpPr>
+        <p:cNvPr id="1" name=""/>
+        <p:cNvGrpSpPr/>
+        <p:nvPr/>
+      </p:nvGrpSpPr>
+      <p:grpSpPr>
+        <a:xfrm>
+          <a:off x="0" y="0"/>
+          <a:ext cx="0" cy="0"/>
+          <a:chOff x="0" y="0"/>
+          <a:chExt cx="0" cy="0"/>
+        </a:xfrm>
+      </p:grpSpPr>
+      <p:sp>
+        <p:nvSpPr>
+          <p:cNvPr id="2" name="Title 1"/>
+          <p:cNvSpPr>
+            <a:spLocks noGrp="1"/>
+          </p:cNvSpPr>
+          <p:nvPr>
+            <p:ph type="title"/>
+          </p:nvPr>
+        </p:nvSpPr>
+        <p:spPr/>
+        <p:txBody>
+          <a:bodyPr/>
+          <a:lstStyle/>
+          <a:p>
+            <a:r>
+              <a:rPr lang="en-US" dirty="0"/>
+              <a:t>Static</a:t>
+            </a:r>
+            <a:r>
+              <a:rPr lang="en-US" baseline="0" dirty="0"/>
+              <a:t> Module</a:t>
+            </a:r>
+            <a:endParaRPr lang="en-US" dirty="0"/>
+          </a:p>
+        </p:txBody>
+      </p:sp>
+      <p:sp>
+        <p:nvSpPr>
+          <p:cNvPr id="3" name="Content Placeholder 2"/>
+          <p:cNvSpPr>
+            <a:spLocks noGrp="1"/>
+          </p:cNvSpPr>
+          <p:nvPr>
+            <p:ph idx="1"/>
+          </p:nvPr>
+        </p:nvSpPr>
+        <p:spPr/>
+        <p:txBody>
+          <a:bodyPr/>
+          <a:lstStyle/>
+          <a:p>
+            <a:r>
+              <a:rPr lang="en-US" dirty="0"/>
+              <a:t>Configuration</a:t>
+            </a:r>
+            <a:r>
+              <a:rPr lang="en-US" baseline="0" dirty="0"/>
+              <a:t> Class:</a:t>
+            </a:r>
+          </a:p>
+          <a:p>
+            <a:pPr lvl="1"/>
+            <a:r>
+              <a:rPr lang="en-US" dirty="0"/>
+              <a:t>Select module options (number of instances, allowable</a:t>
+            </a:r>
+            <a:r>
+              <a:rPr lang="en-US" baseline="0" dirty="0"/>
+              <a:t> targets)</a:t>
+            </a:r>
+          </a:p>
+          <a:p>
+            <a:pPr lvl="1"/>
+            <a:r>
+              <a:rPr lang="en-US" baseline="0" dirty="0"/>
+              <a:t>Update validate.vi with validation rules</a:t>
+            </a:r>
+          </a:p>
+          <a:p>
+            <a:pPr lvl="1"/>
+            <a:r>
+              <a:rPr lang="en-US" baseline="0" dirty="0"/>
+              <a:t>Update get default error list.vi</a:t>
+            </a:r>
+            <a:r>
+              <a:rPr lang="en-US" dirty="0"/>
+              <a:t> with </a:t>
+            </a:r>
+            <a:r>
+              <a:rPr lang="en-US" baseline="0" dirty="0"/>
+              <a:t>default error classifications</a:t>
+            </a:r>
+          </a:p>
+          <a:p>
+            <a:pPr lvl="0"/>
+            <a:r>
+              <a:rPr lang="en-US" dirty="0"/>
+              <a:t>Editor Class:</a:t>
+            </a:r>
+          </a:p>
+          <a:p>
+            <a:pPr lvl="1"/>
+            <a:r>
+              <a:rPr lang="en-US" dirty="0"/>
+              <a:t>Select module glyph</a:t>
+            </a:r>
+          </a:p>
+          <a:p>
+            <a:pPr lvl="0"/>
+            <a:r>
+              <a:rPr lang="en-US" dirty="0"/>
+              <a:t>Runtime</a:t>
+            </a:r>
+          </a:p>
+          <a:p>
+            <a:pPr lvl="1"/>
+            <a:r>
+              <a:rPr lang="en-US" dirty="0"/>
+              <a:t>Implement User Input.vi,</a:t>
+            </a:r>
+            <a:r>
+              <a:rPr lang="en-US" baseline="0" dirty="0"/>
+              <a:t> User Process.vi, and/or User Output.vi with custom logic</a:t>
+            </a:r>
+            <a:endParaRPr lang="en-US" dirty="0"/>
+          </a:p>
+          <a:p>
+            <a:pPr lvl="1"/>
+            <a:endParaRPr lang="en-US" dirty="0"/>
+          </a:p>
+          <a:p>
+            <a:pPr lvl="1"/>
+            <a:endParaRPr lang="en-US" dirty="0"/>
+          </a:p>
+        </p:txBody>
+      </p:sp>
+    </p:spTree>
+    <p:extLst>
+      <p:ext uri="{BB962C8B-B14F-4D97-AF65-F5344CB8AC3E}">
+        <p14:creationId xmlns:p14="http://schemas.microsoft.com/office/powerpoint/2010/main" val="796686571"/>
+      </p:ext>
+    </p:extLst>
+  </p:cSld>
+  <p:clrMapOvr>
+    <a:masterClrMapping/>
+  </p:clrMapOvr>
+</p:sld>
+</file>
+
+<file path=ppt/slides/slide18.xml><?xml version="1.0" encoding="utf-8"?>
+<p:sld xmlns:a="http://schemas.openxmlformats.org/drawingml/2006/main" xmlns:r="http://schemas.openxmlformats.org/officeDocument/2006/relationships" xmlns:p="http://schemas.openxmlformats.org/presentationml/2006/main">
+  <p:cSld>
+    <p:spTree>
+      <p:nvGrpSpPr>
+        <p:cNvPr id="1" name=""/>
+        <p:cNvGrpSpPr/>
+        <p:nvPr/>
+      </p:nvGrpSpPr>
+      <p:grpSpPr>
+        <a:xfrm>
+          <a:off x="0" y="0"/>
+          <a:ext cx="0" cy="0"/>
+          <a:chOff x="0" y="0"/>
+          <a:chExt cx="0" cy="0"/>
+        </a:xfrm>
+      </p:grpSpPr>
+      <p:sp>
+        <p:nvSpPr>
+          <p:cNvPr id="2" name="Title 1"/>
+          <p:cNvSpPr>
+            <a:spLocks noGrp="1"/>
+          </p:cNvSpPr>
+          <p:nvPr>
+            <p:ph type="title"/>
+          </p:nvPr>
+        </p:nvSpPr>
+        <p:spPr/>
+        <p:txBody>
+          <a:bodyPr/>
+          <a:lstStyle/>
+          <a:p>
+            <a:r>
+              <a:rPr lang="en-US" dirty="0"/>
+              <a:t>Dynamic</a:t>
+            </a:r>
+            <a:r>
+              <a:rPr lang="en-US" baseline="0" dirty="0"/>
+              <a:t> Module</a:t>
+            </a:r>
+            <a:endParaRPr lang="en-US" dirty="0"/>
+          </a:p>
+        </p:txBody>
+      </p:sp>
+      <p:sp>
+        <p:nvSpPr>
+          <p:cNvPr id="3" name="Content Placeholder 2"/>
+          <p:cNvSpPr>
+            <a:spLocks noGrp="1"/>
+          </p:cNvSpPr>
+          <p:nvPr>
+            <p:ph idx="1"/>
+          </p:nvPr>
+        </p:nvSpPr>
+        <p:spPr/>
+        <p:txBody>
+          <a:bodyPr/>
+          <a:lstStyle/>
+          <a:p>
+            <a:r>
+              <a:rPr lang="en-US" dirty="0"/>
+              <a:t>Configuration</a:t>
+            </a:r>
+            <a:r>
+              <a:rPr lang="en-US" baseline="0" dirty="0"/>
+              <a:t> Class:</a:t>
+            </a:r>
+          </a:p>
+          <a:p>
+            <a:pPr lvl="0"/>
+            <a:r>
+              <a:rPr lang="en-US" dirty="0"/>
+              <a:t>Editor Class:</a:t>
+            </a:r>
+          </a:p>
+          <a:p>
+            <a:pPr lvl="0"/>
+            <a:r>
+              <a:rPr lang="en-US" dirty="0"/>
+              <a:t>Runtime</a:t>
+            </a:r>
+          </a:p>
+          <a:p>
+            <a:pPr lvl="1"/>
+            <a:endParaRPr lang="en-US" dirty="0"/>
+          </a:p>
+          <a:p>
+            <a:pPr lvl="1"/>
+            <a:endParaRPr lang="en-US" dirty="0"/>
+          </a:p>
+        </p:txBody>
+      </p:sp>
+    </p:spTree>
+    <p:extLst>
+      <p:ext uri="{BB962C8B-B14F-4D97-AF65-F5344CB8AC3E}">
+        <p14:creationId xmlns:p14="http://schemas.microsoft.com/office/powerpoint/2010/main" val="1767969810"/>
+      </p:ext>
+    </p:extLst>
+  </p:cSld>
+  <p:clrMapOvr>
+    <a:masterClrMapping/>
+  </p:clrMapOvr>
+</p:sld>
+</file>
+
+<file path=ppt/slides/slide19.xml><?xml version="1.0" encoding="utf-8"?>
+<p:sld xmlns:a="http://schemas.openxmlformats.org/drawingml/2006/main" xmlns:r="http://schemas.openxmlformats.org/officeDocument/2006/relationships" xmlns:p="http://schemas.openxmlformats.org/presentationml/2006/main">
+  <p:cSld>
+    <p:spTree>
+      <p:nvGrpSpPr>
+        <p:cNvPr id="1" name=""/>
+        <p:cNvGrpSpPr/>
+        <p:nvPr/>
+      </p:nvGrpSpPr>
+      <p:grpSpPr>
+        <a:xfrm>
+          <a:off x="0" y="0"/>
+          <a:ext cx="0" cy="0"/>
+          <a:chOff x="0" y="0"/>
+          <a:chExt cx="0" cy="0"/>
+        </a:xfrm>
+      </p:grpSpPr>
+      <p:sp>
+        <p:nvSpPr>
+          <p:cNvPr id="2" name="Title 1"/>
+          <p:cNvSpPr>
+            <a:spLocks noGrp="1"/>
+          </p:cNvSpPr>
+          <p:nvPr>
+            <p:ph type="ctrTitle"/>
+          </p:nvPr>
+        </p:nvSpPr>
+        <p:spPr/>
+        <p:txBody>
+          <a:bodyPr/>
+          <a:lstStyle/>
+          <a:p>
+            <a:r>
+              <a:rPr lang="en-US" dirty="0" err="1"/>
+              <a:t>Excercise</a:t>
+            </a:r>
+            <a:endParaRPr lang="en-US" dirty="0"/>
+          </a:p>
+        </p:txBody>
+      </p:sp>
+      <p:sp>
+        <p:nvSpPr>
+          <p:cNvPr id="4" name="Subtitle 3"/>
+          <p:cNvSpPr>
+            <a:spLocks noGrp="1"/>
+          </p:cNvSpPr>
+          <p:nvPr>
+            <p:ph type="subTitle" idx="1"/>
+          </p:nvPr>
+        </p:nvSpPr>
+        <p:spPr/>
+        <p:txBody>
+          <a:bodyPr/>
+          <a:lstStyle/>
+          <a:p>
+            <a:endParaRPr lang="en-US"/>
+          </a:p>
+        </p:txBody>
+      </p:sp>
+      <p:sp>
+        <p:nvSpPr>
+          <p:cNvPr id="5" name="Text Placeholder 4"/>
+          <p:cNvSpPr>
+            <a:spLocks noGrp="1"/>
+          </p:cNvSpPr>
+          <p:nvPr>
+            <p:ph type="body" sz="quarter" idx="12"/>
+          </p:nvPr>
+        </p:nvSpPr>
+        <p:spPr/>
+        <p:txBody>
+          <a:bodyPr>
+            <a:normAutofit lnSpcReduction="10000"/>
+          </a:bodyPr>
+          <a:lstStyle/>
+          <a:p>
+            <a:endParaRPr lang="en-US"/>
+          </a:p>
+        </p:txBody>
+      </p:sp>
+      <p:sp>
+        <p:nvSpPr>
+          <p:cNvPr id="6" name="Text Placeholder 5"/>
+          <p:cNvSpPr>
+            <a:spLocks noGrp="1"/>
+          </p:cNvSpPr>
+          <p:nvPr>
+            <p:ph type="body" sz="quarter" idx="13"/>
+          </p:nvPr>
+        </p:nvSpPr>
+        <p:spPr/>
+        <p:txBody>
+          <a:bodyPr/>
+          <a:lstStyle/>
+          <a:p>
+            <a:endParaRPr lang="en-US" dirty="0"/>
+          </a:p>
+        </p:txBody>
+      </p:sp>
+    </p:spTree>
+    <p:extLst>
+      <p:ext uri="{BB962C8B-B14F-4D97-AF65-F5344CB8AC3E}">
+        <p14:creationId xmlns:p14="http://schemas.microsoft.com/office/powerpoint/2010/main" val="3028254079"/>
       </p:ext>
     </p:extLst>
   </p:cSld>
@@ -3459,19 +7562,14 @@
           <a:p>
             <a:r>
               <a:rPr lang="en-US" dirty="0"/>
-              <a:t>When to use a Static module</a:t>
-            </a:r>
-          </a:p>
-          <a:p>
-            <a:r>
-              <a:rPr lang="en-US" dirty="0"/>
-              <a:t>Common </a:t>
-            </a:r>
-            <a:r>
-              <a:rPr lang="en-US" dirty="0" err="1"/>
-              <a:t>Overides</a:t>
-            </a:r>
-            <a:endParaRPr lang="en-US" dirty="0"/>
+              <a:t>When to create a Static module</a:t>
+            </a:r>
+          </a:p>
+          <a:p>
+            <a:r>
+              <a:rPr lang="en-US" dirty="0"/>
+              <a:t>Common Overrides</a:t>
+            </a:r>
           </a:p>
           <a:p>
             <a:r>
@@ -3482,7 +7580,7 @@
           <a:p>
             <a:r>
               <a:rPr lang="en-US" dirty="0"/>
-              <a:t>Recruiting Modules</a:t>
+              <a:t>Recruiting Modules ( ? )</a:t>
             </a:r>
           </a:p>
           <a:p>
@@ -3494,6 +7592,983 @@
     <p:extLst>
       <p:ext uri="{BB962C8B-B14F-4D97-AF65-F5344CB8AC3E}">
         <p14:creationId xmlns:p14="http://schemas.microsoft.com/office/powerpoint/2010/main" val="1801139919"/>
+      </p:ext>
+    </p:extLst>
+  </p:cSld>
+  <p:clrMapOvr>
+    <a:masterClrMapping/>
+  </p:clrMapOvr>
+</p:sld>
+</file>
+
+<file path=ppt/slides/slide3.xml><?xml version="1.0" encoding="utf-8"?>
+<p:sld xmlns:a="http://schemas.openxmlformats.org/drawingml/2006/main" xmlns:r="http://schemas.openxmlformats.org/officeDocument/2006/relationships" xmlns:p="http://schemas.openxmlformats.org/presentationml/2006/main">
+  <p:cSld>
+    <p:spTree>
+      <p:nvGrpSpPr>
+        <p:cNvPr id="1" name=""/>
+        <p:cNvGrpSpPr/>
+        <p:nvPr/>
+      </p:nvGrpSpPr>
+      <p:grpSpPr>
+        <a:xfrm>
+          <a:off x="0" y="0"/>
+          <a:ext cx="0" cy="0"/>
+          <a:chOff x="0" y="0"/>
+          <a:chExt cx="0" cy="0"/>
+        </a:xfrm>
+      </p:grpSpPr>
+      <p:sp>
+        <p:nvSpPr>
+          <p:cNvPr id="2" name="Title 1"/>
+          <p:cNvSpPr>
+            <a:spLocks noGrp="1"/>
+          </p:cNvSpPr>
+          <p:nvPr>
+            <p:ph type="ctrTitle"/>
+          </p:nvPr>
+        </p:nvSpPr>
+        <p:spPr/>
+        <p:txBody>
+          <a:bodyPr/>
+          <a:lstStyle/>
+          <a:p>
+            <a:r>
+              <a:rPr lang="en-US" dirty="0"/>
+              <a:t>What are Static Modules?</a:t>
+            </a:r>
+          </a:p>
+        </p:txBody>
+      </p:sp>
+      <p:sp>
+        <p:nvSpPr>
+          <p:cNvPr id="4" name="Subtitle 3"/>
+          <p:cNvSpPr>
+            <a:spLocks noGrp="1"/>
+          </p:cNvSpPr>
+          <p:nvPr>
+            <p:ph type="subTitle" idx="1"/>
+          </p:nvPr>
+        </p:nvSpPr>
+        <p:spPr/>
+        <p:txBody>
+          <a:bodyPr/>
+          <a:lstStyle/>
+          <a:p>
+            <a:endParaRPr lang="en-US"/>
+          </a:p>
+        </p:txBody>
+      </p:sp>
+      <p:sp>
+        <p:nvSpPr>
+          <p:cNvPr id="5" name="Text Placeholder 4"/>
+          <p:cNvSpPr>
+            <a:spLocks noGrp="1"/>
+          </p:cNvSpPr>
+          <p:nvPr>
+            <p:ph type="body" sz="quarter" idx="12"/>
+          </p:nvPr>
+        </p:nvSpPr>
+        <p:spPr/>
+        <p:txBody>
+          <a:bodyPr>
+            <a:normAutofit lnSpcReduction="10000"/>
+          </a:bodyPr>
+          <a:lstStyle/>
+          <a:p>
+            <a:endParaRPr lang="en-US"/>
+          </a:p>
+        </p:txBody>
+      </p:sp>
+      <p:sp>
+        <p:nvSpPr>
+          <p:cNvPr id="6" name="Text Placeholder 5"/>
+          <p:cNvSpPr>
+            <a:spLocks noGrp="1"/>
+          </p:cNvSpPr>
+          <p:nvPr>
+            <p:ph type="body" sz="quarter" idx="13"/>
+          </p:nvPr>
+        </p:nvSpPr>
+        <p:spPr/>
+        <p:txBody>
+          <a:bodyPr/>
+          <a:lstStyle/>
+          <a:p>
+            <a:endParaRPr lang="en-US"/>
+          </a:p>
+        </p:txBody>
+      </p:sp>
+    </p:spTree>
+    <p:extLst>
+      <p:ext uri="{BB962C8B-B14F-4D97-AF65-F5344CB8AC3E}">
+        <p14:creationId xmlns:p14="http://schemas.microsoft.com/office/powerpoint/2010/main" val="2524145622"/>
+      </p:ext>
+    </p:extLst>
+  </p:cSld>
+  <p:clrMapOvr>
+    <a:masterClrMapping/>
+  </p:clrMapOvr>
+</p:sld>
+</file>
+
+<file path=ppt/slides/slide4.xml><?xml version="1.0" encoding="utf-8"?>
+<p:sld xmlns:a="http://schemas.openxmlformats.org/drawingml/2006/main" xmlns:r="http://schemas.openxmlformats.org/officeDocument/2006/relationships" xmlns:p="http://schemas.openxmlformats.org/presentationml/2006/main">
+  <p:cSld>
+    <p:spTree>
+      <p:nvGrpSpPr>
+        <p:cNvPr id="1" name=""/>
+        <p:cNvGrpSpPr/>
+        <p:nvPr/>
+      </p:nvGrpSpPr>
+      <p:grpSpPr>
+        <a:xfrm>
+          <a:off x="0" y="0"/>
+          <a:ext cx="0" cy="0"/>
+          <a:chOff x="0" y="0"/>
+          <a:chExt cx="0" cy="0"/>
+        </a:xfrm>
+      </p:grpSpPr>
+      <p:sp>
+        <p:nvSpPr>
+          <p:cNvPr id="2" name="Title 1"/>
+          <p:cNvSpPr>
+            <a:spLocks noGrp="1"/>
+          </p:cNvSpPr>
+          <p:nvPr>
+            <p:ph type="title"/>
+          </p:nvPr>
+        </p:nvSpPr>
+        <p:spPr/>
+        <p:txBody>
+          <a:bodyPr/>
+          <a:lstStyle/>
+          <a:p>
+            <a:r>
+              <a:rPr lang="en-US" dirty="0"/>
+              <a:t>Static</a:t>
+            </a:r>
+            <a:r>
+              <a:rPr lang="en-US" baseline="0" dirty="0"/>
+              <a:t> Module</a:t>
+            </a:r>
+            <a:endParaRPr lang="en-US" dirty="0"/>
+          </a:p>
+        </p:txBody>
+      </p:sp>
+      <p:sp>
+        <p:nvSpPr>
+          <p:cNvPr id="3" name="Content Placeholder 2"/>
+          <p:cNvSpPr>
+            <a:spLocks noGrp="1"/>
+          </p:cNvSpPr>
+          <p:nvPr>
+            <p:ph idx="1"/>
+          </p:nvPr>
+        </p:nvSpPr>
+        <p:spPr/>
+        <p:txBody>
+          <a:bodyPr/>
+          <a:lstStyle/>
+          <a:p>
+            <a:pPr lvl="1"/>
+            <a:r>
+              <a:rPr lang="en-US" dirty="0"/>
+              <a:t>What information needs to be configurable? </a:t>
+            </a:r>
+          </a:p>
+          <a:p>
+            <a:pPr lvl="1"/>
+            <a:r>
+              <a:rPr lang="en-US" dirty="0"/>
+              <a:t>Application specific modules will have a number of inputs and outputs that do not change. </a:t>
+            </a:r>
+          </a:p>
+          <a:p>
+            <a:pPr lvl="1"/>
+            <a:r>
+              <a:rPr lang="en-US" dirty="0"/>
+              <a:t>Therefore, use the Static Module Template</a:t>
+            </a:r>
+          </a:p>
+          <a:p>
+            <a:pPr lvl="1"/>
+            <a:endParaRPr lang="en-US" dirty="0"/>
+          </a:p>
+        </p:txBody>
+      </p:sp>
+    </p:spTree>
+    <p:extLst>
+      <p:ext uri="{BB962C8B-B14F-4D97-AF65-F5344CB8AC3E}">
+        <p14:creationId xmlns:p14="http://schemas.microsoft.com/office/powerpoint/2010/main" val="2715638149"/>
+      </p:ext>
+    </p:extLst>
+  </p:cSld>
+  <p:clrMapOvr>
+    <a:masterClrMapping/>
+  </p:clrMapOvr>
+</p:sld>
+</file>
+
+<file path=ppt/slides/slide5.xml><?xml version="1.0" encoding="utf-8"?>
+<p:sld xmlns:a="http://schemas.openxmlformats.org/drawingml/2006/main" xmlns:r="http://schemas.openxmlformats.org/officeDocument/2006/relationships" xmlns:p="http://schemas.openxmlformats.org/presentationml/2006/main">
+  <p:cSld>
+    <p:spTree>
+      <p:nvGrpSpPr>
+        <p:cNvPr id="1" name=""/>
+        <p:cNvGrpSpPr/>
+        <p:nvPr/>
+      </p:nvGrpSpPr>
+      <p:grpSpPr>
+        <a:xfrm>
+          <a:off x="0" y="0"/>
+          <a:ext cx="0" cy="0"/>
+          <a:chOff x="0" y="0"/>
+          <a:chExt cx="0" cy="0"/>
+        </a:xfrm>
+      </p:grpSpPr>
+      <p:sp>
+        <p:nvSpPr>
+          <p:cNvPr id="2" name="Title 1"/>
+          <p:cNvSpPr>
+            <a:spLocks noGrp="1"/>
+          </p:cNvSpPr>
+          <p:nvPr>
+            <p:ph type="title"/>
+          </p:nvPr>
+        </p:nvSpPr>
+        <p:spPr/>
+        <p:txBody>
+          <a:bodyPr/>
+          <a:lstStyle/>
+          <a:p>
+            <a:r>
+              <a:rPr lang="en-US" dirty="0"/>
+              <a:t>Static</a:t>
+            </a:r>
+            <a:r>
+              <a:rPr lang="en-US" baseline="0" dirty="0"/>
+              <a:t> Module</a:t>
+            </a:r>
+            <a:endParaRPr lang="en-US" dirty="0"/>
+          </a:p>
+        </p:txBody>
+      </p:sp>
+      <p:sp>
+        <p:nvSpPr>
+          <p:cNvPr id="3" name="Content Placeholder 2"/>
+          <p:cNvSpPr>
+            <a:spLocks noGrp="1"/>
+          </p:cNvSpPr>
+          <p:nvPr>
+            <p:ph sz="half" idx="1"/>
+          </p:nvPr>
+        </p:nvSpPr>
+        <p:spPr/>
+        <p:txBody>
+          <a:bodyPr/>
+          <a:lstStyle/>
+          <a:p>
+            <a:pPr lvl="1"/>
+            <a:r>
+              <a:rPr lang="en-US" dirty="0"/>
+              <a:t>Template included with DCAF</a:t>
+            </a:r>
+          </a:p>
+          <a:p>
+            <a:pPr lvl="2"/>
+            <a:r>
+              <a:rPr lang="en-US" dirty="0"/>
+              <a:t>Theoretically there is no underlying difference</a:t>
+            </a:r>
+          </a:p>
+          <a:p>
+            <a:pPr lvl="1"/>
+            <a:r>
+              <a:rPr lang="en-US" dirty="0"/>
+              <a:t>Do not need to create the User Interface for the configuration</a:t>
+            </a:r>
+          </a:p>
+          <a:p>
+            <a:pPr lvl="1"/>
+            <a:r>
+              <a:rPr lang="en-US" dirty="0"/>
+              <a:t>Only need to write the actual logic in specific User Override methods</a:t>
+            </a:r>
+          </a:p>
+          <a:p>
+            <a:pPr lvl="1"/>
+            <a:endParaRPr lang="en-US" dirty="0"/>
+          </a:p>
+        </p:txBody>
+      </p:sp>
+      <p:sp>
+        <p:nvSpPr>
+          <p:cNvPr id="4" name="Content Placeholder 3">
+            <a:extLst>
+              <a:ext uri="{FF2B5EF4-FFF2-40B4-BE49-F238E27FC236}">
+                <a16:creationId xmlns:a16="http://schemas.microsoft.com/office/drawing/2014/main" id="{84AFE74E-1E85-4C41-B247-53C2D3493936}"/>
+              </a:ext>
+            </a:extLst>
+          </p:cNvPr>
+          <p:cNvSpPr>
+            <a:spLocks noGrp="1"/>
+          </p:cNvSpPr>
+          <p:nvPr>
+            <p:ph sz="half" idx="2"/>
+          </p:nvPr>
+        </p:nvSpPr>
+        <p:spPr/>
+        <p:txBody>
+          <a:bodyPr/>
+          <a:lstStyle/>
+          <a:p>
+            <a:r>
+              <a:rPr lang="en-US" dirty="0"/>
+              <a:t>[image of a project with vi’s highlighted]</a:t>
+            </a:r>
+          </a:p>
+        </p:txBody>
+      </p:sp>
+    </p:spTree>
+    <p:extLst>
+      <p:ext uri="{BB962C8B-B14F-4D97-AF65-F5344CB8AC3E}">
+        <p14:creationId xmlns:p14="http://schemas.microsoft.com/office/powerpoint/2010/main" val="2330867981"/>
+      </p:ext>
+    </p:extLst>
+  </p:cSld>
+  <p:clrMapOvr>
+    <a:masterClrMapping/>
+  </p:clrMapOvr>
+</p:sld>
+</file>
+
+<file path=ppt/slides/slide6.xml><?xml version="1.0" encoding="utf-8"?>
+<p:sld xmlns:a="http://schemas.openxmlformats.org/drawingml/2006/main" xmlns:r="http://schemas.openxmlformats.org/officeDocument/2006/relationships" xmlns:p="http://schemas.openxmlformats.org/presentationml/2006/main">
+  <p:cSld>
+    <p:spTree>
+      <p:nvGrpSpPr>
+        <p:cNvPr id="1" name=""/>
+        <p:cNvGrpSpPr/>
+        <p:nvPr/>
+      </p:nvGrpSpPr>
+      <p:grpSpPr>
+        <a:xfrm>
+          <a:off x="0" y="0"/>
+          <a:ext cx="0" cy="0"/>
+          <a:chOff x="0" y="0"/>
+          <a:chExt cx="0" cy="0"/>
+        </a:xfrm>
+      </p:grpSpPr>
+      <p:sp>
+        <p:nvSpPr>
+          <p:cNvPr id="2" name="Title 1"/>
+          <p:cNvSpPr>
+            <a:spLocks noGrp="1"/>
+          </p:cNvSpPr>
+          <p:nvPr>
+            <p:ph type="ctrTitle"/>
+          </p:nvPr>
+        </p:nvSpPr>
+        <p:spPr/>
+        <p:txBody>
+          <a:bodyPr/>
+          <a:lstStyle/>
+          <a:p>
+            <a:r>
+              <a:rPr lang="en-US" dirty="0"/>
+              <a:t>When to create Static Modules?</a:t>
+            </a:r>
+          </a:p>
+        </p:txBody>
+      </p:sp>
+      <p:sp>
+        <p:nvSpPr>
+          <p:cNvPr id="4" name="Subtitle 3"/>
+          <p:cNvSpPr>
+            <a:spLocks noGrp="1"/>
+          </p:cNvSpPr>
+          <p:nvPr>
+            <p:ph type="subTitle" idx="1"/>
+          </p:nvPr>
+        </p:nvSpPr>
+        <p:spPr/>
+        <p:txBody>
+          <a:bodyPr/>
+          <a:lstStyle/>
+          <a:p>
+            <a:endParaRPr lang="en-US"/>
+          </a:p>
+        </p:txBody>
+      </p:sp>
+      <p:sp>
+        <p:nvSpPr>
+          <p:cNvPr id="5" name="Text Placeholder 4"/>
+          <p:cNvSpPr>
+            <a:spLocks noGrp="1"/>
+          </p:cNvSpPr>
+          <p:nvPr>
+            <p:ph type="body" sz="quarter" idx="12"/>
+          </p:nvPr>
+        </p:nvSpPr>
+        <p:spPr/>
+        <p:txBody>
+          <a:bodyPr>
+            <a:normAutofit lnSpcReduction="10000"/>
+          </a:bodyPr>
+          <a:lstStyle/>
+          <a:p>
+            <a:endParaRPr lang="en-US"/>
+          </a:p>
+        </p:txBody>
+      </p:sp>
+      <p:sp>
+        <p:nvSpPr>
+          <p:cNvPr id="6" name="Text Placeholder 5"/>
+          <p:cNvSpPr>
+            <a:spLocks noGrp="1"/>
+          </p:cNvSpPr>
+          <p:nvPr>
+            <p:ph type="body" sz="quarter" idx="13"/>
+          </p:nvPr>
+        </p:nvSpPr>
+        <p:spPr/>
+        <p:txBody>
+          <a:bodyPr/>
+          <a:lstStyle/>
+          <a:p>
+            <a:endParaRPr lang="en-US"/>
+          </a:p>
+        </p:txBody>
+      </p:sp>
+    </p:spTree>
+    <p:extLst>
+      <p:ext uri="{BB962C8B-B14F-4D97-AF65-F5344CB8AC3E}">
+        <p14:creationId xmlns:p14="http://schemas.microsoft.com/office/powerpoint/2010/main" val="1722087257"/>
+      </p:ext>
+    </p:extLst>
+  </p:cSld>
+  <p:clrMapOvr>
+    <a:masterClrMapping/>
+  </p:clrMapOvr>
+</p:sld>
+</file>
+
+<file path=ppt/slides/slide7.xml><?xml version="1.0" encoding="utf-8"?>
+<p:sld xmlns:a="http://schemas.openxmlformats.org/drawingml/2006/main" xmlns:r="http://schemas.openxmlformats.org/officeDocument/2006/relationships" xmlns:p="http://schemas.openxmlformats.org/presentationml/2006/main">
+  <p:cSld>
+    <p:spTree>
+      <p:nvGrpSpPr>
+        <p:cNvPr id="1" name=""/>
+        <p:cNvGrpSpPr/>
+        <p:nvPr/>
+      </p:nvGrpSpPr>
+      <p:grpSpPr>
+        <a:xfrm>
+          <a:off x="0" y="0"/>
+          <a:ext cx="0" cy="0"/>
+          <a:chOff x="0" y="0"/>
+          <a:chExt cx="0" cy="0"/>
+        </a:xfrm>
+      </p:grpSpPr>
+      <p:sp>
+        <p:nvSpPr>
+          <p:cNvPr id="2" name="Title 1"/>
+          <p:cNvSpPr>
+            <a:spLocks noGrp="1"/>
+          </p:cNvSpPr>
+          <p:nvPr>
+            <p:ph type="title"/>
+          </p:nvPr>
+        </p:nvSpPr>
+        <p:spPr/>
+        <p:txBody>
+          <a:bodyPr/>
+          <a:lstStyle/>
+          <a:p>
+            <a:r>
+              <a:rPr lang="en-US" dirty="0"/>
+              <a:t>Static</a:t>
+            </a:r>
+            <a:r>
+              <a:rPr lang="en-US" baseline="0" dirty="0"/>
+              <a:t> Module</a:t>
+            </a:r>
+            <a:endParaRPr lang="en-US" dirty="0"/>
+          </a:p>
+        </p:txBody>
+      </p:sp>
+      <p:sp>
+        <p:nvSpPr>
+          <p:cNvPr id="3" name="Content Placeholder 2"/>
+          <p:cNvSpPr>
+            <a:spLocks noGrp="1"/>
+          </p:cNvSpPr>
+          <p:nvPr>
+            <p:ph sz="half" idx="1"/>
+          </p:nvPr>
+        </p:nvSpPr>
+        <p:spPr/>
+        <p:txBody>
+          <a:bodyPr/>
+          <a:lstStyle/>
+          <a:p>
+            <a:pPr lvl="1"/>
+            <a:r>
+              <a:rPr lang="en-US" dirty="0"/>
+              <a:t>Static Number of Inputs and Outputs</a:t>
+            </a:r>
+          </a:p>
+          <a:p>
+            <a:pPr lvl="1"/>
+            <a:r>
+              <a:rPr lang="en-US" dirty="0"/>
+              <a:t>Common for Processing  Modules</a:t>
+            </a:r>
+          </a:p>
+          <a:p>
+            <a:pPr lvl="1"/>
+            <a:r>
+              <a:rPr lang="en-US" dirty="0"/>
+              <a:t>Common for fixed application-specific logic</a:t>
+            </a:r>
+          </a:p>
+          <a:p>
+            <a:pPr lvl="1"/>
+            <a:endParaRPr lang="en-US" dirty="0"/>
+          </a:p>
+        </p:txBody>
+      </p:sp>
+      <p:sp>
+        <p:nvSpPr>
+          <p:cNvPr id="6" name="Content Placeholder 5">
+            <a:extLst>
+              <a:ext uri="{FF2B5EF4-FFF2-40B4-BE49-F238E27FC236}">
+                <a16:creationId xmlns:a16="http://schemas.microsoft.com/office/drawing/2014/main" id="{B2C039C7-770A-4621-A175-EAE6E478C27F}"/>
+              </a:ext>
+            </a:extLst>
+          </p:cNvPr>
+          <p:cNvSpPr>
+            <a:spLocks noGrp="1"/>
+          </p:cNvSpPr>
+          <p:nvPr>
+            <p:ph sz="half" idx="2"/>
+          </p:nvPr>
+        </p:nvSpPr>
+        <p:spPr/>
+        <p:txBody>
+          <a:bodyPr/>
+          <a:lstStyle/>
+          <a:p>
+            <a:endParaRPr lang="en-US"/>
+          </a:p>
+        </p:txBody>
+      </p:sp>
+    </p:spTree>
+    <p:extLst>
+      <p:ext uri="{BB962C8B-B14F-4D97-AF65-F5344CB8AC3E}">
+        <p14:creationId xmlns:p14="http://schemas.microsoft.com/office/powerpoint/2010/main" val="2373895901"/>
+      </p:ext>
+    </p:extLst>
+  </p:cSld>
+  <p:clrMapOvr>
+    <a:masterClrMapping/>
+  </p:clrMapOvr>
+</p:sld>
+</file>
+
+<file path=ppt/slides/slide8.xml><?xml version="1.0" encoding="utf-8"?>
+<p:sld xmlns:a="http://schemas.openxmlformats.org/drawingml/2006/main" xmlns:r="http://schemas.openxmlformats.org/officeDocument/2006/relationships" xmlns:p="http://schemas.openxmlformats.org/presentationml/2006/main">
+  <p:cSld>
+    <p:spTree>
+      <p:nvGrpSpPr>
+        <p:cNvPr id="1" name=""/>
+        <p:cNvGrpSpPr/>
+        <p:nvPr/>
+      </p:nvGrpSpPr>
+      <p:grpSpPr>
+        <a:xfrm>
+          <a:off x="0" y="0"/>
+          <a:ext cx="0" cy="0"/>
+          <a:chOff x="0" y="0"/>
+          <a:chExt cx="0" cy="0"/>
+        </a:xfrm>
+      </p:grpSpPr>
+      <p:sp>
+        <p:nvSpPr>
+          <p:cNvPr id="2" name="Title 1"/>
+          <p:cNvSpPr>
+            <a:spLocks noGrp="1"/>
+          </p:cNvSpPr>
+          <p:nvPr>
+            <p:ph type="title"/>
+          </p:nvPr>
+        </p:nvSpPr>
+        <p:spPr/>
+        <p:txBody>
+          <a:bodyPr/>
+          <a:lstStyle/>
+          <a:p>
+            <a:r>
+              <a:rPr lang="en-US" dirty="0"/>
+              <a:t>Creating a Static</a:t>
+            </a:r>
+            <a:r>
+              <a:rPr lang="en-US" baseline="0" dirty="0"/>
+              <a:t> Module</a:t>
+            </a:r>
+            <a:endParaRPr lang="en-US" dirty="0"/>
+          </a:p>
+        </p:txBody>
+      </p:sp>
+      <p:sp>
+        <p:nvSpPr>
+          <p:cNvPr id="3" name="Content Placeholder 2"/>
+          <p:cNvSpPr>
+            <a:spLocks noGrp="1"/>
+          </p:cNvSpPr>
+          <p:nvPr>
+            <p:ph sz="half" idx="1"/>
+          </p:nvPr>
+        </p:nvSpPr>
+        <p:spPr/>
+        <p:txBody>
+          <a:bodyPr/>
+          <a:lstStyle/>
+          <a:p>
+            <a:pPr lvl="1"/>
+            <a:r>
+              <a:rPr lang="en-US" dirty="0"/>
+              <a:t>Create Project through Template</a:t>
+            </a:r>
+          </a:p>
+          <a:p>
+            <a:pPr lvl="1"/>
+            <a:r>
+              <a:rPr lang="en-US" dirty="0"/>
+              <a:t>Creates 3 main classes:</a:t>
+            </a:r>
+          </a:p>
+          <a:p>
+            <a:pPr lvl="2"/>
+            <a:r>
+              <a:rPr lang="en-US" dirty="0" err="1"/>
+              <a:t>ModuleName</a:t>
+            </a:r>
+            <a:r>
+              <a:rPr lang="en-US" dirty="0"/>
+              <a:t> </a:t>
+            </a:r>
+            <a:r>
+              <a:rPr lang="en-US" dirty="0" err="1"/>
+              <a:t>configuration.lvlclass</a:t>
+            </a:r>
+            <a:endParaRPr lang="en-US" dirty="0"/>
+          </a:p>
+          <a:p>
+            <a:pPr lvl="2"/>
+            <a:r>
+              <a:rPr lang="en-US" dirty="0" err="1"/>
+              <a:t>ModuleName</a:t>
+            </a:r>
+            <a:r>
+              <a:rPr lang="en-US" dirty="0"/>
+              <a:t> </a:t>
+            </a:r>
+            <a:r>
+              <a:rPr lang="en-US" dirty="0" err="1"/>
+              <a:t>editor.lvlclass</a:t>
+            </a:r>
+            <a:endParaRPr lang="en-US" dirty="0"/>
+          </a:p>
+          <a:p>
+            <a:pPr lvl="2"/>
+            <a:r>
+              <a:rPr lang="en-US" dirty="0" err="1"/>
+              <a:t>ModuleName</a:t>
+            </a:r>
+            <a:r>
+              <a:rPr lang="en-US" dirty="0"/>
+              <a:t> </a:t>
+            </a:r>
+            <a:r>
+              <a:rPr lang="en-US" dirty="0" err="1"/>
+              <a:t>runtime.lvlclass</a:t>
+            </a:r>
+            <a:endParaRPr lang="en-US" dirty="0"/>
+          </a:p>
+          <a:p>
+            <a:pPr lvl="2"/>
+            <a:endParaRPr lang="en-US" dirty="0"/>
+          </a:p>
+          <a:p>
+            <a:pPr lvl="2"/>
+            <a:endParaRPr lang="en-US" dirty="0"/>
+          </a:p>
+          <a:p>
+            <a:pPr lvl="1"/>
+            <a:endParaRPr lang="en-US" dirty="0"/>
+          </a:p>
+        </p:txBody>
+      </p:sp>
+      <p:pic>
+        <p:nvPicPr>
+          <p:cNvPr id="5" name="Content Placeholder 4">
+            <a:extLst>
+              <a:ext uri="{FF2B5EF4-FFF2-40B4-BE49-F238E27FC236}">
+                <a16:creationId xmlns:a16="http://schemas.microsoft.com/office/drawing/2014/main" id="{2C023C72-96FA-498C-807E-B999BA3C7848}"/>
+              </a:ext>
+            </a:extLst>
+          </p:cNvPr>
+          <p:cNvPicPr>
+            <a:picLocks noGrp="1" noChangeAspect="1"/>
+          </p:cNvPicPr>
+          <p:nvPr>
+            <p:ph sz="half" idx="2"/>
+          </p:nvPr>
+        </p:nvPicPr>
+        <p:blipFill>
+          <a:blip r:embed="rId2">
+            <a:extLst>
+              <a:ext uri="{28A0092B-C50C-407E-A947-70E740481C1C}">
+                <a14:useLocalDpi xmlns:a14="http://schemas.microsoft.com/office/drawing/2010/main" val="0"/>
+              </a:ext>
+            </a:extLst>
+          </a:blip>
+          <a:stretch>
+            <a:fillRect/>
+          </a:stretch>
+        </p:blipFill>
+        <p:spPr>
+          <a:xfrm>
+            <a:off x="6172200" y="1965665"/>
+            <a:ext cx="5181600" cy="4071257"/>
+          </a:xfrm>
+        </p:spPr>
+      </p:pic>
+    </p:spTree>
+    <p:extLst>
+      <p:ext uri="{BB962C8B-B14F-4D97-AF65-F5344CB8AC3E}">
+        <p14:creationId xmlns:p14="http://schemas.microsoft.com/office/powerpoint/2010/main" val="968655536"/>
+      </p:ext>
+    </p:extLst>
+  </p:cSld>
+  <p:clrMapOvr>
+    <a:masterClrMapping/>
+  </p:clrMapOvr>
+</p:sld>
+</file>
+
+<file path=ppt/slides/slide9.xml><?xml version="1.0" encoding="utf-8"?>
+<p:sld xmlns:a="http://schemas.openxmlformats.org/drawingml/2006/main" xmlns:r="http://schemas.openxmlformats.org/officeDocument/2006/relationships" xmlns:p="http://schemas.openxmlformats.org/presentationml/2006/main">
+  <p:cSld>
+    <p:spTree>
+      <p:nvGrpSpPr>
+        <p:cNvPr id="1" name=""/>
+        <p:cNvGrpSpPr/>
+        <p:nvPr/>
+      </p:nvGrpSpPr>
+      <p:grpSpPr>
+        <a:xfrm>
+          <a:off x="0" y="0"/>
+          <a:ext cx="0" cy="0"/>
+          <a:chOff x="0" y="0"/>
+          <a:chExt cx="0" cy="0"/>
+        </a:xfrm>
+      </p:grpSpPr>
+      <p:sp>
+        <p:nvSpPr>
+          <p:cNvPr id="2" name="Title 1"/>
+          <p:cNvSpPr>
+            <a:spLocks noGrp="1"/>
+          </p:cNvSpPr>
+          <p:nvPr>
+            <p:ph type="title"/>
+          </p:nvPr>
+        </p:nvSpPr>
+        <p:spPr/>
+        <p:txBody>
+          <a:bodyPr/>
+          <a:lstStyle/>
+          <a:p>
+            <a:r>
+              <a:rPr lang="en-US" dirty="0"/>
+              <a:t>Static Module Checklist</a:t>
+            </a:r>
+          </a:p>
+        </p:txBody>
+      </p:sp>
+      <p:sp>
+        <p:nvSpPr>
+          <p:cNvPr id="3" name="Content Placeholder 2"/>
+          <p:cNvSpPr>
+            <a:spLocks noGrp="1"/>
+          </p:cNvSpPr>
+          <p:nvPr>
+            <p:ph sz="half" idx="1"/>
+          </p:nvPr>
+        </p:nvSpPr>
+        <p:spPr/>
+        <p:txBody>
+          <a:bodyPr>
+            <a:normAutofit fontScale="62500" lnSpcReduction="20000"/>
+          </a:bodyPr>
+          <a:lstStyle/>
+          <a:p>
+            <a:pPr lvl="2"/>
+            <a:r>
+              <a:rPr lang="en-US" dirty="0"/>
+              <a:t>Create the Module from the Static Module Sample Project</a:t>
+            </a:r>
+          </a:p>
+          <a:p>
+            <a:pPr lvl="3"/>
+            <a:r>
+              <a:rPr lang="en-US" dirty="0"/>
+              <a:t>Define the Channels</a:t>
+            </a:r>
+          </a:p>
+          <a:p>
+            <a:pPr lvl="2"/>
+            <a:r>
+              <a:rPr lang="en-US" dirty="0"/>
+              <a:t>Add Parameters to set desired keys.vi (optional)</a:t>
+            </a:r>
+          </a:p>
+          <a:p>
+            <a:pPr lvl="2"/>
+            <a:r>
+              <a:rPr lang="en-US" dirty="0"/>
+              <a:t>Handle initialization (optional)</a:t>
+            </a:r>
+          </a:p>
+          <a:p>
+            <a:pPr lvl="3"/>
+            <a:r>
+              <a:rPr lang="en-US" dirty="0"/>
+              <a:t> Handle initialization of references, sessions, parameters</a:t>
+            </a:r>
+          </a:p>
+          <a:p>
+            <a:pPr lvl="3"/>
+            <a:r>
+              <a:rPr lang="en-US" dirty="0"/>
+              <a:t>Pass References into Runtime class if necessary, modify object to allow this</a:t>
+            </a:r>
+          </a:p>
+          <a:p>
+            <a:pPr lvl="2"/>
+            <a:r>
+              <a:rPr lang="en-US" dirty="0"/>
+              <a:t>Implement the Input, Processing, and/or Output Methods as needed</a:t>
+            </a:r>
+          </a:p>
+          <a:p>
+            <a:pPr lvl="3"/>
+            <a:r>
+              <a:rPr lang="en-US" dirty="0"/>
+              <a:t>Modify user process.vi to contain references or the Runtime class if needed and process.vi to pass data necessary to `user process.vi`</a:t>
+            </a:r>
+          </a:p>
+          <a:p>
+            <a:pPr lvl="3"/>
+            <a:r>
+              <a:rPr lang="en-US" dirty="0"/>
+              <a:t>Add Processing code to `user process.vi`</a:t>
+            </a:r>
+          </a:p>
+          <a:p>
+            <a:pPr lvl="3"/>
+            <a:r>
+              <a:rPr lang="en-US" dirty="0"/>
+              <a:t>Add code to input.vi to pass necessary sessions or config data to user input.vi</a:t>
+            </a:r>
+          </a:p>
+          <a:p>
+            <a:pPr lvl="3"/>
+            <a:r>
+              <a:rPr lang="en-US" dirty="0"/>
+              <a:t>Add input code to `user input.vi`.</a:t>
+            </a:r>
+          </a:p>
+          <a:p>
+            <a:pPr lvl="3"/>
+            <a:r>
+              <a:rPr lang="en-US" dirty="0"/>
+              <a:t>Repeat for output</a:t>
+            </a:r>
+          </a:p>
+          <a:p>
+            <a:pPr lvl="2"/>
+            <a:r>
+              <a:rPr lang="en-US" dirty="0"/>
+              <a:t>Programming Considerations for Run-State Methods</a:t>
+            </a:r>
+          </a:p>
+          <a:p>
+            <a:pPr lvl="3"/>
+            <a:r>
+              <a:rPr lang="en-US" dirty="0"/>
+              <a:t>Determinism</a:t>
+            </a:r>
+          </a:p>
+          <a:p>
+            <a:pPr lvl="3"/>
+            <a:r>
+              <a:rPr lang="en-US" dirty="0"/>
+              <a:t>Non-blocking execution</a:t>
+            </a:r>
+          </a:p>
+          <a:p>
+            <a:pPr lvl="2"/>
+            <a:r>
+              <a:rPr lang="en-US" dirty="0"/>
+              <a:t>Specifying other properties</a:t>
+            </a:r>
+          </a:p>
+          <a:p>
+            <a:pPr lvl="2"/>
+            <a:r>
+              <a:rPr lang="en-US" dirty="0"/>
+              <a:t>Testing and validation</a:t>
+            </a:r>
+          </a:p>
+        </p:txBody>
+      </p:sp>
+      <p:sp>
+        <p:nvSpPr>
+          <p:cNvPr id="6" name="Content Placeholder 5">
+            <a:extLst>
+              <a:ext uri="{FF2B5EF4-FFF2-40B4-BE49-F238E27FC236}">
+                <a16:creationId xmlns:a16="http://schemas.microsoft.com/office/drawing/2014/main" id="{33673D65-56B4-4C8E-BEA6-451099666C1B}"/>
+              </a:ext>
+            </a:extLst>
+          </p:cNvPr>
+          <p:cNvSpPr>
+            <a:spLocks noGrp="1"/>
+          </p:cNvSpPr>
+          <p:nvPr>
+            <p:ph sz="half" idx="2"/>
+          </p:nvPr>
+        </p:nvSpPr>
+        <p:spPr/>
+        <p:txBody>
+          <a:bodyPr>
+            <a:normAutofit fontScale="62500" lnSpcReduction="20000"/>
+          </a:bodyPr>
+          <a:lstStyle/>
+          <a:p>
+            <a:r>
+              <a:rPr lang="en-US" dirty="0"/>
+              <a:t>Developer’s Guide Checklist</a:t>
+            </a:r>
+          </a:p>
+        </p:txBody>
+      </p:sp>
+    </p:spTree>
+    <p:extLst>
+      <p:ext uri="{BB962C8B-B14F-4D97-AF65-F5344CB8AC3E}">
+        <p14:creationId xmlns:p14="http://schemas.microsoft.com/office/powerpoint/2010/main" val="676911042"/>
       </p:ext>
     </p:extLst>
   </p:cSld>
@@ -3796,4 +8871,299 @@
     </a:ext>
   </a:extLst>
 </a:theme>
+</file>
+
+<file path=ppt/theme/theme2.xml><?xml version="1.0" encoding="utf-8"?>
+<a:theme xmlns:a="http://schemas.openxmlformats.org/drawingml/2006/main" name="Office Theme">
+  <a:themeElements>
+    <a:clrScheme name="Office">
+      <a:dk1>
+        <a:sysClr val="windowText" lastClr="000000"/>
+      </a:dk1>
+      <a:lt1>
+        <a:sysClr val="window" lastClr="FFFFFF"/>
+      </a:lt1>
+      <a:dk2>
+        <a:srgbClr val="44546A"/>
+      </a:dk2>
+      <a:lt2>
+        <a:srgbClr val="E7E6E6"/>
+      </a:lt2>
+      <a:accent1>
+        <a:srgbClr val="4472C4"/>
+      </a:accent1>
+      <a:accent2>
+        <a:srgbClr val="ED7D31"/>
+      </a:accent2>
+      <a:accent3>
+        <a:srgbClr val="A5A5A5"/>
+      </a:accent3>
+      <a:accent4>
+        <a:srgbClr val="FFC000"/>
+      </a:accent4>
+      <a:accent5>
+        <a:srgbClr val="5B9BD5"/>
+      </a:accent5>
+      <a:accent6>
+        <a:srgbClr val="70AD47"/>
+      </a:accent6>
+      <a:hlink>
+        <a:srgbClr val="0563C1"/>
+      </a:hlink>
+      <a:folHlink>
+        <a:srgbClr val="954F72"/>
+      </a:folHlink>
+    </a:clrScheme>
+    <a:fontScheme name="Office">
+      <a:majorFont>
+        <a:latin typeface="Calibri Light" panose="020F0302020204030204"/>
+        <a:ea typeface=""/>
+        <a:cs typeface=""/>
+        <a:font script="Jpan" typeface="游ゴシック Light"/>
+        <a:font script="Hang" typeface="맑은 고딕"/>
+        <a:font script="Hans" typeface="等线 Light"/>
+        <a:font script="Hant" typeface="新細明體"/>
+        <a:font script="Arab" typeface="Times New Roman"/>
+        <a:font script="Hebr" typeface="Times New Roman"/>
+        <a:font script="Thai" typeface="Angsana New"/>
+        <a:font script="Ethi" typeface="Nyala"/>
+        <a:font script="Beng" typeface="Vrinda"/>
+        <a:font script="Gujr" typeface="Shruti"/>
+        <a:font script="Khmr" typeface="MoolBoran"/>
+        <a:font script="Knda" typeface="Tunga"/>
+        <a:font script="Guru" typeface="Raavi"/>
+        <a:font script="Cans" typeface="Euphemia"/>
+        <a:font script="Cher" typeface="Plantagenet Cherokee"/>
+        <a:font script="Yiii" typeface="Microsoft Yi Baiti"/>
+        <a:font script="Tibt" typeface="Microsoft Himalaya"/>
+        <a:font script="Thaa" typeface="MV Boli"/>
+        <a:font script="Deva" typeface="Mangal"/>
+        <a:font script="Telu" typeface="Gautami"/>
+        <a:font script="Taml" typeface="Latha"/>
+        <a:font script="Syrc" typeface="Estrangelo Edessa"/>
+        <a:font script="Orya" typeface="Kalinga"/>
+        <a:font script="Mlym" typeface="Kartika"/>
+        <a:font script="Laoo" typeface="DokChampa"/>
+        <a:font script="Sinh" typeface="Iskoola Pota"/>
+        <a:font script="Mong" typeface="Mongolian Baiti"/>
+        <a:font script="Viet" typeface="Times New Roman"/>
+        <a:font script="Uigh" typeface="Microsoft Uighur"/>
+        <a:font script="Geor" typeface="Sylfaen"/>
+        <a:font script="Armn" typeface="Arial"/>
+        <a:font script="Bugi" typeface="Leelawadee UI"/>
+        <a:font script="Bopo" typeface="Microsoft JhengHei"/>
+        <a:font script="Java" typeface="Javanese Text"/>
+        <a:font script="Lisu" typeface="Segoe UI"/>
+        <a:font script="Mymr" typeface="Myanmar Text"/>
+        <a:font script="Nkoo" typeface="Ebrima"/>
+        <a:font script="Olck" typeface="Nirmala UI"/>
+        <a:font script="Osma" typeface="Ebrima"/>
+        <a:font script="Phag" typeface="Phagspa"/>
+        <a:font script="Syrn" typeface="Estrangelo Edessa"/>
+        <a:font script="Syrj" typeface="Estrangelo Edessa"/>
+        <a:font script="Syre" typeface="Estrangelo Edessa"/>
+        <a:font script="Sora" typeface="Nirmala UI"/>
+        <a:font script="Tale" typeface="Microsoft Tai Le"/>
+        <a:font script="Talu" typeface="Microsoft New Tai Lue"/>
+        <a:font script="Tfng" typeface="Ebrima"/>
+      </a:majorFont>
+      <a:minorFont>
+        <a:latin typeface="Calibri" panose="020F0502020204030204"/>
+        <a:ea typeface=""/>
+        <a:cs typeface=""/>
+        <a:font script="Jpan" typeface="游ゴシック"/>
+        <a:font script="Hang" typeface="맑은 고딕"/>
+        <a:font script="Hans" typeface="等线"/>
+        <a:font script="Hant" typeface="新細明體"/>
+        <a:font script="Arab" typeface="Arial"/>
+        <a:font script="Hebr" typeface="Arial"/>
+        <a:font script="Thai" typeface="Cordia New"/>
+        <a:font script="Ethi" typeface="Nyala"/>
+        <a:font script="Beng" typeface="Vrinda"/>
+        <a:font script="Gujr" typeface="Shruti"/>
+        <a:font script="Khmr" typeface="DaunPenh"/>
+        <a:font script="Knda" typeface="Tunga"/>
+        <a:font script="Guru" typeface="Raavi"/>
+        <a:font script="Cans" typeface="Euphemia"/>
+        <a:font script="Cher" typeface="Plantagenet Cherokee"/>
+        <a:font script="Yiii" typeface="Microsoft Yi Baiti"/>
+        <a:font script="Tibt" typeface="Microsoft Himalaya"/>
+        <a:font script="Thaa" typeface="MV Boli"/>
+        <a:font script="Deva" typeface="Mangal"/>
+        <a:font script="Telu" typeface="Gautami"/>
+        <a:font script="Taml" typeface="Latha"/>
+        <a:font script="Syrc" typeface="Estrangelo Edessa"/>
+        <a:font script="Orya" typeface="Kalinga"/>
+        <a:font script="Mlym" typeface="Kartika"/>
+        <a:font script="Laoo" typeface="DokChampa"/>
+        <a:font script="Sinh" typeface="Iskoola Pota"/>
+        <a:font script="Mong" typeface="Mongolian Baiti"/>
+        <a:font script="Viet" typeface="Arial"/>
+        <a:font script="Uigh" typeface="Microsoft Uighur"/>
+        <a:font script="Geor" typeface="Sylfaen"/>
+        <a:font script="Armn" typeface="Arial"/>
+        <a:font script="Bugi" typeface="Leelawadee UI"/>
+        <a:font script="Bopo" typeface="Microsoft JhengHei"/>
+        <a:font script="Java" typeface="Javanese Text"/>
+        <a:font script="Lisu" typeface="Segoe UI"/>
+        <a:font script="Mymr" typeface="Myanmar Text"/>
+        <a:font script="Nkoo" typeface="Ebrima"/>
+        <a:font script="Olck" typeface="Nirmala UI"/>
+        <a:font script="Osma" typeface="Ebrima"/>
+        <a:font script="Phag" typeface="Phagspa"/>
+        <a:font script="Syrn" typeface="Estrangelo Edessa"/>
+        <a:font script="Syrj" typeface="Estrangelo Edessa"/>
+        <a:font script="Syre" typeface="Estrangelo Edessa"/>
+        <a:font script="Sora" typeface="Nirmala UI"/>
+        <a:font script="Tale" typeface="Microsoft Tai Le"/>
+        <a:font script="Talu" typeface="Microsoft New Tai Lue"/>
+        <a:font script="Tfng" typeface="Ebrima"/>
+      </a:minorFont>
+    </a:fontScheme>
+    <a:fmtScheme name="Office">
+      <a:fillStyleLst>
+        <a:solidFill>
+          <a:schemeClr val="phClr"/>
+        </a:solidFill>
+        <a:gradFill rotWithShape="1">
+          <a:gsLst>
+            <a:gs pos="0">
+              <a:schemeClr val="phClr">
+                <a:lumMod val="110000"/>
+                <a:satMod val="105000"/>
+                <a:tint val="67000"/>
+              </a:schemeClr>
+            </a:gs>
+            <a:gs pos="50000">
+              <a:schemeClr val="phClr">
+                <a:lumMod val="105000"/>
+                <a:satMod val="103000"/>
+                <a:tint val="73000"/>
+              </a:schemeClr>
+            </a:gs>
+            <a:gs pos="100000">
+              <a:schemeClr val="phClr">
+                <a:lumMod val="105000"/>
+                <a:satMod val="109000"/>
+                <a:tint val="81000"/>
+              </a:schemeClr>
+            </a:gs>
+          </a:gsLst>
+          <a:lin ang="5400000" scaled="0"/>
+        </a:gradFill>
+        <a:gradFill rotWithShape="1">
+          <a:gsLst>
+            <a:gs pos="0">
+              <a:schemeClr val="phClr">
+                <a:satMod val="103000"/>
+                <a:lumMod val="102000"/>
+                <a:tint val="94000"/>
+              </a:schemeClr>
+            </a:gs>
+            <a:gs pos="50000">
+              <a:schemeClr val="phClr">
+                <a:satMod val="110000"/>
+                <a:lumMod val="100000"/>
+                <a:shade val="100000"/>
+              </a:schemeClr>
+            </a:gs>
+            <a:gs pos="100000">
+              <a:schemeClr val="phClr">
+                <a:lumMod val="99000"/>
+                <a:satMod val="120000"/>
+                <a:shade val="78000"/>
+              </a:schemeClr>
+            </a:gs>
+          </a:gsLst>
+          <a:lin ang="5400000" scaled="0"/>
+        </a:gradFill>
+      </a:fillStyleLst>
+      <a:lnStyleLst>
+        <a:ln w="6350" cap="flat" cmpd="sng" algn="ctr">
+          <a:solidFill>
+            <a:schemeClr val="phClr"/>
+          </a:solidFill>
+          <a:prstDash val="solid"/>
+          <a:miter lim="800000"/>
+        </a:ln>
+        <a:ln w="12700" cap="flat" cmpd="sng" algn="ctr">
+          <a:solidFill>
+            <a:schemeClr val="phClr"/>
+          </a:solidFill>
+          <a:prstDash val="solid"/>
+          <a:miter lim="800000"/>
+        </a:ln>
+        <a:ln w="19050" cap="flat" cmpd="sng" algn="ctr">
+          <a:solidFill>
+            <a:schemeClr val="phClr"/>
+          </a:solidFill>
+          <a:prstDash val="solid"/>
+          <a:miter lim="800000"/>
+        </a:ln>
+      </a:lnStyleLst>
+      <a:effectStyleLst>
+        <a:effectStyle>
+          <a:effectLst/>
+        </a:effectStyle>
+        <a:effectStyle>
+          <a:effectLst/>
+        </a:effectStyle>
+        <a:effectStyle>
+          <a:effectLst>
+            <a:outerShdw blurRad="57150" dist="19050" dir="5400000" algn="ctr" rotWithShape="0">
+              <a:srgbClr val="000000">
+                <a:alpha val="63000"/>
+              </a:srgbClr>
+            </a:outerShdw>
+          </a:effectLst>
+        </a:effectStyle>
+      </a:effectStyleLst>
+      <a:bgFillStyleLst>
+        <a:solidFill>
+          <a:schemeClr val="phClr"/>
+        </a:solidFill>
+        <a:solidFill>
+          <a:schemeClr val="phClr">
+            <a:tint val="95000"/>
+            <a:satMod val="170000"/>
+          </a:schemeClr>
+        </a:solidFill>
+        <a:gradFill rotWithShape="1">
+          <a:gsLst>
+            <a:gs pos="0">
+              <a:schemeClr val="phClr">
+                <a:tint val="93000"/>
+                <a:satMod val="150000"/>
+                <a:shade val="98000"/>
+                <a:lumMod val="102000"/>
+              </a:schemeClr>
+            </a:gs>
+            <a:gs pos="50000">
+              <a:schemeClr val="phClr">
+                <a:tint val="98000"/>
+                <a:satMod val="130000"/>
+                <a:shade val="90000"/>
+                <a:lumMod val="103000"/>
+              </a:schemeClr>
+            </a:gs>
+            <a:gs pos="100000">
+              <a:schemeClr val="phClr">
+                <a:shade val="63000"/>
+                <a:satMod val="120000"/>
+              </a:schemeClr>
+            </a:gs>
+          </a:gsLst>
+          <a:lin ang="5400000" scaled="0"/>
+        </a:gradFill>
+      </a:bgFillStyleLst>
+    </a:fmtScheme>
+  </a:themeElements>
+  <a:objectDefaults/>
+  <a:extraClrSchemeLst/>
+  <a:extLst>
+    <a:ext uri="{05A4C25C-085E-4340-85A3-A5531E510DB2}">
+      <thm15:themeFamily xmlns:thm15="http://schemas.microsoft.com/office/thememl/2012/main" name="Office Theme" id="{62F939B6-93AF-4DB8-9C6B-D6C7DFDC589F}" vid="{4A3C46E8-61CC-4603-A589-7422A47A8E4A}"/>
+    </a:ext>
+  </a:extLst>
+</a:theme>
 </file>
--- a/Trunk/Getting Started Material/DCAF Training/6 Static Modules.pptx
+++ b/Trunk/Getting Started Material/DCAF Training/6 Static Modules.pptx
@@ -2,7 +2,7 @@
 <file path=ppt/presentation.xml><?xml version="1.0" encoding="utf-8"?>
 <p:presentation xmlns:a="http://schemas.openxmlformats.org/drawingml/2006/main" xmlns:r="http://schemas.openxmlformats.org/officeDocument/2006/relationships" xmlns:p="http://schemas.openxmlformats.org/presentationml/2006/main" saveSubsetFonts="1">
   <p:sldMasterIdLst>
-    <p:sldMasterId id="2147483648" r:id="rId1"/>
+    <p:sldMasterId id="2147483662" r:id="rId1"/>
   </p:sldMasterIdLst>
   <p:notesMasterIdLst>
     <p:notesMasterId r:id="rId21"/>
@@ -34,7 +34,7 @@
     <a:defPPr>
       <a:defRPr lang="en-US"/>
     </a:defPPr>
-    <a:lvl1pPr marL="0" algn="l" defTabSz="914400" rtl="0" eaLnBrk="1" latinLnBrk="0" hangingPunct="1">
+    <a:lvl1pPr marL="0" algn="l" defTabSz="457174" rtl="0" eaLnBrk="1" latinLnBrk="0" hangingPunct="1">
       <a:defRPr sz="1800" kern="1200">
         <a:solidFill>
           <a:schemeClr val="tx1"/>
@@ -44,7 +44,7 @@
         <a:cs typeface="+mn-cs"/>
       </a:defRPr>
     </a:lvl1pPr>
-    <a:lvl2pPr marL="457200" algn="l" defTabSz="914400" rtl="0" eaLnBrk="1" latinLnBrk="0" hangingPunct="1">
+    <a:lvl2pPr marL="457174" algn="l" defTabSz="457174" rtl="0" eaLnBrk="1" latinLnBrk="0" hangingPunct="1">
       <a:defRPr sz="1800" kern="1200">
         <a:solidFill>
           <a:schemeClr val="tx1"/>
@@ -54,7 +54,7 @@
         <a:cs typeface="+mn-cs"/>
       </a:defRPr>
     </a:lvl2pPr>
-    <a:lvl3pPr marL="914400" algn="l" defTabSz="914400" rtl="0" eaLnBrk="1" latinLnBrk="0" hangingPunct="1">
+    <a:lvl3pPr marL="914348" algn="l" defTabSz="457174" rtl="0" eaLnBrk="1" latinLnBrk="0" hangingPunct="1">
       <a:defRPr sz="1800" kern="1200">
         <a:solidFill>
           <a:schemeClr val="tx1"/>
@@ -64,7 +64,7 @@
         <a:cs typeface="+mn-cs"/>
       </a:defRPr>
     </a:lvl3pPr>
-    <a:lvl4pPr marL="1371600" algn="l" defTabSz="914400" rtl="0" eaLnBrk="1" latinLnBrk="0" hangingPunct="1">
+    <a:lvl4pPr marL="1371523" algn="l" defTabSz="457174" rtl="0" eaLnBrk="1" latinLnBrk="0" hangingPunct="1">
       <a:defRPr sz="1800" kern="1200">
         <a:solidFill>
           <a:schemeClr val="tx1"/>
@@ -74,7 +74,7 @@
         <a:cs typeface="+mn-cs"/>
       </a:defRPr>
     </a:lvl4pPr>
-    <a:lvl5pPr marL="1828800" algn="l" defTabSz="914400" rtl="0" eaLnBrk="1" latinLnBrk="0" hangingPunct="1">
+    <a:lvl5pPr marL="1828698" algn="l" defTabSz="457174" rtl="0" eaLnBrk="1" latinLnBrk="0" hangingPunct="1">
       <a:defRPr sz="1800" kern="1200">
         <a:solidFill>
           <a:schemeClr val="tx1"/>
@@ -84,7 +84,7 @@
         <a:cs typeface="+mn-cs"/>
       </a:defRPr>
     </a:lvl5pPr>
-    <a:lvl6pPr marL="2286000" algn="l" defTabSz="914400" rtl="0" eaLnBrk="1" latinLnBrk="0" hangingPunct="1">
+    <a:lvl6pPr marL="2285872" algn="l" defTabSz="457174" rtl="0" eaLnBrk="1" latinLnBrk="0" hangingPunct="1">
       <a:defRPr sz="1800" kern="1200">
         <a:solidFill>
           <a:schemeClr val="tx1"/>
@@ -94,7 +94,7 @@
         <a:cs typeface="+mn-cs"/>
       </a:defRPr>
     </a:lvl6pPr>
-    <a:lvl7pPr marL="2743200" algn="l" defTabSz="914400" rtl="0" eaLnBrk="1" latinLnBrk="0" hangingPunct="1">
+    <a:lvl7pPr marL="2743046" algn="l" defTabSz="457174" rtl="0" eaLnBrk="1" latinLnBrk="0" hangingPunct="1">
       <a:defRPr sz="1800" kern="1200">
         <a:solidFill>
           <a:schemeClr val="tx1"/>
@@ -104,7 +104,7 @@
         <a:cs typeface="+mn-cs"/>
       </a:defRPr>
     </a:lvl7pPr>
-    <a:lvl8pPr marL="3200400" algn="l" defTabSz="914400" rtl="0" eaLnBrk="1" latinLnBrk="0" hangingPunct="1">
+    <a:lvl8pPr marL="3200220" algn="l" defTabSz="457174" rtl="0" eaLnBrk="1" latinLnBrk="0" hangingPunct="1">
       <a:defRPr sz="1800" kern="1200">
         <a:solidFill>
           <a:schemeClr val="tx1"/>
@@ -114,7 +114,7 @@
         <a:cs typeface="+mn-cs"/>
       </a:defRPr>
     </a:lvl8pPr>
-    <a:lvl9pPr marL="3657600" algn="l" defTabSz="914400" rtl="0" eaLnBrk="1" latinLnBrk="0" hangingPunct="1">
+    <a:lvl9pPr marL="3657394" algn="l" defTabSz="457174" rtl="0" eaLnBrk="1" latinLnBrk="0" hangingPunct="1">
       <a:defRPr sz="1800" kern="1200">
         <a:solidFill>
           <a:schemeClr val="tx1"/>
@@ -241,7 +241,7 @@
           <a:p>
             <a:fld id="{EA1FD1DD-1EDF-4341-AE12-9015BA74AB77}" type="datetimeFigureOut">
               <a:rPr lang="en-US" smtClean="0"/>
-              <a:t>2018-06-18</a:t>
+              <a:t>2018-06-27</a:t>
             </a:fld>
             <a:endParaRPr lang="en-US"/>
           </a:p>
@@ -761,8 +761,8 @@
 </file>
 
 <file path=ppt/slideLayouts/slideLayout1.xml><?xml version="1.0" encoding="utf-8"?>
-<p:sldLayout xmlns:a="http://schemas.openxmlformats.org/drawingml/2006/main" xmlns:r="http://schemas.openxmlformats.org/officeDocument/2006/relationships" xmlns:p="http://schemas.openxmlformats.org/presentationml/2006/main" type="title" preserve="1">
-  <p:cSld name="Title Slide">
+<p:sldLayout xmlns:a="http://schemas.openxmlformats.org/drawingml/2006/main" xmlns:r="http://schemas.openxmlformats.org/officeDocument/2006/relationships" xmlns:p="http://schemas.openxmlformats.org/presentationml/2006/main" showMasterSp="0" preserve="1">
+  <p:cSld name="External_NI Cover Slide">
     <p:spTree>
       <p:nvGrpSpPr>
         <p:cNvPr id="1" name=""/>
@@ -779,648 +779,14 @@
       </p:grpSpPr>
       <p:sp>
         <p:nvSpPr>
-          <p:cNvPr id="2" name="Title 1">
-            <a:extLst>
-              <a:ext uri="{FF2B5EF4-FFF2-40B4-BE49-F238E27FC236}">
-                <a16:creationId xmlns:a16="http://schemas.microsoft.com/office/drawing/2014/main" id="{45A53583-8FC1-49F1-8C08-463670549842}"/>
-              </a:ext>
-            </a:extLst>
-          </p:cNvPr>
-          <p:cNvSpPr>
-            <a:spLocks noGrp="1"/>
-          </p:cNvSpPr>
-          <p:nvPr>
-            <p:ph type="ctrTitle"/>
-          </p:nvPr>
+          <p:cNvPr id="6" name="Rectangle 5"/>
+          <p:cNvSpPr/>
+          <p:nvPr/>
         </p:nvSpPr>
         <p:spPr>
           <a:xfrm>
-            <a:off x="1524000" y="1122363"/>
-            <a:ext cx="9144000" cy="2387600"/>
-          </a:xfrm>
-        </p:spPr>
-        <p:txBody>
-          <a:bodyPr anchor="b"/>
-          <a:lstStyle>
-            <a:lvl1pPr algn="ctr">
-              <a:defRPr sz="6000"/>
-            </a:lvl1pPr>
-          </a:lstStyle>
-          <a:p>
-            <a:r>
-              <a:rPr lang="en-US"/>
-              <a:t>Click to edit Master title style</a:t>
-            </a:r>
-          </a:p>
-        </p:txBody>
-      </p:sp>
-      <p:sp>
-        <p:nvSpPr>
-          <p:cNvPr id="3" name="Subtitle 2">
-            <a:extLst>
-              <a:ext uri="{FF2B5EF4-FFF2-40B4-BE49-F238E27FC236}">
-                <a16:creationId xmlns:a16="http://schemas.microsoft.com/office/drawing/2014/main" id="{6C957631-8C0F-4620-8D06-33163D3F8D0B}"/>
-              </a:ext>
-            </a:extLst>
-          </p:cNvPr>
-          <p:cNvSpPr>
-            <a:spLocks noGrp="1"/>
-          </p:cNvSpPr>
-          <p:nvPr>
-            <p:ph type="subTitle" idx="1"/>
-          </p:nvPr>
-        </p:nvSpPr>
-        <p:spPr>
-          <a:xfrm>
-            <a:off x="1524000" y="3602038"/>
-            <a:ext cx="9144000" cy="1655762"/>
-          </a:xfrm>
-        </p:spPr>
-        <p:txBody>
-          <a:bodyPr/>
-          <a:lstStyle>
-            <a:lvl1pPr marL="0" indent="0" algn="ctr">
-              <a:buNone/>
-              <a:defRPr sz="2400"/>
-            </a:lvl1pPr>
-            <a:lvl2pPr marL="457200" indent="0" algn="ctr">
-              <a:buNone/>
-              <a:defRPr sz="2000"/>
-            </a:lvl2pPr>
-            <a:lvl3pPr marL="914400" indent="0" algn="ctr">
-              <a:buNone/>
-              <a:defRPr sz="1800"/>
-            </a:lvl3pPr>
-            <a:lvl4pPr marL="1371600" indent="0" algn="ctr">
-              <a:buNone/>
-              <a:defRPr sz="1600"/>
-            </a:lvl4pPr>
-            <a:lvl5pPr marL="1828800" indent="0" algn="ctr">
-              <a:buNone/>
-              <a:defRPr sz="1600"/>
-            </a:lvl5pPr>
-            <a:lvl6pPr marL="2286000" indent="0" algn="ctr">
-              <a:buNone/>
-              <a:defRPr sz="1600"/>
-            </a:lvl6pPr>
-            <a:lvl7pPr marL="2743200" indent="0" algn="ctr">
-              <a:buNone/>
-              <a:defRPr sz="1600"/>
-            </a:lvl7pPr>
-            <a:lvl8pPr marL="3200400" indent="0" algn="ctr">
-              <a:buNone/>
-              <a:defRPr sz="1600"/>
-            </a:lvl8pPr>
-            <a:lvl9pPr marL="3657600" indent="0" algn="ctr">
-              <a:buNone/>
-              <a:defRPr sz="1600"/>
-            </a:lvl9pPr>
-          </a:lstStyle>
-          <a:p>
-            <a:r>
-              <a:rPr lang="en-US"/>
-              <a:t>Click to edit Master subtitle style</a:t>
-            </a:r>
-          </a:p>
-        </p:txBody>
-      </p:sp>
-      <p:sp>
-        <p:nvSpPr>
-          <p:cNvPr id="4" name="Date Placeholder 3">
-            <a:extLst>
-              <a:ext uri="{FF2B5EF4-FFF2-40B4-BE49-F238E27FC236}">
-                <a16:creationId xmlns:a16="http://schemas.microsoft.com/office/drawing/2014/main" id="{E48A3A08-D827-497B-8DC3-361E90C9599E}"/>
-              </a:ext>
-            </a:extLst>
-          </p:cNvPr>
-          <p:cNvSpPr>
-            <a:spLocks noGrp="1"/>
-          </p:cNvSpPr>
-          <p:nvPr>
-            <p:ph type="dt" sz="half" idx="10"/>
-          </p:nvPr>
-        </p:nvSpPr>
-        <p:spPr/>
-        <p:txBody>
-          <a:bodyPr/>
-          <a:lstStyle/>
-          <a:p>
-            <a:fld id="{C328AB28-8CF8-4FDA-851D-B8A8B08C8597}" type="datetimeFigureOut">
-              <a:rPr lang="en-US" smtClean="0"/>
-              <a:t>2018-06-18</a:t>
-            </a:fld>
-            <a:endParaRPr lang="en-US"/>
-          </a:p>
-        </p:txBody>
-      </p:sp>
-      <p:sp>
-        <p:nvSpPr>
-          <p:cNvPr id="5" name="Footer Placeholder 4">
-            <a:extLst>
-              <a:ext uri="{FF2B5EF4-FFF2-40B4-BE49-F238E27FC236}">
-                <a16:creationId xmlns:a16="http://schemas.microsoft.com/office/drawing/2014/main" id="{0848F77D-330F-4150-AB31-8F4E7D50108D}"/>
-              </a:ext>
-            </a:extLst>
-          </p:cNvPr>
-          <p:cNvSpPr>
-            <a:spLocks noGrp="1"/>
-          </p:cNvSpPr>
-          <p:nvPr>
-            <p:ph type="ftr" sz="quarter" idx="11"/>
-          </p:nvPr>
-        </p:nvSpPr>
-        <p:spPr/>
-        <p:txBody>
-          <a:bodyPr/>
-          <a:lstStyle/>
-          <a:p>
-            <a:endParaRPr lang="en-US"/>
-          </a:p>
-        </p:txBody>
-      </p:sp>
-      <p:sp>
-        <p:nvSpPr>
-          <p:cNvPr id="6" name="Slide Number Placeholder 5">
-            <a:extLst>
-              <a:ext uri="{FF2B5EF4-FFF2-40B4-BE49-F238E27FC236}">
-                <a16:creationId xmlns:a16="http://schemas.microsoft.com/office/drawing/2014/main" id="{E98E2153-8859-4DBE-93BC-03F77D3CF882}"/>
-              </a:ext>
-            </a:extLst>
-          </p:cNvPr>
-          <p:cNvSpPr>
-            <a:spLocks noGrp="1"/>
-          </p:cNvSpPr>
-          <p:nvPr>
-            <p:ph type="sldNum" sz="quarter" idx="12"/>
-          </p:nvPr>
-        </p:nvSpPr>
-        <p:spPr/>
-        <p:txBody>
-          <a:bodyPr/>
-          <a:lstStyle/>
-          <a:p>
-            <a:fld id="{7921D59F-6012-417E-BE74-CF21C5E8AB83}" type="slidenum">
-              <a:rPr lang="en-US" smtClean="0"/>
-              <a:t>‹#›</a:t>
-            </a:fld>
-            <a:endParaRPr lang="en-US"/>
-          </a:p>
-        </p:txBody>
-      </p:sp>
-    </p:spTree>
-    <p:extLst>
-      <p:ext uri="{BB962C8B-B14F-4D97-AF65-F5344CB8AC3E}">
-        <p14:creationId xmlns:p14="http://schemas.microsoft.com/office/powerpoint/2010/main" val="2661134633"/>
-      </p:ext>
-    </p:extLst>
-  </p:cSld>
-  <p:clrMapOvr>
-    <a:masterClrMapping/>
-  </p:clrMapOvr>
-</p:sldLayout>
-</file>
-
-<file path=ppt/slideLayouts/slideLayout10.xml><?xml version="1.0" encoding="utf-8"?>
-<p:sldLayout xmlns:a="http://schemas.openxmlformats.org/drawingml/2006/main" xmlns:r="http://schemas.openxmlformats.org/officeDocument/2006/relationships" xmlns:p="http://schemas.openxmlformats.org/presentationml/2006/main" type="vertTx" preserve="1">
-  <p:cSld name="Title and Vertical Text">
-    <p:spTree>
-      <p:nvGrpSpPr>
-        <p:cNvPr id="1" name=""/>
-        <p:cNvGrpSpPr/>
-        <p:nvPr/>
-      </p:nvGrpSpPr>
-      <p:grpSpPr>
-        <a:xfrm>
-          <a:off x="0" y="0"/>
-          <a:ext cx="0" cy="0"/>
-          <a:chOff x="0" y="0"/>
-          <a:chExt cx="0" cy="0"/>
-        </a:xfrm>
-      </p:grpSpPr>
-      <p:sp>
-        <p:nvSpPr>
-          <p:cNvPr id="2" name="Title 1">
-            <a:extLst>
-              <a:ext uri="{FF2B5EF4-FFF2-40B4-BE49-F238E27FC236}">
-                <a16:creationId xmlns:a16="http://schemas.microsoft.com/office/drawing/2014/main" id="{852D4AFF-2E53-48A1-AEDD-3446AF9D0801}"/>
-              </a:ext>
-            </a:extLst>
-          </p:cNvPr>
-          <p:cNvSpPr>
-            <a:spLocks noGrp="1"/>
-          </p:cNvSpPr>
-          <p:nvPr>
-            <p:ph type="title"/>
-          </p:nvPr>
-        </p:nvSpPr>
-        <p:spPr/>
-        <p:txBody>
-          <a:bodyPr/>
-          <a:lstStyle/>
-          <a:p>
-            <a:r>
-              <a:rPr lang="en-US"/>
-              <a:t>Click to edit Master title style</a:t>
-            </a:r>
-          </a:p>
-        </p:txBody>
-      </p:sp>
-      <p:sp>
-        <p:nvSpPr>
-          <p:cNvPr id="3" name="Vertical Text Placeholder 2">
-            <a:extLst>
-              <a:ext uri="{FF2B5EF4-FFF2-40B4-BE49-F238E27FC236}">
-                <a16:creationId xmlns:a16="http://schemas.microsoft.com/office/drawing/2014/main" id="{C5800C49-D7B3-4239-A7A1-50C0ADA4822B}"/>
-              </a:ext>
-            </a:extLst>
-          </p:cNvPr>
-          <p:cNvSpPr>
-            <a:spLocks noGrp="1"/>
-          </p:cNvSpPr>
-          <p:nvPr>
-            <p:ph type="body" orient="vert" idx="1"/>
-          </p:nvPr>
-        </p:nvSpPr>
-        <p:spPr/>
-        <p:txBody>
-          <a:bodyPr vert="eaVert"/>
-          <a:lstStyle/>
-          <a:p>
-            <a:pPr lvl="0"/>
-            <a:r>
-              <a:rPr lang="en-US"/>
-              <a:t>Edit Master text styles</a:t>
-            </a:r>
-          </a:p>
-          <a:p>
-            <a:pPr lvl="1"/>
-            <a:r>
-              <a:rPr lang="en-US"/>
-              <a:t>Second level</a:t>
-            </a:r>
-          </a:p>
-          <a:p>
-            <a:pPr lvl="2"/>
-            <a:r>
-              <a:rPr lang="en-US"/>
-              <a:t>Third level</a:t>
-            </a:r>
-          </a:p>
-          <a:p>
-            <a:pPr lvl="3"/>
-            <a:r>
-              <a:rPr lang="en-US"/>
-              <a:t>Fourth level</a:t>
-            </a:r>
-          </a:p>
-          <a:p>
-            <a:pPr lvl="4"/>
-            <a:r>
-              <a:rPr lang="en-US"/>
-              <a:t>Fifth level</a:t>
-            </a:r>
-          </a:p>
-        </p:txBody>
-      </p:sp>
-      <p:sp>
-        <p:nvSpPr>
-          <p:cNvPr id="4" name="Date Placeholder 3">
-            <a:extLst>
-              <a:ext uri="{FF2B5EF4-FFF2-40B4-BE49-F238E27FC236}">
-                <a16:creationId xmlns:a16="http://schemas.microsoft.com/office/drawing/2014/main" id="{9CF53032-51F7-4AE7-A2B1-5CF39C066425}"/>
-              </a:ext>
-            </a:extLst>
-          </p:cNvPr>
-          <p:cNvSpPr>
-            <a:spLocks noGrp="1"/>
-          </p:cNvSpPr>
-          <p:nvPr>
-            <p:ph type="dt" sz="half" idx="10"/>
-          </p:nvPr>
-        </p:nvSpPr>
-        <p:spPr/>
-        <p:txBody>
-          <a:bodyPr/>
-          <a:lstStyle/>
-          <a:p>
-            <a:fld id="{C328AB28-8CF8-4FDA-851D-B8A8B08C8597}" type="datetimeFigureOut">
-              <a:rPr lang="en-US" smtClean="0"/>
-              <a:t>2018-06-18</a:t>
-            </a:fld>
-            <a:endParaRPr lang="en-US"/>
-          </a:p>
-        </p:txBody>
-      </p:sp>
-      <p:sp>
-        <p:nvSpPr>
-          <p:cNvPr id="5" name="Footer Placeholder 4">
-            <a:extLst>
-              <a:ext uri="{FF2B5EF4-FFF2-40B4-BE49-F238E27FC236}">
-                <a16:creationId xmlns:a16="http://schemas.microsoft.com/office/drawing/2014/main" id="{5120BDB2-B68D-48BE-9066-E738771BFB5F}"/>
-              </a:ext>
-            </a:extLst>
-          </p:cNvPr>
-          <p:cNvSpPr>
-            <a:spLocks noGrp="1"/>
-          </p:cNvSpPr>
-          <p:nvPr>
-            <p:ph type="ftr" sz="quarter" idx="11"/>
-          </p:nvPr>
-        </p:nvSpPr>
-        <p:spPr/>
-        <p:txBody>
-          <a:bodyPr/>
-          <a:lstStyle/>
-          <a:p>
-            <a:endParaRPr lang="en-US"/>
-          </a:p>
-        </p:txBody>
-      </p:sp>
-      <p:sp>
-        <p:nvSpPr>
-          <p:cNvPr id="6" name="Slide Number Placeholder 5">
-            <a:extLst>
-              <a:ext uri="{FF2B5EF4-FFF2-40B4-BE49-F238E27FC236}">
-                <a16:creationId xmlns:a16="http://schemas.microsoft.com/office/drawing/2014/main" id="{BFDA394F-D0E1-4552-B213-D104F9B4240B}"/>
-              </a:ext>
-            </a:extLst>
-          </p:cNvPr>
-          <p:cNvSpPr>
-            <a:spLocks noGrp="1"/>
-          </p:cNvSpPr>
-          <p:nvPr>
-            <p:ph type="sldNum" sz="quarter" idx="12"/>
-          </p:nvPr>
-        </p:nvSpPr>
-        <p:spPr/>
-        <p:txBody>
-          <a:bodyPr/>
-          <a:lstStyle/>
-          <a:p>
-            <a:fld id="{7921D59F-6012-417E-BE74-CF21C5E8AB83}" type="slidenum">
-              <a:rPr lang="en-US" smtClean="0"/>
-              <a:t>‹#›</a:t>
-            </a:fld>
-            <a:endParaRPr lang="en-US"/>
-          </a:p>
-        </p:txBody>
-      </p:sp>
-    </p:spTree>
-    <p:extLst>
-      <p:ext uri="{BB962C8B-B14F-4D97-AF65-F5344CB8AC3E}">
-        <p14:creationId xmlns:p14="http://schemas.microsoft.com/office/powerpoint/2010/main" val="1971059250"/>
-      </p:ext>
-    </p:extLst>
-  </p:cSld>
-  <p:clrMapOvr>
-    <a:masterClrMapping/>
-  </p:clrMapOvr>
-</p:sldLayout>
-</file>
-
-<file path=ppt/slideLayouts/slideLayout11.xml><?xml version="1.0" encoding="utf-8"?>
-<p:sldLayout xmlns:a="http://schemas.openxmlformats.org/drawingml/2006/main" xmlns:r="http://schemas.openxmlformats.org/officeDocument/2006/relationships" xmlns:p="http://schemas.openxmlformats.org/presentationml/2006/main" type="vertTitleAndTx" preserve="1">
-  <p:cSld name="Vertical Title and Text">
-    <p:spTree>
-      <p:nvGrpSpPr>
-        <p:cNvPr id="1" name=""/>
-        <p:cNvGrpSpPr/>
-        <p:nvPr/>
-      </p:nvGrpSpPr>
-      <p:grpSpPr>
-        <a:xfrm>
-          <a:off x="0" y="0"/>
-          <a:ext cx="0" cy="0"/>
-          <a:chOff x="0" y="0"/>
-          <a:chExt cx="0" cy="0"/>
-        </a:xfrm>
-      </p:grpSpPr>
-      <p:sp>
-        <p:nvSpPr>
-          <p:cNvPr id="2" name="Vertical Title 1">
-            <a:extLst>
-              <a:ext uri="{FF2B5EF4-FFF2-40B4-BE49-F238E27FC236}">
-                <a16:creationId xmlns:a16="http://schemas.microsoft.com/office/drawing/2014/main" id="{871D131C-1993-45DE-91D8-132BB78EE7D6}"/>
-              </a:ext>
-            </a:extLst>
-          </p:cNvPr>
-          <p:cNvSpPr>
-            <a:spLocks noGrp="1"/>
-          </p:cNvSpPr>
-          <p:nvPr>
-            <p:ph type="title" orient="vert"/>
-          </p:nvPr>
-        </p:nvSpPr>
-        <p:spPr>
-          <a:xfrm>
-            <a:off x="8724900" y="365125"/>
-            <a:ext cx="2628900" cy="5811838"/>
-          </a:xfrm>
-        </p:spPr>
-        <p:txBody>
-          <a:bodyPr vert="eaVert"/>
-          <a:lstStyle/>
-          <a:p>
-            <a:r>
-              <a:rPr lang="en-US"/>
-              <a:t>Click to edit Master title style</a:t>
-            </a:r>
-          </a:p>
-        </p:txBody>
-      </p:sp>
-      <p:sp>
-        <p:nvSpPr>
-          <p:cNvPr id="3" name="Vertical Text Placeholder 2">
-            <a:extLst>
-              <a:ext uri="{FF2B5EF4-FFF2-40B4-BE49-F238E27FC236}">
-                <a16:creationId xmlns:a16="http://schemas.microsoft.com/office/drawing/2014/main" id="{F5020121-5B43-4496-BD85-556A4075F26E}"/>
-              </a:ext>
-            </a:extLst>
-          </p:cNvPr>
-          <p:cNvSpPr>
-            <a:spLocks noGrp="1"/>
-          </p:cNvSpPr>
-          <p:nvPr>
-            <p:ph type="body" orient="vert" idx="1"/>
-          </p:nvPr>
-        </p:nvSpPr>
-        <p:spPr>
-          <a:xfrm>
-            <a:off x="838200" y="365125"/>
-            <a:ext cx="7734300" cy="5811838"/>
-          </a:xfrm>
-        </p:spPr>
-        <p:txBody>
-          <a:bodyPr vert="eaVert"/>
-          <a:lstStyle/>
-          <a:p>
-            <a:pPr lvl="0"/>
-            <a:r>
-              <a:rPr lang="en-US"/>
-              <a:t>Edit Master text styles</a:t>
-            </a:r>
-          </a:p>
-          <a:p>
-            <a:pPr lvl="1"/>
-            <a:r>
-              <a:rPr lang="en-US"/>
-              <a:t>Second level</a:t>
-            </a:r>
-          </a:p>
-          <a:p>
-            <a:pPr lvl="2"/>
-            <a:r>
-              <a:rPr lang="en-US"/>
-              <a:t>Third level</a:t>
-            </a:r>
-          </a:p>
-          <a:p>
-            <a:pPr lvl="3"/>
-            <a:r>
-              <a:rPr lang="en-US"/>
-              <a:t>Fourth level</a:t>
-            </a:r>
-          </a:p>
-          <a:p>
-            <a:pPr lvl="4"/>
-            <a:r>
-              <a:rPr lang="en-US"/>
-              <a:t>Fifth level</a:t>
-            </a:r>
-          </a:p>
-        </p:txBody>
-      </p:sp>
-      <p:sp>
-        <p:nvSpPr>
-          <p:cNvPr id="4" name="Date Placeholder 3">
-            <a:extLst>
-              <a:ext uri="{FF2B5EF4-FFF2-40B4-BE49-F238E27FC236}">
-                <a16:creationId xmlns:a16="http://schemas.microsoft.com/office/drawing/2014/main" id="{5F497A0A-1383-4A91-995A-F2A2FE071665}"/>
-              </a:ext>
-            </a:extLst>
-          </p:cNvPr>
-          <p:cNvSpPr>
-            <a:spLocks noGrp="1"/>
-          </p:cNvSpPr>
-          <p:nvPr>
-            <p:ph type="dt" sz="half" idx="10"/>
-          </p:nvPr>
-        </p:nvSpPr>
-        <p:spPr/>
-        <p:txBody>
-          <a:bodyPr/>
-          <a:lstStyle/>
-          <a:p>
-            <a:fld id="{C328AB28-8CF8-4FDA-851D-B8A8B08C8597}" type="datetimeFigureOut">
-              <a:rPr lang="en-US" smtClean="0"/>
-              <a:t>2018-06-18</a:t>
-            </a:fld>
-            <a:endParaRPr lang="en-US"/>
-          </a:p>
-        </p:txBody>
-      </p:sp>
-      <p:sp>
-        <p:nvSpPr>
-          <p:cNvPr id="5" name="Footer Placeholder 4">
-            <a:extLst>
-              <a:ext uri="{FF2B5EF4-FFF2-40B4-BE49-F238E27FC236}">
-                <a16:creationId xmlns:a16="http://schemas.microsoft.com/office/drawing/2014/main" id="{DBCEA199-6F4F-414F-9E66-FEB9B06F4944}"/>
-              </a:ext>
-            </a:extLst>
-          </p:cNvPr>
-          <p:cNvSpPr>
-            <a:spLocks noGrp="1"/>
-          </p:cNvSpPr>
-          <p:nvPr>
-            <p:ph type="ftr" sz="quarter" idx="11"/>
-          </p:nvPr>
-        </p:nvSpPr>
-        <p:spPr/>
-        <p:txBody>
-          <a:bodyPr/>
-          <a:lstStyle/>
-          <a:p>
-            <a:endParaRPr lang="en-US"/>
-          </a:p>
-        </p:txBody>
-      </p:sp>
-      <p:sp>
-        <p:nvSpPr>
-          <p:cNvPr id="6" name="Slide Number Placeholder 5">
-            <a:extLst>
-              <a:ext uri="{FF2B5EF4-FFF2-40B4-BE49-F238E27FC236}">
-                <a16:creationId xmlns:a16="http://schemas.microsoft.com/office/drawing/2014/main" id="{75B56DD7-E12F-4806-A609-878481016DFB}"/>
-              </a:ext>
-            </a:extLst>
-          </p:cNvPr>
-          <p:cNvSpPr>
-            <a:spLocks noGrp="1"/>
-          </p:cNvSpPr>
-          <p:nvPr>
-            <p:ph type="sldNum" sz="quarter" idx="12"/>
-          </p:nvPr>
-        </p:nvSpPr>
-        <p:spPr/>
-        <p:txBody>
-          <a:bodyPr/>
-          <a:lstStyle/>
-          <a:p>
-            <a:fld id="{7921D59F-6012-417E-BE74-CF21C5E8AB83}" type="slidenum">
-              <a:rPr lang="en-US" smtClean="0"/>
-              <a:t>‹#›</a:t>
-            </a:fld>
-            <a:endParaRPr lang="en-US"/>
-          </a:p>
-        </p:txBody>
-      </p:sp>
-    </p:spTree>
-    <p:extLst>
-      <p:ext uri="{BB962C8B-B14F-4D97-AF65-F5344CB8AC3E}">
-        <p14:creationId xmlns:p14="http://schemas.microsoft.com/office/powerpoint/2010/main" val="2521811866"/>
-      </p:ext>
-    </p:extLst>
-  </p:cSld>
-  <p:clrMapOvr>
-    <a:masterClrMapping/>
-  </p:clrMapOvr>
-</p:sldLayout>
-</file>
-
-<file path=ppt/slideLayouts/slideLayout12.xml><?xml version="1.0" encoding="utf-8"?>
-<p:sldLayout xmlns:a="http://schemas.openxmlformats.org/drawingml/2006/main" xmlns:r="http://schemas.openxmlformats.org/officeDocument/2006/relationships" xmlns:p="http://schemas.openxmlformats.org/presentationml/2006/main" showMasterSp="0">
-  <p:cSld name="1_Title Slide">
-    <p:bg>
-      <p:bgPr>
-        <a:solidFill>
-          <a:schemeClr val="bg1"/>
-        </a:solidFill>
-        <a:effectLst/>
-      </p:bgPr>
-    </p:bg>
-    <p:spTree>
-      <p:nvGrpSpPr>
-        <p:cNvPr id="1" name=""/>
-        <p:cNvGrpSpPr/>
-        <p:nvPr/>
-      </p:nvGrpSpPr>
-      <p:grpSpPr>
-        <a:xfrm>
-          <a:off x="0" y="0"/>
-          <a:ext cx="0" cy="0"/>
-          <a:chOff x="0" y="0"/>
-          <a:chExt cx="0" cy="0"/>
-        </a:xfrm>
-      </p:grpSpPr>
-      <p:sp>
-        <p:nvSpPr>
-          <p:cNvPr id="7" name="Rectangle 6"/>
-          <p:cNvSpPr/>
-          <p:nvPr/>
-        </p:nvSpPr>
-        <p:spPr>
-          <a:xfrm>
-            <a:off x="0" y="2"/>
-            <a:ext cx="12203992" cy="4375505"/>
+            <a:off x="0" y="0"/>
+            <a:ext cx="12203992" cy="6858000"/>
           </a:xfrm>
           <a:prstGeom prst="rect">
             <a:avLst/>
@@ -1448,6 +814,122 @@
           </a:fontRef>
         </p:style>
         <p:txBody>
+          <a:bodyPr rtlCol="0" anchor="ctr"/>
+          <a:lstStyle/>
+          <a:p>
+            <a:pPr algn="ctr"/>
+            <a:endParaRPr lang="en-US" sz="2400"/>
+          </a:p>
+        </p:txBody>
+      </p:sp>
+      <p:pic>
+        <p:nvPicPr>
+          <p:cNvPr id="3" name="Picture 2"/>
+          <p:cNvPicPr>
+            <a:picLocks noChangeAspect="1"/>
+          </p:cNvPicPr>
+          <p:nvPr/>
+        </p:nvPicPr>
+        <p:blipFill>
+          <a:blip r:embed="rId2">
+            <a:extLst>
+              <a:ext uri="{28A0092B-C50C-407E-A947-70E740481C1C}">
+                <a14:useLocalDpi xmlns:a14="http://schemas.microsoft.com/office/drawing/2010/main"/>
+              </a:ext>
+            </a:extLst>
+          </a:blip>
+          <a:stretch>
+            <a:fillRect/>
+          </a:stretch>
+        </p:blipFill>
+        <p:spPr>
+          <a:xfrm>
+            <a:off x="4273196" y="2985870"/>
+            <a:ext cx="3657600" cy="886263"/>
+          </a:xfrm>
+          <a:prstGeom prst="rect">
+            <a:avLst/>
+          </a:prstGeom>
+        </p:spPr>
+      </p:pic>
+    </p:spTree>
+    <p:extLst>
+      <p:ext uri="{BB962C8B-B14F-4D97-AF65-F5344CB8AC3E}">
+        <p14:creationId xmlns:p14="http://schemas.microsoft.com/office/powerpoint/2010/main" val="2239034506"/>
+      </p:ext>
+    </p:extLst>
+  </p:cSld>
+  <p:clrMapOvr>
+    <a:masterClrMapping/>
+  </p:clrMapOvr>
+  <p:extLst mod="1">
+    <p:ext uri="{DCECCB84-F9BA-43D5-87BE-67443E8EF086}">
+      <p15:sldGuideLst xmlns:p15="http://schemas.microsoft.com/office/powerpoint/2012/main">
+        <p15:guide id="2" pos="2880">
+          <p15:clr>
+            <a:srgbClr val="FBAE40"/>
+          </p15:clr>
+        </p15:guide>
+      </p15:sldGuideLst>
+    </p:ext>
+  </p:extLst>
+</p:sldLayout>
+</file>
+
+<file path=ppt/slideLayouts/slideLayout10.xml><?xml version="1.0" encoding="utf-8"?>
+<p:sldLayout xmlns:a="http://schemas.openxmlformats.org/drawingml/2006/main" xmlns:r="http://schemas.openxmlformats.org/officeDocument/2006/relationships" xmlns:p="http://schemas.openxmlformats.org/presentationml/2006/main" showMasterSp="0" preserve="1">
+  <p:cSld name="External_Text with Full Image L">
+    <p:spTree>
+      <p:nvGrpSpPr>
+        <p:cNvPr id="1" name=""/>
+        <p:cNvGrpSpPr/>
+        <p:nvPr/>
+      </p:nvGrpSpPr>
+      <p:grpSpPr>
+        <a:xfrm>
+          <a:off x="0" y="0"/>
+          <a:ext cx="0" cy="0"/>
+          <a:chOff x="0" y="0"/>
+          <a:chExt cx="0" cy="0"/>
+        </a:xfrm>
+      </p:grpSpPr>
+      <p:sp>
+        <p:nvSpPr>
+          <p:cNvPr id="6" name="Rectangle 5"/>
+          <p:cNvSpPr/>
+          <p:nvPr/>
+        </p:nvSpPr>
+        <p:spPr>
+          <a:xfrm>
+            <a:off x="0" y="0"/>
+            <a:ext cx="12192000" cy="97536"/>
+          </a:xfrm>
+          <a:prstGeom prst="rect">
+            <a:avLst/>
+          </a:prstGeom>
+          <a:solidFill>
+            <a:srgbClr val="0A60A3"/>
+          </a:solidFill>
+          <a:ln>
+            <a:noFill/>
+          </a:ln>
+          <a:effectLst/>
+        </p:spPr>
+        <p:style>
+          <a:lnRef idx="1">
+            <a:schemeClr val="accent1"/>
+          </a:lnRef>
+          <a:fillRef idx="3">
+            <a:schemeClr val="accent1"/>
+          </a:fillRef>
+          <a:effectRef idx="2">
+            <a:schemeClr val="accent1"/>
+          </a:effectRef>
+          <a:fontRef idx="minor">
+            <a:schemeClr val="lt1"/>
+          </a:fontRef>
+        </p:style>
+        <p:txBody>
           <a:bodyPr lIns="0" rIns="0" rtlCol="0" anchor="ctr"/>
           <a:lstStyle/>
           <a:p>
@@ -1458,268 +940,173 @@
       </p:sp>
       <p:sp>
         <p:nvSpPr>
-          <p:cNvPr id="2" name="Title 1"/>
+          <p:cNvPr id="4" name="Title Placeholder 1"/>
           <p:cNvSpPr>
             <a:spLocks noGrp="1"/>
           </p:cNvSpPr>
           <p:nvPr>
-            <p:ph type="ctrTitle" hasCustomPrompt="1"/>
+            <p:ph type="title" hasCustomPrompt="1"/>
           </p:nvPr>
         </p:nvSpPr>
         <p:spPr>
           <a:xfrm>
-            <a:off x="605368" y="1121833"/>
-            <a:ext cx="10981265" cy="2387600"/>
+            <a:off x="4881032" y="390144"/>
+            <a:ext cx="6705600" cy="573024"/>
           </a:xfrm>
+          <a:prstGeom prst="rect">
+            <a:avLst/>
+          </a:prstGeom>
         </p:spPr>
         <p:txBody>
-          <a:bodyPr anchor="b"/>
+          <a:bodyPr vert="horz" lIns="0" tIns="45720" rIns="0" bIns="45720" rtlCol="0" anchor="ctr">
+            <a:noAutofit/>
+          </a:bodyPr>
           <a:lstStyle>
-            <a:lvl1pPr algn="ctr">
-              <a:defRPr sz="3733" baseline="0">
-                <a:solidFill>
-                  <a:schemeClr val="bg1"/>
-                </a:solidFill>
-              </a:defRPr>
-            </a:lvl1pPr>
-          </a:lstStyle>
-          <a:p>
-            <a:r>
-              <a:rPr lang="en-US" dirty="0"/>
-              <a:t>Presentation Title</a:t>
-            </a:r>
-          </a:p>
-        </p:txBody>
-      </p:sp>
-      <p:sp>
-        <p:nvSpPr>
-          <p:cNvPr id="3" name="Subtitle 2"/>
-          <p:cNvSpPr>
-            <a:spLocks noGrp="1"/>
-          </p:cNvSpPr>
-          <p:nvPr>
-            <p:ph type="subTitle" idx="1" hasCustomPrompt="1"/>
-          </p:nvPr>
-        </p:nvSpPr>
-        <p:spPr>
-          <a:xfrm>
-            <a:off x="605367" y="3509434"/>
-            <a:ext cx="10981267" cy="757767"/>
-          </a:xfrm>
-        </p:spPr>
-        <p:txBody>
-          <a:bodyPr/>
-          <a:lstStyle>
-            <a:lvl1pPr marL="0" marR="0" indent="0" algn="ctr" defTabSz="1219170" rtl="0" eaLnBrk="1" fontAlgn="auto" latinLnBrk="0" hangingPunct="1">
-              <a:lnSpc>
-                <a:spcPts val="2133"/>
-              </a:lnSpc>
-              <a:spcBef>
-                <a:spcPts val="1333"/>
-              </a:spcBef>
-              <a:spcAft>
-                <a:spcPts val="0"/>
-              </a:spcAft>
-              <a:buClrTx/>
-              <a:buSzTx/>
-              <a:buFont typeface="Arial"/>
-              <a:buNone/>
-              <a:tabLst/>
-              <a:defRPr sz="2400" baseline="0">
-                <a:solidFill>
-                  <a:schemeClr val="bg1"/>
-                </a:solidFill>
-              </a:defRPr>
-            </a:lvl1pPr>
-            <a:lvl2pPr marL="609585" indent="0" algn="ctr">
-              <a:buNone/>
-              <a:defRPr sz="2667"/>
-            </a:lvl2pPr>
-            <a:lvl3pPr marL="1219170" indent="0" algn="ctr">
-              <a:buNone/>
-              <a:defRPr sz="2400"/>
-            </a:lvl3pPr>
-            <a:lvl4pPr marL="1828754" indent="0" algn="ctr">
-              <a:buNone/>
-              <a:defRPr sz="2133"/>
-            </a:lvl4pPr>
-            <a:lvl5pPr marL="2438339" indent="0" algn="ctr">
-              <a:buNone/>
-              <a:defRPr sz="2133"/>
-            </a:lvl5pPr>
-            <a:lvl6pPr marL="3047924" indent="0" algn="ctr">
-              <a:buNone/>
-              <a:defRPr sz="2133"/>
-            </a:lvl6pPr>
-            <a:lvl7pPr marL="3657509" indent="0" algn="ctr">
-              <a:buNone/>
-              <a:defRPr sz="2133"/>
-            </a:lvl7pPr>
-            <a:lvl8pPr marL="4267093" indent="0" algn="ctr">
-              <a:buNone/>
-              <a:defRPr sz="2133"/>
-            </a:lvl8pPr>
-            <a:lvl9pPr marL="4876678" indent="0" algn="ctr">
-              <a:buNone/>
-              <a:defRPr sz="2133"/>
-            </a:lvl9pPr>
-          </a:lstStyle>
-          <a:p>
-            <a:r>
-              <a:rPr lang="en-US" dirty="0"/>
-              <a:t>Subhead</a:t>
-            </a:r>
-          </a:p>
-        </p:txBody>
-      </p:sp>
-      <p:sp>
-        <p:nvSpPr>
-          <p:cNvPr id="17" name="Text Placeholder 16"/>
-          <p:cNvSpPr>
-            <a:spLocks noGrp="1"/>
-          </p:cNvSpPr>
-          <p:nvPr>
-            <p:ph type="body" sz="quarter" idx="12" hasCustomPrompt="1"/>
-          </p:nvPr>
-        </p:nvSpPr>
-        <p:spPr>
-          <a:xfrm>
-            <a:off x="605367" y="4631266"/>
-            <a:ext cx="10981267" cy="414868"/>
-          </a:xfrm>
-        </p:spPr>
-        <p:txBody>
-          <a:bodyPr/>
-          <a:lstStyle>
-            <a:lvl1pPr marL="0" marR="0" indent="0" algn="ctr" defTabSz="1219170" rtl="0" eaLnBrk="1" fontAlgn="auto" latinLnBrk="0" hangingPunct="1">
-              <a:lnSpc>
-                <a:spcPct val="100000"/>
-              </a:lnSpc>
-              <a:spcBef>
-                <a:spcPts val="533"/>
-              </a:spcBef>
-              <a:spcAft>
-                <a:spcPts val="800"/>
-              </a:spcAft>
-              <a:buClr>
-                <a:schemeClr val="bg2">
-                  <a:lumMod val="50000"/>
-                </a:schemeClr>
-              </a:buClr>
-              <a:buSzPct val="70000"/>
-              <a:buFont typeface="Wingdings" charset="2"/>
-              <a:buNone/>
-              <a:tabLst>
-                <a:tab pos="243411" algn="l"/>
-                <a:tab pos="4944410" algn="l"/>
-              </a:tabLst>
-              <a:defRPr sz="2133">
+            <a:lvl1pPr>
+              <a:defRPr>
                 <a:solidFill>
                   <a:schemeClr val="bg2">
-                    <a:lumMod val="50000"/>
+                    <a:lumMod val="25000"/>
                   </a:schemeClr>
                 </a:solidFill>
               </a:defRPr>
             </a:lvl1pPr>
           </a:lstStyle>
           <a:p>
-            <a:pPr algn="ctr">
-              <a:spcAft>
-                <a:spcPts val="600"/>
-              </a:spcAft>
-            </a:pPr>
-            <a:r>
-              <a:rPr lang="en-US" dirty="0">
-                <a:solidFill>
-                  <a:schemeClr val="tx1">
-                    <a:lumMod val="50000"/>
-                    <a:lumOff val="50000"/>
-                  </a:schemeClr>
-                </a:solidFill>
-              </a:rPr>
-              <a:t>Speaker</a:t>
-            </a:r>
-            <a:endParaRPr lang="en-US" sz="1867" dirty="0">
-              <a:solidFill>
-                <a:schemeClr val="bg1">
-                  <a:lumMod val="65000"/>
-                </a:schemeClr>
-              </a:solidFill>
-            </a:endParaRPr>
-          </a:p>
-        </p:txBody>
-      </p:sp>
-      <p:sp>
-        <p:nvSpPr>
-          <p:cNvPr id="21" name="Text Placeholder 20"/>
+            <a:r>
+              <a:rPr lang="en-US" dirty="0"/>
+              <a:t>Click to Edit Master Title Style</a:t>
+            </a:r>
+          </a:p>
+        </p:txBody>
+      </p:sp>
+      <p:sp>
+        <p:nvSpPr>
+          <p:cNvPr id="5" name="Text Placeholder 2"/>
           <p:cNvSpPr>
             <a:spLocks noGrp="1"/>
           </p:cNvSpPr>
           <p:nvPr>
-            <p:ph type="body" sz="quarter" idx="13" hasCustomPrompt="1"/>
+            <p:ph idx="1" hasCustomPrompt="1"/>
           </p:nvPr>
         </p:nvSpPr>
         <p:spPr>
           <a:xfrm>
-            <a:off x="605367" y="5046134"/>
-            <a:ext cx="10981267" cy="463551"/>
+            <a:off x="4881033" y="1014208"/>
+            <a:ext cx="6705600" cy="5206977"/>
           </a:xfrm>
+          <a:prstGeom prst="rect">
+            <a:avLst/>
+          </a:prstGeom>
         </p:spPr>
         <p:txBody>
-          <a:bodyPr/>
+          <a:bodyPr vert="horz" lIns="0" tIns="45720" rIns="0" bIns="45720" rtlCol="0">
+            <a:noAutofit/>
+          </a:bodyPr>
           <a:lstStyle>
-            <a:lvl1pPr marL="0" marR="0" indent="0" algn="ctr" defTabSz="1219170" rtl="0" eaLnBrk="1" fontAlgn="auto" latinLnBrk="0" hangingPunct="1">
+            <a:lvl1pPr>
               <a:lnSpc>
-                <a:spcPct val="100000"/>
+                <a:spcPct val="90000"/>
               </a:lnSpc>
-              <a:spcBef>
-                <a:spcPts val="533"/>
-              </a:spcBef>
-              <a:spcAft>
-                <a:spcPts val="800"/>
-              </a:spcAft>
-              <a:buClr>
-                <a:schemeClr val="bg2">
-                  <a:lumMod val="50000"/>
-                </a:schemeClr>
-              </a:buClr>
-              <a:buSzPct val="70000"/>
-              <a:buFont typeface="Wingdings" charset="2"/>
-              <a:buNone/>
-              <a:tabLst>
-                <a:tab pos="243834" algn="l"/>
-              </a:tabLst>
-              <a:defRPr sz="2133">
-                <a:solidFill>
-                  <a:schemeClr val="bg2">
-                    <a:lumMod val="50000"/>
-                  </a:schemeClr>
-                </a:solidFill>
-              </a:defRPr>
+              <a:defRPr lang="en-US" dirty="0" smtClean="0"/>
             </a:lvl1pPr>
           </a:lstStyle>
           <a:p>
-            <a:pPr>
-              <a:spcAft>
-                <a:spcPts val="600"/>
-              </a:spcAft>
+            <a:pPr lvl="0">
+              <a:lnSpc>
+                <a:spcPct val="90000"/>
+              </a:lnSpc>
             </a:pPr>
             <a:r>
-              <a:rPr lang="en-US" dirty="0">
-                <a:solidFill>
-                  <a:schemeClr val="bg1">
-                    <a:lumMod val="65000"/>
-                  </a:schemeClr>
-                </a:solidFill>
-              </a:rPr>
-              <a:t>Title</a:t>
-            </a:r>
+              <a:rPr lang="en-US" dirty="0"/>
+              <a:t>Master text styles</a:t>
+            </a:r>
+          </a:p>
+          <a:p>
+            <a:pPr lvl="1"/>
+            <a:r>
+              <a:rPr lang="en-US" dirty="0"/>
+              <a:t>Second level</a:t>
+            </a:r>
+          </a:p>
+          <a:p>
+            <a:pPr lvl="2"/>
+            <a:r>
+              <a:rPr lang="en-US" dirty="0"/>
+              <a:t>Third level</a:t>
+            </a:r>
+          </a:p>
+          <a:p>
+            <a:pPr lvl="3"/>
+            <a:r>
+              <a:rPr lang="en-US" dirty="0"/>
+              <a:t>Fourth level</a:t>
+            </a:r>
+          </a:p>
+          <a:p>
+            <a:pPr lvl="3"/>
+            <a:endParaRPr lang="en-US" dirty="0"/>
+          </a:p>
+        </p:txBody>
+      </p:sp>
+      <p:sp>
+        <p:nvSpPr>
+          <p:cNvPr id="12" name="Picture Placeholder 11"/>
+          <p:cNvSpPr>
+            <a:spLocks noGrp="1"/>
+          </p:cNvSpPr>
+          <p:nvPr>
+            <p:ph type="pic" sz="quarter" idx="10" hasCustomPrompt="1"/>
+          </p:nvPr>
+        </p:nvSpPr>
+        <p:spPr>
+          <a:xfrm>
+            <a:off x="0" y="0"/>
+            <a:ext cx="4572000" cy="6858000"/>
+          </a:xfrm>
+          <a:solidFill>
+            <a:schemeClr val="bg1">
+              <a:lumMod val="95000"/>
+            </a:schemeClr>
+          </a:solidFill>
+          <a:ln>
+            <a:noFill/>
+          </a:ln>
+        </p:spPr>
+        <p:txBody>
+          <a:bodyPr vert="horz" lIns="0" tIns="45717" rIns="0" bIns="45717" rtlCol="0" anchor="ctr">
+            <a:noAutofit/>
+          </a:bodyPr>
+          <a:lstStyle>
+            <a:lvl1pPr marL="243834" indent="-243834" algn="ctr">
+              <a:buNone/>
+              <a:defRPr lang="en-US" sz="1867" spc="0" dirty="0" smtClean="0"/>
+            </a:lvl1pPr>
+          </a:lstStyle>
+          <a:p>
+            <a:pPr marL="0" lvl="0" indent="0" algn="ctr"/>
+            <a:r>
+              <a:rPr lang="en-US" dirty="0"/>
+              <a:t>Drag or insert full bleed image</a:t>
+            </a:r>
+            <a:br>
+              <a:rPr lang="en-US" dirty="0"/>
+            </a:br>
+            <a:r>
+              <a:rPr lang="en-US" dirty="0"/>
+              <a:t>Use minimum height 1690 </a:t>
+            </a:r>
+            <a:r>
+              <a:rPr lang="en-US" dirty="0" err="1"/>
+              <a:t>px</a:t>
+            </a:r>
+            <a:endParaRPr lang="en-US" dirty="0"/>
           </a:p>
         </p:txBody>
       </p:sp>
       <p:pic>
         <p:nvPicPr>
-          <p:cNvPr id="11" name="Picture 10"/>
+          <p:cNvPr id="8" name="Picture 7"/>
           <p:cNvPicPr>
             <a:picLocks noChangeAspect="1"/>
           </p:cNvPicPr>
@@ -1747,9 +1134,1831 @@
           </a:prstGeom>
         </p:spPr>
       </p:pic>
-      <p:sp>
-        <p:nvSpPr>
-          <p:cNvPr id="10" name="Footer Placeholder 3"/>
+    </p:spTree>
+    <p:extLst>
+      <p:ext uri="{BB962C8B-B14F-4D97-AF65-F5344CB8AC3E}">
+        <p14:creationId xmlns:p14="http://schemas.microsoft.com/office/powerpoint/2010/main" val="1317600881"/>
+      </p:ext>
+    </p:extLst>
+  </p:cSld>
+  <p:clrMapOvr>
+    <a:masterClrMapping/>
+  </p:clrMapOvr>
+  <p:extLst mod="1">
+    <p:ext uri="{DCECCB84-F9BA-43D5-87BE-67443E8EF086}">
+      <p15:sldGuideLst xmlns:p15="http://schemas.microsoft.com/office/powerpoint/2012/main">
+        <p15:guide id="2" pos="2880">
+          <p15:clr>
+            <a:srgbClr val="FBAE40"/>
+          </p15:clr>
+        </p15:guide>
+      </p15:sldGuideLst>
+    </p:ext>
+  </p:extLst>
+</p:sldLayout>
+</file>
+
+<file path=ppt/slideLayouts/slideLayout11.xml><?xml version="1.0" encoding="utf-8"?>
+<p:sldLayout xmlns:a="http://schemas.openxmlformats.org/drawingml/2006/main" xmlns:r="http://schemas.openxmlformats.org/officeDocument/2006/relationships" xmlns:p="http://schemas.openxmlformats.org/presentationml/2006/main" showMasterSp="0" preserve="1">
+  <p:cSld name="External_Text with Full Image L white logo">
+    <p:spTree>
+      <p:nvGrpSpPr>
+        <p:cNvPr id="1" name=""/>
+        <p:cNvGrpSpPr/>
+        <p:nvPr/>
+      </p:nvGrpSpPr>
+      <p:grpSpPr>
+        <a:xfrm>
+          <a:off x="0" y="0"/>
+          <a:ext cx="0" cy="0"/>
+          <a:chOff x="0" y="0"/>
+          <a:chExt cx="0" cy="0"/>
+        </a:xfrm>
+      </p:grpSpPr>
+      <p:sp>
+        <p:nvSpPr>
+          <p:cNvPr id="6" name="Rectangle 5"/>
+          <p:cNvSpPr/>
+          <p:nvPr/>
+        </p:nvSpPr>
+        <p:spPr>
+          <a:xfrm>
+            <a:off x="0" y="0"/>
+            <a:ext cx="12192000" cy="97536"/>
+          </a:xfrm>
+          <a:prstGeom prst="rect">
+            <a:avLst/>
+          </a:prstGeom>
+          <a:solidFill>
+            <a:srgbClr val="0A60A3"/>
+          </a:solidFill>
+          <a:ln>
+            <a:noFill/>
+          </a:ln>
+          <a:effectLst/>
+        </p:spPr>
+        <p:style>
+          <a:lnRef idx="1">
+            <a:schemeClr val="accent1"/>
+          </a:lnRef>
+          <a:fillRef idx="3">
+            <a:schemeClr val="accent1"/>
+          </a:fillRef>
+          <a:effectRef idx="2">
+            <a:schemeClr val="accent1"/>
+          </a:effectRef>
+          <a:fontRef idx="minor">
+            <a:schemeClr val="lt1"/>
+          </a:fontRef>
+        </p:style>
+        <p:txBody>
+          <a:bodyPr lIns="0" rIns="0" rtlCol="0" anchor="ctr"/>
+          <a:lstStyle/>
+          <a:p>
+            <a:pPr algn="ctr"/>
+            <a:endParaRPr lang="en-US" sz="2400"/>
+          </a:p>
+        </p:txBody>
+      </p:sp>
+      <p:sp>
+        <p:nvSpPr>
+          <p:cNvPr id="4" name="Title Placeholder 1"/>
+          <p:cNvSpPr>
+            <a:spLocks noGrp="1"/>
+          </p:cNvSpPr>
+          <p:nvPr>
+            <p:ph type="title" hasCustomPrompt="1"/>
+          </p:nvPr>
+        </p:nvSpPr>
+        <p:spPr>
+          <a:xfrm>
+            <a:off x="4881032" y="390144"/>
+            <a:ext cx="6705600" cy="573024"/>
+          </a:xfrm>
+          <a:prstGeom prst="rect">
+            <a:avLst/>
+          </a:prstGeom>
+        </p:spPr>
+        <p:txBody>
+          <a:bodyPr vert="horz" lIns="0" tIns="45720" rIns="0" bIns="45720" rtlCol="0" anchor="ctr">
+            <a:noAutofit/>
+          </a:bodyPr>
+          <a:lstStyle>
+            <a:lvl1pPr>
+              <a:defRPr>
+                <a:solidFill>
+                  <a:schemeClr val="bg2">
+                    <a:lumMod val="25000"/>
+                  </a:schemeClr>
+                </a:solidFill>
+              </a:defRPr>
+            </a:lvl1pPr>
+          </a:lstStyle>
+          <a:p>
+            <a:r>
+              <a:rPr lang="en-US" dirty="0"/>
+              <a:t>Click to Edit Master Title Style</a:t>
+            </a:r>
+          </a:p>
+        </p:txBody>
+      </p:sp>
+      <p:sp>
+        <p:nvSpPr>
+          <p:cNvPr id="5" name="Text Placeholder 2"/>
+          <p:cNvSpPr>
+            <a:spLocks noGrp="1"/>
+          </p:cNvSpPr>
+          <p:nvPr>
+            <p:ph idx="1" hasCustomPrompt="1"/>
+          </p:nvPr>
+        </p:nvSpPr>
+        <p:spPr>
+          <a:xfrm>
+            <a:off x="4881033" y="976107"/>
+            <a:ext cx="6705600" cy="5206977"/>
+          </a:xfrm>
+          <a:prstGeom prst="rect">
+            <a:avLst/>
+          </a:prstGeom>
+        </p:spPr>
+        <p:txBody>
+          <a:bodyPr vert="horz" lIns="0" tIns="45720" rIns="0" bIns="45720" rtlCol="0">
+            <a:noAutofit/>
+          </a:bodyPr>
+          <a:lstStyle>
+            <a:lvl1pPr>
+              <a:lnSpc>
+                <a:spcPct val="90000"/>
+              </a:lnSpc>
+              <a:defRPr lang="en-US" dirty="0" smtClean="0"/>
+            </a:lvl1pPr>
+          </a:lstStyle>
+          <a:p>
+            <a:pPr lvl="0">
+              <a:lnSpc>
+                <a:spcPct val="90000"/>
+              </a:lnSpc>
+            </a:pPr>
+            <a:r>
+              <a:rPr lang="en-US" dirty="0"/>
+              <a:t>Master text styles</a:t>
+            </a:r>
+          </a:p>
+          <a:p>
+            <a:pPr lvl="1"/>
+            <a:r>
+              <a:rPr lang="en-US" dirty="0"/>
+              <a:t>Second level</a:t>
+            </a:r>
+          </a:p>
+          <a:p>
+            <a:pPr lvl="2"/>
+            <a:r>
+              <a:rPr lang="en-US" dirty="0"/>
+              <a:t>Third level</a:t>
+            </a:r>
+          </a:p>
+          <a:p>
+            <a:pPr lvl="3"/>
+            <a:r>
+              <a:rPr lang="en-US" dirty="0"/>
+              <a:t>Fourth level</a:t>
+            </a:r>
+          </a:p>
+          <a:p>
+            <a:pPr lvl="3"/>
+            <a:endParaRPr lang="en-US" dirty="0"/>
+          </a:p>
+        </p:txBody>
+      </p:sp>
+      <p:sp>
+        <p:nvSpPr>
+          <p:cNvPr id="12" name="Picture Placeholder 11"/>
+          <p:cNvSpPr>
+            <a:spLocks noGrp="1"/>
+          </p:cNvSpPr>
+          <p:nvPr>
+            <p:ph type="pic" sz="quarter" idx="10" hasCustomPrompt="1"/>
+          </p:nvPr>
+        </p:nvSpPr>
+        <p:spPr>
+          <a:xfrm>
+            <a:off x="0" y="0"/>
+            <a:ext cx="4572000" cy="6858000"/>
+          </a:xfrm>
+          <a:solidFill>
+            <a:schemeClr val="tx2"/>
+          </a:solidFill>
+          <a:ln>
+            <a:noFill/>
+          </a:ln>
+        </p:spPr>
+        <p:txBody>
+          <a:bodyPr vert="horz" lIns="0" tIns="45717" rIns="0" bIns="45717" rtlCol="0" anchor="ctr">
+            <a:noAutofit/>
+          </a:bodyPr>
+          <a:lstStyle>
+            <a:lvl1pPr marL="243834" indent="-243834" algn="ctr">
+              <a:buNone/>
+              <a:defRPr lang="en-US" sz="1867" spc="0" dirty="0" smtClean="0">
+                <a:solidFill>
+                  <a:schemeClr val="bg1"/>
+                </a:solidFill>
+              </a:defRPr>
+            </a:lvl1pPr>
+          </a:lstStyle>
+          <a:p>
+            <a:pPr marL="0" lvl="0" indent="0" algn="ctr"/>
+            <a:r>
+              <a:rPr lang="en-US" dirty="0"/>
+              <a:t>Drag or insert full bleed image</a:t>
+            </a:r>
+            <a:br>
+              <a:rPr lang="en-US" dirty="0"/>
+            </a:br>
+            <a:r>
+              <a:rPr lang="en-US" dirty="0"/>
+              <a:t>Use minimum height 1690 </a:t>
+            </a:r>
+            <a:r>
+              <a:rPr lang="en-US" dirty="0" err="1"/>
+              <a:t>px</a:t>
+            </a:r>
+            <a:endParaRPr lang="en-US" dirty="0"/>
+          </a:p>
+        </p:txBody>
+      </p:sp>
+      <p:pic>
+        <p:nvPicPr>
+          <p:cNvPr id="8" name="Picture 7"/>
+          <p:cNvPicPr>
+            <a:picLocks noChangeAspect="1"/>
+          </p:cNvPicPr>
+          <p:nvPr/>
+        </p:nvPicPr>
+        <p:blipFill>
+          <a:blip r:embed="rId2">
+            <a:extLst>
+              <a:ext uri="{28A0092B-C50C-407E-A947-70E740481C1C}">
+                <a14:useLocalDpi xmlns:a14="http://schemas.microsoft.com/office/drawing/2010/main" val="0"/>
+              </a:ext>
+            </a:extLst>
+          </a:blip>
+          <a:stretch>
+            <a:fillRect/>
+          </a:stretch>
+        </p:blipFill>
+        <p:spPr>
+          <a:xfrm>
+            <a:off x="615166" y="6324601"/>
+            <a:ext cx="1418889" cy="343808"/>
+          </a:xfrm>
+          <a:prstGeom prst="rect">
+            <a:avLst/>
+          </a:prstGeom>
+        </p:spPr>
+      </p:pic>
+    </p:spTree>
+    <p:extLst>
+      <p:ext uri="{BB962C8B-B14F-4D97-AF65-F5344CB8AC3E}">
+        <p14:creationId xmlns:p14="http://schemas.microsoft.com/office/powerpoint/2010/main" val="2755059171"/>
+      </p:ext>
+    </p:extLst>
+  </p:cSld>
+  <p:clrMapOvr>
+    <a:masterClrMapping/>
+  </p:clrMapOvr>
+  <p:extLst mod="1">
+    <p:ext uri="{DCECCB84-F9BA-43D5-87BE-67443E8EF086}">
+      <p15:sldGuideLst xmlns:p15="http://schemas.microsoft.com/office/powerpoint/2012/main">
+        <p15:guide id="2" pos="2880">
+          <p15:clr>
+            <a:srgbClr val="FBAE40"/>
+          </p15:clr>
+        </p15:guide>
+      </p15:sldGuideLst>
+    </p:ext>
+  </p:extLst>
+</p:sldLayout>
+</file>
+
+<file path=ppt/slideLayouts/slideLayout12.xml><?xml version="1.0" encoding="utf-8"?>
+<p:sldLayout xmlns:a="http://schemas.openxmlformats.org/drawingml/2006/main" xmlns:r="http://schemas.openxmlformats.org/officeDocument/2006/relationships" xmlns:p="http://schemas.openxmlformats.org/presentationml/2006/main" showMasterSp="0" preserve="1">
+  <p:cSld name="External_NI Product Focused with Image R">
+    <p:spTree>
+      <p:nvGrpSpPr>
+        <p:cNvPr id="1" name=""/>
+        <p:cNvGrpSpPr/>
+        <p:nvPr/>
+      </p:nvGrpSpPr>
+      <p:grpSpPr>
+        <a:xfrm>
+          <a:off x="0" y="0"/>
+          <a:ext cx="0" cy="0"/>
+          <a:chOff x="0" y="0"/>
+          <a:chExt cx="0" cy="0"/>
+        </a:xfrm>
+      </p:grpSpPr>
+      <p:sp>
+        <p:nvSpPr>
+          <p:cNvPr id="6" name="Rectangle 5"/>
+          <p:cNvSpPr/>
+          <p:nvPr/>
+        </p:nvSpPr>
+        <p:spPr>
+          <a:xfrm>
+            <a:off x="0" y="0"/>
+            <a:ext cx="12192000" cy="97536"/>
+          </a:xfrm>
+          <a:prstGeom prst="rect">
+            <a:avLst/>
+          </a:prstGeom>
+          <a:solidFill>
+            <a:srgbClr val="0A60A3"/>
+          </a:solidFill>
+          <a:ln>
+            <a:noFill/>
+          </a:ln>
+          <a:effectLst/>
+        </p:spPr>
+        <p:style>
+          <a:lnRef idx="1">
+            <a:schemeClr val="accent1"/>
+          </a:lnRef>
+          <a:fillRef idx="3">
+            <a:schemeClr val="accent1"/>
+          </a:fillRef>
+          <a:effectRef idx="2">
+            <a:schemeClr val="accent1"/>
+          </a:effectRef>
+          <a:fontRef idx="minor">
+            <a:schemeClr val="lt1"/>
+          </a:fontRef>
+        </p:style>
+        <p:txBody>
+          <a:bodyPr lIns="0" rIns="0" rtlCol="0" anchor="ctr"/>
+          <a:lstStyle/>
+          <a:p>
+            <a:pPr algn="ctr"/>
+            <a:endParaRPr lang="en-US" sz="2400"/>
+          </a:p>
+        </p:txBody>
+      </p:sp>
+      <p:sp>
+        <p:nvSpPr>
+          <p:cNvPr id="4" name="Title Placeholder 1"/>
+          <p:cNvSpPr>
+            <a:spLocks noGrp="1"/>
+          </p:cNvSpPr>
+          <p:nvPr>
+            <p:ph type="title" hasCustomPrompt="1"/>
+          </p:nvPr>
+        </p:nvSpPr>
+        <p:spPr>
+          <a:xfrm>
+            <a:off x="605367" y="365760"/>
+            <a:ext cx="6705600" cy="609600"/>
+          </a:xfrm>
+          <a:prstGeom prst="rect">
+            <a:avLst/>
+          </a:prstGeom>
+        </p:spPr>
+        <p:txBody>
+          <a:bodyPr vert="horz" lIns="0" tIns="45720" rIns="0" bIns="45720" rtlCol="0" anchor="ctr">
+            <a:noAutofit/>
+          </a:bodyPr>
+          <a:lstStyle>
+            <a:lvl1pPr>
+              <a:defRPr>
+                <a:solidFill>
+                  <a:schemeClr val="bg2">
+                    <a:lumMod val="25000"/>
+                  </a:schemeClr>
+                </a:solidFill>
+              </a:defRPr>
+            </a:lvl1pPr>
+          </a:lstStyle>
+          <a:p>
+            <a:r>
+              <a:rPr lang="en-US" dirty="0"/>
+              <a:t>Product Focused Slide Heading</a:t>
+            </a:r>
+          </a:p>
+        </p:txBody>
+      </p:sp>
+      <p:sp>
+        <p:nvSpPr>
+          <p:cNvPr id="5" name="Text Placeholder 2"/>
+          <p:cNvSpPr>
+            <a:spLocks noGrp="1" noChangeAspect="1"/>
+          </p:cNvSpPr>
+          <p:nvPr>
+            <p:ph idx="1" hasCustomPrompt="1"/>
+          </p:nvPr>
+        </p:nvSpPr>
+        <p:spPr>
+          <a:xfrm>
+            <a:off x="605367" y="975360"/>
+            <a:ext cx="6705600" cy="4884331"/>
+          </a:xfrm>
+          <a:prstGeom prst="rect">
+            <a:avLst/>
+          </a:prstGeom>
+        </p:spPr>
+        <p:txBody>
+          <a:bodyPr vert="horz" lIns="0" tIns="45720" rIns="0" bIns="45720" rtlCol="0">
+            <a:noAutofit/>
+          </a:bodyPr>
+          <a:lstStyle>
+            <a:lvl1pPr>
+              <a:defRPr lang="en-US" dirty="0"/>
+            </a:lvl1pPr>
+            <a:lvl2pPr>
+              <a:defRPr lang="en-US" dirty="0" smtClean="0"/>
+            </a:lvl2pPr>
+            <a:lvl3pPr>
+              <a:defRPr lang="en-US" dirty="0" smtClean="0"/>
+            </a:lvl3pPr>
+            <a:lvl4pPr>
+              <a:defRPr lang="en-US" dirty="0" smtClean="0"/>
+            </a:lvl4pPr>
+          </a:lstStyle>
+          <a:p>
+            <a:pPr lvl="0"/>
+            <a:r>
+              <a:rPr lang="en-US" dirty="0"/>
+              <a:t>Master text styles</a:t>
+            </a:r>
+          </a:p>
+          <a:p>
+            <a:pPr lvl="1"/>
+            <a:r>
+              <a:rPr lang="en-US" dirty="0"/>
+              <a:t>Second level</a:t>
+            </a:r>
+          </a:p>
+          <a:p>
+            <a:pPr lvl="2"/>
+            <a:r>
+              <a:rPr lang="en-US" dirty="0"/>
+              <a:t>Third level</a:t>
+            </a:r>
+          </a:p>
+          <a:p>
+            <a:pPr lvl="3"/>
+            <a:r>
+              <a:rPr lang="en-US" dirty="0"/>
+              <a:t>Fourth level</a:t>
+            </a:r>
+          </a:p>
+          <a:p>
+            <a:pPr lvl="3"/>
+            <a:endParaRPr lang="en-US" dirty="0"/>
+          </a:p>
+          <a:p>
+            <a:pPr lvl="0"/>
+            <a:endParaRPr lang="en-US" dirty="0"/>
+          </a:p>
+          <a:p>
+            <a:pPr lvl="0"/>
+            <a:endParaRPr lang="en-US" dirty="0"/>
+          </a:p>
+          <a:p>
+            <a:pPr lvl="0"/>
+            <a:endParaRPr lang="en-US" dirty="0"/>
+          </a:p>
+          <a:p>
+            <a:pPr lvl="0">
+              <a:lnSpc>
+                <a:spcPct val="90000"/>
+              </a:lnSpc>
+            </a:pPr>
+            <a:endParaRPr lang="en-US" dirty="0"/>
+          </a:p>
+        </p:txBody>
+      </p:sp>
+      <p:sp>
+        <p:nvSpPr>
+          <p:cNvPr id="12" name="Picture Placeholder 11"/>
+          <p:cNvSpPr>
+            <a:spLocks noGrp="1"/>
+          </p:cNvSpPr>
+          <p:nvPr>
+            <p:ph type="pic" sz="quarter" idx="10" hasCustomPrompt="1"/>
+          </p:nvPr>
+        </p:nvSpPr>
+        <p:spPr>
+          <a:xfrm>
+            <a:off x="7626219" y="365760"/>
+            <a:ext cx="3972224" cy="5493931"/>
+          </a:xfrm>
+          <a:solidFill>
+            <a:schemeClr val="bg1">
+              <a:lumMod val="95000"/>
+            </a:schemeClr>
+          </a:solidFill>
+          <a:ln>
+            <a:noFill/>
+          </a:ln>
+        </p:spPr>
+        <p:txBody>
+          <a:bodyPr anchor="ctr"/>
+          <a:lstStyle>
+            <a:lvl1pPr marL="0" indent="0" algn="ctr">
+              <a:buNone/>
+              <a:defRPr sz="1867" spc="0" baseline="0">
+                <a:solidFill>
+                  <a:schemeClr val="bg2">
+                    <a:lumMod val="25000"/>
+                  </a:schemeClr>
+                </a:solidFill>
+              </a:defRPr>
+            </a:lvl1pPr>
+          </a:lstStyle>
+          <a:p>
+            <a:r>
+              <a:rPr lang="en-US" dirty="0"/>
+              <a:t>Drag or insert image</a:t>
+            </a:r>
+            <a:br>
+              <a:rPr lang="en-US" dirty="0"/>
+            </a:br>
+            <a:r>
+              <a:rPr lang="en-US" dirty="0"/>
+              <a:t>Use minimum height 1690 </a:t>
+            </a:r>
+            <a:r>
+              <a:rPr lang="en-US" dirty="0" err="1"/>
+              <a:t>px</a:t>
+            </a:r>
+            <a:endParaRPr lang="en-US" dirty="0"/>
+          </a:p>
+        </p:txBody>
+      </p:sp>
+      <p:pic>
+        <p:nvPicPr>
+          <p:cNvPr id="7" name="Picture 6"/>
+          <p:cNvPicPr>
+            <a:picLocks noChangeAspect="1"/>
+          </p:cNvPicPr>
+          <p:nvPr/>
+        </p:nvPicPr>
+        <p:blipFill>
+          <a:blip r:embed="rId2" cstate="screen">
+            <a:extLst>
+              <a:ext uri="{28A0092B-C50C-407E-A947-70E740481C1C}">
+                <a14:useLocalDpi xmlns:a14="http://schemas.microsoft.com/office/drawing/2010/main"/>
+              </a:ext>
+            </a:extLst>
+          </a:blip>
+          <a:stretch>
+            <a:fillRect/>
+          </a:stretch>
+        </p:blipFill>
+        <p:spPr>
+          <a:xfrm>
+            <a:off x="615165" y="6324601"/>
+            <a:ext cx="1418891" cy="343808"/>
+          </a:xfrm>
+          <a:prstGeom prst="rect">
+            <a:avLst/>
+          </a:prstGeom>
+        </p:spPr>
+      </p:pic>
+    </p:spTree>
+    <p:extLst>
+      <p:ext uri="{BB962C8B-B14F-4D97-AF65-F5344CB8AC3E}">
+        <p14:creationId xmlns:p14="http://schemas.microsoft.com/office/powerpoint/2010/main" val="970835011"/>
+      </p:ext>
+    </p:extLst>
+  </p:cSld>
+  <p:clrMapOvr>
+    <a:masterClrMapping/>
+  </p:clrMapOvr>
+  <p:extLst mod="1">
+    <p:ext uri="{DCECCB84-F9BA-43D5-87BE-67443E8EF086}">
+      <p15:sldGuideLst xmlns:p15="http://schemas.microsoft.com/office/powerpoint/2012/main">
+        <p15:guide id="2" pos="2880">
+          <p15:clr>
+            <a:srgbClr val="FBAE40"/>
+          </p15:clr>
+        </p15:guide>
+      </p15:sldGuideLst>
+    </p:ext>
+  </p:extLst>
+</p:sldLayout>
+</file>
+
+<file path=ppt/slideLayouts/slideLayout13.xml><?xml version="1.0" encoding="utf-8"?>
+<p:sldLayout xmlns:a="http://schemas.openxmlformats.org/drawingml/2006/main" xmlns:r="http://schemas.openxmlformats.org/officeDocument/2006/relationships" xmlns:p="http://schemas.openxmlformats.org/presentationml/2006/main" showMasterSp="0" preserve="1">
+  <p:cSld name="External_NI Product Focused with Image L">
+    <p:spTree>
+      <p:nvGrpSpPr>
+        <p:cNvPr id="1" name=""/>
+        <p:cNvGrpSpPr/>
+        <p:nvPr/>
+      </p:nvGrpSpPr>
+      <p:grpSpPr>
+        <a:xfrm>
+          <a:off x="0" y="0"/>
+          <a:ext cx="0" cy="0"/>
+          <a:chOff x="0" y="0"/>
+          <a:chExt cx="0" cy="0"/>
+        </a:xfrm>
+      </p:grpSpPr>
+      <p:sp>
+        <p:nvSpPr>
+          <p:cNvPr id="6" name="Rectangle 5"/>
+          <p:cNvSpPr/>
+          <p:nvPr/>
+        </p:nvSpPr>
+        <p:spPr>
+          <a:xfrm>
+            <a:off x="0" y="0"/>
+            <a:ext cx="12192000" cy="97536"/>
+          </a:xfrm>
+          <a:prstGeom prst="rect">
+            <a:avLst/>
+          </a:prstGeom>
+          <a:solidFill>
+            <a:srgbClr val="0A60A3"/>
+          </a:solidFill>
+          <a:ln>
+            <a:noFill/>
+          </a:ln>
+          <a:effectLst/>
+        </p:spPr>
+        <p:style>
+          <a:lnRef idx="1">
+            <a:schemeClr val="accent1"/>
+          </a:lnRef>
+          <a:fillRef idx="3">
+            <a:schemeClr val="accent1"/>
+          </a:fillRef>
+          <a:effectRef idx="2">
+            <a:schemeClr val="accent1"/>
+          </a:effectRef>
+          <a:fontRef idx="minor">
+            <a:schemeClr val="lt1"/>
+          </a:fontRef>
+        </p:style>
+        <p:txBody>
+          <a:bodyPr lIns="0" rIns="0" rtlCol="0" anchor="ctr"/>
+          <a:lstStyle/>
+          <a:p>
+            <a:pPr algn="ctr"/>
+            <a:endParaRPr lang="en-US" sz="2400"/>
+          </a:p>
+        </p:txBody>
+      </p:sp>
+      <p:sp>
+        <p:nvSpPr>
+          <p:cNvPr id="4" name="Title Placeholder 1"/>
+          <p:cNvSpPr>
+            <a:spLocks noGrp="1"/>
+          </p:cNvSpPr>
+          <p:nvPr>
+            <p:ph type="title" hasCustomPrompt="1"/>
+          </p:nvPr>
+        </p:nvSpPr>
+        <p:spPr>
+          <a:xfrm>
+            <a:off x="4881032" y="390144"/>
+            <a:ext cx="6705600" cy="573024"/>
+          </a:xfrm>
+          <a:prstGeom prst="rect">
+            <a:avLst/>
+          </a:prstGeom>
+        </p:spPr>
+        <p:txBody>
+          <a:bodyPr vert="horz" lIns="0" tIns="45720" rIns="0" bIns="45720" rtlCol="0" anchor="ctr">
+            <a:noAutofit/>
+          </a:bodyPr>
+          <a:lstStyle>
+            <a:lvl1pPr>
+              <a:defRPr>
+                <a:solidFill>
+                  <a:schemeClr val="bg2">
+                    <a:lumMod val="25000"/>
+                  </a:schemeClr>
+                </a:solidFill>
+              </a:defRPr>
+            </a:lvl1pPr>
+          </a:lstStyle>
+          <a:p>
+            <a:r>
+              <a:rPr lang="en-US" dirty="0"/>
+              <a:t>Product Focused Slide Heading</a:t>
+            </a:r>
+          </a:p>
+        </p:txBody>
+      </p:sp>
+      <p:sp>
+        <p:nvSpPr>
+          <p:cNvPr id="5" name="Text Placeholder 2"/>
+          <p:cNvSpPr>
+            <a:spLocks noGrp="1"/>
+          </p:cNvSpPr>
+          <p:nvPr>
+            <p:ph idx="1" hasCustomPrompt="1"/>
+          </p:nvPr>
+        </p:nvSpPr>
+        <p:spPr>
+          <a:xfrm>
+            <a:off x="4881033" y="1014208"/>
+            <a:ext cx="6705600" cy="5206977"/>
+          </a:xfrm>
+          <a:prstGeom prst="rect">
+            <a:avLst/>
+          </a:prstGeom>
+        </p:spPr>
+        <p:txBody>
+          <a:bodyPr vert="horz" lIns="0" tIns="45720" rIns="0" bIns="45720" rtlCol="0">
+            <a:noAutofit/>
+          </a:bodyPr>
+          <a:lstStyle>
+            <a:lvl1pPr>
+              <a:lnSpc>
+                <a:spcPct val="90000"/>
+              </a:lnSpc>
+              <a:defRPr lang="en-US" dirty="0" smtClean="0"/>
+            </a:lvl1pPr>
+          </a:lstStyle>
+          <a:p>
+            <a:pPr lvl="0"/>
+            <a:r>
+              <a:rPr lang="en-US" dirty="0"/>
+              <a:t>Master text styles</a:t>
+            </a:r>
+          </a:p>
+          <a:p>
+            <a:pPr lvl="1"/>
+            <a:r>
+              <a:rPr lang="en-US" dirty="0"/>
+              <a:t>Second level</a:t>
+            </a:r>
+          </a:p>
+          <a:p>
+            <a:pPr lvl="2"/>
+            <a:r>
+              <a:rPr lang="en-US" dirty="0"/>
+              <a:t>Third level</a:t>
+            </a:r>
+          </a:p>
+          <a:p>
+            <a:pPr lvl="3"/>
+            <a:r>
+              <a:rPr lang="en-US" dirty="0"/>
+              <a:t>Fourth level</a:t>
+            </a:r>
+          </a:p>
+          <a:p>
+            <a:pPr lvl="3"/>
+            <a:endParaRPr lang="en-US" dirty="0"/>
+          </a:p>
+        </p:txBody>
+      </p:sp>
+      <p:sp>
+        <p:nvSpPr>
+          <p:cNvPr id="12" name="Picture Placeholder 11"/>
+          <p:cNvSpPr>
+            <a:spLocks noGrp="1"/>
+          </p:cNvSpPr>
+          <p:nvPr>
+            <p:ph type="pic" sz="quarter" idx="10" hasCustomPrompt="1"/>
+          </p:nvPr>
+        </p:nvSpPr>
+        <p:spPr>
+          <a:xfrm>
+            <a:off x="593557" y="403084"/>
+            <a:ext cx="3978443" cy="5780000"/>
+          </a:xfrm>
+          <a:solidFill>
+            <a:schemeClr val="bg1">
+              <a:lumMod val="95000"/>
+            </a:schemeClr>
+          </a:solidFill>
+          <a:ln>
+            <a:noFill/>
+          </a:ln>
+        </p:spPr>
+        <p:txBody>
+          <a:bodyPr vert="horz" lIns="0" tIns="45717" rIns="0" bIns="45717" rtlCol="0" anchor="ctr">
+            <a:noAutofit/>
+          </a:bodyPr>
+          <a:lstStyle>
+            <a:lvl1pPr marL="380990" indent="-380990" algn="ctr">
+              <a:buFont typeface="Arial" charset="0"/>
+              <a:buNone/>
+              <a:defRPr lang="en-US" sz="1867" spc="0" dirty="0" smtClean="0"/>
+            </a:lvl1pPr>
+          </a:lstStyle>
+          <a:p>
+            <a:pPr marL="0" lvl="0" indent="0" algn="ctr"/>
+            <a:r>
+              <a:rPr lang="en-US" dirty="0"/>
+              <a:t>Drag or insert image</a:t>
+            </a:r>
+            <a:br>
+              <a:rPr lang="en-US" dirty="0"/>
+            </a:br>
+            <a:r>
+              <a:rPr lang="en-US" dirty="0"/>
+              <a:t>Use minimum height 1690 </a:t>
+            </a:r>
+            <a:r>
+              <a:rPr lang="en-US" dirty="0" err="1"/>
+              <a:t>px</a:t>
+            </a:r>
+            <a:endParaRPr lang="en-US" dirty="0"/>
+          </a:p>
+        </p:txBody>
+      </p:sp>
+      <p:pic>
+        <p:nvPicPr>
+          <p:cNvPr id="7" name="Picture 6"/>
+          <p:cNvPicPr>
+            <a:picLocks noChangeAspect="1"/>
+          </p:cNvPicPr>
+          <p:nvPr/>
+        </p:nvPicPr>
+        <p:blipFill>
+          <a:blip r:embed="rId2" cstate="screen">
+            <a:extLst>
+              <a:ext uri="{28A0092B-C50C-407E-A947-70E740481C1C}">
+                <a14:useLocalDpi xmlns:a14="http://schemas.microsoft.com/office/drawing/2010/main"/>
+              </a:ext>
+            </a:extLst>
+          </a:blip>
+          <a:stretch>
+            <a:fillRect/>
+          </a:stretch>
+        </p:blipFill>
+        <p:spPr>
+          <a:xfrm>
+            <a:off x="615165" y="6324601"/>
+            <a:ext cx="1418891" cy="343808"/>
+          </a:xfrm>
+          <a:prstGeom prst="rect">
+            <a:avLst/>
+          </a:prstGeom>
+        </p:spPr>
+      </p:pic>
+    </p:spTree>
+    <p:extLst>
+      <p:ext uri="{BB962C8B-B14F-4D97-AF65-F5344CB8AC3E}">
+        <p14:creationId xmlns:p14="http://schemas.microsoft.com/office/powerpoint/2010/main" val="3307749157"/>
+      </p:ext>
+    </p:extLst>
+  </p:cSld>
+  <p:clrMapOvr>
+    <a:masterClrMapping/>
+  </p:clrMapOvr>
+  <p:extLst mod="1">
+    <p:ext uri="{DCECCB84-F9BA-43D5-87BE-67443E8EF086}">
+      <p15:sldGuideLst xmlns:p15="http://schemas.microsoft.com/office/powerpoint/2012/main">
+        <p15:guide id="2" pos="2880">
+          <p15:clr>
+            <a:srgbClr val="FBAE40"/>
+          </p15:clr>
+        </p15:guide>
+      </p15:sldGuideLst>
+    </p:ext>
+  </p:extLst>
+</p:sldLayout>
+</file>
+
+<file path=ppt/slideLayouts/slideLayout14.xml><?xml version="1.0" encoding="utf-8"?>
+<p:sldLayout xmlns:a="http://schemas.openxmlformats.org/drawingml/2006/main" xmlns:r="http://schemas.openxmlformats.org/officeDocument/2006/relationships" xmlns:p="http://schemas.openxmlformats.org/presentationml/2006/main" showMasterSp="0" preserve="1">
+  <p:cSld name="External_Image Top">
+    <p:spTree>
+      <p:nvGrpSpPr>
+        <p:cNvPr id="1" name=""/>
+        <p:cNvGrpSpPr/>
+        <p:nvPr/>
+      </p:nvGrpSpPr>
+      <p:grpSpPr>
+        <a:xfrm>
+          <a:off x="0" y="0"/>
+          <a:ext cx="0" cy="0"/>
+          <a:chOff x="0" y="0"/>
+          <a:chExt cx="0" cy="0"/>
+        </a:xfrm>
+      </p:grpSpPr>
+      <p:sp>
+        <p:nvSpPr>
+          <p:cNvPr id="8" name="Rectangle 7"/>
+          <p:cNvSpPr/>
+          <p:nvPr/>
+        </p:nvSpPr>
+        <p:spPr>
+          <a:xfrm>
+            <a:off x="0" y="0"/>
+            <a:ext cx="12192000" cy="97536"/>
+          </a:xfrm>
+          <a:prstGeom prst="rect">
+            <a:avLst/>
+          </a:prstGeom>
+          <a:solidFill>
+            <a:srgbClr val="0A60A3"/>
+          </a:solidFill>
+          <a:ln>
+            <a:noFill/>
+          </a:ln>
+          <a:effectLst/>
+        </p:spPr>
+        <p:style>
+          <a:lnRef idx="1">
+            <a:schemeClr val="accent1"/>
+          </a:lnRef>
+          <a:fillRef idx="3">
+            <a:schemeClr val="accent1"/>
+          </a:fillRef>
+          <a:effectRef idx="2">
+            <a:schemeClr val="accent1"/>
+          </a:effectRef>
+          <a:fontRef idx="minor">
+            <a:schemeClr val="lt1"/>
+          </a:fontRef>
+        </p:style>
+        <p:txBody>
+          <a:bodyPr lIns="0" rIns="0" rtlCol="0" anchor="ctr"/>
+          <a:lstStyle/>
+          <a:p>
+            <a:pPr algn="ctr"/>
+            <a:endParaRPr lang="en-US" sz="2400"/>
+          </a:p>
+        </p:txBody>
+      </p:sp>
+      <p:sp>
+        <p:nvSpPr>
+          <p:cNvPr id="4" name="Title Placeholder 1"/>
+          <p:cNvSpPr>
+            <a:spLocks noGrp="1"/>
+          </p:cNvSpPr>
+          <p:nvPr>
+            <p:ph type="title" hasCustomPrompt="1"/>
+          </p:nvPr>
+        </p:nvSpPr>
+        <p:spPr>
+          <a:xfrm>
+            <a:off x="605368" y="2991781"/>
+            <a:ext cx="10981265" cy="576091"/>
+          </a:xfrm>
+          <a:prstGeom prst="rect">
+            <a:avLst/>
+          </a:prstGeom>
+        </p:spPr>
+        <p:txBody>
+          <a:bodyPr vert="horz" lIns="0" tIns="45720" rIns="0" bIns="45720" rtlCol="0" anchor="ctr">
+            <a:noAutofit/>
+          </a:bodyPr>
+          <a:lstStyle/>
+          <a:p>
+            <a:r>
+              <a:rPr lang="en-US" dirty="0"/>
+              <a:t>Click to Edit Master Title Style</a:t>
+            </a:r>
+          </a:p>
+        </p:txBody>
+      </p:sp>
+      <p:sp>
+        <p:nvSpPr>
+          <p:cNvPr id="5" name="Text Placeholder 2"/>
+          <p:cNvSpPr>
+            <a:spLocks noGrp="1" noChangeAspect="1"/>
+          </p:cNvSpPr>
+          <p:nvPr>
+            <p:ph idx="1" hasCustomPrompt="1"/>
+          </p:nvPr>
+        </p:nvSpPr>
+        <p:spPr>
+          <a:xfrm>
+            <a:off x="605366" y="3617299"/>
+            <a:ext cx="10981268" cy="2072872"/>
+          </a:xfrm>
+          <a:prstGeom prst="rect">
+            <a:avLst/>
+          </a:prstGeom>
+        </p:spPr>
+        <p:txBody>
+          <a:bodyPr vert="horz" lIns="0" tIns="45720" rIns="0" bIns="45720" rtlCol="0">
+            <a:noAutofit/>
+          </a:bodyPr>
+          <a:lstStyle>
+            <a:lvl1pPr>
+              <a:defRPr lang="en-US" dirty="0" smtClean="0"/>
+            </a:lvl1pPr>
+            <a:lvl2pPr>
+              <a:defRPr lang="en-US" dirty="0" smtClean="0"/>
+            </a:lvl2pPr>
+            <a:lvl3pPr>
+              <a:defRPr lang="en-US" dirty="0" smtClean="0"/>
+            </a:lvl3pPr>
+            <a:lvl4pPr>
+              <a:defRPr lang="en-US" dirty="0" smtClean="0"/>
+            </a:lvl4pPr>
+          </a:lstStyle>
+          <a:p>
+            <a:pPr lvl="0">
+              <a:lnSpc>
+                <a:spcPct val="90000"/>
+              </a:lnSpc>
+            </a:pPr>
+            <a:r>
+              <a:rPr lang="en-US" dirty="0"/>
+              <a:t>Master text styles</a:t>
+            </a:r>
+          </a:p>
+          <a:p>
+            <a:pPr lvl="1"/>
+            <a:r>
+              <a:rPr lang="en-US" dirty="0"/>
+              <a:t>Second level</a:t>
+            </a:r>
+          </a:p>
+          <a:p>
+            <a:pPr lvl="2"/>
+            <a:r>
+              <a:rPr lang="en-US" dirty="0"/>
+              <a:t>Third level</a:t>
+            </a:r>
+          </a:p>
+          <a:p>
+            <a:pPr lvl="3"/>
+            <a:r>
+              <a:rPr lang="en-US" dirty="0"/>
+              <a:t>Fourth level</a:t>
+            </a:r>
+          </a:p>
+          <a:p>
+            <a:pPr lvl="3"/>
+            <a:endParaRPr lang="en-US" dirty="0"/>
+          </a:p>
+        </p:txBody>
+      </p:sp>
+      <p:sp>
+        <p:nvSpPr>
+          <p:cNvPr id="7" name="Picture Placeholder 6"/>
+          <p:cNvSpPr>
+            <a:spLocks noGrp="1"/>
+          </p:cNvSpPr>
+          <p:nvPr>
+            <p:ph type="pic" sz="quarter" idx="10" hasCustomPrompt="1"/>
+          </p:nvPr>
+        </p:nvSpPr>
+        <p:spPr>
+          <a:xfrm>
+            <a:off x="0" y="97536"/>
+            <a:ext cx="12192000" cy="2760133"/>
+          </a:xfrm>
+          <a:solidFill>
+            <a:schemeClr val="bg1">
+              <a:lumMod val="95000"/>
+            </a:schemeClr>
+          </a:solidFill>
+          <a:ln>
+            <a:noFill/>
+          </a:ln>
+        </p:spPr>
+        <p:txBody>
+          <a:bodyPr vert="horz" lIns="0" tIns="45717" rIns="0" bIns="45717" rtlCol="0" anchor="ctr">
+            <a:noAutofit/>
+          </a:bodyPr>
+          <a:lstStyle>
+            <a:lvl1pPr marL="243834" indent="-243834" algn="ctr">
+              <a:buFontTx/>
+              <a:buNone/>
+              <a:defRPr lang="en-US" sz="1867" spc="0" dirty="0"/>
+            </a:lvl1pPr>
+          </a:lstStyle>
+          <a:p>
+            <a:pPr marL="0" lvl="0" indent="0" algn="ctr">
+              <a:buNone/>
+            </a:pPr>
+            <a:r>
+              <a:rPr lang="en-US" dirty="0"/>
+              <a:t>Drag or insert image here. Use minimum width 1500 </a:t>
+            </a:r>
+            <a:r>
+              <a:rPr lang="en-US" dirty="0" err="1"/>
+              <a:t>px</a:t>
+            </a:r>
+            <a:endParaRPr lang="en-US" dirty="0"/>
+          </a:p>
+        </p:txBody>
+      </p:sp>
+      <p:pic>
+        <p:nvPicPr>
+          <p:cNvPr id="10" name="Picture 9"/>
+          <p:cNvPicPr>
+            <a:picLocks noChangeAspect="1"/>
+          </p:cNvPicPr>
+          <p:nvPr/>
+        </p:nvPicPr>
+        <p:blipFill>
+          <a:blip r:embed="rId2" cstate="screen">
+            <a:extLst>
+              <a:ext uri="{28A0092B-C50C-407E-A947-70E740481C1C}">
+                <a14:useLocalDpi xmlns:a14="http://schemas.microsoft.com/office/drawing/2010/main"/>
+              </a:ext>
+            </a:extLst>
+          </a:blip>
+          <a:stretch>
+            <a:fillRect/>
+          </a:stretch>
+        </p:blipFill>
+        <p:spPr>
+          <a:xfrm>
+            <a:off x="615165" y="6324601"/>
+            <a:ext cx="1418891" cy="343808"/>
+          </a:xfrm>
+          <a:prstGeom prst="rect">
+            <a:avLst/>
+          </a:prstGeom>
+        </p:spPr>
+      </p:pic>
+    </p:spTree>
+    <p:extLst>
+      <p:ext uri="{BB962C8B-B14F-4D97-AF65-F5344CB8AC3E}">
+        <p14:creationId xmlns:p14="http://schemas.microsoft.com/office/powerpoint/2010/main" val="3286734263"/>
+      </p:ext>
+    </p:extLst>
+  </p:cSld>
+  <p:clrMapOvr>
+    <a:masterClrMapping/>
+  </p:clrMapOvr>
+  <p:extLst mod="1">
+    <p:ext uri="{DCECCB84-F9BA-43D5-87BE-67443E8EF086}">
+      <p15:sldGuideLst xmlns:p15="http://schemas.microsoft.com/office/powerpoint/2012/main">
+        <p15:guide id="1" orient="horz" pos="1609">
+          <p15:clr>
+            <a:srgbClr val="FBAE40"/>
+          </p15:clr>
+        </p15:guide>
+        <p15:guide id="2" orient="horz" pos="1859">
+          <p15:clr>
+            <a:srgbClr val="FBAE40"/>
+          </p15:clr>
+        </p15:guide>
+      </p15:sldGuideLst>
+    </p:ext>
+  </p:extLst>
+</p:sldLayout>
+</file>
+
+<file path=ppt/slideLayouts/slideLayout15.xml><?xml version="1.0" encoding="utf-8"?>
+<p:sldLayout xmlns:a="http://schemas.openxmlformats.org/drawingml/2006/main" xmlns:r="http://schemas.openxmlformats.org/officeDocument/2006/relationships" xmlns:p="http://schemas.openxmlformats.org/presentationml/2006/main" showMasterSp="0" preserve="1">
+  <p:cSld name="External_Image Top_white logo">
+    <p:spTree>
+      <p:nvGrpSpPr>
+        <p:cNvPr id="1" name=""/>
+        <p:cNvGrpSpPr/>
+        <p:nvPr/>
+      </p:nvGrpSpPr>
+      <p:grpSpPr>
+        <a:xfrm>
+          <a:off x="0" y="0"/>
+          <a:ext cx="0" cy="0"/>
+          <a:chOff x="0" y="0"/>
+          <a:chExt cx="0" cy="0"/>
+        </a:xfrm>
+      </p:grpSpPr>
+      <p:sp>
+        <p:nvSpPr>
+          <p:cNvPr id="7" name="Picture Placeholder 6"/>
+          <p:cNvSpPr>
+            <a:spLocks noGrp="1"/>
+          </p:cNvSpPr>
+          <p:nvPr>
+            <p:ph type="pic" sz="quarter" idx="10" hasCustomPrompt="1"/>
+          </p:nvPr>
+        </p:nvSpPr>
+        <p:spPr>
+          <a:xfrm>
+            <a:off x="0" y="1"/>
+            <a:ext cx="12192000" cy="2770651"/>
+          </a:xfrm>
+          <a:solidFill>
+            <a:schemeClr val="bg1">
+              <a:lumMod val="95000"/>
+            </a:schemeClr>
+          </a:solidFill>
+          <a:ln>
+            <a:noFill/>
+          </a:ln>
+        </p:spPr>
+        <p:txBody>
+          <a:bodyPr vert="horz" lIns="0" tIns="45717" rIns="0" bIns="45717" rtlCol="0" anchor="ctr">
+            <a:noAutofit/>
+          </a:bodyPr>
+          <a:lstStyle>
+            <a:lvl1pPr marL="243834" indent="-243834" algn="ctr">
+              <a:buNone/>
+              <a:defRPr lang="en-US" sz="1867" spc="0" dirty="0"/>
+            </a:lvl1pPr>
+          </a:lstStyle>
+          <a:p>
+            <a:pPr marL="0" lvl="0" indent="0" algn="ctr"/>
+            <a:r>
+              <a:rPr lang="en-US" dirty="0"/>
+              <a:t>Drag or insert image</a:t>
+            </a:r>
+          </a:p>
+        </p:txBody>
+      </p:sp>
+      <p:sp>
+        <p:nvSpPr>
+          <p:cNvPr id="6" name="Rectangle 5"/>
+          <p:cNvSpPr/>
+          <p:nvPr/>
+        </p:nvSpPr>
+        <p:spPr>
+          <a:xfrm>
+            <a:off x="0" y="2770652"/>
+            <a:ext cx="12192000" cy="4087349"/>
+          </a:xfrm>
+          <a:prstGeom prst="rect">
+            <a:avLst/>
+          </a:prstGeom>
+          <a:solidFill>
+            <a:srgbClr val="0A60A3"/>
+          </a:solidFill>
+          <a:ln>
+            <a:noFill/>
+          </a:ln>
+          <a:effectLst/>
+        </p:spPr>
+        <p:style>
+          <a:lnRef idx="1">
+            <a:schemeClr val="accent1"/>
+          </a:lnRef>
+          <a:fillRef idx="3">
+            <a:schemeClr val="accent1"/>
+          </a:fillRef>
+          <a:effectRef idx="2">
+            <a:schemeClr val="accent1"/>
+          </a:effectRef>
+          <a:fontRef idx="minor">
+            <a:schemeClr val="lt1"/>
+          </a:fontRef>
+        </p:style>
+        <p:txBody>
+          <a:bodyPr lIns="0" rIns="0" rtlCol="0" anchor="ctr"/>
+          <a:lstStyle/>
+          <a:p>
+            <a:pPr algn="ctr"/>
+            <a:endParaRPr lang="en-US" sz="2400"/>
+          </a:p>
+        </p:txBody>
+      </p:sp>
+      <p:sp>
+        <p:nvSpPr>
+          <p:cNvPr id="4" name="Title Placeholder 1"/>
+          <p:cNvSpPr>
+            <a:spLocks noGrp="1"/>
+          </p:cNvSpPr>
+          <p:nvPr>
+            <p:ph type="title" hasCustomPrompt="1"/>
+          </p:nvPr>
+        </p:nvSpPr>
+        <p:spPr>
+          <a:xfrm>
+            <a:off x="605368" y="2980657"/>
+            <a:ext cx="10981265" cy="576091"/>
+          </a:xfrm>
+          <a:prstGeom prst="rect">
+            <a:avLst/>
+          </a:prstGeom>
+        </p:spPr>
+        <p:txBody>
+          <a:bodyPr vert="horz" lIns="0" tIns="45720" rIns="0" bIns="45720" rtlCol="0" anchor="ctr">
+            <a:noAutofit/>
+          </a:bodyPr>
+          <a:lstStyle>
+            <a:lvl1pPr>
+              <a:defRPr baseline="0">
+                <a:solidFill>
+                  <a:schemeClr val="bg1"/>
+                </a:solidFill>
+              </a:defRPr>
+            </a:lvl1pPr>
+          </a:lstStyle>
+          <a:p>
+            <a:r>
+              <a:rPr lang="en-US" dirty="0"/>
+              <a:t>Click to Edit Master Title Style</a:t>
+            </a:r>
+          </a:p>
+        </p:txBody>
+      </p:sp>
+      <p:sp>
+        <p:nvSpPr>
+          <p:cNvPr id="5" name="Text Placeholder 2"/>
+          <p:cNvSpPr>
+            <a:spLocks noGrp="1" noChangeAspect="1"/>
+          </p:cNvSpPr>
+          <p:nvPr>
+            <p:ph idx="1" hasCustomPrompt="1"/>
+          </p:nvPr>
+        </p:nvSpPr>
+        <p:spPr>
+          <a:xfrm>
+            <a:off x="605366" y="3614643"/>
+            <a:ext cx="10981268" cy="2568443"/>
+          </a:xfrm>
+          <a:prstGeom prst="rect">
+            <a:avLst/>
+          </a:prstGeom>
+        </p:spPr>
+        <p:txBody>
+          <a:bodyPr vert="horz" lIns="0" tIns="45720" rIns="0" bIns="45720" rtlCol="0">
+            <a:noAutofit/>
+          </a:bodyPr>
+          <a:lstStyle>
+            <a:lvl1pPr>
+              <a:lnSpc>
+                <a:spcPct val="90000"/>
+              </a:lnSpc>
+              <a:buClr>
+                <a:schemeClr val="bg1"/>
+              </a:buClr>
+              <a:buSzPct val="90000"/>
+              <a:defRPr lang="en-US" dirty="0" smtClean="0">
+                <a:solidFill>
+                  <a:schemeClr val="bg1"/>
+                </a:solidFill>
+              </a:defRPr>
+            </a:lvl1pPr>
+            <a:lvl2pPr>
+              <a:buClr>
+                <a:schemeClr val="bg1"/>
+              </a:buClr>
+              <a:buSzPct val="90000"/>
+              <a:defRPr lang="en-US" dirty="0" smtClean="0">
+                <a:solidFill>
+                  <a:schemeClr val="bg1"/>
+                </a:solidFill>
+              </a:defRPr>
+            </a:lvl2pPr>
+            <a:lvl3pPr>
+              <a:buClr>
+                <a:schemeClr val="bg1"/>
+              </a:buClr>
+              <a:buSzPct val="90000"/>
+              <a:defRPr lang="en-US" dirty="0" smtClean="0">
+                <a:solidFill>
+                  <a:schemeClr val="bg1"/>
+                </a:solidFill>
+              </a:defRPr>
+            </a:lvl3pPr>
+            <a:lvl4pPr>
+              <a:buClr>
+                <a:schemeClr val="bg1"/>
+              </a:buClr>
+              <a:buSzPct val="90000"/>
+              <a:defRPr lang="en-US" dirty="0" smtClean="0">
+                <a:solidFill>
+                  <a:schemeClr val="bg1"/>
+                </a:solidFill>
+              </a:defRPr>
+            </a:lvl4pPr>
+            <a:lvl5pPr>
+              <a:buClr>
+                <a:schemeClr val="bg1"/>
+              </a:buClr>
+              <a:buSzPct val="90000"/>
+              <a:defRPr lang="en-US" dirty="0">
+                <a:solidFill>
+                  <a:schemeClr val="bg1"/>
+                </a:solidFill>
+              </a:defRPr>
+            </a:lvl5pPr>
+          </a:lstStyle>
+          <a:p>
+            <a:pPr lvl="0">
+              <a:lnSpc>
+                <a:spcPct val="90000"/>
+              </a:lnSpc>
+            </a:pPr>
+            <a:r>
+              <a:rPr lang="en-US" dirty="0"/>
+              <a:t>Master text styles</a:t>
+            </a:r>
+          </a:p>
+          <a:p>
+            <a:pPr lvl="1"/>
+            <a:r>
+              <a:rPr lang="en-US" dirty="0"/>
+              <a:t>Second level</a:t>
+            </a:r>
+          </a:p>
+          <a:p>
+            <a:pPr lvl="2"/>
+            <a:r>
+              <a:rPr lang="en-US" dirty="0"/>
+              <a:t>Third level</a:t>
+            </a:r>
+          </a:p>
+          <a:p>
+            <a:pPr lvl="3"/>
+            <a:r>
+              <a:rPr lang="en-US" dirty="0"/>
+              <a:t>Fourth level</a:t>
+            </a:r>
+          </a:p>
+          <a:p>
+            <a:pPr lvl="3"/>
+            <a:endParaRPr lang="en-US" dirty="0"/>
+          </a:p>
+        </p:txBody>
+      </p:sp>
+      <p:pic>
+        <p:nvPicPr>
+          <p:cNvPr id="10" name="Picture 9"/>
+          <p:cNvPicPr>
+            <a:picLocks noChangeAspect="1"/>
+          </p:cNvPicPr>
+          <p:nvPr/>
+        </p:nvPicPr>
+        <p:blipFill>
+          <a:blip r:embed="rId2">
+            <a:extLst>
+              <a:ext uri="{28A0092B-C50C-407E-A947-70E740481C1C}">
+                <a14:useLocalDpi xmlns:a14="http://schemas.microsoft.com/office/drawing/2010/main" val="0"/>
+              </a:ext>
+            </a:extLst>
+          </a:blip>
+          <a:stretch>
+            <a:fillRect/>
+          </a:stretch>
+        </p:blipFill>
+        <p:spPr>
+          <a:xfrm>
+            <a:off x="615166" y="6324601"/>
+            <a:ext cx="1418889" cy="343808"/>
+          </a:xfrm>
+          <a:prstGeom prst="rect">
+            <a:avLst/>
+          </a:prstGeom>
+        </p:spPr>
+      </p:pic>
+    </p:spTree>
+    <p:extLst>
+      <p:ext uri="{BB962C8B-B14F-4D97-AF65-F5344CB8AC3E}">
+        <p14:creationId xmlns:p14="http://schemas.microsoft.com/office/powerpoint/2010/main" val="1031688928"/>
+      </p:ext>
+    </p:extLst>
+  </p:cSld>
+  <p:clrMapOvr>
+    <a:masterClrMapping/>
+  </p:clrMapOvr>
+</p:sldLayout>
+</file>
+
+<file path=ppt/slideLayouts/slideLayout16.xml><?xml version="1.0" encoding="utf-8"?>
+<p:sldLayout xmlns:a="http://schemas.openxmlformats.org/drawingml/2006/main" xmlns:r="http://schemas.openxmlformats.org/officeDocument/2006/relationships" xmlns:p="http://schemas.openxmlformats.org/presentationml/2006/main" showMasterSp="0" preserve="1">
+  <p:cSld name="External_Quote Slide">
+    <p:spTree>
+      <p:nvGrpSpPr>
+        <p:cNvPr id="1" name=""/>
+        <p:cNvGrpSpPr/>
+        <p:nvPr/>
+      </p:nvGrpSpPr>
+      <p:grpSpPr>
+        <a:xfrm>
+          <a:off x="0" y="0"/>
+          <a:ext cx="0" cy="0"/>
+          <a:chOff x="0" y="0"/>
+          <a:chExt cx="0" cy="0"/>
+        </a:xfrm>
+      </p:grpSpPr>
+      <p:sp>
+        <p:nvSpPr>
+          <p:cNvPr id="6" name="Rectangle 5"/>
+          <p:cNvSpPr/>
+          <p:nvPr/>
+        </p:nvSpPr>
+        <p:spPr>
+          <a:xfrm>
+            <a:off x="0" y="4027056"/>
+            <a:ext cx="12192000" cy="2830944"/>
+          </a:xfrm>
+          <a:prstGeom prst="rect">
+            <a:avLst/>
+          </a:prstGeom>
+          <a:solidFill>
+            <a:srgbClr val="0A60A3"/>
+          </a:solidFill>
+          <a:ln>
+            <a:noFill/>
+          </a:ln>
+          <a:effectLst/>
+        </p:spPr>
+        <p:style>
+          <a:lnRef idx="1">
+            <a:schemeClr val="accent1"/>
+          </a:lnRef>
+          <a:fillRef idx="3">
+            <a:schemeClr val="accent1"/>
+          </a:fillRef>
+          <a:effectRef idx="2">
+            <a:schemeClr val="accent1"/>
+          </a:effectRef>
+          <a:fontRef idx="minor">
+            <a:schemeClr val="lt1"/>
+          </a:fontRef>
+        </p:style>
+        <p:txBody>
+          <a:bodyPr lIns="0" rIns="0" rtlCol="0" anchor="ctr"/>
+          <a:lstStyle/>
+          <a:p>
+            <a:pPr algn="ctr"/>
+            <a:endParaRPr lang="en-US" sz="2400"/>
+          </a:p>
+        </p:txBody>
+      </p:sp>
+      <p:sp>
+        <p:nvSpPr>
+          <p:cNvPr id="7" name="Picture Placeholder 6"/>
+          <p:cNvSpPr>
+            <a:spLocks noGrp="1"/>
+          </p:cNvSpPr>
+          <p:nvPr>
+            <p:ph type="pic" sz="quarter" idx="10" hasCustomPrompt="1"/>
+          </p:nvPr>
+        </p:nvSpPr>
+        <p:spPr>
+          <a:xfrm>
+            <a:off x="0" y="2"/>
+            <a:ext cx="12192000" cy="4027053"/>
+          </a:xfrm>
+          <a:solidFill>
+            <a:schemeClr val="bg1">
+              <a:lumMod val="95000"/>
+            </a:schemeClr>
+          </a:solidFill>
+          <a:ln>
+            <a:noFill/>
+          </a:ln>
+        </p:spPr>
+        <p:txBody>
+          <a:bodyPr vert="horz" lIns="0" tIns="45717" rIns="0" bIns="45717" rtlCol="0" anchor="ctr">
+            <a:noAutofit/>
+          </a:bodyPr>
+          <a:lstStyle>
+            <a:lvl1pPr marL="243834" indent="-243834" algn="ctr">
+              <a:buFontTx/>
+              <a:buNone/>
+              <a:defRPr lang="en-US" sz="1867" spc="0" dirty="0"/>
+            </a:lvl1pPr>
+          </a:lstStyle>
+          <a:p>
+            <a:pPr marL="0" lvl="0" indent="0" algn="ctr">
+              <a:buNone/>
+            </a:pPr>
+            <a:r>
+              <a:rPr lang="en-US" dirty="0"/>
+              <a:t>Drag or place image for supporting quote</a:t>
+            </a:r>
+          </a:p>
+        </p:txBody>
+      </p:sp>
+      <p:sp>
+        <p:nvSpPr>
+          <p:cNvPr id="5" name="Text Placeholder 2"/>
+          <p:cNvSpPr>
+            <a:spLocks noGrp="1" noChangeAspect="1"/>
+          </p:cNvSpPr>
+          <p:nvPr>
+            <p:ph idx="1" hasCustomPrompt="1"/>
+          </p:nvPr>
+        </p:nvSpPr>
+        <p:spPr>
+          <a:xfrm>
+            <a:off x="605366" y="4328160"/>
+            <a:ext cx="10981268" cy="1699491"/>
+          </a:xfrm>
+          <a:prstGeom prst="rect">
+            <a:avLst/>
+          </a:prstGeom>
+        </p:spPr>
+        <p:txBody>
+          <a:bodyPr vert="horz" lIns="0" tIns="45720" rIns="0" bIns="45720" rtlCol="0">
+            <a:noAutofit/>
+          </a:bodyPr>
+          <a:lstStyle>
+            <a:lvl1pPr marL="0" indent="0" algn="ctr">
+              <a:lnSpc>
+                <a:spcPct val="100000"/>
+              </a:lnSpc>
+              <a:buFont typeface="Arial" charset="0"/>
+              <a:buNone/>
+              <a:defRPr sz="1867">
+                <a:solidFill>
+                  <a:schemeClr val="bg1"/>
+                </a:solidFill>
+              </a:defRPr>
+            </a:lvl1pPr>
+            <a:lvl2pPr marL="609585" indent="0">
+              <a:buFont typeface="Arial" charset="0"/>
+              <a:buNone/>
+              <a:defRPr>
+                <a:solidFill>
+                  <a:schemeClr val="bg1">
+                    <a:lumMod val="95000"/>
+                  </a:schemeClr>
+                </a:solidFill>
+              </a:defRPr>
+            </a:lvl2pPr>
+            <a:lvl3pPr marL="1219170" indent="0">
+              <a:buFont typeface="Arial" charset="0"/>
+              <a:buNone/>
+              <a:defRPr>
+                <a:solidFill>
+                  <a:schemeClr val="bg1">
+                    <a:lumMod val="95000"/>
+                  </a:schemeClr>
+                </a:solidFill>
+              </a:defRPr>
+            </a:lvl3pPr>
+            <a:lvl4pPr marL="1828754" indent="0">
+              <a:buFont typeface="Arial" charset="0"/>
+              <a:buNone/>
+              <a:defRPr>
+                <a:solidFill>
+                  <a:schemeClr val="bg1">
+                    <a:lumMod val="95000"/>
+                  </a:schemeClr>
+                </a:solidFill>
+              </a:defRPr>
+            </a:lvl4pPr>
+            <a:lvl5pPr marL="2438339" indent="0">
+              <a:buFont typeface="Arial" charset="0"/>
+              <a:buNone/>
+              <a:defRPr>
+                <a:solidFill>
+                  <a:schemeClr val="bg1">
+                    <a:lumMod val="95000"/>
+                  </a:schemeClr>
+                </a:solidFill>
+              </a:defRPr>
+            </a:lvl5pPr>
+          </a:lstStyle>
+          <a:p>
+            <a:pPr algn="ctr">
+              <a:defRPr/>
+            </a:pPr>
+            <a:r>
+              <a:rPr lang="en-US" dirty="0">
+                <a:solidFill>
+                  <a:schemeClr val="bg1"/>
+                </a:solidFill>
+              </a:rPr>
+              <a:t>“Place Quote Here”</a:t>
+            </a:r>
+          </a:p>
+        </p:txBody>
+      </p:sp>
+      <p:sp>
+        <p:nvSpPr>
+          <p:cNvPr id="8" name="Text Placeholder 7"/>
+          <p:cNvSpPr>
+            <a:spLocks noGrp="1"/>
+          </p:cNvSpPr>
+          <p:nvPr>
+            <p:ph type="body" sz="quarter" idx="12" hasCustomPrompt="1"/>
+          </p:nvPr>
+        </p:nvSpPr>
+        <p:spPr>
+          <a:xfrm>
+            <a:off x="4316400" y="4788439"/>
+            <a:ext cx="3708400" cy="334564"/>
+          </a:xfrm>
+        </p:spPr>
+        <p:txBody>
+          <a:bodyPr anchor="ctr"/>
+          <a:lstStyle>
+            <a:lvl1pPr marL="0" marR="0" indent="0" algn="ctr" defTabSz="609585" rtl="0" eaLnBrk="1" fontAlgn="auto" latinLnBrk="0" hangingPunct="1">
+              <a:lnSpc>
+                <a:spcPct val="90000"/>
+              </a:lnSpc>
+              <a:spcBef>
+                <a:spcPts val="1333"/>
+              </a:spcBef>
+              <a:spcAft>
+                <a:spcPts val="0"/>
+              </a:spcAft>
+              <a:buClr>
+                <a:schemeClr val="bg2">
+                  <a:lumMod val="50000"/>
+                </a:schemeClr>
+              </a:buClr>
+              <a:buSzPct val="90000"/>
+              <a:buFontTx/>
+              <a:buNone/>
+              <a:tabLst>
+                <a:tab pos="243834" algn="l"/>
+              </a:tabLst>
+              <a:defRPr sz="1600" baseline="0">
+                <a:solidFill>
+                  <a:schemeClr val="bg1"/>
+                </a:solidFill>
+              </a:defRPr>
+            </a:lvl1pPr>
+            <a:lvl2pPr>
+              <a:defRPr>
+                <a:solidFill>
+                  <a:schemeClr val="bg1"/>
+                </a:solidFill>
+              </a:defRPr>
+            </a:lvl2pPr>
+            <a:lvl3pPr>
+              <a:defRPr>
+                <a:solidFill>
+                  <a:schemeClr val="bg1"/>
+                </a:solidFill>
+              </a:defRPr>
+            </a:lvl3pPr>
+            <a:lvl4pPr>
+              <a:defRPr>
+                <a:solidFill>
+                  <a:schemeClr val="bg1"/>
+                </a:solidFill>
+              </a:defRPr>
+            </a:lvl4pPr>
+            <a:lvl5pPr>
+              <a:defRPr>
+                <a:solidFill>
+                  <a:schemeClr val="bg1"/>
+                </a:solidFill>
+              </a:defRPr>
+            </a:lvl5pPr>
+          </a:lstStyle>
+          <a:p>
+            <a:pPr marL="0" marR="0" lvl="0" indent="0" algn="ctr" defTabSz="609585" rtl="0" eaLnBrk="1" fontAlgn="auto" latinLnBrk="0" hangingPunct="1">
+              <a:lnSpc>
+                <a:spcPct val="90000"/>
+              </a:lnSpc>
+              <a:spcBef>
+                <a:spcPts val="1333"/>
+              </a:spcBef>
+              <a:spcAft>
+                <a:spcPts val="0"/>
+              </a:spcAft>
+              <a:buClr>
+                <a:schemeClr val="bg2">
+                  <a:lumMod val="50000"/>
+                </a:schemeClr>
+              </a:buClr>
+              <a:buSzPct val="90000"/>
+              <a:buFontTx/>
+              <a:buNone/>
+              <a:tabLst>
+                <a:tab pos="243834" algn="l"/>
+              </a:tabLst>
+              <a:defRPr/>
+            </a:pPr>
+            <a:r>
+              <a:rPr lang="en-US" dirty="0"/>
+              <a:t>–First and Last Name, Title</a:t>
+            </a:r>
+          </a:p>
+        </p:txBody>
+      </p:sp>
+      <p:pic>
+        <p:nvPicPr>
+          <p:cNvPr id="10" name="Picture 9"/>
+          <p:cNvPicPr>
+            <a:picLocks noChangeAspect="1"/>
+          </p:cNvPicPr>
+          <p:nvPr/>
+        </p:nvPicPr>
+        <p:blipFill>
+          <a:blip r:embed="rId2">
+            <a:extLst>
+              <a:ext uri="{28A0092B-C50C-407E-A947-70E740481C1C}">
+                <a14:useLocalDpi xmlns:a14="http://schemas.microsoft.com/office/drawing/2010/main" val="0"/>
+              </a:ext>
+            </a:extLst>
+          </a:blip>
+          <a:stretch>
+            <a:fillRect/>
+          </a:stretch>
+        </p:blipFill>
+        <p:spPr>
+          <a:xfrm>
+            <a:off x="615166" y="6324601"/>
+            <a:ext cx="1418889" cy="343808"/>
+          </a:xfrm>
+          <a:prstGeom prst="rect">
+            <a:avLst/>
+          </a:prstGeom>
+        </p:spPr>
+      </p:pic>
+      <p:sp>
+        <p:nvSpPr>
+          <p:cNvPr id="11" name="Footer Placeholder 3"/>
           <p:cNvSpPr txBox="1">
             <a:spLocks/>
           </p:cNvSpPr>
@@ -1865,17 +3074,25 @@
           </a:lstStyle>
           <a:p>
             <a:r>
-              <a:rPr lang="en-US" sz="1333" dirty="0" err="1"/>
+              <a:rPr lang="en-US" sz="1333" dirty="0" err="1">
+                <a:solidFill>
+                  <a:schemeClr val="bg1"/>
+                </a:solidFill>
+              </a:rPr>
               <a:t>ni.com</a:t>
             </a:r>
-            <a:endParaRPr lang="en-US" sz="1333" dirty="0"/>
+            <a:endParaRPr lang="en-US" sz="1333" dirty="0">
+              <a:solidFill>
+                <a:schemeClr val="bg1"/>
+              </a:solidFill>
+            </a:endParaRPr>
           </a:p>
         </p:txBody>
       </p:sp>
     </p:spTree>
     <p:extLst>
       <p:ext uri="{BB962C8B-B14F-4D97-AF65-F5344CB8AC3E}">
-        <p14:creationId xmlns:p14="http://schemas.microsoft.com/office/powerpoint/2010/main" val="1374852398"/>
+        <p14:creationId xmlns:p14="http://schemas.microsoft.com/office/powerpoint/2010/main" val="2523085281"/>
       </p:ext>
     </p:extLst>
   </p:cSld>
@@ -1885,17 +3102,9 @@
 </p:sldLayout>
 </file>
 
-<file path=ppt/slideLayouts/slideLayout13.xml><?xml version="1.0" encoding="utf-8"?>
-<p:sldLayout xmlns:a="http://schemas.openxmlformats.org/drawingml/2006/main" xmlns:r="http://schemas.openxmlformats.org/officeDocument/2006/relationships" xmlns:p="http://schemas.openxmlformats.org/presentationml/2006/main" showMasterSp="0">
-  <p:cSld name="External_Title Slide">
-    <p:bg>
-      <p:bgPr>
-        <a:solidFill>
-          <a:schemeClr val="bg1"/>
-        </a:solidFill>
-        <a:effectLst/>
-      </p:bgPr>
-    </p:bg>
+<file path=ppt/slideLayouts/slideLayout17.xml><?xml version="1.0" encoding="utf-8"?>
+<p:sldLayout xmlns:a="http://schemas.openxmlformats.org/drawingml/2006/main" xmlns:r="http://schemas.openxmlformats.org/officeDocument/2006/relationships" xmlns:p="http://schemas.openxmlformats.org/presentationml/2006/main" showMasterSp="0" preserve="1">
+  <p:cSld name="External_Divider Slide">
     <p:spTree>
       <p:nvGrpSpPr>
         <p:cNvPr id="1" name=""/>
@@ -1912,14 +3121,14 @@
       </p:grpSpPr>
       <p:sp>
         <p:nvSpPr>
-          <p:cNvPr id="7" name="Rectangle 6"/>
+          <p:cNvPr id="6" name="Rectangle 5"/>
           <p:cNvSpPr/>
           <p:nvPr/>
         </p:nvSpPr>
         <p:spPr>
           <a:xfrm>
-            <a:off x="0" y="2"/>
-            <a:ext cx="12203992" cy="4375505"/>
+            <a:off x="0" y="0"/>
+            <a:ext cx="12203992" cy="6858000"/>
           </a:xfrm>
           <a:prstGeom prst="rect">
             <a:avLst/>
@@ -1947,7 +3156,7 @@
           </a:fontRef>
         </p:style>
         <p:txBody>
-          <a:bodyPr lIns="0" rIns="0" rtlCol="0" anchor="ctr"/>
+          <a:bodyPr rtlCol="0" anchor="ctr"/>
           <a:lstStyle/>
           <a:p>
             <a:pPr algn="ctr"/>
@@ -1957,61 +3166,26 @@
       </p:sp>
       <p:sp>
         <p:nvSpPr>
-          <p:cNvPr id="2" name="Title 1"/>
+          <p:cNvPr id="4" name="Text Placeholder 3"/>
           <p:cNvSpPr>
             <a:spLocks noGrp="1"/>
           </p:cNvSpPr>
           <p:nvPr>
-            <p:ph type="ctrTitle" hasCustomPrompt="1"/>
+            <p:ph type="body" sz="quarter" idx="10" hasCustomPrompt="1"/>
           </p:nvPr>
         </p:nvSpPr>
         <p:spPr>
           <a:xfrm>
-            <a:off x="605368" y="1121833"/>
-            <a:ext cx="10981265" cy="2387600"/>
+            <a:off x="1" y="2766484"/>
+            <a:ext cx="12204700" cy="1109133"/>
           </a:xfrm>
         </p:spPr>
         <p:txBody>
-          <a:bodyPr anchor="b"/>
-          <a:lstStyle>
-            <a:lvl1pPr algn="ctr">
-              <a:defRPr sz="3733" baseline="0">
-                <a:solidFill>
-                  <a:schemeClr val="bg1"/>
-                </a:solidFill>
-              </a:defRPr>
-            </a:lvl1pPr>
-          </a:lstStyle>
-          <a:p>
-            <a:r>
-              <a:rPr lang="en-US" dirty="0"/>
-              <a:t>Presentation Title</a:t>
-            </a:r>
-          </a:p>
-        </p:txBody>
-      </p:sp>
-      <p:sp>
-        <p:nvSpPr>
-          <p:cNvPr id="3" name="Subtitle 2"/>
-          <p:cNvSpPr>
-            <a:spLocks noGrp="1"/>
-          </p:cNvSpPr>
-          <p:nvPr>
-            <p:ph type="subTitle" idx="1" hasCustomPrompt="1"/>
-          </p:nvPr>
-        </p:nvSpPr>
-        <p:spPr>
-          <a:xfrm>
-            <a:off x="605367" y="3509434"/>
-            <a:ext cx="10981267" cy="757767"/>
-          </a:xfrm>
-        </p:spPr>
-        <p:txBody>
-          <a:bodyPr/>
+          <a:bodyPr anchor="ctr"/>
           <a:lstStyle>
             <a:lvl1pPr marL="0" marR="0" indent="0" algn="ctr" defTabSz="1219170" rtl="0" eaLnBrk="1" fontAlgn="auto" latinLnBrk="0" hangingPunct="1">
               <a:lnSpc>
-                <a:spcPts val="2133"/>
+                <a:spcPct val="90000"/>
               </a:lnSpc>
               <a:spcBef>
                 <a:spcPts val="1333"/>
@@ -2019,216 +3193,104 @@
               <a:spcAft>
                 <a:spcPts val="0"/>
               </a:spcAft>
-              <a:buClrTx/>
-              <a:buSzTx/>
-              <a:buFont typeface="Arial"/>
+              <a:buClr>
+                <a:schemeClr val="bg2">
+                  <a:lumMod val="50000"/>
+                </a:schemeClr>
+              </a:buClr>
+              <a:buSzPct val="90000"/>
+              <a:buFontTx/>
               <a:buNone/>
-              <a:tabLst/>
-              <a:defRPr sz="2400" baseline="0">
+              <a:tabLst>
+                <a:tab pos="243834" algn="l"/>
+              </a:tabLst>
+              <a:defRPr sz="3200">
                 <a:solidFill>
                   <a:schemeClr val="bg1"/>
                 </a:solidFill>
               </a:defRPr>
             </a:lvl1pPr>
-            <a:lvl2pPr marL="609585" indent="0" algn="ctr">
-              <a:buNone/>
-              <a:defRPr sz="2667"/>
+            <a:lvl2pPr algn="ctr">
+              <a:defRPr>
+                <a:solidFill>
+                  <a:schemeClr val="bg1">
+                    <a:lumMod val="95000"/>
+                  </a:schemeClr>
+                </a:solidFill>
+              </a:defRPr>
             </a:lvl2pPr>
-            <a:lvl3pPr marL="1219170" indent="0" algn="ctr">
-              <a:buNone/>
-              <a:defRPr sz="2400"/>
+            <a:lvl3pPr algn="ctr">
+              <a:defRPr>
+                <a:solidFill>
+                  <a:schemeClr val="bg1">
+                    <a:lumMod val="95000"/>
+                  </a:schemeClr>
+                </a:solidFill>
+              </a:defRPr>
             </a:lvl3pPr>
-            <a:lvl4pPr marL="1828754" indent="0" algn="ctr">
-              <a:buNone/>
-              <a:defRPr sz="2133"/>
+            <a:lvl4pPr algn="ctr">
+              <a:defRPr>
+                <a:solidFill>
+                  <a:schemeClr val="bg1">
+                    <a:lumMod val="95000"/>
+                  </a:schemeClr>
+                </a:solidFill>
+              </a:defRPr>
             </a:lvl4pPr>
-            <a:lvl5pPr marL="2438339" indent="0" algn="ctr">
-              <a:buNone/>
-              <a:defRPr sz="2133"/>
+            <a:lvl5pPr algn="ctr">
+              <a:defRPr>
+                <a:solidFill>
+                  <a:schemeClr val="bg1">
+                    <a:lumMod val="95000"/>
+                  </a:schemeClr>
+                </a:solidFill>
+              </a:defRPr>
             </a:lvl5pPr>
-            <a:lvl6pPr marL="3047924" indent="0" algn="ctr">
-              <a:buNone/>
-              <a:defRPr sz="2133"/>
-            </a:lvl6pPr>
-            <a:lvl7pPr marL="3657509" indent="0" algn="ctr">
-              <a:buNone/>
-              <a:defRPr sz="2133"/>
-            </a:lvl7pPr>
-            <a:lvl8pPr marL="4267093" indent="0" algn="ctr">
-              <a:buNone/>
-              <a:defRPr sz="2133"/>
-            </a:lvl8pPr>
-            <a:lvl9pPr marL="4876678" indent="0" algn="ctr">
-              <a:buNone/>
-              <a:defRPr sz="2133"/>
-            </a:lvl9pPr>
           </a:lstStyle>
           <a:p>
-            <a:r>
-              <a:rPr lang="en-US" dirty="0"/>
-              <a:t>Subhead</a:t>
-            </a:r>
-          </a:p>
-        </p:txBody>
-      </p:sp>
-      <p:sp>
-        <p:nvSpPr>
-          <p:cNvPr id="17" name="Text Placeholder 16"/>
-          <p:cNvSpPr>
-            <a:spLocks noGrp="1"/>
-          </p:cNvSpPr>
-          <p:nvPr>
-            <p:ph type="body" sz="quarter" idx="12" hasCustomPrompt="1"/>
-          </p:nvPr>
-        </p:nvSpPr>
-        <p:spPr>
-          <a:xfrm>
-            <a:off x="605367" y="4631266"/>
-            <a:ext cx="10981267" cy="414868"/>
-          </a:xfrm>
-        </p:spPr>
-        <p:txBody>
-          <a:bodyPr/>
-          <a:lstStyle>
-            <a:lvl1pPr marL="0" marR="0" indent="0" algn="ctr" defTabSz="1219170" rtl="0" eaLnBrk="1" fontAlgn="auto" latinLnBrk="0" hangingPunct="1">
+            <a:pPr marL="0" marR="0" lvl="0" indent="0" algn="ctr" defTabSz="1219170" rtl="0" eaLnBrk="1" fontAlgn="auto" latinLnBrk="0" hangingPunct="1">
               <a:lnSpc>
-                <a:spcPct val="100000"/>
+                <a:spcPct val="90000"/>
               </a:lnSpc>
               <a:spcBef>
-                <a:spcPts val="533"/>
+                <a:spcPts val="1333"/>
               </a:spcBef>
               <a:spcAft>
-                <a:spcPts val="800"/>
+                <a:spcPts val="0"/>
               </a:spcAft>
               <a:buClr>
                 <a:schemeClr val="bg2">
                   <a:lumMod val="50000"/>
                 </a:schemeClr>
               </a:buClr>
-              <a:buSzPct val="70000"/>
-              <a:buFont typeface="Wingdings" charset="2"/>
-              <a:buNone/>
-              <a:tabLst>
-                <a:tab pos="243411" algn="l"/>
-                <a:tab pos="4944410" algn="l"/>
-              </a:tabLst>
-              <a:defRPr sz="2133">
-                <a:solidFill>
-                  <a:schemeClr val="bg2">
-                    <a:lumMod val="50000"/>
-                  </a:schemeClr>
-                </a:solidFill>
-              </a:defRPr>
-            </a:lvl1pPr>
-          </a:lstStyle>
-          <a:p>
-            <a:pPr algn="ctr">
-              <a:spcAft>
-                <a:spcPts val="600"/>
-              </a:spcAft>
-            </a:pPr>
-            <a:r>
-              <a:rPr lang="en-US" dirty="0">
-                <a:solidFill>
-                  <a:schemeClr val="tx1">
-                    <a:lumMod val="50000"/>
-                    <a:lumOff val="50000"/>
-                  </a:schemeClr>
-                </a:solidFill>
-              </a:rPr>
-              <a:t>Speaker</a:t>
-            </a:r>
-            <a:endParaRPr lang="en-US" sz="1867" dirty="0">
-              <a:solidFill>
-                <a:schemeClr val="bg1">
-                  <a:lumMod val="65000"/>
-                </a:schemeClr>
-              </a:solidFill>
-            </a:endParaRPr>
-          </a:p>
-        </p:txBody>
-      </p:sp>
-      <p:sp>
-        <p:nvSpPr>
-          <p:cNvPr id="21" name="Text Placeholder 20"/>
-          <p:cNvSpPr>
-            <a:spLocks noGrp="1"/>
-          </p:cNvSpPr>
-          <p:nvPr>
-            <p:ph type="body" sz="quarter" idx="13" hasCustomPrompt="1"/>
-          </p:nvPr>
-        </p:nvSpPr>
-        <p:spPr>
-          <a:xfrm>
-            <a:off x="605367" y="5046134"/>
-            <a:ext cx="10981267" cy="463551"/>
-          </a:xfrm>
-        </p:spPr>
-        <p:txBody>
-          <a:bodyPr/>
-          <a:lstStyle>
-            <a:lvl1pPr marL="0" marR="0" indent="0" algn="ctr" defTabSz="1219170" rtl="0" eaLnBrk="1" fontAlgn="auto" latinLnBrk="0" hangingPunct="1">
-              <a:lnSpc>
-                <a:spcPct val="100000"/>
-              </a:lnSpc>
-              <a:spcBef>
-                <a:spcPts val="533"/>
-              </a:spcBef>
-              <a:spcAft>
-                <a:spcPts val="800"/>
-              </a:spcAft>
-              <a:buClr>
-                <a:schemeClr val="bg2">
-                  <a:lumMod val="50000"/>
-                </a:schemeClr>
-              </a:buClr>
-              <a:buSzPct val="70000"/>
-              <a:buFont typeface="Wingdings" charset="2"/>
+              <a:buSzPct val="90000"/>
+              <a:buFontTx/>
               <a:buNone/>
               <a:tabLst>
                 <a:tab pos="243834" algn="l"/>
               </a:tabLst>
-              <a:defRPr sz="1867">
-                <a:solidFill>
-                  <a:schemeClr val="bg2">
-                    <a:lumMod val="50000"/>
-                  </a:schemeClr>
-                </a:solidFill>
-              </a:defRPr>
-            </a:lvl1pPr>
-          </a:lstStyle>
-          <a:p>
-            <a:pPr>
-              <a:spcAft>
-                <a:spcPts val="600"/>
-              </a:spcAft>
+              <a:defRPr/>
             </a:pPr>
             <a:r>
-              <a:rPr lang="en-US" dirty="0">
-                <a:solidFill>
-                  <a:schemeClr val="bg1">
-                    <a:lumMod val="65000"/>
-                  </a:schemeClr>
-                </a:solidFill>
-              </a:rPr>
-              <a:t>Title</a:t>
+              <a:rPr lang="en-US" dirty="0"/>
+              <a:t>Topic Divider</a:t>
             </a:r>
           </a:p>
         </p:txBody>
       </p:sp>
       <p:pic>
         <p:nvPicPr>
-          <p:cNvPr id="11" name="Picture 10"/>
+          <p:cNvPr id="8" name="Picture 7"/>
           <p:cNvPicPr>
             <a:picLocks noChangeAspect="1"/>
           </p:cNvPicPr>
           <p:nvPr/>
         </p:nvPicPr>
         <p:blipFill>
-          <a:blip r:embed="rId2" cstate="screen">
+          <a:blip r:embed="rId2">
             <a:extLst>
               <a:ext uri="{28A0092B-C50C-407E-A947-70E740481C1C}">
-                <a14:useLocalDpi xmlns:a14="http://schemas.microsoft.com/office/drawing/2010/main"/>
+                <a14:useLocalDpi xmlns:a14="http://schemas.microsoft.com/office/drawing/2010/main" val="0"/>
               </a:ext>
             </a:extLst>
           </a:blip>
@@ -2238,8 +3300,8 @@
         </p:blipFill>
         <p:spPr>
           <a:xfrm>
-            <a:off x="615165" y="6324601"/>
-            <a:ext cx="1418891" cy="343808"/>
+            <a:off x="615166" y="6324601"/>
+            <a:ext cx="1418889" cy="343808"/>
           </a:xfrm>
           <a:prstGeom prst="rect">
             <a:avLst/>
@@ -2248,7 +3310,7 @@
       </p:pic>
       <p:sp>
         <p:nvSpPr>
-          <p:cNvPr id="10" name="Footer Placeholder 3"/>
+          <p:cNvPr id="7" name="Footer Placeholder 3"/>
           <p:cNvSpPr txBox="1">
             <a:spLocks/>
           </p:cNvSpPr>
@@ -2364,28 +3426,370 @@
           </a:lstStyle>
           <a:p>
             <a:r>
-              <a:rPr lang="en-US" sz="1333" dirty="0" err="1"/>
+              <a:rPr lang="en-US" sz="1333" dirty="0" err="1">
+                <a:solidFill>
+                  <a:schemeClr val="bg1"/>
+                </a:solidFill>
+              </a:rPr>
               <a:t>ni.com</a:t>
             </a:r>
-            <a:endParaRPr lang="en-US" sz="1333" dirty="0"/>
+            <a:endParaRPr lang="en-US" sz="1333" dirty="0">
+              <a:solidFill>
+                <a:schemeClr val="bg1"/>
+              </a:solidFill>
+            </a:endParaRPr>
           </a:p>
         </p:txBody>
       </p:sp>
     </p:spTree>
     <p:extLst>
       <p:ext uri="{BB962C8B-B14F-4D97-AF65-F5344CB8AC3E}">
-        <p14:creationId xmlns:p14="http://schemas.microsoft.com/office/powerpoint/2010/main" val="3867729335"/>
+        <p14:creationId xmlns:p14="http://schemas.microsoft.com/office/powerpoint/2010/main" val="2190614506"/>
       </p:ext>
     </p:extLst>
   </p:cSld>
   <p:clrMapOvr>
     <a:masterClrMapping/>
   </p:clrMapOvr>
+  <p:extLst mod="1">
+    <p:ext uri="{DCECCB84-F9BA-43D5-87BE-67443E8EF086}">
+      <p15:sldGuideLst xmlns:p15="http://schemas.microsoft.com/office/powerpoint/2012/main">
+        <p15:guide id="2" pos="2880">
+          <p15:clr>
+            <a:srgbClr val="FBAE40"/>
+          </p15:clr>
+        </p15:guide>
+      </p15:sldGuideLst>
+    </p:ext>
+  </p:extLst>
 </p:sldLayout>
 </file>
 
-<file path=ppt/slideLayouts/slideLayout2.xml><?xml version="1.0" encoding="utf-8"?>
-<p:sldLayout xmlns:a="http://schemas.openxmlformats.org/drawingml/2006/main" xmlns:r="http://schemas.openxmlformats.org/officeDocument/2006/relationships" xmlns:p="http://schemas.openxmlformats.org/presentationml/2006/main" type="obj" preserve="1">
+<file path=ppt/slideLayouts/slideLayout18.xml><?xml version="1.0" encoding="utf-8"?>
+<p:sldLayout xmlns:a="http://schemas.openxmlformats.org/drawingml/2006/main" xmlns:r="http://schemas.openxmlformats.org/officeDocument/2006/relationships" xmlns:p="http://schemas.openxmlformats.org/presentationml/2006/main" showMasterSp="0" preserve="1">
+  <p:cSld name="External_Resource Link">
+    <p:spTree>
+      <p:nvGrpSpPr>
+        <p:cNvPr id="1" name=""/>
+        <p:cNvGrpSpPr/>
+        <p:nvPr/>
+      </p:nvGrpSpPr>
+      <p:grpSpPr>
+        <a:xfrm>
+          <a:off x="0" y="0"/>
+          <a:ext cx="0" cy="0"/>
+          <a:chOff x="0" y="0"/>
+          <a:chExt cx="0" cy="0"/>
+        </a:xfrm>
+      </p:grpSpPr>
+      <p:sp>
+        <p:nvSpPr>
+          <p:cNvPr id="6" name="Rectangle 5"/>
+          <p:cNvSpPr/>
+          <p:nvPr/>
+        </p:nvSpPr>
+        <p:spPr>
+          <a:xfrm>
+            <a:off x="0" y="0"/>
+            <a:ext cx="12203992" cy="6858000"/>
+          </a:xfrm>
+          <a:prstGeom prst="rect">
+            <a:avLst/>
+          </a:prstGeom>
+          <a:solidFill>
+            <a:srgbClr val="0A60A3"/>
+          </a:solidFill>
+          <a:ln>
+            <a:noFill/>
+          </a:ln>
+          <a:effectLst/>
+        </p:spPr>
+        <p:style>
+          <a:lnRef idx="1">
+            <a:schemeClr val="accent1"/>
+          </a:lnRef>
+          <a:fillRef idx="3">
+            <a:schemeClr val="accent1"/>
+          </a:fillRef>
+          <a:effectRef idx="2">
+            <a:schemeClr val="accent1"/>
+          </a:effectRef>
+          <a:fontRef idx="minor">
+            <a:schemeClr val="lt1"/>
+          </a:fontRef>
+        </p:style>
+        <p:txBody>
+          <a:bodyPr rtlCol="0" anchor="ctr"/>
+          <a:lstStyle/>
+          <a:p>
+            <a:pPr algn="ctr"/>
+            <a:endParaRPr lang="en-US" sz="2400"/>
+          </a:p>
+        </p:txBody>
+      </p:sp>
+      <p:sp>
+        <p:nvSpPr>
+          <p:cNvPr id="4" name="Text Placeholder 3"/>
+          <p:cNvSpPr>
+            <a:spLocks noGrp="1"/>
+          </p:cNvSpPr>
+          <p:nvPr>
+            <p:ph type="body" sz="quarter" idx="10" hasCustomPrompt="1"/>
+          </p:nvPr>
+        </p:nvSpPr>
+        <p:spPr>
+          <a:xfrm>
+            <a:off x="1" y="2766484"/>
+            <a:ext cx="12204700" cy="1109133"/>
+          </a:xfrm>
+        </p:spPr>
+        <p:txBody>
+          <a:bodyPr anchor="ctr"/>
+          <a:lstStyle>
+            <a:lvl1pPr marL="0" indent="0" algn="ctr">
+              <a:buFontTx/>
+              <a:buNone/>
+              <a:defRPr sz="3200">
+                <a:solidFill>
+                  <a:schemeClr val="bg1"/>
+                </a:solidFill>
+              </a:defRPr>
+            </a:lvl1pPr>
+            <a:lvl2pPr algn="ctr">
+              <a:defRPr>
+                <a:solidFill>
+                  <a:schemeClr val="bg1">
+                    <a:lumMod val="95000"/>
+                  </a:schemeClr>
+                </a:solidFill>
+              </a:defRPr>
+            </a:lvl2pPr>
+            <a:lvl3pPr algn="ctr">
+              <a:defRPr>
+                <a:solidFill>
+                  <a:schemeClr val="bg1">
+                    <a:lumMod val="95000"/>
+                  </a:schemeClr>
+                </a:solidFill>
+              </a:defRPr>
+            </a:lvl3pPr>
+            <a:lvl4pPr algn="ctr">
+              <a:defRPr>
+                <a:solidFill>
+                  <a:schemeClr val="bg1">
+                    <a:lumMod val="95000"/>
+                  </a:schemeClr>
+                </a:solidFill>
+              </a:defRPr>
+            </a:lvl4pPr>
+            <a:lvl5pPr algn="ctr">
+              <a:defRPr>
+                <a:solidFill>
+                  <a:schemeClr val="bg1">
+                    <a:lumMod val="95000"/>
+                  </a:schemeClr>
+                </a:solidFill>
+              </a:defRPr>
+            </a:lvl5pPr>
+          </a:lstStyle>
+          <a:p>
+            <a:pPr lvl="0"/>
+            <a:r>
+              <a:rPr lang="en-US" dirty="0"/>
+              <a:t>Resource Link</a:t>
+            </a:r>
+          </a:p>
+        </p:txBody>
+      </p:sp>
+      <p:pic>
+        <p:nvPicPr>
+          <p:cNvPr id="8" name="Picture 7"/>
+          <p:cNvPicPr>
+            <a:picLocks noChangeAspect="1"/>
+          </p:cNvPicPr>
+          <p:nvPr/>
+        </p:nvPicPr>
+        <p:blipFill>
+          <a:blip r:embed="rId2">
+            <a:extLst>
+              <a:ext uri="{28A0092B-C50C-407E-A947-70E740481C1C}">
+                <a14:useLocalDpi xmlns:a14="http://schemas.microsoft.com/office/drawing/2010/main" val="0"/>
+              </a:ext>
+            </a:extLst>
+          </a:blip>
+          <a:stretch>
+            <a:fillRect/>
+          </a:stretch>
+        </p:blipFill>
+        <p:spPr>
+          <a:xfrm>
+            <a:off x="615166" y="6324601"/>
+            <a:ext cx="1418889" cy="343808"/>
+          </a:xfrm>
+          <a:prstGeom prst="rect">
+            <a:avLst/>
+          </a:prstGeom>
+        </p:spPr>
+      </p:pic>
+      <p:sp>
+        <p:nvSpPr>
+          <p:cNvPr id="7" name="Footer Placeholder 3"/>
+          <p:cNvSpPr txBox="1">
+            <a:spLocks/>
+          </p:cNvSpPr>
+          <p:nvPr/>
+        </p:nvSpPr>
+        <p:spPr>
+          <a:xfrm>
+            <a:off x="9593112" y="6392672"/>
+            <a:ext cx="2002985" cy="267608"/>
+          </a:xfrm>
+          <a:prstGeom prst="rect">
+            <a:avLst/>
+          </a:prstGeom>
+        </p:spPr>
+        <p:txBody>
+          <a:bodyPr vert="horz" lIns="0" tIns="60960" rIns="0" bIns="60960" rtlCol="0" anchor="ctr"/>
+          <a:lstStyle>
+            <a:defPPr>
+              <a:defRPr lang="en-US"/>
+            </a:defPPr>
+            <a:lvl1pPr marL="0" algn="r" defTabSz="457174" rtl="0" eaLnBrk="1" latinLnBrk="0" hangingPunct="1">
+              <a:defRPr sz="1200" kern="1200">
+                <a:solidFill>
+                  <a:schemeClr val="tx1">
+                    <a:tint val="75000"/>
+                  </a:schemeClr>
+                </a:solidFill>
+                <a:latin typeface="+mn-lt"/>
+                <a:ea typeface="+mn-ea"/>
+                <a:cs typeface="+mn-cs"/>
+              </a:defRPr>
+            </a:lvl1pPr>
+            <a:lvl2pPr marL="457174" algn="l" defTabSz="457174" rtl="0" eaLnBrk="1" latinLnBrk="0" hangingPunct="1">
+              <a:defRPr sz="1800" kern="1200">
+                <a:solidFill>
+                  <a:schemeClr val="tx1"/>
+                </a:solidFill>
+                <a:latin typeface="+mn-lt"/>
+                <a:ea typeface="+mn-ea"/>
+                <a:cs typeface="+mn-cs"/>
+              </a:defRPr>
+            </a:lvl2pPr>
+            <a:lvl3pPr marL="914348" algn="l" defTabSz="457174" rtl="0" eaLnBrk="1" latinLnBrk="0" hangingPunct="1">
+              <a:defRPr sz="1800" kern="1200">
+                <a:solidFill>
+                  <a:schemeClr val="tx1"/>
+                </a:solidFill>
+                <a:latin typeface="+mn-lt"/>
+                <a:ea typeface="+mn-ea"/>
+                <a:cs typeface="+mn-cs"/>
+              </a:defRPr>
+            </a:lvl3pPr>
+            <a:lvl4pPr marL="1371523" algn="l" defTabSz="457174" rtl="0" eaLnBrk="1" latinLnBrk="0" hangingPunct="1">
+              <a:defRPr sz="1800" kern="1200">
+                <a:solidFill>
+                  <a:schemeClr val="tx1"/>
+                </a:solidFill>
+                <a:latin typeface="+mn-lt"/>
+                <a:ea typeface="+mn-ea"/>
+                <a:cs typeface="+mn-cs"/>
+              </a:defRPr>
+            </a:lvl4pPr>
+            <a:lvl5pPr marL="1828698" algn="l" defTabSz="457174" rtl="0" eaLnBrk="1" latinLnBrk="0" hangingPunct="1">
+              <a:defRPr sz="1800" kern="1200">
+                <a:solidFill>
+                  <a:schemeClr val="tx1"/>
+                </a:solidFill>
+                <a:latin typeface="+mn-lt"/>
+                <a:ea typeface="+mn-ea"/>
+                <a:cs typeface="+mn-cs"/>
+              </a:defRPr>
+            </a:lvl5pPr>
+            <a:lvl6pPr marL="2285872" algn="l" defTabSz="457174" rtl="0" eaLnBrk="1" latinLnBrk="0" hangingPunct="1">
+              <a:defRPr sz="1800" kern="1200">
+                <a:solidFill>
+                  <a:schemeClr val="tx1"/>
+                </a:solidFill>
+                <a:latin typeface="+mn-lt"/>
+                <a:ea typeface="+mn-ea"/>
+                <a:cs typeface="+mn-cs"/>
+              </a:defRPr>
+            </a:lvl6pPr>
+            <a:lvl7pPr marL="2743046" algn="l" defTabSz="457174" rtl="0" eaLnBrk="1" latinLnBrk="0" hangingPunct="1">
+              <a:defRPr sz="1800" kern="1200">
+                <a:solidFill>
+                  <a:schemeClr val="tx1"/>
+                </a:solidFill>
+                <a:latin typeface="+mn-lt"/>
+                <a:ea typeface="+mn-ea"/>
+                <a:cs typeface="+mn-cs"/>
+              </a:defRPr>
+            </a:lvl7pPr>
+            <a:lvl8pPr marL="3200220" algn="l" defTabSz="457174" rtl="0" eaLnBrk="1" latinLnBrk="0" hangingPunct="1">
+              <a:defRPr sz="1800" kern="1200">
+                <a:solidFill>
+                  <a:schemeClr val="tx1"/>
+                </a:solidFill>
+                <a:latin typeface="+mn-lt"/>
+                <a:ea typeface="+mn-ea"/>
+                <a:cs typeface="+mn-cs"/>
+              </a:defRPr>
+            </a:lvl8pPr>
+            <a:lvl9pPr marL="3657394" algn="l" defTabSz="457174" rtl="0" eaLnBrk="1" latinLnBrk="0" hangingPunct="1">
+              <a:defRPr sz="1800" kern="1200">
+                <a:solidFill>
+                  <a:schemeClr val="tx1"/>
+                </a:solidFill>
+                <a:latin typeface="+mn-lt"/>
+                <a:ea typeface="+mn-ea"/>
+                <a:cs typeface="+mn-cs"/>
+              </a:defRPr>
+            </a:lvl9pPr>
+          </a:lstStyle>
+          <a:p>
+            <a:r>
+              <a:rPr lang="en-US" sz="1333" dirty="0" err="1">
+                <a:solidFill>
+                  <a:schemeClr val="bg1"/>
+                </a:solidFill>
+              </a:rPr>
+              <a:t>ni.com</a:t>
+            </a:r>
+            <a:endParaRPr lang="en-US" sz="1333" dirty="0">
+              <a:solidFill>
+                <a:schemeClr val="bg1"/>
+              </a:solidFill>
+            </a:endParaRPr>
+          </a:p>
+        </p:txBody>
+      </p:sp>
+    </p:spTree>
+    <p:extLst>
+      <p:ext uri="{BB962C8B-B14F-4D97-AF65-F5344CB8AC3E}">
+        <p14:creationId xmlns:p14="http://schemas.microsoft.com/office/powerpoint/2010/main" val="4053081804"/>
+      </p:ext>
+    </p:extLst>
+  </p:cSld>
+  <p:clrMapOvr>
+    <a:masterClrMapping/>
+  </p:clrMapOvr>
+  <p:extLst mod="1">
+    <p:ext uri="{DCECCB84-F9BA-43D5-87BE-67443E8EF086}">
+      <p15:sldGuideLst xmlns:p15="http://schemas.microsoft.com/office/powerpoint/2012/main">
+        <p15:guide id="2" pos="2880">
+          <p15:clr>
+            <a:srgbClr val="FBAE40"/>
+          </p15:clr>
+        </p15:guide>
+      </p15:sldGuideLst>
+    </p:ext>
+  </p:extLst>
+</p:sldLayout>
+</file>
+
+<file path=ppt/slideLayouts/slideLayout19.xml><?xml version="1.0" encoding="utf-8"?>
+<p:sldLayout xmlns:a="http://schemas.openxmlformats.org/drawingml/2006/main" xmlns:r="http://schemas.openxmlformats.org/officeDocument/2006/relationships" xmlns:p="http://schemas.openxmlformats.org/presentationml/2006/main" type="obj">
   <p:cSld name="Title and Content">
     <p:spTree>
       <p:nvGrpSpPr>
@@ -2509,7 +3913,7 @@
           <a:p>
             <a:fld id="{C328AB28-8CF8-4FDA-851D-B8A8B08C8597}" type="datetimeFigureOut">
               <a:rPr lang="en-US" smtClean="0"/>
-              <a:t>2018-06-18</a:t>
+              <a:t>2018-06-27</a:t>
             </a:fld>
             <a:endParaRPr lang="en-US"/>
           </a:p>
@@ -2572,7 +3976,7 @@
     </p:spTree>
     <p:extLst>
       <p:ext uri="{BB962C8B-B14F-4D97-AF65-F5344CB8AC3E}">
-        <p14:creationId xmlns:p14="http://schemas.microsoft.com/office/powerpoint/2010/main" val="785502662"/>
+        <p14:creationId xmlns:p14="http://schemas.microsoft.com/office/powerpoint/2010/main" val="1660744049"/>
       </p:ext>
     </p:extLst>
   </p:cSld>
@@ -2582,9 +3986,17 @@
 </p:sldLayout>
 </file>
 
-<file path=ppt/slideLayouts/slideLayout3.xml><?xml version="1.0" encoding="utf-8"?>
-<p:sldLayout xmlns:a="http://schemas.openxmlformats.org/drawingml/2006/main" xmlns:r="http://schemas.openxmlformats.org/officeDocument/2006/relationships" xmlns:p="http://schemas.openxmlformats.org/presentationml/2006/main" type="secHead" preserve="1">
-  <p:cSld name="Section Header">
+<file path=ppt/slideLayouts/slideLayout2.xml><?xml version="1.0" encoding="utf-8"?>
+<p:sldLayout xmlns:a="http://schemas.openxmlformats.org/drawingml/2006/main" xmlns:r="http://schemas.openxmlformats.org/officeDocument/2006/relationships" xmlns:p="http://schemas.openxmlformats.org/presentationml/2006/main" showMasterSp="0" preserve="1">
+  <p:cSld name="External_Title Slide">
+    <p:bg>
+      <p:bgPr>
+        <a:solidFill>
+          <a:schemeClr val="bg1"/>
+        </a:solidFill>
+        <a:effectLst/>
+      </p:bgPr>
+    </p:bg>
     <p:spTree>
       <p:nvGrpSpPr>
         <p:cNvPr id="1" name=""/>
@@ -2601,253 +4013,469 @@
       </p:grpSpPr>
       <p:sp>
         <p:nvSpPr>
-          <p:cNvPr id="2" name="Title 1">
+          <p:cNvPr id="7" name="Rectangle 6"/>
+          <p:cNvSpPr/>
+          <p:nvPr/>
+        </p:nvSpPr>
+        <p:spPr>
+          <a:xfrm>
+            <a:off x="0" y="2"/>
+            <a:ext cx="12203992" cy="4375505"/>
+          </a:xfrm>
+          <a:prstGeom prst="rect">
+            <a:avLst/>
+          </a:prstGeom>
+          <a:solidFill>
+            <a:srgbClr val="0A60A3"/>
+          </a:solidFill>
+          <a:ln>
+            <a:noFill/>
+          </a:ln>
+          <a:effectLst/>
+        </p:spPr>
+        <p:style>
+          <a:lnRef idx="1">
+            <a:schemeClr val="accent1"/>
+          </a:lnRef>
+          <a:fillRef idx="3">
+            <a:schemeClr val="accent1"/>
+          </a:fillRef>
+          <a:effectRef idx="2">
+            <a:schemeClr val="accent1"/>
+          </a:effectRef>
+          <a:fontRef idx="minor">
+            <a:schemeClr val="lt1"/>
+          </a:fontRef>
+        </p:style>
+        <p:txBody>
+          <a:bodyPr lIns="0" rIns="0" rtlCol="0" anchor="ctr"/>
+          <a:lstStyle/>
+          <a:p>
+            <a:pPr algn="ctr"/>
+            <a:endParaRPr lang="en-US" sz="2400"/>
+          </a:p>
+        </p:txBody>
+      </p:sp>
+      <p:sp>
+        <p:nvSpPr>
+          <p:cNvPr id="2" name="Title 1"/>
+          <p:cNvSpPr>
+            <a:spLocks noGrp="1"/>
+          </p:cNvSpPr>
+          <p:nvPr>
+            <p:ph type="ctrTitle" hasCustomPrompt="1"/>
+          </p:nvPr>
+        </p:nvSpPr>
+        <p:spPr>
+          <a:xfrm>
+            <a:off x="605368" y="1121833"/>
+            <a:ext cx="10981265" cy="2387600"/>
+          </a:xfrm>
+        </p:spPr>
+        <p:txBody>
+          <a:bodyPr anchor="b"/>
+          <a:lstStyle>
+            <a:lvl1pPr algn="ctr">
+              <a:defRPr sz="3733" baseline="0">
+                <a:solidFill>
+                  <a:schemeClr val="bg1"/>
+                </a:solidFill>
+              </a:defRPr>
+            </a:lvl1pPr>
+          </a:lstStyle>
+          <a:p>
+            <a:r>
+              <a:rPr lang="en-US" dirty="0"/>
+              <a:t>Presentation Title</a:t>
+            </a:r>
+          </a:p>
+        </p:txBody>
+      </p:sp>
+      <p:sp>
+        <p:nvSpPr>
+          <p:cNvPr id="3" name="Subtitle 2"/>
+          <p:cNvSpPr>
+            <a:spLocks noGrp="1"/>
+          </p:cNvSpPr>
+          <p:nvPr>
+            <p:ph type="subTitle" idx="1" hasCustomPrompt="1"/>
+          </p:nvPr>
+        </p:nvSpPr>
+        <p:spPr>
+          <a:xfrm>
+            <a:off x="605367" y="3509434"/>
+            <a:ext cx="10981267" cy="757767"/>
+          </a:xfrm>
+        </p:spPr>
+        <p:txBody>
+          <a:bodyPr/>
+          <a:lstStyle>
+            <a:lvl1pPr marL="0" marR="0" indent="0" algn="ctr" defTabSz="1219170" rtl="0" eaLnBrk="1" fontAlgn="auto" latinLnBrk="0" hangingPunct="1">
+              <a:lnSpc>
+                <a:spcPts val="2133"/>
+              </a:lnSpc>
+              <a:spcBef>
+                <a:spcPts val="1333"/>
+              </a:spcBef>
+              <a:spcAft>
+                <a:spcPts val="0"/>
+              </a:spcAft>
+              <a:buClrTx/>
+              <a:buSzTx/>
+              <a:buFont typeface="Arial"/>
+              <a:buNone/>
+              <a:tabLst/>
+              <a:defRPr sz="2400" baseline="0">
+                <a:solidFill>
+                  <a:schemeClr val="bg1"/>
+                </a:solidFill>
+              </a:defRPr>
+            </a:lvl1pPr>
+            <a:lvl2pPr marL="609585" indent="0" algn="ctr">
+              <a:buNone/>
+              <a:defRPr sz="2667"/>
+            </a:lvl2pPr>
+            <a:lvl3pPr marL="1219170" indent="0" algn="ctr">
+              <a:buNone/>
+              <a:defRPr sz="2400"/>
+            </a:lvl3pPr>
+            <a:lvl4pPr marL="1828754" indent="0" algn="ctr">
+              <a:buNone/>
+              <a:defRPr sz="2133"/>
+            </a:lvl4pPr>
+            <a:lvl5pPr marL="2438339" indent="0" algn="ctr">
+              <a:buNone/>
+              <a:defRPr sz="2133"/>
+            </a:lvl5pPr>
+            <a:lvl6pPr marL="3047924" indent="0" algn="ctr">
+              <a:buNone/>
+              <a:defRPr sz="2133"/>
+            </a:lvl6pPr>
+            <a:lvl7pPr marL="3657509" indent="0" algn="ctr">
+              <a:buNone/>
+              <a:defRPr sz="2133"/>
+            </a:lvl7pPr>
+            <a:lvl8pPr marL="4267093" indent="0" algn="ctr">
+              <a:buNone/>
+              <a:defRPr sz="2133"/>
+            </a:lvl8pPr>
+            <a:lvl9pPr marL="4876678" indent="0" algn="ctr">
+              <a:buNone/>
+              <a:defRPr sz="2133"/>
+            </a:lvl9pPr>
+          </a:lstStyle>
+          <a:p>
+            <a:r>
+              <a:rPr lang="en-US" dirty="0"/>
+              <a:t>Subhead</a:t>
+            </a:r>
+          </a:p>
+        </p:txBody>
+      </p:sp>
+      <p:sp>
+        <p:nvSpPr>
+          <p:cNvPr id="17" name="Text Placeholder 16"/>
+          <p:cNvSpPr>
+            <a:spLocks noGrp="1"/>
+          </p:cNvSpPr>
+          <p:nvPr>
+            <p:ph type="body" sz="quarter" idx="12" hasCustomPrompt="1"/>
+          </p:nvPr>
+        </p:nvSpPr>
+        <p:spPr>
+          <a:xfrm>
+            <a:off x="605367" y="4631266"/>
+            <a:ext cx="10981267" cy="414868"/>
+          </a:xfrm>
+        </p:spPr>
+        <p:txBody>
+          <a:bodyPr/>
+          <a:lstStyle>
+            <a:lvl1pPr marL="0" marR="0" indent="0" algn="ctr" defTabSz="1219170" rtl="0" eaLnBrk="1" fontAlgn="auto" latinLnBrk="0" hangingPunct="1">
+              <a:lnSpc>
+                <a:spcPct val="100000"/>
+              </a:lnSpc>
+              <a:spcBef>
+                <a:spcPts val="533"/>
+              </a:spcBef>
+              <a:spcAft>
+                <a:spcPts val="800"/>
+              </a:spcAft>
+              <a:buClr>
+                <a:schemeClr val="bg2">
+                  <a:lumMod val="50000"/>
+                </a:schemeClr>
+              </a:buClr>
+              <a:buSzPct val="70000"/>
+              <a:buFont typeface="Wingdings" charset="2"/>
+              <a:buNone/>
+              <a:tabLst>
+                <a:tab pos="243411" algn="l"/>
+                <a:tab pos="4944410" algn="l"/>
+              </a:tabLst>
+              <a:defRPr sz="2133">
+                <a:solidFill>
+                  <a:schemeClr val="bg2">
+                    <a:lumMod val="50000"/>
+                  </a:schemeClr>
+                </a:solidFill>
+              </a:defRPr>
+            </a:lvl1pPr>
+          </a:lstStyle>
+          <a:p>
+            <a:pPr algn="ctr">
+              <a:spcAft>
+                <a:spcPts val="600"/>
+              </a:spcAft>
+            </a:pPr>
+            <a:r>
+              <a:rPr lang="en-US" dirty="0">
+                <a:solidFill>
+                  <a:schemeClr val="tx1">
+                    <a:lumMod val="50000"/>
+                    <a:lumOff val="50000"/>
+                  </a:schemeClr>
+                </a:solidFill>
+              </a:rPr>
+              <a:t>Speaker</a:t>
+            </a:r>
+            <a:endParaRPr lang="en-US" sz="1867" dirty="0">
+              <a:solidFill>
+                <a:schemeClr val="bg1">
+                  <a:lumMod val="65000"/>
+                </a:schemeClr>
+              </a:solidFill>
+            </a:endParaRPr>
+          </a:p>
+        </p:txBody>
+      </p:sp>
+      <p:sp>
+        <p:nvSpPr>
+          <p:cNvPr id="21" name="Text Placeholder 20"/>
+          <p:cNvSpPr>
+            <a:spLocks noGrp="1"/>
+          </p:cNvSpPr>
+          <p:nvPr>
+            <p:ph type="body" sz="quarter" idx="13" hasCustomPrompt="1"/>
+          </p:nvPr>
+        </p:nvSpPr>
+        <p:spPr>
+          <a:xfrm>
+            <a:off x="605367" y="5046134"/>
+            <a:ext cx="10981267" cy="463551"/>
+          </a:xfrm>
+        </p:spPr>
+        <p:txBody>
+          <a:bodyPr/>
+          <a:lstStyle>
+            <a:lvl1pPr marL="0" marR="0" indent="0" algn="ctr" defTabSz="1219170" rtl="0" eaLnBrk="1" fontAlgn="auto" latinLnBrk="0" hangingPunct="1">
+              <a:lnSpc>
+                <a:spcPct val="100000"/>
+              </a:lnSpc>
+              <a:spcBef>
+                <a:spcPts val="533"/>
+              </a:spcBef>
+              <a:spcAft>
+                <a:spcPts val="800"/>
+              </a:spcAft>
+              <a:buClr>
+                <a:schemeClr val="bg2">
+                  <a:lumMod val="50000"/>
+                </a:schemeClr>
+              </a:buClr>
+              <a:buSzPct val="70000"/>
+              <a:buFont typeface="Wingdings" charset="2"/>
+              <a:buNone/>
+              <a:tabLst>
+                <a:tab pos="243834" algn="l"/>
+              </a:tabLst>
+              <a:defRPr sz="1867">
+                <a:solidFill>
+                  <a:schemeClr val="bg2">
+                    <a:lumMod val="50000"/>
+                  </a:schemeClr>
+                </a:solidFill>
+              </a:defRPr>
+            </a:lvl1pPr>
+          </a:lstStyle>
+          <a:p>
+            <a:pPr>
+              <a:spcAft>
+                <a:spcPts val="600"/>
+              </a:spcAft>
+            </a:pPr>
+            <a:r>
+              <a:rPr lang="en-US" dirty="0">
+                <a:solidFill>
+                  <a:schemeClr val="bg1">
+                    <a:lumMod val="65000"/>
+                  </a:schemeClr>
+                </a:solidFill>
+              </a:rPr>
+              <a:t>Title</a:t>
+            </a:r>
+          </a:p>
+        </p:txBody>
+      </p:sp>
+      <p:pic>
+        <p:nvPicPr>
+          <p:cNvPr id="11" name="Picture 10"/>
+          <p:cNvPicPr>
+            <a:picLocks noChangeAspect="1"/>
+          </p:cNvPicPr>
+          <p:nvPr/>
+        </p:nvPicPr>
+        <p:blipFill>
+          <a:blip r:embed="rId2" cstate="screen">
             <a:extLst>
-              <a:ext uri="{FF2B5EF4-FFF2-40B4-BE49-F238E27FC236}">
-                <a16:creationId xmlns:a16="http://schemas.microsoft.com/office/drawing/2014/main" id="{C7589F51-6258-4894-9B3B-E1BD24CDF5B4}"/>
+              <a:ext uri="{28A0092B-C50C-407E-A947-70E740481C1C}">
+                <a14:useLocalDpi xmlns:a14="http://schemas.microsoft.com/office/drawing/2010/main"/>
               </a:ext>
             </a:extLst>
-          </p:cNvPr>
-          <p:cNvSpPr>
-            <a:spLocks noGrp="1"/>
-          </p:cNvSpPr>
-          <p:nvPr>
-            <p:ph type="title"/>
-          </p:nvPr>
-        </p:nvSpPr>
+          </a:blip>
+          <a:stretch>
+            <a:fillRect/>
+          </a:stretch>
+        </p:blipFill>
         <p:spPr>
           <a:xfrm>
-            <a:off x="831850" y="1709738"/>
-            <a:ext cx="10515600" cy="2852737"/>
+            <a:off x="615165" y="6324601"/>
+            <a:ext cx="1418891" cy="343808"/>
           </a:xfrm>
+          <a:prstGeom prst="rect">
+            <a:avLst/>
+          </a:prstGeom>
         </p:spPr>
-        <p:txBody>
-          <a:bodyPr anchor="b"/>
-          <a:lstStyle>
-            <a:lvl1pPr>
-              <a:defRPr sz="6000"/>
-            </a:lvl1pPr>
-          </a:lstStyle>
-          <a:p>
-            <a:r>
-              <a:rPr lang="en-US"/>
-              <a:t>Click to edit Master title style</a:t>
-            </a:r>
-          </a:p>
-        </p:txBody>
-      </p:sp>
-      <p:sp>
-        <p:nvSpPr>
-          <p:cNvPr id="3" name="Text Placeholder 2">
-            <a:extLst>
-              <a:ext uri="{FF2B5EF4-FFF2-40B4-BE49-F238E27FC236}">
-                <a16:creationId xmlns:a16="http://schemas.microsoft.com/office/drawing/2014/main" id="{280D5059-310A-4DCB-8204-ECE784DA7700}"/>
-              </a:ext>
-            </a:extLst>
-          </p:cNvPr>
-          <p:cNvSpPr>
-            <a:spLocks noGrp="1"/>
-          </p:cNvSpPr>
-          <p:nvPr>
-            <p:ph type="body" idx="1"/>
-          </p:nvPr>
+      </p:pic>
+      <p:sp>
+        <p:nvSpPr>
+          <p:cNvPr id="10" name="Footer Placeholder 3"/>
+          <p:cNvSpPr txBox="1">
+            <a:spLocks/>
+          </p:cNvSpPr>
+          <p:nvPr/>
         </p:nvSpPr>
         <p:spPr>
           <a:xfrm>
-            <a:off x="831850" y="4589463"/>
-            <a:ext cx="10515600" cy="1500187"/>
+            <a:off x="9593112" y="6392672"/>
+            <a:ext cx="2002985" cy="267608"/>
           </a:xfrm>
+          <a:prstGeom prst="rect">
+            <a:avLst/>
+          </a:prstGeom>
         </p:spPr>
         <p:txBody>
-          <a:bodyPr/>
+          <a:bodyPr vert="horz" lIns="0" tIns="60960" rIns="0" bIns="60960" rtlCol="0" anchor="ctr"/>
           <a:lstStyle>
-            <a:lvl1pPr marL="0" indent="0">
-              <a:buNone/>
-              <a:defRPr sz="2400">
+            <a:defPPr>
+              <a:defRPr lang="en-US"/>
+            </a:defPPr>
+            <a:lvl1pPr marL="0" algn="r" defTabSz="457174" rtl="0" eaLnBrk="1" latinLnBrk="0" hangingPunct="1">
+              <a:defRPr sz="1200" kern="1200">
                 <a:solidFill>
                   <a:schemeClr val="tx1">
                     <a:tint val="75000"/>
                   </a:schemeClr>
                 </a:solidFill>
+                <a:latin typeface="+mn-lt"/>
+                <a:ea typeface="+mn-ea"/>
+                <a:cs typeface="+mn-cs"/>
               </a:defRPr>
             </a:lvl1pPr>
-            <a:lvl2pPr marL="457200" indent="0">
-              <a:buNone/>
-              <a:defRPr sz="2000">
+            <a:lvl2pPr marL="457174" algn="l" defTabSz="457174" rtl="0" eaLnBrk="1" latinLnBrk="0" hangingPunct="1">
+              <a:defRPr sz="1800" kern="1200">
                 <a:solidFill>
-                  <a:schemeClr val="tx1">
-                    <a:tint val="75000"/>
-                  </a:schemeClr>
+                  <a:schemeClr val="tx1"/>
                 </a:solidFill>
+                <a:latin typeface="+mn-lt"/>
+                <a:ea typeface="+mn-ea"/>
+                <a:cs typeface="+mn-cs"/>
               </a:defRPr>
             </a:lvl2pPr>
-            <a:lvl3pPr marL="914400" indent="0">
-              <a:buNone/>
-              <a:defRPr sz="1800">
+            <a:lvl3pPr marL="914348" algn="l" defTabSz="457174" rtl="0" eaLnBrk="1" latinLnBrk="0" hangingPunct="1">
+              <a:defRPr sz="1800" kern="1200">
                 <a:solidFill>
-                  <a:schemeClr val="tx1">
-                    <a:tint val="75000"/>
-                  </a:schemeClr>
+                  <a:schemeClr val="tx1"/>
                 </a:solidFill>
+                <a:latin typeface="+mn-lt"/>
+                <a:ea typeface="+mn-ea"/>
+                <a:cs typeface="+mn-cs"/>
               </a:defRPr>
             </a:lvl3pPr>
-            <a:lvl4pPr marL="1371600" indent="0">
-              <a:buNone/>
-              <a:defRPr sz="1600">
+            <a:lvl4pPr marL="1371523" algn="l" defTabSz="457174" rtl="0" eaLnBrk="1" latinLnBrk="0" hangingPunct="1">
+              <a:defRPr sz="1800" kern="1200">
                 <a:solidFill>
-                  <a:schemeClr val="tx1">
-                    <a:tint val="75000"/>
-                  </a:schemeClr>
+                  <a:schemeClr val="tx1"/>
                 </a:solidFill>
+                <a:latin typeface="+mn-lt"/>
+                <a:ea typeface="+mn-ea"/>
+                <a:cs typeface="+mn-cs"/>
               </a:defRPr>
             </a:lvl4pPr>
-            <a:lvl5pPr marL="1828800" indent="0">
-              <a:buNone/>
-              <a:defRPr sz="1600">
+            <a:lvl5pPr marL="1828698" algn="l" defTabSz="457174" rtl="0" eaLnBrk="1" latinLnBrk="0" hangingPunct="1">
+              <a:defRPr sz="1800" kern="1200">
                 <a:solidFill>
-                  <a:schemeClr val="tx1">
-                    <a:tint val="75000"/>
-                  </a:schemeClr>
+                  <a:schemeClr val="tx1"/>
                 </a:solidFill>
+                <a:latin typeface="+mn-lt"/>
+                <a:ea typeface="+mn-ea"/>
+                <a:cs typeface="+mn-cs"/>
               </a:defRPr>
             </a:lvl5pPr>
-            <a:lvl6pPr marL="2286000" indent="0">
-              <a:buNone/>
-              <a:defRPr sz="1600">
+            <a:lvl6pPr marL="2285872" algn="l" defTabSz="457174" rtl="0" eaLnBrk="1" latinLnBrk="0" hangingPunct="1">
+              <a:defRPr sz="1800" kern="1200">
                 <a:solidFill>
-                  <a:schemeClr val="tx1">
-                    <a:tint val="75000"/>
-                  </a:schemeClr>
+                  <a:schemeClr val="tx1"/>
                 </a:solidFill>
+                <a:latin typeface="+mn-lt"/>
+                <a:ea typeface="+mn-ea"/>
+                <a:cs typeface="+mn-cs"/>
               </a:defRPr>
             </a:lvl6pPr>
-            <a:lvl7pPr marL="2743200" indent="0">
-              <a:buNone/>
-              <a:defRPr sz="1600">
+            <a:lvl7pPr marL="2743046" algn="l" defTabSz="457174" rtl="0" eaLnBrk="1" latinLnBrk="0" hangingPunct="1">
+              <a:defRPr sz="1800" kern="1200">
                 <a:solidFill>
-                  <a:schemeClr val="tx1">
-                    <a:tint val="75000"/>
-                  </a:schemeClr>
+                  <a:schemeClr val="tx1"/>
                 </a:solidFill>
+                <a:latin typeface="+mn-lt"/>
+                <a:ea typeface="+mn-ea"/>
+                <a:cs typeface="+mn-cs"/>
               </a:defRPr>
             </a:lvl7pPr>
-            <a:lvl8pPr marL="3200400" indent="0">
-              <a:buNone/>
-              <a:defRPr sz="1600">
+            <a:lvl8pPr marL="3200220" algn="l" defTabSz="457174" rtl="0" eaLnBrk="1" latinLnBrk="0" hangingPunct="1">
+              <a:defRPr sz="1800" kern="1200">
                 <a:solidFill>
-                  <a:schemeClr val="tx1">
-                    <a:tint val="75000"/>
-                  </a:schemeClr>
+                  <a:schemeClr val="tx1"/>
                 </a:solidFill>
+                <a:latin typeface="+mn-lt"/>
+                <a:ea typeface="+mn-ea"/>
+                <a:cs typeface="+mn-cs"/>
               </a:defRPr>
             </a:lvl8pPr>
-            <a:lvl9pPr marL="3657600" indent="0">
-              <a:buNone/>
-              <a:defRPr sz="1600">
+            <a:lvl9pPr marL="3657394" algn="l" defTabSz="457174" rtl="0" eaLnBrk="1" latinLnBrk="0" hangingPunct="1">
+              <a:defRPr sz="1800" kern="1200">
                 <a:solidFill>
-                  <a:schemeClr val="tx1">
-                    <a:tint val="75000"/>
-                  </a:schemeClr>
+                  <a:schemeClr val="tx1"/>
                 </a:solidFill>
+                <a:latin typeface="+mn-lt"/>
+                <a:ea typeface="+mn-ea"/>
+                <a:cs typeface="+mn-cs"/>
               </a:defRPr>
             </a:lvl9pPr>
           </a:lstStyle>
           <a:p>
-            <a:pPr lvl="0"/>
-            <a:r>
-              <a:rPr lang="en-US"/>
-              <a:t>Edit Master text styles</a:t>
-            </a:r>
-          </a:p>
-        </p:txBody>
-      </p:sp>
-      <p:sp>
-        <p:nvSpPr>
-          <p:cNvPr id="4" name="Date Placeholder 3">
-            <a:extLst>
-              <a:ext uri="{FF2B5EF4-FFF2-40B4-BE49-F238E27FC236}">
-                <a16:creationId xmlns:a16="http://schemas.microsoft.com/office/drawing/2014/main" id="{E0EB015C-5FFD-49B8-A48F-042D803A4885}"/>
-              </a:ext>
-            </a:extLst>
-          </p:cNvPr>
-          <p:cNvSpPr>
-            <a:spLocks noGrp="1"/>
-          </p:cNvSpPr>
-          <p:nvPr>
-            <p:ph type="dt" sz="half" idx="10"/>
-          </p:nvPr>
-        </p:nvSpPr>
-        <p:spPr/>
-        <p:txBody>
-          <a:bodyPr/>
-          <a:lstStyle/>
-          <a:p>
-            <a:fld id="{C328AB28-8CF8-4FDA-851D-B8A8B08C8597}" type="datetimeFigureOut">
-              <a:rPr lang="en-US" smtClean="0"/>
-              <a:t>2018-06-18</a:t>
-            </a:fld>
-            <a:endParaRPr lang="en-US"/>
-          </a:p>
-        </p:txBody>
-      </p:sp>
-      <p:sp>
-        <p:nvSpPr>
-          <p:cNvPr id="5" name="Footer Placeholder 4">
-            <a:extLst>
-              <a:ext uri="{FF2B5EF4-FFF2-40B4-BE49-F238E27FC236}">
-                <a16:creationId xmlns:a16="http://schemas.microsoft.com/office/drawing/2014/main" id="{EF6FEA48-D601-4B80-8A46-C9BBD02D25CD}"/>
-              </a:ext>
-            </a:extLst>
-          </p:cNvPr>
-          <p:cNvSpPr>
-            <a:spLocks noGrp="1"/>
-          </p:cNvSpPr>
-          <p:nvPr>
-            <p:ph type="ftr" sz="quarter" idx="11"/>
-          </p:nvPr>
-        </p:nvSpPr>
-        <p:spPr/>
-        <p:txBody>
-          <a:bodyPr/>
-          <a:lstStyle/>
-          <a:p>
-            <a:endParaRPr lang="en-US"/>
-          </a:p>
-        </p:txBody>
-      </p:sp>
-      <p:sp>
-        <p:nvSpPr>
-          <p:cNvPr id="6" name="Slide Number Placeholder 5">
-            <a:extLst>
-              <a:ext uri="{FF2B5EF4-FFF2-40B4-BE49-F238E27FC236}">
-                <a16:creationId xmlns:a16="http://schemas.microsoft.com/office/drawing/2014/main" id="{E440E077-FBAC-4AF7-A735-D1279577D3F8}"/>
-              </a:ext>
-            </a:extLst>
-          </p:cNvPr>
-          <p:cNvSpPr>
-            <a:spLocks noGrp="1"/>
-          </p:cNvSpPr>
-          <p:nvPr>
-            <p:ph type="sldNum" sz="quarter" idx="12"/>
-          </p:nvPr>
-        </p:nvSpPr>
-        <p:spPr/>
-        <p:txBody>
-          <a:bodyPr/>
-          <a:lstStyle/>
-          <a:p>
-            <a:fld id="{7921D59F-6012-417E-BE74-CF21C5E8AB83}" type="slidenum">
-              <a:rPr lang="en-US" smtClean="0"/>
-              <a:t>‹#›</a:t>
-            </a:fld>
-            <a:endParaRPr lang="en-US"/>
+            <a:r>
+              <a:rPr lang="en-US" sz="1333" dirty="0" err="1"/>
+              <a:t>ni.com</a:t>
+            </a:r>
+            <a:endParaRPr lang="en-US" sz="1333" dirty="0"/>
           </a:p>
         </p:txBody>
       </p:sp>
     </p:spTree>
     <p:extLst>
       <p:ext uri="{BB962C8B-B14F-4D97-AF65-F5344CB8AC3E}">
-        <p14:creationId xmlns:p14="http://schemas.microsoft.com/office/powerpoint/2010/main" val="325901954"/>
+        <p14:creationId xmlns:p14="http://schemas.microsoft.com/office/powerpoint/2010/main" val="1612408973"/>
       </p:ext>
     </p:extLst>
   </p:cSld>
@@ -2857,9 +4485,17 @@
 </p:sldLayout>
 </file>
 
-<file path=ppt/slideLayouts/slideLayout4.xml><?xml version="1.0" encoding="utf-8"?>
-<p:sldLayout xmlns:a="http://schemas.openxmlformats.org/drawingml/2006/main" xmlns:r="http://schemas.openxmlformats.org/officeDocument/2006/relationships" xmlns:p="http://schemas.openxmlformats.org/presentationml/2006/main" type="twoObj" preserve="1">
-  <p:cSld name="Two Content">
+<file path=ppt/slideLayouts/slideLayout20.xml><?xml version="1.0" encoding="utf-8"?>
+<p:sldLayout xmlns:a="http://schemas.openxmlformats.org/drawingml/2006/main" xmlns:r="http://schemas.openxmlformats.org/officeDocument/2006/relationships" xmlns:p="http://schemas.openxmlformats.org/presentationml/2006/main" showMasterSp="0">
+  <p:cSld name="1_Title Slide">
+    <p:bg>
+      <p:bgPr>
+        <a:solidFill>
+          <a:schemeClr val="bg1"/>
+        </a:solidFill>
+        <a:effectLst/>
+      </p:bgPr>
+    </p:bg>
     <p:spTree>
       <p:nvGrpSpPr>
         <p:cNvPr id="1" name=""/>
@@ -2876,243 +4512,269 @@
       </p:grpSpPr>
       <p:sp>
         <p:nvSpPr>
-          <p:cNvPr id="2" name="Title 1">
-            <a:extLst>
-              <a:ext uri="{FF2B5EF4-FFF2-40B4-BE49-F238E27FC236}">
-                <a16:creationId xmlns:a16="http://schemas.microsoft.com/office/drawing/2014/main" id="{29362BBC-84E0-4645-8A17-9CAC654BF68B}"/>
-              </a:ext>
-            </a:extLst>
-          </p:cNvPr>
+          <p:cNvPr id="2" name="Title 1"/>
           <p:cNvSpPr>
             <a:spLocks noGrp="1"/>
           </p:cNvSpPr>
           <p:nvPr>
-            <p:ph type="title"/>
-          </p:nvPr>
-        </p:nvSpPr>
-        <p:spPr/>
-        <p:txBody>
-          <a:bodyPr/>
-          <a:lstStyle/>
-          <a:p>
-            <a:r>
-              <a:rPr lang="en-US"/>
-              <a:t>Click to edit Master title style</a:t>
-            </a:r>
-          </a:p>
-        </p:txBody>
-      </p:sp>
-      <p:sp>
-        <p:nvSpPr>
-          <p:cNvPr id="3" name="Content Placeholder 2">
-            <a:extLst>
-              <a:ext uri="{FF2B5EF4-FFF2-40B4-BE49-F238E27FC236}">
-                <a16:creationId xmlns:a16="http://schemas.microsoft.com/office/drawing/2014/main" id="{F53924B9-13FA-4600-887E-DC553D63BF52}"/>
-              </a:ext>
-            </a:extLst>
-          </p:cNvPr>
-          <p:cNvSpPr>
-            <a:spLocks noGrp="1"/>
-          </p:cNvSpPr>
-          <p:nvPr>
-            <p:ph sz="half" idx="1"/>
+            <p:ph type="ctrTitle" hasCustomPrompt="1"/>
           </p:nvPr>
         </p:nvSpPr>
         <p:spPr>
           <a:xfrm>
-            <a:off x="838200" y="1825625"/>
-            <a:ext cx="5181600" cy="4351338"/>
+            <a:off x="605368" y="1121833"/>
+            <a:ext cx="10981265" cy="2387600"/>
           </a:xfrm>
         </p:spPr>
         <p:txBody>
-          <a:bodyPr/>
-          <a:lstStyle/>
-          <a:p>
-            <a:pPr lvl="0"/>
-            <a:r>
-              <a:rPr lang="en-US"/>
-              <a:t>Edit Master text styles</a:t>
-            </a:r>
-          </a:p>
-          <a:p>
-            <a:pPr lvl="1"/>
-            <a:r>
-              <a:rPr lang="en-US"/>
-              <a:t>Second level</a:t>
-            </a:r>
-          </a:p>
-          <a:p>
-            <a:pPr lvl="2"/>
-            <a:r>
-              <a:rPr lang="en-US"/>
-              <a:t>Third level</a:t>
-            </a:r>
-          </a:p>
-          <a:p>
-            <a:pPr lvl="3"/>
-            <a:r>
-              <a:rPr lang="en-US"/>
-              <a:t>Fourth level</a:t>
-            </a:r>
-          </a:p>
-          <a:p>
-            <a:pPr lvl="4"/>
-            <a:r>
-              <a:rPr lang="en-US"/>
-              <a:t>Fifth level</a:t>
-            </a:r>
-          </a:p>
-        </p:txBody>
-      </p:sp>
-      <p:sp>
-        <p:nvSpPr>
-          <p:cNvPr id="4" name="Content Placeholder 3">
-            <a:extLst>
-              <a:ext uri="{FF2B5EF4-FFF2-40B4-BE49-F238E27FC236}">
-                <a16:creationId xmlns:a16="http://schemas.microsoft.com/office/drawing/2014/main" id="{BA0EF1B5-1FAC-4563-A4F3-6511D0BE8DDC}"/>
-              </a:ext>
-            </a:extLst>
-          </p:cNvPr>
+          <a:bodyPr anchor="b"/>
+          <a:lstStyle>
+            <a:lvl1pPr algn="ctr">
+              <a:defRPr sz="3733" baseline="0">
+                <a:solidFill>
+                  <a:schemeClr val="bg1"/>
+                </a:solidFill>
+              </a:defRPr>
+            </a:lvl1pPr>
+          </a:lstStyle>
+          <a:p>
+            <a:r>
+              <a:rPr lang="en-US" dirty="0"/>
+              <a:t>Presentation Title</a:t>
+            </a:r>
+          </a:p>
+        </p:txBody>
+      </p:sp>
+      <p:sp>
+        <p:nvSpPr>
+          <p:cNvPr id="3" name="Subtitle 2"/>
           <p:cNvSpPr>
             <a:spLocks noGrp="1"/>
           </p:cNvSpPr>
           <p:nvPr>
-            <p:ph sz="half" idx="2"/>
+            <p:ph type="subTitle" idx="1" hasCustomPrompt="1"/>
           </p:nvPr>
         </p:nvSpPr>
         <p:spPr>
           <a:xfrm>
-            <a:off x="6172200" y="1825625"/>
-            <a:ext cx="5181600" cy="4351338"/>
+            <a:off x="605367" y="3509434"/>
+            <a:ext cx="10981267" cy="757767"/>
           </a:xfrm>
         </p:spPr>
         <p:txBody>
           <a:bodyPr/>
-          <a:lstStyle/>
-          <a:p>
-            <a:pPr lvl="0"/>
-            <a:r>
-              <a:rPr lang="en-US"/>
-              <a:t>Edit Master text styles</a:t>
-            </a:r>
-          </a:p>
-          <a:p>
-            <a:pPr lvl="1"/>
-            <a:r>
-              <a:rPr lang="en-US"/>
-              <a:t>Second level</a:t>
-            </a:r>
-          </a:p>
-          <a:p>
-            <a:pPr lvl="2"/>
-            <a:r>
-              <a:rPr lang="en-US"/>
-              <a:t>Third level</a:t>
-            </a:r>
-          </a:p>
-          <a:p>
-            <a:pPr lvl="3"/>
-            <a:r>
-              <a:rPr lang="en-US"/>
-              <a:t>Fourth level</a:t>
-            </a:r>
-          </a:p>
-          <a:p>
-            <a:pPr lvl="4"/>
-            <a:r>
-              <a:rPr lang="en-US"/>
-              <a:t>Fifth level</a:t>
-            </a:r>
-          </a:p>
-        </p:txBody>
-      </p:sp>
-      <p:sp>
-        <p:nvSpPr>
-          <p:cNvPr id="5" name="Date Placeholder 4">
-            <a:extLst>
-              <a:ext uri="{FF2B5EF4-FFF2-40B4-BE49-F238E27FC236}">
-                <a16:creationId xmlns:a16="http://schemas.microsoft.com/office/drawing/2014/main" id="{20B8751C-BC60-48CB-B469-1C791B2C9FE9}"/>
-              </a:ext>
-            </a:extLst>
-          </p:cNvPr>
+          <a:lstStyle>
+            <a:lvl1pPr marL="0" marR="0" indent="0" algn="ctr" defTabSz="1219170" rtl="0" eaLnBrk="1" fontAlgn="auto" latinLnBrk="0" hangingPunct="1">
+              <a:lnSpc>
+                <a:spcPts val="2133"/>
+              </a:lnSpc>
+              <a:spcBef>
+                <a:spcPts val="1333"/>
+              </a:spcBef>
+              <a:spcAft>
+                <a:spcPts val="0"/>
+              </a:spcAft>
+              <a:buClrTx/>
+              <a:buSzTx/>
+              <a:buFont typeface="Arial"/>
+              <a:buNone/>
+              <a:tabLst/>
+              <a:defRPr sz="2400" baseline="0">
+                <a:solidFill>
+                  <a:schemeClr val="bg1"/>
+                </a:solidFill>
+              </a:defRPr>
+            </a:lvl1pPr>
+            <a:lvl2pPr marL="609585" indent="0" algn="ctr">
+              <a:buNone/>
+              <a:defRPr sz="2667"/>
+            </a:lvl2pPr>
+            <a:lvl3pPr marL="1219170" indent="0" algn="ctr">
+              <a:buNone/>
+              <a:defRPr sz="2400"/>
+            </a:lvl3pPr>
+            <a:lvl4pPr marL="1828754" indent="0" algn="ctr">
+              <a:buNone/>
+              <a:defRPr sz="2133"/>
+            </a:lvl4pPr>
+            <a:lvl5pPr marL="2438339" indent="0" algn="ctr">
+              <a:buNone/>
+              <a:defRPr sz="2133"/>
+            </a:lvl5pPr>
+            <a:lvl6pPr marL="3047924" indent="0" algn="ctr">
+              <a:buNone/>
+              <a:defRPr sz="2133"/>
+            </a:lvl6pPr>
+            <a:lvl7pPr marL="3657509" indent="0" algn="ctr">
+              <a:buNone/>
+              <a:defRPr sz="2133"/>
+            </a:lvl7pPr>
+            <a:lvl8pPr marL="4267093" indent="0" algn="ctr">
+              <a:buNone/>
+              <a:defRPr sz="2133"/>
+            </a:lvl8pPr>
+            <a:lvl9pPr marL="4876678" indent="0" algn="ctr">
+              <a:buNone/>
+              <a:defRPr sz="2133"/>
+            </a:lvl9pPr>
+          </a:lstStyle>
+          <a:p>
+            <a:r>
+              <a:rPr lang="en-US" dirty="0"/>
+              <a:t>Subhead</a:t>
+            </a:r>
+          </a:p>
+        </p:txBody>
+      </p:sp>
+      <p:sp>
+        <p:nvSpPr>
+          <p:cNvPr id="17" name="Text Placeholder 16"/>
           <p:cNvSpPr>
             <a:spLocks noGrp="1"/>
           </p:cNvSpPr>
           <p:nvPr>
-            <p:ph type="dt" sz="half" idx="10"/>
-          </p:nvPr>
-        </p:nvSpPr>
-        <p:spPr/>
+            <p:ph type="body" sz="quarter" idx="12" hasCustomPrompt="1"/>
+          </p:nvPr>
+        </p:nvSpPr>
+        <p:spPr>
+          <a:xfrm>
+            <a:off x="605367" y="4631266"/>
+            <a:ext cx="10981267" cy="414868"/>
+          </a:xfrm>
+        </p:spPr>
         <p:txBody>
           <a:bodyPr/>
-          <a:lstStyle/>
-          <a:p>
-            <a:fld id="{C328AB28-8CF8-4FDA-851D-B8A8B08C8597}" type="datetimeFigureOut">
-              <a:rPr lang="en-US" smtClean="0"/>
-              <a:t>2018-06-18</a:t>
-            </a:fld>
-            <a:endParaRPr lang="en-US"/>
-          </a:p>
-        </p:txBody>
-      </p:sp>
-      <p:sp>
-        <p:nvSpPr>
-          <p:cNvPr id="6" name="Footer Placeholder 5">
-            <a:extLst>
-              <a:ext uri="{FF2B5EF4-FFF2-40B4-BE49-F238E27FC236}">
-                <a16:creationId xmlns:a16="http://schemas.microsoft.com/office/drawing/2014/main" id="{46F9BBA4-0E9B-42D5-982E-D8C4CAD68DFC}"/>
-              </a:ext>
-            </a:extLst>
-          </p:cNvPr>
+          <a:lstStyle>
+            <a:lvl1pPr marL="0" marR="0" indent="0" algn="ctr" defTabSz="1219170" rtl="0" eaLnBrk="1" fontAlgn="auto" latinLnBrk="0" hangingPunct="1">
+              <a:lnSpc>
+                <a:spcPct val="100000"/>
+              </a:lnSpc>
+              <a:spcBef>
+                <a:spcPts val="533"/>
+              </a:spcBef>
+              <a:spcAft>
+                <a:spcPts val="800"/>
+              </a:spcAft>
+              <a:buClr>
+                <a:schemeClr val="bg2">
+                  <a:lumMod val="50000"/>
+                </a:schemeClr>
+              </a:buClr>
+              <a:buSzPct val="70000"/>
+              <a:buFont typeface="Wingdings" charset="2"/>
+              <a:buNone/>
+              <a:tabLst>
+                <a:tab pos="243411" algn="l"/>
+                <a:tab pos="4944410" algn="l"/>
+              </a:tabLst>
+              <a:defRPr sz="2133">
+                <a:solidFill>
+                  <a:schemeClr val="bg2">
+                    <a:lumMod val="50000"/>
+                  </a:schemeClr>
+                </a:solidFill>
+              </a:defRPr>
+            </a:lvl1pPr>
+          </a:lstStyle>
+          <a:p>
+            <a:pPr algn="ctr">
+              <a:spcAft>
+                <a:spcPts val="600"/>
+              </a:spcAft>
+            </a:pPr>
+            <a:r>
+              <a:rPr lang="en-US" dirty="0">
+                <a:solidFill>
+                  <a:schemeClr val="tx1">
+                    <a:lumMod val="50000"/>
+                    <a:lumOff val="50000"/>
+                  </a:schemeClr>
+                </a:solidFill>
+              </a:rPr>
+              <a:t>Speaker</a:t>
+            </a:r>
+            <a:endParaRPr lang="en-US" sz="1867" dirty="0">
+              <a:solidFill>
+                <a:schemeClr val="bg1">
+                  <a:lumMod val="65000"/>
+                </a:schemeClr>
+              </a:solidFill>
+            </a:endParaRPr>
+          </a:p>
+        </p:txBody>
+      </p:sp>
+      <p:sp>
+        <p:nvSpPr>
+          <p:cNvPr id="21" name="Text Placeholder 20"/>
           <p:cNvSpPr>
             <a:spLocks noGrp="1"/>
           </p:cNvSpPr>
           <p:nvPr>
-            <p:ph type="ftr" sz="quarter" idx="11"/>
-          </p:nvPr>
-        </p:nvSpPr>
-        <p:spPr/>
+            <p:ph type="body" sz="quarter" idx="13" hasCustomPrompt="1"/>
+          </p:nvPr>
+        </p:nvSpPr>
+        <p:spPr>
+          <a:xfrm>
+            <a:off x="605367" y="5046134"/>
+            <a:ext cx="10981267" cy="463551"/>
+          </a:xfrm>
+        </p:spPr>
         <p:txBody>
           <a:bodyPr/>
-          <a:lstStyle/>
-          <a:p>
-            <a:endParaRPr lang="en-US"/>
-          </a:p>
-        </p:txBody>
-      </p:sp>
-      <p:sp>
-        <p:nvSpPr>
-          <p:cNvPr id="7" name="Slide Number Placeholder 6">
-            <a:extLst>
-              <a:ext uri="{FF2B5EF4-FFF2-40B4-BE49-F238E27FC236}">
-                <a16:creationId xmlns:a16="http://schemas.microsoft.com/office/drawing/2014/main" id="{1CE894A2-C078-405C-A32E-85E8B7952BEF}"/>
-              </a:ext>
-            </a:extLst>
-          </p:cNvPr>
-          <p:cNvSpPr>
-            <a:spLocks noGrp="1"/>
-          </p:cNvSpPr>
-          <p:nvPr>
-            <p:ph type="sldNum" sz="quarter" idx="12"/>
-          </p:nvPr>
-        </p:nvSpPr>
-        <p:spPr/>
-        <p:txBody>
-          <a:bodyPr/>
-          <a:lstStyle/>
-          <a:p>
-            <a:fld id="{7921D59F-6012-417E-BE74-CF21C5E8AB83}" type="slidenum">
-              <a:rPr lang="en-US" smtClean="0"/>
-              <a:t>‹#›</a:t>
-            </a:fld>
-            <a:endParaRPr lang="en-US"/>
+          <a:lstStyle>
+            <a:lvl1pPr marL="0" marR="0" indent="0" algn="ctr" defTabSz="1219170" rtl="0" eaLnBrk="1" fontAlgn="auto" latinLnBrk="0" hangingPunct="1">
+              <a:lnSpc>
+                <a:spcPct val="100000"/>
+              </a:lnSpc>
+              <a:spcBef>
+                <a:spcPts val="533"/>
+              </a:spcBef>
+              <a:spcAft>
+                <a:spcPts val="800"/>
+              </a:spcAft>
+              <a:buClr>
+                <a:schemeClr val="bg2">
+                  <a:lumMod val="50000"/>
+                </a:schemeClr>
+              </a:buClr>
+              <a:buSzPct val="70000"/>
+              <a:buFont typeface="Wingdings" charset="2"/>
+              <a:buNone/>
+              <a:tabLst>
+                <a:tab pos="243834" algn="l"/>
+              </a:tabLst>
+              <a:defRPr sz="2133">
+                <a:solidFill>
+                  <a:schemeClr val="bg2">
+                    <a:lumMod val="50000"/>
+                  </a:schemeClr>
+                </a:solidFill>
+              </a:defRPr>
+            </a:lvl1pPr>
+          </a:lstStyle>
+          <a:p>
+            <a:pPr>
+              <a:spcAft>
+                <a:spcPts val="600"/>
+              </a:spcAft>
+            </a:pPr>
+            <a:r>
+              <a:rPr lang="en-US" dirty="0">
+                <a:solidFill>
+                  <a:schemeClr val="bg1">
+                    <a:lumMod val="65000"/>
+                  </a:schemeClr>
+                </a:solidFill>
+              </a:rPr>
+              <a:t>Title</a:t>
+            </a:r>
           </a:p>
         </p:txBody>
       </p:sp>
     </p:spTree>
     <p:extLst>
       <p:ext uri="{BB962C8B-B14F-4D97-AF65-F5344CB8AC3E}">
-        <p14:creationId xmlns:p14="http://schemas.microsoft.com/office/powerpoint/2010/main" val="3418445803"/>
+        <p14:creationId xmlns:p14="http://schemas.microsoft.com/office/powerpoint/2010/main" val="3783078381"/>
       </p:ext>
     </p:extLst>
   </p:cSld>
@@ -3122,9 +4784,17 @@
 </p:sldLayout>
 </file>
 
-<file path=ppt/slideLayouts/slideLayout5.xml><?xml version="1.0" encoding="utf-8"?>
-<p:sldLayout xmlns:a="http://schemas.openxmlformats.org/drawingml/2006/main" xmlns:r="http://schemas.openxmlformats.org/officeDocument/2006/relationships" xmlns:p="http://schemas.openxmlformats.org/presentationml/2006/main" type="twoTxTwoObj" preserve="1">
-  <p:cSld name="Comparison">
+<file path=ppt/slideLayouts/slideLayout3.xml><?xml version="1.0" encoding="utf-8"?>
+<p:sldLayout xmlns:a="http://schemas.openxmlformats.org/drawingml/2006/main" xmlns:r="http://schemas.openxmlformats.org/officeDocument/2006/relationships" xmlns:p="http://schemas.openxmlformats.org/presentationml/2006/main" showMasterSp="0" preserve="1">
+  <p:cSld name="External_Title Slide w/o Subhead">
+    <p:bg>
+      <p:bgPr>
+        <a:solidFill>
+          <a:schemeClr val="bg1"/>
+        </a:solidFill>
+        <a:effectLst/>
+      </p:bgPr>
+    </p:bg>
     <p:spTree>
       <p:nvGrpSpPr>
         <p:cNvPr id="1" name=""/>
@@ -3141,390 +4811,388 @@
       </p:grpSpPr>
       <p:sp>
         <p:nvSpPr>
-          <p:cNvPr id="2" name="Title 1">
+          <p:cNvPr id="7" name="Rectangle 6"/>
+          <p:cNvSpPr/>
+          <p:nvPr/>
+        </p:nvSpPr>
+        <p:spPr>
+          <a:xfrm>
+            <a:off x="0" y="2"/>
+            <a:ext cx="12203992" cy="4375505"/>
+          </a:xfrm>
+          <a:prstGeom prst="rect">
+            <a:avLst/>
+          </a:prstGeom>
+          <a:solidFill>
+            <a:srgbClr val="0A60A3"/>
+          </a:solidFill>
+          <a:ln>
+            <a:noFill/>
+          </a:ln>
+          <a:effectLst/>
+        </p:spPr>
+        <p:style>
+          <a:lnRef idx="1">
+            <a:schemeClr val="accent1"/>
+          </a:lnRef>
+          <a:fillRef idx="3">
+            <a:schemeClr val="accent1"/>
+          </a:fillRef>
+          <a:effectRef idx="2">
+            <a:schemeClr val="accent1"/>
+          </a:effectRef>
+          <a:fontRef idx="minor">
+            <a:schemeClr val="lt1"/>
+          </a:fontRef>
+        </p:style>
+        <p:txBody>
+          <a:bodyPr lIns="0" rIns="0" rtlCol="0" anchor="ctr"/>
+          <a:lstStyle/>
+          <a:p>
+            <a:pPr algn="ctr"/>
+            <a:endParaRPr lang="en-US" sz="2400"/>
+          </a:p>
+        </p:txBody>
+      </p:sp>
+      <p:sp>
+        <p:nvSpPr>
+          <p:cNvPr id="2" name="Title 1"/>
+          <p:cNvSpPr>
+            <a:spLocks noGrp="1"/>
+          </p:cNvSpPr>
+          <p:nvPr>
+            <p:ph type="ctrTitle" hasCustomPrompt="1"/>
+          </p:nvPr>
+        </p:nvSpPr>
+        <p:spPr>
+          <a:xfrm>
+            <a:off x="605368" y="1121833"/>
+            <a:ext cx="10981265" cy="2815167"/>
+          </a:xfrm>
+        </p:spPr>
+        <p:txBody>
+          <a:bodyPr anchor="b"/>
+          <a:lstStyle>
+            <a:lvl1pPr algn="ctr">
+              <a:defRPr sz="3733" baseline="0">
+                <a:solidFill>
+                  <a:schemeClr val="bg1"/>
+                </a:solidFill>
+              </a:defRPr>
+            </a:lvl1pPr>
+          </a:lstStyle>
+          <a:p>
+            <a:r>
+              <a:rPr lang="en-US" dirty="0"/>
+              <a:t>Presentation Title</a:t>
+            </a:r>
+          </a:p>
+        </p:txBody>
+      </p:sp>
+      <p:sp>
+        <p:nvSpPr>
+          <p:cNvPr id="17" name="Text Placeholder 16"/>
+          <p:cNvSpPr>
+            <a:spLocks noGrp="1"/>
+          </p:cNvSpPr>
+          <p:nvPr>
+            <p:ph type="body" sz="quarter" idx="12" hasCustomPrompt="1"/>
+          </p:nvPr>
+        </p:nvSpPr>
+        <p:spPr>
+          <a:xfrm>
+            <a:off x="605367" y="4631266"/>
+            <a:ext cx="10981267" cy="414868"/>
+          </a:xfrm>
+        </p:spPr>
+        <p:txBody>
+          <a:bodyPr/>
+          <a:lstStyle>
+            <a:lvl1pPr marL="0" marR="0" indent="0" algn="ctr" defTabSz="1219170" rtl="0" eaLnBrk="1" fontAlgn="auto" latinLnBrk="0" hangingPunct="1">
+              <a:lnSpc>
+                <a:spcPct val="100000"/>
+              </a:lnSpc>
+              <a:spcBef>
+                <a:spcPts val="533"/>
+              </a:spcBef>
+              <a:spcAft>
+                <a:spcPts val="800"/>
+              </a:spcAft>
+              <a:buClr>
+                <a:schemeClr val="bg2">
+                  <a:lumMod val="50000"/>
+                </a:schemeClr>
+              </a:buClr>
+              <a:buSzPct val="70000"/>
+              <a:buFont typeface="Wingdings" charset="2"/>
+              <a:buNone/>
+              <a:tabLst>
+                <a:tab pos="243411" algn="l"/>
+                <a:tab pos="4944410" algn="l"/>
+              </a:tabLst>
+              <a:defRPr sz="2133">
+                <a:solidFill>
+                  <a:schemeClr val="bg2">
+                    <a:lumMod val="50000"/>
+                  </a:schemeClr>
+                </a:solidFill>
+              </a:defRPr>
+            </a:lvl1pPr>
+          </a:lstStyle>
+          <a:p>
+            <a:pPr algn="ctr">
+              <a:spcAft>
+                <a:spcPts val="600"/>
+              </a:spcAft>
+            </a:pPr>
+            <a:r>
+              <a:rPr lang="en-US" dirty="0">
+                <a:solidFill>
+                  <a:schemeClr val="tx1">
+                    <a:lumMod val="50000"/>
+                    <a:lumOff val="50000"/>
+                  </a:schemeClr>
+                </a:solidFill>
+              </a:rPr>
+              <a:t>Speaker</a:t>
+            </a:r>
+            <a:endParaRPr lang="en-US" sz="1867" dirty="0">
+              <a:solidFill>
+                <a:schemeClr val="bg1">
+                  <a:lumMod val="65000"/>
+                </a:schemeClr>
+              </a:solidFill>
+            </a:endParaRPr>
+          </a:p>
+        </p:txBody>
+      </p:sp>
+      <p:sp>
+        <p:nvSpPr>
+          <p:cNvPr id="21" name="Text Placeholder 20"/>
+          <p:cNvSpPr>
+            <a:spLocks noGrp="1"/>
+          </p:cNvSpPr>
+          <p:nvPr>
+            <p:ph type="body" sz="quarter" idx="13" hasCustomPrompt="1"/>
+          </p:nvPr>
+        </p:nvSpPr>
+        <p:spPr>
+          <a:xfrm>
+            <a:off x="605367" y="5046134"/>
+            <a:ext cx="10981267" cy="463551"/>
+          </a:xfrm>
+        </p:spPr>
+        <p:txBody>
+          <a:bodyPr/>
+          <a:lstStyle>
+            <a:lvl1pPr marL="0" marR="0" indent="0" algn="ctr" defTabSz="1219170" rtl="0" eaLnBrk="1" fontAlgn="auto" latinLnBrk="0" hangingPunct="1">
+              <a:lnSpc>
+                <a:spcPct val="100000"/>
+              </a:lnSpc>
+              <a:spcBef>
+                <a:spcPts val="533"/>
+              </a:spcBef>
+              <a:spcAft>
+                <a:spcPts val="800"/>
+              </a:spcAft>
+              <a:buClr>
+                <a:schemeClr val="bg2">
+                  <a:lumMod val="50000"/>
+                </a:schemeClr>
+              </a:buClr>
+              <a:buSzPct val="70000"/>
+              <a:buFont typeface="Wingdings" charset="2"/>
+              <a:buNone/>
+              <a:tabLst>
+                <a:tab pos="243834" algn="l"/>
+              </a:tabLst>
+              <a:defRPr sz="1867">
+                <a:solidFill>
+                  <a:schemeClr val="bg2">
+                    <a:lumMod val="50000"/>
+                  </a:schemeClr>
+                </a:solidFill>
+              </a:defRPr>
+            </a:lvl1pPr>
+          </a:lstStyle>
+          <a:p>
+            <a:pPr>
+              <a:spcAft>
+                <a:spcPts val="600"/>
+              </a:spcAft>
+            </a:pPr>
+            <a:r>
+              <a:rPr lang="en-US" dirty="0">
+                <a:solidFill>
+                  <a:schemeClr val="bg1">
+                    <a:lumMod val="65000"/>
+                  </a:schemeClr>
+                </a:solidFill>
+              </a:rPr>
+              <a:t>Title</a:t>
+            </a:r>
+          </a:p>
+        </p:txBody>
+      </p:sp>
+      <p:pic>
+        <p:nvPicPr>
+          <p:cNvPr id="11" name="Picture 10"/>
+          <p:cNvPicPr>
+            <a:picLocks noChangeAspect="1"/>
+          </p:cNvPicPr>
+          <p:nvPr/>
+        </p:nvPicPr>
+        <p:blipFill>
+          <a:blip r:embed="rId2" cstate="screen">
             <a:extLst>
-              <a:ext uri="{FF2B5EF4-FFF2-40B4-BE49-F238E27FC236}">
-                <a16:creationId xmlns:a16="http://schemas.microsoft.com/office/drawing/2014/main" id="{2470FBCE-0B0C-4976-97DB-EC86457CB41C}"/>
+              <a:ext uri="{28A0092B-C50C-407E-A947-70E740481C1C}">
+                <a14:useLocalDpi xmlns:a14="http://schemas.microsoft.com/office/drawing/2010/main"/>
               </a:ext>
             </a:extLst>
-          </p:cNvPr>
-          <p:cNvSpPr>
-            <a:spLocks noGrp="1"/>
-          </p:cNvSpPr>
-          <p:nvPr>
-            <p:ph type="title"/>
-          </p:nvPr>
-        </p:nvSpPr>
+          </a:blip>
+          <a:stretch>
+            <a:fillRect/>
+          </a:stretch>
+        </p:blipFill>
         <p:spPr>
           <a:xfrm>
-            <a:off x="839788" y="365125"/>
-            <a:ext cx="10515600" cy="1325563"/>
+            <a:off x="615165" y="6324601"/>
+            <a:ext cx="1418891" cy="343808"/>
           </a:xfrm>
+          <a:prstGeom prst="rect">
+            <a:avLst/>
+          </a:prstGeom>
         </p:spPr>
-        <p:txBody>
-          <a:bodyPr/>
-          <a:lstStyle/>
-          <a:p>
-            <a:r>
-              <a:rPr lang="en-US"/>
-              <a:t>Click to edit Master title style</a:t>
-            </a:r>
-          </a:p>
-        </p:txBody>
-      </p:sp>
-      <p:sp>
-        <p:nvSpPr>
-          <p:cNvPr id="3" name="Text Placeholder 2">
-            <a:extLst>
-              <a:ext uri="{FF2B5EF4-FFF2-40B4-BE49-F238E27FC236}">
-                <a16:creationId xmlns:a16="http://schemas.microsoft.com/office/drawing/2014/main" id="{BAA1A8EC-7DE4-4B20-ABB5-2C35E05A5E5E}"/>
-              </a:ext>
-            </a:extLst>
-          </p:cNvPr>
-          <p:cNvSpPr>
-            <a:spLocks noGrp="1"/>
-          </p:cNvSpPr>
-          <p:nvPr>
-            <p:ph type="body" idx="1"/>
-          </p:nvPr>
+      </p:pic>
+      <p:sp>
+        <p:nvSpPr>
+          <p:cNvPr id="8" name="Footer Placeholder 3"/>
+          <p:cNvSpPr txBox="1">
+            <a:spLocks/>
+          </p:cNvSpPr>
+          <p:nvPr/>
         </p:nvSpPr>
         <p:spPr>
           <a:xfrm>
-            <a:off x="839788" y="1681163"/>
-            <a:ext cx="5157787" cy="823912"/>
+            <a:off x="9593112" y="6392672"/>
+            <a:ext cx="2002985" cy="267608"/>
           </a:xfrm>
+          <a:prstGeom prst="rect">
+            <a:avLst/>
+          </a:prstGeom>
         </p:spPr>
         <p:txBody>
-          <a:bodyPr anchor="b"/>
+          <a:bodyPr vert="horz" lIns="0" tIns="60960" rIns="0" bIns="60960" rtlCol="0" anchor="ctr"/>
           <a:lstStyle>
-            <a:lvl1pPr marL="0" indent="0">
-              <a:buNone/>
-              <a:defRPr sz="2400" b="1"/>
+            <a:defPPr>
+              <a:defRPr lang="en-US"/>
+            </a:defPPr>
+            <a:lvl1pPr marL="0" algn="r" defTabSz="457174" rtl="0" eaLnBrk="1" latinLnBrk="0" hangingPunct="1">
+              <a:defRPr sz="1200" kern="1200">
+                <a:solidFill>
+                  <a:schemeClr val="tx1">
+                    <a:tint val="75000"/>
+                  </a:schemeClr>
+                </a:solidFill>
+                <a:latin typeface="+mn-lt"/>
+                <a:ea typeface="+mn-ea"/>
+                <a:cs typeface="+mn-cs"/>
+              </a:defRPr>
             </a:lvl1pPr>
-            <a:lvl2pPr marL="457200" indent="0">
-              <a:buNone/>
-              <a:defRPr sz="2000" b="1"/>
+            <a:lvl2pPr marL="457174" algn="l" defTabSz="457174" rtl="0" eaLnBrk="1" latinLnBrk="0" hangingPunct="1">
+              <a:defRPr sz="1800" kern="1200">
+                <a:solidFill>
+                  <a:schemeClr val="tx1"/>
+                </a:solidFill>
+                <a:latin typeface="+mn-lt"/>
+                <a:ea typeface="+mn-ea"/>
+                <a:cs typeface="+mn-cs"/>
+              </a:defRPr>
             </a:lvl2pPr>
-            <a:lvl3pPr marL="914400" indent="0">
-              <a:buNone/>
-              <a:defRPr sz="1800" b="1"/>
+            <a:lvl3pPr marL="914348" algn="l" defTabSz="457174" rtl="0" eaLnBrk="1" latinLnBrk="0" hangingPunct="1">
+              <a:defRPr sz="1800" kern="1200">
+                <a:solidFill>
+                  <a:schemeClr val="tx1"/>
+                </a:solidFill>
+                <a:latin typeface="+mn-lt"/>
+                <a:ea typeface="+mn-ea"/>
+                <a:cs typeface="+mn-cs"/>
+              </a:defRPr>
             </a:lvl3pPr>
-            <a:lvl4pPr marL="1371600" indent="0">
-              <a:buNone/>
-              <a:defRPr sz="1600" b="1"/>
+            <a:lvl4pPr marL="1371523" algn="l" defTabSz="457174" rtl="0" eaLnBrk="1" latinLnBrk="0" hangingPunct="1">
+              <a:defRPr sz="1800" kern="1200">
+                <a:solidFill>
+                  <a:schemeClr val="tx1"/>
+                </a:solidFill>
+                <a:latin typeface="+mn-lt"/>
+                <a:ea typeface="+mn-ea"/>
+                <a:cs typeface="+mn-cs"/>
+              </a:defRPr>
             </a:lvl4pPr>
-            <a:lvl5pPr marL="1828800" indent="0">
-              <a:buNone/>
-              <a:defRPr sz="1600" b="1"/>
+            <a:lvl5pPr marL="1828698" algn="l" defTabSz="457174" rtl="0" eaLnBrk="1" latinLnBrk="0" hangingPunct="1">
+              <a:defRPr sz="1800" kern="1200">
+                <a:solidFill>
+                  <a:schemeClr val="tx1"/>
+                </a:solidFill>
+                <a:latin typeface="+mn-lt"/>
+                <a:ea typeface="+mn-ea"/>
+                <a:cs typeface="+mn-cs"/>
+              </a:defRPr>
             </a:lvl5pPr>
-            <a:lvl6pPr marL="2286000" indent="0">
-              <a:buNone/>
-              <a:defRPr sz="1600" b="1"/>
+            <a:lvl6pPr marL="2285872" algn="l" defTabSz="457174" rtl="0" eaLnBrk="1" latinLnBrk="0" hangingPunct="1">
+              <a:defRPr sz="1800" kern="1200">
+                <a:solidFill>
+                  <a:schemeClr val="tx1"/>
+                </a:solidFill>
+                <a:latin typeface="+mn-lt"/>
+                <a:ea typeface="+mn-ea"/>
+                <a:cs typeface="+mn-cs"/>
+              </a:defRPr>
             </a:lvl6pPr>
-            <a:lvl7pPr marL="2743200" indent="0">
-              <a:buNone/>
-              <a:defRPr sz="1600" b="1"/>
+            <a:lvl7pPr marL="2743046" algn="l" defTabSz="457174" rtl="0" eaLnBrk="1" latinLnBrk="0" hangingPunct="1">
+              <a:defRPr sz="1800" kern="1200">
+                <a:solidFill>
+                  <a:schemeClr val="tx1"/>
+                </a:solidFill>
+                <a:latin typeface="+mn-lt"/>
+                <a:ea typeface="+mn-ea"/>
+                <a:cs typeface="+mn-cs"/>
+              </a:defRPr>
             </a:lvl7pPr>
-            <a:lvl8pPr marL="3200400" indent="0">
-              <a:buNone/>
-              <a:defRPr sz="1600" b="1"/>
+            <a:lvl8pPr marL="3200220" algn="l" defTabSz="457174" rtl="0" eaLnBrk="1" latinLnBrk="0" hangingPunct="1">
+              <a:defRPr sz="1800" kern="1200">
+                <a:solidFill>
+                  <a:schemeClr val="tx1"/>
+                </a:solidFill>
+                <a:latin typeface="+mn-lt"/>
+                <a:ea typeface="+mn-ea"/>
+                <a:cs typeface="+mn-cs"/>
+              </a:defRPr>
             </a:lvl8pPr>
-            <a:lvl9pPr marL="3657600" indent="0">
-              <a:buNone/>
-              <a:defRPr sz="1600" b="1"/>
+            <a:lvl9pPr marL="3657394" algn="l" defTabSz="457174" rtl="0" eaLnBrk="1" latinLnBrk="0" hangingPunct="1">
+              <a:defRPr sz="1800" kern="1200">
+                <a:solidFill>
+                  <a:schemeClr val="tx1"/>
+                </a:solidFill>
+                <a:latin typeface="+mn-lt"/>
+                <a:ea typeface="+mn-ea"/>
+                <a:cs typeface="+mn-cs"/>
+              </a:defRPr>
             </a:lvl9pPr>
           </a:lstStyle>
           <a:p>
-            <a:pPr lvl="0"/>
-            <a:r>
-              <a:rPr lang="en-US"/>
-              <a:t>Edit Master text styles</a:t>
-            </a:r>
-          </a:p>
-        </p:txBody>
-      </p:sp>
-      <p:sp>
-        <p:nvSpPr>
-          <p:cNvPr id="4" name="Content Placeholder 3">
-            <a:extLst>
-              <a:ext uri="{FF2B5EF4-FFF2-40B4-BE49-F238E27FC236}">
-                <a16:creationId xmlns:a16="http://schemas.microsoft.com/office/drawing/2014/main" id="{4A2CC76B-B0F8-4CD7-84AD-D68119585831}"/>
-              </a:ext>
-            </a:extLst>
-          </p:cNvPr>
-          <p:cNvSpPr>
-            <a:spLocks noGrp="1"/>
-          </p:cNvSpPr>
-          <p:nvPr>
-            <p:ph sz="half" idx="2"/>
-          </p:nvPr>
-        </p:nvSpPr>
-        <p:spPr>
-          <a:xfrm>
-            <a:off x="839788" y="2505075"/>
-            <a:ext cx="5157787" cy="3684588"/>
-          </a:xfrm>
-        </p:spPr>
-        <p:txBody>
-          <a:bodyPr/>
-          <a:lstStyle/>
-          <a:p>
-            <a:pPr lvl="0"/>
-            <a:r>
-              <a:rPr lang="en-US"/>
-              <a:t>Edit Master text styles</a:t>
-            </a:r>
-          </a:p>
-          <a:p>
-            <a:pPr lvl="1"/>
-            <a:r>
-              <a:rPr lang="en-US"/>
-              <a:t>Second level</a:t>
-            </a:r>
-          </a:p>
-          <a:p>
-            <a:pPr lvl="2"/>
-            <a:r>
-              <a:rPr lang="en-US"/>
-              <a:t>Third level</a:t>
-            </a:r>
-          </a:p>
-          <a:p>
-            <a:pPr lvl="3"/>
-            <a:r>
-              <a:rPr lang="en-US"/>
-              <a:t>Fourth level</a:t>
-            </a:r>
-          </a:p>
-          <a:p>
-            <a:pPr lvl="4"/>
-            <a:r>
-              <a:rPr lang="en-US"/>
-              <a:t>Fifth level</a:t>
-            </a:r>
-          </a:p>
-        </p:txBody>
-      </p:sp>
-      <p:sp>
-        <p:nvSpPr>
-          <p:cNvPr id="5" name="Text Placeholder 4">
-            <a:extLst>
-              <a:ext uri="{FF2B5EF4-FFF2-40B4-BE49-F238E27FC236}">
-                <a16:creationId xmlns:a16="http://schemas.microsoft.com/office/drawing/2014/main" id="{B341B20E-4B5B-4E13-AF94-18A630FACCB6}"/>
-              </a:ext>
-            </a:extLst>
-          </p:cNvPr>
-          <p:cNvSpPr>
-            <a:spLocks noGrp="1"/>
-          </p:cNvSpPr>
-          <p:nvPr>
-            <p:ph type="body" sz="quarter" idx="3"/>
-          </p:nvPr>
-        </p:nvSpPr>
-        <p:spPr>
-          <a:xfrm>
-            <a:off x="6172200" y="1681163"/>
-            <a:ext cx="5183188" cy="823912"/>
-          </a:xfrm>
-        </p:spPr>
-        <p:txBody>
-          <a:bodyPr anchor="b"/>
-          <a:lstStyle>
-            <a:lvl1pPr marL="0" indent="0">
-              <a:buNone/>
-              <a:defRPr sz="2400" b="1"/>
-            </a:lvl1pPr>
-            <a:lvl2pPr marL="457200" indent="0">
-              <a:buNone/>
-              <a:defRPr sz="2000" b="1"/>
-            </a:lvl2pPr>
-            <a:lvl3pPr marL="914400" indent="0">
-              <a:buNone/>
-              <a:defRPr sz="1800" b="1"/>
-            </a:lvl3pPr>
-            <a:lvl4pPr marL="1371600" indent="0">
-              <a:buNone/>
-              <a:defRPr sz="1600" b="1"/>
-            </a:lvl4pPr>
-            <a:lvl5pPr marL="1828800" indent="0">
-              <a:buNone/>
-              <a:defRPr sz="1600" b="1"/>
-            </a:lvl5pPr>
-            <a:lvl6pPr marL="2286000" indent="0">
-              <a:buNone/>
-              <a:defRPr sz="1600" b="1"/>
-            </a:lvl6pPr>
-            <a:lvl7pPr marL="2743200" indent="0">
-              <a:buNone/>
-              <a:defRPr sz="1600" b="1"/>
-            </a:lvl7pPr>
-            <a:lvl8pPr marL="3200400" indent="0">
-              <a:buNone/>
-              <a:defRPr sz="1600" b="1"/>
-            </a:lvl8pPr>
-            <a:lvl9pPr marL="3657600" indent="0">
-              <a:buNone/>
-              <a:defRPr sz="1600" b="1"/>
-            </a:lvl9pPr>
-          </a:lstStyle>
-          <a:p>
-            <a:pPr lvl="0"/>
-            <a:r>
-              <a:rPr lang="en-US"/>
-              <a:t>Edit Master text styles</a:t>
-            </a:r>
-          </a:p>
-        </p:txBody>
-      </p:sp>
-      <p:sp>
-        <p:nvSpPr>
-          <p:cNvPr id="6" name="Content Placeholder 5">
-            <a:extLst>
-              <a:ext uri="{FF2B5EF4-FFF2-40B4-BE49-F238E27FC236}">
-                <a16:creationId xmlns:a16="http://schemas.microsoft.com/office/drawing/2014/main" id="{DAF8A1BC-C8FD-47CB-9946-634FF0056C8B}"/>
-              </a:ext>
-            </a:extLst>
-          </p:cNvPr>
-          <p:cNvSpPr>
-            <a:spLocks noGrp="1"/>
-          </p:cNvSpPr>
-          <p:nvPr>
-            <p:ph sz="quarter" idx="4"/>
-          </p:nvPr>
-        </p:nvSpPr>
-        <p:spPr>
-          <a:xfrm>
-            <a:off x="6172200" y="2505075"/>
-            <a:ext cx="5183188" cy="3684588"/>
-          </a:xfrm>
-        </p:spPr>
-        <p:txBody>
-          <a:bodyPr/>
-          <a:lstStyle/>
-          <a:p>
-            <a:pPr lvl="0"/>
-            <a:r>
-              <a:rPr lang="en-US"/>
-              <a:t>Edit Master text styles</a:t>
-            </a:r>
-          </a:p>
-          <a:p>
-            <a:pPr lvl="1"/>
-            <a:r>
-              <a:rPr lang="en-US"/>
-              <a:t>Second level</a:t>
-            </a:r>
-          </a:p>
-          <a:p>
-            <a:pPr lvl="2"/>
-            <a:r>
-              <a:rPr lang="en-US"/>
-              <a:t>Third level</a:t>
-            </a:r>
-          </a:p>
-          <a:p>
-            <a:pPr lvl="3"/>
-            <a:r>
-              <a:rPr lang="en-US"/>
-              <a:t>Fourth level</a:t>
-            </a:r>
-          </a:p>
-          <a:p>
-            <a:pPr lvl="4"/>
-            <a:r>
-              <a:rPr lang="en-US"/>
-              <a:t>Fifth level</a:t>
-            </a:r>
-          </a:p>
-        </p:txBody>
-      </p:sp>
-      <p:sp>
-        <p:nvSpPr>
-          <p:cNvPr id="7" name="Date Placeholder 6">
-            <a:extLst>
-              <a:ext uri="{FF2B5EF4-FFF2-40B4-BE49-F238E27FC236}">
-                <a16:creationId xmlns:a16="http://schemas.microsoft.com/office/drawing/2014/main" id="{E671C03E-7033-4BC5-8227-B2A4C805D565}"/>
-              </a:ext>
-            </a:extLst>
-          </p:cNvPr>
-          <p:cNvSpPr>
-            <a:spLocks noGrp="1"/>
-          </p:cNvSpPr>
-          <p:nvPr>
-            <p:ph type="dt" sz="half" idx="10"/>
-          </p:nvPr>
-        </p:nvSpPr>
-        <p:spPr/>
-        <p:txBody>
-          <a:bodyPr/>
-          <a:lstStyle/>
-          <a:p>
-            <a:fld id="{C328AB28-8CF8-4FDA-851D-B8A8B08C8597}" type="datetimeFigureOut">
-              <a:rPr lang="en-US" smtClean="0"/>
-              <a:t>2018-06-18</a:t>
-            </a:fld>
-            <a:endParaRPr lang="en-US"/>
-          </a:p>
-        </p:txBody>
-      </p:sp>
-      <p:sp>
-        <p:nvSpPr>
-          <p:cNvPr id="8" name="Footer Placeholder 7">
-            <a:extLst>
-              <a:ext uri="{FF2B5EF4-FFF2-40B4-BE49-F238E27FC236}">
-                <a16:creationId xmlns:a16="http://schemas.microsoft.com/office/drawing/2014/main" id="{88F0ED7D-383F-4D77-ACD8-0BB9FD493EB5}"/>
-              </a:ext>
-            </a:extLst>
-          </p:cNvPr>
-          <p:cNvSpPr>
-            <a:spLocks noGrp="1"/>
-          </p:cNvSpPr>
-          <p:nvPr>
-            <p:ph type="ftr" sz="quarter" idx="11"/>
-          </p:nvPr>
-        </p:nvSpPr>
-        <p:spPr/>
-        <p:txBody>
-          <a:bodyPr/>
-          <a:lstStyle/>
-          <a:p>
-            <a:endParaRPr lang="en-US"/>
-          </a:p>
-        </p:txBody>
-      </p:sp>
-      <p:sp>
-        <p:nvSpPr>
-          <p:cNvPr id="9" name="Slide Number Placeholder 8">
-            <a:extLst>
-              <a:ext uri="{FF2B5EF4-FFF2-40B4-BE49-F238E27FC236}">
-                <a16:creationId xmlns:a16="http://schemas.microsoft.com/office/drawing/2014/main" id="{C9E9E60A-D5AF-4723-B601-2F7708160D0E}"/>
-              </a:ext>
-            </a:extLst>
-          </p:cNvPr>
-          <p:cNvSpPr>
-            <a:spLocks noGrp="1"/>
-          </p:cNvSpPr>
-          <p:nvPr>
-            <p:ph type="sldNum" sz="quarter" idx="12"/>
-          </p:nvPr>
-        </p:nvSpPr>
-        <p:spPr/>
-        <p:txBody>
-          <a:bodyPr/>
-          <a:lstStyle/>
-          <a:p>
-            <a:fld id="{7921D59F-6012-417E-BE74-CF21C5E8AB83}" type="slidenum">
-              <a:rPr lang="en-US" smtClean="0"/>
-              <a:t>‹#›</a:t>
-            </a:fld>
-            <a:endParaRPr lang="en-US"/>
+            <a:r>
+              <a:rPr lang="en-US" sz="1333" dirty="0" err="1"/>
+              <a:t>ni.com</a:t>
+            </a:r>
+            <a:endParaRPr lang="en-US" sz="1333" dirty="0"/>
           </a:p>
         </p:txBody>
       </p:sp>
     </p:spTree>
     <p:extLst>
       <p:ext uri="{BB962C8B-B14F-4D97-AF65-F5344CB8AC3E}">
-        <p14:creationId xmlns:p14="http://schemas.microsoft.com/office/powerpoint/2010/main" val="4042907930"/>
+        <p14:creationId xmlns:p14="http://schemas.microsoft.com/office/powerpoint/2010/main" val="3963393498"/>
       </p:ext>
     </p:extLst>
   </p:cSld>
@@ -3534,9 +5202,9 @@
 </p:sldLayout>
 </file>
 
-<file path=ppt/slideLayouts/slideLayout6.xml><?xml version="1.0" encoding="utf-8"?>
-<p:sldLayout xmlns:a="http://schemas.openxmlformats.org/drawingml/2006/main" xmlns:r="http://schemas.openxmlformats.org/officeDocument/2006/relationships" xmlns:p="http://schemas.openxmlformats.org/presentationml/2006/main" type="titleOnly" preserve="1">
-  <p:cSld name="Title Only">
+<file path=ppt/slideLayouts/slideLayout4.xml><?xml version="1.0" encoding="utf-8"?>
+<p:sldLayout xmlns:a="http://schemas.openxmlformats.org/drawingml/2006/main" xmlns:r="http://schemas.openxmlformats.org/officeDocument/2006/relationships" xmlns:p="http://schemas.openxmlformats.org/presentationml/2006/main" showMasterSp="0" preserve="1">
+  <p:cSld name="External_1 Line Heading">
     <p:spTree>
       <p:nvGrpSpPr>
         <p:cNvPr id="1" name=""/>
@@ -3553,131 +5221,222 @@
       </p:grpSpPr>
       <p:sp>
         <p:nvSpPr>
-          <p:cNvPr id="2" name="Title 1">
+          <p:cNvPr id="4" name="Title Placeholder 1"/>
+          <p:cNvSpPr>
+            <a:spLocks noGrp="1"/>
+          </p:cNvSpPr>
+          <p:nvPr>
+            <p:ph type="title" hasCustomPrompt="1"/>
+          </p:nvPr>
+        </p:nvSpPr>
+        <p:spPr>
+          <a:xfrm>
+            <a:off x="605367" y="365760"/>
+            <a:ext cx="10972800" cy="609600"/>
+          </a:xfrm>
+          <a:prstGeom prst="rect">
+            <a:avLst/>
+          </a:prstGeom>
+        </p:spPr>
+        <p:txBody>
+          <a:bodyPr vert="horz" lIns="0" tIns="45720" rIns="0" bIns="45720" rtlCol="0" anchor="ctr">
+            <a:noAutofit/>
+          </a:bodyPr>
+          <a:lstStyle>
+            <a:lvl1pPr>
+              <a:defRPr lang="en-US" dirty="0"/>
+            </a:lvl1pPr>
+          </a:lstStyle>
+          <a:p>
+            <a:pPr lvl="0"/>
+            <a:r>
+              <a:rPr lang="en-US" dirty="0"/>
+              <a:t>Click to Edit Master Title Style</a:t>
+            </a:r>
+          </a:p>
+        </p:txBody>
+      </p:sp>
+      <p:sp>
+        <p:nvSpPr>
+          <p:cNvPr id="5" name="Text Placeholder 2"/>
+          <p:cNvSpPr>
+            <a:spLocks noGrp="1"/>
+          </p:cNvSpPr>
+          <p:nvPr>
+            <p:ph idx="1" hasCustomPrompt="1"/>
+          </p:nvPr>
+        </p:nvSpPr>
+        <p:spPr>
+          <a:xfrm>
+            <a:off x="605367" y="975361"/>
+            <a:ext cx="10972800" cy="4896273"/>
+          </a:xfrm>
+          <a:prstGeom prst="rect">
+            <a:avLst/>
+          </a:prstGeom>
+        </p:spPr>
+        <p:txBody>
+          <a:bodyPr vert="horz" lIns="0" tIns="45717" rIns="0" bIns="45717" rtlCol="0">
+            <a:noAutofit/>
+          </a:bodyPr>
+          <a:lstStyle>
+            <a:lvl1pPr>
+              <a:defRPr lang="en-US" dirty="0" smtClean="0"/>
+            </a:lvl1pPr>
+            <a:lvl2pPr>
+              <a:defRPr lang="en-US" dirty="0" smtClean="0"/>
+            </a:lvl2pPr>
+            <a:lvl3pPr>
+              <a:defRPr lang="en-US" dirty="0" smtClean="0"/>
+            </a:lvl3pPr>
+            <a:lvl4pPr>
+              <a:defRPr lang="en-US" dirty="0" smtClean="0"/>
+            </a:lvl4pPr>
+          </a:lstStyle>
+          <a:p>
+            <a:pPr lvl="0"/>
+            <a:r>
+              <a:rPr lang="en-US" dirty="0"/>
+              <a:t>Master text styles</a:t>
+            </a:r>
+          </a:p>
+          <a:p>
+            <a:pPr lvl="1"/>
+            <a:r>
+              <a:rPr lang="en-US" dirty="0"/>
+              <a:t>Second level</a:t>
+            </a:r>
+          </a:p>
+          <a:p>
+            <a:pPr lvl="2"/>
+            <a:r>
+              <a:rPr lang="en-US" dirty="0"/>
+              <a:t>Third level</a:t>
+            </a:r>
+          </a:p>
+          <a:p>
+            <a:pPr lvl="3"/>
+            <a:r>
+              <a:rPr lang="en-US" dirty="0"/>
+              <a:t>Fourth level</a:t>
+            </a:r>
+          </a:p>
+          <a:p>
+            <a:pPr lvl="3"/>
+            <a:endParaRPr lang="en-US" dirty="0"/>
+          </a:p>
+          <a:p>
+            <a:pPr lvl="0"/>
+            <a:endParaRPr lang="en-US" dirty="0"/>
+          </a:p>
+          <a:p>
+            <a:pPr lvl="0"/>
+            <a:endParaRPr lang="en-US" dirty="0"/>
+          </a:p>
+        </p:txBody>
+      </p:sp>
+      <p:sp>
+        <p:nvSpPr>
+          <p:cNvPr id="16" name="Rectangle 15"/>
+          <p:cNvSpPr/>
+          <p:nvPr/>
+        </p:nvSpPr>
+        <p:spPr>
+          <a:xfrm>
+            <a:off x="0" y="0"/>
+            <a:ext cx="12192000" cy="97536"/>
+          </a:xfrm>
+          <a:prstGeom prst="rect">
+            <a:avLst/>
+          </a:prstGeom>
+          <a:solidFill>
+            <a:srgbClr val="0A60A3"/>
+          </a:solidFill>
+          <a:ln>
+            <a:noFill/>
+          </a:ln>
+          <a:effectLst/>
+        </p:spPr>
+        <p:style>
+          <a:lnRef idx="1">
+            <a:schemeClr val="accent1"/>
+          </a:lnRef>
+          <a:fillRef idx="3">
+            <a:schemeClr val="accent1"/>
+          </a:fillRef>
+          <a:effectRef idx="2">
+            <a:schemeClr val="accent1"/>
+          </a:effectRef>
+          <a:fontRef idx="minor">
+            <a:schemeClr val="lt1"/>
+          </a:fontRef>
+        </p:style>
+        <p:txBody>
+          <a:bodyPr lIns="0" rIns="0" rtlCol="0" anchor="ctr"/>
+          <a:lstStyle/>
+          <a:p>
+            <a:pPr algn="ctr"/>
+            <a:endParaRPr lang="en-US" sz="2400"/>
+          </a:p>
+        </p:txBody>
+      </p:sp>
+      <p:pic>
+        <p:nvPicPr>
+          <p:cNvPr id="8" name="Picture 7"/>
+          <p:cNvPicPr>
+            <a:picLocks noChangeAspect="1"/>
+          </p:cNvPicPr>
+          <p:nvPr/>
+        </p:nvPicPr>
+        <p:blipFill>
+          <a:blip r:embed="rId2" cstate="screen">
             <a:extLst>
-              <a:ext uri="{FF2B5EF4-FFF2-40B4-BE49-F238E27FC236}">
-                <a16:creationId xmlns:a16="http://schemas.microsoft.com/office/drawing/2014/main" id="{5B5E8457-E34C-4261-ABD4-C6B0D018AD8D}"/>
+              <a:ext uri="{28A0092B-C50C-407E-A947-70E740481C1C}">
+                <a14:useLocalDpi xmlns:a14="http://schemas.microsoft.com/office/drawing/2010/main"/>
               </a:ext>
             </a:extLst>
-          </p:cNvPr>
-          <p:cNvSpPr>
-            <a:spLocks noGrp="1"/>
-          </p:cNvSpPr>
-          <p:nvPr>
-            <p:ph type="title"/>
-          </p:nvPr>
-        </p:nvSpPr>
-        <p:spPr/>
-        <p:txBody>
-          <a:bodyPr/>
-          <a:lstStyle/>
-          <a:p>
-            <a:r>
-              <a:rPr lang="en-US"/>
-              <a:t>Click to edit Master title style</a:t>
-            </a:r>
-          </a:p>
-        </p:txBody>
-      </p:sp>
-      <p:sp>
-        <p:nvSpPr>
-          <p:cNvPr id="3" name="Date Placeholder 2">
-            <a:extLst>
-              <a:ext uri="{FF2B5EF4-FFF2-40B4-BE49-F238E27FC236}">
-                <a16:creationId xmlns:a16="http://schemas.microsoft.com/office/drawing/2014/main" id="{C1E3718E-4FB6-48E2-917D-5F75D32329A6}"/>
-              </a:ext>
-            </a:extLst>
-          </p:cNvPr>
-          <p:cNvSpPr>
-            <a:spLocks noGrp="1"/>
-          </p:cNvSpPr>
-          <p:nvPr>
-            <p:ph type="dt" sz="half" idx="10"/>
-          </p:nvPr>
-        </p:nvSpPr>
-        <p:spPr/>
-        <p:txBody>
-          <a:bodyPr/>
-          <a:lstStyle/>
-          <a:p>
-            <a:fld id="{C328AB28-8CF8-4FDA-851D-B8A8B08C8597}" type="datetimeFigureOut">
-              <a:rPr lang="en-US" smtClean="0"/>
-              <a:t>2018-06-18</a:t>
-            </a:fld>
-            <a:endParaRPr lang="en-US"/>
-          </a:p>
-        </p:txBody>
-      </p:sp>
-      <p:sp>
-        <p:nvSpPr>
-          <p:cNvPr id="4" name="Footer Placeholder 3">
-            <a:extLst>
-              <a:ext uri="{FF2B5EF4-FFF2-40B4-BE49-F238E27FC236}">
-                <a16:creationId xmlns:a16="http://schemas.microsoft.com/office/drawing/2014/main" id="{31A8F0A5-55B5-44EF-B1B3-606703CA4A6B}"/>
-              </a:ext>
-            </a:extLst>
-          </p:cNvPr>
-          <p:cNvSpPr>
-            <a:spLocks noGrp="1"/>
-          </p:cNvSpPr>
-          <p:nvPr>
-            <p:ph type="ftr" sz="quarter" idx="11"/>
-          </p:nvPr>
-        </p:nvSpPr>
-        <p:spPr/>
-        <p:txBody>
-          <a:bodyPr/>
-          <a:lstStyle/>
-          <a:p>
-            <a:endParaRPr lang="en-US"/>
-          </a:p>
-        </p:txBody>
-      </p:sp>
-      <p:sp>
-        <p:nvSpPr>
-          <p:cNvPr id="5" name="Slide Number Placeholder 4">
-            <a:extLst>
-              <a:ext uri="{FF2B5EF4-FFF2-40B4-BE49-F238E27FC236}">
-                <a16:creationId xmlns:a16="http://schemas.microsoft.com/office/drawing/2014/main" id="{9FEDAB59-CDF1-42A6-8382-E42443F2D3D4}"/>
-              </a:ext>
-            </a:extLst>
-          </p:cNvPr>
-          <p:cNvSpPr>
-            <a:spLocks noGrp="1"/>
-          </p:cNvSpPr>
-          <p:nvPr>
-            <p:ph type="sldNum" sz="quarter" idx="12"/>
-          </p:nvPr>
-        </p:nvSpPr>
-        <p:spPr/>
-        <p:txBody>
-          <a:bodyPr/>
-          <a:lstStyle/>
-          <a:p>
-            <a:fld id="{7921D59F-6012-417E-BE74-CF21C5E8AB83}" type="slidenum">
-              <a:rPr lang="en-US" smtClean="0"/>
-              <a:t>‹#›</a:t>
-            </a:fld>
-            <a:endParaRPr lang="en-US"/>
-          </a:p>
-        </p:txBody>
-      </p:sp>
+          </a:blip>
+          <a:stretch>
+            <a:fillRect/>
+          </a:stretch>
+        </p:blipFill>
+        <p:spPr>
+          <a:xfrm>
+            <a:off x="615165" y="6324601"/>
+            <a:ext cx="1418891" cy="343808"/>
+          </a:xfrm>
+          <a:prstGeom prst="rect">
+            <a:avLst/>
+          </a:prstGeom>
+        </p:spPr>
+      </p:pic>
     </p:spTree>
     <p:extLst>
       <p:ext uri="{BB962C8B-B14F-4D97-AF65-F5344CB8AC3E}">
-        <p14:creationId xmlns:p14="http://schemas.microsoft.com/office/powerpoint/2010/main" val="3147652674"/>
+        <p14:creationId xmlns:p14="http://schemas.microsoft.com/office/powerpoint/2010/main" val="813972755"/>
       </p:ext>
     </p:extLst>
   </p:cSld>
   <p:clrMapOvr>
     <a:masterClrMapping/>
   </p:clrMapOvr>
+  <p:extLst mod="1">
+    <p:ext uri="{DCECCB84-F9BA-43D5-87BE-67443E8EF086}">
+      <p15:sldGuideLst xmlns:p15="http://schemas.microsoft.com/office/powerpoint/2012/main">
+        <p15:guide id="2" pos="2880">
+          <p15:clr>
+            <a:srgbClr val="FBAE40"/>
+          </p15:clr>
+        </p15:guide>
+      </p15:sldGuideLst>
+    </p:ext>
+  </p:extLst>
 </p:sldLayout>
 </file>
 
-<file path=ppt/slideLayouts/slideLayout7.xml><?xml version="1.0" encoding="utf-8"?>
-<p:sldLayout xmlns:a="http://schemas.openxmlformats.org/drawingml/2006/main" xmlns:r="http://schemas.openxmlformats.org/officeDocument/2006/relationships" xmlns:p="http://schemas.openxmlformats.org/presentationml/2006/main" type="blank" preserve="1">
-  <p:cSld name="Blank">
+<file path=ppt/slideLayouts/slideLayout5.xml><?xml version="1.0" encoding="utf-8"?>
+<p:sldLayout xmlns:a="http://schemas.openxmlformats.org/drawingml/2006/main" xmlns:r="http://schemas.openxmlformats.org/officeDocument/2006/relationships" xmlns:p="http://schemas.openxmlformats.org/presentationml/2006/main" showMasterSp="0" preserve="1">
+  <p:cSld name="External_2 Line Heading">
     <p:spTree>
       <p:nvGrpSpPr>
         <p:cNvPr id="1" name=""/>
@@ -3694,103 +5453,254 @@
       </p:grpSpPr>
       <p:sp>
         <p:nvSpPr>
-          <p:cNvPr id="2" name="Date Placeholder 1">
+          <p:cNvPr id="4" name="Title Placeholder 1"/>
+          <p:cNvSpPr>
+            <a:spLocks noGrp="1"/>
+          </p:cNvSpPr>
+          <p:nvPr>
+            <p:ph type="title" hasCustomPrompt="1"/>
+          </p:nvPr>
+        </p:nvSpPr>
+        <p:spPr>
+          <a:xfrm>
+            <a:off x="605367" y="342901"/>
+            <a:ext cx="10972800" cy="1103713"/>
+          </a:xfrm>
+          <a:prstGeom prst="rect">
+            <a:avLst/>
+          </a:prstGeom>
+        </p:spPr>
+        <p:txBody>
+          <a:bodyPr vert="horz" lIns="0" tIns="45720" rIns="0" bIns="45720" rtlCol="0" anchor="ctr">
+            <a:noAutofit/>
+          </a:bodyPr>
+          <a:lstStyle>
+            <a:lvl1pPr algn="l" defTabSz="1219170" rtl="0" eaLnBrk="1" latinLnBrk="0" hangingPunct="1">
+              <a:lnSpc>
+                <a:spcPct val="100000"/>
+              </a:lnSpc>
+              <a:spcBef>
+                <a:spcPct val="0"/>
+              </a:spcBef>
+              <a:buNone/>
+              <a:defRPr lang="en-US" sz="3200" b="0" i="0" kern="1000" spc="0" baseline="0" dirty="0">
+                <a:solidFill>
+                  <a:schemeClr val="bg2">
+                    <a:lumMod val="25000"/>
+                  </a:schemeClr>
+                </a:solidFill>
+                <a:latin typeface="+mn-lt"/>
+                <a:ea typeface="Arial" charset="0"/>
+                <a:cs typeface="Arial" charset="0"/>
+              </a:defRPr>
+            </a:lvl1pPr>
+          </a:lstStyle>
+          <a:p>
+            <a:r>
+              <a:rPr lang="en-US" dirty="0"/>
+              <a:t>Click to Edit Master Title Style</a:t>
+            </a:r>
+            <a:br>
+              <a:rPr lang="en-US" dirty="0"/>
+            </a:br>
+            <a:r>
+              <a:rPr lang="en-US" dirty="0"/>
+              <a:t>For Two Line Header</a:t>
+            </a:r>
+          </a:p>
+        </p:txBody>
+      </p:sp>
+      <p:sp>
+        <p:nvSpPr>
+          <p:cNvPr id="5" name="Text Placeholder 2"/>
+          <p:cNvSpPr>
+            <a:spLocks noGrp="1"/>
+          </p:cNvSpPr>
+          <p:nvPr>
+            <p:ph idx="1" hasCustomPrompt="1"/>
+          </p:nvPr>
+        </p:nvSpPr>
+        <p:spPr>
+          <a:xfrm>
+            <a:off x="605367" y="1463547"/>
+            <a:ext cx="10972800" cy="4433476"/>
+          </a:xfrm>
+          <a:prstGeom prst="rect">
+            <a:avLst/>
+          </a:prstGeom>
+        </p:spPr>
+        <p:txBody>
+          <a:bodyPr vert="horz" lIns="0" tIns="45717" rIns="0" bIns="45717" rtlCol="0">
+            <a:noAutofit/>
+          </a:bodyPr>
+          <a:lstStyle>
+            <a:lvl1pPr>
+              <a:defRPr lang="en-US" dirty="0" smtClean="0"/>
+            </a:lvl1pPr>
+            <a:lvl2pPr>
+              <a:defRPr lang="en-US" dirty="0" smtClean="0"/>
+            </a:lvl2pPr>
+            <a:lvl3pPr>
+              <a:defRPr lang="en-US" dirty="0" smtClean="0"/>
+            </a:lvl3pPr>
+            <a:lvl4pPr>
+              <a:defRPr lang="en-US" dirty="0" smtClean="0"/>
+            </a:lvl4pPr>
+          </a:lstStyle>
+          <a:p>
+            <a:pPr lvl="0"/>
+            <a:r>
+              <a:rPr lang="en-US" dirty="0"/>
+              <a:t>Master text styles</a:t>
+            </a:r>
+          </a:p>
+          <a:p>
+            <a:pPr lvl="1"/>
+            <a:r>
+              <a:rPr lang="en-US" dirty="0"/>
+              <a:t>Second level</a:t>
+            </a:r>
+          </a:p>
+          <a:p>
+            <a:pPr lvl="2"/>
+            <a:r>
+              <a:rPr lang="en-US" dirty="0"/>
+              <a:t>Third level</a:t>
+            </a:r>
+          </a:p>
+          <a:p>
+            <a:pPr lvl="3"/>
+            <a:r>
+              <a:rPr lang="en-US" dirty="0"/>
+              <a:t>Fourth level</a:t>
+            </a:r>
+          </a:p>
+          <a:p>
+            <a:pPr lvl="3"/>
+            <a:endParaRPr lang="en-US" dirty="0"/>
+          </a:p>
+          <a:p>
+            <a:pPr lvl="0"/>
+            <a:endParaRPr lang="en-US" dirty="0"/>
+          </a:p>
+          <a:p>
+            <a:pPr lvl="0"/>
+            <a:endParaRPr lang="en-US" dirty="0"/>
+          </a:p>
+        </p:txBody>
+      </p:sp>
+      <p:sp>
+        <p:nvSpPr>
+          <p:cNvPr id="16" name="Rectangle 15"/>
+          <p:cNvSpPr/>
+          <p:nvPr/>
+        </p:nvSpPr>
+        <p:spPr>
+          <a:xfrm>
+            <a:off x="0" y="0"/>
+            <a:ext cx="12192000" cy="97536"/>
+          </a:xfrm>
+          <a:prstGeom prst="rect">
+            <a:avLst/>
+          </a:prstGeom>
+          <a:solidFill>
+            <a:srgbClr val="0A60A3"/>
+          </a:solidFill>
+          <a:ln>
+            <a:noFill/>
+          </a:ln>
+          <a:effectLst/>
+        </p:spPr>
+        <p:style>
+          <a:lnRef idx="1">
+            <a:schemeClr val="accent1"/>
+          </a:lnRef>
+          <a:fillRef idx="3">
+            <a:schemeClr val="accent1"/>
+          </a:fillRef>
+          <a:effectRef idx="2">
+            <a:schemeClr val="accent1"/>
+          </a:effectRef>
+          <a:fontRef idx="minor">
+            <a:schemeClr val="lt1"/>
+          </a:fontRef>
+        </p:style>
+        <p:txBody>
+          <a:bodyPr lIns="0" rIns="0" rtlCol="0" anchor="ctr"/>
+          <a:lstStyle/>
+          <a:p>
+            <a:pPr algn="ctr"/>
+            <a:endParaRPr lang="en-US" sz="2400"/>
+          </a:p>
+        </p:txBody>
+      </p:sp>
+      <p:pic>
+        <p:nvPicPr>
+          <p:cNvPr id="8" name="Picture 7"/>
+          <p:cNvPicPr>
+            <a:picLocks noChangeAspect="1"/>
+          </p:cNvPicPr>
+          <p:nvPr/>
+        </p:nvPicPr>
+        <p:blipFill>
+          <a:blip r:embed="rId2" cstate="screen">
             <a:extLst>
-              <a:ext uri="{FF2B5EF4-FFF2-40B4-BE49-F238E27FC236}">
-                <a16:creationId xmlns:a16="http://schemas.microsoft.com/office/drawing/2014/main" id="{B86965D5-EBE9-47F3-AC31-8F9020318B72}"/>
+              <a:ext uri="{28A0092B-C50C-407E-A947-70E740481C1C}">
+                <a14:useLocalDpi xmlns:a14="http://schemas.microsoft.com/office/drawing/2010/main"/>
               </a:ext>
             </a:extLst>
-          </p:cNvPr>
-          <p:cNvSpPr>
-            <a:spLocks noGrp="1"/>
-          </p:cNvSpPr>
-          <p:nvPr>
-            <p:ph type="dt" sz="half" idx="10"/>
-          </p:nvPr>
-        </p:nvSpPr>
-        <p:spPr/>
-        <p:txBody>
-          <a:bodyPr/>
-          <a:lstStyle/>
-          <a:p>
-            <a:fld id="{C328AB28-8CF8-4FDA-851D-B8A8B08C8597}" type="datetimeFigureOut">
-              <a:rPr lang="en-US" smtClean="0"/>
-              <a:t>2018-06-18</a:t>
-            </a:fld>
-            <a:endParaRPr lang="en-US"/>
-          </a:p>
-        </p:txBody>
-      </p:sp>
-      <p:sp>
-        <p:nvSpPr>
-          <p:cNvPr id="3" name="Footer Placeholder 2">
-            <a:extLst>
-              <a:ext uri="{FF2B5EF4-FFF2-40B4-BE49-F238E27FC236}">
-                <a16:creationId xmlns:a16="http://schemas.microsoft.com/office/drawing/2014/main" id="{527F4CBF-3452-480E-809E-E8EFEBA82A06}"/>
-              </a:ext>
-            </a:extLst>
-          </p:cNvPr>
-          <p:cNvSpPr>
-            <a:spLocks noGrp="1"/>
-          </p:cNvSpPr>
-          <p:nvPr>
-            <p:ph type="ftr" sz="quarter" idx="11"/>
-          </p:nvPr>
-        </p:nvSpPr>
-        <p:spPr/>
-        <p:txBody>
-          <a:bodyPr/>
-          <a:lstStyle/>
-          <a:p>
-            <a:endParaRPr lang="en-US"/>
-          </a:p>
-        </p:txBody>
-      </p:sp>
-      <p:sp>
-        <p:nvSpPr>
-          <p:cNvPr id="4" name="Slide Number Placeholder 3">
-            <a:extLst>
-              <a:ext uri="{FF2B5EF4-FFF2-40B4-BE49-F238E27FC236}">
-                <a16:creationId xmlns:a16="http://schemas.microsoft.com/office/drawing/2014/main" id="{97986BB5-17D6-440F-AAEC-3800EF11B953}"/>
-              </a:ext>
-            </a:extLst>
-          </p:cNvPr>
-          <p:cNvSpPr>
-            <a:spLocks noGrp="1"/>
-          </p:cNvSpPr>
-          <p:nvPr>
-            <p:ph type="sldNum" sz="quarter" idx="12"/>
-          </p:nvPr>
-        </p:nvSpPr>
-        <p:spPr/>
-        <p:txBody>
-          <a:bodyPr/>
-          <a:lstStyle/>
-          <a:p>
-            <a:fld id="{7921D59F-6012-417E-BE74-CF21C5E8AB83}" type="slidenum">
-              <a:rPr lang="en-US" smtClean="0"/>
-              <a:t>‹#›</a:t>
-            </a:fld>
-            <a:endParaRPr lang="en-US"/>
-          </a:p>
-        </p:txBody>
-      </p:sp>
+          </a:blip>
+          <a:stretch>
+            <a:fillRect/>
+          </a:stretch>
+        </p:blipFill>
+        <p:spPr>
+          <a:xfrm>
+            <a:off x="615165" y="6324601"/>
+            <a:ext cx="1418891" cy="343808"/>
+          </a:xfrm>
+          <a:prstGeom prst="rect">
+            <a:avLst/>
+          </a:prstGeom>
+        </p:spPr>
+      </p:pic>
     </p:spTree>
     <p:extLst>
       <p:ext uri="{BB962C8B-B14F-4D97-AF65-F5344CB8AC3E}">
-        <p14:creationId xmlns:p14="http://schemas.microsoft.com/office/powerpoint/2010/main" val="1536879907"/>
+        <p14:creationId xmlns:p14="http://schemas.microsoft.com/office/powerpoint/2010/main" val="2693834597"/>
       </p:ext>
     </p:extLst>
   </p:cSld>
   <p:clrMapOvr>
     <a:masterClrMapping/>
   </p:clrMapOvr>
+  <p:extLst mod="1">
+    <p:ext uri="{DCECCB84-F9BA-43D5-87BE-67443E8EF086}">
+      <p15:sldGuideLst xmlns:p15="http://schemas.microsoft.com/office/powerpoint/2012/main">
+        <p15:guide id="2" pos="2880">
+          <p15:clr>
+            <a:srgbClr val="FBAE40"/>
+          </p15:clr>
+        </p15:guide>
+        <p15:guide id="3" orient="horz" pos="1620">
+          <p15:clr>
+            <a:srgbClr val="FBAE40"/>
+          </p15:clr>
+        </p15:guide>
+        <p15:guide id="4" orient="horz" pos="860">
+          <p15:clr>
+            <a:srgbClr val="FBAE40"/>
+          </p15:clr>
+        </p15:guide>
+      </p15:sldGuideLst>
+    </p:ext>
+  </p:extLst>
 </p:sldLayout>
 </file>
 
-<file path=ppt/slideLayouts/slideLayout8.xml><?xml version="1.0" encoding="utf-8"?>
-<p:sldLayout xmlns:a="http://schemas.openxmlformats.org/drawingml/2006/main" xmlns:r="http://schemas.openxmlformats.org/officeDocument/2006/relationships" xmlns:p="http://schemas.openxmlformats.org/presentationml/2006/main" type="objTx" preserve="1">
-  <p:cSld name="Content with Caption">
+<file path=ppt/slideLayouts/slideLayout6.xml><?xml version="1.0" encoding="utf-8"?>
+<p:sldLayout xmlns:a="http://schemas.openxmlformats.org/drawingml/2006/main" xmlns:r="http://schemas.openxmlformats.org/officeDocument/2006/relationships" xmlns:p="http://schemas.openxmlformats.org/presentationml/2006/main" showMasterSp="0" preserve="1">
+  <p:cSld name="External_1 Heading with Subhead">
     <p:spTree>
       <p:nvGrpSpPr>
         <p:cNvPr id="1" name=""/>
@@ -3807,301 +5717,285 @@
       </p:grpSpPr>
       <p:sp>
         <p:nvSpPr>
-          <p:cNvPr id="2" name="Title 1">
+          <p:cNvPr id="4" name="Title Placeholder 1"/>
+          <p:cNvSpPr>
+            <a:spLocks noGrp="1"/>
+          </p:cNvSpPr>
+          <p:nvPr>
+            <p:ph type="title" hasCustomPrompt="1"/>
+          </p:nvPr>
+        </p:nvSpPr>
+        <p:spPr>
+          <a:xfrm>
+            <a:off x="605367" y="365760"/>
+            <a:ext cx="10972800" cy="609600"/>
+          </a:xfrm>
+          <a:prstGeom prst="rect">
+            <a:avLst/>
+          </a:prstGeom>
+        </p:spPr>
+        <p:txBody>
+          <a:bodyPr vert="horz" lIns="0" tIns="45720" rIns="0" bIns="45720" rtlCol="0" anchor="ctr">
+            <a:noAutofit/>
+          </a:bodyPr>
+          <a:lstStyle/>
+          <a:p>
+            <a:r>
+              <a:rPr lang="en-US" dirty="0"/>
+              <a:t>Click to Edit Master Title Style</a:t>
+            </a:r>
+          </a:p>
+        </p:txBody>
+      </p:sp>
+      <p:sp>
+        <p:nvSpPr>
+          <p:cNvPr id="5" name="Text Placeholder 2"/>
+          <p:cNvSpPr>
+            <a:spLocks noGrp="1"/>
+          </p:cNvSpPr>
+          <p:nvPr>
+            <p:ph idx="1" hasCustomPrompt="1"/>
+          </p:nvPr>
+        </p:nvSpPr>
+        <p:spPr>
+          <a:xfrm>
+            <a:off x="605367" y="1366520"/>
+            <a:ext cx="10972800" cy="4279208"/>
+          </a:xfrm>
+          <a:prstGeom prst="rect">
+            <a:avLst/>
+          </a:prstGeom>
+        </p:spPr>
+        <p:txBody>
+          <a:bodyPr vert="horz" lIns="0" tIns="45717" rIns="0" bIns="45717" rtlCol="0">
+            <a:noAutofit/>
+          </a:bodyPr>
+          <a:lstStyle>
+            <a:lvl1pPr>
+              <a:defRPr lang="en-US" dirty="0" smtClean="0"/>
+            </a:lvl1pPr>
+            <a:lvl2pPr>
+              <a:defRPr lang="en-US" dirty="0" smtClean="0"/>
+            </a:lvl2pPr>
+            <a:lvl3pPr>
+              <a:defRPr lang="en-US" dirty="0" smtClean="0"/>
+            </a:lvl3pPr>
+            <a:lvl4pPr>
+              <a:defRPr lang="en-US" dirty="0" smtClean="0"/>
+            </a:lvl4pPr>
+          </a:lstStyle>
+          <a:p>
+            <a:pPr lvl="0"/>
+            <a:r>
+              <a:rPr lang="en-US" dirty="0"/>
+              <a:t>Master text styles</a:t>
+            </a:r>
+          </a:p>
+          <a:p>
+            <a:pPr lvl="1"/>
+            <a:r>
+              <a:rPr lang="en-US" dirty="0"/>
+              <a:t>Second level</a:t>
+            </a:r>
+          </a:p>
+          <a:p>
+            <a:pPr lvl="2"/>
+            <a:r>
+              <a:rPr lang="en-US" dirty="0"/>
+              <a:t>Third level</a:t>
+            </a:r>
+          </a:p>
+          <a:p>
+            <a:pPr lvl="3"/>
+            <a:r>
+              <a:rPr lang="en-US" dirty="0"/>
+              <a:t>Fourth level</a:t>
+            </a:r>
+          </a:p>
+          <a:p>
+            <a:pPr lvl="3"/>
+            <a:endParaRPr lang="en-US" dirty="0"/>
+          </a:p>
+          <a:p>
+            <a:pPr lvl="0"/>
+            <a:endParaRPr lang="en-US" dirty="0"/>
+          </a:p>
+          <a:p>
+            <a:pPr lvl="0"/>
+            <a:endParaRPr lang="en-US" dirty="0"/>
+          </a:p>
+        </p:txBody>
+      </p:sp>
+      <p:sp>
+        <p:nvSpPr>
+          <p:cNvPr id="16" name="Rectangle 15"/>
+          <p:cNvSpPr/>
+          <p:nvPr/>
+        </p:nvSpPr>
+        <p:spPr>
+          <a:xfrm>
+            <a:off x="0" y="0"/>
+            <a:ext cx="12192000" cy="97536"/>
+          </a:xfrm>
+          <a:prstGeom prst="rect">
+            <a:avLst/>
+          </a:prstGeom>
+          <a:solidFill>
+            <a:srgbClr val="0A60A3"/>
+          </a:solidFill>
+          <a:ln>
+            <a:noFill/>
+          </a:ln>
+          <a:effectLst/>
+        </p:spPr>
+        <p:style>
+          <a:lnRef idx="1">
+            <a:schemeClr val="accent1"/>
+          </a:lnRef>
+          <a:fillRef idx="3">
+            <a:schemeClr val="accent1"/>
+          </a:fillRef>
+          <a:effectRef idx="2">
+            <a:schemeClr val="accent1"/>
+          </a:effectRef>
+          <a:fontRef idx="minor">
+            <a:schemeClr val="lt1"/>
+          </a:fontRef>
+        </p:style>
+        <p:txBody>
+          <a:bodyPr lIns="0" rIns="0" rtlCol="0" anchor="ctr"/>
+          <a:lstStyle/>
+          <a:p>
+            <a:pPr algn="ctr"/>
+            <a:endParaRPr lang="en-US" sz="2400"/>
+          </a:p>
+        </p:txBody>
+      </p:sp>
+      <p:sp>
+        <p:nvSpPr>
+          <p:cNvPr id="21" name="Text Placeholder 6"/>
+          <p:cNvSpPr>
+            <a:spLocks noGrp="1"/>
+          </p:cNvSpPr>
+          <p:nvPr>
+            <p:ph type="body" sz="quarter" idx="10" hasCustomPrompt="1"/>
+          </p:nvPr>
+        </p:nvSpPr>
+        <p:spPr>
+          <a:xfrm>
+            <a:off x="605368" y="975360"/>
+            <a:ext cx="10972800" cy="365760"/>
+          </a:xfrm>
+        </p:spPr>
+        <p:txBody>
+          <a:bodyPr anchor="ctr"/>
+          <a:lstStyle>
+            <a:lvl1pPr marL="0" marR="0" indent="0" algn="l" defTabSz="1219170" rtl="0" eaLnBrk="1" fontAlgn="auto" latinLnBrk="0" hangingPunct="1">
+              <a:lnSpc>
+                <a:spcPct val="90000"/>
+              </a:lnSpc>
+              <a:spcBef>
+                <a:spcPts val="1333"/>
+              </a:spcBef>
+              <a:spcAft>
+                <a:spcPts val="0"/>
+              </a:spcAft>
+              <a:buClrTx/>
+              <a:buSzTx/>
+              <a:buFont typeface="Arial"/>
+              <a:buNone/>
+              <a:tabLst/>
+              <a:defRPr sz="2400">
+                <a:solidFill>
+                  <a:schemeClr val="bg2">
+                    <a:lumMod val="50000"/>
+                  </a:schemeClr>
+                </a:solidFill>
+              </a:defRPr>
+            </a:lvl1pPr>
+          </a:lstStyle>
+          <a:p>
+            <a:pPr marL="0" marR="0" lvl="0" indent="0" algn="l" defTabSz="1219170" rtl="0" eaLnBrk="1" fontAlgn="auto" latinLnBrk="0" hangingPunct="1">
+              <a:lnSpc>
+                <a:spcPct val="90000"/>
+              </a:lnSpc>
+              <a:spcBef>
+                <a:spcPts val="1333"/>
+              </a:spcBef>
+              <a:spcAft>
+                <a:spcPts val="0"/>
+              </a:spcAft>
+              <a:buClrTx/>
+              <a:buSzTx/>
+              <a:buFont typeface="Arial"/>
+              <a:buNone/>
+              <a:tabLst/>
+              <a:defRPr/>
+            </a:pPr>
+            <a:r>
+              <a:rPr lang="en-US" dirty="0"/>
+              <a:t>Subhead Text</a:t>
+            </a:r>
+          </a:p>
+        </p:txBody>
+      </p:sp>
+      <p:pic>
+        <p:nvPicPr>
+          <p:cNvPr id="9" name="Picture 8"/>
+          <p:cNvPicPr>
+            <a:picLocks noChangeAspect="1"/>
+          </p:cNvPicPr>
+          <p:nvPr/>
+        </p:nvPicPr>
+        <p:blipFill>
+          <a:blip r:embed="rId2" cstate="screen">
             <a:extLst>
-              <a:ext uri="{FF2B5EF4-FFF2-40B4-BE49-F238E27FC236}">
-                <a16:creationId xmlns:a16="http://schemas.microsoft.com/office/drawing/2014/main" id="{F1049096-925C-42D9-BA0E-9CDD41D02D83}"/>
+              <a:ext uri="{28A0092B-C50C-407E-A947-70E740481C1C}">
+                <a14:useLocalDpi xmlns:a14="http://schemas.microsoft.com/office/drawing/2010/main"/>
               </a:ext>
             </a:extLst>
-          </p:cNvPr>
-          <p:cNvSpPr>
-            <a:spLocks noGrp="1"/>
-          </p:cNvSpPr>
-          <p:nvPr>
-            <p:ph type="title"/>
-          </p:nvPr>
-        </p:nvSpPr>
+          </a:blip>
+          <a:stretch>
+            <a:fillRect/>
+          </a:stretch>
+        </p:blipFill>
         <p:spPr>
           <a:xfrm>
-            <a:off x="839788" y="457200"/>
-            <a:ext cx="3932237" cy="1600200"/>
+            <a:off x="615165" y="6324601"/>
+            <a:ext cx="1418891" cy="343808"/>
           </a:xfrm>
+          <a:prstGeom prst="rect">
+            <a:avLst/>
+          </a:prstGeom>
         </p:spPr>
-        <p:txBody>
-          <a:bodyPr anchor="b"/>
-          <a:lstStyle>
-            <a:lvl1pPr>
-              <a:defRPr sz="3200"/>
-            </a:lvl1pPr>
-          </a:lstStyle>
-          <a:p>
-            <a:r>
-              <a:rPr lang="en-US"/>
-              <a:t>Click to edit Master title style</a:t>
-            </a:r>
-          </a:p>
-        </p:txBody>
-      </p:sp>
-      <p:sp>
-        <p:nvSpPr>
-          <p:cNvPr id="3" name="Content Placeholder 2">
-            <a:extLst>
-              <a:ext uri="{FF2B5EF4-FFF2-40B4-BE49-F238E27FC236}">
-                <a16:creationId xmlns:a16="http://schemas.microsoft.com/office/drawing/2014/main" id="{F29C9405-8E59-43BF-90FE-80EF83EFCF60}"/>
-              </a:ext>
-            </a:extLst>
-          </p:cNvPr>
-          <p:cNvSpPr>
-            <a:spLocks noGrp="1"/>
-          </p:cNvSpPr>
-          <p:nvPr>
-            <p:ph idx="1"/>
-          </p:nvPr>
-        </p:nvSpPr>
-        <p:spPr>
-          <a:xfrm>
-            <a:off x="5183188" y="987425"/>
-            <a:ext cx="6172200" cy="4873625"/>
-          </a:xfrm>
-        </p:spPr>
-        <p:txBody>
-          <a:bodyPr/>
-          <a:lstStyle>
-            <a:lvl1pPr>
-              <a:defRPr sz="3200"/>
-            </a:lvl1pPr>
-            <a:lvl2pPr>
-              <a:defRPr sz="2800"/>
-            </a:lvl2pPr>
-            <a:lvl3pPr>
-              <a:defRPr sz="2400"/>
-            </a:lvl3pPr>
-            <a:lvl4pPr>
-              <a:defRPr sz="2000"/>
-            </a:lvl4pPr>
-            <a:lvl5pPr>
-              <a:defRPr sz="2000"/>
-            </a:lvl5pPr>
-            <a:lvl6pPr>
-              <a:defRPr sz="2000"/>
-            </a:lvl6pPr>
-            <a:lvl7pPr>
-              <a:defRPr sz="2000"/>
-            </a:lvl7pPr>
-            <a:lvl8pPr>
-              <a:defRPr sz="2000"/>
-            </a:lvl8pPr>
-            <a:lvl9pPr>
-              <a:defRPr sz="2000"/>
-            </a:lvl9pPr>
-          </a:lstStyle>
-          <a:p>
-            <a:pPr lvl="0"/>
-            <a:r>
-              <a:rPr lang="en-US"/>
-              <a:t>Edit Master text styles</a:t>
-            </a:r>
-          </a:p>
-          <a:p>
-            <a:pPr lvl="1"/>
-            <a:r>
-              <a:rPr lang="en-US"/>
-              <a:t>Second level</a:t>
-            </a:r>
-          </a:p>
-          <a:p>
-            <a:pPr lvl="2"/>
-            <a:r>
-              <a:rPr lang="en-US"/>
-              <a:t>Third level</a:t>
-            </a:r>
-          </a:p>
-          <a:p>
-            <a:pPr lvl="3"/>
-            <a:r>
-              <a:rPr lang="en-US"/>
-              <a:t>Fourth level</a:t>
-            </a:r>
-          </a:p>
-          <a:p>
-            <a:pPr lvl="4"/>
-            <a:r>
-              <a:rPr lang="en-US"/>
-              <a:t>Fifth level</a:t>
-            </a:r>
-          </a:p>
-        </p:txBody>
-      </p:sp>
-      <p:sp>
-        <p:nvSpPr>
-          <p:cNvPr id="4" name="Text Placeholder 3">
-            <a:extLst>
-              <a:ext uri="{FF2B5EF4-FFF2-40B4-BE49-F238E27FC236}">
-                <a16:creationId xmlns:a16="http://schemas.microsoft.com/office/drawing/2014/main" id="{191A8050-4593-4EE8-8CC0-8423114F45B0}"/>
-              </a:ext>
-            </a:extLst>
-          </p:cNvPr>
-          <p:cNvSpPr>
-            <a:spLocks noGrp="1"/>
-          </p:cNvSpPr>
-          <p:nvPr>
-            <p:ph type="body" sz="half" idx="2"/>
-          </p:nvPr>
-        </p:nvSpPr>
-        <p:spPr>
-          <a:xfrm>
-            <a:off x="839788" y="2057400"/>
-            <a:ext cx="3932237" cy="3811588"/>
-          </a:xfrm>
-        </p:spPr>
-        <p:txBody>
-          <a:bodyPr/>
-          <a:lstStyle>
-            <a:lvl1pPr marL="0" indent="0">
-              <a:buNone/>
-              <a:defRPr sz="1600"/>
-            </a:lvl1pPr>
-            <a:lvl2pPr marL="457200" indent="0">
-              <a:buNone/>
-              <a:defRPr sz="1400"/>
-            </a:lvl2pPr>
-            <a:lvl3pPr marL="914400" indent="0">
-              <a:buNone/>
-              <a:defRPr sz="1200"/>
-            </a:lvl3pPr>
-            <a:lvl4pPr marL="1371600" indent="0">
-              <a:buNone/>
-              <a:defRPr sz="1000"/>
-            </a:lvl4pPr>
-            <a:lvl5pPr marL="1828800" indent="0">
-              <a:buNone/>
-              <a:defRPr sz="1000"/>
-            </a:lvl5pPr>
-            <a:lvl6pPr marL="2286000" indent="0">
-              <a:buNone/>
-              <a:defRPr sz="1000"/>
-            </a:lvl6pPr>
-            <a:lvl7pPr marL="2743200" indent="0">
-              <a:buNone/>
-              <a:defRPr sz="1000"/>
-            </a:lvl7pPr>
-            <a:lvl8pPr marL="3200400" indent="0">
-              <a:buNone/>
-              <a:defRPr sz="1000"/>
-            </a:lvl8pPr>
-            <a:lvl9pPr marL="3657600" indent="0">
-              <a:buNone/>
-              <a:defRPr sz="1000"/>
-            </a:lvl9pPr>
-          </a:lstStyle>
-          <a:p>
-            <a:pPr lvl="0"/>
-            <a:r>
-              <a:rPr lang="en-US"/>
-              <a:t>Edit Master text styles</a:t>
-            </a:r>
-          </a:p>
-        </p:txBody>
-      </p:sp>
-      <p:sp>
-        <p:nvSpPr>
-          <p:cNvPr id="5" name="Date Placeholder 4">
-            <a:extLst>
-              <a:ext uri="{FF2B5EF4-FFF2-40B4-BE49-F238E27FC236}">
-                <a16:creationId xmlns:a16="http://schemas.microsoft.com/office/drawing/2014/main" id="{6E953F39-7CF4-469A-B916-344A6BFF52CC}"/>
-              </a:ext>
-            </a:extLst>
-          </p:cNvPr>
-          <p:cNvSpPr>
-            <a:spLocks noGrp="1"/>
-          </p:cNvSpPr>
-          <p:nvPr>
-            <p:ph type="dt" sz="half" idx="10"/>
-          </p:nvPr>
-        </p:nvSpPr>
-        <p:spPr/>
-        <p:txBody>
-          <a:bodyPr/>
-          <a:lstStyle/>
-          <a:p>
-            <a:fld id="{C328AB28-8CF8-4FDA-851D-B8A8B08C8597}" type="datetimeFigureOut">
-              <a:rPr lang="en-US" smtClean="0"/>
-              <a:t>2018-06-18</a:t>
-            </a:fld>
-            <a:endParaRPr lang="en-US"/>
-          </a:p>
-        </p:txBody>
-      </p:sp>
-      <p:sp>
-        <p:nvSpPr>
-          <p:cNvPr id="6" name="Footer Placeholder 5">
-            <a:extLst>
-              <a:ext uri="{FF2B5EF4-FFF2-40B4-BE49-F238E27FC236}">
-                <a16:creationId xmlns:a16="http://schemas.microsoft.com/office/drawing/2014/main" id="{0E51F3C3-C4F4-4A3C-9E0D-7C9CBB603127}"/>
-              </a:ext>
-            </a:extLst>
-          </p:cNvPr>
-          <p:cNvSpPr>
-            <a:spLocks noGrp="1"/>
-          </p:cNvSpPr>
-          <p:nvPr>
-            <p:ph type="ftr" sz="quarter" idx="11"/>
-          </p:nvPr>
-        </p:nvSpPr>
-        <p:spPr/>
-        <p:txBody>
-          <a:bodyPr/>
-          <a:lstStyle/>
-          <a:p>
-            <a:endParaRPr lang="en-US"/>
-          </a:p>
-        </p:txBody>
-      </p:sp>
-      <p:sp>
-        <p:nvSpPr>
-          <p:cNvPr id="7" name="Slide Number Placeholder 6">
-            <a:extLst>
-              <a:ext uri="{FF2B5EF4-FFF2-40B4-BE49-F238E27FC236}">
-                <a16:creationId xmlns:a16="http://schemas.microsoft.com/office/drawing/2014/main" id="{F7263DA3-1D59-43DF-A99B-CA7FC509E710}"/>
-              </a:ext>
-            </a:extLst>
-          </p:cNvPr>
-          <p:cNvSpPr>
-            <a:spLocks noGrp="1"/>
-          </p:cNvSpPr>
-          <p:nvPr>
-            <p:ph type="sldNum" sz="quarter" idx="12"/>
-          </p:nvPr>
-        </p:nvSpPr>
-        <p:spPr/>
-        <p:txBody>
-          <a:bodyPr/>
-          <a:lstStyle/>
-          <a:p>
-            <a:fld id="{7921D59F-6012-417E-BE74-CF21C5E8AB83}" type="slidenum">
-              <a:rPr lang="en-US" smtClean="0"/>
-              <a:t>‹#›</a:t>
-            </a:fld>
-            <a:endParaRPr lang="en-US"/>
-          </a:p>
-        </p:txBody>
-      </p:sp>
+      </p:pic>
     </p:spTree>
     <p:extLst>
       <p:ext uri="{BB962C8B-B14F-4D97-AF65-F5344CB8AC3E}">
-        <p14:creationId xmlns:p14="http://schemas.microsoft.com/office/powerpoint/2010/main" val="3207002599"/>
+        <p14:creationId xmlns:p14="http://schemas.microsoft.com/office/powerpoint/2010/main" val="3767136642"/>
       </p:ext>
     </p:extLst>
   </p:cSld>
   <p:clrMapOvr>
     <a:masterClrMapping/>
   </p:clrMapOvr>
+  <p:extLst mod="1">
+    <p:ext uri="{DCECCB84-F9BA-43D5-87BE-67443E8EF086}">
+      <p15:sldGuideLst xmlns:p15="http://schemas.microsoft.com/office/powerpoint/2012/main">
+        <p15:guide id="2" pos="2880">
+          <p15:clr>
+            <a:srgbClr val="FBAE40"/>
+          </p15:clr>
+        </p15:guide>
+      </p15:sldGuideLst>
+    </p:ext>
+  </p:extLst>
 </p:sldLayout>
 </file>
 
-<file path=ppt/slideLayouts/slideLayout9.xml><?xml version="1.0" encoding="utf-8"?>
-<p:sldLayout xmlns:a="http://schemas.openxmlformats.org/drawingml/2006/main" xmlns:r="http://schemas.openxmlformats.org/officeDocument/2006/relationships" xmlns:p="http://schemas.openxmlformats.org/presentationml/2006/main" type="picTx" preserve="1">
-  <p:cSld name="Picture with Caption">
+<file path=ppt/slideLayouts/slideLayout7.xml><?xml version="1.0" encoding="utf-8"?>
+<p:sldLayout xmlns:a="http://schemas.openxmlformats.org/drawingml/2006/main" xmlns:r="http://schemas.openxmlformats.org/officeDocument/2006/relationships" xmlns:p="http://schemas.openxmlformats.org/presentationml/2006/main" showMasterSp="0" preserve="1">
+  <p:cSld name="External_2 Line Heading w Subhead">
     <p:spTree>
       <p:nvGrpSpPr>
         <p:cNvPr id="1" name=""/>
@@ -4118,266 +6012,496 @@
       </p:grpSpPr>
       <p:sp>
         <p:nvSpPr>
-          <p:cNvPr id="2" name="Title 1">
+          <p:cNvPr id="4" name="Title Placeholder 1"/>
+          <p:cNvSpPr>
+            <a:spLocks noGrp="1"/>
+          </p:cNvSpPr>
+          <p:nvPr>
+            <p:ph type="title" hasCustomPrompt="1"/>
+          </p:nvPr>
+        </p:nvSpPr>
+        <p:spPr>
+          <a:xfrm>
+            <a:off x="605367" y="349335"/>
+            <a:ext cx="10972800" cy="1097280"/>
+          </a:xfrm>
+          <a:prstGeom prst="rect">
+            <a:avLst/>
+          </a:prstGeom>
+        </p:spPr>
+        <p:txBody>
+          <a:bodyPr vert="horz" lIns="0" tIns="45720" rIns="0" bIns="45720" rtlCol="0" anchor="ctr">
+            <a:noAutofit/>
+          </a:bodyPr>
+          <a:lstStyle>
+            <a:lvl1pPr algn="l" defTabSz="1219170" rtl="0" eaLnBrk="1" latinLnBrk="0" hangingPunct="1">
+              <a:lnSpc>
+                <a:spcPct val="100000"/>
+              </a:lnSpc>
+              <a:spcBef>
+                <a:spcPct val="0"/>
+              </a:spcBef>
+              <a:buNone/>
+              <a:defRPr lang="en-US" sz="3200" b="0" i="0" kern="1000" spc="0" baseline="0" dirty="0">
+                <a:solidFill>
+                  <a:schemeClr val="bg2">
+                    <a:lumMod val="25000"/>
+                  </a:schemeClr>
+                </a:solidFill>
+                <a:latin typeface="+mn-lt"/>
+                <a:ea typeface="Arial" charset="0"/>
+                <a:cs typeface="Arial" charset="0"/>
+              </a:defRPr>
+            </a:lvl1pPr>
+          </a:lstStyle>
+          <a:p>
+            <a:r>
+              <a:rPr lang="en-US" dirty="0"/>
+              <a:t>Click to Edit Master Title Style</a:t>
+            </a:r>
+            <a:br>
+              <a:rPr lang="en-US" dirty="0"/>
+            </a:br>
+            <a:r>
+              <a:rPr lang="en-US" dirty="0"/>
+              <a:t>For Two Line Header</a:t>
+            </a:r>
+          </a:p>
+        </p:txBody>
+      </p:sp>
+      <p:sp>
+        <p:nvSpPr>
+          <p:cNvPr id="5" name="Text Placeholder 2"/>
+          <p:cNvSpPr>
+            <a:spLocks noGrp="1"/>
+          </p:cNvSpPr>
+          <p:nvPr>
+            <p:ph idx="1" hasCustomPrompt="1"/>
+          </p:nvPr>
+        </p:nvSpPr>
+        <p:spPr>
+          <a:xfrm>
+            <a:off x="605367" y="1833542"/>
+            <a:ext cx="10972800" cy="3998228"/>
+          </a:xfrm>
+          <a:prstGeom prst="rect">
+            <a:avLst/>
+          </a:prstGeom>
+        </p:spPr>
+        <p:txBody>
+          <a:bodyPr vert="horz" lIns="0" tIns="45717" rIns="0" bIns="45717" rtlCol="0">
+            <a:noAutofit/>
+          </a:bodyPr>
+          <a:lstStyle>
+            <a:lvl1pPr>
+              <a:defRPr lang="en-US" dirty="0" smtClean="0"/>
+            </a:lvl1pPr>
+            <a:lvl2pPr>
+              <a:defRPr lang="en-US" dirty="0" smtClean="0"/>
+            </a:lvl2pPr>
+            <a:lvl3pPr>
+              <a:defRPr lang="en-US" dirty="0" smtClean="0"/>
+            </a:lvl3pPr>
+            <a:lvl4pPr>
+              <a:defRPr lang="en-US" dirty="0" smtClean="0"/>
+            </a:lvl4pPr>
+          </a:lstStyle>
+          <a:p>
+            <a:pPr lvl="0"/>
+            <a:r>
+              <a:rPr lang="en-US" dirty="0"/>
+              <a:t>Master text styles</a:t>
+            </a:r>
+          </a:p>
+          <a:p>
+            <a:pPr lvl="1"/>
+            <a:r>
+              <a:rPr lang="en-US" dirty="0"/>
+              <a:t>Second level</a:t>
+            </a:r>
+          </a:p>
+          <a:p>
+            <a:pPr lvl="2"/>
+            <a:r>
+              <a:rPr lang="en-US" dirty="0"/>
+              <a:t>Third level</a:t>
+            </a:r>
+          </a:p>
+          <a:p>
+            <a:pPr lvl="3"/>
+            <a:r>
+              <a:rPr lang="en-US" dirty="0"/>
+              <a:t>Fourth level</a:t>
+            </a:r>
+          </a:p>
+        </p:txBody>
+      </p:sp>
+      <p:sp>
+        <p:nvSpPr>
+          <p:cNvPr id="16" name="Rectangle 15"/>
+          <p:cNvSpPr/>
+          <p:nvPr/>
+        </p:nvSpPr>
+        <p:spPr>
+          <a:xfrm>
+            <a:off x="0" y="0"/>
+            <a:ext cx="12192000" cy="97536"/>
+          </a:xfrm>
+          <a:prstGeom prst="rect">
+            <a:avLst/>
+          </a:prstGeom>
+          <a:solidFill>
+            <a:srgbClr val="0A60A3"/>
+          </a:solidFill>
+          <a:ln>
+            <a:noFill/>
+          </a:ln>
+          <a:effectLst/>
+        </p:spPr>
+        <p:style>
+          <a:lnRef idx="1">
+            <a:schemeClr val="accent1"/>
+          </a:lnRef>
+          <a:fillRef idx="3">
+            <a:schemeClr val="accent1"/>
+          </a:fillRef>
+          <a:effectRef idx="2">
+            <a:schemeClr val="accent1"/>
+          </a:effectRef>
+          <a:fontRef idx="minor">
+            <a:schemeClr val="lt1"/>
+          </a:fontRef>
+        </p:style>
+        <p:txBody>
+          <a:bodyPr lIns="0" rIns="0" rtlCol="0" anchor="ctr"/>
+          <a:lstStyle/>
+          <a:p>
+            <a:pPr algn="ctr"/>
+            <a:endParaRPr lang="en-US" sz="2400"/>
+          </a:p>
+        </p:txBody>
+      </p:sp>
+      <p:sp>
+        <p:nvSpPr>
+          <p:cNvPr id="6" name="Text Placeholder 6"/>
+          <p:cNvSpPr>
+            <a:spLocks noGrp="1"/>
+          </p:cNvSpPr>
+          <p:nvPr>
+            <p:ph type="body" sz="quarter" idx="10" hasCustomPrompt="1"/>
+          </p:nvPr>
+        </p:nvSpPr>
+        <p:spPr>
+          <a:xfrm>
+            <a:off x="605368" y="1446615"/>
+            <a:ext cx="10972800" cy="365760"/>
+          </a:xfrm>
+        </p:spPr>
+        <p:txBody>
+          <a:bodyPr anchor="ctr"/>
+          <a:lstStyle>
+            <a:lvl1pPr marL="0" marR="0" indent="0" algn="l" defTabSz="1219170" rtl="0" eaLnBrk="1" fontAlgn="auto" latinLnBrk="0" hangingPunct="1">
+              <a:lnSpc>
+                <a:spcPct val="90000"/>
+              </a:lnSpc>
+              <a:spcBef>
+                <a:spcPts val="800"/>
+              </a:spcBef>
+              <a:spcAft>
+                <a:spcPts val="0"/>
+              </a:spcAft>
+              <a:buClrTx/>
+              <a:buSzTx/>
+              <a:buFont typeface="Arial"/>
+              <a:buNone/>
+              <a:tabLst/>
+              <a:defRPr sz="2400">
+                <a:solidFill>
+                  <a:schemeClr val="bg2">
+                    <a:lumMod val="50000"/>
+                  </a:schemeClr>
+                </a:solidFill>
+              </a:defRPr>
+            </a:lvl1pPr>
+          </a:lstStyle>
+          <a:p>
+            <a:pPr marL="0" marR="0" lvl="0" indent="0" algn="l" defTabSz="1219170" rtl="0" eaLnBrk="1" fontAlgn="auto" latinLnBrk="0" hangingPunct="1">
+              <a:lnSpc>
+                <a:spcPct val="90000"/>
+              </a:lnSpc>
+              <a:spcBef>
+                <a:spcPts val="1333"/>
+              </a:spcBef>
+              <a:spcAft>
+                <a:spcPts val="0"/>
+              </a:spcAft>
+              <a:buClrTx/>
+              <a:buSzTx/>
+              <a:buFont typeface="Arial"/>
+              <a:buNone/>
+              <a:tabLst/>
+              <a:defRPr/>
+            </a:pPr>
+            <a:r>
+              <a:rPr lang="en-US" dirty="0"/>
+              <a:t>Subhead Text</a:t>
+            </a:r>
+          </a:p>
+        </p:txBody>
+      </p:sp>
+      <p:pic>
+        <p:nvPicPr>
+          <p:cNvPr id="9" name="Picture 8"/>
+          <p:cNvPicPr>
+            <a:picLocks noChangeAspect="1"/>
+          </p:cNvPicPr>
+          <p:nvPr/>
+        </p:nvPicPr>
+        <p:blipFill>
+          <a:blip r:embed="rId2" cstate="screen">
             <a:extLst>
-              <a:ext uri="{FF2B5EF4-FFF2-40B4-BE49-F238E27FC236}">
-                <a16:creationId xmlns:a16="http://schemas.microsoft.com/office/drawing/2014/main" id="{D3EF44A8-766F-40DD-91A3-C8FBC3EB5EFC}"/>
+              <a:ext uri="{28A0092B-C50C-407E-A947-70E740481C1C}">
+                <a14:useLocalDpi xmlns:a14="http://schemas.microsoft.com/office/drawing/2010/main"/>
               </a:ext>
             </a:extLst>
-          </p:cNvPr>
-          <p:cNvSpPr>
-            <a:spLocks noGrp="1"/>
-          </p:cNvSpPr>
-          <p:nvPr>
-            <p:ph type="title"/>
-          </p:nvPr>
-        </p:nvSpPr>
+          </a:blip>
+          <a:stretch>
+            <a:fillRect/>
+          </a:stretch>
+        </p:blipFill>
         <p:spPr>
           <a:xfrm>
-            <a:off x="839788" y="457200"/>
-            <a:ext cx="3932237" cy="1600200"/>
+            <a:off x="615165" y="6324601"/>
+            <a:ext cx="1418891" cy="343808"/>
+          </a:xfrm>
+          <a:prstGeom prst="rect">
+            <a:avLst/>
+          </a:prstGeom>
+        </p:spPr>
+      </p:pic>
+    </p:spTree>
+    <p:extLst>
+      <p:ext uri="{BB962C8B-B14F-4D97-AF65-F5344CB8AC3E}">
+        <p14:creationId xmlns:p14="http://schemas.microsoft.com/office/powerpoint/2010/main" val="3172470123"/>
+      </p:ext>
+    </p:extLst>
+  </p:cSld>
+  <p:clrMapOvr>
+    <a:masterClrMapping/>
+  </p:clrMapOvr>
+  <p:extLst mod="1">
+    <p:ext uri="{DCECCB84-F9BA-43D5-87BE-67443E8EF086}">
+      <p15:sldGuideLst xmlns:p15="http://schemas.microsoft.com/office/powerpoint/2012/main">
+        <p15:guide id="2" pos="2880">
+          <p15:clr>
+            <a:srgbClr val="FBAE40"/>
+          </p15:clr>
+        </p15:guide>
+      </p15:sldGuideLst>
+    </p:ext>
+  </p:extLst>
+</p:sldLayout>
+</file>
+
+<file path=ppt/slideLayouts/slideLayout8.xml><?xml version="1.0" encoding="utf-8"?>
+<p:sldLayout xmlns:a="http://schemas.openxmlformats.org/drawingml/2006/main" xmlns:r="http://schemas.openxmlformats.org/officeDocument/2006/relationships" xmlns:p="http://schemas.openxmlformats.org/presentationml/2006/main" type="twoObj" preserve="1">
+  <p:cSld name="External_Two Content">
+    <p:spTree>
+      <p:nvGrpSpPr>
+        <p:cNvPr id="1" name=""/>
+        <p:cNvGrpSpPr/>
+        <p:nvPr/>
+      </p:nvGrpSpPr>
+      <p:grpSpPr>
+        <a:xfrm>
+          <a:off x="0" y="0"/>
+          <a:ext cx="0" cy="0"/>
+          <a:chOff x="0" y="0"/>
+          <a:chExt cx="0" cy="0"/>
+        </a:xfrm>
+      </p:grpSpPr>
+      <p:sp>
+        <p:nvSpPr>
+          <p:cNvPr id="2" name="Title 1"/>
+          <p:cNvSpPr>
+            <a:spLocks noGrp="1"/>
+          </p:cNvSpPr>
+          <p:nvPr>
+            <p:ph type="title" hasCustomPrompt="1"/>
+          </p:nvPr>
+        </p:nvSpPr>
+        <p:spPr/>
+        <p:txBody>
+          <a:bodyPr/>
+          <a:lstStyle/>
+          <a:p>
+            <a:r>
+              <a:rPr lang="en-US" dirty="0"/>
+              <a:t>Click to Edit Master Title Style</a:t>
+            </a:r>
+          </a:p>
+        </p:txBody>
+      </p:sp>
+      <p:sp>
+        <p:nvSpPr>
+          <p:cNvPr id="3" name="Content Placeholder 2"/>
+          <p:cNvSpPr>
+            <a:spLocks noGrp="1"/>
+          </p:cNvSpPr>
+          <p:nvPr>
+            <p:ph sz="half" idx="1" hasCustomPrompt="1"/>
+          </p:nvPr>
+        </p:nvSpPr>
+        <p:spPr>
+          <a:xfrm>
+            <a:off x="605367" y="975361"/>
+            <a:ext cx="5389033" cy="5201073"/>
           </a:xfrm>
         </p:spPr>
         <p:txBody>
-          <a:bodyPr anchor="b"/>
+          <a:bodyPr vert="horz" lIns="0" tIns="45717" rIns="0" bIns="45717" rtlCol="0">
+            <a:noAutofit/>
+          </a:bodyPr>
           <a:lstStyle>
             <a:lvl1pPr>
-              <a:defRPr sz="3200"/>
+              <a:defRPr lang="en-US" dirty="0" smtClean="0"/>
             </a:lvl1pPr>
           </a:lstStyle>
           <a:p>
-            <a:r>
-              <a:rPr lang="en-US"/>
-              <a:t>Click to edit Master title style</a:t>
-            </a:r>
-          </a:p>
-        </p:txBody>
-      </p:sp>
-      <p:sp>
-        <p:nvSpPr>
-          <p:cNvPr id="3" name="Picture Placeholder 2">
-            <a:extLst>
-              <a:ext uri="{FF2B5EF4-FFF2-40B4-BE49-F238E27FC236}">
-                <a16:creationId xmlns:a16="http://schemas.microsoft.com/office/drawing/2014/main" id="{CF25B6F8-5FB4-4EBC-AEB2-1F3741A040B7}"/>
-              </a:ext>
-            </a:extLst>
-          </p:cNvPr>
+            <a:pPr lvl="0"/>
+            <a:r>
+              <a:rPr lang="en-US" dirty="0"/>
+              <a:t>Master text styles</a:t>
+            </a:r>
+          </a:p>
+          <a:p>
+            <a:pPr lvl="1"/>
+            <a:r>
+              <a:rPr lang="en-US" dirty="0"/>
+              <a:t>Second level</a:t>
+            </a:r>
+          </a:p>
+          <a:p>
+            <a:pPr lvl="2"/>
+            <a:r>
+              <a:rPr lang="en-US" dirty="0"/>
+              <a:t>Third level</a:t>
+            </a:r>
+          </a:p>
+          <a:p>
+            <a:pPr lvl="3"/>
+            <a:r>
+              <a:rPr lang="en-US" dirty="0"/>
+              <a:t>Fourth level</a:t>
+            </a:r>
+          </a:p>
+          <a:p>
+            <a:pPr lvl="3"/>
+            <a:endParaRPr lang="en-US" dirty="0"/>
+          </a:p>
+          <a:p>
+            <a:pPr lvl="0"/>
+            <a:endParaRPr lang="en-US" dirty="0"/>
+          </a:p>
+          <a:p>
+            <a:pPr lvl="0"/>
+            <a:endParaRPr lang="en-US" dirty="0"/>
+          </a:p>
+          <a:p>
+            <a:pPr lvl="0"/>
+            <a:endParaRPr lang="en-US" dirty="0"/>
+          </a:p>
+        </p:txBody>
+      </p:sp>
+      <p:sp>
+        <p:nvSpPr>
+          <p:cNvPr id="4" name="Content Placeholder 3"/>
           <p:cNvSpPr>
             <a:spLocks noGrp="1"/>
           </p:cNvSpPr>
           <p:nvPr>
-            <p:ph type="pic" idx="1"/>
+            <p:ph sz="half" idx="2" hasCustomPrompt="1"/>
           </p:nvPr>
         </p:nvSpPr>
         <p:spPr>
           <a:xfrm>
-            <a:off x="5183188" y="987425"/>
-            <a:ext cx="6172200" cy="4873625"/>
+            <a:off x="6197600" y="975361"/>
+            <a:ext cx="5389033" cy="5201073"/>
           </a:xfrm>
         </p:spPr>
         <p:txBody>
-          <a:bodyPr/>
+          <a:bodyPr vert="horz" lIns="0" tIns="45717" rIns="0" bIns="45717" rtlCol="0">
+            <a:noAutofit/>
+          </a:bodyPr>
           <a:lstStyle>
             <a:lvl1pPr marL="0" indent="0">
               <a:buNone/>
-              <a:defRPr sz="3200"/>
+              <a:defRPr lang="en-US" dirty="0" smtClean="0"/>
             </a:lvl1pPr>
-            <a:lvl2pPr marL="457200" indent="0">
-              <a:buNone/>
-              <a:defRPr sz="2800"/>
+            <a:lvl2pPr>
+              <a:defRPr lang="en-US" dirty="0" smtClean="0"/>
             </a:lvl2pPr>
-            <a:lvl3pPr marL="914400" indent="0">
-              <a:buNone/>
-              <a:defRPr sz="2400"/>
+            <a:lvl3pPr>
+              <a:defRPr lang="en-US" dirty="0" smtClean="0"/>
             </a:lvl3pPr>
-            <a:lvl4pPr marL="1371600" indent="0">
-              <a:buNone/>
-              <a:defRPr sz="2000"/>
+            <a:lvl4pPr>
+              <a:defRPr lang="en-US" dirty="0" smtClean="0"/>
             </a:lvl4pPr>
-            <a:lvl5pPr marL="1828800" indent="0">
-              <a:buNone/>
-              <a:defRPr sz="2000"/>
-            </a:lvl5pPr>
-            <a:lvl6pPr marL="2286000" indent="0">
-              <a:buNone/>
-              <a:defRPr sz="2000"/>
-            </a:lvl6pPr>
-            <a:lvl7pPr marL="2743200" indent="0">
-              <a:buNone/>
-              <a:defRPr sz="2000"/>
-            </a:lvl7pPr>
-            <a:lvl8pPr marL="3200400" indent="0">
-              <a:buNone/>
-              <a:defRPr sz="2000"/>
-            </a:lvl8pPr>
-            <a:lvl9pPr marL="3657600" indent="0">
-              <a:buNone/>
-              <a:defRPr sz="2000"/>
-            </a:lvl9pPr>
           </a:lstStyle>
           <a:p>
-            <a:endParaRPr lang="en-US"/>
-          </a:p>
-        </p:txBody>
-      </p:sp>
-      <p:sp>
-        <p:nvSpPr>
-          <p:cNvPr id="4" name="Text Placeholder 3">
-            <a:extLst>
-              <a:ext uri="{FF2B5EF4-FFF2-40B4-BE49-F238E27FC236}">
-                <a16:creationId xmlns:a16="http://schemas.microsoft.com/office/drawing/2014/main" id="{1AFB8795-7208-40B1-8F5F-7F8944A6463E}"/>
-              </a:ext>
-            </a:extLst>
-          </p:cNvPr>
-          <p:cNvSpPr>
-            <a:spLocks noGrp="1"/>
-          </p:cNvSpPr>
-          <p:nvPr>
-            <p:ph type="body" sz="half" idx="2"/>
-          </p:nvPr>
-        </p:nvSpPr>
-        <p:spPr>
-          <a:xfrm>
-            <a:off x="839788" y="2057400"/>
-            <a:ext cx="3932237" cy="3811588"/>
-          </a:xfrm>
-        </p:spPr>
-        <p:txBody>
-          <a:bodyPr/>
-          <a:lstStyle>
-            <a:lvl1pPr marL="0" indent="0">
-              <a:buNone/>
-              <a:defRPr sz="1600"/>
-            </a:lvl1pPr>
-            <a:lvl2pPr marL="457200" indent="0">
-              <a:buNone/>
-              <a:defRPr sz="1400"/>
-            </a:lvl2pPr>
-            <a:lvl3pPr marL="914400" indent="0">
-              <a:buNone/>
-              <a:defRPr sz="1200"/>
-            </a:lvl3pPr>
-            <a:lvl4pPr marL="1371600" indent="0">
-              <a:buNone/>
-              <a:defRPr sz="1000"/>
-            </a:lvl4pPr>
-            <a:lvl5pPr marL="1828800" indent="0">
-              <a:buNone/>
-              <a:defRPr sz="1000"/>
-            </a:lvl5pPr>
-            <a:lvl6pPr marL="2286000" indent="0">
-              <a:buNone/>
-              <a:defRPr sz="1000"/>
-            </a:lvl6pPr>
-            <a:lvl7pPr marL="2743200" indent="0">
-              <a:buNone/>
-              <a:defRPr sz="1000"/>
-            </a:lvl7pPr>
-            <a:lvl8pPr marL="3200400" indent="0">
-              <a:buNone/>
-              <a:defRPr sz="1000"/>
-            </a:lvl8pPr>
-            <a:lvl9pPr marL="3657600" indent="0">
-              <a:buNone/>
-              <a:defRPr sz="1000"/>
-            </a:lvl9pPr>
-          </a:lstStyle>
-          <a:p>
             <a:pPr lvl="0"/>
             <a:r>
-              <a:rPr lang="en-US"/>
-              <a:t>Edit Master text styles</a:t>
-            </a:r>
-          </a:p>
-        </p:txBody>
-      </p:sp>
-      <p:sp>
-        <p:nvSpPr>
-          <p:cNvPr id="5" name="Date Placeholder 4">
-            <a:extLst>
-              <a:ext uri="{FF2B5EF4-FFF2-40B4-BE49-F238E27FC236}">
-                <a16:creationId xmlns:a16="http://schemas.microsoft.com/office/drawing/2014/main" id="{8063A347-B745-4F13-95B9-948477B64273}"/>
-              </a:ext>
-            </a:extLst>
-          </p:cNvPr>
-          <p:cNvSpPr>
-            <a:spLocks noGrp="1"/>
-          </p:cNvSpPr>
-          <p:nvPr>
-            <p:ph type="dt" sz="half" idx="10"/>
-          </p:nvPr>
-        </p:nvSpPr>
-        <p:spPr/>
-        <p:txBody>
-          <a:bodyPr/>
-          <a:lstStyle/>
-          <a:p>
-            <a:fld id="{C328AB28-8CF8-4FDA-851D-B8A8B08C8597}" type="datetimeFigureOut">
-              <a:rPr lang="en-US" smtClean="0"/>
-              <a:t>2018-06-18</a:t>
-            </a:fld>
-            <a:endParaRPr lang="en-US"/>
-          </a:p>
-        </p:txBody>
-      </p:sp>
-      <p:sp>
-        <p:nvSpPr>
-          <p:cNvPr id="6" name="Footer Placeholder 5">
-            <a:extLst>
-              <a:ext uri="{FF2B5EF4-FFF2-40B4-BE49-F238E27FC236}">
-                <a16:creationId xmlns:a16="http://schemas.microsoft.com/office/drawing/2014/main" id="{857ABDEC-66EE-44EB-AAC1-366B7317AB5C}"/>
-              </a:ext>
-            </a:extLst>
-          </p:cNvPr>
-          <p:cNvSpPr>
-            <a:spLocks noGrp="1"/>
-          </p:cNvSpPr>
-          <p:nvPr>
-            <p:ph type="ftr" sz="quarter" idx="11"/>
-          </p:nvPr>
-        </p:nvSpPr>
-        <p:spPr/>
-        <p:txBody>
-          <a:bodyPr/>
-          <a:lstStyle/>
-          <a:p>
-            <a:endParaRPr lang="en-US"/>
-          </a:p>
-        </p:txBody>
-      </p:sp>
-      <p:sp>
-        <p:nvSpPr>
-          <p:cNvPr id="7" name="Slide Number Placeholder 6">
-            <a:extLst>
-              <a:ext uri="{FF2B5EF4-FFF2-40B4-BE49-F238E27FC236}">
-                <a16:creationId xmlns:a16="http://schemas.microsoft.com/office/drawing/2014/main" id="{7197094B-FE5E-4D56-BF02-7C983E7B75F5}"/>
-              </a:ext>
-            </a:extLst>
-          </p:cNvPr>
-          <p:cNvSpPr>
-            <a:spLocks noGrp="1"/>
-          </p:cNvSpPr>
-          <p:nvPr>
-            <p:ph type="sldNum" sz="quarter" idx="12"/>
-          </p:nvPr>
-        </p:nvSpPr>
-        <p:spPr/>
-        <p:txBody>
-          <a:bodyPr/>
-          <a:lstStyle/>
-          <a:p>
-            <a:fld id="{7921D59F-6012-417E-BE74-CF21C5E8AB83}" type="slidenum">
-              <a:rPr lang="en-US" smtClean="0"/>
-              <a:t>‹#›</a:t>
-            </a:fld>
-            <a:endParaRPr lang="en-US"/>
+              <a:rPr lang="en-US" dirty="0"/>
+              <a:t>Master text styles</a:t>
+            </a:r>
+          </a:p>
+          <a:p>
+            <a:pPr lvl="1"/>
+            <a:r>
+              <a:rPr lang="en-US" dirty="0"/>
+              <a:t>Second level</a:t>
+            </a:r>
+          </a:p>
+          <a:p>
+            <a:pPr lvl="2"/>
+            <a:r>
+              <a:rPr lang="en-US" dirty="0"/>
+              <a:t>Third level</a:t>
+            </a:r>
+          </a:p>
+          <a:p>
+            <a:pPr lvl="3"/>
+            <a:r>
+              <a:rPr lang="en-US" dirty="0"/>
+              <a:t>Fourth level</a:t>
+            </a:r>
+          </a:p>
+          <a:p>
+            <a:pPr lvl="3"/>
+            <a:endParaRPr lang="en-US" dirty="0"/>
+          </a:p>
+          <a:p>
+            <a:pPr lvl="0"/>
+            <a:endParaRPr lang="en-US" dirty="0"/>
+          </a:p>
+          <a:p>
+            <a:pPr lvl="0"/>
+            <a:endParaRPr lang="en-US" dirty="0"/>
+          </a:p>
+          <a:p>
+            <a:pPr lvl="0"/>
+            <a:endParaRPr lang="en-US" dirty="0"/>
+          </a:p>
+          <a:p>
+            <a:pPr lvl="0"/>
+            <a:endParaRPr lang="en-US" dirty="0"/>
           </a:p>
         </p:txBody>
       </p:sp>
     </p:spTree>
     <p:extLst>
       <p:ext uri="{BB962C8B-B14F-4D97-AF65-F5344CB8AC3E}">
-        <p14:creationId xmlns:p14="http://schemas.microsoft.com/office/powerpoint/2010/main" val="39683694"/>
+        <p14:creationId xmlns:p14="http://schemas.microsoft.com/office/powerpoint/2010/main" val="709097902"/>
       </p:ext>
     </p:extLst>
   </p:cSld>
@@ -4387,8 +6511,300 @@
 </p:sldLayout>
 </file>
 
+<file path=ppt/slideLayouts/slideLayout9.xml><?xml version="1.0" encoding="utf-8"?>
+<p:sldLayout xmlns:a="http://schemas.openxmlformats.org/drawingml/2006/main" xmlns:r="http://schemas.openxmlformats.org/officeDocument/2006/relationships" xmlns:p="http://schemas.openxmlformats.org/presentationml/2006/main" showMasterSp="0" preserve="1">
+  <p:cSld name="External_Text with Full Image R">
+    <p:spTree>
+      <p:nvGrpSpPr>
+        <p:cNvPr id="1" name=""/>
+        <p:cNvGrpSpPr/>
+        <p:nvPr/>
+      </p:nvGrpSpPr>
+      <p:grpSpPr>
+        <a:xfrm>
+          <a:off x="0" y="0"/>
+          <a:ext cx="0" cy="0"/>
+          <a:chOff x="0" y="0"/>
+          <a:chExt cx="0" cy="0"/>
+        </a:xfrm>
+      </p:grpSpPr>
+      <p:sp>
+        <p:nvSpPr>
+          <p:cNvPr id="6" name="Rectangle 5"/>
+          <p:cNvSpPr/>
+          <p:nvPr/>
+        </p:nvSpPr>
+        <p:spPr>
+          <a:xfrm>
+            <a:off x="0" y="0"/>
+            <a:ext cx="12192000" cy="97536"/>
+          </a:xfrm>
+          <a:prstGeom prst="rect">
+            <a:avLst/>
+          </a:prstGeom>
+          <a:solidFill>
+            <a:srgbClr val="0A60A3"/>
+          </a:solidFill>
+          <a:ln>
+            <a:noFill/>
+          </a:ln>
+          <a:effectLst/>
+        </p:spPr>
+        <p:style>
+          <a:lnRef idx="1">
+            <a:schemeClr val="accent1"/>
+          </a:lnRef>
+          <a:fillRef idx="3">
+            <a:schemeClr val="accent1"/>
+          </a:fillRef>
+          <a:effectRef idx="2">
+            <a:schemeClr val="accent1"/>
+          </a:effectRef>
+          <a:fontRef idx="minor">
+            <a:schemeClr val="lt1"/>
+          </a:fontRef>
+        </p:style>
+        <p:txBody>
+          <a:bodyPr lIns="0" rIns="0" rtlCol="0" anchor="ctr"/>
+          <a:lstStyle/>
+          <a:p>
+            <a:pPr algn="ctr"/>
+            <a:endParaRPr lang="en-US" sz="2400"/>
+          </a:p>
+        </p:txBody>
+      </p:sp>
+      <p:sp>
+        <p:nvSpPr>
+          <p:cNvPr id="4" name="Title Placeholder 1"/>
+          <p:cNvSpPr>
+            <a:spLocks noGrp="1"/>
+          </p:cNvSpPr>
+          <p:nvPr>
+            <p:ph type="title" hasCustomPrompt="1"/>
+          </p:nvPr>
+        </p:nvSpPr>
+        <p:spPr>
+          <a:xfrm>
+            <a:off x="605367" y="365760"/>
+            <a:ext cx="6705600" cy="609600"/>
+          </a:xfrm>
+          <a:prstGeom prst="rect">
+            <a:avLst/>
+          </a:prstGeom>
+        </p:spPr>
+        <p:txBody>
+          <a:bodyPr vert="horz" lIns="0" tIns="45720" rIns="0" bIns="45720" rtlCol="0" anchor="ctr">
+            <a:noAutofit/>
+          </a:bodyPr>
+          <a:lstStyle>
+            <a:lvl1pPr>
+              <a:defRPr>
+                <a:solidFill>
+                  <a:schemeClr val="bg2">
+                    <a:lumMod val="25000"/>
+                  </a:schemeClr>
+                </a:solidFill>
+              </a:defRPr>
+            </a:lvl1pPr>
+          </a:lstStyle>
+          <a:p>
+            <a:r>
+              <a:rPr lang="en-US" dirty="0"/>
+              <a:t>Click to Edit Master Title Style</a:t>
+            </a:r>
+          </a:p>
+        </p:txBody>
+      </p:sp>
+      <p:sp>
+        <p:nvSpPr>
+          <p:cNvPr id="5" name="Text Placeholder 2"/>
+          <p:cNvSpPr>
+            <a:spLocks noGrp="1" noChangeAspect="1"/>
+          </p:cNvSpPr>
+          <p:nvPr>
+            <p:ph idx="1" hasCustomPrompt="1"/>
+          </p:nvPr>
+        </p:nvSpPr>
+        <p:spPr>
+          <a:xfrm>
+            <a:off x="605367" y="1013460"/>
+            <a:ext cx="6705600" cy="4884331"/>
+          </a:xfrm>
+          <a:prstGeom prst="rect">
+            <a:avLst/>
+          </a:prstGeom>
+        </p:spPr>
+        <p:txBody>
+          <a:bodyPr vert="horz" lIns="0" tIns="45720" rIns="0" bIns="45720" rtlCol="0">
+            <a:noAutofit/>
+          </a:bodyPr>
+          <a:lstStyle>
+            <a:lvl1pPr>
+              <a:defRPr lang="en-US" dirty="0" smtClean="0"/>
+            </a:lvl1pPr>
+            <a:lvl2pPr>
+              <a:defRPr lang="en-US" dirty="0" smtClean="0"/>
+            </a:lvl2pPr>
+            <a:lvl3pPr>
+              <a:defRPr lang="en-US" dirty="0" smtClean="0"/>
+            </a:lvl3pPr>
+            <a:lvl4pPr>
+              <a:defRPr lang="en-US" dirty="0" smtClean="0"/>
+            </a:lvl4pPr>
+          </a:lstStyle>
+          <a:p>
+            <a:pPr lvl="0">
+              <a:lnSpc>
+                <a:spcPct val="90000"/>
+              </a:lnSpc>
+            </a:pPr>
+            <a:r>
+              <a:rPr lang="en-US" dirty="0"/>
+              <a:t>Master text styles</a:t>
+            </a:r>
+          </a:p>
+          <a:p>
+            <a:pPr lvl="1"/>
+            <a:r>
+              <a:rPr lang="en-US" dirty="0"/>
+              <a:t>Second level</a:t>
+            </a:r>
+          </a:p>
+          <a:p>
+            <a:pPr lvl="2"/>
+            <a:r>
+              <a:rPr lang="en-US" dirty="0"/>
+              <a:t>Third level</a:t>
+            </a:r>
+          </a:p>
+          <a:p>
+            <a:pPr lvl="3"/>
+            <a:r>
+              <a:rPr lang="en-US" dirty="0"/>
+              <a:t>Fourth level</a:t>
+            </a:r>
+          </a:p>
+          <a:p>
+            <a:pPr lvl="0">
+              <a:lnSpc>
+                <a:spcPct val="90000"/>
+              </a:lnSpc>
+            </a:pPr>
+            <a:endParaRPr lang="en-US" dirty="0"/>
+          </a:p>
+        </p:txBody>
+      </p:sp>
+      <p:sp>
+        <p:nvSpPr>
+          <p:cNvPr id="12" name="Picture Placeholder 11"/>
+          <p:cNvSpPr>
+            <a:spLocks noGrp="1"/>
+          </p:cNvSpPr>
+          <p:nvPr>
+            <p:ph type="pic" sz="quarter" idx="10" hasCustomPrompt="1"/>
+          </p:nvPr>
+        </p:nvSpPr>
+        <p:spPr>
+          <a:xfrm>
+            <a:off x="7626219" y="-11475"/>
+            <a:ext cx="4572000" cy="6869475"/>
+          </a:xfrm>
+          <a:solidFill>
+            <a:schemeClr val="bg1">
+              <a:lumMod val="95000"/>
+            </a:schemeClr>
+          </a:solidFill>
+          <a:ln>
+            <a:noFill/>
+          </a:ln>
+        </p:spPr>
+        <p:txBody>
+          <a:bodyPr vert="horz" lIns="0" tIns="45717" rIns="0" bIns="45717" rtlCol="0" anchor="ctr">
+            <a:noAutofit/>
+          </a:bodyPr>
+          <a:lstStyle>
+            <a:lvl1pPr marL="243834" indent="-243834" algn="ctr">
+              <a:buNone/>
+              <a:defRPr lang="en-US" sz="1867" spc="0" dirty="0" smtClean="0"/>
+            </a:lvl1pPr>
+          </a:lstStyle>
+          <a:p>
+            <a:pPr marL="0" lvl="0" indent="0" algn="ctr"/>
+            <a:r>
+              <a:rPr lang="en-US" dirty="0"/>
+              <a:t>Drag or insert full bleed image</a:t>
+            </a:r>
+            <a:br>
+              <a:rPr lang="en-US" dirty="0"/>
+            </a:br>
+            <a:r>
+              <a:rPr lang="en-US" dirty="0"/>
+              <a:t>Use minimum height 1690 </a:t>
+            </a:r>
+            <a:r>
+              <a:rPr lang="en-US" dirty="0" err="1"/>
+              <a:t>px</a:t>
+            </a:r>
+            <a:endParaRPr lang="en-US" dirty="0"/>
+          </a:p>
+        </p:txBody>
+      </p:sp>
+      <p:pic>
+        <p:nvPicPr>
+          <p:cNvPr id="9" name="Picture 8"/>
+          <p:cNvPicPr>
+            <a:picLocks noChangeAspect="1"/>
+          </p:cNvPicPr>
+          <p:nvPr/>
+        </p:nvPicPr>
+        <p:blipFill>
+          <a:blip r:embed="rId2" cstate="screen">
+            <a:extLst>
+              <a:ext uri="{28A0092B-C50C-407E-A947-70E740481C1C}">
+                <a14:useLocalDpi xmlns:a14="http://schemas.microsoft.com/office/drawing/2010/main"/>
+              </a:ext>
+            </a:extLst>
+          </a:blip>
+          <a:stretch>
+            <a:fillRect/>
+          </a:stretch>
+        </p:blipFill>
+        <p:spPr>
+          <a:xfrm>
+            <a:off x="615165" y="6324601"/>
+            <a:ext cx="1418891" cy="343808"/>
+          </a:xfrm>
+          <a:prstGeom prst="rect">
+            <a:avLst/>
+          </a:prstGeom>
+        </p:spPr>
+      </p:pic>
+    </p:spTree>
+    <p:extLst>
+      <p:ext uri="{BB962C8B-B14F-4D97-AF65-F5344CB8AC3E}">
+        <p14:creationId xmlns:p14="http://schemas.microsoft.com/office/powerpoint/2010/main" val="3290416634"/>
+      </p:ext>
+    </p:extLst>
+  </p:cSld>
+  <p:clrMapOvr>
+    <a:masterClrMapping/>
+  </p:clrMapOvr>
+  <p:extLst mod="1">
+    <p:ext uri="{DCECCB84-F9BA-43D5-87BE-67443E8EF086}">
+      <p15:sldGuideLst xmlns:p15="http://schemas.microsoft.com/office/powerpoint/2012/main">
+        <p15:guide id="2" pos="2904">
+          <p15:clr>
+            <a:srgbClr val="FBAE40"/>
+          </p15:clr>
+        </p15:guide>
+      </p15:sldGuideLst>
+    </p:ext>
+  </p:extLst>
+</p:sldLayout>
+</file>
+
 <file path=ppt/slideMasters/slideMaster1.xml><?xml version="1.0" encoding="utf-8"?>
-<p:sldMaster xmlns:a="http://schemas.openxmlformats.org/drawingml/2006/main" xmlns:r="http://schemas.openxmlformats.org/officeDocument/2006/relationships" xmlns:p="http://schemas.openxmlformats.org/presentationml/2006/main">
+<p:sldMaster xmlns:a="http://schemas.openxmlformats.org/drawingml/2006/main" xmlns:r="http://schemas.openxmlformats.org/officeDocument/2006/relationships" xmlns:p="http://schemas.openxmlformats.org/presentationml/2006/main" preserve="1">
   <p:cSld>
     <p:bg>
       <p:bgRef idx="1001">
@@ -4411,13 +6827,7 @@
       </p:grpSpPr>
       <p:sp>
         <p:nvSpPr>
-          <p:cNvPr id="2" name="Title Placeholder 1">
-            <a:extLst>
-              <a:ext uri="{FF2B5EF4-FFF2-40B4-BE49-F238E27FC236}">
-                <a16:creationId xmlns:a16="http://schemas.microsoft.com/office/drawing/2014/main" id="{693AB849-591E-468F-A28A-277004603CDD}"/>
-              </a:ext>
-            </a:extLst>
-          </p:cNvPr>
+          <p:cNvPr id="2" name="Title Placeholder 1"/>
           <p:cNvSpPr>
             <a:spLocks noGrp="1"/>
           </p:cNvSpPr>
@@ -4427,16 +6837,16 @@
         </p:nvSpPr>
         <p:spPr>
           <a:xfrm>
-            <a:off x="838200" y="365125"/>
-            <a:ext cx="10515600" cy="1325563"/>
+            <a:off x="605367" y="365760"/>
+            <a:ext cx="10972800" cy="609600"/>
           </a:xfrm>
           <a:prstGeom prst="rect">
             <a:avLst/>
           </a:prstGeom>
         </p:spPr>
         <p:txBody>
-          <a:bodyPr vert="horz" lIns="91440" tIns="45720" rIns="91440" bIns="45720" rtlCol="0" anchor="ctr">
-            <a:normAutofit/>
+          <a:bodyPr vert="horz" lIns="0" tIns="45720" rIns="0" bIns="45720" rtlCol="0" anchor="ctr">
+            <a:noAutofit/>
           </a:bodyPr>
           <a:lstStyle/>
           <a:p>
@@ -4444,18 +6854,13 @@
               <a:rPr lang="en-US"/>
               <a:t>Click to edit Master title style</a:t>
             </a:r>
-          </a:p>
-        </p:txBody>
-      </p:sp>
-      <p:sp>
-        <p:nvSpPr>
-          <p:cNvPr id="3" name="Text Placeholder 2">
-            <a:extLst>
-              <a:ext uri="{FF2B5EF4-FFF2-40B4-BE49-F238E27FC236}">
-                <a16:creationId xmlns:a16="http://schemas.microsoft.com/office/drawing/2014/main" id="{2EA608D2-ED48-4F75-ADC2-DEDDCC00E0ED}"/>
-              </a:ext>
-            </a:extLst>
-          </p:cNvPr>
+            <a:endParaRPr lang="en-US" dirty="0"/>
+          </a:p>
+        </p:txBody>
+      </p:sp>
+      <p:sp>
+        <p:nvSpPr>
+          <p:cNvPr id="3" name="Text Placeholder 2"/>
           <p:cNvSpPr>
             <a:spLocks noGrp="1"/>
           </p:cNvSpPr>
@@ -4465,218 +6870,158 @@
         </p:nvSpPr>
         <p:spPr>
           <a:xfrm>
-            <a:off x="838200" y="1825625"/>
-            <a:ext cx="10515600" cy="4351338"/>
+            <a:off x="605367" y="975360"/>
+            <a:ext cx="10972800" cy="4896272"/>
           </a:xfrm>
           <a:prstGeom prst="rect">
             <a:avLst/>
           </a:prstGeom>
         </p:spPr>
         <p:txBody>
-          <a:bodyPr vert="horz" lIns="91440" tIns="45720" rIns="91440" bIns="45720" rtlCol="0">
-            <a:normAutofit/>
+          <a:bodyPr vert="horz" lIns="0" tIns="45717" rIns="0" bIns="45717" rtlCol="0">
+            <a:noAutofit/>
           </a:bodyPr>
           <a:lstStyle/>
           <a:p>
             <a:pPr lvl="0"/>
             <a:r>
-              <a:rPr lang="en-US"/>
-              <a:t>Edit Master text styles</a:t>
+              <a:rPr lang="en-US" dirty="0"/>
+              <a:t>Master text styles</a:t>
             </a:r>
           </a:p>
           <a:p>
             <a:pPr lvl="1"/>
             <a:r>
-              <a:rPr lang="en-US"/>
+              <a:rPr lang="en-US" dirty="0"/>
               <a:t>Second level</a:t>
             </a:r>
           </a:p>
           <a:p>
             <a:pPr lvl="2"/>
             <a:r>
-              <a:rPr lang="en-US"/>
+              <a:rPr lang="en-US" dirty="0"/>
               <a:t>Third level</a:t>
             </a:r>
           </a:p>
           <a:p>
             <a:pPr lvl="3"/>
             <a:r>
-              <a:rPr lang="en-US"/>
+              <a:rPr lang="en-US" dirty="0"/>
               <a:t>Fourth level</a:t>
             </a:r>
           </a:p>
-          <a:p>
-            <a:pPr lvl="4"/>
-            <a:r>
-              <a:rPr lang="en-US"/>
-              <a:t>Fifth level</a:t>
-            </a:r>
-          </a:p>
-        </p:txBody>
-      </p:sp>
-      <p:sp>
-        <p:nvSpPr>
-          <p:cNvPr id="4" name="Date Placeholder 3">
+        </p:txBody>
+      </p:sp>
+      <p:pic>
+        <p:nvPicPr>
+          <p:cNvPr id="8" name="Picture 7"/>
+          <p:cNvPicPr>
+            <a:picLocks noChangeAspect="1"/>
+          </p:cNvPicPr>
+          <p:nvPr/>
+        </p:nvPicPr>
+        <p:blipFill>
+          <a:blip r:embed="rId22" cstate="screen">
             <a:extLst>
-              <a:ext uri="{FF2B5EF4-FFF2-40B4-BE49-F238E27FC236}">
-                <a16:creationId xmlns:a16="http://schemas.microsoft.com/office/drawing/2014/main" id="{252306A2-9FA0-476E-A63E-4D04E21CBEF0}"/>
+              <a:ext uri="{28A0092B-C50C-407E-A947-70E740481C1C}">
+                <a14:useLocalDpi xmlns:a14="http://schemas.microsoft.com/office/drawing/2010/main"/>
               </a:ext>
             </a:extLst>
-          </p:cNvPr>
-          <p:cNvSpPr>
-            <a:spLocks noGrp="1"/>
-          </p:cNvSpPr>
-          <p:nvPr>
-            <p:ph type="dt" sz="half" idx="2"/>
-          </p:nvPr>
-        </p:nvSpPr>
+          </a:blip>
+          <a:stretch>
+            <a:fillRect/>
+          </a:stretch>
+        </p:blipFill>
         <p:spPr>
           <a:xfrm>
-            <a:off x="838200" y="6356350"/>
-            <a:ext cx="2743200" cy="365125"/>
+            <a:off x="615165" y="6324601"/>
+            <a:ext cx="1418891" cy="343808"/>
           </a:xfrm>
           <a:prstGeom prst="rect">
             <a:avLst/>
           </a:prstGeom>
         </p:spPr>
-        <p:txBody>
-          <a:bodyPr vert="horz" lIns="91440" tIns="45720" rIns="91440" bIns="45720" rtlCol="0" anchor="ctr"/>
-          <a:lstStyle>
-            <a:lvl1pPr algn="l">
-              <a:defRPr sz="1200">
-                <a:solidFill>
-                  <a:schemeClr val="tx1">
-                    <a:tint val="75000"/>
-                  </a:schemeClr>
-                </a:solidFill>
-              </a:defRPr>
-            </a:lvl1pPr>
-          </a:lstStyle>
-          <a:p>
-            <a:fld id="{C328AB28-8CF8-4FDA-851D-B8A8B08C8597}" type="datetimeFigureOut">
-              <a:rPr lang="en-US" smtClean="0"/>
-              <a:t>2018-06-18</a:t>
-            </a:fld>
-            <a:endParaRPr lang="en-US"/>
-          </a:p>
-        </p:txBody>
-      </p:sp>
-      <p:sp>
-        <p:nvSpPr>
-          <p:cNvPr id="5" name="Footer Placeholder 4">
-            <a:extLst>
-              <a:ext uri="{FF2B5EF4-FFF2-40B4-BE49-F238E27FC236}">
-                <a16:creationId xmlns:a16="http://schemas.microsoft.com/office/drawing/2014/main" id="{51307317-C4C5-462A-9B63-EA77C223889D}"/>
-              </a:ext>
-            </a:extLst>
-          </p:cNvPr>
-          <p:cNvSpPr>
-            <a:spLocks noGrp="1"/>
-          </p:cNvSpPr>
-          <p:nvPr>
-            <p:ph type="ftr" sz="quarter" idx="3"/>
-          </p:nvPr>
+      </p:pic>
+      <p:sp>
+        <p:nvSpPr>
+          <p:cNvPr id="14" name="Rectangle 13"/>
+          <p:cNvSpPr/>
+          <p:nvPr/>
         </p:nvSpPr>
         <p:spPr>
           <a:xfrm>
-            <a:off x="4038600" y="6356350"/>
-            <a:ext cx="4114800" cy="365125"/>
+            <a:off x="0" y="0"/>
+            <a:ext cx="12192000" cy="97536"/>
           </a:xfrm>
           <a:prstGeom prst="rect">
             <a:avLst/>
           </a:prstGeom>
+          <a:solidFill>
+            <a:srgbClr val="0A60A3"/>
+          </a:solidFill>
+          <a:ln>
+            <a:noFill/>
+          </a:ln>
+          <a:effectLst/>
         </p:spPr>
-        <p:txBody>
-          <a:bodyPr vert="horz" lIns="91440" tIns="45720" rIns="91440" bIns="45720" rtlCol="0" anchor="ctr"/>
-          <a:lstStyle>
-            <a:lvl1pPr algn="ctr">
-              <a:defRPr sz="1200">
-                <a:solidFill>
-                  <a:schemeClr val="tx1">
-                    <a:tint val="75000"/>
-                  </a:schemeClr>
-                </a:solidFill>
-              </a:defRPr>
-            </a:lvl1pPr>
-          </a:lstStyle>
-          <a:p>
-            <a:endParaRPr lang="en-US"/>
-          </a:p>
-        </p:txBody>
-      </p:sp>
-      <p:sp>
-        <p:nvSpPr>
-          <p:cNvPr id="6" name="Slide Number Placeholder 5">
-            <a:extLst>
-              <a:ext uri="{FF2B5EF4-FFF2-40B4-BE49-F238E27FC236}">
-                <a16:creationId xmlns:a16="http://schemas.microsoft.com/office/drawing/2014/main" id="{96A0B069-D683-4BEB-B621-0B3DD494A747}"/>
-              </a:ext>
-            </a:extLst>
-          </p:cNvPr>
-          <p:cNvSpPr>
-            <a:spLocks noGrp="1"/>
-          </p:cNvSpPr>
-          <p:nvPr>
-            <p:ph type="sldNum" sz="quarter" idx="4"/>
-          </p:nvPr>
-        </p:nvSpPr>
-        <p:spPr>
-          <a:xfrm>
-            <a:off x="8610600" y="6356350"/>
-            <a:ext cx="2743200" cy="365125"/>
-          </a:xfrm>
-          <a:prstGeom prst="rect">
-            <a:avLst/>
-          </a:prstGeom>
-        </p:spPr>
-        <p:txBody>
-          <a:bodyPr vert="horz" lIns="91440" tIns="45720" rIns="91440" bIns="45720" rtlCol="0" anchor="ctr"/>
-          <a:lstStyle>
-            <a:lvl1pPr algn="r">
-              <a:defRPr sz="1200">
-                <a:solidFill>
-                  <a:schemeClr val="tx1">
-                    <a:tint val="75000"/>
-                  </a:schemeClr>
-                </a:solidFill>
-              </a:defRPr>
-            </a:lvl1pPr>
-          </a:lstStyle>
-          <a:p>
-            <a:fld id="{7921D59F-6012-417E-BE74-CF21C5E8AB83}" type="slidenum">
-              <a:rPr lang="en-US" smtClean="0"/>
-              <a:t>‹#›</a:t>
-            </a:fld>
-            <a:endParaRPr lang="en-US"/>
+        <p:style>
+          <a:lnRef idx="1">
+            <a:schemeClr val="accent1"/>
+          </a:lnRef>
+          <a:fillRef idx="3">
+            <a:schemeClr val="accent1"/>
+          </a:fillRef>
+          <a:effectRef idx="2">
+            <a:schemeClr val="accent1"/>
+          </a:effectRef>
+          <a:fontRef idx="minor">
+            <a:schemeClr val="lt1"/>
+          </a:fontRef>
+        </p:style>
+        <p:txBody>
+          <a:bodyPr lIns="0" rIns="0" rtlCol="0" anchor="ctr"/>
+          <a:lstStyle/>
+          <a:p>
+            <a:pPr algn="ctr"/>
+            <a:endParaRPr lang="en-US" sz="2400">
+              <a:latin typeface="+mn-lt"/>
+            </a:endParaRPr>
           </a:p>
         </p:txBody>
       </p:sp>
     </p:spTree>
     <p:extLst>
       <p:ext uri="{BB962C8B-B14F-4D97-AF65-F5344CB8AC3E}">
-        <p14:creationId xmlns:p14="http://schemas.microsoft.com/office/powerpoint/2010/main" val="832795540"/>
+        <p14:creationId xmlns:p14="http://schemas.microsoft.com/office/powerpoint/2010/main" val="3499372961"/>
       </p:ext>
     </p:extLst>
   </p:cSld>
   <p:clrMap bg1="lt1" tx1="dk1" bg2="lt2" tx2="dk2" accent1="accent1" accent2="accent2" accent3="accent3" accent4="accent4" accent5="accent5" accent6="accent6" hlink="hlink" folHlink="folHlink"/>
   <p:sldLayoutIdLst>
-    <p:sldLayoutId id="2147483649" r:id="rId1"/>
-    <p:sldLayoutId id="2147483650" r:id="rId2"/>
-    <p:sldLayoutId id="2147483651" r:id="rId3"/>
-    <p:sldLayoutId id="2147483652" r:id="rId4"/>
-    <p:sldLayoutId id="2147483653" r:id="rId5"/>
-    <p:sldLayoutId id="2147483654" r:id="rId6"/>
-    <p:sldLayoutId id="2147483655" r:id="rId7"/>
-    <p:sldLayoutId id="2147483656" r:id="rId8"/>
-    <p:sldLayoutId id="2147483657" r:id="rId9"/>
-    <p:sldLayoutId id="2147483658" r:id="rId10"/>
-    <p:sldLayoutId id="2147483659" r:id="rId11"/>
-    <p:sldLayoutId id="2147483660" r:id="rId12"/>
-    <p:sldLayoutId id="2147483661" r:id="rId13"/>
+    <p:sldLayoutId id="2147483663" r:id="rId1"/>
+    <p:sldLayoutId id="2147483664" r:id="rId2"/>
+    <p:sldLayoutId id="2147483665" r:id="rId3"/>
+    <p:sldLayoutId id="2147483666" r:id="rId4"/>
+    <p:sldLayoutId id="2147483667" r:id="rId5"/>
+    <p:sldLayoutId id="2147483668" r:id="rId6"/>
+    <p:sldLayoutId id="2147483669" r:id="rId7"/>
+    <p:sldLayoutId id="2147483670" r:id="rId8"/>
+    <p:sldLayoutId id="2147483671" r:id="rId9"/>
+    <p:sldLayoutId id="2147483672" r:id="rId10"/>
+    <p:sldLayoutId id="2147483673" r:id="rId11"/>
+    <p:sldLayoutId id="2147483674" r:id="rId12"/>
+    <p:sldLayoutId id="2147483675" r:id="rId13"/>
+    <p:sldLayoutId id="2147483676" r:id="rId14"/>
+    <p:sldLayoutId id="2147483677" r:id="rId15"/>
+    <p:sldLayoutId id="2147483678" r:id="rId16"/>
+    <p:sldLayoutId id="2147483679" r:id="rId17"/>
+    <p:sldLayoutId id="2147483680" r:id="rId18"/>
+    <p:sldLayoutId id="2147483681" r:id="rId19"/>
+    <p:sldLayoutId id="2147483682" r:id="rId20"/>
   </p:sldLayoutIdLst>
   <p:txStyles>
     <p:titleStyle>
-      <a:lvl1pPr algn="l" defTabSz="914400" rtl="0" eaLnBrk="1" latinLnBrk="0" hangingPunct="1">
+      <a:lvl1pPr algn="l" defTabSz="1219170" rtl="0" eaLnBrk="1" latinLnBrk="0" hangingPunct="1">
         <a:lnSpc>
           <a:spcPct val="90000"/>
         </a:lnSpc>
@@ -4684,43 +7029,157 @@
           <a:spcPct val="0"/>
         </a:spcBef>
         <a:buNone/>
-        <a:defRPr sz="4400" kern="1200">
+        <a:defRPr sz="3200" b="0" i="0" kern="1000" spc="0" baseline="0">
           <a:solidFill>
-            <a:schemeClr val="tx1"/>
+            <a:schemeClr val="bg2">
+              <a:lumMod val="25000"/>
+            </a:schemeClr>
           </a:solidFill>
-          <a:latin typeface="+mj-lt"/>
-          <a:ea typeface="+mj-ea"/>
-          <a:cs typeface="+mj-cs"/>
+          <a:latin typeface="+mn-lt"/>
+          <a:ea typeface="Arial" charset="0"/>
+          <a:cs typeface="Arial" charset="0"/>
         </a:defRPr>
       </a:lvl1pPr>
     </p:titleStyle>
     <p:bodyStyle>
-      <a:lvl1pPr marL="228600" indent="-228600" algn="l" defTabSz="914400" rtl="0" eaLnBrk="1" latinLnBrk="0" hangingPunct="1">
+      <a:lvl1pPr marL="243834" marR="0" indent="-243834" algn="l" defTabSz="1219170" rtl="0" eaLnBrk="1" fontAlgn="auto" latinLnBrk="0" hangingPunct="1">
+        <a:lnSpc>
+          <a:spcPct val="100000"/>
+        </a:lnSpc>
+        <a:spcBef>
+          <a:spcPts val="533"/>
+        </a:spcBef>
+        <a:spcAft>
+          <a:spcPts val="0"/>
+        </a:spcAft>
+        <a:buClr>
+          <a:schemeClr val="bg2">
+            <a:lumMod val="50000"/>
+          </a:schemeClr>
+        </a:buClr>
+        <a:buSzPct val="70000"/>
+        <a:buFont typeface="Wingdings" charset="2"/>
+        <a:buChar char="§"/>
+        <a:tabLst>
+          <a:tab pos="243834" algn="l"/>
+        </a:tabLst>
+        <a:defRPr lang="en-US" sz="2400" b="0" i="0" kern="1200" baseline="0" dirty="0" smtClean="0">
+          <a:solidFill>
+            <a:schemeClr val="bg2">
+              <a:lumMod val="25000"/>
+            </a:schemeClr>
+          </a:solidFill>
+          <a:latin typeface="+mn-lt"/>
+          <a:ea typeface="Arial" charset="0"/>
+          <a:cs typeface="Arial" charset="0"/>
+        </a:defRPr>
+      </a:lvl1pPr>
+      <a:lvl2pPr marL="609585" indent="-243834" algn="l" defTabSz="1219170" rtl="0" eaLnBrk="1" latinLnBrk="0" hangingPunct="1">
         <a:lnSpc>
           <a:spcPct val="90000"/>
         </a:lnSpc>
         <a:spcBef>
-          <a:spcPts val="1000"/>
+          <a:spcPts val="667"/>
         </a:spcBef>
-        <a:buFont typeface="Arial" panose="020B0604020202020204" pitchFamily="34" charset="0"/>
-        <a:buChar char="•"/>
-        <a:defRPr sz="2800" kern="1200">
+        <a:buClr>
+          <a:schemeClr val="bg2">
+            <a:lumMod val="50000"/>
+          </a:schemeClr>
+        </a:buClr>
+        <a:buSzPct val="70000"/>
+        <a:buFont typeface="Wingdings" charset="2"/>
+        <a:buChar char="§"/>
+        <a:defRPr lang="en-US" sz="2133" b="0" i="0" kern="1200" baseline="0" dirty="0" smtClean="0">
           <a:solidFill>
-            <a:schemeClr val="tx1"/>
+            <a:schemeClr val="bg2">
+              <a:lumMod val="25000"/>
+            </a:schemeClr>
           </a:solidFill>
           <a:latin typeface="+mn-lt"/>
           <a:ea typeface="+mn-ea"/>
-          <a:cs typeface="+mn-cs"/>
+          <a:cs typeface="Univers LT Std 45 Light"/>
         </a:defRPr>
-      </a:lvl1pPr>
-      <a:lvl2pPr marL="685800" indent="-228600" algn="l" defTabSz="914400" rtl="0" eaLnBrk="1" latinLnBrk="0" hangingPunct="1">
+      </a:lvl2pPr>
+      <a:lvl3pPr marL="975336" indent="-243834" algn="l" defTabSz="1219170" rtl="0" eaLnBrk="1" latinLnBrk="0" hangingPunct="1">
         <a:lnSpc>
           <a:spcPct val="90000"/>
         </a:lnSpc>
         <a:spcBef>
-          <a:spcPts val="500"/>
+          <a:spcPts val="667"/>
         </a:spcBef>
-        <a:buFont typeface="Arial" panose="020B0604020202020204" pitchFamily="34" charset="0"/>
+        <a:buClr>
+          <a:schemeClr val="bg2">
+            <a:lumMod val="50000"/>
+          </a:schemeClr>
+        </a:buClr>
+        <a:buSzPct val="70000"/>
+        <a:buFont typeface="Wingdings" charset="2"/>
+        <a:buChar char="§"/>
+        <a:defRPr lang="en-US" sz="1867" b="0" i="0" kern="1200" baseline="0" dirty="0" smtClean="0">
+          <a:solidFill>
+            <a:schemeClr val="bg2">
+              <a:lumMod val="25000"/>
+            </a:schemeClr>
+          </a:solidFill>
+          <a:latin typeface="+mn-lt"/>
+          <a:ea typeface="+mn-ea"/>
+          <a:cs typeface="Univers LT Std 45 Light"/>
+        </a:defRPr>
+      </a:lvl3pPr>
+      <a:lvl4pPr marL="1219170" indent="-243834" algn="l" defTabSz="1219170" rtl="0" eaLnBrk="1" latinLnBrk="0" hangingPunct="1">
+        <a:lnSpc>
+          <a:spcPct val="90000"/>
+        </a:lnSpc>
+        <a:spcBef>
+          <a:spcPts val="667"/>
+        </a:spcBef>
+        <a:buClr>
+          <a:schemeClr val="bg2">
+            <a:lumMod val="50000"/>
+          </a:schemeClr>
+        </a:buClr>
+        <a:buSzPct val="70000"/>
+        <a:buFont typeface="Wingdings" charset="2"/>
+        <a:buChar char="§"/>
+        <a:defRPr lang="en-US" sz="1600" b="0" i="0" kern="1200" baseline="0" dirty="0" smtClean="0">
+          <a:solidFill>
+            <a:schemeClr val="bg2">
+              <a:lumMod val="25000"/>
+            </a:schemeClr>
+          </a:solidFill>
+          <a:latin typeface="+mn-lt"/>
+          <a:ea typeface="+mn-ea"/>
+          <a:cs typeface="Univers LT Std 45 Light"/>
+        </a:defRPr>
+      </a:lvl4pPr>
+      <a:lvl5pPr marL="2438339" indent="0" algn="l" defTabSz="1219170" rtl="0" eaLnBrk="1" latinLnBrk="0" hangingPunct="1">
+        <a:lnSpc>
+          <a:spcPct val="90000"/>
+        </a:lnSpc>
+        <a:spcBef>
+          <a:spcPts val="667"/>
+        </a:spcBef>
+        <a:buFont typeface="Arial"/>
+        <a:buNone/>
+        <a:defRPr sz="2133" b="0" i="0" kern="1200" baseline="0">
+          <a:solidFill>
+            <a:schemeClr val="bg2">
+              <a:lumMod val="25000"/>
+            </a:schemeClr>
+          </a:solidFill>
+          <a:latin typeface="Helvetica Neue Light" charset="0"/>
+          <a:ea typeface="Helvetica Neue Light" charset="0"/>
+          <a:cs typeface="Helvetica Neue Light" charset="0"/>
+        </a:defRPr>
+      </a:lvl5pPr>
+      <a:lvl6pPr marL="3352716" indent="-304792" algn="l" defTabSz="1219170" rtl="0" eaLnBrk="1" latinLnBrk="0" hangingPunct="1">
+        <a:lnSpc>
+          <a:spcPct val="90000"/>
+        </a:lnSpc>
+        <a:spcBef>
+          <a:spcPts val="667"/>
+        </a:spcBef>
+        <a:buFont typeface="Arial"/>
         <a:buChar char="•"/>
         <a:defRPr sz="2400" kern="1200">
           <a:solidFill>
@@ -4730,89 +7189,17 @@
           <a:ea typeface="+mn-ea"/>
           <a:cs typeface="+mn-cs"/>
         </a:defRPr>
-      </a:lvl2pPr>
-      <a:lvl3pPr marL="1143000" indent="-228600" algn="l" defTabSz="914400" rtl="0" eaLnBrk="1" latinLnBrk="0" hangingPunct="1">
+      </a:lvl6pPr>
+      <a:lvl7pPr marL="3962301" indent="-304792" algn="l" defTabSz="1219170" rtl="0" eaLnBrk="1" latinLnBrk="0" hangingPunct="1">
         <a:lnSpc>
           <a:spcPct val="90000"/>
         </a:lnSpc>
         <a:spcBef>
-          <a:spcPts val="500"/>
+          <a:spcPts val="667"/>
         </a:spcBef>
-        <a:buFont typeface="Arial" panose="020B0604020202020204" pitchFamily="34" charset="0"/>
+        <a:buFont typeface="Arial"/>
         <a:buChar char="•"/>
-        <a:defRPr sz="2000" kern="1200">
-          <a:solidFill>
-            <a:schemeClr val="tx1"/>
-          </a:solidFill>
-          <a:latin typeface="+mn-lt"/>
-          <a:ea typeface="+mn-ea"/>
-          <a:cs typeface="+mn-cs"/>
-        </a:defRPr>
-      </a:lvl3pPr>
-      <a:lvl4pPr marL="1600200" indent="-228600" algn="l" defTabSz="914400" rtl="0" eaLnBrk="1" latinLnBrk="0" hangingPunct="1">
-        <a:lnSpc>
-          <a:spcPct val="90000"/>
-        </a:lnSpc>
-        <a:spcBef>
-          <a:spcPts val="500"/>
-        </a:spcBef>
-        <a:buFont typeface="Arial" panose="020B0604020202020204" pitchFamily="34" charset="0"/>
-        <a:buChar char="•"/>
-        <a:defRPr sz="1800" kern="1200">
-          <a:solidFill>
-            <a:schemeClr val="tx1"/>
-          </a:solidFill>
-          <a:latin typeface="+mn-lt"/>
-          <a:ea typeface="+mn-ea"/>
-          <a:cs typeface="+mn-cs"/>
-        </a:defRPr>
-      </a:lvl4pPr>
-      <a:lvl5pPr marL="2057400" indent="-228600" algn="l" defTabSz="914400" rtl="0" eaLnBrk="1" latinLnBrk="0" hangingPunct="1">
-        <a:lnSpc>
-          <a:spcPct val="90000"/>
-        </a:lnSpc>
-        <a:spcBef>
-          <a:spcPts val="500"/>
-        </a:spcBef>
-        <a:buFont typeface="Arial" panose="020B0604020202020204" pitchFamily="34" charset="0"/>
-        <a:buChar char="•"/>
-        <a:defRPr sz="1800" kern="1200">
-          <a:solidFill>
-            <a:schemeClr val="tx1"/>
-          </a:solidFill>
-          <a:latin typeface="+mn-lt"/>
-          <a:ea typeface="+mn-ea"/>
-          <a:cs typeface="+mn-cs"/>
-        </a:defRPr>
-      </a:lvl5pPr>
-      <a:lvl6pPr marL="2514600" indent="-228600" algn="l" defTabSz="914400" rtl="0" eaLnBrk="1" latinLnBrk="0" hangingPunct="1">
-        <a:lnSpc>
-          <a:spcPct val="90000"/>
-        </a:lnSpc>
-        <a:spcBef>
-          <a:spcPts val="500"/>
-        </a:spcBef>
-        <a:buFont typeface="Arial" panose="020B0604020202020204" pitchFamily="34" charset="0"/>
-        <a:buChar char="•"/>
-        <a:defRPr sz="1800" kern="1200">
-          <a:solidFill>
-            <a:schemeClr val="tx1"/>
-          </a:solidFill>
-          <a:latin typeface="+mn-lt"/>
-          <a:ea typeface="+mn-ea"/>
-          <a:cs typeface="+mn-cs"/>
-        </a:defRPr>
-      </a:lvl6pPr>
-      <a:lvl7pPr marL="2971800" indent="-228600" algn="l" defTabSz="914400" rtl="0" eaLnBrk="1" latinLnBrk="0" hangingPunct="1">
-        <a:lnSpc>
-          <a:spcPct val="90000"/>
-        </a:lnSpc>
-        <a:spcBef>
-          <a:spcPts val="500"/>
-        </a:spcBef>
-        <a:buFont typeface="Arial" panose="020B0604020202020204" pitchFamily="34" charset="0"/>
-        <a:buChar char="•"/>
-        <a:defRPr sz="1800" kern="1200">
+        <a:defRPr sz="2400" kern="1200">
           <a:solidFill>
             <a:schemeClr val="tx1"/>
           </a:solidFill>
@@ -4821,16 +7208,16 @@
           <a:cs typeface="+mn-cs"/>
         </a:defRPr>
       </a:lvl7pPr>
-      <a:lvl8pPr marL="3429000" indent="-228600" algn="l" defTabSz="914400" rtl="0" eaLnBrk="1" latinLnBrk="0" hangingPunct="1">
+      <a:lvl8pPr marL="4571886" indent="-304792" algn="l" defTabSz="1219170" rtl="0" eaLnBrk="1" latinLnBrk="0" hangingPunct="1">
         <a:lnSpc>
           <a:spcPct val="90000"/>
         </a:lnSpc>
         <a:spcBef>
-          <a:spcPts val="500"/>
+          <a:spcPts val="667"/>
         </a:spcBef>
-        <a:buFont typeface="Arial" panose="020B0604020202020204" pitchFamily="34" charset="0"/>
+        <a:buFont typeface="Arial"/>
         <a:buChar char="•"/>
-        <a:defRPr sz="1800" kern="1200">
+        <a:defRPr sz="2400" kern="1200">
           <a:solidFill>
             <a:schemeClr val="tx1"/>
           </a:solidFill>
@@ -4839,16 +7226,16 @@
           <a:cs typeface="+mn-cs"/>
         </a:defRPr>
       </a:lvl8pPr>
-      <a:lvl9pPr marL="3886200" indent="-228600" algn="l" defTabSz="914400" rtl="0" eaLnBrk="1" latinLnBrk="0" hangingPunct="1">
+      <a:lvl9pPr marL="5181470" indent="-304792" algn="l" defTabSz="1219170" rtl="0" eaLnBrk="1" latinLnBrk="0" hangingPunct="1">
         <a:lnSpc>
           <a:spcPct val="90000"/>
         </a:lnSpc>
         <a:spcBef>
-          <a:spcPts val="500"/>
+          <a:spcPts val="667"/>
         </a:spcBef>
-        <a:buFont typeface="Arial" panose="020B0604020202020204" pitchFamily="34" charset="0"/>
+        <a:buFont typeface="Arial"/>
         <a:buChar char="•"/>
-        <a:defRPr sz="1800" kern="1200">
+        <a:defRPr sz="2400" kern="1200">
           <a:solidFill>
             <a:schemeClr val="tx1"/>
           </a:solidFill>
@@ -4862,8 +7249,8 @@
       <a:defPPr>
         <a:defRPr lang="en-US"/>
       </a:defPPr>
-      <a:lvl1pPr marL="0" algn="l" defTabSz="914400" rtl="0" eaLnBrk="1" latinLnBrk="0" hangingPunct="1">
-        <a:defRPr sz="1800" kern="1200">
+      <a:lvl1pPr marL="0" algn="l" defTabSz="1219170" rtl="0" eaLnBrk="1" latinLnBrk="0" hangingPunct="1">
+        <a:defRPr sz="2400" kern="1200">
           <a:solidFill>
             <a:schemeClr val="tx1"/>
           </a:solidFill>
@@ -4872,8 +7259,8 @@
           <a:cs typeface="+mn-cs"/>
         </a:defRPr>
       </a:lvl1pPr>
-      <a:lvl2pPr marL="457200" algn="l" defTabSz="914400" rtl="0" eaLnBrk="1" latinLnBrk="0" hangingPunct="1">
-        <a:defRPr sz="1800" kern="1200">
+      <a:lvl2pPr marL="609585" algn="l" defTabSz="1219170" rtl="0" eaLnBrk="1" latinLnBrk="0" hangingPunct="1">
+        <a:defRPr sz="2400" kern="1200">
           <a:solidFill>
             <a:schemeClr val="tx1"/>
           </a:solidFill>
@@ -4882,8 +7269,8 @@
           <a:cs typeface="+mn-cs"/>
         </a:defRPr>
       </a:lvl2pPr>
-      <a:lvl3pPr marL="914400" algn="l" defTabSz="914400" rtl="0" eaLnBrk="1" latinLnBrk="0" hangingPunct="1">
-        <a:defRPr sz="1800" kern="1200">
+      <a:lvl3pPr marL="1219170" algn="l" defTabSz="1219170" rtl="0" eaLnBrk="1" latinLnBrk="0" hangingPunct="1">
+        <a:defRPr sz="2400" kern="1200">
           <a:solidFill>
             <a:schemeClr val="tx1"/>
           </a:solidFill>
@@ -4892,8 +7279,8 @@
           <a:cs typeface="+mn-cs"/>
         </a:defRPr>
       </a:lvl3pPr>
-      <a:lvl4pPr marL="1371600" algn="l" defTabSz="914400" rtl="0" eaLnBrk="1" latinLnBrk="0" hangingPunct="1">
-        <a:defRPr sz="1800" kern="1200">
+      <a:lvl4pPr marL="1828754" algn="l" defTabSz="1219170" rtl="0" eaLnBrk="1" latinLnBrk="0" hangingPunct="1">
+        <a:defRPr sz="2400" kern="1200">
           <a:solidFill>
             <a:schemeClr val="tx1"/>
           </a:solidFill>
@@ -4902,8 +7289,8 @@
           <a:cs typeface="+mn-cs"/>
         </a:defRPr>
       </a:lvl4pPr>
-      <a:lvl5pPr marL="1828800" algn="l" defTabSz="914400" rtl="0" eaLnBrk="1" latinLnBrk="0" hangingPunct="1">
-        <a:defRPr sz="1800" kern="1200">
+      <a:lvl5pPr marL="2438339" algn="l" defTabSz="1219170" rtl="0" eaLnBrk="1" latinLnBrk="0" hangingPunct="1">
+        <a:defRPr sz="2400" kern="1200">
           <a:solidFill>
             <a:schemeClr val="tx1"/>
           </a:solidFill>
@@ -4912,8 +7299,8 @@
           <a:cs typeface="+mn-cs"/>
         </a:defRPr>
       </a:lvl5pPr>
-      <a:lvl6pPr marL="2286000" algn="l" defTabSz="914400" rtl="0" eaLnBrk="1" latinLnBrk="0" hangingPunct="1">
-        <a:defRPr sz="1800" kern="1200">
+      <a:lvl6pPr marL="3047924" algn="l" defTabSz="1219170" rtl="0" eaLnBrk="1" latinLnBrk="0" hangingPunct="1">
+        <a:defRPr sz="2400" kern="1200">
           <a:solidFill>
             <a:schemeClr val="tx1"/>
           </a:solidFill>
@@ -4922,8 +7309,8 @@
           <a:cs typeface="+mn-cs"/>
         </a:defRPr>
       </a:lvl6pPr>
-      <a:lvl7pPr marL="2743200" algn="l" defTabSz="914400" rtl="0" eaLnBrk="1" latinLnBrk="0" hangingPunct="1">
-        <a:defRPr sz="1800" kern="1200">
+      <a:lvl7pPr marL="3657509" algn="l" defTabSz="1219170" rtl="0" eaLnBrk="1" latinLnBrk="0" hangingPunct="1">
+        <a:defRPr sz="2400" kern="1200">
           <a:solidFill>
             <a:schemeClr val="tx1"/>
           </a:solidFill>
@@ -4932,8 +7319,8 @@
           <a:cs typeface="+mn-cs"/>
         </a:defRPr>
       </a:lvl7pPr>
-      <a:lvl8pPr marL="3200400" algn="l" defTabSz="914400" rtl="0" eaLnBrk="1" latinLnBrk="0" hangingPunct="1">
-        <a:defRPr sz="1800" kern="1200">
+      <a:lvl8pPr marL="4267093" algn="l" defTabSz="1219170" rtl="0" eaLnBrk="1" latinLnBrk="0" hangingPunct="1">
+        <a:defRPr sz="2400" kern="1200">
           <a:solidFill>
             <a:schemeClr val="tx1"/>
           </a:solidFill>
@@ -4942,8 +7329,8 @@
           <a:cs typeface="+mn-cs"/>
         </a:defRPr>
       </a:lvl8pPr>
-      <a:lvl9pPr marL="3657600" algn="l" defTabSz="914400" rtl="0" eaLnBrk="1" latinLnBrk="0" hangingPunct="1">
-        <a:defRPr sz="1800" kern="1200">
+      <a:lvl9pPr marL="4876678" algn="l" defTabSz="1219170" rtl="0" eaLnBrk="1" latinLnBrk="0" hangingPunct="1">
+        <a:defRPr sz="2400" kern="1200">
           <a:solidFill>
             <a:schemeClr val="tx1"/>
           </a:solidFill>
@@ -4954,6 +7341,47 @@
       </a:lvl9pPr>
     </p:otherStyle>
   </p:txStyles>
+  <p:extLst mod="1">
+    <p:ext uri="{27BBF7A9-308A-43DC-89C8-2F10F3537804}">
+      <p15:sldGuideLst xmlns:p15="http://schemas.microsoft.com/office/powerpoint/2012/main">
+        <p15:guide id="2" pos="286">
+          <p15:clr>
+            <a:srgbClr val="F26B43"/>
+          </p15:clr>
+        </p15:guide>
+        <p15:guide id="3" pos="5473">
+          <p15:clr>
+            <a:srgbClr val="F26B43"/>
+          </p15:clr>
+        </p15:guide>
+        <p15:guide id="4" orient="horz" pos="378">
+          <p15:clr>
+            <a:srgbClr val="F26B43"/>
+          </p15:clr>
+        </p15:guide>
+        <p15:guide id="5" orient="horz" pos="630">
+          <p15:clr>
+            <a:srgbClr val="F26B43"/>
+          </p15:clr>
+        </p15:guide>
+        <p15:guide id="6" orient="horz" pos="2774">
+          <p15:clr>
+            <a:srgbClr val="F26B43"/>
+          </p15:clr>
+        </p15:guide>
+        <p15:guide id="7" orient="horz" pos="3118">
+          <p15:clr>
+            <a:srgbClr val="F26B43"/>
+          </p15:clr>
+        </p15:guide>
+        <p15:guide id="8" orient="horz" pos="2988">
+          <p15:clr>
+            <a:srgbClr val="F26B43"/>
+          </p15:clr>
+        </p15:guide>
+      </p15:sldGuideLst>
+    </p:ext>
+  </p:extLst>
 </p:sldMaster>
 </file>
 
@@ -5134,7 +7562,7 @@
         <p:spPr/>
         <p:txBody>
           <a:bodyPr>
-            <a:normAutofit fontScale="62500" lnSpcReduction="20000"/>
+            <a:normAutofit fontScale="77500" lnSpcReduction="20000"/>
           </a:bodyPr>
           <a:lstStyle/>
           <a:p>
@@ -5277,7 +7705,7 @@
         <p:spPr/>
         <p:txBody>
           <a:bodyPr>
-            <a:normAutofit fontScale="62500" lnSpcReduction="20000"/>
+            <a:normAutofit fontScale="77500" lnSpcReduction="20000"/>
           </a:bodyPr>
           <a:lstStyle/>
           <a:p>
@@ -5407,7 +7835,7 @@
         <p:spPr/>
         <p:txBody>
           <a:bodyPr>
-            <a:normAutofit fontScale="62500" lnSpcReduction="20000"/>
+            <a:normAutofit fontScale="77500" lnSpcReduction="20000"/>
           </a:bodyPr>
           <a:lstStyle/>
           <a:p>
@@ -5550,7 +7978,7 @@
         <p:spPr/>
         <p:txBody>
           <a:bodyPr>
-            <a:normAutofit fontScale="62500" lnSpcReduction="20000"/>
+            <a:normAutofit fontScale="77500" lnSpcReduction="20000"/>
           </a:bodyPr>
           <a:lstStyle/>
           <a:p>
@@ -5777,8 +8205,8 @@
         </p:blipFill>
         <p:spPr>
           <a:xfrm>
-            <a:off x="7010400" y="4231352"/>
-            <a:ext cx="5181600" cy="699911"/>
+            <a:off x="6197600" y="3211843"/>
+            <a:ext cx="5389563" cy="728002"/>
           </a:xfrm>
         </p:spPr>
       </p:pic>
@@ -5991,7 +8419,7 @@
         <p:spPr/>
         <p:txBody>
           <a:bodyPr>
-            <a:normAutofit fontScale="62500" lnSpcReduction="20000"/>
+            <a:normAutofit fontScale="77500" lnSpcReduction="20000"/>
           </a:bodyPr>
           <a:lstStyle/>
           <a:p>
@@ -6134,7 +8562,7 @@
         <p:spPr/>
         <p:txBody>
           <a:bodyPr>
-            <a:normAutofit fontScale="62500" lnSpcReduction="20000"/>
+            <a:normAutofit fontScale="77500" lnSpcReduction="20000"/>
           </a:bodyPr>
           <a:lstStyle/>
           <a:p>
@@ -6292,7 +8720,7 @@
         <p:spPr/>
         <p:txBody>
           <a:bodyPr>
-            <a:normAutofit fontScale="62500" lnSpcReduction="20000"/>
+            <a:normAutofit fontScale="77500" lnSpcReduction="20000"/>
           </a:bodyPr>
           <a:lstStyle/>
           <a:p>
@@ -6435,7 +8863,7 @@
         <p:spPr/>
         <p:txBody>
           <a:bodyPr>
-            <a:normAutofit fontScale="62500" lnSpcReduction="20000"/>
+            <a:normAutofit fontScale="77500" lnSpcReduction="20000"/>
           </a:bodyPr>
           <a:lstStyle/>
           <a:p>
@@ -6588,7 +9016,7 @@
         <p:spPr/>
         <p:txBody>
           <a:bodyPr>
-            <a:normAutofit fontScale="62500" lnSpcReduction="20000"/>
+            <a:normAutofit fontScale="77500" lnSpcReduction="20000"/>
           </a:bodyPr>
           <a:lstStyle/>
           <a:p>
@@ -6731,7 +9159,7 @@
         <p:spPr/>
         <p:txBody>
           <a:bodyPr>
-            <a:normAutofit fontScale="62500" lnSpcReduction="20000"/>
+            <a:normAutofit fontScale="77500" lnSpcReduction="20000"/>
           </a:bodyPr>
           <a:lstStyle/>
           <a:p>
@@ -6885,7 +9313,7 @@
         <p:spPr/>
         <p:txBody>
           <a:bodyPr>
-            <a:normAutofit fontScale="62500" lnSpcReduction="20000"/>
+            <a:normAutofit fontScale="77500" lnSpcReduction="20000"/>
           </a:bodyPr>
           <a:lstStyle/>
           <a:p>
@@ -7028,7 +9456,7 @@
         <p:spPr/>
         <p:txBody>
           <a:bodyPr>
-            <a:normAutofit fontScale="62500" lnSpcReduction="20000"/>
+            <a:normAutofit fontScale="77500" lnSpcReduction="20000"/>
           </a:bodyPr>
           <a:lstStyle/>
           <a:p>
@@ -7395,12 +9823,18 @@
       </p:grpSpPr>
       <p:sp>
         <p:nvSpPr>
-          <p:cNvPr id="2" name="Title 1"/>
+          <p:cNvPr id="3" name="Text Placeholder 2">
+            <a:extLst>
+              <a:ext uri="{FF2B5EF4-FFF2-40B4-BE49-F238E27FC236}">
+                <a16:creationId xmlns:a16="http://schemas.microsoft.com/office/drawing/2014/main" id="{7C70E1AE-D934-474A-9D90-8767BB641F28}"/>
+              </a:ext>
+            </a:extLst>
+          </p:cNvPr>
           <p:cNvSpPr>
             <a:spLocks noGrp="1"/>
           </p:cNvSpPr>
           <p:nvPr>
-            <p:ph type="ctrTitle"/>
+            <p:ph type="body" sz="quarter" idx="10"/>
           </p:nvPr>
         </p:nvSpPr>
         <p:spPr/>
@@ -7412,65 +9846,6 @@
               <a:rPr lang="en-US" dirty="0" err="1"/>
               <a:t>Excercise</a:t>
             </a:r>
-            <a:endParaRPr lang="en-US" dirty="0"/>
-          </a:p>
-        </p:txBody>
-      </p:sp>
-      <p:sp>
-        <p:nvSpPr>
-          <p:cNvPr id="4" name="Subtitle 3"/>
-          <p:cNvSpPr>
-            <a:spLocks noGrp="1"/>
-          </p:cNvSpPr>
-          <p:nvPr>
-            <p:ph type="subTitle" idx="1"/>
-          </p:nvPr>
-        </p:nvSpPr>
-        <p:spPr/>
-        <p:txBody>
-          <a:bodyPr/>
-          <a:lstStyle/>
-          <a:p>
-            <a:endParaRPr lang="en-US"/>
-          </a:p>
-        </p:txBody>
-      </p:sp>
-      <p:sp>
-        <p:nvSpPr>
-          <p:cNvPr id="5" name="Text Placeholder 4"/>
-          <p:cNvSpPr>
-            <a:spLocks noGrp="1"/>
-          </p:cNvSpPr>
-          <p:nvPr>
-            <p:ph type="body" sz="quarter" idx="12"/>
-          </p:nvPr>
-        </p:nvSpPr>
-        <p:spPr/>
-        <p:txBody>
-          <a:bodyPr>
-            <a:normAutofit lnSpcReduction="10000"/>
-          </a:bodyPr>
-          <a:lstStyle/>
-          <a:p>
-            <a:endParaRPr lang="en-US"/>
-          </a:p>
-        </p:txBody>
-      </p:sp>
-      <p:sp>
-        <p:nvSpPr>
-          <p:cNvPr id="6" name="Text Placeholder 5"/>
-          <p:cNvSpPr>
-            <a:spLocks noGrp="1"/>
-          </p:cNvSpPr>
-          <p:nvPr>
-            <p:ph type="body" sz="quarter" idx="13"/>
-          </p:nvPr>
-        </p:nvSpPr>
-        <p:spPr/>
-        <p:txBody>
-          <a:bodyPr/>
-          <a:lstStyle/>
-          <a:p>
             <a:endParaRPr lang="en-US" dirty="0"/>
           </a:p>
         </p:txBody>
@@ -7620,12 +9995,18 @@
       </p:grpSpPr>
       <p:sp>
         <p:nvSpPr>
-          <p:cNvPr id="2" name="Title 1"/>
+          <p:cNvPr id="3" name="Text Placeholder 2">
+            <a:extLst>
+              <a:ext uri="{FF2B5EF4-FFF2-40B4-BE49-F238E27FC236}">
+                <a16:creationId xmlns:a16="http://schemas.microsoft.com/office/drawing/2014/main" id="{F62A86B4-7235-4685-A123-4B14DF62E2F0}"/>
+              </a:ext>
+            </a:extLst>
+          </p:cNvPr>
           <p:cNvSpPr>
             <a:spLocks noGrp="1"/>
           </p:cNvSpPr>
           <p:nvPr>
-            <p:ph type="ctrTitle"/>
+            <p:ph type="body" sz="quarter" idx="10"/>
           </p:nvPr>
         </p:nvSpPr>
         <p:spPr/>
@@ -7637,65 +10018,6 @@
               <a:rPr lang="en-US" dirty="0"/>
               <a:t>What are Static Modules?</a:t>
             </a:r>
-          </a:p>
-        </p:txBody>
-      </p:sp>
-      <p:sp>
-        <p:nvSpPr>
-          <p:cNvPr id="4" name="Subtitle 3"/>
-          <p:cNvSpPr>
-            <a:spLocks noGrp="1"/>
-          </p:cNvSpPr>
-          <p:nvPr>
-            <p:ph type="subTitle" idx="1"/>
-          </p:nvPr>
-        </p:nvSpPr>
-        <p:spPr/>
-        <p:txBody>
-          <a:bodyPr/>
-          <a:lstStyle/>
-          <a:p>
-            <a:endParaRPr lang="en-US"/>
-          </a:p>
-        </p:txBody>
-      </p:sp>
-      <p:sp>
-        <p:nvSpPr>
-          <p:cNvPr id="5" name="Text Placeholder 4"/>
-          <p:cNvSpPr>
-            <a:spLocks noGrp="1"/>
-          </p:cNvSpPr>
-          <p:nvPr>
-            <p:ph type="body" sz="quarter" idx="12"/>
-          </p:nvPr>
-        </p:nvSpPr>
-        <p:spPr/>
-        <p:txBody>
-          <a:bodyPr>
-            <a:normAutofit lnSpcReduction="10000"/>
-          </a:bodyPr>
-          <a:lstStyle/>
-          <a:p>
-            <a:endParaRPr lang="en-US"/>
-          </a:p>
-        </p:txBody>
-      </p:sp>
-      <p:sp>
-        <p:nvSpPr>
-          <p:cNvPr id="6" name="Text Placeholder 5"/>
-          <p:cNvSpPr>
-            <a:spLocks noGrp="1"/>
-          </p:cNvSpPr>
-          <p:nvPr>
-            <p:ph type="body" sz="quarter" idx="13"/>
-          </p:nvPr>
-        </p:nvSpPr>
-        <p:spPr/>
-        <p:txBody>
-          <a:bodyPr/>
-          <a:lstStyle/>
-          <a:p>
-            <a:endParaRPr lang="en-US"/>
           </a:p>
         </p:txBody>
       </p:sp>
@@ -7962,12 +10284,18 @@
       </p:grpSpPr>
       <p:sp>
         <p:nvSpPr>
-          <p:cNvPr id="2" name="Title 1"/>
+          <p:cNvPr id="3" name="Text Placeholder 2">
+            <a:extLst>
+              <a:ext uri="{FF2B5EF4-FFF2-40B4-BE49-F238E27FC236}">
+                <a16:creationId xmlns:a16="http://schemas.microsoft.com/office/drawing/2014/main" id="{8CEC06FF-F75A-4874-A39E-ECF57D097E38}"/>
+              </a:ext>
+            </a:extLst>
+          </p:cNvPr>
           <p:cNvSpPr>
             <a:spLocks noGrp="1"/>
           </p:cNvSpPr>
           <p:nvPr>
-            <p:ph type="ctrTitle"/>
+            <p:ph type="body" sz="quarter" idx="10"/>
           </p:nvPr>
         </p:nvSpPr>
         <p:spPr/>
@@ -7979,65 +10307,6 @@
               <a:rPr lang="en-US" dirty="0"/>
               <a:t>When to create Static Modules?</a:t>
             </a:r>
-          </a:p>
-        </p:txBody>
-      </p:sp>
-      <p:sp>
-        <p:nvSpPr>
-          <p:cNvPr id="4" name="Subtitle 3"/>
-          <p:cNvSpPr>
-            <a:spLocks noGrp="1"/>
-          </p:cNvSpPr>
-          <p:nvPr>
-            <p:ph type="subTitle" idx="1"/>
-          </p:nvPr>
-        </p:nvSpPr>
-        <p:spPr/>
-        <p:txBody>
-          <a:bodyPr/>
-          <a:lstStyle/>
-          <a:p>
-            <a:endParaRPr lang="en-US"/>
-          </a:p>
-        </p:txBody>
-      </p:sp>
-      <p:sp>
-        <p:nvSpPr>
-          <p:cNvPr id="5" name="Text Placeholder 4"/>
-          <p:cNvSpPr>
-            <a:spLocks noGrp="1"/>
-          </p:cNvSpPr>
-          <p:nvPr>
-            <p:ph type="body" sz="quarter" idx="12"/>
-          </p:nvPr>
-        </p:nvSpPr>
-        <p:spPr/>
-        <p:txBody>
-          <a:bodyPr>
-            <a:normAutofit lnSpcReduction="10000"/>
-          </a:bodyPr>
-          <a:lstStyle/>
-          <a:p>
-            <a:endParaRPr lang="en-US"/>
-          </a:p>
-        </p:txBody>
-      </p:sp>
-      <p:sp>
-        <p:nvSpPr>
-          <p:cNvPr id="6" name="Text Placeholder 5"/>
-          <p:cNvSpPr>
-            <a:spLocks noGrp="1"/>
-          </p:cNvSpPr>
-          <p:nvPr>
-            <p:ph type="body" sz="quarter" idx="13"/>
-          </p:nvPr>
-        </p:nvSpPr>
-        <p:spPr/>
-        <p:txBody>
-          <a:bodyPr/>
-          <a:lstStyle/>
-          <a:p>
-            <a:endParaRPr lang="en-US"/>
           </a:p>
         </p:txBody>
       </p:sp>
@@ -8341,8 +10610,8 @@
         </p:blipFill>
         <p:spPr>
           <a:xfrm>
-            <a:off x="6172200" y="1965665"/>
-            <a:ext cx="5181600" cy="4071257"/>
+            <a:off x="6197600" y="1458516"/>
+            <a:ext cx="5389563" cy="4234656"/>
           </a:xfrm>
         </p:spPr>
       </p:pic>
@@ -8411,7 +10680,7 @@
         <p:spPr/>
         <p:txBody>
           <a:bodyPr>
-            <a:normAutofit fontScale="62500" lnSpcReduction="20000"/>
+            <a:normAutofit fontScale="77500" lnSpcReduction="20000"/>
           </a:bodyPr>
           <a:lstStyle/>
           <a:p>
@@ -8554,7 +10823,7 @@
         <p:spPr/>
         <p:txBody>
           <a:bodyPr>
-            <a:normAutofit fontScale="62500" lnSpcReduction="20000"/>
+            <a:normAutofit fontScale="77500" lnSpcReduction="20000"/>
           </a:bodyPr>
           <a:lstStyle/>
           <a:p>
@@ -8579,107 +10848,55 @@
 </file>
 
 <file path=ppt/theme/theme1.xml><?xml version="1.0" encoding="utf-8"?>
-<a:theme xmlns:a="http://schemas.openxmlformats.org/drawingml/2006/main" name="Office Theme">
+<a:theme xmlns:a="http://schemas.openxmlformats.org/drawingml/2006/main" name="NIExTemplate">
   <a:themeElements>
-    <a:clrScheme name="Office">
+    <a:clrScheme name="Corporate Colors Template">
       <a:dk1>
-        <a:sysClr val="windowText" lastClr="000000"/>
+        <a:srgbClr val="000000"/>
       </a:dk1>
       <a:lt1>
-        <a:sysClr val="window" lastClr="FFFFFF"/>
+        <a:srgbClr val="FFFFFF"/>
       </a:lt1>
       <a:dk2>
-        <a:srgbClr val="44546A"/>
+        <a:srgbClr val="0A60A3"/>
       </a:dk2>
       <a:lt2>
-        <a:srgbClr val="E7E6E6"/>
+        <a:srgbClr val="F5F5F5"/>
       </a:lt2>
       <a:accent1>
-        <a:srgbClr val="4472C4"/>
+        <a:srgbClr val="0A60A3"/>
       </a:accent1>
       <a:accent2>
-        <a:srgbClr val="ED7D31"/>
+        <a:srgbClr val="F15A22"/>
       </a:accent2>
       <a:accent3>
-        <a:srgbClr val="A5A5A5"/>
+        <a:srgbClr val="009800"/>
       </a:accent3>
       <a:accent4>
-        <a:srgbClr val="FFC000"/>
+        <a:srgbClr val="FEC313"/>
       </a:accent4>
       <a:accent5>
-        <a:srgbClr val="5B9BD5"/>
+        <a:srgbClr val="86BCDD"/>
       </a:accent5>
       <a:accent6>
-        <a:srgbClr val="70AD47"/>
+        <a:srgbClr val="6A4686"/>
       </a:accent6>
       <a:hlink>
-        <a:srgbClr val="0563C1"/>
+        <a:srgbClr val="929292"/>
       </a:hlink>
       <a:folHlink>
-        <a:srgbClr val="954F72"/>
+        <a:srgbClr val="669DD6"/>
       </a:folHlink>
     </a:clrScheme>
-    <a:fontScheme name="Office">
+    <a:fontScheme name="Arial">
       <a:majorFont>
-        <a:latin typeface="Calibri Light" panose="020F0302020204030204"/>
+        <a:latin typeface="Arial" panose="020B0604020202020204"/>
         <a:ea typeface=""/>
         <a:cs typeface=""/>
-        <a:font script="Jpan" typeface="游ゴシック Light"/>
-        <a:font script="Hang" typeface="맑은 고딕"/>
-        <a:font script="Hans" typeface="等线 Light"/>
-        <a:font script="Hant" typeface="新細明體"/>
-        <a:font script="Arab" typeface="Times New Roman"/>
-        <a:font script="Hebr" typeface="Times New Roman"/>
-        <a:font script="Thai" typeface="Angsana New"/>
-        <a:font script="Ethi" typeface="Nyala"/>
-        <a:font script="Beng" typeface="Vrinda"/>
-        <a:font script="Gujr" typeface="Shruti"/>
-        <a:font script="Khmr" typeface="MoolBoran"/>
-        <a:font script="Knda" typeface="Tunga"/>
-        <a:font script="Guru" typeface="Raavi"/>
-        <a:font script="Cans" typeface="Euphemia"/>
-        <a:font script="Cher" typeface="Plantagenet Cherokee"/>
-        <a:font script="Yiii" typeface="Microsoft Yi Baiti"/>
-        <a:font script="Tibt" typeface="Microsoft Himalaya"/>
-        <a:font script="Thaa" typeface="MV Boli"/>
-        <a:font script="Deva" typeface="Mangal"/>
-        <a:font script="Telu" typeface="Gautami"/>
-        <a:font script="Taml" typeface="Latha"/>
-        <a:font script="Syrc" typeface="Estrangelo Edessa"/>
-        <a:font script="Orya" typeface="Kalinga"/>
-        <a:font script="Mlym" typeface="Kartika"/>
-        <a:font script="Laoo" typeface="DokChampa"/>
-        <a:font script="Sinh" typeface="Iskoola Pota"/>
-        <a:font script="Mong" typeface="Mongolian Baiti"/>
-        <a:font script="Viet" typeface="Times New Roman"/>
-        <a:font script="Uigh" typeface="Microsoft Uighur"/>
-        <a:font script="Geor" typeface="Sylfaen"/>
-        <a:font script="Armn" typeface="Arial"/>
-        <a:font script="Bugi" typeface="Leelawadee UI"/>
-        <a:font script="Bopo" typeface="Microsoft JhengHei"/>
-        <a:font script="Java" typeface="Javanese Text"/>
-        <a:font script="Lisu" typeface="Segoe UI"/>
-        <a:font script="Mymr" typeface="Myanmar Text"/>
-        <a:font script="Nkoo" typeface="Ebrima"/>
-        <a:font script="Olck" typeface="Nirmala UI"/>
-        <a:font script="Osma" typeface="Ebrima"/>
-        <a:font script="Phag" typeface="Phagspa"/>
-        <a:font script="Syrn" typeface="Estrangelo Edessa"/>
-        <a:font script="Syrj" typeface="Estrangelo Edessa"/>
-        <a:font script="Syre" typeface="Estrangelo Edessa"/>
-        <a:font script="Sora" typeface="Nirmala UI"/>
-        <a:font script="Tale" typeface="Microsoft Tai Le"/>
-        <a:font script="Talu" typeface="Microsoft New Tai Lue"/>
-        <a:font script="Tfng" typeface="Ebrima"/>
-      </a:majorFont>
-      <a:minorFont>
-        <a:latin typeface="Calibri" panose="020F0502020204030204"/>
-        <a:ea typeface=""/>
-        <a:cs typeface=""/>
-        <a:font script="Jpan" typeface="游ゴシック"/>
-        <a:font script="Hang" typeface="맑은 고딕"/>
-        <a:font script="Hans" typeface="等线"/>
-        <a:font script="Hant" typeface="新細明體"/>
+        <a:font script="Jpan" typeface="ＭＳ Ｐゴシック"/>
+        <a:font script="Hang" typeface="굴림"/>
+        <a:font script="Hans" typeface="黑体"/>
+        <a:font script="Hant" typeface="微軟正黑體"/>
         <a:font script="Arab" typeface="Arial"/>
         <a:font script="Hebr" typeface="Arial"/>
         <a:font script="Thai" typeface="Cordia New"/>
@@ -8706,23 +10923,41 @@
         <a:font script="Viet" typeface="Arial"/>
         <a:font script="Uigh" typeface="Microsoft Uighur"/>
         <a:font script="Geor" typeface="Sylfaen"/>
-        <a:font script="Armn" typeface="Arial"/>
-        <a:font script="Bugi" typeface="Leelawadee UI"/>
-        <a:font script="Bopo" typeface="Microsoft JhengHei"/>
-        <a:font script="Java" typeface="Javanese Text"/>
-        <a:font script="Lisu" typeface="Segoe UI"/>
-        <a:font script="Mymr" typeface="Myanmar Text"/>
-        <a:font script="Nkoo" typeface="Ebrima"/>
-        <a:font script="Olck" typeface="Nirmala UI"/>
-        <a:font script="Osma" typeface="Ebrima"/>
-        <a:font script="Phag" typeface="Phagspa"/>
-        <a:font script="Syrn" typeface="Estrangelo Edessa"/>
-        <a:font script="Syrj" typeface="Estrangelo Edessa"/>
-        <a:font script="Syre" typeface="Estrangelo Edessa"/>
-        <a:font script="Sora" typeface="Nirmala UI"/>
-        <a:font script="Tale" typeface="Microsoft Tai Le"/>
-        <a:font script="Talu" typeface="Microsoft New Tai Lue"/>
-        <a:font script="Tfng" typeface="Ebrima"/>
+      </a:majorFont>
+      <a:minorFont>
+        <a:latin typeface="Arial" panose="020B0604020202020204"/>
+        <a:ea typeface=""/>
+        <a:cs typeface=""/>
+        <a:font script="Jpan" typeface="ＭＳ Ｐゴシック"/>
+        <a:font script="Hang" typeface="굴림"/>
+        <a:font script="Hans" typeface="黑体"/>
+        <a:font script="Hant" typeface="微軟正黑體"/>
+        <a:font script="Arab" typeface="Arial"/>
+        <a:font script="Hebr" typeface="Arial"/>
+        <a:font script="Thai" typeface="Cordia New"/>
+        <a:font script="Ethi" typeface="Nyala"/>
+        <a:font script="Beng" typeface="Vrinda"/>
+        <a:font script="Gujr" typeface="Shruti"/>
+        <a:font script="Khmr" typeface="DaunPenh"/>
+        <a:font script="Knda" typeface="Tunga"/>
+        <a:font script="Guru" typeface="Raavi"/>
+        <a:font script="Cans" typeface="Euphemia"/>
+        <a:font script="Cher" typeface="Plantagenet Cherokee"/>
+        <a:font script="Yiii" typeface="Microsoft Yi Baiti"/>
+        <a:font script="Tibt" typeface="Microsoft Himalaya"/>
+        <a:font script="Thaa" typeface="MV Boli"/>
+        <a:font script="Deva" typeface="Mangal"/>
+        <a:font script="Telu" typeface="Gautami"/>
+        <a:font script="Taml" typeface="Latha"/>
+        <a:font script="Syrc" typeface="Estrangelo Edessa"/>
+        <a:font script="Orya" typeface="Kalinga"/>
+        <a:font script="Mlym" typeface="Kartika"/>
+        <a:font script="Laoo" typeface="DokChampa"/>
+        <a:font script="Sinh" typeface="Iskoola Pota"/>
+        <a:font script="Mong" typeface="Mongolian Baiti"/>
+        <a:font script="Viet" typeface="Arial"/>
+        <a:font script="Uigh" typeface="Microsoft Uighur"/>
+        <a:font script="Geor" typeface="Sylfaen"/>
       </a:minorFont>
     </a:fontScheme>
     <a:fmtScheme name="Office">
@@ -8863,11 +11098,98 @@
       </a:bgFillStyleLst>
     </a:fmtScheme>
   </a:themeElements>
-  <a:objectDefaults/>
+  <a:objectDefaults>
+    <a:spDef>
+      <a:spPr>
+        <a:noFill/>
+        <a:ln w="12700">
+          <a:solidFill>
+            <a:schemeClr val="bg2">
+              <a:lumMod val="25000"/>
+            </a:schemeClr>
+          </a:solidFill>
+        </a:ln>
+        <a:effectLst/>
+      </a:spPr>
+      <a:bodyPr rot="0" spcFirstLastPara="0" vertOverflow="overflow" horzOverflow="overflow" vert="horz" wrap="square" lIns="0" tIns="45720" rIns="0" bIns="45720" numCol="1" spcCol="0" rtlCol="0" fromWordArt="0" anchor="ctr" anchorCtr="0" forceAA="0" compatLnSpc="1">
+        <a:prstTxWarp prst="textNoShape">
+          <a:avLst/>
+        </a:prstTxWarp>
+        <a:noAutofit/>
+      </a:bodyPr>
+      <a:lstStyle>
+        <a:defPPr algn="ctr">
+          <a:defRPr sz="1600" dirty="0" err="1" smtClean="0">
+            <a:solidFill>
+              <a:schemeClr val="bg2">
+                <a:lumMod val="25000"/>
+              </a:schemeClr>
+            </a:solidFill>
+          </a:defRPr>
+        </a:defPPr>
+      </a:lstStyle>
+      <a:style>
+        <a:lnRef idx="1">
+          <a:schemeClr val="accent1"/>
+        </a:lnRef>
+        <a:fillRef idx="3">
+          <a:schemeClr val="accent1"/>
+        </a:fillRef>
+        <a:effectRef idx="2">
+          <a:schemeClr val="accent1"/>
+        </a:effectRef>
+        <a:fontRef idx="minor">
+          <a:schemeClr val="lt1"/>
+        </a:fontRef>
+      </a:style>
+    </a:spDef>
+    <a:lnDef>
+      <a:spPr>
+        <a:ln w="12700">
+          <a:solidFill>
+            <a:schemeClr val="bg2">
+              <a:lumMod val="25000"/>
+            </a:schemeClr>
+          </a:solidFill>
+          <a:headEnd type="none"/>
+          <a:tailEnd type="none"/>
+        </a:ln>
+      </a:spPr>
+      <a:bodyPr/>
+      <a:lstStyle/>
+      <a:style>
+        <a:lnRef idx="1">
+          <a:schemeClr val="accent1"/>
+        </a:lnRef>
+        <a:fillRef idx="0">
+          <a:schemeClr val="accent1"/>
+        </a:fillRef>
+        <a:effectRef idx="0">
+          <a:schemeClr val="accent1"/>
+        </a:effectRef>
+        <a:fontRef idx="minor">
+          <a:schemeClr val="tx1"/>
+        </a:fontRef>
+      </a:style>
+    </a:lnDef>
+    <a:txDef>
+      <a:spPr>
+        <a:noFill/>
+      </a:spPr>
+      <a:bodyPr wrap="none" lIns="0" rIns="0" rtlCol="0">
+        <a:spAutoFit/>
+      </a:bodyPr>
+      <a:lstStyle>
+        <a:defPPr>
+          <a:defRPr sz="1600" dirty="0" err="1" smtClean="0"/>
+        </a:defPPr>
+      </a:lstStyle>
+    </a:txDef>
+  </a:objectDefaults>
   <a:extraClrSchemeLst/>
   <a:extLst>
     <a:ext uri="{05A4C25C-085E-4340-85A3-A5531E510DB2}">
-      <thm15:themeFamily xmlns:thm15="http://schemas.microsoft.com/office/thememl/2012/main" name="Office Theme" id="{62F939B6-93AF-4DB8-9C6B-D6C7DFDC589F}" vid="{4A3C46E8-61CC-4603-A589-7422A47A8E4A}"/>
+      <thm15:themeFamily xmlns:thm15="http://schemas.microsoft.com/office/thememl/2012/main" name="NIExTemplate" id="{0088F40F-6973-4826-BAFA-5E8278F50015}" vid="{40BD164D-DAC4-46E2-9B7C-B75B3A225885}"/>
     </a:ext>
   </a:extLst>
 </a:theme>

--- a/Trunk/Getting Started Material/DCAF Training/6 Static Modules.pptx
+++ b/Trunk/Getting Started Material/DCAF Training/6 Static Modules.pptx
@@ -2,10 +2,10 @@
 <file path=ppt/presentation.xml><?xml version="1.0" encoding="utf-8"?>
 <p:presentation xmlns:a="http://schemas.openxmlformats.org/drawingml/2006/main" xmlns:r="http://schemas.openxmlformats.org/officeDocument/2006/relationships" xmlns:p="http://schemas.openxmlformats.org/presentationml/2006/main" saveSubsetFonts="1">
   <p:sldMasterIdLst>
-    <p:sldMasterId id="2147483662" r:id="rId1"/>
+    <p:sldMasterId id="2147483741" r:id="rId1"/>
   </p:sldMasterIdLst>
   <p:notesMasterIdLst>
-    <p:notesMasterId r:id="rId21"/>
+    <p:notesMasterId r:id="rId20"/>
   </p:notesMasterIdLst>
   <p:sldIdLst>
     <p:sldId id="259" r:id="rId2"/>
@@ -21,12 +21,11 @@
     <p:sldId id="389" r:id="rId12"/>
     <p:sldId id="394" r:id="rId13"/>
     <p:sldId id="390" r:id="rId14"/>
-    <p:sldId id="391" r:id="rId15"/>
-    <p:sldId id="392" r:id="rId16"/>
-    <p:sldId id="393" r:id="rId17"/>
-    <p:sldId id="381" r:id="rId18"/>
-    <p:sldId id="380" r:id="rId19"/>
-    <p:sldId id="384" r:id="rId20"/>
+    <p:sldId id="392" r:id="rId15"/>
+    <p:sldId id="393" r:id="rId16"/>
+    <p:sldId id="381" r:id="rId17"/>
+    <p:sldId id="380" r:id="rId18"/>
+    <p:sldId id="384" r:id="rId19"/>
   </p:sldIdLst>
   <p:sldSz cx="12192000" cy="6858000"/>
   <p:notesSz cx="6858000" cy="9144000"/>
@@ -241,7 +240,7 @@
           <a:p>
             <a:fld id="{EA1FD1DD-1EDF-4341-AE12-9015BA74AB77}" type="datetimeFigureOut">
               <a:rPr lang="en-US" smtClean="0"/>
-              <a:t>2018-06-27</a:t>
+              <a:t>2018-07-03</a:t>
             </a:fld>
             <a:endParaRPr lang="en-US"/>
           </a:p>
@@ -741,7 +740,7 @@
           <a:p>
             <a:fld id="{E78E71CD-9786-4621-AA97-B53C62C3E534}" type="slidenum">
               <a:rPr lang="en-US" smtClean="0"/>
-              <a:t>19</a:t>
+              <a:t>18</a:t>
             </a:fld>
             <a:endParaRPr lang="en-US"/>
           </a:p>
@@ -855,7 +854,7 @@
     </p:spTree>
     <p:extLst>
       <p:ext uri="{BB962C8B-B14F-4D97-AF65-F5344CB8AC3E}">
-        <p14:creationId xmlns:p14="http://schemas.microsoft.com/office/powerpoint/2010/main" val="2239034506"/>
+        <p14:creationId xmlns:p14="http://schemas.microsoft.com/office/powerpoint/2010/main" val="3790324816"/>
       </p:ext>
     </p:extLst>
   </p:cSld>
@@ -1137,7 +1136,7 @@
     </p:spTree>
     <p:extLst>
       <p:ext uri="{BB962C8B-B14F-4D97-AF65-F5344CB8AC3E}">
-        <p14:creationId xmlns:p14="http://schemas.microsoft.com/office/powerpoint/2010/main" val="1317600881"/>
+        <p14:creationId xmlns:p14="http://schemas.microsoft.com/office/powerpoint/2010/main" val="877335567"/>
       </p:ext>
     </p:extLst>
   </p:cSld>
@@ -1421,7 +1420,7 @@
     </p:spTree>
     <p:extLst>
       <p:ext uri="{BB962C8B-B14F-4D97-AF65-F5344CB8AC3E}">
-        <p14:creationId xmlns:p14="http://schemas.microsoft.com/office/powerpoint/2010/main" val="2755059171"/>
+        <p14:creationId xmlns:p14="http://schemas.microsoft.com/office/powerpoint/2010/main" val="677356112"/>
       </p:ext>
     </p:extLst>
   </p:cSld>
@@ -1728,7 +1727,7 @@
     </p:spTree>
     <p:extLst>
       <p:ext uri="{BB962C8B-B14F-4D97-AF65-F5344CB8AC3E}">
-        <p14:creationId xmlns:p14="http://schemas.microsoft.com/office/powerpoint/2010/main" val="970835011"/>
+        <p14:creationId xmlns:p14="http://schemas.microsoft.com/office/powerpoint/2010/main" val="1170171210"/>
       </p:ext>
     </p:extLst>
   </p:cSld>
@@ -2007,7 +2006,7 @@
     </p:spTree>
     <p:extLst>
       <p:ext uri="{BB962C8B-B14F-4D97-AF65-F5344CB8AC3E}">
-        <p14:creationId xmlns:p14="http://schemas.microsoft.com/office/powerpoint/2010/main" val="3307749157"/>
+        <p14:creationId xmlns:p14="http://schemas.microsoft.com/office/powerpoint/2010/main" val="3681253956"/>
       </p:ext>
     </p:extLst>
   </p:cSld>
@@ -2281,7 +2280,7 @@
     </p:spTree>
     <p:extLst>
       <p:ext uri="{BB962C8B-B14F-4D97-AF65-F5344CB8AC3E}">
-        <p14:creationId xmlns:p14="http://schemas.microsoft.com/office/powerpoint/2010/main" val="3286734263"/>
+        <p14:creationId xmlns:p14="http://schemas.microsoft.com/office/powerpoint/2010/main" val="2323250877"/>
       </p:ext>
     </p:extLst>
   </p:cSld>
@@ -2606,7 +2605,7 @@
     </p:spTree>
     <p:extLst>
       <p:ext uri="{BB962C8B-B14F-4D97-AF65-F5344CB8AC3E}">
-        <p14:creationId xmlns:p14="http://schemas.microsoft.com/office/powerpoint/2010/main" val="1031688928"/>
+        <p14:creationId xmlns:p14="http://schemas.microsoft.com/office/powerpoint/2010/main" val="3624339867"/>
       </p:ext>
     </p:extLst>
   </p:cSld>
@@ -3092,7 +3091,7 @@
     </p:spTree>
     <p:extLst>
       <p:ext uri="{BB962C8B-B14F-4D97-AF65-F5344CB8AC3E}">
-        <p14:creationId xmlns:p14="http://schemas.microsoft.com/office/powerpoint/2010/main" val="2523085281"/>
+        <p14:creationId xmlns:p14="http://schemas.microsoft.com/office/powerpoint/2010/main" val="4160779052"/>
       </p:ext>
     </p:extLst>
   </p:cSld>
@@ -3444,7 +3443,7 @@
     </p:spTree>
     <p:extLst>
       <p:ext uri="{BB962C8B-B14F-4D97-AF65-F5344CB8AC3E}">
-        <p14:creationId xmlns:p14="http://schemas.microsoft.com/office/powerpoint/2010/main" val="2190614506"/>
+        <p14:creationId xmlns:p14="http://schemas.microsoft.com/office/powerpoint/2010/main" val="3679284515"/>
       </p:ext>
     </p:extLst>
   </p:cSld>
@@ -3767,7 +3766,7 @@
     </p:spTree>
     <p:extLst>
       <p:ext uri="{BB962C8B-B14F-4D97-AF65-F5344CB8AC3E}">
-        <p14:creationId xmlns:p14="http://schemas.microsoft.com/office/powerpoint/2010/main" val="4053081804"/>
+        <p14:creationId xmlns:p14="http://schemas.microsoft.com/office/powerpoint/2010/main" val="209900241"/>
       </p:ext>
     </p:extLst>
   </p:cSld>
@@ -3913,7 +3912,7 @@
           <a:p>
             <a:fld id="{C328AB28-8CF8-4FDA-851D-B8A8B08C8597}" type="datetimeFigureOut">
               <a:rPr lang="en-US" smtClean="0"/>
-              <a:t>2018-06-27</a:t>
+              <a:t>2018-07-03</a:t>
             </a:fld>
             <a:endParaRPr lang="en-US"/>
           </a:p>
@@ -3976,7 +3975,7 @@
     </p:spTree>
     <p:extLst>
       <p:ext uri="{BB962C8B-B14F-4D97-AF65-F5344CB8AC3E}">
-        <p14:creationId xmlns:p14="http://schemas.microsoft.com/office/powerpoint/2010/main" val="1660744049"/>
+        <p14:creationId xmlns:p14="http://schemas.microsoft.com/office/powerpoint/2010/main" val="2052316242"/>
       </p:ext>
     </p:extLst>
   </p:cSld>
@@ -4475,306 +4474,7 @@
     </p:spTree>
     <p:extLst>
       <p:ext uri="{BB962C8B-B14F-4D97-AF65-F5344CB8AC3E}">
-        <p14:creationId xmlns:p14="http://schemas.microsoft.com/office/powerpoint/2010/main" val="1612408973"/>
-      </p:ext>
-    </p:extLst>
-  </p:cSld>
-  <p:clrMapOvr>
-    <a:masterClrMapping/>
-  </p:clrMapOvr>
-</p:sldLayout>
-</file>
-
-<file path=ppt/slideLayouts/slideLayout20.xml><?xml version="1.0" encoding="utf-8"?>
-<p:sldLayout xmlns:a="http://schemas.openxmlformats.org/drawingml/2006/main" xmlns:r="http://schemas.openxmlformats.org/officeDocument/2006/relationships" xmlns:p="http://schemas.openxmlformats.org/presentationml/2006/main" showMasterSp="0">
-  <p:cSld name="1_Title Slide">
-    <p:bg>
-      <p:bgPr>
-        <a:solidFill>
-          <a:schemeClr val="bg1"/>
-        </a:solidFill>
-        <a:effectLst/>
-      </p:bgPr>
-    </p:bg>
-    <p:spTree>
-      <p:nvGrpSpPr>
-        <p:cNvPr id="1" name=""/>
-        <p:cNvGrpSpPr/>
-        <p:nvPr/>
-      </p:nvGrpSpPr>
-      <p:grpSpPr>
-        <a:xfrm>
-          <a:off x="0" y="0"/>
-          <a:ext cx="0" cy="0"/>
-          <a:chOff x="0" y="0"/>
-          <a:chExt cx="0" cy="0"/>
-        </a:xfrm>
-      </p:grpSpPr>
-      <p:sp>
-        <p:nvSpPr>
-          <p:cNvPr id="2" name="Title 1"/>
-          <p:cNvSpPr>
-            <a:spLocks noGrp="1"/>
-          </p:cNvSpPr>
-          <p:nvPr>
-            <p:ph type="ctrTitle" hasCustomPrompt="1"/>
-          </p:nvPr>
-        </p:nvSpPr>
-        <p:spPr>
-          <a:xfrm>
-            <a:off x="605368" y="1121833"/>
-            <a:ext cx="10981265" cy="2387600"/>
-          </a:xfrm>
-        </p:spPr>
-        <p:txBody>
-          <a:bodyPr anchor="b"/>
-          <a:lstStyle>
-            <a:lvl1pPr algn="ctr">
-              <a:defRPr sz="3733" baseline="0">
-                <a:solidFill>
-                  <a:schemeClr val="bg1"/>
-                </a:solidFill>
-              </a:defRPr>
-            </a:lvl1pPr>
-          </a:lstStyle>
-          <a:p>
-            <a:r>
-              <a:rPr lang="en-US" dirty="0"/>
-              <a:t>Presentation Title</a:t>
-            </a:r>
-          </a:p>
-        </p:txBody>
-      </p:sp>
-      <p:sp>
-        <p:nvSpPr>
-          <p:cNvPr id="3" name="Subtitle 2"/>
-          <p:cNvSpPr>
-            <a:spLocks noGrp="1"/>
-          </p:cNvSpPr>
-          <p:nvPr>
-            <p:ph type="subTitle" idx="1" hasCustomPrompt="1"/>
-          </p:nvPr>
-        </p:nvSpPr>
-        <p:spPr>
-          <a:xfrm>
-            <a:off x="605367" y="3509434"/>
-            <a:ext cx="10981267" cy="757767"/>
-          </a:xfrm>
-        </p:spPr>
-        <p:txBody>
-          <a:bodyPr/>
-          <a:lstStyle>
-            <a:lvl1pPr marL="0" marR="0" indent="0" algn="ctr" defTabSz="1219170" rtl="0" eaLnBrk="1" fontAlgn="auto" latinLnBrk="0" hangingPunct="1">
-              <a:lnSpc>
-                <a:spcPts val="2133"/>
-              </a:lnSpc>
-              <a:spcBef>
-                <a:spcPts val="1333"/>
-              </a:spcBef>
-              <a:spcAft>
-                <a:spcPts val="0"/>
-              </a:spcAft>
-              <a:buClrTx/>
-              <a:buSzTx/>
-              <a:buFont typeface="Arial"/>
-              <a:buNone/>
-              <a:tabLst/>
-              <a:defRPr sz="2400" baseline="0">
-                <a:solidFill>
-                  <a:schemeClr val="bg1"/>
-                </a:solidFill>
-              </a:defRPr>
-            </a:lvl1pPr>
-            <a:lvl2pPr marL="609585" indent="0" algn="ctr">
-              <a:buNone/>
-              <a:defRPr sz="2667"/>
-            </a:lvl2pPr>
-            <a:lvl3pPr marL="1219170" indent="0" algn="ctr">
-              <a:buNone/>
-              <a:defRPr sz="2400"/>
-            </a:lvl3pPr>
-            <a:lvl4pPr marL="1828754" indent="0" algn="ctr">
-              <a:buNone/>
-              <a:defRPr sz="2133"/>
-            </a:lvl4pPr>
-            <a:lvl5pPr marL="2438339" indent="0" algn="ctr">
-              <a:buNone/>
-              <a:defRPr sz="2133"/>
-            </a:lvl5pPr>
-            <a:lvl6pPr marL="3047924" indent="0" algn="ctr">
-              <a:buNone/>
-              <a:defRPr sz="2133"/>
-            </a:lvl6pPr>
-            <a:lvl7pPr marL="3657509" indent="0" algn="ctr">
-              <a:buNone/>
-              <a:defRPr sz="2133"/>
-            </a:lvl7pPr>
-            <a:lvl8pPr marL="4267093" indent="0" algn="ctr">
-              <a:buNone/>
-              <a:defRPr sz="2133"/>
-            </a:lvl8pPr>
-            <a:lvl9pPr marL="4876678" indent="0" algn="ctr">
-              <a:buNone/>
-              <a:defRPr sz="2133"/>
-            </a:lvl9pPr>
-          </a:lstStyle>
-          <a:p>
-            <a:r>
-              <a:rPr lang="en-US" dirty="0"/>
-              <a:t>Subhead</a:t>
-            </a:r>
-          </a:p>
-        </p:txBody>
-      </p:sp>
-      <p:sp>
-        <p:nvSpPr>
-          <p:cNvPr id="17" name="Text Placeholder 16"/>
-          <p:cNvSpPr>
-            <a:spLocks noGrp="1"/>
-          </p:cNvSpPr>
-          <p:nvPr>
-            <p:ph type="body" sz="quarter" idx="12" hasCustomPrompt="1"/>
-          </p:nvPr>
-        </p:nvSpPr>
-        <p:spPr>
-          <a:xfrm>
-            <a:off x="605367" y="4631266"/>
-            <a:ext cx="10981267" cy="414868"/>
-          </a:xfrm>
-        </p:spPr>
-        <p:txBody>
-          <a:bodyPr/>
-          <a:lstStyle>
-            <a:lvl1pPr marL="0" marR="0" indent="0" algn="ctr" defTabSz="1219170" rtl="0" eaLnBrk="1" fontAlgn="auto" latinLnBrk="0" hangingPunct="1">
-              <a:lnSpc>
-                <a:spcPct val="100000"/>
-              </a:lnSpc>
-              <a:spcBef>
-                <a:spcPts val="533"/>
-              </a:spcBef>
-              <a:spcAft>
-                <a:spcPts val="800"/>
-              </a:spcAft>
-              <a:buClr>
-                <a:schemeClr val="bg2">
-                  <a:lumMod val="50000"/>
-                </a:schemeClr>
-              </a:buClr>
-              <a:buSzPct val="70000"/>
-              <a:buFont typeface="Wingdings" charset="2"/>
-              <a:buNone/>
-              <a:tabLst>
-                <a:tab pos="243411" algn="l"/>
-                <a:tab pos="4944410" algn="l"/>
-              </a:tabLst>
-              <a:defRPr sz="2133">
-                <a:solidFill>
-                  <a:schemeClr val="bg2">
-                    <a:lumMod val="50000"/>
-                  </a:schemeClr>
-                </a:solidFill>
-              </a:defRPr>
-            </a:lvl1pPr>
-          </a:lstStyle>
-          <a:p>
-            <a:pPr algn="ctr">
-              <a:spcAft>
-                <a:spcPts val="600"/>
-              </a:spcAft>
-            </a:pPr>
-            <a:r>
-              <a:rPr lang="en-US" dirty="0">
-                <a:solidFill>
-                  <a:schemeClr val="tx1">
-                    <a:lumMod val="50000"/>
-                    <a:lumOff val="50000"/>
-                  </a:schemeClr>
-                </a:solidFill>
-              </a:rPr>
-              <a:t>Speaker</a:t>
-            </a:r>
-            <a:endParaRPr lang="en-US" sz="1867" dirty="0">
-              <a:solidFill>
-                <a:schemeClr val="bg1">
-                  <a:lumMod val="65000"/>
-                </a:schemeClr>
-              </a:solidFill>
-            </a:endParaRPr>
-          </a:p>
-        </p:txBody>
-      </p:sp>
-      <p:sp>
-        <p:nvSpPr>
-          <p:cNvPr id="21" name="Text Placeholder 20"/>
-          <p:cNvSpPr>
-            <a:spLocks noGrp="1"/>
-          </p:cNvSpPr>
-          <p:nvPr>
-            <p:ph type="body" sz="quarter" idx="13" hasCustomPrompt="1"/>
-          </p:nvPr>
-        </p:nvSpPr>
-        <p:spPr>
-          <a:xfrm>
-            <a:off x="605367" y="5046134"/>
-            <a:ext cx="10981267" cy="463551"/>
-          </a:xfrm>
-        </p:spPr>
-        <p:txBody>
-          <a:bodyPr/>
-          <a:lstStyle>
-            <a:lvl1pPr marL="0" marR="0" indent="0" algn="ctr" defTabSz="1219170" rtl="0" eaLnBrk="1" fontAlgn="auto" latinLnBrk="0" hangingPunct="1">
-              <a:lnSpc>
-                <a:spcPct val="100000"/>
-              </a:lnSpc>
-              <a:spcBef>
-                <a:spcPts val="533"/>
-              </a:spcBef>
-              <a:spcAft>
-                <a:spcPts val="800"/>
-              </a:spcAft>
-              <a:buClr>
-                <a:schemeClr val="bg2">
-                  <a:lumMod val="50000"/>
-                </a:schemeClr>
-              </a:buClr>
-              <a:buSzPct val="70000"/>
-              <a:buFont typeface="Wingdings" charset="2"/>
-              <a:buNone/>
-              <a:tabLst>
-                <a:tab pos="243834" algn="l"/>
-              </a:tabLst>
-              <a:defRPr sz="2133">
-                <a:solidFill>
-                  <a:schemeClr val="bg2">
-                    <a:lumMod val="50000"/>
-                  </a:schemeClr>
-                </a:solidFill>
-              </a:defRPr>
-            </a:lvl1pPr>
-          </a:lstStyle>
-          <a:p>
-            <a:pPr>
-              <a:spcAft>
-                <a:spcPts val="600"/>
-              </a:spcAft>
-            </a:pPr>
-            <a:r>
-              <a:rPr lang="en-US" dirty="0">
-                <a:solidFill>
-                  <a:schemeClr val="bg1">
-                    <a:lumMod val="65000"/>
-                  </a:schemeClr>
-                </a:solidFill>
-              </a:rPr>
-              <a:t>Title</a:t>
-            </a:r>
-          </a:p>
-        </p:txBody>
-      </p:sp>
-    </p:spTree>
-    <p:extLst>
-      <p:ext uri="{BB962C8B-B14F-4D97-AF65-F5344CB8AC3E}">
-        <p14:creationId xmlns:p14="http://schemas.microsoft.com/office/powerpoint/2010/main" val="3783078381"/>
+        <p14:creationId xmlns:p14="http://schemas.microsoft.com/office/powerpoint/2010/main" val="1734517005"/>
       </p:ext>
     </p:extLst>
   </p:cSld>
@@ -5192,7 +4892,7 @@
     </p:spTree>
     <p:extLst>
       <p:ext uri="{BB962C8B-B14F-4D97-AF65-F5344CB8AC3E}">
-        <p14:creationId xmlns:p14="http://schemas.microsoft.com/office/powerpoint/2010/main" val="3963393498"/>
+        <p14:creationId xmlns:p14="http://schemas.microsoft.com/office/powerpoint/2010/main" val="3389990350"/>
       </p:ext>
     </p:extLst>
   </p:cSld>
@@ -5413,7 +5113,7 @@
     </p:spTree>
     <p:extLst>
       <p:ext uri="{BB962C8B-B14F-4D97-AF65-F5344CB8AC3E}">
-        <p14:creationId xmlns:p14="http://schemas.microsoft.com/office/powerpoint/2010/main" val="813972755"/>
+        <p14:creationId xmlns:p14="http://schemas.microsoft.com/office/powerpoint/2010/main" val="1360399612"/>
       </p:ext>
     </p:extLst>
   </p:cSld>
@@ -5667,7 +5367,7 @@
     </p:spTree>
     <p:extLst>
       <p:ext uri="{BB962C8B-B14F-4D97-AF65-F5344CB8AC3E}">
-        <p14:creationId xmlns:p14="http://schemas.microsoft.com/office/powerpoint/2010/main" val="2693834597"/>
+        <p14:creationId xmlns:p14="http://schemas.microsoft.com/office/powerpoint/2010/main" val="2766719200"/>
       </p:ext>
     </p:extLst>
   </p:cSld>
@@ -5972,7 +5672,7 @@
     </p:spTree>
     <p:extLst>
       <p:ext uri="{BB962C8B-B14F-4D97-AF65-F5344CB8AC3E}">
-        <p14:creationId xmlns:p14="http://schemas.microsoft.com/office/powerpoint/2010/main" val="3767136642"/>
+        <p14:creationId xmlns:p14="http://schemas.microsoft.com/office/powerpoint/2010/main" val="1883020865"/>
       </p:ext>
     </p:extLst>
   </p:cSld>
@@ -6282,7 +5982,7 @@
     </p:spTree>
     <p:extLst>
       <p:ext uri="{BB962C8B-B14F-4D97-AF65-F5344CB8AC3E}">
-        <p14:creationId xmlns:p14="http://schemas.microsoft.com/office/powerpoint/2010/main" val="3172470123"/>
+        <p14:creationId xmlns:p14="http://schemas.microsoft.com/office/powerpoint/2010/main" val="26876675"/>
       </p:ext>
     </p:extLst>
   </p:cSld>
@@ -6501,7 +6201,7 @@
     </p:spTree>
     <p:extLst>
       <p:ext uri="{BB962C8B-B14F-4D97-AF65-F5344CB8AC3E}">
-        <p14:creationId xmlns:p14="http://schemas.microsoft.com/office/powerpoint/2010/main" val="709097902"/>
+        <p14:creationId xmlns:p14="http://schemas.microsoft.com/office/powerpoint/2010/main" val="3119686378"/>
       </p:ext>
     </p:extLst>
   </p:cSld>
@@ -6782,7 +6482,7 @@
     </p:spTree>
     <p:extLst>
       <p:ext uri="{BB962C8B-B14F-4D97-AF65-F5344CB8AC3E}">
-        <p14:creationId xmlns:p14="http://schemas.microsoft.com/office/powerpoint/2010/main" val="3290416634"/>
+        <p14:creationId xmlns:p14="http://schemas.microsoft.com/office/powerpoint/2010/main" val="3927030879"/>
       </p:ext>
     </p:extLst>
   </p:cSld>
@@ -6921,7 +6621,7 @@
           <p:nvPr/>
         </p:nvPicPr>
         <p:blipFill>
-          <a:blip r:embed="rId22" cstate="screen">
+          <a:blip r:embed="rId21" cstate="screen">
             <a:extLst>
               <a:ext uri="{28A0092B-C50C-407E-A947-70E740481C1C}">
                 <a14:useLocalDpi xmlns:a14="http://schemas.microsoft.com/office/drawing/2010/main"/>
@@ -6992,32 +6692,31 @@
     </p:spTree>
     <p:extLst>
       <p:ext uri="{BB962C8B-B14F-4D97-AF65-F5344CB8AC3E}">
-        <p14:creationId xmlns:p14="http://schemas.microsoft.com/office/powerpoint/2010/main" val="3499372961"/>
+        <p14:creationId xmlns:p14="http://schemas.microsoft.com/office/powerpoint/2010/main" val="2249582679"/>
       </p:ext>
     </p:extLst>
   </p:cSld>
   <p:clrMap bg1="lt1" tx1="dk1" bg2="lt2" tx2="dk2" accent1="accent1" accent2="accent2" accent3="accent3" accent4="accent4" accent5="accent5" accent6="accent6" hlink="hlink" folHlink="folHlink"/>
   <p:sldLayoutIdLst>
-    <p:sldLayoutId id="2147483663" r:id="rId1"/>
-    <p:sldLayoutId id="2147483664" r:id="rId2"/>
-    <p:sldLayoutId id="2147483665" r:id="rId3"/>
-    <p:sldLayoutId id="2147483666" r:id="rId4"/>
-    <p:sldLayoutId id="2147483667" r:id="rId5"/>
-    <p:sldLayoutId id="2147483668" r:id="rId6"/>
-    <p:sldLayoutId id="2147483669" r:id="rId7"/>
-    <p:sldLayoutId id="2147483670" r:id="rId8"/>
-    <p:sldLayoutId id="2147483671" r:id="rId9"/>
-    <p:sldLayoutId id="2147483672" r:id="rId10"/>
-    <p:sldLayoutId id="2147483673" r:id="rId11"/>
-    <p:sldLayoutId id="2147483674" r:id="rId12"/>
-    <p:sldLayoutId id="2147483675" r:id="rId13"/>
-    <p:sldLayoutId id="2147483676" r:id="rId14"/>
-    <p:sldLayoutId id="2147483677" r:id="rId15"/>
-    <p:sldLayoutId id="2147483678" r:id="rId16"/>
-    <p:sldLayoutId id="2147483679" r:id="rId17"/>
-    <p:sldLayoutId id="2147483680" r:id="rId18"/>
-    <p:sldLayoutId id="2147483681" r:id="rId19"/>
-    <p:sldLayoutId id="2147483682" r:id="rId20"/>
+    <p:sldLayoutId id="2147483742" r:id="rId1"/>
+    <p:sldLayoutId id="2147483743" r:id="rId2"/>
+    <p:sldLayoutId id="2147483744" r:id="rId3"/>
+    <p:sldLayoutId id="2147483745" r:id="rId4"/>
+    <p:sldLayoutId id="2147483746" r:id="rId5"/>
+    <p:sldLayoutId id="2147483747" r:id="rId6"/>
+    <p:sldLayoutId id="2147483748" r:id="rId7"/>
+    <p:sldLayoutId id="2147483749" r:id="rId8"/>
+    <p:sldLayoutId id="2147483750" r:id="rId9"/>
+    <p:sldLayoutId id="2147483751" r:id="rId10"/>
+    <p:sldLayoutId id="2147483752" r:id="rId11"/>
+    <p:sldLayoutId id="2147483753" r:id="rId12"/>
+    <p:sldLayoutId id="2147483754" r:id="rId13"/>
+    <p:sldLayoutId id="2147483755" r:id="rId14"/>
+    <p:sldLayoutId id="2147483756" r:id="rId15"/>
+    <p:sldLayoutId id="2147483757" r:id="rId16"/>
+    <p:sldLayoutId id="2147483758" r:id="rId17"/>
+    <p:sldLayoutId id="2147483759" r:id="rId18"/>
+    <p:sldLayoutId id="2147483760" r:id="rId19"/>
   </p:sldLayoutIdLst>
   <p:txStyles>
     <p:titleStyle>
@@ -7718,10 +7417,10 @@
       </p:sp>
       <p:sp>
         <p:nvSpPr>
-          <p:cNvPr id="10" name="Rectangle 9">
+          <p:cNvPr id="7" name="Rectangle 6">
             <a:extLst>
               <a:ext uri="{FF2B5EF4-FFF2-40B4-BE49-F238E27FC236}">
-                <a16:creationId xmlns:a16="http://schemas.microsoft.com/office/drawing/2014/main" id="{C69AEF5D-B35F-4D7F-B547-B812D37ADE36}"/>
+                <a16:creationId xmlns:a16="http://schemas.microsoft.com/office/drawing/2014/main" id="{E2034370-C9C1-4AF0-B088-D791E2EF82FC}"/>
               </a:ext>
             </a:extLst>
           </p:cNvPr>
@@ -7730,8 +7429,8 @@
         </p:nvSpPr>
         <p:spPr>
           <a:xfrm>
-            <a:off x="1681018" y="1690688"/>
-            <a:ext cx="3990109" cy="664585"/>
+            <a:off x="1207008" y="888603"/>
+            <a:ext cx="4523232" cy="673820"/>
           </a:xfrm>
           <a:prstGeom prst="rect">
             <a:avLst/>
@@ -8027,10 +7726,10 @@
       </p:sp>
       <p:sp>
         <p:nvSpPr>
-          <p:cNvPr id="10" name="Rectangle 9">
+          <p:cNvPr id="7" name="Rectangle 6">
             <a:extLst>
               <a:ext uri="{FF2B5EF4-FFF2-40B4-BE49-F238E27FC236}">
-                <a16:creationId xmlns:a16="http://schemas.microsoft.com/office/drawing/2014/main" id="{C69AEF5D-B35F-4D7F-B547-B812D37ADE36}"/>
+                <a16:creationId xmlns:a16="http://schemas.microsoft.com/office/drawing/2014/main" id="{FF6C2A0B-1875-4B04-A3C8-DD81978965DD}"/>
               </a:ext>
             </a:extLst>
           </p:cNvPr>
@@ -8039,8 +7738,8 @@
         </p:nvSpPr>
         <p:spPr>
           <a:xfrm>
-            <a:off x="1681018" y="2355707"/>
-            <a:ext cx="3990109" cy="184294"/>
+            <a:off x="1207008" y="1571355"/>
+            <a:ext cx="4523232" cy="220869"/>
           </a:xfrm>
           <a:prstGeom prst="rect">
             <a:avLst/>
@@ -8205,7 +7904,7 @@
         </p:blipFill>
         <p:spPr>
           <a:xfrm>
-            <a:off x="6197600" y="3211843"/>
+            <a:off x="6698754" y="4346208"/>
             <a:ext cx="5389563" cy="728002"/>
           </a:xfrm>
         </p:spPr>
@@ -8238,7 +7937,7 @@
         </p:blipFill>
         <p:spPr>
           <a:xfrm>
-            <a:off x="206535" y="3347777"/>
+            <a:off x="53773" y="3343612"/>
             <a:ext cx="6492219" cy="2832822"/>
           </a:xfrm>
           <a:prstGeom prst="rect">
@@ -8314,7 +8013,7 @@
         </p:nvSpPr>
         <p:spPr>
           <a:xfrm>
-            <a:off x="6863819" y="4489158"/>
+            <a:off x="6682919" y="4625609"/>
             <a:ext cx="829333" cy="442103"/>
           </a:xfrm>
           <a:prstGeom prst="rect">
@@ -8610,8 +8309,8 @@
         </p:nvSpPr>
         <p:spPr>
           <a:xfrm>
-            <a:off x="1727200" y="2558907"/>
-            <a:ext cx="3990109" cy="673820"/>
+            <a:off x="1207008" y="1803002"/>
+            <a:ext cx="4523232" cy="769509"/>
           </a:xfrm>
           <a:prstGeom prst="rect">
             <a:avLst/>
@@ -8697,13 +8396,8 @@
           <a:p>
             <a:r>
               <a:rPr lang="en-US" dirty="0"/>
-              <a:t>Creating a Static</a:t>
-            </a:r>
-            <a:r>
-              <a:rPr lang="en-US" baseline="0" dirty="0"/>
-              <a:t> Module</a:t>
-            </a:r>
-            <a:endParaRPr lang="en-US" dirty="0"/>
+              <a:t>Static Module Checklist</a:t>
+            </a:r>
           </a:p>
         </p:txBody>
       </p:sp>
@@ -8869,26 +8563,27 @@
           <a:p>
             <a:r>
               <a:rPr lang="en-US" dirty="0"/>
-              <a:t>Write the Initialization</a:t>
-            </a:r>
-          </a:p>
-          <a:p>
-            <a:pPr lvl="1"/>
-            <a:r>
-              <a:rPr lang="en-US" dirty="0"/>
-              <a:t>Requires modification of the </a:t>
+              <a:t>If the module requires configuration information, modify the </a:t>
             </a:r>
             <a:r>
               <a:rPr lang="en-US" i="1" dirty="0"/>
-              <a:t>user init.vi</a:t>
-            </a:r>
-            <a:r>
-              <a:rPr lang="en-US" dirty="0"/>
-              <a:t> and maybe of the </a:t>
+              <a:t>process.vi</a:t>
+            </a:r>
+            <a:r>
+              <a:rPr lang="en-US" dirty="0"/>
+              <a:t> to pass the </a:t>
+            </a:r>
+            <a:r>
+              <a:rPr lang="en-US" i="1" dirty="0" err="1"/>
+              <a:t>runtime.lvclass</a:t>
+            </a:r>
+            <a:r>
+              <a:rPr lang="en-US" dirty="0"/>
+              <a:t> into the </a:t>
             </a:r>
             <a:r>
               <a:rPr lang="en-US" i="1" dirty="0"/>
-              <a:t>init.vi</a:t>
+              <a:t>user process.vi</a:t>
             </a:r>
             <a:endParaRPr lang="en-US" dirty="0"/>
           </a:p>
@@ -8899,10 +8594,10 @@
       </p:sp>
       <p:sp>
         <p:nvSpPr>
-          <p:cNvPr id="10" name="Rectangle 9">
+          <p:cNvPr id="7" name="Rectangle 6">
             <a:extLst>
               <a:ext uri="{FF2B5EF4-FFF2-40B4-BE49-F238E27FC236}">
-                <a16:creationId xmlns:a16="http://schemas.microsoft.com/office/drawing/2014/main" id="{C69AEF5D-B35F-4D7F-B547-B812D37ADE36}"/>
+                <a16:creationId xmlns:a16="http://schemas.microsoft.com/office/drawing/2014/main" id="{A3A7D58E-CCC8-4086-9368-CF2E270CF29C}"/>
               </a:ext>
             </a:extLst>
           </p:cNvPr>
@@ -8911,8 +8606,8 @@
         </p:nvSpPr>
         <p:spPr>
           <a:xfrm>
-            <a:off x="1782618" y="3260871"/>
-            <a:ext cx="3990109" cy="738474"/>
+            <a:off x="1207008" y="2949051"/>
+            <a:ext cx="4523232" cy="479949"/>
           </a:xfrm>
           <a:prstGeom prst="rect">
             <a:avLst/>
@@ -8954,7 +8649,7 @@
     </p:spTree>
     <p:extLst>
       <p:ext uri="{BB962C8B-B14F-4D97-AF65-F5344CB8AC3E}">
-        <p14:creationId xmlns:p14="http://schemas.microsoft.com/office/powerpoint/2010/main" val="157821267"/>
+        <p14:creationId xmlns:p14="http://schemas.microsoft.com/office/powerpoint/2010/main" val="3726513953"/>
       </p:ext>
     </p:extLst>
   </p:cSld>
@@ -9165,27 +8860,11 @@
           <a:p>
             <a:r>
               <a:rPr lang="en-US" dirty="0"/>
-              <a:t>If the module requires configuration information, modify the </a:t>
+              <a:t>Write the Process, Input or Output functionality in the </a:t>
             </a:r>
             <a:r>
               <a:rPr lang="en-US" i="1" dirty="0"/>
-              <a:t>process.vi</a:t>
-            </a:r>
-            <a:r>
-              <a:rPr lang="en-US" dirty="0"/>
-              <a:t> to pass the </a:t>
-            </a:r>
-            <a:r>
-              <a:rPr lang="en-US" i="1" dirty="0" err="1"/>
-              <a:t>runtime.lvclass</a:t>
-            </a:r>
-            <a:r>
-              <a:rPr lang="en-US" dirty="0"/>
-              <a:t> into the </a:t>
-            </a:r>
-            <a:r>
-              <a:rPr lang="en-US" i="1" dirty="0"/>
-              <a:t>user process.vi</a:t>
+              <a:t>user process.vi, user input.vi or user output.vi</a:t>
             </a:r>
             <a:endParaRPr lang="en-US" dirty="0"/>
           </a:p>
@@ -9196,10 +8875,10 @@
       </p:sp>
       <p:sp>
         <p:nvSpPr>
-          <p:cNvPr id="10" name="Rectangle 9">
+          <p:cNvPr id="7" name="Rectangle 6">
             <a:extLst>
               <a:ext uri="{FF2B5EF4-FFF2-40B4-BE49-F238E27FC236}">
-                <a16:creationId xmlns:a16="http://schemas.microsoft.com/office/drawing/2014/main" id="{C69AEF5D-B35F-4D7F-B547-B812D37ADE36}"/>
+                <a16:creationId xmlns:a16="http://schemas.microsoft.com/office/drawing/2014/main" id="{B04553DD-625C-4EF6-A5FB-9B72EC25B9D2}"/>
               </a:ext>
             </a:extLst>
           </p:cNvPr>
@@ -9208,8 +8887,8 @@
         </p:nvSpPr>
         <p:spPr>
           <a:xfrm>
-            <a:off x="1782618" y="3260871"/>
-            <a:ext cx="3990109" cy="738474"/>
+            <a:off x="1207008" y="3461114"/>
+            <a:ext cx="4523232" cy="1013349"/>
           </a:xfrm>
           <a:prstGeom prst="rect">
             <a:avLst/>
@@ -9251,7 +8930,7 @@
     </p:spTree>
     <p:extLst>
       <p:ext uri="{BB962C8B-B14F-4D97-AF65-F5344CB8AC3E}">
-        <p14:creationId xmlns:p14="http://schemas.microsoft.com/office/powerpoint/2010/main" val="3726513953"/>
+        <p14:creationId xmlns:p14="http://schemas.microsoft.com/office/powerpoint/2010/main" val="944902062"/>
       </p:ext>
     </p:extLst>
   </p:cSld>
@@ -9295,8 +8974,13 @@
           <a:p>
             <a:r>
               <a:rPr lang="en-US" dirty="0"/>
-              <a:t>Static Module Checklist</a:t>
-            </a:r>
+              <a:t>Static</a:t>
+            </a:r>
+            <a:r>
+              <a:rPr lang="en-US" baseline="0" dirty="0"/>
+              <a:t> Module</a:t>
+            </a:r>
+            <a:endParaRPr lang="en-US" dirty="0"/>
           </a:p>
         </p:txBody>
       </p:sp>
@@ -9307,232 +8991,103 @@
             <a:spLocks noGrp="1"/>
           </p:cNvSpPr>
           <p:nvPr>
-            <p:ph sz="half" idx="1"/>
+            <p:ph idx="1"/>
           </p:nvPr>
         </p:nvSpPr>
         <p:spPr/>
         <p:txBody>
-          <a:bodyPr>
-            <a:normAutofit fontScale="77500" lnSpcReduction="20000"/>
-          </a:bodyPr>
+          <a:bodyPr/>
           <a:lstStyle/>
           <a:p>
-            <a:pPr lvl="2"/>
-            <a:r>
-              <a:rPr lang="en-US" dirty="0"/>
-              <a:t>Create the Module from the Static Module Sample Project</a:t>
-            </a:r>
-          </a:p>
-          <a:p>
-            <a:pPr lvl="3"/>
-            <a:r>
-              <a:rPr lang="en-US" dirty="0"/>
-              <a:t>Define the Channels</a:t>
-            </a:r>
-          </a:p>
-          <a:p>
-            <a:pPr lvl="2"/>
-            <a:r>
-              <a:rPr lang="en-US" dirty="0"/>
-              <a:t>Add Parameters to set desired keys.vi (optional)</a:t>
-            </a:r>
-          </a:p>
-          <a:p>
-            <a:pPr lvl="2"/>
-            <a:r>
-              <a:rPr lang="en-US" dirty="0"/>
-              <a:t>Handle initialization (optional)</a:t>
-            </a:r>
-          </a:p>
-          <a:p>
-            <a:pPr lvl="3"/>
-            <a:r>
-              <a:rPr lang="en-US" dirty="0"/>
-              <a:t> Handle initialization of references, sessions, parameters</a:t>
-            </a:r>
-          </a:p>
-          <a:p>
-            <a:pPr lvl="3"/>
-            <a:r>
-              <a:rPr lang="en-US" dirty="0"/>
-              <a:t>Pass References into Runtime class if necessary, modify object to allow this</a:t>
-            </a:r>
-          </a:p>
-          <a:p>
-            <a:pPr lvl="2"/>
-            <a:r>
-              <a:rPr lang="en-US" dirty="0"/>
-              <a:t>Implement the Input, Processing, and/or Output Methods as needed</a:t>
-            </a:r>
-          </a:p>
-          <a:p>
-            <a:pPr lvl="3"/>
-            <a:r>
-              <a:rPr lang="en-US" dirty="0"/>
-              <a:t>Modify user process.vi to contain references or the Runtime class if needed and process.vi to pass data necessary to `user process.vi`</a:t>
-            </a:r>
-          </a:p>
-          <a:p>
-            <a:pPr lvl="3"/>
-            <a:r>
-              <a:rPr lang="en-US" dirty="0"/>
-              <a:t>Add Processing code to `user process.vi`</a:t>
-            </a:r>
-          </a:p>
-          <a:p>
-            <a:pPr lvl="3"/>
-            <a:r>
-              <a:rPr lang="en-US" dirty="0"/>
-              <a:t>Add code to input.vi to pass necessary sessions or config data to user input.vi</a:t>
-            </a:r>
-          </a:p>
-          <a:p>
-            <a:pPr lvl="3"/>
-            <a:r>
-              <a:rPr lang="en-US" dirty="0"/>
-              <a:t>Add input code to `user input.vi`.</a:t>
-            </a:r>
-          </a:p>
-          <a:p>
-            <a:pPr lvl="3"/>
-            <a:r>
-              <a:rPr lang="en-US" dirty="0"/>
-              <a:t>Repeat for output</a:t>
-            </a:r>
-          </a:p>
-          <a:p>
-            <a:pPr lvl="2"/>
-            <a:r>
-              <a:rPr lang="en-US" dirty="0"/>
-              <a:t>Programming Considerations for Run-State Methods</a:t>
-            </a:r>
-          </a:p>
-          <a:p>
-            <a:pPr lvl="3"/>
-            <a:r>
-              <a:rPr lang="en-US" dirty="0"/>
-              <a:t>Determinism</a:t>
-            </a:r>
-          </a:p>
-          <a:p>
-            <a:pPr lvl="3"/>
-            <a:r>
-              <a:rPr lang="en-US" dirty="0"/>
-              <a:t>Non-blocking execution</a:t>
-            </a:r>
-          </a:p>
-          <a:p>
-            <a:pPr lvl="2"/>
-            <a:r>
-              <a:rPr lang="en-US" dirty="0"/>
-              <a:t>Specifying other properties</a:t>
-            </a:r>
-          </a:p>
-          <a:p>
-            <a:pPr lvl="2"/>
-            <a:r>
-              <a:rPr lang="en-US" dirty="0"/>
-              <a:t>Testing and validation</a:t>
-            </a:r>
-          </a:p>
-        </p:txBody>
-      </p:sp>
-      <p:sp>
-        <p:nvSpPr>
-          <p:cNvPr id="6" name="Content Placeholder 5">
-            <a:extLst>
-              <a:ext uri="{FF2B5EF4-FFF2-40B4-BE49-F238E27FC236}">
-                <a16:creationId xmlns:a16="http://schemas.microsoft.com/office/drawing/2014/main" id="{33673D65-56B4-4C8E-BEA6-451099666C1B}"/>
-              </a:ext>
-            </a:extLst>
-          </p:cNvPr>
-          <p:cNvSpPr>
-            <a:spLocks noGrp="1"/>
-          </p:cNvSpPr>
-          <p:nvPr>
-            <p:ph sz="half" idx="2"/>
-          </p:nvPr>
-        </p:nvSpPr>
-        <p:spPr/>
-        <p:txBody>
-          <a:bodyPr>
-            <a:normAutofit fontScale="77500" lnSpcReduction="20000"/>
-          </a:bodyPr>
-          <a:lstStyle/>
-          <a:p>
-            <a:r>
-              <a:rPr lang="en-US" dirty="0"/>
-              <a:t>Write the Process, Input or Output functionality in the </a:t>
-            </a:r>
-            <a:r>
-              <a:rPr lang="en-US" i="1" dirty="0"/>
-              <a:t>user process.vi, user input.vi or user output.vi</a:t>
+            <a:r>
+              <a:rPr lang="en-US" dirty="0"/>
+              <a:t>Configuration</a:t>
+            </a:r>
+            <a:r>
+              <a:rPr lang="en-US" baseline="0" dirty="0"/>
+              <a:t> Class:</a:t>
+            </a:r>
+          </a:p>
+          <a:p>
+            <a:pPr lvl="1"/>
+            <a:r>
+              <a:rPr lang="en-US" dirty="0"/>
+              <a:t>Select module options (number of instances, allowable</a:t>
+            </a:r>
+            <a:r>
+              <a:rPr lang="en-US" baseline="0" dirty="0"/>
+              <a:t> targets)</a:t>
+            </a:r>
+          </a:p>
+          <a:p>
+            <a:pPr lvl="1"/>
+            <a:r>
+              <a:rPr lang="en-US" baseline="0" dirty="0"/>
+              <a:t>Update validate.vi with validation rules</a:t>
+            </a:r>
+          </a:p>
+          <a:p>
+            <a:pPr lvl="1"/>
+            <a:r>
+              <a:rPr lang="en-US" baseline="0" dirty="0"/>
+              <a:t>Update get default error list.vi</a:t>
+            </a:r>
+            <a:r>
+              <a:rPr lang="en-US" dirty="0"/>
+              <a:t> with </a:t>
+            </a:r>
+            <a:r>
+              <a:rPr lang="en-US" baseline="0" dirty="0"/>
+              <a:t>default error classifications</a:t>
+            </a:r>
+          </a:p>
+          <a:p>
+            <a:pPr lvl="0"/>
+            <a:r>
+              <a:rPr lang="en-US" dirty="0"/>
+              <a:t>Editor Class:</a:t>
+            </a:r>
+          </a:p>
+          <a:p>
+            <a:pPr lvl="1"/>
+            <a:r>
+              <a:rPr lang="en-US" dirty="0"/>
+              <a:t>Select module glyph</a:t>
+            </a:r>
+          </a:p>
+          <a:p>
+            <a:pPr lvl="0"/>
+            <a:r>
+              <a:rPr lang="en-US" dirty="0"/>
+              <a:t>Runtime</a:t>
+            </a:r>
+          </a:p>
+          <a:p>
+            <a:pPr lvl="1"/>
+            <a:r>
+              <a:rPr lang="en-US" dirty="0"/>
+              <a:t>Implement User Input.vi,</a:t>
+            </a:r>
+            <a:r>
+              <a:rPr lang="en-US" baseline="0" dirty="0"/>
+              <a:t> User Process.vi, and/or User Output.vi with custom logic</a:t>
             </a:r>
             <a:endParaRPr lang="en-US" dirty="0"/>
           </a:p>
           <a:p>
+            <a:pPr lvl="1"/>
             <a:endParaRPr lang="en-US" dirty="0"/>
           </a:p>
-        </p:txBody>
-      </p:sp>
-      <p:sp>
-        <p:nvSpPr>
-          <p:cNvPr id="10" name="Rectangle 9">
-            <a:extLst>
-              <a:ext uri="{FF2B5EF4-FFF2-40B4-BE49-F238E27FC236}">
-                <a16:creationId xmlns:a16="http://schemas.microsoft.com/office/drawing/2014/main" id="{C69AEF5D-B35F-4D7F-B547-B812D37ADE36}"/>
-              </a:ext>
-            </a:extLst>
-          </p:cNvPr>
-          <p:cNvSpPr/>
-          <p:nvPr/>
-        </p:nvSpPr>
-        <p:spPr>
-          <a:xfrm>
-            <a:off x="1801091" y="4137891"/>
-            <a:ext cx="3990109" cy="720436"/>
-          </a:xfrm>
-          <a:prstGeom prst="rect">
-            <a:avLst/>
-          </a:prstGeom>
-          <a:noFill/>
-          <a:ln w="9525" cap="flat" cmpd="sng" algn="ctr">
-            <a:solidFill>
-              <a:srgbClr val="FF0000"/>
-            </a:solidFill>
-            <a:prstDash val="solid"/>
-            <a:round/>
-            <a:headEnd type="none" w="med" len="med"/>
-            <a:tailEnd type="none" w="med" len="med"/>
-          </a:ln>
-        </p:spPr>
-        <p:style>
-          <a:lnRef idx="0">
-            <a:scrgbClr r="0" g="0" b="0"/>
-          </a:lnRef>
-          <a:fillRef idx="0">
-            <a:scrgbClr r="0" g="0" b="0"/>
-          </a:fillRef>
-          <a:effectRef idx="0">
-            <a:scrgbClr r="0" g="0" b="0"/>
-          </a:effectRef>
-          <a:fontRef idx="minor">
-            <a:schemeClr val="dk1"/>
-          </a:fontRef>
-        </p:style>
-        <p:txBody>
-          <a:bodyPr rtlCol="0" anchor="ctr"/>
-          <a:lstStyle/>
-          <a:p>
-            <a:pPr algn="ctr"/>
-            <a:endParaRPr lang="en-US"/>
+          <a:p>
+            <a:pPr lvl="1"/>
+            <a:endParaRPr lang="en-US" dirty="0"/>
           </a:p>
         </p:txBody>
       </p:sp>
     </p:spTree>
     <p:extLst>
       <p:ext uri="{BB962C8B-B14F-4D97-AF65-F5344CB8AC3E}">
-        <p14:creationId xmlns:p14="http://schemas.microsoft.com/office/powerpoint/2010/main" val="944902062"/>
+        <p14:creationId xmlns:p14="http://schemas.microsoft.com/office/powerpoint/2010/main" val="796686571"/>
       </p:ext>
     </p:extLst>
   </p:cSld>
@@ -9576,7 +9131,7 @@
           <a:p>
             <a:r>
               <a:rPr lang="en-US" dirty="0"/>
-              <a:t>Static</a:t>
+              <a:t>Dynamic</a:t>
             </a:r>
             <a:r>
               <a:rPr lang="en-US" baseline="0" dirty="0"/>
@@ -9611,39 +9166,6 @@
             </a:r>
           </a:p>
           <a:p>
-            <a:pPr lvl="1"/>
-            <a:r>
-              <a:rPr lang="en-US" dirty="0"/>
-              <a:t>Select module options (number of instances, allowable</a:t>
-            </a:r>
-            <a:r>
-              <a:rPr lang="en-US" baseline="0" dirty="0"/>
-              <a:t> targets)</a:t>
-            </a:r>
-          </a:p>
-          <a:p>
-            <a:pPr lvl="1"/>
-            <a:r>
-              <a:rPr lang="en-US" baseline="0" dirty="0"/>
-              <a:t>Update validate.vi with validation rules</a:t>
-            </a:r>
-          </a:p>
-          <a:p>
-            <a:pPr lvl="1"/>
-            <a:r>
-              <a:rPr lang="en-US" baseline="0" dirty="0"/>
-              <a:t>Update get default error list.vi</a:t>
-            </a:r>
-            <a:r>
-              <a:rPr lang="en-US" dirty="0"/>
-              <a:t> with </a:t>
-            </a:r>
-            <a:r>
-              <a:rPr lang="en-US" baseline="0" dirty="0"/>
-              <a:t>default error classifications</a:t>
-            </a:r>
-          </a:p>
-          <a:p>
             <a:pPr lvl="0"/>
             <a:r>
               <a:rPr lang="en-US" dirty="0"/>
@@ -9651,30 +9173,11 @@
             </a:r>
           </a:p>
           <a:p>
-            <a:pPr lvl="1"/>
-            <a:r>
-              <a:rPr lang="en-US" dirty="0"/>
-              <a:t>Select module glyph</a:t>
-            </a:r>
-          </a:p>
-          <a:p>
             <a:pPr lvl="0"/>
             <a:r>
               <a:rPr lang="en-US" dirty="0"/>
               <a:t>Runtime</a:t>
             </a:r>
-          </a:p>
-          <a:p>
-            <a:pPr lvl="1"/>
-            <a:r>
-              <a:rPr lang="en-US" dirty="0"/>
-              <a:t>Implement User Input.vi,</a:t>
-            </a:r>
-            <a:r>
-              <a:rPr lang="en-US" baseline="0" dirty="0"/>
-              <a:t> User Process.vi, and/or User Output.vi with custom logic</a:t>
-            </a:r>
-            <a:endParaRPr lang="en-US" dirty="0"/>
           </a:p>
           <a:p>
             <a:pPr lvl="1"/>
@@ -9689,7 +9192,7 @@
     </p:spTree>
     <p:extLst>
       <p:ext uri="{BB962C8B-B14F-4D97-AF65-F5344CB8AC3E}">
-        <p14:creationId xmlns:p14="http://schemas.microsoft.com/office/powerpoint/2010/main" val="796686571"/>
+        <p14:creationId xmlns:p14="http://schemas.microsoft.com/office/powerpoint/2010/main" val="1767969810"/>
       </p:ext>
     </p:extLst>
   </p:cSld>
@@ -9718,111 +9221,6 @@
       </p:grpSpPr>
       <p:sp>
         <p:nvSpPr>
-          <p:cNvPr id="2" name="Title 1"/>
-          <p:cNvSpPr>
-            <a:spLocks noGrp="1"/>
-          </p:cNvSpPr>
-          <p:nvPr>
-            <p:ph type="title"/>
-          </p:nvPr>
-        </p:nvSpPr>
-        <p:spPr/>
-        <p:txBody>
-          <a:bodyPr/>
-          <a:lstStyle/>
-          <a:p>
-            <a:r>
-              <a:rPr lang="en-US" dirty="0"/>
-              <a:t>Dynamic</a:t>
-            </a:r>
-            <a:r>
-              <a:rPr lang="en-US" baseline="0" dirty="0"/>
-              <a:t> Module</a:t>
-            </a:r>
-            <a:endParaRPr lang="en-US" dirty="0"/>
-          </a:p>
-        </p:txBody>
-      </p:sp>
-      <p:sp>
-        <p:nvSpPr>
-          <p:cNvPr id="3" name="Content Placeholder 2"/>
-          <p:cNvSpPr>
-            <a:spLocks noGrp="1"/>
-          </p:cNvSpPr>
-          <p:nvPr>
-            <p:ph idx="1"/>
-          </p:nvPr>
-        </p:nvSpPr>
-        <p:spPr/>
-        <p:txBody>
-          <a:bodyPr/>
-          <a:lstStyle/>
-          <a:p>
-            <a:r>
-              <a:rPr lang="en-US" dirty="0"/>
-              <a:t>Configuration</a:t>
-            </a:r>
-            <a:r>
-              <a:rPr lang="en-US" baseline="0" dirty="0"/>
-              <a:t> Class:</a:t>
-            </a:r>
-          </a:p>
-          <a:p>
-            <a:pPr lvl="0"/>
-            <a:r>
-              <a:rPr lang="en-US" dirty="0"/>
-              <a:t>Editor Class:</a:t>
-            </a:r>
-          </a:p>
-          <a:p>
-            <a:pPr lvl="0"/>
-            <a:r>
-              <a:rPr lang="en-US" dirty="0"/>
-              <a:t>Runtime</a:t>
-            </a:r>
-          </a:p>
-          <a:p>
-            <a:pPr lvl="1"/>
-            <a:endParaRPr lang="en-US" dirty="0"/>
-          </a:p>
-          <a:p>
-            <a:pPr lvl="1"/>
-            <a:endParaRPr lang="en-US" dirty="0"/>
-          </a:p>
-        </p:txBody>
-      </p:sp>
-    </p:spTree>
-    <p:extLst>
-      <p:ext uri="{BB962C8B-B14F-4D97-AF65-F5344CB8AC3E}">
-        <p14:creationId xmlns:p14="http://schemas.microsoft.com/office/powerpoint/2010/main" val="1767969810"/>
-      </p:ext>
-    </p:extLst>
-  </p:cSld>
-  <p:clrMapOvr>
-    <a:masterClrMapping/>
-  </p:clrMapOvr>
-</p:sld>
-</file>
-
-<file path=ppt/slides/slide19.xml><?xml version="1.0" encoding="utf-8"?>
-<p:sld xmlns:a="http://schemas.openxmlformats.org/drawingml/2006/main" xmlns:r="http://schemas.openxmlformats.org/officeDocument/2006/relationships" xmlns:p="http://schemas.openxmlformats.org/presentationml/2006/main">
-  <p:cSld>
-    <p:spTree>
-      <p:nvGrpSpPr>
-        <p:cNvPr id="1" name=""/>
-        <p:cNvGrpSpPr/>
-        <p:nvPr/>
-      </p:nvGrpSpPr>
-      <p:grpSpPr>
-        <a:xfrm>
-          <a:off x="0" y="0"/>
-          <a:ext cx="0" cy="0"/>
-          <a:chOff x="0" y="0"/>
-          <a:chExt cx="0" cy="0"/>
-        </a:xfrm>
-      </p:grpSpPr>
-      <p:sp>
-        <p:nvSpPr>
           <p:cNvPr id="3" name="Text Placeholder 2">
             <a:extLst>
               <a:ext uri="{FF2B5EF4-FFF2-40B4-BE49-F238E27FC236}">
@@ -9843,10 +9241,9 @@
           <a:lstStyle/>
           <a:p>
             <a:r>
-              <a:rPr lang="en-US" dirty="0" err="1"/>
-              <a:t>Excercise</a:t>
-            </a:r>
-            <a:endParaRPr lang="en-US" dirty="0"/>
+              <a:rPr lang="en-US" dirty="0"/>
+              <a:t>Exercise</a:t>
+            </a:r>
           </a:p>
         </p:txBody>
       </p:sp>

--- a/Trunk/Getting Started Material/DCAF Training/6 Static Modules.pptx
+++ b/Trunk/Getting Started Material/DCAF Training/6 Static Modules.pptx
@@ -5,27 +5,31 @@
     <p:sldMasterId id="2147483741" r:id="rId1"/>
   </p:sldMasterIdLst>
   <p:notesMasterIdLst>
-    <p:notesMasterId r:id="rId20"/>
+    <p:notesMasterId r:id="rId24"/>
   </p:notesMasterIdLst>
   <p:sldIdLst>
     <p:sldId id="259" r:id="rId2"/>
     <p:sldId id="257" r:id="rId3"/>
-    <p:sldId id="376" r:id="rId4"/>
-    <p:sldId id="325" r:id="rId5"/>
-    <p:sldId id="382" r:id="rId6"/>
-    <p:sldId id="383" r:id="rId7"/>
-    <p:sldId id="385" r:id="rId8"/>
-    <p:sldId id="386" r:id="rId9"/>
-    <p:sldId id="387" r:id="rId10"/>
-    <p:sldId id="388" r:id="rId11"/>
-    <p:sldId id="389" r:id="rId12"/>
-    <p:sldId id="394" r:id="rId13"/>
-    <p:sldId id="390" r:id="rId14"/>
-    <p:sldId id="392" r:id="rId15"/>
-    <p:sldId id="393" r:id="rId16"/>
-    <p:sldId id="381" r:id="rId17"/>
-    <p:sldId id="380" r:id="rId18"/>
-    <p:sldId id="384" r:id="rId19"/>
+    <p:sldId id="395" r:id="rId4"/>
+    <p:sldId id="396" r:id="rId5"/>
+    <p:sldId id="397" r:id="rId6"/>
+    <p:sldId id="386" r:id="rId7"/>
+    <p:sldId id="381" r:id="rId8"/>
+    <p:sldId id="404" r:id="rId9"/>
+    <p:sldId id="403" r:id="rId10"/>
+    <p:sldId id="402" r:id="rId11"/>
+    <p:sldId id="398" r:id="rId12"/>
+    <p:sldId id="399" r:id="rId13"/>
+    <p:sldId id="406" r:id="rId14"/>
+    <p:sldId id="407" r:id="rId15"/>
+    <p:sldId id="412" r:id="rId16"/>
+    <p:sldId id="400" r:id="rId17"/>
+    <p:sldId id="394" r:id="rId18"/>
+    <p:sldId id="414" r:id="rId19"/>
+    <p:sldId id="409" r:id="rId20"/>
+    <p:sldId id="408" r:id="rId21"/>
+    <p:sldId id="410" r:id="rId22"/>
+    <p:sldId id="411" r:id="rId23"/>
   </p:sldIdLst>
   <p:sldSz cx="12192000" cy="6858000"/>
   <p:notesSz cx="6858000" cy="9144000"/>
@@ -144,18 +148,2666 @@
 </p:cmAuthorLst>
 </file>
 
-<file path=ppt/comments/comment1.xml><?xml version="1.0" encoding="utf-8"?>
-<p:cmLst xmlns:a="http://schemas.openxmlformats.org/drawingml/2006/main" xmlns:r="http://schemas.openxmlformats.org/officeDocument/2006/relationships" xmlns:p="http://schemas.openxmlformats.org/presentationml/2006/main">
-  <p:cm authorId="1" dt="2018-06-18T15:46:19.292" idx="1">
-    <p:pos x="6641" y="1179"/>
-    <p:text>add image here</p:text>
-    <p:extLst>
-      <p:ext uri="{C676402C-5697-4E1C-873F-D02D1690AC5C}">
-        <p15:threadingInfo xmlns:p15="http://schemas.microsoft.com/office/powerpoint/2012/main" timeZoneBias="300"/>
-      </p:ext>
-    </p:extLst>
-  </p:cm>
-</p:cmLst>
+<file path=ppt/diagrams/colors1.xml><?xml version="1.0" encoding="utf-8"?>
+<dgm:colorsDef xmlns:dgm="http://schemas.openxmlformats.org/drawingml/2006/diagram" xmlns:a="http://schemas.openxmlformats.org/drawingml/2006/main" uniqueId="urn:microsoft.com/office/officeart/2005/8/colors/accent1_2">
+  <dgm:title val=""/>
+  <dgm:desc val=""/>
+  <dgm:catLst>
+    <dgm:cat type="accent1" pri="11200"/>
+  </dgm:catLst>
+  <dgm:styleLbl name="node0">
+    <dgm:fillClrLst meth="repeat">
+      <a:schemeClr val="accent1"/>
+    </dgm:fillClrLst>
+    <dgm:linClrLst meth="repeat">
+      <a:schemeClr val="lt1"/>
+    </dgm:linClrLst>
+    <dgm:effectClrLst/>
+    <dgm:txLinClrLst/>
+    <dgm:txFillClrLst/>
+    <dgm:txEffectClrLst/>
+  </dgm:styleLbl>
+  <dgm:styleLbl name="alignNode1">
+    <dgm:fillClrLst meth="repeat">
+      <a:schemeClr val="accent1"/>
+    </dgm:fillClrLst>
+    <dgm:linClrLst meth="repeat">
+      <a:schemeClr val="accent1"/>
+    </dgm:linClrLst>
+    <dgm:effectClrLst/>
+    <dgm:txLinClrLst/>
+    <dgm:txFillClrLst/>
+    <dgm:txEffectClrLst/>
+  </dgm:styleLbl>
+  <dgm:styleLbl name="node1">
+    <dgm:fillClrLst meth="repeat">
+      <a:schemeClr val="accent1"/>
+    </dgm:fillClrLst>
+    <dgm:linClrLst meth="repeat">
+      <a:schemeClr val="lt1"/>
+    </dgm:linClrLst>
+    <dgm:effectClrLst/>
+    <dgm:txLinClrLst/>
+    <dgm:txFillClrLst/>
+    <dgm:txEffectClrLst/>
+  </dgm:styleLbl>
+  <dgm:styleLbl name="lnNode1">
+    <dgm:fillClrLst meth="repeat">
+      <a:schemeClr val="accent1"/>
+    </dgm:fillClrLst>
+    <dgm:linClrLst meth="repeat">
+      <a:schemeClr val="lt1"/>
+    </dgm:linClrLst>
+    <dgm:effectClrLst/>
+    <dgm:txLinClrLst/>
+    <dgm:txFillClrLst/>
+    <dgm:txEffectClrLst/>
+  </dgm:styleLbl>
+  <dgm:styleLbl name="vennNode1">
+    <dgm:fillClrLst meth="repeat">
+      <a:schemeClr val="accent1">
+        <a:alpha val="50000"/>
+      </a:schemeClr>
+    </dgm:fillClrLst>
+    <dgm:linClrLst meth="repeat">
+      <a:schemeClr val="lt1"/>
+    </dgm:linClrLst>
+    <dgm:effectClrLst/>
+    <dgm:txLinClrLst/>
+    <dgm:txFillClrLst/>
+    <dgm:txEffectClrLst/>
+  </dgm:styleLbl>
+  <dgm:styleLbl name="node2">
+    <dgm:fillClrLst meth="repeat">
+      <a:schemeClr val="accent1"/>
+    </dgm:fillClrLst>
+    <dgm:linClrLst meth="repeat">
+      <a:schemeClr val="lt1"/>
+    </dgm:linClrLst>
+    <dgm:effectClrLst/>
+    <dgm:txLinClrLst/>
+    <dgm:txFillClrLst/>
+    <dgm:txEffectClrLst/>
+  </dgm:styleLbl>
+  <dgm:styleLbl name="node3">
+    <dgm:fillClrLst meth="repeat">
+      <a:schemeClr val="accent1"/>
+    </dgm:fillClrLst>
+    <dgm:linClrLst meth="repeat">
+      <a:schemeClr val="lt1"/>
+    </dgm:linClrLst>
+    <dgm:effectClrLst/>
+    <dgm:txLinClrLst/>
+    <dgm:txFillClrLst/>
+    <dgm:txEffectClrLst/>
+  </dgm:styleLbl>
+  <dgm:styleLbl name="node4">
+    <dgm:fillClrLst meth="repeat">
+      <a:schemeClr val="accent1"/>
+    </dgm:fillClrLst>
+    <dgm:linClrLst meth="repeat">
+      <a:schemeClr val="lt1"/>
+    </dgm:linClrLst>
+    <dgm:effectClrLst/>
+    <dgm:txLinClrLst/>
+    <dgm:txFillClrLst/>
+    <dgm:txEffectClrLst/>
+  </dgm:styleLbl>
+  <dgm:styleLbl name="fgImgPlace1">
+    <dgm:fillClrLst meth="repeat">
+      <a:schemeClr val="accent1">
+        <a:tint val="50000"/>
+      </a:schemeClr>
+    </dgm:fillClrLst>
+    <dgm:linClrLst meth="repeat">
+      <a:schemeClr val="lt1"/>
+    </dgm:linClrLst>
+    <dgm:effectClrLst/>
+    <dgm:txLinClrLst/>
+    <dgm:txFillClrLst meth="repeat">
+      <a:schemeClr val="lt1"/>
+    </dgm:txFillClrLst>
+    <dgm:txEffectClrLst/>
+  </dgm:styleLbl>
+  <dgm:styleLbl name="alignImgPlace1">
+    <dgm:fillClrLst meth="repeat">
+      <a:schemeClr val="accent1">
+        <a:tint val="50000"/>
+      </a:schemeClr>
+    </dgm:fillClrLst>
+    <dgm:linClrLst meth="repeat">
+      <a:schemeClr val="lt1"/>
+    </dgm:linClrLst>
+    <dgm:effectClrLst/>
+    <dgm:txLinClrLst/>
+    <dgm:txFillClrLst meth="repeat">
+      <a:schemeClr val="lt1"/>
+    </dgm:txFillClrLst>
+    <dgm:txEffectClrLst/>
+  </dgm:styleLbl>
+  <dgm:styleLbl name="bgImgPlace1">
+    <dgm:fillClrLst meth="repeat">
+      <a:schemeClr val="accent1">
+        <a:tint val="50000"/>
+      </a:schemeClr>
+    </dgm:fillClrLst>
+    <dgm:linClrLst meth="repeat">
+      <a:schemeClr val="lt1"/>
+    </dgm:linClrLst>
+    <dgm:effectClrLst/>
+    <dgm:txLinClrLst/>
+    <dgm:txFillClrLst meth="repeat">
+      <a:schemeClr val="lt1"/>
+    </dgm:txFillClrLst>
+    <dgm:txEffectClrLst/>
+  </dgm:styleLbl>
+  <dgm:styleLbl name="sibTrans2D1">
+    <dgm:fillClrLst meth="repeat">
+      <a:schemeClr val="accent1">
+        <a:tint val="60000"/>
+      </a:schemeClr>
+    </dgm:fillClrLst>
+    <dgm:linClrLst meth="repeat">
+      <a:schemeClr val="accent1">
+        <a:tint val="60000"/>
+      </a:schemeClr>
+    </dgm:linClrLst>
+    <dgm:effectClrLst/>
+    <dgm:txLinClrLst/>
+    <dgm:txFillClrLst/>
+    <dgm:txEffectClrLst/>
+  </dgm:styleLbl>
+  <dgm:styleLbl name="fgSibTrans2D1">
+    <dgm:fillClrLst meth="repeat">
+      <a:schemeClr val="accent1">
+        <a:tint val="60000"/>
+      </a:schemeClr>
+    </dgm:fillClrLst>
+    <dgm:linClrLst meth="repeat">
+      <a:schemeClr val="accent1">
+        <a:tint val="60000"/>
+      </a:schemeClr>
+    </dgm:linClrLst>
+    <dgm:effectClrLst/>
+    <dgm:txLinClrLst/>
+    <dgm:txFillClrLst/>
+    <dgm:txEffectClrLst/>
+  </dgm:styleLbl>
+  <dgm:styleLbl name="bgSibTrans2D1">
+    <dgm:fillClrLst meth="repeat">
+      <a:schemeClr val="accent1">
+        <a:tint val="60000"/>
+      </a:schemeClr>
+    </dgm:fillClrLst>
+    <dgm:linClrLst meth="repeat">
+      <a:schemeClr val="accent1">
+        <a:tint val="60000"/>
+      </a:schemeClr>
+    </dgm:linClrLst>
+    <dgm:effectClrLst/>
+    <dgm:txLinClrLst/>
+    <dgm:txFillClrLst/>
+    <dgm:txEffectClrLst/>
+  </dgm:styleLbl>
+  <dgm:styleLbl name="sibTrans1D1">
+    <dgm:fillClrLst meth="repeat">
+      <a:schemeClr val="accent1"/>
+    </dgm:fillClrLst>
+    <dgm:linClrLst meth="repeat">
+      <a:schemeClr val="accent1"/>
+    </dgm:linClrLst>
+    <dgm:effectClrLst/>
+    <dgm:txLinClrLst/>
+    <dgm:txFillClrLst meth="repeat">
+      <a:schemeClr val="tx1"/>
+    </dgm:txFillClrLst>
+    <dgm:txEffectClrLst/>
+  </dgm:styleLbl>
+  <dgm:styleLbl name="callout">
+    <dgm:fillClrLst meth="repeat">
+      <a:schemeClr val="accent1"/>
+    </dgm:fillClrLst>
+    <dgm:linClrLst meth="repeat">
+      <a:schemeClr val="accent1">
+        <a:tint val="50000"/>
+      </a:schemeClr>
+    </dgm:linClrLst>
+    <dgm:effectClrLst/>
+    <dgm:txLinClrLst/>
+    <dgm:txFillClrLst meth="repeat">
+      <a:schemeClr val="tx1"/>
+    </dgm:txFillClrLst>
+    <dgm:txEffectClrLst/>
+  </dgm:styleLbl>
+  <dgm:styleLbl name="asst0">
+    <dgm:fillClrLst meth="repeat">
+      <a:schemeClr val="accent1"/>
+    </dgm:fillClrLst>
+    <dgm:linClrLst meth="repeat">
+      <a:schemeClr val="lt1"/>
+    </dgm:linClrLst>
+    <dgm:effectClrLst/>
+    <dgm:txLinClrLst/>
+    <dgm:txFillClrLst/>
+    <dgm:txEffectClrLst/>
+  </dgm:styleLbl>
+  <dgm:styleLbl name="asst1">
+    <dgm:fillClrLst meth="repeat">
+      <a:schemeClr val="accent1"/>
+    </dgm:fillClrLst>
+    <dgm:linClrLst meth="repeat">
+      <a:schemeClr val="lt1"/>
+    </dgm:linClrLst>
+    <dgm:effectClrLst/>
+    <dgm:txLinClrLst/>
+    <dgm:txFillClrLst/>
+    <dgm:txEffectClrLst/>
+  </dgm:styleLbl>
+  <dgm:styleLbl name="asst2">
+    <dgm:fillClrLst meth="repeat">
+      <a:schemeClr val="accent1"/>
+    </dgm:fillClrLst>
+    <dgm:linClrLst meth="repeat">
+      <a:schemeClr val="lt1"/>
+    </dgm:linClrLst>
+    <dgm:effectClrLst/>
+    <dgm:txLinClrLst/>
+    <dgm:txFillClrLst/>
+    <dgm:txEffectClrLst/>
+  </dgm:styleLbl>
+  <dgm:styleLbl name="asst3">
+    <dgm:fillClrLst meth="repeat">
+      <a:schemeClr val="accent1"/>
+    </dgm:fillClrLst>
+    <dgm:linClrLst meth="repeat">
+      <a:schemeClr val="lt1"/>
+    </dgm:linClrLst>
+    <dgm:effectClrLst/>
+    <dgm:txLinClrLst/>
+    <dgm:txFillClrLst/>
+    <dgm:txEffectClrLst/>
+  </dgm:styleLbl>
+  <dgm:styleLbl name="asst4">
+    <dgm:fillClrLst meth="repeat">
+      <a:schemeClr val="accent1"/>
+    </dgm:fillClrLst>
+    <dgm:linClrLst meth="repeat">
+      <a:schemeClr val="lt1"/>
+    </dgm:linClrLst>
+    <dgm:effectClrLst/>
+    <dgm:txLinClrLst/>
+    <dgm:txFillClrLst/>
+    <dgm:txEffectClrLst/>
+  </dgm:styleLbl>
+  <dgm:styleLbl name="parChTrans2D1">
+    <dgm:fillClrLst meth="repeat">
+      <a:schemeClr val="accent1">
+        <a:tint val="60000"/>
+      </a:schemeClr>
+    </dgm:fillClrLst>
+    <dgm:linClrLst meth="repeat">
+      <a:schemeClr val="accent1">
+        <a:tint val="60000"/>
+      </a:schemeClr>
+    </dgm:linClrLst>
+    <dgm:effectClrLst/>
+    <dgm:txLinClrLst/>
+    <dgm:txFillClrLst meth="repeat">
+      <a:schemeClr val="lt1"/>
+    </dgm:txFillClrLst>
+    <dgm:txEffectClrLst/>
+  </dgm:styleLbl>
+  <dgm:styleLbl name="parChTrans2D2">
+    <dgm:fillClrLst meth="repeat">
+      <a:schemeClr val="accent1"/>
+    </dgm:fillClrLst>
+    <dgm:linClrLst meth="repeat">
+      <a:schemeClr val="accent1"/>
+    </dgm:linClrLst>
+    <dgm:effectClrLst/>
+    <dgm:txLinClrLst/>
+    <dgm:txFillClrLst meth="repeat">
+      <a:schemeClr val="lt1"/>
+    </dgm:txFillClrLst>
+    <dgm:txEffectClrLst/>
+  </dgm:styleLbl>
+  <dgm:styleLbl name="parChTrans2D3">
+    <dgm:fillClrLst meth="repeat">
+      <a:schemeClr val="accent1"/>
+    </dgm:fillClrLst>
+    <dgm:linClrLst meth="repeat">
+      <a:schemeClr val="accent1"/>
+    </dgm:linClrLst>
+    <dgm:effectClrLst/>
+    <dgm:txLinClrLst/>
+    <dgm:txFillClrLst meth="repeat">
+      <a:schemeClr val="lt1"/>
+    </dgm:txFillClrLst>
+    <dgm:txEffectClrLst/>
+  </dgm:styleLbl>
+  <dgm:styleLbl name="parChTrans2D4">
+    <dgm:fillClrLst meth="repeat">
+      <a:schemeClr val="accent1"/>
+    </dgm:fillClrLst>
+    <dgm:linClrLst meth="repeat">
+      <a:schemeClr val="accent1"/>
+    </dgm:linClrLst>
+    <dgm:effectClrLst/>
+    <dgm:txLinClrLst/>
+    <dgm:txFillClrLst meth="repeat">
+      <a:schemeClr val="lt1"/>
+    </dgm:txFillClrLst>
+    <dgm:txEffectClrLst/>
+  </dgm:styleLbl>
+  <dgm:styleLbl name="parChTrans1D1">
+    <dgm:fillClrLst meth="repeat">
+      <a:schemeClr val="accent1"/>
+    </dgm:fillClrLst>
+    <dgm:linClrLst meth="repeat">
+      <a:schemeClr val="accent1">
+        <a:shade val="60000"/>
+      </a:schemeClr>
+    </dgm:linClrLst>
+    <dgm:effectClrLst/>
+    <dgm:txLinClrLst/>
+    <dgm:txFillClrLst meth="repeat">
+      <a:schemeClr val="tx1"/>
+    </dgm:txFillClrLst>
+    <dgm:txEffectClrLst/>
+  </dgm:styleLbl>
+  <dgm:styleLbl name="parChTrans1D2">
+    <dgm:fillClrLst meth="repeat">
+      <a:schemeClr val="accent1"/>
+    </dgm:fillClrLst>
+    <dgm:linClrLst meth="repeat">
+      <a:schemeClr val="accent1">
+        <a:shade val="60000"/>
+      </a:schemeClr>
+    </dgm:linClrLst>
+    <dgm:effectClrLst/>
+    <dgm:txLinClrLst/>
+    <dgm:txFillClrLst meth="repeat">
+      <a:schemeClr val="tx1"/>
+    </dgm:txFillClrLst>
+    <dgm:txEffectClrLst/>
+  </dgm:styleLbl>
+  <dgm:styleLbl name="parChTrans1D3">
+    <dgm:fillClrLst meth="repeat">
+      <a:schemeClr val="accent1"/>
+    </dgm:fillClrLst>
+    <dgm:linClrLst meth="repeat">
+      <a:schemeClr val="accent1">
+        <a:shade val="80000"/>
+      </a:schemeClr>
+    </dgm:linClrLst>
+    <dgm:effectClrLst/>
+    <dgm:txLinClrLst/>
+    <dgm:txFillClrLst meth="repeat">
+      <a:schemeClr val="tx1"/>
+    </dgm:txFillClrLst>
+    <dgm:txEffectClrLst/>
+  </dgm:styleLbl>
+  <dgm:styleLbl name="parChTrans1D4">
+    <dgm:fillClrLst meth="repeat">
+      <a:schemeClr val="accent1"/>
+    </dgm:fillClrLst>
+    <dgm:linClrLst meth="repeat">
+      <a:schemeClr val="accent1">
+        <a:shade val="80000"/>
+      </a:schemeClr>
+    </dgm:linClrLst>
+    <dgm:effectClrLst/>
+    <dgm:txLinClrLst/>
+    <dgm:txFillClrLst meth="repeat">
+      <a:schemeClr val="tx1"/>
+    </dgm:txFillClrLst>
+    <dgm:txEffectClrLst/>
+  </dgm:styleLbl>
+  <dgm:styleLbl name="fgAcc1">
+    <dgm:fillClrLst meth="repeat">
+      <a:schemeClr val="lt1">
+        <a:alpha val="90000"/>
+      </a:schemeClr>
+    </dgm:fillClrLst>
+    <dgm:linClrLst meth="repeat">
+      <a:schemeClr val="accent1"/>
+    </dgm:linClrLst>
+    <dgm:effectClrLst/>
+    <dgm:txLinClrLst/>
+    <dgm:txFillClrLst meth="repeat">
+      <a:schemeClr val="dk1"/>
+    </dgm:txFillClrLst>
+    <dgm:txEffectClrLst/>
+  </dgm:styleLbl>
+  <dgm:styleLbl name="conFgAcc1">
+    <dgm:fillClrLst meth="repeat">
+      <a:schemeClr val="lt1">
+        <a:alpha val="90000"/>
+      </a:schemeClr>
+    </dgm:fillClrLst>
+    <dgm:linClrLst meth="repeat">
+      <a:schemeClr val="accent1"/>
+    </dgm:linClrLst>
+    <dgm:effectClrLst/>
+    <dgm:txLinClrLst/>
+    <dgm:txFillClrLst meth="repeat">
+      <a:schemeClr val="dk1"/>
+    </dgm:txFillClrLst>
+    <dgm:txEffectClrLst/>
+  </dgm:styleLbl>
+  <dgm:styleLbl name="alignAcc1">
+    <dgm:fillClrLst meth="repeat">
+      <a:schemeClr val="lt1">
+        <a:alpha val="90000"/>
+      </a:schemeClr>
+    </dgm:fillClrLst>
+    <dgm:linClrLst meth="repeat">
+      <a:schemeClr val="accent1"/>
+    </dgm:linClrLst>
+    <dgm:effectClrLst/>
+    <dgm:txLinClrLst/>
+    <dgm:txFillClrLst meth="repeat">
+      <a:schemeClr val="dk1"/>
+    </dgm:txFillClrLst>
+    <dgm:txEffectClrLst/>
+  </dgm:styleLbl>
+  <dgm:styleLbl name="trAlignAcc1">
+    <dgm:fillClrLst meth="repeat">
+      <a:schemeClr val="lt1">
+        <a:alpha val="40000"/>
+      </a:schemeClr>
+    </dgm:fillClrLst>
+    <dgm:linClrLst meth="repeat">
+      <a:schemeClr val="accent1"/>
+    </dgm:linClrLst>
+    <dgm:effectClrLst/>
+    <dgm:txLinClrLst/>
+    <dgm:txFillClrLst meth="repeat">
+      <a:schemeClr val="dk1"/>
+    </dgm:txFillClrLst>
+    <dgm:txEffectClrLst/>
+  </dgm:styleLbl>
+  <dgm:styleLbl name="bgAcc1">
+    <dgm:fillClrLst meth="repeat">
+      <a:schemeClr val="lt1">
+        <a:alpha val="90000"/>
+      </a:schemeClr>
+    </dgm:fillClrLst>
+    <dgm:linClrLst meth="repeat">
+      <a:schemeClr val="accent1"/>
+    </dgm:linClrLst>
+    <dgm:effectClrLst/>
+    <dgm:txLinClrLst/>
+    <dgm:txFillClrLst meth="repeat">
+      <a:schemeClr val="dk1"/>
+    </dgm:txFillClrLst>
+    <dgm:txEffectClrLst/>
+  </dgm:styleLbl>
+  <dgm:styleLbl name="solidFgAcc1">
+    <dgm:fillClrLst meth="repeat">
+      <a:schemeClr val="lt1"/>
+    </dgm:fillClrLst>
+    <dgm:linClrLst meth="repeat">
+      <a:schemeClr val="accent1"/>
+    </dgm:linClrLst>
+    <dgm:effectClrLst/>
+    <dgm:txLinClrLst/>
+    <dgm:txFillClrLst meth="repeat">
+      <a:schemeClr val="dk1"/>
+    </dgm:txFillClrLst>
+    <dgm:txEffectClrLst/>
+  </dgm:styleLbl>
+  <dgm:styleLbl name="solidAlignAcc1">
+    <dgm:fillClrLst meth="repeat">
+      <a:schemeClr val="lt1"/>
+    </dgm:fillClrLst>
+    <dgm:linClrLst meth="repeat">
+      <a:schemeClr val="accent1"/>
+    </dgm:linClrLst>
+    <dgm:effectClrLst/>
+    <dgm:txLinClrLst/>
+    <dgm:txFillClrLst meth="repeat">
+      <a:schemeClr val="dk1"/>
+    </dgm:txFillClrLst>
+    <dgm:txEffectClrLst/>
+  </dgm:styleLbl>
+  <dgm:styleLbl name="solidBgAcc1">
+    <dgm:fillClrLst meth="repeat">
+      <a:schemeClr val="lt1"/>
+    </dgm:fillClrLst>
+    <dgm:linClrLst meth="repeat">
+      <a:schemeClr val="accent1"/>
+    </dgm:linClrLst>
+    <dgm:effectClrLst/>
+    <dgm:txLinClrLst/>
+    <dgm:txFillClrLst meth="repeat">
+      <a:schemeClr val="dk1"/>
+    </dgm:txFillClrLst>
+    <dgm:txEffectClrLst/>
+  </dgm:styleLbl>
+  <dgm:styleLbl name="fgAccFollowNode1">
+    <dgm:fillClrLst meth="repeat">
+      <a:schemeClr val="accent1">
+        <a:alpha val="90000"/>
+        <a:tint val="40000"/>
+      </a:schemeClr>
+    </dgm:fillClrLst>
+    <dgm:linClrLst meth="repeat">
+      <a:schemeClr val="accent1">
+        <a:alpha val="90000"/>
+        <a:tint val="40000"/>
+      </a:schemeClr>
+    </dgm:linClrLst>
+    <dgm:effectClrLst/>
+    <dgm:txLinClrLst/>
+    <dgm:txFillClrLst meth="repeat">
+      <a:schemeClr val="dk1"/>
+    </dgm:txFillClrLst>
+    <dgm:txEffectClrLst/>
+  </dgm:styleLbl>
+  <dgm:styleLbl name="alignAccFollowNode1">
+    <dgm:fillClrLst meth="repeat">
+      <a:schemeClr val="accent1">
+        <a:alpha val="90000"/>
+        <a:tint val="40000"/>
+      </a:schemeClr>
+    </dgm:fillClrLst>
+    <dgm:linClrLst meth="repeat">
+      <a:schemeClr val="accent1">
+        <a:alpha val="90000"/>
+        <a:tint val="40000"/>
+      </a:schemeClr>
+    </dgm:linClrLst>
+    <dgm:effectClrLst/>
+    <dgm:txLinClrLst/>
+    <dgm:txFillClrLst meth="repeat">
+      <a:schemeClr val="dk1"/>
+    </dgm:txFillClrLst>
+    <dgm:txEffectClrLst/>
+  </dgm:styleLbl>
+  <dgm:styleLbl name="bgAccFollowNode1">
+    <dgm:fillClrLst meth="repeat">
+      <a:schemeClr val="accent1">
+        <a:alpha val="90000"/>
+        <a:tint val="40000"/>
+      </a:schemeClr>
+    </dgm:fillClrLst>
+    <dgm:linClrLst meth="repeat">
+      <a:schemeClr val="accent1">
+        <a:alpha val="90000"/>
+        <a:tint val="40000"/>
+      </a:schemeClr>
+    </dgm:linClrLst>
+    <dgm:effectClrLst/>
+    <dgm:txLinClrLst/>
+    <dgm:txFillClrLst meth="repeat">
+      <a:schemeClr val="dk1"/>
+    </dgm:txFillClrLst>
+    <dgm:txEffectClrLst/>
+  </dgm:styleLbl>
+  <dgm:styleLbl name="fgAcc0">
+    <dgm:fillClrLst meth="repeat">
+      <a:schemeClr val="lt1">
+        <a:alpha val="90000"/>
+      </a:schemeClr>
+    </dgm:fillClrLst>
+    <dgm:linClrLst meth="repeat">
+      <a:schemeClr val="accent1"/>
+    </dgm:linClrLst>
+    <dgm:effectClrLst/>
+    <dgm:txLinClrLst/>
+    <dgm:txFillClrLst meth="repeat">
+      <a:schemeClr val="dk1"/>
+    </dgm:txFillClrLst>
+    <dgm:txEffectClrLst/>
+  </dgm:styleLbl>
+  <dgm:styleLbl name="fgAcc2">
+    <dgm:fillClrLst meth="repeat">
+      <a:schemeClr val="lt1">
+        <a:alpha val="90000"/>
+      </a:schemeClr>
+    </dgm:fillClrLst>
+    <dgm:linClrLst meth="repeat">
+      <a:schemeClr val="accent1"/>
+    </dgm:linClrLst>
+    <dgm:effectClrLst/>
+    <dgm:txLinClrLst/>
+    <dgm:txFillClrLst meth="repeat">
+      <a:schemeClr val="dk1"/>
+    </dgm:txFillClrLst>
+    <dgm:txEffectClrLst/>
+  </dgm:styleLbl>
+  <dgm:styleLbl name="fgAcc3">
+    <dgm:fillClrLst meth="repeat">
+      <a:schemeClr val="lt1">
+        <a:alpha val="90000"/>
+      </a:schemeClr>
+    </dgm:fillClrLst>
+    <dgm:linClrLst meth="repeat">
+      <a:schemeClr val="accent1"/>
+    </dgm:linClrLst>
+    <dgm:effectClrLst/>
+    <dgm:txLinClrLst/>
+    <dgm:txFillClrLst meth="repeat">
+      <a:schemeClr val="dk1"/>
+    </dgm:txFillClrLst>
+    <dgm:txEffectClrLst/>
+  </dgm:styleLbl>
+  <dgm:styleLbl name="fgAcc4">
+    <dgm:fillClrLst meth="repeat">
+      <a:schemeClr val="lt1">
+        <a:alpha val="90000"/>
+      </a:schemeClr>
+    </dgm:fillClrLst>
+    <dgm:linClrLst meth="repeat">
+      <a:schemeClr val="accent1"/>
+    </dgm:linClrLst>
+    <dgm:effectClrLst/>
+    <dgm:txLinClrLst/>
+    <dgm:txFillClrLst meth="repeat">
+      <a:schemeClr val="dk1"/>
+    </dgm:txFillClrLst>
+    <dgm:txEffectClrLst/>
+  </dgm:styleLbl>
+  <dgm:styleLbl name="bgShp">
+    <dgm:fillClrLst meth="repeat">
+      <a:schemeClr val="accent1">
+        <a:tint val="40000"/>
+      </a:schemeClr>
+    </dgm:fillClrLst>
+    <dgm:linClrLst meth="repeat">
+      <a:schemeClr val="accent1"/>
+    </dgm:linClrLst>
+    <dgm:effectClrLst/>
+    <dgm:txLinClrLst/>
+    <dgm:txFillClrLst meth="repeat">
+      <a:schemeClr val="dk1"/>
+    </dgm:txFillClrLst>
+    <dgm:txEffectClrLst/>
+  </dgm:styleLbl>
+  <dgm:styleLbl name="dkBgShp">
+    <dgm:fillClrLst meth="repeat">
+      <a:schemeClr val="accent1">
+        <a:shade val="80000"/>
+      </a:schemeClr>
+    </dgm:fillClrLst>
+    <dgm:linClrLst meth="repeat">
+      <a:schemeClr val="accent1"/>
+    </dgm:linClrLst>
+    <dgm:effectClrLst/>
+    <dgm:txLinClrLst/>
+    <dgm:txFillClrLst meth="repeat">
+      <a:schemeClr val="lt1"/>
+    </dgm:txFillClrLst>
+    <dgm:txEffectClrLst/>
+  </dgm:styleLbl>
+  <dgm:styleLbl name="trBgShp">
+    <dgm:fillClrLst meth="repeat">
+      <a:schemeClr val="accent1">
+        <a:tint val="50000"/>
+        <a:alpha val="40000"/>
+      </a:schemeClr>
+    </dgm:fillClrLst>
+    <dgm:linClrLst meth="repeat">
+      <a:schemeClr val="accent1"/>
+    </dgm:linClrLst>
+    <dgm:effectClrLst/>
+    <dgm:txLinClrLst/>
+    <dgm:txFillClrLst meth="repeat">
+      <a:schemeClr val="lt1"/>
+    </dgm:txFillClrLst>
+    <dgm:txEffectClrLst/>
+  </dgm:styleLbl>
+  <dgm:styleLbl name="fgShp">
+    <dgm:fillClrLst meth="repeat">
+      <a:schemeClr val="accent1">
+        <a:tint val="60000"/>
+      </a:schemeClr>
+    </dgm:fillClrLst>
+    <dgm:linClrLst meth="repeat">
+      <a:schemeClr val="lt1"/>
+    </dgm:linClrLst>
+    <dgm:effectClrLst/>
+    <dgm:txLinClrLst/>
+    <dgm:txFillClrLst meth="repeat">
+      <a:schemeClr val="dk1"/>
+    </dgm:txFillClrLst>
+    <dgm:txEffectClrLst/>
+  </dgm:styleLbl>
+  <dgm:styleLbl name="revTx">
+    <dgm:fillClrLst meth="repeat">
+      <a:schemeClr val="lt1">
+        <a:alpha val="0"/>
+      </a:schemeClr>
+    </dgm:fillClrLst>
+    <dgm:linClrLst meth="repeat">
+      <a:schemeClr val="dk1">
+        <a:alpha val="0"/>
+      </a:schemeClr>
+    </dgm:linClrLst>
+    <dgm:effectClrLst/>
+    <dgm:txLinClrLst/>
+    <dgm:txFillClrLst meth="repeat">
+      <a:schemeClr val="tx1"/>
+    </dgm:txFillClrLst>
+    <dgm:txEffectClrLst/>
+  </dgm:styleLbl>
+</dgm:colorsDef>
+</file>
+
+<file path=ppt/diagrams/data1.xml><?xml version="1.0" encoding="utf-8"?>
+<dgm:dataModel xmlns:dgm="http://schemas.openxmlformats.org/drawingml/2006/diagram" xmlns:a="http://schemas.openxmlformats.org/drawingml/2006/main">
+  <dgm:ptLst>
+    <dgm:pt modelId="{9F09254B-BD86-4404-A4DB-786D72284352}" type="doc">
+      <dgm:prSet loTypeId="urn:microsoft.com/office/officeart/2005/8/layout/cycle2" loCatId="cycle" qsTypeId="urn:microsoft.com/office/officeart/2005/8/quickstyle/simple1" qsCatId="simple" csTypeId="urn:microsoft.com/office/officeart/2005/8/colors/accent1_2" csCatId="accent1" phldr="1"/>
+      <dgm:spPr/>
+      <dgm:t>
+        <a:bodyPr/>
+        <a:lstStyle/>
+        <a:p>
+          <a:endParaRPr lang="en-US"/>
+        </a:p>
+      </dgm:t>
+    </dgm:pt>
+    <dgm:pt modelId="{8E550444-2356-4955-A113-734E445B5C13}">
+      <dgm:prSet phldrT="[Text]"/>
+      <dgm:spPr/>
+      <dgm:t>
+        <a:bodyPr/>
+        <a:lstStyle/>
+        <a:p>
+          <a:r>
+            <a:rPr lang="en-US" dirty="0"/>
+            <a:t>State 1</a:t>
+          </a:r>
+        </a:p>
+      </dgm:t>
+    </dgm:pt>
+    <dgm:pt modelId="{9574A981-082E-495A-BC9A-1F27C7D186AD}" type="parTrans" cxnId="{809C19C2-582E-463F-A0E3-4A0289E4332F}">
+      <dgm:prSet/>
+      <dgm:spPr/>
+      <dgm:t>
+        <a:bodyPr/>
+        <a:lstStyle/>
+        <a:p>
+          <a:endParaRPr lang="en-US"/>
+        </a:p>
+      </dgm:t>
+    </dgm:pt>
+    <dgm:pt modelId="{299DC08C-DAE4-43A5-BB92-C0C236B96C29}" type="sibTrans" cxnId="{809C19C2-582E-463F-A0E3-4A0289E4332F}">
+      <dgm:prSet/>
+      <dgm:spPr/>
+      <dgm:t>
+        <a:bodyPr/>
+        <a:lstStyle/>
+        <a:p>
+          <a:endParaRPr lang="en-US"/>
+        </a:p>
+      </dgm:t>
+    </dgm:pt>
+    <dgm:pt modelId="{BA6F0DCB-4128-4CEB-ADE9-9549E000E918}">
+      <dgm:prSet phldrT="[Text]"/>
+      <dgm:spPr/>
+      <dgm:t>
+        <a:bodyPr/>
+        <a:lstStyle/>
+        <a:p>
+          <a:r>
+            <a:rPr lang="en-US" dirty="0"/>
+            <a:t>State 2</a:t>
+          </a:r>
+        </a:p>
+      </dgm:t>
+    </dgm:pt>
+    <dgm:pt modelId="{5ED3E9D1-9C8F-45A3-94A2-F829711ACF7E}" type="parTrans" cxnId="{0D4FD804-2192-47A6-BCAB-4D8AF7435476}">
+      <dgm:prSet/>
+      <dgm:spPr/>
+      <dgm:t>
+        <a:bodyPr/>
+        <a:lstStyle/>
+        <a:p>
+          <a:endParaRPr lang="en-US"/>
+        </a:p>
+      </dgm:t>
+    </dgm:pt>
+    <dgm:pt modelId="{DD104888-F483-4D78-8380-54FABC39E9A8}" type="sibTrans" cxnId="{0D4FD804-2192-47A6-BCAB-4D8AF7435476}">
+      <dgm:prSet/>
+      <dgm:spPr/>
+      <dgm:t>
+        <a:bodyPr/>
+        <a:lstStyle/>
+        <a:p>
+          <a:endParaRPr lang="en-US"/>
+        </a:p>
+      </dgm:t>
+    </dgm:pt>
+    <dgm:pt modelId="{C02782E1-E6AC-4987-BFC8-C1114DC4B2FD}">
+      <dgm:prSet phldrT="[Text]"/>
+      <dgm:spPr/>
+      <dgm:t>
+        <a:bodyPr/>
+        <a:lstStyle/>
+        <a:p>
+          <a:r>
+            <a:rPr lang="en-US" dirty="0"/>
+            <a:t>State 3</a:t>
+          </a:r>
+        </a:p>
+      </dgm:t>
+    </dgm:pt>
+    <dgm:pt modelId="{BABD78EF-04B3-40BF-A556-BE5B5F23C7F7}" type="parTrans" cxnId="{86EE7793-FFDB-4C86-B9AB-41EA01CAC839}">
+      <dgm:prSet/>
+      <dgm:spPr/>
+      <dgm:t>
+        <a:bodyPr/>
+        <a:lstStyle/>
+        <a:p>
+          <a:endParaRPr lang="en-US"/>
+        </a:p>
+      </dgm:t>
+    </dgm:pt>
+    <dgm:pt modelId="{AC2612B2-231D-4BA5-B615-13529A41B649}" type="sibTrans" cxnId="{86EE7793-FFDB-4C86-B9AB-41EA01CAC839}">
+      <dgm:prSet/>
+      <dgm:spPr/>
+      <dgm:t>
+        <a:bodyPr/>
+        <a:lstStyle/>
+        <a:p>
+          <a:endParaRPr lang="en-US"/>
+        </a:p>
+      </dgm:t>
+    </dgm:pt>
+    <dgm:pt modelId="{27853B71-E518-49F2-9446-87F80A93AD3F}" type="pres">
+      <dgm:prSet presAssocID="{9F09254B-BD86-4404-A4DB-786D72284352}" presName="cycle" presStyleCnt="0">
+        <dgm:presLayoutVars>
+          <dgm:dir/>
+          <dgm:resizeHandles val="exact"/>
+        </dgm:presLayoutVars>
+      </dgm:prSet>
+      <dgm:spPr/>
+    </dgm:pt>
+    <dgm:pt modelId="{4E8B10CF-D581-4570-A8E2-1491B441CE75}" type="pres">
+      <dgm:prSet presAssocID="{8E550444-2356-4955-A113-734E445B5C13}" presName="node" presStyleLbl="node1" presStyleIdx="0" presStyleCnt="3">
+        <dgm:presLayoutVars>
+          <dgm:bulletEnabled val="1"/>
+        </dgm:presLayoutVars>
+      </dgm:prSet>
+      <dgm:spPr/>
+    </dgm:pt>
+    <dgm:pt modelId="{6624FFF7-83BB-4F2C-BD29-BDC70F272E1E}" type="pres">
+      <dgm:prSet presAssocID="{299DC08C-DAE4-43A5-BB92-C0C236B96C29}" presName="sibTrans" presStyleLbl="sibTrans2D1" presStyleIdx="0" presStyleCnt="3"/>
+      <dgm:spPr/>
+    </dgm:pt>
+    <dgm:pt modelId="{2EA18848-6C12-43BC-AAEE-1819547AD8E2}" type="pres">
+      <dgm:prSet presAssocID="{299DC08C-DAE4-43A5-BB92-C0C236B96C29}" presName="connectorText" presStyleLbl="sibTrans2D1" presStyleIdx="0" presStyleCnt="3"/>
+      <dgm:spPr/>
+    </dgm:pt>
+    <dgm:pt modelId="{EC72E1FC-90C0-4210-96B6-18A13EFB5165}" type="pres">
+      <dgm:prSet presAssocID="{BA6F0DCB-4128-4CEB-ADE9-9549E000E918}" presName="node" presStyleLbl="node1" presStyleIdx="1" presStyleCnt="3">
+        <dgm:presLayoutVars>
+          <dgm:bulletEnabled val="1"/>
+        </dgm:presLayoutVars>
+      </dgm:prSet>
+      <dgm:spPr/>
+    </dgm:pt>
+    <dgm:pt modelId="{1115976E-424C-47A0-BF90-AC37C3AB8DE0}" type="pres">
+      <dgm:prSet presAssocID="{DD104888-F483-4D78-8380-54FABC39E9A8}" presName="sibTrans" presStyleLbl="sibTrans2D1" presStyleIdx="1" presStyleCnt="3"/>
+      <dgm:spPr/>
+    </dgm:pt>
+    <dgm:pt modelId="{072F7D4F-7555-45A2-8373-7261C76EF13A}" type="pres">
+      <dgm:prSet presAssocID="{DD104888-F483-4D78-8380-54FABC39E9A8}" presName="connectorText" presStyleLbl="sibTrans2D1" presStyleIdx="1" presStyleCnt="3"/>
+      <dgm:spPr/>
+    </dgm:pt>
+    <dgm:pt modelId="{3F35F911-BF95-45EB-836A-BF4A7A2245D0}" type="pres">
+      <dgm:prSet presAssocID="{C02782E1-E6AC-4987-BFC8-C1114DC4B2FD}" presName="node" presStyleLbl="node1" presStyleIdx="2" presStyleCnt="3">
+        <dgm:presLayoutVars>
+          <dgm:bulletEnabled val="1"/>
+        </dgm:presLayoutVars>
+      </dgm:prSet>
+      <dgm:spPr/>
+    </dgm:pt>
+    <dgm:pt modelId="{CAD9935A-93D1-4B61-8C95-20A8621568F0}" type="pres">
+      <dgm:prSet presAssocID="{AC2612B2-231D-4BA5-B615-13529A41B649}" presName="sibTrans" presStyleLbl="sibTrans2D1" presStyleIdx="2" presStyleCnt="3"/>
+      <dgm:spPr/>
+    </dgm:pt>
+    <dgm:pt modelId="{832BF1D3-079B-47DA-AF40-6C5BA9C18068}" type="pres">
+      <dgm:prSet presAssocID="{AC2612B2-231D-4BA5-B615-13529A41B649}" presName="connectorText" presStyleLbl="sibTrans2D1" presStyleIdx="2" presStyleCnt="3"/>
+      <dgm:spPr/>
+    </dgm:pt>
+  </dgm:ptLst>
+  <dgm:cxnLst>
+    <dgm:cxn modelId="{A5C6F700-F1CE-4610-A034-953AE844038A}" type="presOf" srcId="{BA6F0DCB-4128-4CEB-ADE9-9549E000E918}" destId="{EC72E1FC-90C0-4210-96B6-18A13EFB5165}" srcOrd="0" destOrd="0" presId="urn:microsoft.com/office/officeart/2005/8/layout/cycle2"/>
+    <dgm:cxn modelId="{0D4FD804-2192-47A6-BCAB-4D8AF7435476}" srcId="{9F09254B-BD86-4404-A4DB-786D72284352}" destId="{BA6F0DCB-4128-4CEB-ADE9-9549E000E918}" srcOrd="1" destOrd="0" parTransId="{5ED3E9D1-9C8F-45A3-94A2-F829711ACF7E}" sibTransId="{DD104888-F483-4D78-8380-54FABC39E9A8}"/>
+    <dgm:cxn modelId="{72F3E73A-12C4-4201-A8C7-F66D655C98ED}" type="presOf" srcId="{299DC08C-DAE4-43A5-BB92-C0C236B96C29}" destId="{2EA18848-6C12-43BC-AAEE-1819547AD8E2}" srcOrd="1" destOrd="0" presId="urn:microsoft.com/office/officeart/2005/8/layout/cycle2"/>
+    <dgm:cxn modelId="{D1564C49-D104-4719-B40B-C05E3EBD8D45}" type="presOf" srcId="{AC2612B2-231D-4BA5-B615-13529A41B649}" destId="{CAD9935A-93D1-4B61-8C95-20A8621568F0}" srcOrd="0" destOrd="0" presId="urn:microsoft.com/office/officeart/2005/8/layout/cycle2"/>
+    <dgm:cxn modelId="{6A105B6E-160B-4255-B9F0-C464A97A3839}" type="presOf" srcId="{299DC08C-DAE4-43A5-BB92-C0C236B96C29}" destId="{6624FFF7-83BB-4F2C-BD29-BDC70F272E1E}" srcOrd="0" destOrd="0" presId="urn:microsoft.com/office/officeart/2005/8/layout/cycle2"/>
+    <dgm:cxn modelId="{F0FA3457-AEB5-45B9-9FDC-6B27E5E59625}" type="presOf" srcId="{DD104888-F483-4D78-8380-54FABC39E9A8}" destId="{072F7D4F-7555-45A2-8373-7261C76EF13A}" srcOrd="1" destOrd="0" presId="urn:microsoft.com/office/officeart/2005/8/layout/cycle2"/>
+    <dgm:cxn modelId="{19086F5A-9D97-4575-986F-1561363D01B9}" type="presOf" srcId="{DD104888-F483-4D78-8380-54FABC39E9A8}" destId="{1115976E-424C-47A0-BF90-AC37C3AB8DE0}" srcOrd="0" destOrd="0" presId="urn:microsoft.com/office/officeart/2005/8/layout/cycle2"/>
+    <dgm:cxn modelId="{5DFBAA86-8A27-43FE-B365-539B824D5102}" type="presOf" srcId="{9F09254B-BD86-4404-A4DB-786D72284352}" destId="{27853B71-E518-49F2-9446-87F80A93AD3F}" srcOrd="0" destOrd="0" presId="urn:microsoft.com/office/officeart/2005/8/layout/cycle2"/>
+    <dgm:cxn modelId="{86EE7793-FFDB-4C86-B9AB-41EA01CAC839}" srcId="{9F09254B-BD86-4404-A4DB-786D72284352}" destId="{C02782E1-E6AC-4987-BFC8-C1114DC4B2FD}" srcOrd="2" destOrd="0" parTransId="{BABD78EF-04B3-40BF-A556-BE5B5F23C7F7}" sibTransId="{AC2612B2-231D-4BA5-B615-13529A41B649}"/>
+    <dgm:cxn modelId="{9F3061AF-063B-4775-A967-8E1DA5BA15AD}" type="presOf" srcId="{C02782E1-E6AC-4987-BFC8-C1114DC4B2FD}" destId="{3F35F911-BF95-45EB-836A-BF4A7A2245D0}" srcOrd="0" destOrd="0" presId="urn:microsoft.com/office/officeart/2005/8/layout/cycle2"/>
+    <dgm:cxn modelId="{809C19C2-582E-463F-A0E3-4A0289E4332F}" srcId="{9F09254B-BD86-4404-A4DB-786D72284352}" destId="{8E550444-2356-4955-A113-734E445B5C13}" srcOrd="0" destOrd="0" parTransId="{9574A981-082E-495A-BC9A-1F27C7D186AD}" sibTransId="{299DC08C-DAE4-43A5-BB92-C0C236B96C29}"/>
+    <dgm:cxn modelId="{F1FBD7F2-0080-44DA-A305-3810CCD1E401}" type="presOf" srcId="{8E550444-2356-4955-A113-734E445B5C13}" destId="{4E8B10CF-D581-4570-A8E2-1491B441CE75}" srcOrd="0" destOrd="0" presId="urn:microsoft.com/office/officeart/2005/8/layout/cycle2"/>
+    <dgm:cxn modelId="{2C98E6F3-D952-4561-AC42-C52BCFF2B7A1}" type="presOf" srcId="{AC2612B2-231D-4BA5-B615-13529A41B649}" destId="{832BF1D3-079B-47DA-AF40-6C5BA9C18068}" srcOrd="1" destOrd="0" presId="urn:microsoft.com/office/officeart/2005/8/layout/cycle2"/>
+    <dgm:cxn modelId="{AA0E84C4-95BB-45E3-9AAF-1B80B5FE0B8C}" type="presParOf" srcId="{27853B71-E518-49F2-9446-87F80A93AD3F}" destId="{4E8B10CF-D581-4570-A8E2-1491B441CE75}" srcOrd="0" destOrd="0" presId="urn:microsoft.com/office/officeart/2005/8/layout/cycle2"/>
+    <dgm:cxn modelId="{CF49B97E-F349-489E-BAE8-921285137111}" type="presParOf" srcId="{27853B71-E518-49F2-9446-87F80A93AD3F}" destId="{6624FFF7-83BB-4F2C-BD29-BDC70F272E1E}" srcOrd="1" destOrd="0" presId="urn:microsoft.com/office/officeart/2005/8/layout/cycle2"/>
+    <dgm:cxn modelId="{817CD573-5FAF-4D02-8E61-8A205A92CFA0}" type="presParOf" srcId="{6624FFF7-83BB-4F2C-BD29-BDC70F272E1E}" destId="{2EA18848-6C12-43BC-AAEE-1819547AD8E2}" srcOrd="0" destOrd="0" presId="urn:microsoft.com/office/officeart/2005/8/layout/cycle2"/>
+    <dgm:cxn modelId="{7FA52ACB-79F0-4BCD-902A-71CA28CDEA96}" type="presParOf" srcId="{27853B71-E518-49F2-9446-87F80A93AD3F}" destId="{EC72E1FC-90C0-4210-96B6-18A13EFB5165}" srcOrd="2" destOrd="0" presId="urn:microsoft.com/office/officeart/2005/8/layout/cycle2"/>
+    <dgm:cxn modelId="{5090BDB9-8B49-42FF-8C79-A3A67B9D0F36}" type="presParOf" srcId="{27853B71-E518-49F2-9446-87F80A93AD3F}" destId="{1115976E-424C-47A0-BF90-AC37C3AB8DE0}" srcOrd="3" destOrd="0" presId="urn:microsoft.com/office/officeart/2005/8/layout/cycle2"/>
+    <dgm:cxn modelId="{91559FBC-4B48-4764-B90B-CEEE171AF904}" type="presParOf" srcId="{1115976E-424C-47A0-BF90-AC37C3AB8DE0}" destId="{072F7D4F-7555-45A2-8373-7261C76EF13A}" srcOrd="0" destOrd="0" presId="urn:microsoft.com/office/officeart/2005/8/layout/cycle2"/>
+    <dgm:cxn modelId="{F53925BB-EA4D-44B0-BBA8-E0B92C052C68}" type="presParOf" srcId="{27853B71-E518-49F2-9446-87F80A93AD3F}" destId="{3F35F911-BF95-45EB-836A-BF4A7A2245D0}" srcOrd="4" destOrd="0" presId="urn:microsoft.com/office/officeart/2005/8/layout/cycle2"/>
+    <dgm:cxn modelId="{AC10EF43-512D-415C-B4B7-AAB204413E4B}" type="presParOf" srcId="{27853B71-E518-49F2-9446-87F80A93AD3F}" destId="{CAD9935A-93D1-4B61-8C95-20A8621568F0}" srcOrd="5" destOrd="0" presId="urn:microsoft.com/office/officeart/2005/8/layout/cycle2"/>
+    <dgm:cxn modelId="{19787650-F5B9-40DE-BA20-6F7F832A1282}" type="presParOf" srcId="{CAD9935A-93D1-4B61-8C95-20A8621568F0}" destId="{832BF1D3-079B-47DA-AF40-6C5BA9C18068}" srcOrd="0" destOrd="0" presId="urn:microsoft.com/office/officeart/2005/8/layout/cycle2"/>
+  </dgm:cxnLst>
+  <dgm:bg/>
+  <dgm:whole/>
+  <dgm:extLst>
+    <a:ext uri="http://schemas.microsoft.com/office/drawing/2008/diagram">
+      <dsp:dataModelExt xmlns:dsp="http://schemas.microsoft.com/office/drawing/2008/diagram" relId="rId7" minVer="http://schemas.openxmlformats.org/drawingml/2006/diagram"/>
+    </a:ext>
+  </dgm:extLst>
+</dgm:dataModel>
+</file>
+
+<file path=ppt/diagrams/drawing1.xml><?xml version="1.0" encoding="utf-8"?>
+<dsp:drawing xmlns:dgm="http://schemas.openxmlformats.org/drawingml/2006/diagram" xmlns:dsp="http://schemas.microsoft.com/office/drawing/2008/diagram" xmlns:a="http://schemas.openxmlformats.org/drawingml/2006/main">
+  <dsp:spTree>
+    <dsp:nvGrpSpPr>
+      <dsp:cNvPr id="0" name=""/>
+      <dsp:cNvGrpSpPr/>
+    </dsp:nvGrpSpPr>
+    <dsp:grpSpPr/>
+    <dsp:sp modelId="{4E8B10CF-D581-4570-A8E2-1491B441CE75}">
+      <dsp:nvSpPr>
+        <dsp:cNvPr id="0" name=""/>
+        <dsp:cNvSpPr/>
+      </dsp:nvSpPr>
+      <dsp:spPr>
+        <a:xfrm>
+          <a:off x="917351" y="436356"/>
+          <a:ext cx="1220152" cy="1220152"/>
+        </a:xfrm>
+        <a:prstGeom prst="ellipse">
+          <a:avLst/>
+        </a:prstGeom>
+        <a:solidFill>
+          <a:schemeClr val="accent1">
+            <a:hueOff val="0"/>
+            <a:satOff val="0"/>
+            <a:lumOff val="0"/>
+            <a:alphaOff val="0"/>
+          </a:schemeClr>
+        </a:solidFill>
+        <a:ln w="12700" cap="flat" cmpd="sng" algn="ctr">
+          <a:solidFill>
+            <a:schemeClr val="lt1">
+              <a:hueOff val="0"/>
+              <a:satOff val="0"/>
+              <a:lumOff val="0"/>
+              <a:alphaOff val="0"/>
+            </a:schemeClr>
+          </a:solidFill>
+          <a:prstDash val="solid"/>
+          <a:miter lim="800000"/>
+        </a:ln>
+        <a:effectLst/>
+      </dsp:spPr>
+      <dsp:style>
+        <a:lnRef idx="2">
+          <a:scrgbClr r="0" g="0" b="0"/>
+        </a:lnRef>
+        <a:fillRef idx="1">
+          <a:scrgbClr r="0" g="0" b="0"/>
+        </a:fillRef>
+        <a:effectRef idx="0">
+          <a:scrgbClr r="0" g="0" b="0"/>
+        </a:effectRef>
+        <a:fontRef idx="minor">
+          <a:schemeClr val="lt1"/>
+        </a:fontRef>
+      </dsp:style>
+      <dsp:txBody>
+        <a:bodyPr spcFirstLastPara="0" vert="horz" wrap="square" lIns="33020" tIns="33020" rIns="33020" bIns="33020" numCol="1" spcCol="1270" anchor="ctr" anchorCtr="0">
+          <a:noAutofit/>
+        </a:bodyPr>
+        <a:lstStyle/>
+        <a:p>
+          <a:pPr marL="0" lvl="0" indent="0" algn="ctr" defTabSz="1155700">
+            <a:lnSpc>
+              <a:spcPct val="90000"/>
+            </a:lnSpc>
+            <a:spcBef>
+              <a:spcPct val="0"/>
+            </a:spcBef>
+            <a:spcAft>
+              <a:spcPct val="35000"/>
+            </a:spcAft>
+            <a:buNone/>
+          </a:pPr>
+          <a:r>
+            <a:rPr lang="en-US" sz="2600" kern="1200" dirty="0"/>
+            <a:t>State 1</a:t>
+          </a:r>
+        </a:p>
+      </dsp:txBody>
+      <dsp:txXfrm>
+        <a:off x="1096038" y="615043"/>
+        <a:ext cx="862778" cy="862778"/>
+      </dsp:txXfrm>
+    </dsp:sp>
+    <dsp:sp modelId="{6624FFF7-83BB-4F2C-BD29-BDC70F272E1E}">
+      <dsp:nvSpPr>
+        <dsp:cNvPr id="0" name=""/>
+        <dsp:cNvSpPr/>
+      </dsp:nvSpPr>
+      <dsp:spPr>
+        <a:xfrm rot="3600000">
+          <a:off x="1818668" y="1626430"/>
+          <a:ext cx="324995" cy="411801"/>
+        </a:xfrm>
+        <a:prstGeom prst="rightArrow">
+          <a:avLst>
+            <a:gd name="adj1" fmla="val 60000"/>
+            <a:gd name="adj2" fmla="val 50000"/>
+          </a:avLst>
+        </a:prstGeom>
+        <a:solidFill>
+          <a:schemeClr val="accent1">
+            <a:tint val="60000"/>
+            <a:hueOff val="0"/>
+            <a:satOff val="0"/>
+            <a:lumOff val="0"/>
+            <a:alphaOff val="0"/>
+          </a:schemeClr>
+        </a:solidFill>
+        <a:ln>
+          <a:noFill/>
+        </a:ln>
+        <a:effectLst/>
+      </dsp:spPr>
+      <dsp:style>
+        <a:lnRef idx="0">
+          <a:scrgbClr r="0" g="0" b="0"/>
+        </a:lnRef>
+        <a:fillRef idx="1">
+          <a:scrgbClr r="0" g="0" b="0"/>
+        </a:fillRef>
+        <a:effectRef idx="0">
+          <a:scrgbClr r="0" g="0" b="0"/>
+        </a:effectRef>
+        <a:fontRef idx="minor">
+          <a:schemeClr val="lt1"/>
+        </a:fontRef>
+      </dsp:style>
+      <dsp:txBody>
+        <a:bodyPr spcFirstLastPara="0" vert="horz" wrap="square" lIns="0" tIns="0" rIns="0" bIns="0" numCol="1" spcCol="1270" anchor="ctr" anchorCtr="0">
+          <a:noAutofit/>
+        </a:bodyPr>
+        <a:lstStyle/>
+        <a:p>
+          <a:pPr marL="0" lvl="0" indent="0" algn="ctr" defTabSz="800100">
+            <a:lnSpc>
+              <a:spcPct val="90000"/>
+            </a:lnSpc>
+            <a:spcBef>
+              <a:spcPct val="0"/>
+            </a:spcBef>
+            <a:spcAft>
+              <a:spcPct val="35000"/>
+            </a:spcAft>
+            <a:buNone/>
+          </a:pPr>
+          <a:endParaRPr lang="en-US" sz="1800" kern="1200"/>
+        </a:p>
+      </dsp:txBody>
+      <dsp:txXfrm>
+        <a:off x="1843043" y="1666572"/>
+        <a:ext cx="227497" cy="247081"/>
+      </dsp:txXfrm>
+    </dsp:sp>
+    <dsp:sp modelId="{EC72E1FC-90C0-4210-96B6-18A13EFB5165}">
+      <dsp:nvSpPr>
+        <dsp:cNvPr id="0" name=""/>
+        <dsp:cNvSpPr/>
+      </dsp:nvSpPr>
+      <dsp:spPr>
+        <a:xfrm>
+          <a:off x="1834027" y="2024085"/>
+          <a:ext cx="1220152" cy="1220152"/>
+        </a:xfrm>
+        <a:prstGeom prst="ellipse">
+          <a:avLst/>
+        </a:prstGeom>
+        <a:solidFill>
+          <a:schemeClr val="accent1">
+            <a:hueOff val="0"/>
+            <a:satOff val="0"/>
+            <a:lumOff val="0"/>
+            <a:alphaOff val="0"/>
+          </a:schemeClr>
+        </a:solidFill>
+        <a:ln w="12700" cap="flat" cmpd="sng" algn="ctr">
+          <a:solidFill>
+            <a:schemeClr val="lt1">
+              <a:hueOff val="0"/>
+              <a:satOff val="0"/>
+              <a:lumOff val="0"/>
+              <a:alphaOff val="0"/>
+            </a:schemeClr>
+          </a:solidFill>
+          <a:prstDash val="solid"/>
+          <a:miter lim="800000"/>
+        </a:ln>
+        <a:effectLst/>
+      </dsp:spPr>
+      <dsp:style>
+        <a:lnRef idx="2">
+          <a:scrgbClr r="0" g="0" b="0"/>
+        </a:lnRef>
+        <a:fillRef idx="1">
+          <a:scrgbClr r="0" g="0" b="0"/>
+        </a:fillRef>
+        <a:effectRef idx="0">
+          <a:scrgbClr r="0" g="0" b="0"/>
+        </a:effectRef>
+        <a:fontRef idx="minor">
+          <a:schemeClr val="lt1"/>
+        </a:fontRef>
+      </dsp:style>
+      <dsp:txBody>
+        <a:bodyPr spcFirstLastPara="0" vert="horz" wrap="square" lIns="33020" tIns="33020" rIns="33020" bIns="33020" numCol="1" spcCol="1270" anchor="ctr" anchorCtr="0">
+          <a:noAutofit/>
+        </a:bodyPr>
+        <a:lstStyle/>
+        <a:p>
+          <a:pPr marL="0" lvl="0" indent="0" algn="ctr" defTabSz="1155700">
+            <a:lnSpc>
+              <a:spcPct val="90000"/>
+            </a:lnSpc>
+            <a:spcBef>
+              <a:spcPct val="0"/>
+            </a:spcBef>
+            <a:spcAft>
+              <a:spcPct val="35000"/>
+            </a:spcAft>
+            <a:buNone/>
+          </a:pPr>
+          <a:r>
+            <a:rPr lang="en-US" sz="2600" kern="1200" dirty="0"/>
+            <a:t>State 2</a:t>
+          </a:r>
+        </a:p>
+      </dsp:txBody>
+      <dsp:txXfrm>
+        <a:off x="2012714" y="2202772"/>
+        <a:ext cx="862778" cy="862778"/>
+      </dsp:txXfrm>
+    </dsp:sp>
+    <dsp:sp modelId="{1115976E-424C-47A0-BF90-AC37C3AB8DE0}">
+      <dsp:nvSpPr>
+        <dsp:cNvPr id="0" name=""/>
+        <dsp:cNvSpPr/>
+      </dsp:nvSpPr>
+      <dsp:spPr>
+        <a:xfrm rot="10800000">
+          <a:off x="1374127" y="2428260"/>
+          <a:ext cx="324995" cy="411801"/>
+        </a:xfrm>
+        <a:prstGeom prst="rightArrow">
+          <a:avLst>
+            <a:gd name="adj1" fmla="val 60000"/>
+            <a:gd name="adj2" fmla="val 50000"/>
+          </a:avLst>
+        </a:prstGeom>
+        <a:solidFill>
+          <a:schemeClr val="accent1">
+            <a:tint val="60000"/>
+            <a:hueOff val="0"/>
+            <a:satOff val="0"/>
+            <a:lumOff val="0"/>
+            <a:alphaOff val="0"/>
+          </a:schemeClr>
+        </a:solidFill>
+        <a:ln>
+          <a:noFill/>
+        </a:ln>
+        <a:effectLst/>
+      </dsp:spPr>
+      <dsp:style>
+        <a:lnRef idx="0">
+          <a:scrgbClr r="0" g="0" b="0"/>
+        </a:lnRef>
+        <a:fillRef idx="1">
+          <a:scrgbClr r="0" g="0" b="0"/>
+        </a:fillRef>
+        <a:effectRef idx="0">
+          <a:scrgbClr r="0" g="0" b="0"/>
+        </a:effectRef>
+        <a:fontRef idx="minor">
+          <a:schemeClr val="lt1"/>
+        </a:fontRef>
+      </dsp:style>
+      <dsp:txBody>
+        <a:bodyPr spcFirstLastPara="0" vert="horz" wrap="square" lIns="0" tIns="0" rIns="0" bIns="0" numCol="1" spcCol="1270" anchor="ctr" anchorCtr="0">
+          <a:noAutofit/>
+        </a:bodyPr>
+        <a:lstStyle/>
+        <a:p>
+          <a:pPr marL="0" lvl="0" indent="0" algn="ctr" defTabSz="800100">
+            <a:lnSpc>
+              <a:spcPct val="90000"/>
+            </a:lnSpc>
+            <a:spcBef>
+              <a:spcPct val="0"/>
+            </a:spcBef>
+            <a:spcAft>
+              <a:spcPct val="35000"/>
+            </a:spcAft>
+            <a:buNone/>
+          </a:pPr>
+          <a:endParaRPr lang="en-US" sz="1800" kern="1200"/>
+        </a:p>
+      </dsp:txBody>
+      <dsp:txXfrm rot="10800000">
+        <a:off x="1471625" y="2510620"/>
+        <a:ext cx="227497" cy="247081"/>
+      </dsp:txXfrm>
+    </dsp:sp>
+    <dsp:sp modelId="{3F35F911-BF95-45EB-836A-BF4A7A2245D0}">
+      <dsp:nvSpPr>
+        <dsp:cNvPr id="0" name=""/>
+        <dsp:cNvSpPr/>
+      </dsp:nvSpPr>
+      <dsp:spPr>
+        <a:xfrm>
+          <a:off x="675" y="2024085"/>
+          <a:ext cx="1220152" cy="1220152"/>
+        </a:xfrm>
+        <a:prstGeom prst="ellipse">
+          <a:avLst/>
+        </a:prstGeom>
+        <a:solidFill>
+          <a:schemeClr val="accent1">
+            <a:hueOff val="0"/>
+            <a:satOff val="0"/>
+            <a:lumOff val="0"/>
+            <a:alphaOff val="0"/>
+          </a:schemeClr>
+        </a:solidFill>
+        <a:ln w="12700" cap="flat" cmpd="sng" algn="ctr">
+          <a:solidFill>
+            <a:schemeClr val="lt1">
+              <a:hueOff val="0"/>
+              <a:satOff val="0"/>
+              <a:lumOff val="0"/>
+              <a:alphaOff val="0"/>
+            </a:schemeClr>
+          </a:solidFill>
+          <a:prstDash val="solid"/>
+          <a:miter lim="800000"/>
+        </a:ln>
+        <a:effectLst/>
+      </dsp:spPr>
+      <dsp:style>
+        <a:lnRef idx="2">
+          <a:scrgbClr r="0" g="0" b="0"/>
+        </a:lnRef>
+        <a:fillRef idx="1">
+          <a:scrgbClr r="0" g="0" b="0"/>
+        </a:fillRef>
+        <a:effectRef idx="0">
+          <a:scrgbClr r="0" g="0" b="0"/>
+        </a:effectRef>
+        <a:fontRef idx="minor">
+          <a:schemeClr val="lt1"/>
+        </a:fontRef>
+      </dsp:style>
+      <dsp:txBody>
+        <a:bodyPr spcFirstLastPara="0" vert="horz" wrap="square" lIns="33020" tIns="33020" rIns="33020" bIns="33020" numCol="1" spcCol="1270" anchor="ctr" anchorCtr="0">
+          <a:noAutofit/>
+        </a:bodyPr>
+        <a:lstStyle/>
+        <a:p>
+          <a:pPr marL="0" lvl="0" indent="0" algn="ctr" defTabSz="1155700">
+            <a:lnSpc>
+              <a:spcPct val="90000"/>
+            </a:lnSpc>
+            <a:spcBef>
+              <a:spcPct val="0"/>
+            </a:spcBef>
+            <a:spcAft>
+              <a:spcPct val="35000"/>
+            </a:spcAft>
+            <a:buNone/>
+          </a:pPr>
+          <a:r>
+            <a:rPr lang="en-US" sz="2600" kern="1200" dirty="0"/>
+            <a:t>State 3</a:t>
+          </a:r>
+        </a:p>
+      </dsp:txBody>
+      <dsp:txXfrm>
+        <a:off x="179362" y="2202772"/>
+        <a:ext cx="862778" cy="862778"/>
+      </dsp:txXfrm>
+    </dsp:sp>
+    <dsp:sp modelId="{CAD9935A-93D1-4B61-8C95-20A8621568F0}">
+      <dsp:nvSpPr>
+        <dsp:cNvPr id="0" name=""/>
+        <dsp:cNvSpPr/>
+      </dsp:nvSpPr>
+      <dsp:spPr>
+        <a:xfrm rot="18000000">
+          <a:off x="901993" y="1642362"/>
+          <a:ext cx="324995" cy="411801"/>
+        </a:xfrm>
+        <a:prstGeom prst="rightArrow">
+          <a:avLst>
+            <a:gd name="adj1" fmla="val 60000"/>
+            <a:gd name="adj2" fmla="val 50000"/>
+          </a:avLst>
+        </a:prstGeom>
+        <a:solidFill>
+          <a:schemeClr val="accent1">
+            <a:tint val="60000"/>
+            <a:hueOff val="0"/>
+            <a:satOff val="0"/>
+            <a:lumOff val="0"/>
+            <a:alphaOff val="0"/>
+          </a:schemeClr>
+        </a:solidFill>
+        <a:ln>
+          <a:noFill/>
+        </a:ln>
+        <a:effectLst/>
+      </dsp:spPr>
+      <dsp:style>
+        <a:lnRef idx="0">
+          <a:scrgbClr r="0" g="0" b="0"/>
+        </a:lnRef>
+        <a:fillRef idx="1">
+          <a:scrgbClr r="0" g="0" b="0"/>
+        </a:fillRef>
+        <a:effectRef idx="0">
+          <a:scrgbClr r="0" g="0" b="0"/>
+        </a:effectRef>
+        <a:fontRef idx="minor">
+          <a:schemeClr val="lt1"/>
+        </a:fontRef>
+      </dsp:style>
+      <dsp:txBody>
+        <a:bodyPr spcFirstLastPara="0" vert="horz" wrap="square" lIns="0" tIns="0" rIns="0" bIns="0" numCol="1" spcCol="1270" anchor="ctr" anchorCtr="0">
+          <a:noAutofit/>
+        </a:bodyPr>
+        <a:lstStyle/>
+        <a:p>
+          <a:pPr marL="0" lvl="0" indent="0" algn="ctr" defTabSz="800100">
+            <a:lnSpc>
+              <a:spcPct val="90000"/>
+            </a:lnSpc>
+            <a:spcBef>
+              <a:spcPct val="0"/>
+            </a:spcBef>
+            <a:spcAft>
+              <a:spcPct val="35000"/>
+            </a:spcAft>
+            <a:buNone/>
+          </a:pPr>
+          <a:endParaRPr lang="en-US" sz="1800" kern="1200"/>
+        </a:p>
+      </dsp:txBody>
+      <dsp:txXfrm>
+        <a:off x="926368" y="1766940"/>
+        <a:ext cx="227497" cy="247081"/>
+      </dsp:txXfrm>
+    </dsp:sp>
+  </dsp:spTree>
+</dsp:drawing>
+</file>
+
+<file path=ppt/diagrams/layout1.xml><?xml version="1.0" encoding="utf-8"?>
+<dgm:layoutDef xmlns:dgm="http://schemas.openxmlformats.org/drawingml/2006/diagram" xmlns:a="http://schemas.openxmlformats.org/drawingml/2006/main" uniqueId="urn:microsoft.com/office/officeart/2005/8/layout/cycle2">
+  <dgm:title val=""/>
+  <dgm:desc val=""/>
+  <dgm:catLst>
+    <dgm:cat type="cycle" pri="1000"/>
+    <dgm:cat type="convert" pri="10000"/>
+  </dgm:catLst>
+  <dgm:sampData>
+    <dgm:dataModel>
+      <dgm:ptLst>
+        <dgm:pt modelId="0" type="doc"/>
+        <dgm:pt modelId="1">
+          <dgm:prSet phldr="1"/>
+        </dgm:pt>
+        <dgm:pt modelId="2">
+          <dgm:prSet phldr="1"/>
+        </dgm:pt>
+        <dgm:pt modelId="3">
+          <dgm:prSet phldr="1"/>
+        </dgm:pt>
+        <dgm:pt modelId="4">
+          <dgm:prSet phldr="1"/>
+        </dgm:pt>
+        <dgm:pt modelId="5">
+          <dgm:prSet phldr="1"/>
+        </dgm:pt>
+      </dgm:ptLst>
+      <dgm:cxnLst>
+        <dgm:cxn modelId="6" srcId="0" destId="1" srcOrd="0" destOrd="0"/>
+        <dgm:cxn modelId="7" srcId="0" destId="2" srcOrd="1" destOrd="0"/>
+        <dgm:cxn modelId="8" srcId="0" destId="3" srcOrd="2" destOrd="0"/>
+        <dgm:cxn modelId="9" srcId="0" destId="4" srcOrd="3" destOrd="0"/>
+        <dgm:cxn modelId="10" srcId="0" destId="5" srcOrd="4" destOrd="0"/>
+      </dgm:cxnLst>
+      <dgm:bg/>
+      <dgm:whole/>
+    </dgm:dataModel>
+  </dgm:sampData>
+  <dgm:styleData>
+    <dgm:dataModel>
+      <dgm:ptLst>
+        <dgm:pt modelId="0" type="doc"/>
+        <dgm:pt modelId="1"/>
+        <dgm:pt modelId="2"/>
+        <dgm:pt modelId="3"/>
+      </dgm:ptLst>
+      <dgm:cxnLst>
+        <dgm:cxn modelId="4" srcId="0" destId="1" srcOrd="0" destOrd="0"/>
+        <dgm:cxn modelId="5" srcId="0" destId="2" srcOrd="1" destOrd="0"/>
+        <dgm:cxn modelId="6" srcId="0" destId="3" srcOrd="2" destOrd="0"/>
+      </dgm:cxnLst>
+      <dgm:bg/>
+      <dgm:whole/>
+    </dgm:dataModel>
+  </dgm:styleData>
+  <dgm:clrData>
+    <dgm:dataModel>
+      <dgm:ptLst>
+        <dgm:pt modelId="0" type="doc"/>
+        <dgm:pt modelId="1"/>
+        <dgm:pt modelId="2"/>
+        <dgm:pt modelId="3"/>
+        <dgm:pt modelId="4"/>
+        <dgm:pt modelId="5"/>
+        <dgm:pt modelId="6"/>
+      </dgm:ptLst>
+      <dgm:cxnLst>
+        <dgm:cxn modelId="7" srcId="0" destId="1" srcOrd="0" destOrd="0"/>
+        <dgm:cxn modelId="8" srcId="0" destId="2" srcOrd="1" destOrd="0"/>
+        <dgm:cxn modelId="9" srcId="0" destId="3" srcOrd="2" destOrd="0"/>
+        <dgm:cxn modelId="10" srcId="0" destId="4" srcOrd="3" destOrd="0"/>
+        <dgm:cxn modelId="11" srcId="0" destId="5" srcOrd="4" destOrd="0"/>
+        <dgm:cxn modelId="12" srcId="0" destId="6" srcOrd="5" destOrd="0"/>
+      </dgm:cxnLst>
+      <dgm:bg/>
+      <dgm:whole/>
+    </dgm:dataModel>
+  </dgm:clrData>
+  <dgm:layoutNode name="cycle">
+    <dgm:varLst>
+      <dgm:dir/>
+      <dgm:resizeHandles val="exact"/>
+    </dgm:varLst>
+    <dgm:choose name="Name0">
+      <dgm:if name="Name1" func="var" arg="dir" op="equ" val="norm">
+        <dgm:choose name="Name2">
+          <dgm:if name="Name3" axis="ch" ptType="node" func="cnt" op="gt" val="2">
+            <dgm:alg type="cycle">
+              <dgm:param type="stAng" val="0"/>
+              <dgm:param type="spanAng" val="360"/>
+            </dgm:alg>
+          </dgm:if>
+          <dgm:else name="Name4">
+            <dgm:alg type="cycle">
+              <dgm:param type="stAng" val="-90"/>
+              <dgm:param type="spanAng" val="360"/>
+            </dgm:alg>
+          </dgm:else>
+        </dgm:choose>
+      </dgm:if>
+      <dgm:else name="Name5">
+        <dgm:choose name="Name6">
+          <dgm:if name="Name7" axis="ch" ptType="node" func="cnt" op="gt" val="2">
+            <dgm:alg type="cycle">
+              <dgm:param type="stAng" val="0"/>
+              <dgm:param type="spanAng" val="-360"/>
+            </dgm:alg>
+          </dgm:if>
+          <dgm:else name="Name8">
+            <dgm:alg type="cycle">
+              <dgm:param type="stAng" val="90"/>
+              <dgm:param type="spanAng" val="-360"/>
+            </dgm:alg>
+          </dgm:else>
+        </dgm:choose>
+      </dgm:else>
+    </dgm:choose>
+    <dgm:shape xmlns:r="http://schemas.openxmlformats.org/officeDocument/2006/relationships" r:blip="">
+      <dgm:adjLst/>
+    </dgm:shape>
+    <dgm:presOf/>
+    <dgm:constrLst>
+      <dgm:constr type="w" for="ch" ptType="node" refType="w"/>
+      <dgm:constr type="w" for="ch" ptType="sibTrans" refType="w" refFor="ch" refPtType="node" op="equ" fact="0.25"/>
+      <dgm:constr type="sibSp" refType="w" refFor="ch" refPtType="node" fact="0.5"/>
+      <dgm:constr type="primFontSz" for="ch" ptType="node" op="equ" val="65"/>
+      <dgm:constr type="primFontSz" for="des" forName="connectorText" op="equ" val="55"/>
+      <dgm:constr type="primFontSz" for="des" forName="connectorText" refType="primFontSz" refFor="ch" refPtType="node" op="lte" fact="0.8"/>
+    </dgm:constrLst>
+    <dgm:ruleLst/>
+    <dgm:forEach name="nodesForEach" axis="ch" ptType="node">
+      <dgm:layoutNode name="node">
+        <dgm:varLst>
+          <dgm:bulletEnabled val="1"/>
+        </dgm:varLst>
+        <dgm:alg type="tx">
+          <dgm:param type="txAnchorVertCh" val="mid"/>
+        </dgm:alg>
+        <dgm:shape xmlns:r="http://schemas.openxmlformats.org/officeDocument/2006/relationships" type="ellipse" r:blip="">
+          <dgm:adjLst/>
+        </dgm:shape>
+        <dgm:presOf axis="desOrSelf" ptType="node"/>
+        <dgm:constrLst>
+          <dgm:constr type="h" refType="w"/>
+          <dgm:constr type="lMarg" refType="primFontSz" fact="0.1"/>
+          <dgm:constr type="rMarg" refType="primFontSz" fact="0.1"/>
+          <dgm:constr type="tMarg" refType="primFontSz" fact="0.1"/>
+          <dgm:constr type="bMarg" refType="primFontSz" fact="0.1"/>
+        </dgm:constrLst>
+        <dgm:ruleLst>
+          <dgm:rule type="primFontSz" val="5" fact="NaN" max="NaN"/>
+        </dgm:ruleLst>
+      </dgm:layoutNode>
+      <dgm:choose name="Name9">
+        <dgm:if name="Name10" axis="par ch" ptType="doc node" func="cnt" op="gt" val="1">
+          <dgm:forEach name="sibTransForEach" axis="followSib" ptType="sibTrans" hideLastTrans="0" cnt="1">
+            <dgm:layoutNode name="sibTrans">
+              <dgm:choose name="Name11">
+                <dgm:if name="Name12" axis="par ch" ptType="doc node" func="cnt" op="lt" val="3">
+                  <dgm:alg type="conn">
+                    <dgm:param type="begPts" val="radial"/>
+                    <dgm:param type="endPts" val="radial"/>
+                  </dgm:alg>
+                </dgm:if>
+                <dgm:else name="Name13">
+                  <dgm:alg type="conn">
+                    <dgm:param type="begPts" val="auto"/>
+                    <dgm:param type="endPts" val="auto"/>
+                  </dgm:alg>
+                </dgm:else>
+              </dgm:choose>
+              <dgm:shape xmlns:r="http://schemas.openxmlformats.org/officeDocument/2006/relationships" type="conn" r:blip="">
+                <dgm:adjLst/>
+              </dgm:shape>
+              <dgm:presOf axis="self"/>
+              <dgm:constrLst>
+                <dgm:constr type="h" refType="w" fact="1.35"/>
+                <dgm:constr type="connDist"/>
+                <dgm:constr type="w" for="ch" refType="connDist" fact="0.45"/>
+                <dgm:constr type="h" for="ch" refType="h"/>
+              </dgm:constrLst>
+              <dgm:ruleLst/>
+              <dgm:layoutNode name="connectorText">
+                <dgm:alg type="tx">
+                  <dgm:param type="autoTxRot" val="grav"/>
+                </dgm:alg>
+                <dgm:shape xmlns:r="http://schemas.openxmlformats.org/officeDocument/2006/relationships" type="conn" r:blip="" hideGeom="1">
+                  <dgm:adjLst/>
+                </dgm:shape>
+                <dgm:presOf axis="self"/>
+                <dgm:constrLst>
+                  <dgm:constr type="lMarg"/>
+                  <dgm:constr type="rMarg"/>
+                  <dgm:constr type="tMarg"/>
+                  <dgm:constr type="bMarg"/>
+                </dgm:constrLst>
+                <dgm:ruleLst>
+                  <dgm:rule type="primFontSz" val="5" fact="NaN" max="NaN"/>
+                </dgm:ruleLst>
+              </dgm:layoutNode>
+            </dgm:layoutNode>
+          </dgm:forEach>
+        </dgm:if>
+        <dgm:else name="Name14"/>
+      </dgm:choose>
+    </dgm:forEach>
+  </dgm:layoutNode>
+</dgm:layoutDef>
+</file>
+
+<file path=ppt/diagrams/quickStyle1.xml><?xml version="1.0" encoding="utf-8"?>
+<dgm:styleDef xmlns:dgm="http://schemas.openxmlformats.org/drawingml/2006/diagram" xmlns:a="http://schemas.openxmlformats.org/drawingml/2006/main" uniqueId="urn:microsoft.com/office/officeart/2005/8/quickstyle/simple1">
+  <dgm:title val=""/>
+  <dgm:desc val=""/>
+  <dgm:catLst>
+    <dgm:cat type="simple" pri="10100"/>
+  </dgm:catLst>
+  <dgm:scene3d>
+    <a:camera prst="orthographicFront"/>
+    <a:lightRig rig="threePt" dir="t"/>
+  </dgm:scene3d>
+  <dgm:styleLbl name="node0">
+    <dgm:scene3d>
+      <a:camera prst="orthographicFront"/>
+      <a:lightRig rig="threePt" dir="t"/>
+    </dgm:scene3d>
+    <dgm:sp3d/>
+    <dgm:txPr/>
+    <dgm:style>
+      <a:lnRef idx="2">
+        <a:scrgbClr r="0" g="0" b="0"/>
+      </a:lnRef>
+      <a:fillRef idx="1">
+        <a:scrgbClr r="0" g="0" b="0"/>
+      </a:fillRef>
+      <a:effectRef idx="0">
+        <a:scrgbClr r="0" g="0" b="0"/>
+      </a:effectRef>
+      <a:fontRef idx="minor">
+        <a:schemeClr val="lt1"/>
+      </a:fontRef>
+    </dgm:style>
+  </dgm:styleLbl>
+  <dgm:styleLbl name="lnNode1">
+    <dgm:scene3d>
+      <a:camera prst="orthographicFront"/>
+      <a:lightRig rig="threePt" dir="t"/>
+    </dgm:scene3d>
+    <dgm:sp3d/>
+    <dgm:txPr/>
+    <dgm:style>
+      <a:lnRef idx="2">
+        <a:scrgbClr r="0" g="0" b="0"/>
+      </a:lnRef>
+      <a:fillRef idx="1">
+        <a:scrgbClr r="0" g="0" b="0"/>
+      </a:fillRef>
+      <a:effectRef idx="0">
+        <a:scrgbClr r="0" g="0" b="0"/>
+      </a:effectRef>
+      <a:fontRef idx="minor">
+        <a:schemeClr val="lt1"/>
+      </a:fontRef>
+    </dgm:style>
+  </dgm:styleLbl>
+  <dgm:styleLbl name="vennNode1">
+    <dgm:scene3d>
+      <a:camera prst="orthographicFront"/>
+      <a:lightRig rig="threePt" dir="t"/>
+    </dgm:scene3d>
+    <dgm:sp3d/>
+    <dgm:txPr/>
+    <dgm:style>
+      <a:lnRef idx="2">
+        <a:scrgbClr r="0" g="0" b="0"/>
+      </a:lnRef>
+      <a:fillRef idx="1">
+        <a:scrgbClr r="0" g="0" b="0"/>
+      </a:fillRef>
+      <a:effectRef idx="0">
+        <a:scrgbClr r="0" g="0" b="0"/>
+      </a:effectRef>
+      <a:fontRef idx="minor">
+        <a:schemeClr val="tx1"/>
+      </a:fontRef>
+    </dgm:style>
+  </dgm:styleLbl>
+  <dgm:styleLbl name="alignNode1">
+    <dgm:scene3d>
+      <a:camera prst="orthographicFront"/>
+      <a:lightRig rig="threePt" dir="t"/>
+    </dgm:scene3d>
+    <dgm:sp3d/>
+    <dgm:txPr/>
+    <dgm:style>
+      <a:lnRef idx="2">
+        <a:scrgbClr r="0" g="0" b="0"/>
+      </a:lnRef>
+      <a:fillRef idx="1">
+        <a:scrgbClr r="0" g="0" b="0"/>
+      </a:fillRef>
+      <a:effectRef idx="0">
+        <a:scrgbClr r="0" g="0" b="0"/>
+      </a:effectRef>
+      <a:fontRef idx="minor">
+        <a:schemeClr val="lt1"/>
+      </a:fontRef>
+    </dgm:style>
+  </dgm:styleLbl>
+  <dgm:styleLbl name="node1">
+    <dgm:scene3d>
+      <a:camera prst="orthographicFront"/>
+      <a:lightRig rig="threePt" dir="t"/>
+    </dgm:scene3d>
+    <dgm:sp3d/>
+    <dgm:txPr/>
+    <dgm:style>
+      <a:lnRef idx="2">
+        <a:scrgbClr r="0" g="0" b="0"/>
+      </a:lnRef>
+      <a:fillRef idx="1">
+        <a:scrgbClr r="0" g="0" b="0"/>
+      </a:fillRef>
+      <a:effectRef idx="0">
+        <a:scrgbClr r="0" g="0" b="0"/>
+      </a:effectRef>
+      <a:fontRef idx="minor">
+        <a:schemeClr val="lt1"/>
+      </a:fontRef>
+    </dgm:style>
+  </dgm:styleLbl>
+  <dgm:styleLbl name="node2">
+    <dgm:scene3d>
+      <a:camera prst="orthographicFront"/>
+      <a:lightRig rig="threePt" dir="t"/>
+    </dgm:scene3d>
+    <dgm:sp3d/>
+    <dgm:txPr/>
+    <dgm:style>
+      <a:lnRef idx="2">
+        <a:scrgbClr r="0" g="0" b="0"/>
+      </a:lnRef>
+      <a:fillRef idx="1">
+        <a:scrgbClr r="0" g="0" b="0"/>
+      </a:fillRef>
+      <a:effectRef idx="0">
+        <a:scrgbClr r="0" g="0" b="0"/>
+      </a:effectRef>
+      <a:fontRef idx="minor">
+        <a:schemeClr val="lt1"/>
+      </a:fontRef>
+    </dgm:style>
+  </dgm:styleLbl>
+  <dgm:styleLbl name="node3">
+    <dgm:scene3d>
+      <a:camera prst="orthographicFront"/>
+      <a:lightRig rig="threePt" dir="t"/>
+    </dgm:scene3d>
+    <dgm:sp3d/>
+    <dgm:txPr/>
+    <dgm:style>
+      <a:lnRef idx="2">
+        <a:scrgbClr r="0" g="0" b="0"/>
+      </a:lnRef>
+      <a:fillRef idx="1">
+        <a:scrgbClr r="0" g="0" b="0"/>
+      </a:fillRef>
+      <a:effectRef idx="0">
+        <a:scrgbClr r="0" g="0" b="0"/>
+      </a:effectRef>
+      <a:fontRef idx="minor">
+        <a:schemeClr val="lt1"/>
+      </a:fontRef>
+    </dgm:style>
+  </dgm:styleLbl>
+  <dgm:styleLbl name="node4">
+    <dgm:scene3d>
+      <a:camera prst="orthographicFront"/>
+      <a:lightRig rig="threePt" dir="t"/>
+    </dgm:scene3d>
+    <dgm:sp3d/>
+    <dgm:txPr/>
+    <dgm:style>
+      <a:lnRef idx="2">
+        <a:scrgbClr r="0" g="0" b="0"/>
+      </a:lnRef>
+      <a:fillRef idx="1">
+        <a:scrgbClr r="0" g="0" b="0"/>
+      </a:fillRef>
+      <a:effectRef idx="0">
+        <a:scrgbClr r="0" g="0" b="0"/>
+      </a:effectRef>
+      <a:fontRef idx="minor">
+        <a:schemeClr val="lt1"/>
+      </a:fontRef>
+    </dgm:style>
+  </dgm:styleLbl>
+  <dgm:styleLbl name="fgImgPlace1">
+    <dgm:scene3d>
+      <a:camera prst="orthographicFront"/>
+      <a:lightRig rig="threePt" dir="t"/>
+    </dgm:scene3d>
+    <dgm:sp3d/>
+    <dgm:txPr/>
+    <dgm:style>
+      <a:lnRef idx="2">
+        <a:scrgbClr r="0" g="0" b="0"/>
+      </a:lnRef>
+      <a:fillRef idx="1">
+        <a:scrgbClr r="0" g="0" b="0"/>
+      </a:fillRef>
+      <a:effectRef idx="0">
+        <a:scrgbClr r="0" g="0" b="0"/>
+      </a:effectRef>
+      <a:fontRef idx="minor"/>
+    </dgm:style>
+  </dgm:styleLbl>
+  <dgm:styleLbl name="alignImgPlace1">
+    <dgm:scene3d>
+      <a:camera prst="orthographicFront"/>
+      <a:lightRig rig="threePt" dir="t"/>
+    </dgm:scene3d>
+    <dgm:sp3d/>
+    <dgm:txPr/>
+    <dgm:style>
+      <a:lnRef idx="2">
+        <a:scrgbClr r="0" g="0" b="0"/>
+      </a:lnRef>
+      <a:fillRef idx="1">
+        <a:scrgbClr r="0" g="0" b="0"/>
+      </a:fillRef>
+      <a:effectRef idx="0">
+        <a:scrgbClr r="0" g="0" b="0"/>
+      </a:effectRef>
+      <a:fontRef idx="minor"/>
+    </dgm:style>
+  </dgm:styleLbl>
+  <dgm:styleLbl name="bgImgPlace1">
+    <dgm:scene3d>
+      <a:camera prst="orthographicFront"/>
+      <a:lightRig rig="threePt" dir="t"/>
+    </dgm:scene3d>
+    <dgm:sp3d/>
+    <dgm:txPr/>
+    <dgm:style>
+      <a:lnRef idx="2">
+        <a:scrgbClr r="0" g="0" b="0"/>
+      </a:lnRef>
+      <a:fillRef idx="1">
+        <a:scrgbClr r="0" g="0" b="0"/>
+      </a:fillRef>
+      <a:effectRef idx="0">
+        <a:scrgbClr r="0" g="0" b="0"/>
+      </a:effectRef>
+      <a:fontRef idx="minor"/>
+    </dgm:style>
+  </dgm:styleLbl>
+  <dgm:styleLbl name="sibTrans2D1">
+    <dgm:scene3d>
+      <a:camera prst="orthographicFront"/>
+      <a:lightRig rig="threePt" dir="t"/>
+    </dgm:scene3d>
+    <dgm:sp3d/>
+    <dgm:txPr/>
+    <dgm:style>
+      <a:lnRef idx="0">
+        <a:scrgbClr r="0" g="0" b="0"/>
+      </a:lnRef>
+      <a:fillRef idx="1">
+        <a:scrgbClr r="0" g="0" b="0"/>
+      </a:fillRef>
+      <a:effectRef idx="0">
+        <a:scrgbClr r="0" g="0" b="0"/>
+      </a:effectRef>
+      <a:fontRef idx="minor">
+        <a:schemeClr val="lt1"/>
+      </a:fontRef>
+    </dgm:style>
+  </dgm:styleLbl>
+  <dgm:styleLbl name="fgSibTrans2D1">
+    <dgm:scene3d>
+      <a:camera prst="orthographicFront"/>
+      <a:lightRig rig="threePt" dir="t"/>
+    </dgm:scene3d>
+    <dgm:sp3d/>
+    <dgm:txPr/>
+    <dgm:style>
+      <a:lnRef idx="0">
+        <a:scrgbClr r="0" g="0" b="0"/>
+      </a:lnRef>
+      <a:fillRef idx="1">
+        <a:scrgbClr r="0" g="0" b="0"/>
+      </a:fillRef>
+      <a:effectRef idx="0">
+        <a:scrgbClr r="0" g="0" b="0"/>
+      </a:effectRef>
+      <a:fontRef idx="minor">
+        <a:schemeClr val="lt1"/>
+      </a:fontRef>
+    </dgm:style>
+  </dgm:styleLbl>
+  <dgm:styleLbl name="bgSibTrans2D1">
+    <dgm:scene3d>
+      <a:camera prst="orthographicFront"/>
+      <a:lightRig rig="threePt" dir="t"/>
+    </dgm:scene3d>
+    <dgm:sp3d/>
+    <dgm:txPr/>
+    <dgm:style>
+      <a:lnRef idx="0">
+        <a:scrgbClr r="0" g="0" b="0"/>
+      </a:lnRef>
+      <a:fillRef idx="1">
+        <a:scrgbClr r="0" g="0" b="0"/>
+      </a:fillRef>
+      <a:effectRef idx="0">
+        <a:scrgbClr r="0" g="0" b="0"/>
+      </a:effectRef>
+      <a:fontRef idx="minor">
+        <a:schemeClr val="lt1"/>
+      </a:fontRef>
+    </dgm:style>
+  </dgm:styleLbl>
+  <dgm:styleLbl name="sibTrans1D1">
+    <dgm:scene3d>
+      <a:camera prst="orthographicFront"/>
+      <a:lightRig rig="threePt" dir="t"/>
+    </dgm:scene3d>
+    <dgm:sp3d/>
+    <dgm:txPr/>
+    <dgm:style>
+      <a:lnRef idx="1">
+        <a:scrgbClr r="0" g="0" b="0"/>
+      </a:lnRef>
+      <a:fillRef idx="0">
+        <a:scrgbClr r="0" g="0" b="0"/>
+      </a:fillRef>
+      <a:effectRef idx="0">
+        <a:scrgbClr r="0" g="0" b="0"/>
+      </a:effectRef>
+      <a:fontRef idx="minor"/>
+    </dgm:style>
+  </dgm:styleLbl>
+  <dgm:styleLbl name="callout">
+    <dgm:scene3d>
+      <a:camera prst="orthographicFront"/>
+      <a:lightRig rig="threePt" dir="t"/>
+    </dgm:scene3d>
+    <dgm:sp3d/>
+    <dgm:txPr/>
+    <dgm:style>
+      <a:lnRef idx="2">
+        <a:scrgbClr r="0" g="0" b="0"/>
+      </a:lnRef>
+      <a:fillRef idx="1">
+        <a:scrgbClr r="0" g="0" b="0"/>
+      </a:fillRef>
+      <a:effectRef idx="0">
+        <a:scrgbClr r="0" g="0" b="0"/>
+      </a:effectRef>
+      <a:fontRef idx="minor"/>
+    </dgm:style>
+  </dgm:styleLbl>
+  <dgm:styleLbl name="asst0">
+    <dgm:scene3d>
+      <a:camera prst="orthographicFront"/>
+      <a:lightRig rig="threePt" dir="t"/>
+    </dgm:scene3d>
+    <dgm:sp3d/>
+    <dgm:txPr/>
+    <dgm:style>
+      <a:lnRef idx="2">
+        <a:scrgbClr r="0" g="0" b="0"/>
+      </a:lnRef>
+      <a:fillRef idx="1">
+        <a:scrgbClr r="0" g="0" b="0"/>
+      </a:fillRef>
+      <a:effectRef idx="0">
+        <a:scrgbClr r="0" g="0" b="0"/>
+      </a:effectRef>
+      <a:fontRef idx="minor">
+        <a:schemeClr val="lt1"/>
+      </a:fontRef>
+    </dgm:style>
+  </dgm:styleLbl>
+  <dgm:styleLbl name="asst1">
+    <dgm:scene3d>
+      <a:camera prst="orthographicFront"/>
+      <a:lightRig rig="threePt" dir="t"/>
+    </dgm:scene3d>
+    <dgm:sp3d/>
+    <dgm:txPr/>
+    <dgm:style>
+      <a:lnRef idx="2">
+        <a:scrgbClr r="0" g="0" b="0"/>
+      </a:lnRef>
+      <a:fillRef idx="1">
+        <a:scrgbClr r="0" g="0" b="0"/>
+      </a:fillRef>
+      <a:effectRef idx="0">
+        <a:scrgbClr r="0" g="0" b="0"/>
+      </a:effectRef>
+      <a:fontRef idx="minor">
+        <a:schemeClr val="lt1"/>
+      </a:fontRef>
+    </dgm:style>
+  </dgm:styleLbl>
+  <dgm:styleLbl name="asst2">
+    <dgm:scene3d>
+      <a:camera prst="orthographicFront"/>
+      <a:lightRig rig="threePt" dir="t"/>
+    </dgm:scene3d>
+    <dgm:sp3d/>
+    <dgm:txPr/>
+    <dgm:style>
+      <a:lnRef idx="2">
+        <a:scrgbClr r="0" g="0" b="0"/>
+      </a:lnRef>
+      <a:fillRef idx="1">
+        <a:scrgbClr r="0" g="0" b="0"/>
+      </a:fillRef>
+      <a:effectRef idx="0">
+        <a:scrgbClr r="0" g="0" b="0"/>
+      </a:effectRef>
+      <a:fontRef idx="minor">
+        <a:schemeClr val="lt1"/>
+      </a:fontRef>
+    </dgm:style>
+  </dgm:styleLbl>
+  <dgm:styleLbl name="asst3">
+    <dgm:scene3d>
+      <a:camera prst="orthographicFront"/>
+      <a:lightRig rig="threePt" dir="t"/>
+    </dgm:scene3d>
+    <dgm:sp3d/>
+    <dgm:txPr/>
+    <dgm:style>
+      <a:lnRef idx="2">
+        <a:scrgbClr r="0" g="0" b="0"/>
+      </a:lnRef>
+      <a:fillRef idx="1">
+        <a:scrgbClr r="0" g="0" b="0"/>
+      </a:fillRef>
+      <a:effectRef idx="0">
+        <a:scrgbClr r="0" g="0" b="0"/>
+      </a:effectRef>
+      <a:fontRef idx="minor">
+        <a:schemeClr val="lt1"/>
+      </a:fontRef>
+    </dgm:style>
+  </dgm:styleLbl>
+  <dgm:styleLbl name="asst4">
+    <dgm:scene3d>
+      <a:camera prst="orthographicFront"/>
+      <a:lightRig rig="threePt" dir="t"/>
+    </dgm:scene3d>
+    <dgm:sp3d/>
+    <dgm:txPr/>
+    <dgm:style>
+      <a:lnRef idx="2">
+        <a:scrgbClr r="0" g="0" b="0"/>
+      </a:lnRef>
+      <a:fillRef idx="1">
+        <a:scrgbClr r="0" g="0" b="0"/>
+      </a:fillRef>
+      <a:effectRef idx="0">
+        <a:scrgbClr r="0" g="0" b="0"/>
+      </a:effectRef>
+      <a:fontRef idx="minor">
+        <a:schemeClr val="lt1"/>
+      </a:fontRef>
+    </dgm:style>
+  </dgm:styleLbl>
+  <dgm:styleLbl name="parChTrans2D1">
+    <dgm:scene3d>
+      <a:camera prst="orthographicFront"/>
+      <a:lightRig rig="threePt" dir="t"/>
+    </dgm:scene3d>
+    <dgm:sp3d/>
+    <dgm:txPr/>
+    <dgm:style>
+      <a:lnRef idx="2">
+        <a:scrgbClr r="0" g="0" b="0"/>
+      </a:lnRef>
+      <a:fillRef idx="1">
+        <a:scrgbClr r="0" g="0" b="0"/>
+      </a:fillRef>
+      <a:effectRef idx="0">
+        <a:scrgbClr r="0" g="0" b="0"/>
+      </a:effectRef>
+      <a:fontRef idx="minor">
+        <a:schemeClr val="lt1"/>
+      </a:fontRef>
+    </dgm:style>
+  </dgm:styleLbl>
+  <dgm:styleLbl name="parChTrans2D2">
+    <dgm:scene3d>
+      <a:camera prst="orthographicFront"/>
+      <a:lightRig rig="threePt" dir="t"/>
+    </dgm:scene3d>
+    <dgm:sp3d/>
+    <dgm:txPr/>
+    <dgm:style>
+      <a:lnRef idx="2">
+        <a:scrgbClr r="0" g="0" b="0"/>
+      </a:lnRef>
+      <a:fillRef idx="1">
+        <a:scrgbClr r="0" g="0" b="0"/>
+      </a:fillRef>
+      <a:effectRef idx="0">
+        <a:scrgbClr r="0" g="0" b="0"/>
+      </a:effectRef>
+      <a:fontRef idx="minor">
+        <a:schemeClr val="lt1"/>
+      </a:fontRef>
+    </dgm:style>
+  </dgm:styleLbl>
+  <dgm:styleLbl name="parChTrans2D3">
+    <dgm:scene3d>
+      <a:camera prst="orthographicFront"/>
+      <a:lightRig rig="threePt" dir="t"/>
+    </dgm:scene3d>
+    <dgm:sp3d/>
+    <dgm:txPr/>
+    <dgm:style>
+      <a:lnRef idx="2">
+        <a:scrgbClr r="0" g="0" b="0"/>
+      </a:lnRef>
+      <a:fillRef idx="1">
+        <a:scrgbClr r="0" g="0" b="0"/>
+      </a:fillRef>
+      <a:effectRef idx="0">
+        <a:scrgbClr r="0" g="0" b="0"/>
+      </a:effectRef>
+      <a:fontRef idx="minor">
+        <a:schemeClr val="lt1"/>
+      </a:fontRef>
+    </dgm:style>
+  </dgm:styleLbl>
+  <dgm:styleLbl name="parChTrans2D4">
+    <dgm:scene3d>
+      <a:camera prst="orthographicFront"/>
+      <a:lightRig rig="threePt" dir="t"/>
+    </dgm:scene3d>
+    <dgm:sp3d/>
+    <dgm:txPr/>
+    <dgm:style>
+      <a:lnRef idx="2">
+        <a:scrgbClr r="0" g="0" b="0"/>
+      </a:lnRef>
+      <a:fillRef idx="1">
+        <a:scrgbClr r="0" g="0" b="0"/>
+      </a:fillRef>
+      <a:effectRef idx="0">
+        <a:scrgbClr r="0" g="0" b="0"/>
+      </a:effectRef>
+      <a:fontRef idx="minor">
+        <a:schemeClr val="lt1"/>
+      </a:fontRef>
+    </dgm:style>
+  </dgm:styleLbl>
+  <dgm:styleLbl name="parChTrans1D1">
+    <dgm:scene3d>
+      <a:camera prst="orthographicFront"/>
+      <a:lightRig rig="threePt" dir="t"/>
+    </dgm:scene3d>
+    <dgm:sp3d/>
+    <dgm:txPr/>
+    <dgm:style>
+      <a:lnRef idx="2">
+        <a:scrgbClr r="0" g="0" b="0"/>
+      </a:lnRef>
+      <a:fillRef idx="0">
+        <a:scrgbClr r="0" g="0" b="0"/>
+      </a:fillRef>
+      <a:effectRef idx="0">
+        <a:scrgbClr r="0" g="0" b="0"/>
+      </a:effectRef>
+      <a:fontRef idx="minor"/>
+    </dgm:style>
+  </dgm:styleLbl>
+  <dgm:styleLbl name="parChTrans1D2">
+    <dgm:scene3d>
+      <a:camera prst="orthographicFront"/>
+      <a:lightRig rig="threePt" dir="t"/>
+    </dgm:scene3d>
+    <dgm:sp3d/>
+    <dgm:txPr/>
+    <dgm:style>
+      <a:lnRef idx="2">
+        <a:scrgbClr r="0" g="0" b="0"/>
+      </a:lnRef>
+      <a:fillRef idx="0">
+        <a:scrgbClr r="0" g="0" b="0"/>
+      </a:fillRef>
+      <a:effectRef idx="0">
+        <a:scrgbClr r="0" g="0" b="0"/>
+      </a:effectRef>
+      <a:fontRef idx="minor"/>
+    </dgm:style>
+  </dgm:styleLbl>
+  <dgm:styleLbl name="parChTrans1D3">
+    <dgm:scene3d>
+      <a:camera prst="orthographicFront"/>
+      <a:lightRig rig="threePt" dir="t"/>
+    </dgm:scene3d>
+    <dgm:sp3d/>
+    <dgm:txPr/>
+    <dgm:style>
+      <a:lnRef idx="2">
+        <a:scrgbClr r="0" g="0" b="0"/>
+      </a:lnRef>
+      <a:fillRef idx="0">
+        <a:scrgbClr r="0" g="0" b="0"/>
+      </a:fillRef>
+      <a:effectRef idx="0">
+        <a:scrgbClr r="0" g="0" b="0"/>
+      </a:effectRef>
+      <a:fontRef idx="minor"/>
+    </dgm:style>
+  </dgm:styleLbl>
+  <dgm:styleLbl name="parChTrans1D4">
+    <dgm:scene3d>
+      <a:camera prst="orthographicFront"/>
+      <a:lightRig rig="threePt" dir="t"/>
+    </dgm:scene3d>
+    <dgm:sp3d/>
+    <dgm:txPr/>
+    <dgm:style>
+      <a:lnRef idx="2">
+        <a:scrgbClr r="0" g="0" b="0"/>
+      </a:lnRef>
+      <a:fillRef idx="0">
+        <a:scrgbClr r="0" g="0" b="0"/>
+      </a:fillRef>
+      <a:effectRef idx="0">
+        <a:scrgbClr r="0" g="0" b="0"/>
+      </a:effectRef>
+      <a:fontRef idx="minor"/>
+    </dgm:style>
+  </dgm:styleLbl>
+  <dgm:styleLbl name="fgAcc1">
+    <dgm:scene3d>
+      <a:camera prst="orthographicFront"/>
+      <a:lightRig rig="threePt" dir="t"/>
+    </dgm:scene3d>
+    <dgm:sp3d/>
+    <dgm:txPr/>
+    <dgm:style>
+      <a:lnRef idx="2">
+        <a:scrgbClr r="0" g="0" b="0"/>
+      </a:lnRef>
+      <a:fillRef idx="1">
+        <a:scrgbClr r="0" g="0" b="0"/>
+      </a:fillRef>
+      <a:effectRef idx="0">
+        <a:scrgbClr r="0" g="0" b="0"/>
+      </a:effectRef>
+      <a:fontRef idx="minor"/>
+    </dgm:style>
+  </dgm:styleLbl>
+  <dgm:styleLbl name="conFgAcc1">
+    <dgm:scene3d>
+      <a:camera prst="orthographicFront"/>
+      <a:lightRig rig="threePt" dir="t"/>
+    </dgm:scene3d>
+    <dgm:sp3d/>
+    <dgm:txPr/>
+    <dgm:style>
+      <a:lnRef idx="2">
+        <a:scrgbClr r="0" g="0" b="0"/>
+      </a:lnRef>
+      <a:fillRef idx="1">
+        <a:scrgbClr r="0" g="0" b="0"/>
+      </a:fillRef>
+      <a:effectRef idx="0">
+        <a:scrgbClr r="0" g="0" b="0"/>
+      </a:effectRef>
+      <a:fontRef idx="minor"/>
+    </dgm:style>
+  </dgm:styleLbl>
+  <dgm:styleLbl name="alignAcc1">
+    <dgm:scene3d>
+      <a:camera prst="orthographicFront"/>
+      <a:lightRig rig="threePt" dir="t"/>
+    </dgm:scene3d>
+    <dgm:sp3d/>
+    <dgm:txPr/>
+    <dgm:style>
+      <a:lnRef idx="2">
+        <a:scrgbClr r="0" g="0" b="0"/>
+      </a:lnRef>
+      <a:fillRef idx="1">
+        <a:scrgbClr r="0" g="0" b="0"/>
+      </a:fillRef>
+      <a:effectRef idx="0">
+        <a:scrgbClr r="0" g="0" b="0"/>
+      </a:effectRef>
+      <a:fontRef idx="minor"/>
+    </dgm:style>
+  </dgm:styleLbl>
+  <dgm:styleLbl name="trAlignAcc1">
+    <dgm:scene3d>
+      <a:camera prst="orthographicFront"/>
+      <a:lightRig rig="threePt" dir="t"/>
+    </dgm:scene3d>
+    <dgm:sp3d/>
+    <dgm:txPr/>
+    <dgm:style>
+      <a:lnRef idx="1">
+        <a:scrgbClr r="0" g="0" b="0"/>
+      </a:lnRef>
+      <a:fillRef idx="1">
+        <a:scrgbClr r="0" g="0" b="0"/>
+      </a:fillRef>
+      <a:effectRef idx="0">
+        <a:scrgbClr r="0" g="0" b="0"/>
+      </a:effectRef>
+      <a:fontRef idx="minor"/>
+    </dgm:style>
+  </dgm:styleLbl>
+  <dgm:styleLbl name="bgAcc1">
+    <dgm:scene3d>
+      <a:camera prst="orthographicFront"/>
+      <a:lightRig rig="threePt" dir="t"/>
+    </dgm:scene3d>
+    <dgm:sp3d/>
+    <dgm:txPr/>
+    <dgm:style>
+      <a:lnRef idx="2">
+        <a:scrgbClr r="0" g="0" b="0"/>
+      </a:lnRef>
+      <a:fillRef idx="1">
+        <a:scrgbClr r="0" g="0" b="0"/>
+      </a:fillRef>
+      <a:effectRef idx="0">
+        <a:scrgbClr r="0" g="0" b="0"/>
+      </a:effectRef>
+      <a:fontRef idx="minor"/>
+    </dgm:style>
+  </dgm:styleLbl>
+  <dgm:styleLbl name="solidFgAcc1">
+    <dgm:scene3d>
+      <a:camera prst="orthographicFront"/>
+      <a:lightRig rig="threePt" dir="t"/>
+    </dgm:scene3d>
+    <dgm:sp3d/>
+    <dgm:txPr/>
+    <dgm:style>
+      <a:lnRef idx="2">
+        <a:scrgbClr r="0" g="0" b="0"/>
+      </a:lnRef>
+      <a:fillRef idx="1">
+        <a:scrgbClr r="0" g="0" b="0"/>
+      </a:fillRef>
+      <a:effectRef idx="0">
+        <a:scrgbClr r="0" g="0" b="0"/>
+      </a:effectRef>
+      <a:fontRef idx="minor"/>
+    </dgm:style>
+  </dgm:styleLbl>
+  <dgm:styleLbl name="solidAlignAcc1">
+    <dgm:scene3d>
+      <a:camera prst="orthographicFront"/>
+      <a:lightRig rig="threePt" dir="t"/>
+    </dgm:scene3d>
+    <dgm:sp3d/>
+    <dgm:txPr/>
+    <dgm:style>
+      <a:lnRef idx="2">
+        <a:scrgbClr r="0" g="0" b="0"/>
+      </a:lnRef>
+      <a:fillRef idx="1">
+        <a:scrgbClr r="0" g="0" b="0"/>
+      </a:fillRef>
+      <a:effectRef idx="0">
+        <a:scrgbClr r="0" g="0" b="0"/>
+      </a:effectRef>
+      <a:fontRef idx="minor"/>
+    </dgm:style>
+  </dgm:styleLbl>
+  <dgm:styleLbl name="solidBgAcc1">
+    <dgm:scene3d>
+      <a:camera prst="orthographicFront"/>
+      <a:lightRig rig="threePt" dir="t"/>
+    </dgm:scene3d>
+    <dgm:sp3d/>
+    <dgm:txPr/>
+    <dgm:style>
+      <a:lnRef idx="2">
+        <a:scrgbClr r="0" g="0" b="0"/>
+      </a:lnRef>
+      <a:fillRef idx="1">
+        <a:scrgbClr r="0" g="0" b="0"/>
+      </a:fillRef>
+      <a:effectRef idx="0">
+        <a:scrgbClr r="0" g="0" b="0"/>
+      </a:effectRef>
+      <a:fontRef idx="minor"/>
+    </dgm:style>
+  </dgm:styleLbl>
+  <dgm:styleLbl name="fgAccFollowNode1">
+    <dgm:scene3d>
+      <a:camera prst="orthographicFront"/>
+      <a:lightRig rig="threePt" dir="t"/>
+    </dgm:scene3d>
+    <dgm:sp3d/>
+    <dgm:txPr/>
+    <dgm:style>
+      <a:lnRef idx="2">
+        <a:scrgbClr r="0" g="0" b="0"/>
+      </a:lnRef>
+      <a:fillRef idx="1">
+        <a:scrgbClr r="0" g="0" b="0"/>
+      </a:fillRef>
+      <a:effectRef idx="0">
+        <a:scrgbClr r="0" g="0" b="0"/>
+      </a:effectRef>
+      <a:fontRef idx="minor"/>
+    </dgm:style>
+  </dgm:styleLbl>
+  <dgm:styleLbl name="alignAccFollowNode1">
+    <dgm:scene3d>
+      <a:camera prst="orthographicFront"/>
+      <a:lightRig rig="threePt" dir="t"/>
+    </dgm:scene3d>
+    <dgm:sp3d/>
+    <dgm:txPr/>
+    <dgm:style>
+      <a:lnRef idx="2">
+        <a:scrgbClr r="0" g="0" b="0"/>
+      </a:lnRef>
+      <a:fillRef idx="1">
+        <a:scrgbClr r="0" g="0" b="0"/>
+      </a:fillRef>
+      <a:effectRef idx="0">
+        <a:scrgbClr r="0" g="0" b="0"/>
+      </a:effectRef>
+      <a:fontRef idx="minor"/>
+    </dgm:style>
+  </dgm:styleLbl>
+  <dgm:styleLbl name="bgAccFollowNode1">
+    <dgm:scene3d>
+      <a:camera prst="orthographicFront"/>
+      <a:lightRig rig="threePt" dir="t"/>
+    </dgm:scene3d>
+    <dgm:sp3d/>
+    <dgm:txPr/>
+    <dgm:style>
+      <a:lnRef idx="2">
+        <a:scrgbClr r="0" g="0" b="0"/>
+      </a:lnRef>
+      <a:fillRef idx="1">
+        <a:scrgbClr r="0" g="0" b="0"/>
+      </a:fillRef>
+      <a:effectRef idx="0">
+        <a:scrgbClr r="0" g="0" b="0"/>
+      </a:effectRef>
+      <a:fontRef idx="minor"/>
+    </dgm:style>
+  </dgm:styleLbl>
+  <dgm:styleLbl name="fgAcc0">
+    <dgm:scene3d>
+      <a:camera prst="orthographicFront"/>
+      <a:lightRig rig="threePt" dir="t"/>
+    </dgm:scene3d>
+    <dgm:sp3d/>
+    <dgm:txPr/>
+    <dgm:style>
+      <a:lnRef idx="2">
+        <a:scrgbClr r="0" g="0" b="0"/>
+      </a:lnRef>
+      <a:fillRef idx="1">
+        <a:scrgbClr r="0" g="0" b="0"/>
+      </a:fillRef>
+      <a:effectRef idx="0">
+        <a:scrgbClr r="0" g="0" b="0"/>
+      </a:effectRef>
+      <a:fontRef idx="minor"/>
+    </dgm:style>
+  </dgm:styleLbl>
+  <dgm:styleLbl name="fgAcc2">
+    <dgm:scene3d>
+      <a:camera prst="orthographicFront"/>
+      <a:lightRig rig="threePt" dir="t"/>
+    </dgm:scene3d>
+    <dgm:sp3d/>
+    <dgm:txPr/>
+    <dgm:style>
+      <a:lnRef idx="2">
+        <a:scrgbClr r="0" g="0" b="0"/>
+      </a:lnRef>
+      <a:fillRef idx="1">
+        <a:scrgbClr r="0" g="0" b="0"/>
+      </a:fillRef>
+      <a:effectRef idx="0">
+        <a:scrgbClr r="0" g="0" b="0"/>
+      </a:effectRef>
+      <a:fontRef idx="minor"/>
+    </dgm:style>
+  </dgm:styleLbl>
+  <dgm:styleLbl name="fgAcc3">
+    <dgm:scene3d>
+      <a:camera prst="orthographicFront"/>
+      <a:lightRig rig="threePt" dir="t"/>
+    </dgm:scene3d>
+    <dgm:sp3d/>
+    <dgm:txPr/>
+    <dgm:style>
+      <a:lnRef idx="2">
+        <a:scrgbClr r="0" g="0" b="0"/>
+      </a:lnRef>
+      <a:fillRef idx="1">
+        <a:scrgbClr r="0" g="0" b="0"/>
+      </a:fillRef>
+      <a:effectRef idx="0">
+        <a:scrgbClr r="0" g="0" b="0"/>
+      </a:effectRef>
+      <a:fontRef idx="minor"/>
+    </dgm:style>
+  </dgm:styleLbl>
+  <dgm:styleLbl name="fgAcc4">
+    <dgm:scene3d>
+      <a:camera prst="orthographicFront"/>
+      <a:lightRig rig="threePt" dir="t"/>
+    </dgm:scene3d>
+    <dgm:sp3d/>
+    <dgm:txPr/>
+    <dgm:style>
+      <a:lnRef idx="2">
+        <a:scrgbClr r="0" g="0" b="0"/>
+      </a:lnRef>
+      <a:fillRef idx="1">
+        <a:scrgbClr r="0" g="0" b="0"/>
+      </a:fillRef>
+      <a:effectRef idx="0">
+        <a:scrgbClr r="0" g="0" b="0"/>
+      </a:effectRef>
+      <a:fontRef idx="minor"/>
+    </dgm:style>
+  </dgm:styleLbl>
+  <dgm:styleLbl name="bgShp">
+    <dgm:scene3d>
+      <a:camera prst="orthographicFront"/>
+      <a:lightRig rig="threePt" dir="t"/>
+    </dgm:scene3d>
+    <dgm:sp3d/>
+    <dgm:txPr/>
+    <dgm:style>
+      <a:lnRef idx="0">
+        <a:scrgbClr r="0" g="0" b="0"/>
+      </a:lnRef>
+      <a:fillRef idx="1">
+        <a:scrgbClr r="0" g="0" b="0"/>
+      </a:fillRef>
+      <a:effectRef idx="0">
+        <a:scrgbClr r="0" g="0" b="0"/>
+      </a:effectRef>
+      <a:fontRef idx="minor"/>
+    </dgm:style>
+  </dgm:styleLbl>
+  <dgm:styleLbl name="dkBgShp">
+    <dgm:scene3d>
+      <a:camera prst="orthographicFront"/>
+      <a:lightRig rig="threePt" dir="t"/>
+    </dgm:scene3d>
+    <dgm:sp3d/>
+    <dgm:txPr/>
+    <dgm:style>
+      <a:lnRef idx="0">
+        <a:scrgbClr r="0" g="0" b="0"/>
+      </a:lnRef>
+      <a:fillRef idx="1">
+        <a:scrgbClr r="0" g="0" b="0"/>
+      </a:fillRef>
+      <a:effectRef idx="0">
+        <a:scrgbClr r="0" g="0" b="0"/>
+      </a:effectRef>
+      <a:fontRef idx="minor"/>
+    </dgm:style>
+  </dgm:styleLbl>
+  <dgm:styleLbl name="trBgShp">
+    <dgm:scene3d>
+      <a:camera prst="orthographicFront"/>
+      <a:lightRig rig="threePt" dir="t"/>
+    </dgm:scene3d>
+    <dgm:sp3d/>
+    <dgm:txPr/>
+    <dgm:style>
+      <a:lnRef idx="0">
+        <a:scrgbClr r="0" g="0" b="0"/>
+      </a:lnRef>
+      <a:fillRef idx="1">
+        <a:scrgbClr r="0" g="0" b="0"/>
+      </a:fillRef>
+      <a:effectRef idx="0">
+        <a:scrgbClr r="0" g="0" b="0"/>
+      </a:effectRef>
+      <a:fontRef idx="minor"/>
+    </dgm:style>
+  </dgm:styleLbl>
+  <dgm:styleLbl name="fgShp">
+    <dgm:scene3d>
+      <a:camera prst="orthographicFront"/>
+      <a:lightRig rig="threePt" dir="t"/>
+    </dgm:scene3d>
+    <dgm:sp3d/>
+    <dgm:txPr/>
+    <dgm:style>
+      <a:lnRef idx="2">
+        <a:scrgbClr r="0" g="0" b="0"/>
+      </a:lnRef>
+      <a:fillRef idx="1">
+        <a:scrgbClr r="0" g="0" b="0"/>
+      </a:fillRef>
+      <a:effectRef idx="0">
+        <a:scrgbClr r="0" g="0" b="0"/>
+      </a:effectRef>
+      <a:fontRef idx="minor"/>
+    </dgm:style>
+  </dgm:styleLbl>
+  <dgm:styleLbl name="revTx">
+    <dgm:scene3d>
+      <a:camera prst="orthographicFront"/>
+      <a:lightRig rig="threePt" dir="t"/>
+    </dgm:scene3d>
+    <dgm:sp3d/>
+    <dgm:txPr/>
+    <dgm:style>
+      <a:lnRef idx="0">
+        <a:scrgbClr r="0" g="0" b="0"/>
+      </a:lnRef>
+      <a:fillRef idx="0">
+        <a:scrgbClr r="0" g="0" b="0"/>
+      </a:fillRef>
+      <a:effectRef idx="0">
+        <a:scrgbClr r="0" g="0" b="0"/>
+      </a:effectRef>
+      <a:fontRef idx="minor"/>
+    </dgm:style>
+  </dgm:styleLbl>
+</dgm:styleDef>
 </file>
 
 <file path=ppt/notesMasters/notesMaster1.xml><?xml version="1.0" encoding="utf-8"?>
@@ -240,7 +2892,7 @@
           <a:p>
             <a:fld id="{EA1FD1DD-1EDF-4341-AE12-9015BA74AB77}" type="datetimeFigureOut">
               <a:rPr lang="en-US" smtClean="0"/>
-              <a:t>2018-07-03</a:t>
+              <a:t>7/6/2018</a:t>
             </a:fld>
             <a:endParaRPr lang="en-US"/>
           </a:p>
@@ -570,9 +3222,9 @@
           <a:bodyPr/>
           <a:lstStyle/>
           <a:p>
-            <a:fld id="{E78E71CD-9786-4621-AA97-B53C62C3E534}" type="slidenum">
+            <a:fld id="{6181AA9A-826B-4D28-AD84-6800691176DC}" type="slidenum">
               <a:rPr lang="en-US" smtClean="0"/>
-              <a:t>3</a:t>
+              <a:t>7</a:t>
             </a:fld>
             <a:endParaRPr lang="en-US"/>
           </a:p>
@@ -581,7 +3233,7 @@
     </p:spTree>
     <p:extLst>
       <p:ext uri="{BB962C8B-B14F-4D97-AF65-F5344CB8AC3E}">
-        <p14:creationId xmlns:p14="http://schemas.microsoft.com/office/powerpoint/2010/main" val="339952883"/>
+        <p14:creationId xmlns:p14="http://schemas.microsoft.com/office/powerpoint/2010/main" val="583550387"/>
       </p:ext>
     </p:extLst>
   </p:cSld>
@@ -654,9 +3306,9 @@
           <a:bodyPr/>
           <a:lstStyle/>
           <a:p>
-            <a:fld id="{E78E71CD-9786-4621-AA97-B53C62C3E534}" type="slidenum">
+            <a:fld id="{6181AA9A-826B-4D28-AD84-6800691176DC}" type="slidenum">
               <a:rPr lang="en-US" smtClean="0"/>
-              <a:t>6</a:t>
+              <a:t>9</a:t>
             </a:fld>
             <a:endParaRPr lang="en-US"/>
           </a:p>
@@ -665,7 +3317,7 @@
     </p:spTree>
     <p:extLst>
       <p:ext uri="{BB962C8B-B14F-4D97-AF65-F5344CB8AC3E}">
-        <p14:creationId xmlns:p14="http://schemas.microsoft.com/office/powerpoint/2010/main" val="2462365046"/>
+        <p14:creationId xmlns:p14="http://schemas.microsoft.com/office/powerpoint/2010/main" val="1422580592"/>
       </p:ext>
     </p:extLst>
   </p:cSld>
@@ -738,9 +3390,9 @@
           <a:bodyPr/>
           <a:lstStyle/>
           <a:p>
-            <a:fld id="{E78E71CD-9786-4621-AA97-B53C62C3E534}" type="slidenum">
+            <a:fld id="{6181AA9A-826B-4D28-AD84-6800691176DC}" type="slidenum">
               <a:rPr lang="en-US" smtClean="0"/>
-              <a:t>18</a:t>
+              <a:t>10</a:t>
             </a:fld>
             <a:endParaRPr lang="en-US"/>
           </a:p>
@@ -749,7 +3401,94 @@
     </p:spTree>
     <p:extLst>
       <p:ext uri="{BB962C8B-B14F-4D97-AF65-F5344CB8AC3E}">
-        <p14:creationId xmlns:p14="http://schemas.microsoft.com/office/powerpoint/2010/main" val="1944816922"/>
+        <p14:creationId xmlns:p14="http://schemas.microsoft.com/office/powerpoint/2010/main" val="3934107282"/>
+      </p:ext>
+    </p:extLst>
+  </p:cSld>
+  <p:clrMapOvr>
+    <a:masterClrMapping/>
+  </p:clrMapOvr>
+</p:notes>
+</file>
+
+<file path=ppt/notesSlides/notesSlide4.xml><?xml version="1.0" encoding="utf-8"?>
+<p:notes xmlns:a="http://schemas.openxmlformats.org/drawingml/2006/main" xmlns:r="http://schemas.openxmlformats.org/officeDocument/2006/relationships" xmlns:p="http://schemas.openxmlformats.org/presentationml/2006/main">
+  <p:cSld>
+    <p:spTree>
+      <p:nvGrpSpPr>
+        <p:cNvPr id="1" name=""/>
+        <p:cNvGrpSpPr/>
+        <p:nvPr/>
+      </p:nvGrpSpPr>
+      <p:grpSpPr>
+        <a:xfrm>
+          <a:off x="0" y="0"/>
+          <a:ext cx="0" cy="0"/>
+          <a:chOff x="0" y="0"/>
+          <a:chExt cx="0" cy="0"/>
+        </a:xfrm>
+      </p:grpSpPr>
+      <p:sp>
+        <p:nvSpPr>
+          <p:cNvPr id="2" name="Slide Image Placeholder 1"/>
+          <p:cNvSpPr>
+            <a:spLocks noGrp="1" noRot="1" noChangeAspect="1"/>
+          </p:cNvSpPr>
+          <p:nvPr>
+            <p:ph type="sldImg"/>
+          </p:nvPr>
+        </p:nvSpPr>
+        <p:spPr/>
+      </p:sp>
+      <p:sp>
+        <p:nvSpPr>
+          <p:cNvPr id="3" name="Notes Placeholder 2"/>
+          <p:cNvSpPr>
+            <a:spLocks noGrp="1"/>
+          </p:cNvSpPr>
+          <p:nvPr>
+            <p:ph type="body" idx="1"/>
+          </p:nvPr>
+        </p:nvSpPr>
+        <p:spPr/>
+        <p:txBody>
+          <a:bodyPr/>
+          <a:lstStyle/>
+          <a:p>
+            <a:r>
+              <a:rPr lang="en-US" dirty="0"/>
+              <a:t>In a DCAF engine use the UI module to interact with the state machine module.</a:t>
+            </a:r>
+          </a:p>
+        </p:txBody>
+      </p:sp>
+      <p:sp>
+        <p:nvSpPr>
+          <p:cNvPr id="4" name="Slide Number Placeholder 3"/>
+          <p:cNvSpPr>
+            <a:spLocks noGrp="1"/>
+          </p:cNvSpPr>
+          <p:nvPr>
+            <p:ph type="sldNum" sz="quarter" idx="10"/>
+          </p:nvPr>
+        </p:nvSpPr>
+        <p:spPr/>
+        <p:txBody>
+          <a:bodyPr/>
+          <a:lstStyle/>
+          <a:p>
+            <a:fld id="{6181AA9A-826B-4D28-AD84-6800691176DC}" type="slidenum">
+              <a:rPr lang="en-US" smtClean="0"/>
+              <a:t>21</a:t>
+            </a:fld>
+            <a:endParaRPr lang="en-US"/>
+          </a:p>
+        </p:txBody>
+      </p:sp>
+    </p:spTree>
+    <p:extLst>
+      <p:ext uri="{BB962C8B-B14F-4D97-AF65-F5344CB8AC3E}">
+        <p14:creationId xmlns:p14="http://schemas.microsoft.com/office/powerpoint/2010/main" val="1992751352"/>
       </p:ext>
     </p:extLst>
   </p:cSld>
@@ -3912,7 +6651,7 @@
           <a:p>
             <a:fld id="{C328AB28-8CF8-4FDA-851D-B8A8B08C8597}" type="datetimeFigureOut">
               <a:rPr lang="en-US" smtClean="0"/>
-              <a:t>2018-07-03</a:t>
+              <a:t>7/6/2018</a:t>
             </a:fld>
             <a:endParaRPr lang="en-US"/>
           </a:p>
@@ -7228,7 +9967,13 @@
       </p:grpSpPr>
       <p:sp>
         <p:nvSpPr>
-          <p:cNvPr id="2" name="Title 1"/>
+          <p:cNvPr id="2" name="Title 1">
+            <a:extLst>
+              <a:ext uri="{FF2B5EF4-FFF2-40B4-BE49-F238E27FC236}">
+                <a16:creationId xmlns:a16="http://schemas.microsoft.com/office/drawing/2014/main" id="{6787C545-9BCD-452A-8813-7F015D012A2F}"/>
+              </a:ext>
+            </a:extLst>
+          </p:cNvPr>
           <p:cNvSpPr>
             <a:spLocks noGrp="1"/>
           </p:cNvSpPr>
@@ -7243,236 +9988,47 @@
           <a:p>
             <a:r>
               <a:rPr lang="en-US" dirty="0"/>
-              <a:t>Static Module Checklist</a:t>
+              <a:t>Get Text</a:t>
             </a:r>
           </a:p>
         </p:txBody>
       </p:sp>
-      <p:sp>
-        <p:nvSpPr>
-          <p:cNvPr id="3" name="Content Placeholder 2"/>
-          <p:cNvSpPr>
-            <a:spLocks noGrp="1"/>
-          </p:cNvSpPr>
-          <p:nvPr>
-            <p:ph sz="half" idx="1"/>
-          </p:nvPr>
-        </p:nvSpPr>
-        <p:spPr/>
-        <p:txBody>
-          <a:bodyPr>
-            <a:normAutofit fontScale="77500" lnSpcReduction="20000"/>
-          </a:bodyPr>
-          <a:lstStyle/>
-          <a:p>
-            <a:pPr lvl="2"/>
-            <a:r>
-              <a:rPr lang="en-US" dirty="0"/>
-              <a:t>Create the Module from the Static Module Sample Project</a:t>
-            </a:r>
-          </a:p>
-          <a:p>
-            <a:pPr lvl="3"/>
-            <a:r>
-              <a:rPr lang="en-US" dirty="0"/>
-              <a:t>Define the Channels</a:t>
-            </a:r>
-          </a:p>
-          <a:p>
-            <a:pPr lvl="2"/>
-            <a:r>
-              <a:rPr lang="en-US" dirty="0"/>
-              <a:t>Add Parameters to set desired keys.vi (optional)</a:t>
-            </a:r>
-          </a:p>
-          <a:p>
-            <a:pPr lvl="2"/>
-            <a:r>
-              <a:rPr lang="en-US" dirty="0"/>
-              <a:t>Handle initialization (optional)</a:t>
-            </a:r>
-          </a:p>
-          <a:p>
-            <a:pPr lvl="3"/>
-            <a:r>
-              <a:rPr lang="en-US" dirty="0"/>
-              <a:t> Handle initialization of references, sessions, parameters</a:t>
-            </a:r>
-          </a:p>
-          <a:p>
-            <a:pPr lvl="3"/>
-            <a:r>
-              <a:rPr lang="en-US" dirty="0"/>
-              <a:t>Pass References into Runtime class if necessary, modify object to allow this</a:t>
-            </a:r>
-          </a:p>
-          <a:p>
-            <a:pPr lvl="2"/>
-            <a:r>
-              <a:rPr lang="en-US" dirty="0"/>
-              <a:t>Implement the Input, Processing, and/or Output Methods as needed</a:t>
-            </a:r>
-          </a:p>
-          <a:p>
-            <a:pPr lvl="3"/>
-            <a:r>
-              <a:rPr lang="en-US" dirty="0"/>
-              <a:t>Modify user process.vi to contain references or the Runtime class if needed and process.vi to pass data necessary to `user process.vi`</a:t>
-            </a:r>
-          </a:p>
-          <a:p>
-            <a:pPr lvl="3"/>
-            <a:r>
-              <a:rPr lang="en-US" dirty="0"/>
-              <a:t>Add Processing code to `user process.vi`</a:t>
-            </a:r>
-          </a:p>
-          <a:p>
-            <a:pPr lvl="3"/>
-            <a:r>
-              <a:rPr lang="en-US" dirty="0"/>
-              <a:t>Add code to input.vi to pass necessary sessions or config data to user input.vi</a:t>
-            </a:r>
-          </a:p>
-          <a:p>
-            <a:pPr lvl="3"/>
-            <a:r>
-              <a:rPr lang="en-US" dirty="0"/>
-              <a:t>Add input code to `user input.vi`.</a:t>
-            </a:r>
-          </a:p>
-          <a:p>
-            <a:pPr lvl="3"/>
-            <a:r>
-              <a:rPr lang="en-US" dirty="0"/>
-              <a:t>Repeat for output</a:t>
-            </a:r>
-          </a:p>
-          <a:p>
-            <a:pPr lvl="2"/>
-            <a:r>
-              <a:rPr lang="en-US" dirty="0"/>
-              <a:t>Programming Considerations for Run-State Methods</a:t>
-            </a:r>
-          </a:p>
-          <a:p>
-            <a:pPr lvl="3"/>
-            <a:r>
-              <a:rPr lang="en-US" dirty="0"/>
-              <a:t>Determinism</a:t>
-            </a:r>
-          </a:p>
-          <a:p>
-            <a:pPr lvl="3"/>
-            <a:r>
-              <a:rPr lang="en-US" dirty="0"/>
-              <a:t>Non-blocking execution</a:t>
-            </a:r>
-          </a:p>
-          <a:p>
-            <a:pPr lvl="2"/>
-            <a:r>
-              <a:rPr lang="en-US" dirty="0"/>
-              <a:t>Specifying other properties</a:t>
-            </a:r>
-          </a:p>
-          <a:p>
-            <a:pPr lvl="2"/>
-            <a:r>
-              <a:rPr lang="en-US" dirty="0"/>
-              <a:t>Testing and validation</a:t>
-            </a:r>
-          </a:p>
-        </p:txBody>
-      </p:sp>
-      <p:sp>
-        <p:nvSpPr>
-          <p:cNvPr id="6" name="Content Placeholder 5">
+      <p:pic>
+        <p:nvPicPr>
+          <p:cNvPr id="5" name="Content Placeholder 4">
             <a:extLst>
               <a:ext uri="{FF2B5EF4-FFF2-40B4-BE49-F238E27FC236}">
-                <a16:creationId xmlns:a16="http://schemas.microsoft.com/office/drawing/2014/main" id="{33673D65-56B4-4C8E-BEA6-451099666C1B}"/>
+                <a16:creationId xmlns:a16="http://schemas.microsoft.com/office/drawing/2014/main" id="{6627FC01-6278-413B-9615-77C9D2D61CEE}"/>
               </a:ext>
             </a:extLst>
           </p:cNvPr>
-          <p:cNvSpPr>
-            <a:spLocks noGrp="1"/>
-          </p:cNvSpPr>
+          <p:cNvPicPr>
+            <a:picLocks noGrp="1" noChangeAspect="1"/>
+          </p:cNvPicPr>
           <p:nvPr>
-            <p:ph sz="half" idx="2"/>
+            <p:ph idx="1"/>
           </p:nvPr>
-        </p:nvSpPr>
-        <p:spPr/>
-        <p:txBody>
-          <a:bodyPr>
-            <a:normAutofit fontScale="77500" lnSpcReduction="20000"/>
-          </a:bodyPr>
-          <a:lstStyle/>
-          <a:p>
-            <a:r>
-              <a:rPr lang="en-US" dirty="0"/>
-              <a:t>Create the Module from the Template</a:t>
-            </a:r>
-          </a:p>
-        </p:txBody>
-      </p:sp>
-      <p:sp>
-        <p:nvSpPr>
-          <p:cNvPr id="7" name="Rectangle 6">
-            <a:extLst>
-              <a:ext uri="{FF2B5EF4-FFF2-40B4-BE49-F238E27FC236}">
-                <a16:creationId xmlns:a16="http://schemas.microsoft.com/office/drawing/2014/main" id="{E2034370-C9C1-4AF0-B088-D791E2EF82FC}"/>
-              </a:ext>
-            </a:extLst>
-          </p:cNvPr>
-          <p:cNvSpPr/>
-          <p:nvPr/>
-        </p:nvSpPr>
+        </p:nvPicPr>
+        <p:blipFill>
+          <a:blip r:embed="rId3"/>
+          <a:stretch>
+            <a:fillRect/>
+          </a:stretch>
+        </p:blipFill>
         <p:spPr>
           <a:xfrm>
-            <a:off x="1207008" y="888603"/>
-            <a:ext cx="4523232" cy="673820"/>
+            <a:off x="2490759" y="1406315"/>
+            <a:ext cx="6138074" cy="4632268"/>
           </a:xfrm>
           <a:prstGeom prst="rect">
             <a:avLst/>
           </a:prstGeom>
-          <a:noFill/>
-          <a:ln w="9525" cap="flat" cmpd="sng" algn="ctr">
-            <a:solidFill>
-              <a:srgbClr val="FF0000"/>
-            </a:solidFill>
-            <a:prstDash val="solid"/>
-            <a:round/>
-            <a:headEnd type="none" w="med" len="med"/>
-            <a:tailEnd type="none" w="med" len="med"/>
-          </a:ln>
         </p:spPr>
-        <p:style>
-          <a:lnRef idx="0">
-            <a:scrgbClr r="0" g="0" b="0"/>
-          </a:lnRef>
-          <a:fillRef idx="0">
-            <a:scrgbClr r="0" g="0" b="0"/>
-          </a:fillRef>
-          <a:effectRef idx="0">
-            <a:scrgbClr r="0" g="0" b="0"/>
-          </a:effectRef>
-          <a:fontRef idx="minor">
-            <a:schemeClr val="dk1"/>
-          </a:fontRef>
-        </p:style>
-        <p:txBody>
-          <a:bodyPr rtlCol="0" anchor="ctr"/>
-          <a:lstStyle/>
-          <a:p>
-            <a:pPr algn="ctr"/>
-            <a:endParaRPr lang="en-US"/>
-          </a:p>
-        </p:txBody>
-      </p:sp>
+      </p:pic>
     </p:spTree>
     <p:extLst>
       <p:ext uri="{BB962C8B-B14F-4D97-AF65-F5344CB8AC3E}">
-        <p14:creationId xmlns:p14="http://schemas.microsoft.com/office/powerpoint/2010/main" val="1151618371"/>
+        <p14:creationId xmlns:p14="http://schemas.microsoft.com/office/powerpoint/2010/main" val="4154430836"/>
       </p:ext>
     </p:extLst>
   </p:cSld>
@@ -7501,7 +10057,13 @@
       </p:grpSpPr>
       <p:sp>
         <p:nvSpPr>
-          <p:cNvPr id="2" name="Title 1"/>
+          <p:cNvPr id="10" name="Title 9">
+            <a:extLst>
+              <a:ext uri="{FF2B5EF4-FFF2-40B4-BE49-F238E27FC236}">
+                <a16:creationId xmlns:a16="http://schemas.microsoft.com/office/drawing/2014/main" id="{63D2B5D8-D1B8-45C7-B898-34578E9406CF}"/>
+              </a:ext>
+            </a:extLst>
+          </p:cNvPr>
           <p:cNvSpPr>
             <a:spLocks noGrp="1"/>
           </p:cNvSpPr>
@@ -7516,154 +10078,17 @@
           <a:p>
             <a:r>
               <a:rPr lang="en-US" dirty="0"/>
-              <a:t>Static Module Checklist</a:t>
+              <a:t>Project 1</a:t>
             </a:r>
           </a:p>
         </p:txBody>
       </p:sp>
       <p:sp>
         <p:nvSpPr>
-          <p:cNvPr id="3" name="Content Placeholder 2"/>
-          <p:cNvSpPr>
-            <a:spLocks noGrp="1"/>
-          </p:cNvSpPr>
-          <p:nvPr>
-            <p:ph sz="half" idx="1"/>
-          </p:nvPr>
-        </p:nvSpPr>
-        <p:spPr/>
-        <p:txBody>
-          <a:bodyPr>
-            <a:normAutofit fontScale="77500" lnSpcReduction="20000"/>
-          </a:bodyPr>
-          <a:lstStyle/>
-          <a:p>
-            <a:pPr lvl="2"/>
-            <a:r>
-              <a:rPr lang="en-US" dirty="0"/>
-              <a:t>Create the Module from the Static Module Sample Project</a:t>
-            </a:r>
-          </a:p>
-          <a:p>
-            <a:pPr lvl="3"/>
-            <a:r>
-              <a:rPr lang="en-US" dirty="0"/>
-              <a:t>Define the Channels</a:t>
-            </a:r>
-          </a:p>
-          <a:p>
-            <a:pPr lvl="2"/>
-            <a:r>
-              <a:rPr lang="en-US" dirty="0"/>
-              <a:t>Add Parameters to set desired keys.vi (optional)</a:t>
-            </a:r>
-          </a:p>
-          <a:p>
-            <a:pPr lvl="2"/>
-            <a:r>
-              <a:rPr lang="en-US" dirty="0"/>
-              <a:t>Handle initialization (optional)</a:t>
-            </a:r>
-          </a:p>
-          <a:p>
-            <a:pPr lvl="3"/>
-            <a:r>
-              <a:rPr lang="en-US" dirty="0"/>
-              <a:t> Handle initialization of references, sessions, parameters</a:t>
-            </a:r>
-          </a:p>
-          <a:p>
-            <a:pPr lvl="3"/>
-            <a:r>
-              <a:rPr lang="en-US" dirty="0"/>
-              <a:t>Pass References into Runtime class if necessary, modify object to allow this</a:t>
-            </a:r>
-          </a:p>
-          <a:p>
-            <a:pPr lvl="2"/>
-            <a:r>
-              <a:rPr lang="en-US" dirty="0"/>
-              <a:t>Implement the Input, Processing, and/or Output Methods as needed</a:t>
-            </a:r>
-          </a:p>
-          <a:p>
-            <a:pPr lvl="3"/>
-            <a:r>
-              <a:rPr lang="en-US" dirty="0"/>
-              <a:t>Modify user process.vi to contain references or the Runtime class if needed and process.vi to pass data necessary to `user process.vi`</a:t>
-            </a:r>
-          </a:p>
-          <a:p>
-            <a:pPr lvl="3"/>
-            <a:r>
-              <a:rPr lang="en-US" dirty="0"/>
-              <a:t>Add Processing code to `user process.vi`</a:t>
-            </a:r>
-          </a:p>
-          <a:p>
-            <a:pPr lvl="3"/>
-            <a:r>
-              <a:rPr lang="en-US" dirty="0"/>
-              <a:t>Add code to input.vi to pass necessary sessions or config data to user input.vi</a:t>
-            </a:r>
-          </a:p>
-          <a:p>
-            <a:pPr lvl="3"/>
-            <a:r>
-              <a:rPr lang="en-US" dirty="0"/>
-              <a:t>Add input code to `user input.vi`.</a:t>
-            </a:r>
-          </a:p>
-          <a:p>
-            <a:pPr lvl="3"/>
-            <a:r>
-              <a:rPr lang="en-US" dirty="0"/>
-              <a:t>Repeat for output</a:t>
-            </a:r>
-          </a:p>
-          <a:p>
-            <a:pPr lvl="2"/>
-            <a:r>
-              <a:rPr lang="en-US" dirty="0"/>
-              <a:t>Programming Considerations for Run-State Methods</a:t>
-            </a:r>
-          </a:p>
-          <a:p>
-            <a:pPr lvl="3"/>
-            <a:r>
-              <a:rPr lang="en-US" dirty="0"/>
-              <a:t>Determinism</a:t>
-            </a:r>
-          </a:p>
-          <a:p>
-            <a:pPr lvl="3"/>
-            <a:r>
-              <a:rPr lang="en-US" dirty="0"/>
-              <a:t>Non-blocking execution</a:t>
-            </a:r>
-          </a:p>
-          <a:p>
-            <a:pPr lvl="2"/>
-            <a:r>
-              <a:rPr lang="en-US" dirty="0"/>
-              <a:t>Specifying other properties</a:t>
-            </a:r>
-          </a:p>
-          <a:p>
-            <a:pPr lvl="2"/>
-            <a:r>
-              <a:rPr lang="en-US" dirty="0"/>
-              <a:t>Testing and validation</a:t>
-            </a:r>
-          </a:p>
-        </p:txBody>
-      </p:sp>
-      <p:sp>
-        <p:nvSpPr>
-          <p:cNvPr id="6" name="Content Placeholder 5">
+          <p:cNvPr id="11" name="Content Placeholder 10">
             <a:extLst>
               <a:ext uri="{FF2B5EF4-FFF2-40B4-BE49-F238E27FC236}">
-                <a16:creationId xmlns:a16="http://schemas.microsoft.com/office/drawing/2014/main" id="{33673D65-56B4-4C8E-BEA6-451099666C1B}"/>
+                <a16:creationId xmlns:a16="http://schemas.microsoft.com/office/drawing/2014/main" id="{9CAAC55B-A378-4EAC-9CD7-F4F616E8A6EE}"/>
               </a:ext>
             </a:extLst>
           </p:cNvPr>
@@ -7671,52 +10096,49 @@
             <a:spLocks noGrp="1"/>
           </p:cNvSpPr>
           <p:nvPr>
-            <p:ph sz="half" idx="2"/>
+            <p:ph idx="1"/>
           </p:nvPr>
         </p:nvSpPr>
         <p:spPr/>
         <p:txBody>
-          <a:bodyPr>
-            <a:normAutofit fontScale="77500" lnSpcReduction="20000"/>
-          </a:bodyPr>
+          <a:bodyPr/>
           <a:lstStyle/>
           <a:p>
             <a:r>
               <a:rPr lang="en-US" dirty="0"/>
-              <a:t>Set up the configuration that can be saved and loaded on initiation</a:t>
-            </a:r>
-          </a:p>
-          <a:p>
-            <a:r>
-              <a:rPr lang="en-US" dirty="0"/>
-              <a:t>Examples</a:t>
+              <a:t>Custom PID</a:t>
+            </a:r>
+          </a:p>
+          <a:p>
+            <a:r>
+              <a:rPr lang="en-US" dirty="0"/>
+              <a:t>Channels :</a:t>
             </a:r>
           </a:p>
           <a:p>
             <a:pPr lvl="1"/>
             <a:r>
               <a:rPr lang="en-US" dirty="0"/>
-              <a:t>File Path</a:t>
+              <a:t>Setpoint</a:t>
             </a:r>
           </a:p>
           <a:p>
             <a:pPr lvl="1"/>
             <a:r>
               <a:rPr lang="en-US" dirty="0"/>
-              <a:t>Network address</a:t>
-            </a:r>
-          </a:p>
-          <a:p>
-            <a:pPr lvl="1"/>
-            <a:r>
-              <a:rPr lang="en-US" dirty="0"/>
-              <a:t>Data encoding</a:t>
-            </a:r>
-          </a:p>
-          <a:p>
-            <a:r>
-              <a:rPr lang="en-US" dirty="0"/>
-              <a:t>Avoid directly modifying the UI</a:t>
+              <a:t>Out</a:t>
+            </a:r>
+          </a:p>
+          <a:p>
+            <a:r>
+              <a:rPr lang="en-US" dirty="0"/>
+              <a:t>Choose Icon</a:t>
+            </a:r>
+          </a:p>
+          <a:p>
+            <a:r>
+              <a:rPr lang="en-US" dirty="0"/>
+              <a:t>Update User Process.</a:t>
             </a:r>
           </a:p>
           <a:p>
@@ -7724,64 +10146,359 @@
           </a:p>
         </p:txBody>
       </p:sp>
-      <p:sp>
-        <p:nvSpPr>
-          <p:cNvPr id="7" name="Rectangle 6">
+      <p:graphicFrame>
+        <p:nvGraphicFramePr>
+          <p:cNvPr id="12" name="Table 11">
             <a:extLst>
               <a:ext uri="{FF2B5EF4-FFF2-40B4-BE49-F238E27FC236}">
-                <a16:creationId xmlns:a16="http://schemas.microsoft.com/office/drawing/2014/main" id="{FF6C2A0B-1875-4B04-A3C8-DD81978965DD}"/>
+                <a16:creationId xmlns:a16="http://schemas.microsoft.com/office/drawing/2014/main" id="{05BF63A8-22B7-4097-B64D-3D651841F6AC}"/>
               </a:ext>
             </a:extLst>
           </p:cNvPr>
-          <p:cNvSpPr/>
-          <p:nvPr/>
-        </p:nvSpPr>
-        <p:spPr>
-          <a:xfrm>
-            <a:off x="1207008" y="1571355"/>
-            <a:ext cx="4523232" cy="220869"/>
-          </a:xfrm>
-          <a:prstGeom prst="rect">
-            <a:avLst/>
-          </a:prstGeom>
-          <a:noFill/>
-          <a:ln w="9525" cap="flat" cmpd="sng" algn="ctr">
-            <a:solidFill>
-              <a:srgbClr val="FF0000"/>
-            </a:solidFill>
-            <a:prstDash val="solid"/>
-            <a:round/>
-            <a:headEnd type="none" w="med" len="med"/>
-            <a:tailEnd type="none" w="med" len="med"/>
-          </a:ln>
-        </p:spPr>
-        <p:style>
-          <a:lnRef idx="0">
-            <a:scrgbClr r="0" g="0" b="0"/>
-          </a:lnRef>
-          <a:fillRef idx="0">
-            <a:scrgbClr r="0" g="0" b="0"/>
-          </a:fillRef>
-          <a:effectRef idx="0">
-            <a:scrgbClr r="0" g="0" b="0"/>
-          </a:effectRef>
-          <a:fontRef idx="minor">
-            <a:schemeClr val="dk1"/>
-          </a:fontRef>
-        </p:style>
-        <p:txBody>
-          <a:bodyPr rtlCol="0" anchor="ctr"/>
-          <a:lstStyle/>
-          <a:p>
-            <a:pPr algn="ctr"/>
-            <a:endParaRPr lang="en-US"/>
-          </a:p>
-        </p:txBody>
-      </p:sp>
+          <p:cNvGraphicFramePr>
+            <a:graphicFrameLocks noGrp="1"/>
+          </p:cNvGraphicFramePr>
+          <p:nvPr>
+            <p:extLst>
+              <p:ext uri="{D42A27DB-BD31-4B8C-83A1-F6EECF244321}">
+                <p14:modId xmlns:p14="http://schemas.microsoft.com/office/powerpoint/2010/main" val="2363510993"/>
+              </p:ext>
+            </p:extLst>
+          </p:nvPr>
+        </p:nvGraphicFramePr>
+        <p:xfrm>
+          <a:off x="2395392" y="1735043"/>
+          <a:ext cx="8796813" cy="2743200"/>
+        </p:xfrm>
+        <a:graphic>
+          <a:graphicData uri="http://schemas.openxmlformats.org/drawingml/2006/table">
+            <a:tbl>
+              <a:tblPr firstRow="1" bandRow="1">
+                <a:tableStyleId>{5C22544A-7EE6-4342-B048-85BDC9FD1C3A}</a:tableStyleId>
+              </a:tblPr>
+              <a:tblGrid>
+                <a:gridCol w="2932271">
+                  <a:extLst>
+                    <a:ext uri="{9D8B030D-6E8A-4147-A177-3AD203B41FA5}">
+                      <a16:colId xmlns:a16="http://schemas.microsoft.com/office/drawing/2014/main" val="3145892095"/>
+                    </a:ext>
+                  </a:extLst>
+                </a:gridCol>
+                <a:gridCol w="2932271">
+                  <a:extLst>
+                    <a:ext uri="{9D8B030D-6E8A-4147-A177-3AD203B41FA5}">
+                      <a16:colId xmlns:a16="http://schemas.microsoft.com/office/drawing/2014/main" val="3750683195"/>
+                    </a:ext>
+                  </a:extLst>
+                </a:gridCol>
+                <a:gridCol w="2932271">
+                  <a:extLst>
+                    <a:ext uri="{9D8B030D-6E8A-4147-A177-3AD203B41FA5}">
+                      <a16:colId xmlns:a16="http://schemas.microsoft.com/office/drawing/2014/main" val="893307150"/>
+                    </a:ext>
+                  </a:extLst>
+                </a:gridCol>
+              </a:tblGrid>
+              <a:tr h="370840">
+                <a:tc>
+                  <a:txBody>
+                    <a:bodyPr/>
+                    <a:lstStyle/>
+                    <a:p>
+                      <a:r>
+                        <a:rPr lang="en-US" dirty="0"/>
+                        <a:t>Channel</a:t>
+                      </a:r>
+                    </a:p>
+                  </a:txBody>
+                  <a:tcPr/>
+                </a:tc>
+                <a:tc>
+                  <a:txBody>
+                    <a:bodyPr/>
+                    <a:lstStyle/>
+                    <a:p>
+                      <a:r>
+                        <a:rPr lang="en-US" dirty="0"/>
+                        <a:t>Data Type</a:t>
+                      </a:r>
+                    </a:p>
+                  </a:txBody>
+                  <a:tcPr/>
+                </a:tc>
+                <a:tc>
+                  <a:txBody>
+                    <a:bodyPr/>
+                    <a:lstStyle/>
+                    <a:p>
+                      <a:r>
+                        <a:rPr lang="en-US" dirty="0"/>
+                        <a:t>Channel Type</a:t>
+                      </a:r>
+                    </a:p>
+                  </a:txBody>
+                  <a:tcPr/>
+                </a:tc>
+                <a:extLst>
+                  <a:ext uri="{0D108BD9-81ED-4DB2-BD59-A6C34878D82A}">
+                    <a16:rowId xmlns:a16="http://schemas.microsoft.com/office/drawing/2014/main" val="1003854384"/>
+                  </a:ext>
+                </a:extLst>
+              </a:tr>
+              <a:tr h="370840">
+                <a:tc>
+                  <a:txBody>
+                    <a:bodyPr/>
+                    <a:lstStyle/>
+                    <a:p>
+                      <a:pPr marL="0" marR="0" lvl="0" indent="0" algn="l" defTabSz="1219170" rtl="0" eaLnBrk="1" fontAlgn="auto" latinLnBrk="0" hangingPunct="1">
+                        <a:lnSpc>
+                          <a:spcPct val="100000"/>
+                        </a:lnSpc>
+                        <a:spcBef>
+                          <a:spcPts val="0"/>
+                        </a:spcBef>
+                        <a:spcAft>
+                          <a:spcPts val="0"/>
+                        </a:spcAft>
+                        <a:buClrTx/>
+                        <a:buSzTx/>
+                        <a:buFontTx/>
+                        <a:buNone/>
+                        <a:tabLst/>
+                        <a:defRPr/>
+                      </a:pPr>
+                      <a:r>
+                        <a:rPr lang="en-US" dirty="0"/>
+                        <a:t>Variable</a:t>
+                      </a:r>
+                    </a:p>
+                  </a:txBody>
+                  <a:tcPr/>
+                </a:tc>
+                <a:tc>
+                  <a:txBody>
+                    <a:bodyPr/>
+                    <a:lstStyle/>
+                    <a:p>
+                      <a:r>
+                        <a:rPr lang="en-US" dirty="0"/>
+                        <a:t>Double</a:t>
+                      </a:r>
+                    </a:p>
+                  </a:txBody>
+                  <a:tcPr/>
+                </a:tc>
+                <a:tc>
+                  <a:txBody>
+                    <a:bodyPr/>
+                    <a:lstStyle/>
+                    <a:p>
+                      <a:r>
+                        <a:rPr lang="en-US" dirty="0"/>
+                        <a:t>Process Parameter</a:t>
+                      </a:r>
+                    </a:p>
+                  </a:txBody>
+                  <a:tcPr/>
+                </a:tc>
+                <a:extLst>
+                  <a:ext uri="{0D108BD9-81ED-4DB2-BD59-A6C34878D82A}">
+                    <a16:rowId xmlns:a16="http://schemas.microsoft.com/office/drawing/2014/main" val="2507582932"/>
+                  </a:ext>
+                </a:extLst>
+              </a:tr>
+              <a:tr h="370840">
+                <a:tc>
+                  <a:txBody>
+                    <a:bodyPr/>
+                    <a:lstStyle/>
+                    <a:p>
+                      <a:r>
+                        <a:rPr lang="en-US" dirty="0"/>
+                        <a:t>Setpoint</a:t>
+                      </a:r>
+                    </a:p>
+                  </a:txBody>
+                  <a:tcPr/>
+                </a:tc>
+                <a:tc>
+                  <a:txBody>
+                    <a:bodyPr/>
+                    <a:lstStyle/>
+                    <a:p>
+                      <a:r>
+                        <a:rPr lang="en-US" dirty="0"/>
+                        <a:t>Double</a:t>
+                      </a:r>
+                    </a:p>
+                  </a:txBody>
+                  <a:tcPr/>
+                </a:tc>
+                <a:tc>
+                  <a:txBody>
+                    <a:bodyPr/>
+                    <a:lstStyle/>
+                    <a:p>
+                      <a:pPr marL="0" marR="0" lvl="0" indent="0" algn="l" defTabSz="1219170" rtl="0" eaLnBrk="1" fontAlgn="auto" latinLnBrk="0" hangingPunct="1">
+                        <a:lnSpc>
+                          <a:spcPct val="100000"/>
+                        </a:lnSpc>
+                        <a:spcBef>
+                          <a:spcPts val="0"/>
+                        </a:spcBef>
+                        <a:spcAft>
+                          <a:spcPts val="0"/>
+                        </a:spcAft>
+                        <a:buClrTx/>
+                        <a:buSzTx/>
+                        <a:buFontTx/>
+                        <a:buNone/>
+                        <a:tabLst/>
+                        <a:defRPr/>
+                      </a:pPr>
+                      <a:r>
+                        <a:rPr lang="en-US" dirty="0"/>
+                        <a:t>Process Parameter</a:t>
+                      </a:r>
+                    </a:p>
+                  </a:txBody>
+                  <a:tcPr/>
+                </a:tc>
+                <a:extLst>
+                  <a:ext uri="{0D108BD9-81ED-4DB2-BD59-A6C34878D82A}">
+                    <a16:rowId xmlns:a16="http://schemas.microsoft.com/office/drawing/2014/main" val="3110449280"/>
+                  </a:ext>
+                </a:extLst>
+              </a:tr>
+              <a:tr h="370840">
+                <a:tc>
+                  <a:txBody>
+                    <a:bodyPr/>
+                    <a:lstStyle/>
+                    <a:p>
+                      <a:r>
+                        <a:rPr lang="en-US" dirty="0"/>
+                        <a:t>Output</a:t>
+                      </a:r>
+                    </a:p>
+                  </a:txBody>
+                  <a:tcPr/>
+                </a:tc>
+                <a:tc>
+                  <a:txBody>
+                    <a:bodyPr/>
+                    <a:lstStyle/>
+                    <a:p>
+                      <a:r>
+                        <a:rPr lang="en-US" dirty="0"/>
+                        <a:t>Double</a:t>
+                      </a:r>
+                    </a:p>
+                  </a:txBody>
+                  <a:tcPr/>
+                </a:tc>
+                <a:tc>
+                  <a:txBody>
+                    <a:bodyPr/>
+                    <a:lstStyle/>
+                    <a:p>
+                      <a:r>
+                        <a:rPr lang="en-US" dirty="0"/>
+                        <a:t>Result</a:t>
+                      </a:r>
+                    </a:p>
+                  </a:txBody>
+                  <a:tcPr/>
+                </a:tc>
+                <a:extLst>
+                  <a:ext uri="{0D108BD9-81ED-4DB2-BD59-A6C34878D82A}">
+                    <a16:rowId xmlns:a16="http://schemas.microsoft.com/office/drawing/2014/main" val="1709584318"/>
+                  </a:ext>
+                </a:extLst>
+              </a:tr>
+              <a:tr h="370840">
+                <a:tc>
+                  <a:txBody>
+                    <a:bodyPr/>
+                    <a:lstStyle/>
+                    <a:p>
+                      <a:endParaRPr lang="en-US"/>
+                    </a:p>
+                  </a:txBody>
+                  <a:tcPr/>
+                </a:tc>
+                <a:tc>
+                  <a:txBody>
+                    <a:bodyPr/>
+                    <a:lstStyle/>
+                    <a:p>
+                      <a:endParaRPr lang="en-US" dirty="0"/>
+                    </a:p>
+                  </a:txBody>
+                  <a:tcPr/>
+                </a:tc>
+                <a:tc>
+                  <a:txBody>
+                    <a:bodyPr/>
+                    <a:lstStyle/>
+                    <a:p>
+                      <a:endParaRPr lang="en-US" dirty="0"/>
+                    </a:p>
+                  </a:txBody>
+                  <a:tcPr/>
+                </a:tc>
+                <a:extLst>
+                  <a:ext uri="{0D108BD9-81ED-4DB2-BD59-A6C34878D82A}">
+                    <a16:rowId xmlns:a16="http://schemas.microsoft.com/office/drawing/2014/main" val="2150168525"/>
+                  </a:ext>
+                </a:extLst>
+              </a:tr>
+              <a:tr h="370840">
+                <a:tc>
+                  <a:txBody>
+                    <a:bodyPr/>
+                    <a:lstStyle/>
+                    <a:p>
+                      <a:endParaRPr lang="en-US"/>
+                    </a:p>
+                  </a:txBody>
+                  <a:tcPr/>
+                </a:tc>
+                <a:tc>
+                  <a:txBody>
+                    <a:bodyPr/>
+                    <a:lstStyle/>
+                    <a:p>
+                      <a:endParaRPr lang="en-US" dirty="0"/>
+                    </a:p>
+                  </a:txBody>
+                  <a:tcPr/>
+                </a:tc>
+                <a:tc>
+                  <a:txBody>
+                    <a:bodyPr/>
+                    <a:lstStyle/>
+                    <a:p>
+                      <a:endParaRPr lang="en-US" dirty="0"/>
+                    </a:p>
+                  </a:txBody>
+                  <a:tcPr/>
+                </a:tc>
+                <a:extLst>
+                  <a:ext uri="{0D108BD9-81ED-4DB2-BD59-A6C34878D82A}">
+                    <a16:rowId xmlns:a16="http://schemas.microsoft.com/office/drawing/2014/main" val="2537519005"/>
+                  </a:ext>
+                </a:extLst>
+              </a:tr>
+            </a:tbl>
+          </a:graphicData>
+        </a:graphic>
+      </p:graphicFrame>
     </p:spTree>
     <p:extLst>
       <p:ext uri="{BB962C8B-B14F-4D97-AF65-F5344CB8AC3E}">
-        <p14:creationId xmlns:p14="http://schemas.microsoft.com/office/powerpoint/2010/main" val="1476541691"/>
+        <p14:creationId xmlns:p14="http://schemas.microsoft.com/office/powerpoint/2010/main" val="1488126687"/>
       </p:ext>
     </p:extLst>
   </p:cSld>
@@ -7792,6 +10509,989 @@
 </file>
 
 <file path=ppt/slides/slide12.xml><?xml version="1.0" encoding="utf-8"?>
+<p:sld xmlns:a="http://schemas.openxmlformats.org/drawingml/2006/main" xmlns:r="http://schemas.openxmlformats.org/officeDocument/2006/relationships" xmlns:p="http://schemas.openxmlformats.org/presentationml/2006/main">
+  <p:cSld>
+    <p:spTree>
+      <p:nvGrpSpPr>
+        <p:cNvPr id="1" name=""/>
+        <p:cNvGrpSpPr/>
+        <p:nvPr/>
+      </p:nvGrpSpPr>
+      <p:grpSpPr>
+        <a:xfrm>
+          <a:off x="0" y="0"/>
+          <a:ext cx="0" cy="0"/>
+          <a:chOff x="0" y="0"/>
+          <a:chExt cx="0" cy="0"/>
+        </a:xfrm>
+      </p:grpSpPr>
+      <p:sp>
+        <p:nvSpPr>
+          <p:cNvPr id="4" name="Text Placeholder 3">
+            <a:extLst>
+              <a:ext uri="{FF2B5EF4-FFF2-40B4-BE49-F238E27FC236}">
+                <a16:creationId xmlns:a16="http://schemas.microsoft.com/office/drawing/2014/main" id="{A2B59074-74A0-453D-9454-94B57E9B106C}"/>
+              </a:ext>
+            </a:extLst>
+          </p:cNvPr>
+          <p:cNvSpPr>
+            <a:spLocks noGrp="1"/>
+          </p:cNvSpPr>
+          <p:nvPr>
+            <p:ph type="body" sz="quarter" idx="10"/>
+          </p:nvPr>
+        </p:nvSpPr>
+        <p:spPr/>
+        <p:txBody>
+          <a:bodyPr/>
+          <a:lstStyle/>
+          <a:p>
+            <a:r>
+              <a:rPr lang="en-US" dirty="0"/>
+              <a:t>Exercise 1 Custom PID</a:t>
+            </a:r>
+          </a:p>
+          <a:p>
+            <a:r>
+              <a:rPr lang="en-US" dirty="0"/>
+              <a:t>Dev Guide 4.1 </a:t>
+            </a:r>
+          </a:p>
+        </p:txBody>
+      </p:sp>
+    </p:spTree>
+    <p:extLst>
+      <p:ext uri="{BB962C8B-B14F-4D97-AF65-F5344CB8AC3E}">
+        <p14:creationId xmlns:p14="http://schemas.microsoft.com/office/powerpoint/2010/main" val="2437472722"/>
+      </p:ext>
+    </p:extLst>
+  </p:cSld>
+  <p:clrMapOvr>
+    <a:masterClrMapping/>
+  </p:clrMapOvr>
+</p:sld>
+</file>
+
+<file path=ppt/slides/slide13.xml><?xml version="1.0" encoding="utf-8"?>
+<p:sld xmlns:a="http://schemas.openxmlformats.org/drawingml/2006/main" xmlns:r="http://schemas.openxmlformats.org/officeDocument/2006/relationships" xmlns:p="http://schemas.openxmlformats.org/presentationml/2006/main">
+  <p:cSld>
+    <p:spTree>
+      <p:nvGrpSpPr>
+        <p:cNvPr id="1" name=""/>
+        <p:cNvGrpSpPr/>
+        <p:nvPr/>
+      </p:nvGrpSpPr>
+      <p:grpSpPr>
+        <a:xfrm>
+          <a:off x="0" y="0"/>
+          <a:ext cx="0" cy="0"/>
+          <a:chOff x="0" y="0"/>
+          <a:chExt cx="0" cy="0"/>
+        </a:xfrm>
+      </p:grpSpPr>
+      <p:sp>
+        <p:nvSpPr>
+          <p:cNvPr id="3" name="Title 2">
+            <a:extLst>
+              <a:ext uri="{FF2B5EF4-FFF2-40B4-BE49-F238E27FC236}">
+                <a16:creationId xmlns:a16="http://schemas.microsoft.com/office/drawing/2014/main" id="{9D199B06-5D64-45FA-A3FF-B5A3A13CE919}"/>
+              </a:ext>
+            </a:extLst>
+          </p:cNvPr>
+          <p:cNvSpPr>
+            <a:spLocks noGrp="1"/>
+          </p:cNvSpPr>
+          <p:nvPr>
+            <p:ph type="title"/>
+          </p:nvPr>
+        </p:nvSpPr>
+        <p:spPr/>
+        <p:txBody>
+          <a:bodyPr/>
+          <a:lstStyle/>
+          <a:p>
+            <a:r>
+              <a:rPr lang="en-US" dirty="0"/>
+              <a:t>Scripting Utility</a:t>
+            </a:r>
+          </a:p>
+        </p:txBody>
+      </p:sp>
+      <p:sp>
+        <p:nvSpPr>
+          <p:cNvPr id="4" name="Content Placeholder 3">
+            <a:extLst>
+              <a:ext uri="{FF2B5EF4-FFF2-40B4-BE49-F238E27FC236}">
+                <a16:creationId xmlns:a16="http://schemas.microsoft.com/office/drawing/2014/main" id="{A94C03DB-D35C-44CE-ADBA-4A05D26EB5C0}"/>
+              </a:ext>
+            </a:extLst>
+          </p:cNvPr>
+          <p:cNvSpPr>
+            <a:spLocks noGrp="1"/>
+          </p:cNvSpPr>
+          <p:nvPr>
+            <p:ph idx="1"/>
+          </p:nvPr>
+        </p:nvSpPr>
+        <p:spPr/>
+        <p:txBody>
+          <a:bodyPr/>
+          <a:lstStyle/>
+          <a:p>
+            <a:r>
+              <a:rPr lang="en-US" dirty="0"/>
+              <a:t>Need to update the channels?</a:t>
+            </a:r>
+          </a:p>
+          <a:p>
+            <a:endParaRPr lang="en-US" dirty="0"/>
+          </a:p>
+        </p:txBody>
+      </p:sp>
+      <p:pic>
+        <p:nvPicPr>
+          <p:cNvPr id="5" name="picture">
+            <a:extLst>
+              <a:ext uri="{FF2B5EF4-FFF2-40B4-BE49-F238E27FC236}">
+                <a16:creationId xmlns:a16="http://schemas.microsoft.com/office/drawing/2014/main" id="{978B2356-D749-46B9-860E-1CCE38753599}"/>
+              </a:ext>
+            </a:extLst>
+          </p:cNvPr>
+          <p:cNvPicPr/>
+          <p:nvPr/>
+        </p:nvPicPr>
+        <p:blipFill>
+          <a:blip r:embed="rId2">
+            <a:extLst>
+              <a:ext uri="{28A0092B-C50C-407E-A947-70E740481C1C}">
+                <a14:useLocalDpi xmlns:a14="http://schemas.microsoft.com/office/drawing/2010/main" val="0"/>
+              </a:ext>
+            </a:extLst>
+          </a:blip>
+          <a:stretch>
+            <a:fillRect/>
+          </a:stretch>
+        </p:blipFill>
+        <p:spPr>
+          <a:xfrm>
+            <a:off x="1290258" y="1621237"/>
+            <a:ext cx="9418881" cy="4162483"/>
+          </a:xfrm>
+          <a:prstGeom prst="rect">
+            <a:avLst/>
+          </a:prstGeom>
+        </p:spPr>
+      </p:pic>
+    </p:spTree>
+    <p:extLst>
+      <p:ext uri="{BB962C8B-B14F-4D97-AF65-F5344CB8AC3E}">
+        <p14:creationId xmlns:p14="http://schemas.microsoft.com/office/powerpoint/2010/main" val="1134819213"/>
+      </p:ext>
+    </p:extLst>
+  </p:cSld>
+  <p:clrMapOvr>
+    <a:masterClrMapping/>
+  </p:clrMapOvr>
+</p:sld>
+</file>
+
+<file path=ppt/slides/slide14.xml><?xml version="1.0" encoding="utf-8"?>
+<p:sld xmlns:a="http://schemas.openxmlformats.org/drawingml/2006/main" xmlns:r="http://schemas.openxmlformats.org/officeDocument/2006/relationships" xmlns:p="http://schemas.openxmlformats.org/presentationml/2006/main">
+  <p:cSld>
+    <p:spTree>
+      <p:nvGrpSpPr>
+        <p:cNvPr id="1" name=""/>
+        <p:cNvGrpSpPr/>
+        <p:nvPr/>
+      </p:nvGrpSpPr>
+      <p:grpSpPr>
+        <a:xfrm>
+          <a:off x="0" y="0"/>
+          <a:ext cx="0" cy="0"/>
+          <a:chOff x="0" y="0"/>
+          <a:chExt cx="0" cy="0"/>
+        </a:xfrm>
+      </p:grpSpPr>
+      <p:sp>
+        <p:nvSpPr>
+          <p:cNvPr id="2" name="Title 1">
+            <a:extLst>
+              <a:ext uri="{FF2B5EF4-FFF2-40B4-BE49-F238E27FC236}">
+                <a16:creationId xmlns:a16="http://schemas.microsoft.com/office/drawing/2014/main" id="{5C1889FA-4A0E-4FB9-8F9E-D52E3A52AF66}"/>
+              </a:ext>
+            </a:extLst>
+          </p:cNvPr>
+          <p:cNvSpPr>
+            <a:spLocks noGrp="1"/>
+          </p:cNvSpPr>
+          <p:nvPr>
+            <p:ph type="title"/>
+          </p:nvPr>
+        </p:nvSpPr>
+        <p:spPr/>
+        <p:txBody>
+          <a:bodyPr/>
+          <a:lstStyle/>
+          <a:p>
+            <a:r>
+              <a:rPr lang="en-US" dirty="0"/>
+              <a:t>Scripting Utility</a:t>
+            </a:r>
+          </a:p>
+        </p:txBody>
+      </p:sp>
+      <p:pic>
+        <p:nvPicPr>
+          <p:cNvPr id="4" name="picture">
+            <a:extLst>
+              <a:ext uri="{FF2B5EF4-FFF2-40B4-BE49-F238E27FC236}">
+                <a16:creationId xmlns:a16="http://schemas.microsoft.com/office/drawing/2014/main" id="{8B0D1FAD-AB1D-430A-AF4E-16682190A18B}"/>
+              </a:ext>
+            </a:extLst>
+          </p:cNvPr>
+          <p:cNvPicPr>
+            <a:picLocks noGrp="1"/>
+          </p:cNvPicPr>
+          <p:nvPr>
+            <p:ph idx="1"/>
+          </p:nvPr>
+        </p:nvPicPr>
+        <p:blipFill>
+          <a:blip r:embed="rId2">
+            <a:extLst>
+              <a:ext uri="{28A0092B-C50C-407E-A947-70E740481C1C}">
+                <a14:useLocalDpi xmlns:a14="http://schemas.microsoft.com/office/drawing/2010/main" val="0"/>
+              </a:ext>
+            </a:extLst>
+          </a:blip>
+          <a:stretch>
+            <a:fillRect/>
+          </a:stretch>
+        </p:blipFill>
+        <p:spPr>
+          <a:xfrm>
+            <a:off x="1660506" y="3085400"/>
+            <a:ext cx="8655946" cy="2703932"/>
+          </a:xfrm>
+          <a:prstGeom prst="rect">
+            <a:avLst/>
+          </a:prstGeom>
+        </p:spPr>
+      </p:pic>
+      <p:pic>
+        <p:nvPicPr>
+          <p:cNvPr id="6" name="Content Placeholder 5">
+            <a:extLst>
+              <a:ext uri="{FF2B5EF4-FFF2-40B4-BE49-F238E27FC236}">
+                <a16:creationId xmlns:a16="http://schemas.microsoft.com/office/drawing/2014/main" id="{B8FFE9AB-2A7A-493B-8773-750D20A3F28C}"/>
+              </a:ext>
+            </a:extLst>
+          </p:cNvPr>
+          <p:cNvPicPr>
+            <a:picLocks noChangeAspect="1"/>
+          </p:cNvPicPr>
+          <p:nvPr/>
+        </p:nvPicPr>
+        <p:blipFill>
+          <a:blip r:embed="rId3"/>
+          <a:stretch>
+            <a:fillRect/>
+          </a:stretch>
+        </p:blipFill>
+        <p:spPr>
+          <a:xfrm>
+            <a:off x="929359" y="1124413"/>
+            <a:ext cx="10333281" cy="1719764"/>
+          </a:xfrm>
+          <a:prstGeom prst="rect">
+            <a:avLst/>
+          </a:prstGeom>
+        </p:spPr>
+      </p:pic>
+    </p:spTree>
+    <p:extLst>
+      <p:ext uri="{BB962C8B-B14F-4D97-AF65-F5344CB8AC3E}">
+        <p14:creationId xmlns:p14="http://schemas.microsoft.com/office/powerpoint/2010/main" val="4284492222"/>
+      </p:ext>
+    </p:extLst>
+  </p:cSld>
+  <p:clrMapOvr>
+    <a:masterClrMapping/>
+  </p:clrMapOvr>
+</p:sld>
+</file>
+
+<file path=ppt/slides/slide15.xml><?xml version="1.0" encoding="utf-8"?>
+<p:sld xmlns:a="http://schemas.openxmlformats.org/drawingml/2006/main" xmlns:r="http://schemas.openxmlformats.org/officeDocument/2006/relationships" xmlns:p="http://schemas.openxmlformats.org/presentationml/2006/main">
+  <p:cSld>
+    <p:spTree>
+      <p:nvGrpSpPr>
+        <p:cNvPr id="1" name=""/>
+        <p:cNvGrpSpPr/>
+        <p:nvPr/>
+      </p:nvGrpSpPr>
+      <p:grpSpPr>
+        <a:xfrm>
+          <a:off x="0" y="0"/>
+          <a:ext cx="0" cy="0"/>
+          <a:chOff x="0" y="0"/>
+          <a:chExt cx="0" cy="0"/>
+        </a:xfrm>
+      </p:grpSpPr>
+      <p:sp>
+        <p:nvSpPr>
+          <p:cNvPr id="10" name="Title 9">
+            <a:extLst>
+              <a:ext uri="{FF2B5EF4-FFF2-40B4-BE49-F238E27FC236}">
+                <a16:creationId xmlns:a16="http://schemas.microsoft.com/office/drawing/2014/main" id="{63D2B5D8-D1B8-45C7-B898-34578E9406CF}"/>
+              </a:ext>
+            </a:extLst>
+          </p:cNvPr>
+          <p:cNvSpPr>
+            <a:spLocks noGrp="1"/>
+          </p:cNvSpPr>
+          <p:nvPr>
+            <p:ph type="title"/>
+          </p:nvPr>
+        </p:nvSpPr>
+        <p:spPr/>
+        <p:txBody>
+          <a:bodyPr/>
+          <a:lstStyle/>
+          <a:p>
+            <a:r>
+              <a:rPr lang="en-US" dirty="0"/>
+              <a:t>Project 1B</a:t>
+            </a:r>
+          </a:p>
+        </p:txBody>
+      </p:sp>
+      <p:sp>
+        <p:nvSpPr>
+          <p:cNvPr id="11" name="Content Placeholder 10">
+            <a:extLst>
+              <a:ext uri="{FF2B5EF4-FFF2-40B4-BE49-F238E27FC236}">
+                <a16:creationId xmlns:a16="http://schemas.microsoft.com/office/drawing/2014/main" id="{9CAAC55B-A378-4EAC-9CD7-F4F616E8A6EE}"/>
+              </a:ext>
+            </a:extLst>
+          </p:cNvPr>
+          <p:cNvSpPr>
+            <a:spLocks noGrp="1"/>
+          </p:cNvSpPr>
+          <p:nvPr>
+            <p:ph idx="1"/>
+          </p:nvPr>
+        </p:nvSpPr>
+        <p:spPr/>
+        <p:txBody>
+          <a:bodyPr/>
+          <a:lstStyle/>
+          <a:p>
+            <a:r>
+              <a:rPr lang="en-US" dirty="0"/>
+              <a:t>Custom PID</a:t>
+            </a:r>
+          </a:p>
+          <a:p>
+            <a:r>
+              <a:rPr lang="en-US" dirty="0"/>
+              <a:t>Channels :</a:t>
+            </a:r>
+          </a:p>
+          <a:p>
+            <a:endParaRPr lang="en-US" dirty="0"/>
+          </a:p>
+          <a:p>
+            <a:endParaRPr lang="en-US" dirty="0"/>
+          </a:p>
+          <a:p>
+            <a:endParaRPr lang="en-US" dirty="0"/>
+          </a:p>
+          <a:p>
+            <a:endParaRPr lang="en-US" dirty="0"/>
+          </a:p>
+          <a:p>
+            <a:endParaRPr lang="en-US" dirty="0"/>
+          </a:p>
+          <a:p>
+            <a:endParaRPr lang="en-US" dirty="0"/>
+          </a:p>
+          <a:p>
+            <a:endParaRPr lang="en-US" dirty="0"/>
+          </a:p>
+          <a:p>
+            <a:endParaRPr lang="en-US" dirty="0"/>
+          </a:p>
+          <a:p>
+            <a:r>
+              <a:rPr lang="en-US" dirty="0"/>
+              <a:t>Update User Process.</a:t>
+            </a:r>
+          </a:p>
+          <a:p>
+            <a:endParaRPr lang="en-US" dirty="0"/>
+          </a:p>
+        </p:txBody>
+      </p:sp>
+      <p:graphicFrame>
+        <p:nvGraphicFramePr>
+          <p:cNvPr id="4" name="Table 3">
+            <a:extLst>
+              <a:ext uri="{FF2B5EF4-FFF2-40B4-BE49-F238E27FC236}">
+                <a16:creationId xmlns:a16="http://schemas.microsoft.com/office/drawing/2014/main" id="{4906E504-F436-45F2-8697-6F3EF823C277}"/>
+              </a:ext>
+            </a:extLst>
+          </p:cNvPr>
+          <p:cNvGraphicFramePr>
+            <a:graphicFrameLocks noGrp="1"/>
+          </p:cNvGraphicFramePr>
+          <p:nvPr>
+            <p:extLst>
+              <p:ext uri="{D42A27DB-BD31-4B8C-83A1-F6EECF244321}">
+                <p14:modId xmlns:p14="http://schemas.microsoft.com/office/powerpoint/2010/main" val="3165191928"/>
+              </p:ext>
+            </p:extLst>
+          </p:nvPr>
+        </p:nvGraphicFramePr>
+        <p:xfrm>
+          <a:off x="852693" y="1892118"/>
+          <a:ext cx="8796813" cy="3200400"/>
+        </p:xfrm>
+        <a:graphic>
+          <a:graphicData uri="http://schemas.openxmlformats.org/drawingml/2006/table">
+            <a:tbl>
+              <a:tblPr firstRow="1" bandRow="1">
+                <a:tableStyleId>{5C22544A-7EE6-4342-B048-85BDC9FD1C3A}</a:tableStyleId>
+              </a:tblPr>
+              <a:tblGrid>
+                <a:gridCol w="2932271">
+                  <a:extLst>
+                    <a:ext uri="{9D8B030D-6E8A-4147-A177-3AD203B41FA5}">
+                      <a16:colId xmlns:a16="http://schemas.microsoft.com/office/drawing/2014/main" val="3145892095"/>
+                    </a:ext>
+                  </a:extLst>
+                </a:gridCol>
+                <a:gridCol w="2932271">
+                  <a:extLst>
+                    <a:ext uri="{9D8B030D-6E8A-4147-A177-3AD203B41FA5}">
+                      <a16:colId xmlns:a16="http://schemas.microsoft.com/office/drawing/2014/main" val="3750683195"/>
+                    </a:ext>
+                  </a:extLst>
+                </a:gridCol>
+                <a:gridCol w="2932271">
+                  <a:extLst>
+                    <a:ext uri="{9D8B030D-6E8A-4147-A177-3AD203B41FA5}">
+                      <a16:colId xmlns:a16="http://schemas.microsoft.com/office/drawing/2014/main" val="893307150"/>
+                    </a:ext>
+                  </a:extLst>
+                </a:gridCol>
+              </a:tblGrid>
+              <a:tr h="370840">
+                <a:tc>
+                  <a:txBody>
+                    <a:bodyPr/>
+                    <a:lstStyle/>
+                    <a:p>
+                      <a:r>
+                        <a:rPr lang="en-US" dirty="0"/>
+                        <a:t>Channel</a:t>
+                      </a:r>
+                    </a:p>
+                  </a:txBody>
+                  <a:tcPr/>
+                </a:tc>
+                <a:tc>
+                  <a:txBody>
+                    <a:bodyPr/>
+                    <a:lstStyle/>
+                    <a:p>
+                      <a:r>
+                        <a:rPr lang="en-US" dirty="0"/>
+                        <a:t>Data Type</a:t>
+                      </a:r>
+                    </a:p>
+                  </a:txBody>
+                  <a:tcPr/>
+                </a:tc>
+                <a:tc>
+                  <a:txBody>
+                    <a:bodyPr/>
+                    <a:lstStyle/>
+                    <a:p>
+                      <a:r>
+                        <a:rPr lang="en-US" dirty="0"/>
+                        <a:t>Channel Type</a:t>
+                      </a:r>
+                    </a:p>
+                  </a:txBody>
+                  <a:tcPr/>
+                </a:tc>
+                <a:extLst>
+                  <a:ext uri="{0D108BD9-81ED-4DB2-BD59-A6C34878D82A}">
+                    <a16:rowId xmlns:a16="http://schemas.microsoft.com/office/drawing/2014/main" val="1003854384"/>
+                  </a:ext>
+                </a:extLst>
+              </a:tr>
+              <a:tr h="370840">
+                <a:tc>
+                  <a:txBody>
+                    <a:bodyPr/>
+                    <a:lstStyle/>
+                    <a:p>
+                      <a:pPr marL="0" marR="0" lvl="0" indent="0" algn="l" defTabSz="1219170" rtl="0" eaLnBrk="1" fontAlgn="auto" latinLnBrk="0" hangingPunct="1">
+                        <a:lnSpc>
+                          <a:spcPct val="100000"/>
+                        </a:lnSpc>
+                        <a:spcBef>
+                          <a:spcPts val="0"/>
+                        </a:spcBef>
+                        <a:spcAft>
+                          <a:spcPts val="0"/>
+                        </a:spcAft>
+                        <a:buClrTx/>
+                        <a:buSzTx/>
+                        <a:buFontTx/>
+                        <a:buNone/>
+                        <a:tabLst/>
+                        <a:defRPr/>
+                      </a:pPr>
+                      <a:r>
+                        <a:rPr lang="en-US" dirty="0"/>
+                        <a:t>Variable</a:t>
+                      </a:r>
+                    </a:p>
+                  </a:txBody>
+                  <a:tcPr/>
+                </a:tc>
+                <a:tc>
+                  <a:txBody>
+                    <a:bodyPr/>
+                    <a:lstStyle/>
+                    <a:p>
+                      <a:r>
+                        <a:rPr lang="en-US" dirty="0"/>
+                        <a:t>Double</a:t>
+                      </a:r>
+                    </a:p>
+                  </a:txBody>
+                  <a:tcPr/>
+                </a:tc>
+                <a:tc>
+                  <a:txBody>
+                    <a:bodyPr/>
+                    <a:lstStyle/>
+                    <a:p>
+                      <a:r>
+                        <a:rPr lang="en-US" dirty="0"/>
+                        <a:t>Process Parameter</a:t>
+                      </a:r>
+                    </a:p>
+                  </a:txBody>
+                  <a:tcPr/>
+                </a:tc>
+                <a:extLst>
+                  <a:ext uri="{0D108BD9-81ED-4DB2-BD59-A6C34878D82A}">
+                    <a16:rowId xmlns:a16="http://schemas.microsoft.com/office/drawing/2014/main" val="2507582932"/>
+                  </a:ext>
+                </a:extLst>
+              </a:tr>
+              <a:tr h="370840">
+                <a:tc>
+                  <a:txBody>
+                    <a:bodyPr/>
+                    <a:lstStyle/>
+                    <a:p>
+                      <a:r>
+                        <a:rPr lang="en-US" dirty="0"/>
+                        <a:t>Setpoint</a:t>
+                      </a:r>
+                    </a:p>
+                  </a:txBody>
+                  <a:tcPr/>
+                </a:tc>
+                <a:tc>
+                  <a:txBody>
+                    <a:bodyPr/>
+                    <a:lstStyle/>
+                    <a:p>
+                      <a:r>
+                        <a:rPr lang="en-US" dirty="0"/>
+                        <a:t>Double</a:t>
+                      </a:r>
+                    </a:p>
+                  </a:txBody>
+                  <a:tcPr/>
+                </a:tc>
+                <a:tc>
+                  <a:txBody>
+                    <a:bodyPr/>
+                    <a:lstStyle/>
+                    <a:p>
+                      <a:pPr marL="0" marR="0" lvl="0" indent="0" algn="l" defTabSz="1219170" rtl="0" eaLnBrk="1" fontAlgn="auto" latinLnBrk="0" hangingPunct="1">
+                        <a:lnSpc>
+                          <a:spcPct val="100000"/>
+                        </a:lnSpc>
+                        <a:spcBef>
+                          <a:spcPts val="0"/>
+                        </a:spcBef>
+                        <a:spcAft>
+                          <a:spcPts val="0"/>
+                        </a:spcAft>
+                        <a:buClrTx/>
+                        <a:buSzTx/>
+                        <a:buFontTx/>
+                        <a:buNone/>
+                        <a:tabLst/>
+                        <a:defRPr/>
+                      </a:pPr>
+                      <a:r>
+                        <a:rPr lang="en-US" dirty="0"/>
+                        <a:t>Process Parameter</a:t>
+                      </a:r>
+                    </a:p>
+                  </a:txBody>
+                  <a:tcPr/>
+                </a:tc>
+                <a:extLst>
+                  <a:ext uri="{0D108BD9-81ED-4DB2-BD59-A6C34878D82A}">
+                    <a16:rowId xmlns:a16="http://schemas.microsoft.com/office/drawing/2014/main" val="3110449280"/>
+                  </a:ext>
+                </a:extLst>
+              </a:tr>
+              <a:tr h="370840">
+                <a:tc>
+                  <a:txBody>
+                    <a:bodyPr/>
+                    <a:lstStyle/>
+                    <a:p>
+                      <a:r>
+                        <a:rPr lang="en-US" dirty="0"/>
+                        <a:t>Output</a:t>
+                      </a:r>
+                    </a:p>
+                  </a:txBody>
+                  <a:tcPr/>
+                </a:tc>
+                <a:tc>
+                  <a:txBody>
+                    <a:bodyPr/>
+                    <a:lstStyle/>
+                    <a:p>
+                      <a:r>
+                        <a:rPr lang="en-US" dirty="0"/>
+                        <a:t>Double</a:t>
+                      </a:r>
+                    </a:p>
+                  </a:txBody>
+                  <a:tcPr/>
+                </a:tc>
+                <a:tc>
+                  <a:txBody>
+                    <a:bodyPr/>
+                    <a:lstStyle/>
+                    <a:p>
+                      <a:r>
+                        <a:rPr lang="en-US" dirty="0"/>
+                        <a:t>Result</a:t>
+                      </a:r>
+                    </a:p>
+                  </a:txBody>
+                  <a:tcPr/>
+                </a:tc>
+                <a:extLst>
+                  <a:ext uri="{0D108BD9-81ED-4DB2-BD59-A6C34878D82A}">
+                    <a16:rowId xmlns:a16="http://schemas.microsoft.com/office/drawing/2014/main" val="1709584318"/>
+                  </a:ext>
+                </a:extLst>
+              </a:tr>
+              <a:tr h="370840">
+                <a:tc>
+                  <a:txBody>
+                    <a:bodyPr/>
+                    <a:lstStyle/>
+                    <a:p>
+                      <a:r>
+                        <a:rPr lang="en-US" dirty="0"/>
+                        <a:t>P</a:t>
+                      </a:r>
+                    </a:p>
+                  </a:txBody>
+                  <a:tcPr/>
+                </a:tc>
+                <a:tc>
+                  <a:txBody>
+                    <a:bodyPr/>
+                    <a:lstStyle/>
+                    <a:p>
+                      <a:pPr marL="0" marR="0" lvl="0" indent="0" algn="l" defTabSz="1219170" rtl="0" eaLnBrk="1" fontAlgn="auto" latinLnBrk="0" hangingPunct="1">
+                        <a:lnSpc>
+                          <a:spcPct val="100000"/>
+                        </a:lnSpc>
+                        <a:spcBef>
+                          <a:spcPts val="0"/>
+                        </a:spcBef>
+                        <a:spcAft>
+                          <a:spcPts val="0"/>
+                        </a:spcAft>
+                        <a:buClrTx/>
+                        <a:buSzTx/>
+                        <a:buFontTx/>
+                        <a:buNone/>
+                        <a:tabLst/>
+                        <a:defRPr/>
+                      </a:pPr>
+                      <a:r>
+                        <a:rPr lang="en-US" dirty="0"/>
+                        <a:t>Double</a:t>
+                      </a:r>
+                    </a:p>
+                  </a:txBody>
+                  <a:tcPr/>
+                </a:tc>
+                <a:tc>
+                  <a:txBody>
+                    <a:bodyPr/>
+                    <a:lstStyle/>
+                    <a:p>
+                      <a:pPr marL="0" marR="0" lvl="0" indent="0" algn="l" defTabSz="1219170" rtl="0" eaLnBrk="1" fontAlgn="auto" latinLnBrk="0" hangingPunct="1">
+                        <a:lnSpc>
+                          <a:spcPct val="100000"/>
+                        </a:lnSpc>
+                        <a:spcBef>
+                          <a:spcPts val="0"/>
+                        </a:spcBef>
+                        <a:spcAft>
+                          <a:spcPts val="0"/>
+                        </a:spcAft>
+                        <a:buClrTx/>
+                        <a:buSzTx/>
+                        <a:buFontTx/>
+                        <a:buNone/>
+                        <a:tabLst/>
+                        <a:defRPr/>
+                      </a:pPr>
+                      <a:r>
+                        <a:rPr lang="en-US" dirty="0"/>
+                        <a:t>Process Parameter</a:t>
+                      </a:r>
+                    </a:p>
+                  </a:txBody>
+                  <a:tcPr/>
+                </a:tc>
+                <a:extLst>
+                  <a:ext uri="{0D108BD9-81ED-4DB2-BD59-A6C34878D82A}">
+                    <a16:rowId xmlns:a16="http://schemas.microsoft.com/office/drawing/2014/main" val="2150168525"/>
+                  </a:ext>
+                </a:extLst>
+              </a:tr>
+              <a:tr h="370840">
+                <a:tc>
+                  <a:txBody>
+                    <a:bodyPr/>
+                    <a:lstStyle/>
+                    <a:p>
+                      <a:r>
+                        <a:rPr lang="en-US" dirty="0"/>
+                        <a:t>I</a:t>
+                      </a:r>
+                    </a:p>
+                  </a:txBody>
+                  <a:tcPr/>
+                </a:tc>
+                <a:tc>
+                  <a:txBody>
+                    <a:bodyPr/>
+                    <a:lstStyle/>
+                    <a:p>
+                      <a:r>
+                        <a:rPr lang="en-US" dirty="0"/>
+                        <a:t>Double</a:t>
+                      </a:r>
+                    </a:p>
+                  </a:txBody>
+                  <a:tcPr/>
+                </a:tc>
+                <a:tc>
+                  <a:txBody>
+                    <a:bodyPr/>
+                    <a:lstStyle/>
+                    <a:p>
+                      <a:pPr marL="0" marR="0" lvl="0" indent="0" algn="l" defTabSz="1219170" rtl="0" eaLnBrk="1" fontAlgn="auto" latinLnBrk="0" hangingPunct="1">
+                        <a:lnSpc>
+                          <a:spcPct val="100000"/>
+                        </a:lnSpc>
+                        <a:spcBef>
+                          <a:spcPts val="0"/>
+                        </a:spcBef>
+                        <a:spcAft>
+                          <a:spcPts val="0"/>
+                        </a:spcAft>
+                        <a:buClrTx/>
+                        <a:buSzTx/>
+                        <a:buFontTx/>
+                        <a:buNone/>
+                        <a:tabLst/>
+                        <a:defRPr/>
+                      </a:pPr>
+                      <a:r>
+                        <a:rPr lang="en-US" dirty="0"/>
+                        <a:t>Process Parameter</a:t>
+                      </a:r>
+                    </a:p>
+                  </a:txBody>
+                  <a:tcPr/>
+                </a:tc>
+                <a:extLst>
+                  <a:ext uri="{0D108BD9-81ED-4DB2-BD59-A6C34878D82A}">
+                    <a16:rowId xmlns:a16="http://schemas.microsoft.com/office/drawing/2014/main" val="2537519005"/>
+                  </a:ext>
+                </a:extLst>
+              </a:tr>
+              <a:tr h="370840">
+                <a:tc>
+                  <a:txBody>
+                    <a:bodyPr/>
+                    <a:lstStyle/>
+                    <a:p>
+                      <a:r>
+                        <a:rPr lang="en-US" dirty="0"/>
+                        <a:t>D</a:t>
+                      </a:r>
+                    </a:p>
+                  </a:txBody>
+                  <a:tcPr/>
+                </a:tc>
+                <a:tc>
+                  <a:txBody>
+                    <a:bodyPr/>
+                    <a:lstStyle/>
+                    <a:p>
+                      <a:r>
+                        <a:rPr lang="en-US" dirty="0"/>
+                        <a:t>Double</a:t>
+                      </a:r>
+                    </a:p>
+                  </a:txBody>
+                  <a:tcPr/>
+                </a:tc>
+                <a:tc>
+                  <a:txBody>
+                    <a:bodyPr/>
+                    <a:lstStyle/>
+                    <a:p>
+                      <a:pPr marL="0" marR="0" lvl="0" indent="0" algn="l" defTabSz="1219170" rtl="0" eaLnBrk="1" fontAlgn="auto" latinLnBrk="0" hangingPunct="1">
+                        <a:lnSpc>
+                          <a:spcPct val="100000"/>
+                        </a:lnSpc>
+                        <a:spcBef>
+                          <a:spcPts val="0"/>
+                        </a:spcBef>
+                        <a:spcAft>
+                          <a:spcPts val="0"/>
+                        </a:spcAft>
+                        <a:buClrTx/>
+                        <a:buSzTx/>
+                        <a:buFontTx/>
+                        <a:buNone/>
+                        <a:tabLst/>
+                        <a:defRPr/>
+                      </a:pPr>
+                      <a:r>
+                        <a:rPr lang="en-US" dirty="0"/>
+                        <a:t>Process Parameter</a:t>
+                      </a:r>
+                    </a:p>
+                  </a:txBody>
+                  <a:tcPr/>
+                </a:tc>
+                <a:extLst>
+                  <a:ext uri="{0D108BD9-81ED-4DB2-BD59-A6C34878D82A}">
+                    <a16:rowId xmlns:a16="http://schemas.microsoft.com/office/drawing/2014/main" val="1383414657"/>
+                  </a:ext>
+                </a:extLst>
+              </a:tr>
+            </a:tbl>
+          </a:graphicData>
+        </a:graphic>
+      </p:graphicFrame>
+    </p:spTree>
+    <p:extLst>
+      <p:ext uri="{BB962C8B-B14F-4D97-AF65-F5344CB8AC3E}">
+        <p14:creationId xmlns:p14="http://schemas.microsoft.com/office/powerpoint/2010/main" val="2021790115"/>
+      </p:ext>
+    </p:extLst>
+  </p:cSld>
+  <p:clrMapOvr>
+    <a:masterClrMapping/>
+  </p:clrMapOvr>
+</p:sld>
+</file>
+
+<file path=ppt/slides/slide16.xml><?xml version="1.0" encoding="utf-8"?>
+<p:sld xmlns:a="http://schemas.openxmlformats.org/drawingml/2006/main" xmlns:r="http://schemas.openxmlformats.org/officeDocument/2006/relationships" xmlns:p="http://schemas.openxmlformats.org/presentationml/2006/main">
+  <p:cSld>
+    <p:spTree>
+      <p:nvGrpSpPr>
+        <p:cNvPr id="1" name=""/>
+        <p:cNvGrpSpPr/>
+        <p:nvPr/>
+      </p:nvGrpSpPr>
+      <p:grpSpPr>
+        <a:xfrm>
+          <a:off x="0" y="0"/>
+          <a:ext cx="0" cy="0"/>
+          <a:chOff x="0" y="0"/>
+          <a:chExt cx="0" cy="0"/>
+        </a:xfrm>
+      </p:grpSpPr>
+      <p:sp>
+        <p:nvSpPr>
+          <p:cNvPr id="2" name="Text Placeholder 1">
+            <a:extLst>
+              <a:ext uri="{FF2B5EF4-FFF2-40B4-BE49-F238E27FC236}">
+                <a16:creationId xmlns:a16="http://schemas.microsoft.com/office/drawing/2014/main" id="{2222062C-CAF7-4E48-9CCE-70AD89BA239B}"/>
+              </a:ext>
+            </a:extLst>
+          </p:cNvPr>
+          <p:cNvSpPr>
+            <a:spLocks noGrp="1"/>
+          </p:cNvSpPr>
+          <p:nvPr>
+            <p:ph type="body" sz="quarter" idx="10"/>
+          </p:nvPr>
+        </p:nvSpPr>
+        <p:spPr/>
+        <p:txBody>
+          <a:bodyPr/>
+          <a:lstStyle/>
+          <a:p>
+            <a:r>
+              <a:rPr lang="en-US" dirty="0"/>
+              <a:t>Exercise 2</a:t>
+            </a:r>
+          </a:p>
+          <a:p>
+            <a:r>
+              <a:rPr lang="en-US" dirty="0"/>
+              <a:t>Channel Scripting</a:t>
+            </a:r>
+          </a:p>
+        </p:txBody>
+      </p:sp>
+    </p:spTree>
+    <p:extLst>
+      <p:ext uri="{BB962C8B-B14F-4D97-AF65-F5344CB8AC3E}">
+        <p14:creationId xmlns:p14="http://schemas.microsoft.com/office/powerpoint/2010/main" val="2369922065"/>
+      </p:ext>
+    </p:extLst>
+  </p:cSld>
+  <p:clrMapOvr>
+    <a:masterClrMapping/>
+  </p:clrMapOvr>
+</p:sld>
+</file>
+
+<file path=ppt/slides/slide17.xml><?xml version="1.0" encoding="utf-8"?>
 <p:sld xmlns:a="http://schemas.openxmlformats.org/drawingml/2006/main" xmlns:r="http://schemas.openxmlformats.org/officeDocument/2006/relationships" xmlns:p="http://schemas.openxmlformats.org/presentationml/2006/main">
   <p:cSld>
     <p:spTree>
@@ -8066,1142 +11766,6 @@
 </p:sld>
 </file>
 
-<file path=ppt/slides/slide13.xml><?xml version="1.0" encoding="utf-8"?>
-<p:sld xmlns:a="http://schemas.openxmlformats.org/drawingml/2006/main" xmlns:r="http://schemas.openxmlformats.org/officeDocument/2006/relationships" xmlns:p="http://schemas.openxmlformats.org/presentationml/2006/main">
-  <p:cSld>
-    <p:spTree>
-      <p:nvGrpSpPr>
-        <p:cNvPr id="1" name=""/>
-        <p:cNvGrpSpPr/>
-        <p:nvPr/>
-      </p:nvGrpSpPr>
-      <p:grpSpPr>
-        <a:xfrm>
-          <a:off x="0" y="0"/>
-          <a:ext cx="0" cy="0"/>
-          <a:chOff x="0" y="0"/>
-          <a:chExt cx="0" cy="0"/>
-        </a:xfrm>
-      </p:grpSpPr>
-      <p:sp>
-        <p:nvSpPr>
-          <p:cNvPr id="2" name="Title 1"/>
-          <p:cNvSpPr>
-            <a:spLocks noGrp="1"/>
-          </p:cNvSpPr>
-          <p:nvPr>
-            <p:ph type="title"/>
-          </p:nvPr>
-        </p:nvSpPr>
-        <p:spPr/>
-        <p:txBody>
-          <a:bodyPr/>
-          <a:lstStyle/>
-          <a:p>
-            <a:r>
-              <a:rPr lang="en-US" dirty="0"/>
-              <a:t>Static Module Checklist</a:t>
-            </a:r>
-          </a:p>
-        </p:txBody>
-      </p:sp>
-      <p:sp>
-        <p:nvSpPr>
-          <p:cNvPr id="3" name="Content Placeholder 2"/>
-          <p:cNvSpPr>
-            <a:spLocks noGrp="1"/>
-          </p:cNvSpPr>
-          <p:nvPr>
-            <p:ph sz="half" idx="1"/>
-          </p:nvPr>
-        </p:nvSpPr>
-        <p:spPr/>
-        <p:txBody>
-          <a:bodyPr>
-            <a:normAutofit fontScale="77500" lnSpcReduction="20000"/>
-          </a:bodyPr>
-          <a:lstStyle/>
-          <a:p>
-            <a:pPr lvl="2"/>
-            <a:r>
-              <a:rPr lang="en-US" dirty="0"/>
-              <a:t>Create the Module from the Static Module Sample Project</a:t>
-            </a:r>
-          </a:p>
-          <a:p>
-            <a:pPr lvl="3"/>
-            <a:r>
-              <a:rPr lang="en-US" dirty="0"/>
-              <a:t>Define the Channels</a:t>
-            </a:r>
-          </a:p>
-          <a:p>
-            <a:pPr lvl="2"/>
-            <a:r>
-              <a:rPr lang="en-US" dirty="0"/>
-              <a:t>Add Parameters to set desired keys.vi (optional)</a:t>
-            </a:r>
-          </a:p>
-          <a:p>
-            <a:pPr lvl="2"/>
-            <a:r>
-              <a:rPr lang="en-US" dirty="0"/>
-              <a:t>Handle initialization (optional)</a:t>
-            </a:r>
-          </a:p>
-          <a:p>
-            <a:pPr lvl="3"/>
-            <a:r>
-              <a:rPr lang="en-US" dirty="0"/>
-              <a:t> Handle initialization of references, sessions, parameters</a:t>
-            </a:r>
-          </a:p>
-          <a:p>
-            <a:pPr lvl="3"/>
-            <a:r>
-              <a:rPr lang="en-US" dirty="0"/>
-              <a:t>Pass References into Runtime class if necessary, modify object to allow this</a:t>
-            </a:r>
-          </a:p>
-          <a:p>
-            <a:pPr lvl="2"/>
-            <a:r>
-              <a:rPr lang="en-US" dirty="0"/>
-              <a:t>Implement the Input, Processing, and/or Output Methods as needed</a:t>
-            </a:r>
-          </a:p>
-          <a:p>
-            <a:pPr lvl="3"/>
-            <a:r>
-              <a:rPr lang="en-US" dirty="0"/>
-              <a:t>Modify user process.vi to contain references or the Runtime class if needed and process.vi to pass data necessary to `user process.vi`</a:t>
-            </a:r>
-          </a:p>
-          <a:p>
-            <a:pPr lvl="3"/>
-            <a:r>
-              <a:rPr lang="en-US" dirty="0"/>
-              <a:t>Add Processing code to `user process.vi`</a:t>
-            </a:r>
-          </a:p>
-          <a:p>
-            <a:pPr lvl="3"/>
-            <a:r>
-              <a:rPr lang="en-US" dirty="0"/>
-              <a:t>Add code to input.vi to pass necessary sessions or config data to user input.vi</a:t>
-            </a:r>
-          </a:p>
-          <a:p>
-            <a:pPr lvl="3"/>
-            <a:r>
-              <a:rPr lang="en-US" dirty="0"/>
-              <a:t>Add input code to `user input.vi`.</a:t>
-            </a:r>
-          </a:p>
-          <a:p>
-            <a:pPr lvl="3"/>
-            <a:r>
-              <a:rPr lang="en-US" dirty="0"/>
-              <a:t>Repeat for output</a:t>
-            </a:r>
-          </a:p>
-          <a:p>
-            <a:pPr lvl="2"/>
-            <a:r>
-              <a:rPr lang="en-US" dirty="0"/>
-              <a:t>Programming Considerations for Run-State Methods</a:t>
-            </a:r>
-          </a:p>
-          <a:p>
-            <a:pPr lvl="3"/>
-            <a:r>
-              <a:rPr lang="en-US" dirty="0"/>
-              <a:t>Determinism</a:t>
-            </a:r>
-          </a:p>
-          <a:p>
-            <a:pPr lvl="3"/>
-            <a:r>
-              <a:rPr lang="en-US" dirty="0"/>
-              <a:t>Non-blocking execution</a:t>
-            </a:r>
-          </a:p>
-          <a:p>
-            <a:pPr lvl="2"/>
-            <a:r>
-              <a:rPr lang="en-US" dirty="0"/>
-              <a:t>Specifying other properties</a:t>
-            </a:r>
-          </a:p>
-          <a:p>
-            <a:pPr lvl="2"/>
-            <a:r>
-              <a:rPr lang="en-US" dirty="0"/>
-              <a:t>Testing and validation</a:t>
-            </a:r>
-          </a:p>
-        </p:txBody>
-      </p:sp>
-      <p:sp>
-        <p:nvSpPr>
-          <p:cNvPr id="6" name="Content Placeholder 5">
-            <a:extLst>
-              <a:ext uri="{FF2B5EF4-FFF2-40B4-BE49-F238E27FC236}">
-                <a16:creationId xmlns:a16="http://schemas.microsoft.com/office/drawing/2014/main" id="{33673D65-56B4-4C8E-BEA6-451099666C1B}"/>
-              </a:ext>
-            </a:extLst>
-          </p:cNvPr>
-          <p:cNvSpPr>
-            <a:spLocks noGrp="1"/>
-          </p:cNvSpPr>
-          <p:nvPr>
-            <p:ph sz="half" idx="2"/>
-          </p:nvPr>
-        </p:nvSpPr>
-        <p:spPr/>
-        <p:txBody>
-          <a:bodyPr>
-            <a:normAutofit fontScale="77500" lnSpcReduction="20000"/>
-          </a:bodyPr>
-          <a:lstStyle/>
-          <a:p>
-            <a:r>
-              <a:rPr lang="en-US" dirty="0"/>
-              <a:t>Write the Initialization</a:t>
-            </a:r>
-          </a:p>
-          <a:p>
-            <a:pPr lvl="1"/>
-            <a:r>
-              <a:rPr lang="en-US" dirty="0"/>
-              <a:t>Requires modification of the </a:t>
-            </a:r>
-            <a:r>
-              <a:rPr lang="en-US" i="1" dirty="0"/>
-              <a:t>user init.vi</a:t>
-            </a:r>
-            <a:r>
-              <a:rPr lang="en-US" dirty="0"/>
-              <a:t> and maybe of the </a:t>
-            </a:r>
-            <a:r>
-              <a:rPr lang="en-US" i="1" dirty="0"/>
-              <a:t>init.vi</a:t>
-            </a:r>
-            <a:endParaRPr lang="en-US" dirty="0"/>
-          </a:p>
-          <a:p>
-            <a:endParaRPr lang="en-US" dirty="0"/>
-          </a:p>
-        </p:txBody>
-      </p:sp>
-      <p:sp>
-        <p:nvSpPr>
-          <p:cNvPr id="10" name="Rectangle 9">
-            <a:extLst>
-              <a:ext uri="{FF2B5EF4-FFF2-40B4-BE49-F238E27FC236}">
-                <a16:creationId xmlns:a16="http://schemas.microsoft.com/office/drawing/2014/main" id="{C69AEF5D-B35F-4D7F-B547-B812D37ADE36}"/>
-              </a:ext>
-            </a:extLst>
-          </p:cNvPr>
-          <p:cNvSpPr/>
-          <p:nvPr/>
-        </p:nvSpPr>
-        <p:spPr>
-          <a:xfrm>
-            <a:off x="1207008" y="1803002"/>
-            <a:ext cx="4523232" cy="769509"/>
-          </a:xfrm>
-          <a:prstGeom prst="rect">
-            <a:avLst/>
-          </a:prstGeom>
-          <a:noFill/>
-          <a:ln w="9525" cap="flat" cmpd="sng" algn="ctr">
-            <a:solidFill>
-              <a:srgbClr val="FF0000"/>
-            </a:solidFill>
-            <a:prstDash val="solid"/>
-            <a:round/>
-            <a:headEnd type="none" w="med" len="med"/>
-            <a:tailEnd type="none" w="med" len="med"/>
-          </a:ln>
-        </p:spPr>
-        <p:style>
-          <a:lnRef idx="0">
-            <a:scrgbClr r="0" g="0" b="0"/>
-          </a:lnRef>
-          <a:fillRef idx="0">
-            <a:scrgbClr r="0" g="0" b="0"/>
-          </a:fillRef>
-          <a:effectRef idx="0">
-            <a:scrgbClr r="0" g="0" b="0"/>
-          </a:effectRef>
-          <a:fontRef idx="minor">
-            <a:schemeClr val="dk1"/>
-          </a:fontRef>
-        </p:style>
-        <p:txBody>
-          <a:bodyPr rtlCol="0" anchor="ctr"/>
-          <a:lstStyle/>
-          <a:p>
-            <a:pPr algn="ctr"/>
-            <a:endParaRPr lang="en-US"/>
-          </a:p>
-        </p:txBody>
-      </p:sp>
-    </p:spTree>
-    <p:extLst>
-      <p:ext uri="{BB962C8B-B14F-4D97-AF65-F5344CB8AC3E}">
-        <p14:creationId xmlns:p14="http://schemas.microsoft.com/office/powerpoint/2010/main" val="1829071210"/>
-      </p:ext>
-    </p:extLst>
-  </p:cSld>
-  <p:clrMapOvr>
-    <a:masterClrMapping/>
-  </p:clrMapOvr>
-</p:sld>
-</file>
-
-<file path=ppt/slides/slide14.xml><?xml version="1.0" encoding="utf-8"?>
-<p:sld xmlns:a="http://schemas.openxmlformats.org/drawingml/2006/main" xmlns:r="http://schemas.openxmlformats.org/officeDocument/2006/relationships" xmlns:p="http://schemas.openxmlformats.org/presentationml/2006/main">
-  <p:cSld>
-    <p:spTree>
-      <p:nvGrpSpPr>
-        <p:cNvPr id="1" name=""/>
-        <p:cNvGrpSpPr/>
-        <p:nvPr/>
-      </p:nvGrpSpPr>
-      <p:grpSpPr>
-        <a:xfrm>
-          <a:off x="0" y="0"/>
-          <a:ext cx="0" cy="0"/>
-          <a:chOff x="0" y="0"/>
-          <a:chExt cx="0" cy="0"/>
-        </a:xfrm>
-      </p:grpSpPr>
-      <p:sp>
-        <p:nvSpPr>
-          <p:cNvPr id="2" name="Title 1"/>
-          <p:cNvSpPr>
-            <a:spLocks noGrp="1"/>
-          </p:cNvSpPr>
-          <p:nvPr>
-            <p:ph type="title"/>
-          </p:nvPr>
-        </p:nvSpPr>
-        <p:spPr/>
-        <p:txBody>
-          <a:bodyPr/>
-          <a:lstStyle/>
-          <a:p>
-            <a:r>
-              <a:rPr lang="en-US" dirty="0"/>
-              <a:t>Static Module Checklist</a:t>
-            </a:r>
-          </a:p>
-        </p:txBody>
-      </p:sp>
-      <p:sp>
-        <p:nvSpPr>
-          <p:cNvPr id="3" name="Content Placeholder 2"/>
-          <p:cNvSpPr>
-            <a:spLocks noGrp="1"/>
-          </p:cNvSpPr>
-          <p:nvPr>
-            <p:ph sz="half" idx="1"/>
-          </p:nvPr>
-        </p:nvSpPr>
-        <p:spPr/>
-        <p:txBody>
-          <a:bodyPr>
-            <a:normAutofit fontScale="77500" lnSpcReduction="20000"/>
-          </a:bodyPr>
-          <a:lstStyle/>
-          <a:p>
-            <a:pPr lvl="2"/>
-            <a:r>
-              <a:rPr lang="en-US" dirty="0"/>
-              <a:t>Create the Module from the Static Module Sample Project</a:t>
-            </a:r>
-          </a:p>
-          <a:p>
-            <a:pPr lvl="3"/>
-            <a:r>
-              <a:rPr lang="en-US" dirty="0"/>
-              <a:t>Define the Channels</a:t>
-            </a:r>
-          </a:p>
-          <a:p>
-            <a:pPr lvl="2"/>
-            <a:r>
-              <a:rPr lang="en-US" dirty="0"/>
-              <a:t>Add Parameters to set desired keys.vi (optional)</a:t>
-            </a:r>
-          </a:p>
-          <a:p>
-            <a:pPr lvl="2"/>
-            <a:r>
-              <a:rPr lang="en-US" dirty="0"/>
-              <a:t>Handle initialization (optional)</a:t>
-            </a:r>
-          </a:p>
-          <a:p>
-            <a:pPr lvl="3"/>
-            <a:r>
-              <a:rPr lang="en-US" dirty="0"/>
-              <a:t> Handle initialization of references, sessions, parameters</a:t>
-            </a:r>
-          </a:p>
-          <a:p>
-            <a:pPr lvl="3"/>
-            <a:r>
-              <a:rPr lang="en-US" dirty="0"/>
-              <a:t>Pass References into Runtime class if necessary, modify object to allow this</a:t>
-            </a:r>
-          </a:p>
-          <a:p>
-            <a:pPr lvl="2"/>
-            <a:r>
-              <a:rPr lang="en-US" dirty="0"/>
-              <a:t>Implement the Input, Processing, and/or Output Methods as needed</a:t>
-            </a:r>
-          </a:p>
-          <a:p>
-            <a:pPr lvl="3"/>
-            <a:r>
-              <a:rPr lang="en-US" dirty="0"/>
-              <a:t>Modify user process.vi to contain references or the Runtime class if needed and process.vi to pass data necessary to `user process.vi`</a:t>
-            </a:r>
-          </a:p>
-          <a:p>
-            <a:pPr lvl="3"/>
-            <a:r>
-              <a:rPr lang="en-US" dirty="0"/>
-              <a:t>Add Processing code to `user process.vi`</a:t>
-            </a:r>
-          </a:p>
-          <a:p>
-            <a:pPr lvl="3"/>
-            <a:r>
-              <a:rPr lang="en-US" dirty="0"/>
-              <a:t>Add code to input.vi to pass necessary sessions or config data to user input.vi</a:t>
-            </a:r>
-          </a:p>
-          <a:p>
-            <a:pPr lvl="3"/>
-            <a:r>
-              <a:rPr lang="en-US" dirty="0"/>
-              <a:t>Add input code to `user input.vi`.</a:t>
-            </a:r>
-          </a:p>
-          <a:p>
-            <a:pPr lvl="3"/>
-            <a:r>
-              <a:rPr lang="en-US" dirty="0"/>
-              <a:t>Repeat for output</a:t>
-            </a:r>
-          </a:p>
-          <a:p>
-            <a:pPr lvl="2"/>
-            <a:r>
-              <a:rPr lang="en-US" dirty="0"/>
-              <a:t>Programming Considerations for Run-State Methods</a:t>
-            </a:r>
-          </a:p>
-          <a:p>
-            <a:pPr lvl="3"/>
-            <a:r>
-              <a:rPr lang="en-US" dirty="0"/>
-              <a:t>Determinism</a:t>
-            </a:r>
-          </a:p>
-          <a:p>
-            <a:pPr lvl="3"/>
-            <a:r>
-              <a:rPr lang="en-US" dirty="0"/>
-              <a:t>Non-blocking execution</a:t>
-            </a:r>
-          </a:p>
-          <a:p>
-            <a:pPr lvl="2"/>
-            <a:r>
-              <a:rPr lang="en-US" dirty="0"/>
-              <a:t>Specifying other properties</a:t>
-            </a:r>
-          </a:p>
-          <a:p>
-            <a:pPr lvl="2"/>
-            <a:r>
-              <a:rPr lang="en-US" dirty="0"/>
-              <a:t>Testing and validation</a:t>
-            </a:r>
-          </a:p>
-        </p:txBody>
-      </p:sp>
-      <p:sp>
-        <p:nvSpPr>
-          <p:cNvPr id="6" name="Content Placeholder 5">
-            <a:extLst>
-              <a:ext uri="{FF2B5EF4-FFF2-40B4-BE49-F238E27FC236}">
-                <a16:creationId xmlns:a16="http://schemas.microsoft.com/office/drawing/2014/main" id="{33673D65-56B4-4C8E-BEA6-451099666C1B}"/>
-              </a:ext>
-            </a:extLst>
-          </p:cNvPr>
-          <p:cNvSpPr>
-            <a:spLocks noGrp="1"/>
-          </p:cNvSpPr>
-          <p:nvPr>
-            <p:ph sz="half" idx="2"/>
-          </p:nvPr>
-        </p:nvSpPr>
-        <p:spPr/>
-        <p:txBody>
-          <a:bodyPr>
-            <a:normAutofit fontScale="77500" lnSpcReduction="20000"/>
-          </a:bodyPr>
-          <a:lstStyle/>
-          <a:p>
-            <a:r>
-              <a:rPr lang="en-US" dirty="0"/>
-              <a:t>If the module requires configuration information, modify the </a:t>
-            </a:r>
-            <a:r>
-              <a:rPr lang="en-US" i="1" dirty="0"/>
-              <a:t>process.vi</a:t>
-            </a:r>
-            <a:r>
-              <a:rPr lang="en-US" dirty="0"/>
-              <a:t> to pass the </a:t>
-            </a:r>
-            <a:r>
-              <a:rPr lang="en-US" i="1" dirty="0" err="1"/>
-              <a:t>runtime.lvclass</a:t>
-            </a:r>
-            <a:r>
-              <a:rPr lang="en-US" dirty="0"/>
-              <a:t> into the </a:t>
-            </a:r>
-            <a:r>
-              <a:rPr lang="en-US" i="1" dirty="0"/>
-              <a:t>user process.vi</a:t>
-            </a:r>
-            <a:endParaRPr lang="en-US" dirty="0"/>
-          </a:p>
-          <a:p>
-            <a:endParaRPr lang="en-US" dirty="0"/>
-          </a:p>
-        </p:txBody>
-      </p:sp>
-      <p:sp>
-        <p:nvSpPr>
-          <p:cNvPr id="7" name="Rectangle 6">
-            <a:extLst>
-              <a:ext uri="{FF2B5EF4-FFF2-40B4-BE49-F238E27FC236}">
-                <a16:creationId xmlns:a16="http://schemas.microsoft.com/office/drawing/2014/main" id="{A3A7D58E-CCC8-4086-9368-CF2E270CF29C}"/>
-              </a:ext>
-            </a:extLst>
-          </p:cNvPr>
-          <p:cNvSpPr/>
-          <p:nvPr/>
-        </p:nvSpPr>
-        <p:spPr>
-          <a:xfrm>
-            <a:off x="1207008" y="2949051"/>
-            <a:ext cx="4523232" cy="479949"/>
-          </a:xfrm>
-          <a:prstGeom prst="rect">
-            <a:avLst/>
-          </a:prstGeom>
-          <a:noFill/>
-          <a:ln w="9525" cap="flat" cmpd="sng" algn="ctr">
-            <a:solidFill>
-              <a:srgbClr val="FF0000"/>
-            </a:solidFill>
-            <a:prstDash val="solid"/>
-            <a:round/>
-            <a:headEnd type="none" w="med" len="med"/>
-            <a:tailEnd type="none" w="med" len="med"/>
-          </a:ln>
-        </p:spPr>
-        <p:style>
-          <a:lnRef idx="0">
-            <a:scrgbClr r="0" g="0" b="0"/>
-          </a:lnRef>
-          <a:fillRef idx="0">
-            <a:scrgbClr r="0" g="0" b="0"/>
-          </a:fillRef>
-          <a:effectRef idx="0">
-            <a:scrgbClr r="0" g="0" b="0"/>
-          </a:effectRef>
-          <a:fontRef idx="minor">
-            <a:schemeClr val="dk1"/>
-          </a:fontRef>
-        </p:style>
-        <p:txBody>
-          <a:bodyPr rtlCol="0" anchor="ctr"/>
-          <a:lstStyle/>
-          <a:p>
-            <a:pPr algn="ctr"/>
-            <a:endParaRPr lang="en-US"/>
-          </a:p>
-        </p:txBody>
-      </p:sp>
-    </p:spTree>
-    <p:extLst>
-      <p:ext uri="{BB962C8B-B14F-4D97-AF65-F5344CB8AC3E}">
-        <p14:creationId xmlns:p14="http://schemas.microsoft.com/office/powerpoint/2010/main" val="3726513953"/>
-      </p:ext>
-    </p:extLst>
-  </p:cSld>
-  <p:clrMapOvr>
-    <a:masterClrMapping/>
-  </p:clrMapOvr>
-</p:sld>
-</file>
-
-<file path=ppt/slides/slide15.xml><?xml version="1.0" encoding="utf-8"?>
-<p:sld xmlns:a="http://schemas.openxmlformats.org/drawingml/2006/main" xmlns:r="http://schemas.openxmlformats.org/officeDocument/2006/relationships" xmlns:p="http://schemas.openxmlformats.org/presentationml/2006/main">
-  <p:cSld>
-    <p:spTree>
-      <p:nvGrpSpPr>
-        <p:cNvPr id="1" name=""/>
-        <p:cNvGrpSpPr/>
-        <p:nvPr/>
-      </p:nvGrpSpPr>
-      <p:grpSpPr>
-        <a:xfrm>
-          <a:off x="0" y="0"/>
-          <a:ext cx="0" cy="0"/>
-          <a:chOff x="0" y="0"/>
-          <a:chExt cx="0" cy="0"/>
-        </a:xfrm>
-      </p:grpSpPr>
-      <p:sp>
-        <p:nvSpPr>
-          <p:cNvPr id="2" name="Title 1"/>
-          <p:cNvSpPr>
-            <a:spLocks noGrp="1"/>
-          </p:cNvSpPr>
-          <p:nvPr>
-            <p:ph type="title"/>
-          </p:nvPr>
-        </p:nvSpPr>
-        <p:spPr/>
-        <p:txBody>
-          <a:bodyPr/>
-          <a:lstStyle/>
-          <a:p>
-            <a:r>
-              <a:rPr lang="en-US" dirty="0"/>
-              <a:t>Static Module Checklist</a:t>
-            </a:r>
-          </a:p>
-        </p:txBody>
-      </p:sp>
-      <p:sp>
-        <p:nvSpPr>
-          <p:cNvPr id="3" name="Content Placeholder 2"/>
-          <p:cNvSpPr>
-            <a:spLocks noGrp="1"/>
-          </p:cNvSpPr>
-          <p:nvPr>
-            <p:ph sz="half" idx="1"/>
-          </p:nvPr>
-        </p:nvSpPr>
-        <p:spPr/>
-        <p:txBody>
-          <a:bodyPr>
-            <a:normAutofit fontScale="77500" lnSpcReduction="20000"/>
-          </a:bodyPr>
-          <a:lstStyle/>
-          <a:p>
-            <a:pPr lvl="2"/>
-            <a:r>
-              <a:rPr lang="en-US" dirty="0"/>
-              <a:t>Create the Module from the Static Module Sample Project</a:t>
-            </a:r>
-          </a:p>
-          <a:p>
-            <a:pPr lvl="3"/>
-            <a:r>
-              <a:rPr lang="en-US" dirty="0"/>
-              <a:t>Define the Channels</a:t>
-            </a:r>
-          </a:p>
-          <a:p>
-            <a:pPr lvl="2"/>
-            <a:r>
-              <a:rPr lang="en-US" dirty="0"/>
-              <a:t>Add Parameters to set desired keys.vi (optional)</a:t>
-            </a:r>
-          </a:p>
-          <a:p>
-            <a:pPr lvl="2"/>
-            <a:r>
-              <a:rPr lang="en-US" dirty="0"/>
-              <a:t>Handle initialization (optional)</a:t>
-            </a:r>
-          </a:p>
-          <a:p>
-            <a:pPr lvl="3"/>
-            <a:r>
-              <a:rPr lang="en-US" dirty="0"/>
-              <a:t> Handle initialization of references, sessions, parameters</a:t>
-            </a:r>
-          </a:p>
-          <a:p>
-            <a:pPr lvl="3"/>
-            <a:r>
-              <a:rPr lang="en-US" dirty="0"/>
-              <a:t>Pass References into Runtime class if necessary, modify object to allow this</a:t>
-            </a:r>
-          </a:p>
-          <a:p>
-            <a:pPr lvl="2"/>
-            <a:r>
-              <a:rPr lang="en-US" dirty="0"/>
-              <a:t>Implement the Input, Processing, and/or Output Methods as needed</a:t>
-            </a:r>
-          </a:p>
-          <a:p>
-            <a:pPr lvl="3"/>
-            <a:r>
-              <a:rPr lang="en-US" dirty="0"/>
-              <a:t>Modify user process.vi to contain references or the Runtime class if needed and process.vi to pass data necessary to `user process.vi`</a:t>
-            </a:r>
-          </a:p>
-          <a:p>
-            <a:pPr lvl="3"/>
-            <a:r>
-              <a:rPr lang="en-US" dirty="0"/>
-              <a:t>Add Processing code to `user process.vi`</a:t>
-            </a:r>
-          </a:p>
-          <a:p>
-            <a:pPr lvl="3"/>
-            <a:r>
-              <a:rPr lang="en-US" dirty="0"/>
-              <a:t>Add code to input.vi to pass necessary sessions or config data to user input.vi</a:t>
-            </a:r>
-          </a:p>
-          <a:p>
-            <a:pPr lvl="3"/>
-            <a:r>
-              <a:rPr lang="en-US" dirty="0"/>
-              <a:t>Add input code to `user input.vi`.</a:t>
-            </a:r>
-          </a:p>
-          <a:p>
-            <a:pPr lvl="3"/>
-            <a:r>
-              <a:rPr lang="en-US" dirty="0"/>
-              <a:t>Repeat for output</a:t>
-            </a:r>
-          </a:p>
-          <a:p>
-            <a:pPr lvl="2"/>
-            <a:r>
-              <a:rPr lang="en-US" dirty="0"/>
-              <a:t>Programming Considerations for Run-State Methods</a:t>
-            </a:r>
-          </a:p>
-          <a:p>
-            <a:pPr lvl="3"/>
-            <a:r>
-              <a:rPr lang="en-US" dirty="0"/>
-              <a:t>Determinism</a:t>
-            </a:r>
-          </a:p>
-          <a:p>
-            <a:pPr lvl="3"/>
-            <a:r>
-              <a:rPr lang="en-US" dirty="0"/>
-              <a:t>Non-blocking execution</a:t>
-            </a:r>
-          </a:p>
-          <a:p>
-            <a:pPr lvl="2"/>
-            <a:r>
-              <a:rPr lang="en-US" dirty="0"/>
-              <a:t>Specifying other properties</a:t>
-            </a:r>
-          </a:p>
-          <a:p>
-            <a:pPr lvl="2"/>
-            <a:r>
-              <a:rPr lang="en-US" dirty="0"/>
-              <a:t>Testing and validation</a:t>
-            </a:r>
-          </a:p>
-        </p:txBody>
-      </p:sp>
-      <p:sp>
-        <p:nvSpPr>
-          <p:cNvPr id="6" name="Content Placeholder 5">
-            <a:extLst>
-              <a:ext uri="{FF2B5EF4-FFF2-40B4-BE49-F238E27FC236}">
-                <a16:creationId xmlns:a16="http://schemas.microsoft.com/office/drawing/2014/main" id="{33673D65-56B4-4C8E-BEA6-451099666C1B}"/>
-              </a:ext>
-            </a:extLst>
-          </p:cNvPr>
-          <p:cNvSpPr>
-            <a:spLocks noGrp="1"/>
-          </p:cNvSpPr>
-          <p:nvPr>
-            <p:ph sz="half" idx="2"/>
-          </p:nvPr>
-        </p:nvSpPr>
-        <p:spPr/>
-        <p:txBody>
-          <a:bodyPr>
-            <a:normAutofit fontScale="77500" lnSpcReduction="20000"/>
-          </a:bodyPr>
-          <a:lstStyle/>
-          <a:p>
-            <a:r>
-              <a:rPr lang="en-US" dirty="0"/>
-              <a:t>Write the Process, Input or Output functionality in the </a:t>
-            </a:r>
-            <a:r>
-              <a:rPr lang="en-US" i="1" dirty="0"/>
-              <a:t>user process.vi, user input.vi or user output.vi</a:t>
-            </a:r>
-            <a:endParaRPr lang="en-US" dirty="0"/>
-          </a:p>
-          <a:p>
-            <a:endParaRPr lang="en-US" dirty="0"/>
-          </a:p>
-        </p:txBody>
-      </p:sp>
-      <p:sp>
-        <p:nvSpPr>
-          <p:cNvPr id="7" name="Rectangle 6">
-            <a:extLst>
-              <a:ext uri="{FF2B5EF4-FFF2-40B4-BE49-F238E27FC236}">
-                <a16:creationId xmlns:a16="http://schemas.microsoft.com/office/drawing/2014/main" id="{B04553DD-625C-4EF6-A5FB-9B72EC25B9D2}"/>
-              </a:ext>
-            </a:extLst>
-          </p:cNvPr>
-          <p:cNvSpPr/>
-          <p:nvPr/>
-        </p:nvSpPr>
-        <p:spPr>
-          <a:xfrm>
-            <a:off x="1207008" y="3461114"/>
-            <a:ext cx="4523232" cy="1013349"/>
-          </a:xfrm>
-          <a:prstGeom prst="rect">
-            <a:avLst/>
-          </a:prstGeom>
-          <a:noFill/>
-          <a:ln w="9525" cap="flat" cmpd="sng" algn="ctr">
-            <a:solidFill>
-              <a:srgbClr val="FF0000"/>
-            </a:solidFill>
-            <a:prstDash val="solid"/>
-            <a:round/>
-            <a:headEnd type="none" w="med" len="med"/>
-            <a:tailEnd type="none" w="med" len="med"/>
-          </a:ln>
-        </p:spPr>
-        <p:style>
-          <a:lnRef idx="0">
-            <a:scrgbClr r="0" g="0" b="0"/>
-          </a:lnRef>
-          <a:fillRef idx="0">
-            <a:scrgbClr r="0" g="0" b="0"/>
-          </a:fillRef>
-          <a:effectRef idx="0">
-            <a:scrgbClr r="0" g="0" b="0"/>
-          </a:effectRef>
-          <a:fontRef idx="minor">
-            <a:schemeClr val="dk1"/>
-          </a:fontRef>
-        </p:style>
-        <p:txBody>
-          <a:bodyPr rtlCol="0" anchor="ctr"/>
-          <a:lstStyle/>
-          <a:p>
-            <a:pPr algn="ctr"/>
-            <a:endParaRPr lang="en-US"/>
-          </a:p>
-        </p:txBody>
-      </p:sp>
-    </p:spTree>
-    <p:extLst>
-      <p:ext uri="{BB962C8B-B14F-4D97-AF65-F5344CB8AC3E}">
-        <p14:creationId xmlns:p14="http://schemas.microsoft.com/office/powerpoint/2010/main" val="944902062"/>
-      </p:ext>
-    </p:extLst>
-  </p:cSld>
-  <p:clrMapOvr>
-    <a:masterClrMapping/>
-  </p:clrMapOvr>
-</p:sld>
-</file>
-
-<file path=ppt/slides/slide16.xml><?xml version="1.0" encoding="utf-8"?>
-<p:sld xmlns:a="http://schemas.openxmlformats.org/drawingml/2006/main" xmlns:r="http://schemas.openxmlformats.org/officeDocument/2006/relationships" xmlns:p="http://schemas.openxmlformats.org/presentationml/2006/main">
-  <p:cSld>
-    <p:spTree>
-      <p:nvGrpSpPr>
-        <p:cNvPr id="1" name=""/>
-        <p:cNvGrpSpPr/>
-        <p:nvPr/>
-      </p:nvGrpSpPr>
-      <p:grpSpPr>
-        <a:xfrm>
-          <a:off x="0" y="0"/>
-          <a:ext cx="0" cy="0"/>
-          <a:chOff x="0" y="0"/>
-          <a:chExt cx="0" cy="0"/>
-        </a:xfrm>
-      </p:grpSpPr>
-      <p:sp>
-        <p:nvSpPr>
-          <p:cNvPr id="2" name="Title 1"/>
-          <p:cNvSpPr>
-            <a:spLocks noGrp="1"/>
-          </p:cNvSpPr>
-          <p:nvPr>
-            <p:ph type="title"/>
-          </p:nvPr>
-        </p:nvSpPr>
-        <p:spPr/>
-        <p:txBody>
-          <a:bodyPr/>
-          <a:lstStyle/>
-          <a:p>
-            <a:r>
-              <a:rPr lang="en-US" dirty="0"/>
-              <a:t>Static</a:t>
-            </a:r>
-            <a:r>
-              <a:rPr lang="en-US" baseline="0" dirty="0"/>
-              <a:t> Module</a:t>
-            </a:r>
-            <a:endParaRPr lang="en-US" dirty="0"/>
-          </a:p>
-        </p:txBody>
-      </p:sp>
-      <p:sp>
-        <p:nvSpPr>
-          <p:cNvPr id="3" name="Content Placeholder 2"/>
-          <p:cNvSpPr>
-            <a:spLocks noGrp="1"/>
-          </p:cNvSpPr>
-          <p:nvPr>
-            <p:ph idx="1"/>
-          </p:nvPr>
-        </p:nvSpPr>
-        <p:spPr/>
-        <p:txBody>
-          <a:bodyPr/>
-          <a:lstStyle/>
-          <a:p>
-            <a:r>
-              <a:rPr lang="en-US" dirty="0"/>
-              <a:t>Configuration</a:t>
-            </a:r>
-            <a:r>
-              <a:rPr lang="en-US" baseline="0" dirty="0"/>
-              <a:t> Class:</a:t>
-            </a:r>
-          </a:p>
-          <a:p>
-            <a:pPr lvl="1"/>
-            <a:r>
-              <a:rPr lang="en-US" dirty="0"/>
-              <a:t>Select module options (number of instances, allowable</a:t>
-            </a:r>
-            <a:r>
-              <a:rPr lang="en-US" baseline="0" dirty="0"/>
-              <a:t> targets)</a:t>
-            </a:r>
-          </a:p>
-          <a:p>
-            <a:pPr lvl="1"/>
-            <a:r>
-              <a:rPr lang="en-US" baseline="0" dirty="0"/>
-              <a:t>Update validate.vi with validation rules</a:t>
-            </a:r>
-          </a:p>
-          <a:p>
-            <a:pPr lvl="1"/>
-            <a:r>
-              <a:rPr lang="en-US" baseline="0" dirty="0"/>
-              <a:t>Update get default error list.vi</a:t>
-            </a:r>
-            <a:r>
-              <a:rPr lang="en-US" dirty="0"/>
-              <a:t> with </a:t>
-            </a:r>
-            <a:r>
-              <a:rPr lang="en-US" baseline="0" dirty="0"/>
-              <a:t>default error classifications</a:t>
-            </a:r>
-          </a:p>
-          <a:p>
-            <a:pPr lvl="0"/>
-            <a:r>
-              <a:rPr lang="en-US" dirty="0"/>
-              <a:t>Editor Class:</a:t>
-            </a:r>
-          </a:p>
-          <a:p>
-            <a:pPr lvl="1"/>
-            <a:r>
-              <a:rPr lang="en-US" dirty="0"/>
-              <a:t>Select module glyph</a:t>
-            </a:r>
-          </a:p>
-          <a:p>
-            <a:pPr lvl="0"/>
-            <a:r>
-              <a:rPr lang="en-US" dirty="0"/>
-              <a:t>Runtime</a:t>
-            </a:r>
-          </a:p>
-          <a:p>
-            <a:pPr lvl="1"/>
-            <a:r>
-              <a:rPr lang="en-US" dirty="0"/>
-              <a:t>Implement User Input.vi,</a:t>
-            </a:r>
-            <a:r>
-              <a:rPr lang="en-US" baseline="0" dirty="0"/>
-              <a:t> User Process.vi, and/or User Output.vi with custom logic</a:t>
-            </a:r>
-            <a:endParaRPr lang="en-US" dirty="0"/>
-          </a:p>
-          <a:p>
-            <a:pPr lvl="1"/>
-            <a:endParaRPr lang="en-US" dirty="0"/>
-          </a:p>
-          <a:p>
-            <a:pPr lvl="1"/>
-            <a:endParaRPr lang="en-US" dirty="0"/>
-          </a:p>
-        </p:txBody>
-      </p:sp>
-    </p:spTree>
-    <p:extLst>
-      <p:ext uri="{BB962C8B-B14F-4D97-AF65-F5344CB8AC3E}">
-        <p14:creationId xmlns:p14="http://schemas.microsoft.com/office/powerpoint/2010/main" val="796686571"/>
-      </p:ext>
-    </p:extLst>
-  </p:cSld>
-  <p:clrMapOvr>
-    <a:masterClrMapping/>
-  </p:clrMapOvr>
-</p:sld>
-</file>
-
-<file path=ppt/slides/slide17.xml><?xml version="1.0" encoding="utf-8"?>
-<p:sld xmlns:a="http://schemas.openxmlformats.org/drawingml/2006/main" xmlns:r="http://schemas.openxmlformats.org/officeDocument/2006/relationships" xmlns:p="http://schemas.openxmlformats.org/presentationml/2006/main">
-  <p:cSld>
-    <p:spTree>
-      <p:nvGrpSpPr>
-        <p:cNvPr id="1" name=""/>
-        <p:cNvGrpSpPr/>
-        <p:nvPr/>
-      </p:nvGrpSpPr>
-      <p:grpSpPr>
-        <a:xfrm>
-          <a:off x="0" y="0"/>
-          <a:ext cx="0" cy="0"/>
-          <a:chOff x="0" y="0"/>
-          <a:chExt cx="0" cy="0"/>
-        </a:xfrm>
-      </p:grpSpPr>
-      <p:sp>
-        <p:nvSpPr>
-          <p:cNvPr id="2" name="Title 1"/>
-          <p:cNvSpPr>
-            <a:spLocks noGrp="1"/>
-          </p:cNvSpPr>
-          <p:nvPr>
-            <p:ph type="title"/>
-          </p:nvPr>
-        </p:nvSpPr>
-        <p:spPr/>
-        <p:txBody>
-          <a:bodyPr/>
-          <a:lstStyle/>
-          <a:p>
-            <a:r>
-              <a:rPr lang="en-US" dirty="0"/>
-              <a:t>Dynamic</a:t>
-            </a:r>
-            <a:r>
-              <a:rPr lang="en-US" baseline="0" dirty="0"/>
-              <a:t> Module</a:t>
-            </a:r>
-            <a:endParaRPr lang="en-US" dirty="0"/>
-          </a:p>
-        </p:txBody>
-      </p:sp>
-      <p:sp>
-        <p:nvSpPr>
-          <p:cNvPr id="3" name="Content Placeholder 2"/>
-          <p:cNvSpPr>
-            <a:spLocks noGrp="1"/>
-          </p:cNvSpPr>
-          <p:nvPr>
-            <p:ph idx="1"/>
-          </p:nvPr>
-        </p:nvSpPr>
-        <p:spPr/>
-        <p:txBody>
-          <a:bodyPr/>
-          <a:lstStyle/>
-          <a:p>
-            <a:r>
-              <a:rPr lang="en-US" dirty="0"/>
-              <a:t>Configuration</a:t>
-            </a:r>
-            <a:r>
-              <a:rPr lang="en-US" baseline="0" dirty="0"/>
-              <a:t> Class:</a:t>
-            </a:r>
-          </a:p>
-          <a:p>
-            <a:pPr lvl="0"/>
-            <a:r>
-              <a:rPr lang="en-US" dirty="0"/>
-              <a:t>Editor Class:</a:t>
-            </a:r>
-          </a:p>
-          <a:p>
-            <a:pPr lvl="0"/>
-            <a:r>
-              <a:rPr lang="en-US" dirty="0"/>
-              <a:t>Runtime</a:t>
-            </a:r>
-          </a:p>
-          <a:p>
-            <a:pPr lvl="1"/>
-            <a:endParaRPr lang="en-US" dirty="0"/>
-          </a:p>
-          <a:p>
-            <a:pPr lvl="1"/>
-            <a:endParaRPr lang="en-US" dirty="0"/>
-          </a:p>
-        </p:txBody>
-      </p:sp>
-    </p:spTree>
-    <p:extLst>
-      <p:ext uri="{BB962C8B-B14F-4D97-AF65-F5344CB8AC3E}">
-        <p14:creationId xmlns:p14="http://schemas.microsoft.com/office/powerpoint/2010/main" val="1767969810"/>
-      </p:ext>
-    </p:extLst>
-  </p:cSld>
-  <p:clrMapOvr>
-    <a:masterClrMapping/>
-  </p:clrMapOvr>
-</p:sld>
-</file>
-
 <file path=ppt/slides/slide18.xml><?xml version="1.0" encoding="utf-8"?>
 <p:sld xmlns:a="http://schemas.openxmlformats.org/drawingml/2006/main" xmlns:r="http://schemas.openxmlformats.org/officeDocument/2006/relationships" xmlns:p="http://schemas.openxmlformats.org/presentationml/2006/main">
   <p:cSld>
@@ -9221,10 +11785,10 @@
       </p:grpSpPr>
       <p:sp>
         <p:nvSpPr>
-          <p:cNvPr id="3" name="Text Placeholder 2">
+          <p:cNvPr id="7" name="Title 6">
             <a:extLst>
               <a:ext uri="{FF2B5EF4-FFF2-40B4-BE49-F238E27FC236}">
-                <a16:creationId xmlns:a16="http://schemas.microsoft.com/office/drawing/2014/main" id="{7C70E1AE-D934-474A-9D90-8767BB641F28}"/>
+                <a16:creationId xmlns:a16="http://schemas.microsoft.com/office/drawing/2014/main" id="{564250F1-82DF-4B05-8EBE-D1C418972C88}"/>
               </a:ext>
             </a:extLst>
           </p:cNvPr>
@@ -9232,7 +11796,7 @@
             <a:spLocks noGrp="1"/>
           </p:cNvSpPr>
           <p:nvPr>
-            <p:ph type="body" sz="quarter" idx="10"/>
+            <p:ph type="title"/>
           </p:nvPr>
         </p:nvSpPr>
         <p:spPr/>
@@ -9242,15 +11806,243 @@
           <a:p>
             <a:r>
               <a:rPr lang="en-US" dirty="0"/>
-              <a:t>Exercise</a:t>
+              <a:t>User Initialization</a:t>
             </a:r>
           </a:p>
         </p:txBody>
       </p:sp>
+      <p:pic>
+        <p:nvPicPr>
+          <p:cNvPr id="12" name="Content Placeholder 6">
+            <a:extLst>
+              <a:ext uri="{FF2B5EF4-FFF2-40B4-BE49-F238E27FC236}">
+                <a16:creationId xmlns:a16="http://schemas.microsoft.com/office/drawing/2014/main" id="{80A556CD-9F94-4CA3-A1E6-191BEFC11C86}"/>
+              </a:ext>
+            </a:extLst>
+          </p:cNvPr>
+          <p:cNvPicPr>
+            <a:picLocks noGrp="1" noChangeAspect="1"/>
+          </p:cNvPicPr>
+          <p:nvPr>
+            <p:ph idx="1"/>
+          </p:nvPr>
+        </p:nvPicPr>
+        <p:blipFill>
+          <a:blip r:embed="rId2"/>
+          <a:stretch>
+            <a:fillRect/>
+          </a:stretch>
+        </p:blipFill>
+        <p:spPr>
+          <a:xfrm>
+            <a:off x="8550968" y="1768110"/>
+            <a:ext cx="1543050" cy="3400425"/>
+          </a:xfrm>
+          <a:prstGeom prst="rect">
+            <a:avLst/>
+          </a:prstGeom>
+        </p:spPr>
+      </p:pic>
+      <p:pic>
+        <p:nvPicPr>
+          <p:cNvPr id="13" name="Picture 12">
+            <a:extLst>
+              <a:ext uri="{FF2B5EF4-FFF2-40B4-BE49-F238E27FC236}">
+                <a16:creationId xmlns:a16="http://schemas.microsoft.com/office/drawing/2014/main" id="{8610B268-D1D9-4075-B498-F32B9567E8C5}"/>
+              </a:ext>
+            </a:extLst>
+          </p:cNvPr>
+          <p:cNvPicPr>
+            <a:picLocks noChangeAspect="1"/>
+          </p:cNvPicPr>
+          <p:nvPr/>
+        </p:nvPicPr>
+        <p:blipFill>
+          <a:blip r:embed="rId3"/>
+          <a:stretch>
+            <a:fillRect/>
+          </a:stretch>
+        </p:blipFill>
+        <p:spPr>
+          <a:xfrm>
+            <a:off x="1494607" y="2502942"/>
+            <a:ext cx="6038850" cy="1571625"/>
+          </a:xfrm>
+          <a:prstGeom prst="rect">
+            <a:avLst/>
+          </a:prstGeom>
+        </p:spPr>
+      </p:pic>
     </p:spTree>
     <p:extLst>
       <p:ext uri="{BB962C8B-B14F-4D97-AF65-F5344CB8AC3E}">
-        <p14:creationId xmlns:p14="http://schemas.microsoft.com/office/powerpoint/2010/main" val="3028254079"/>
+        <p14:creationId xmlns:p14="http://schemas.microsoft.com/office/powerpoint/2010/main" val="929116267"/>
+      </p:ext>
+    </p:extLst>
+  </p:cSld>
+  <p:clrMapOvr>
+    <a:masterClrMapping/>
+  </p:clrMapOvr>
+</p:sld>
+</file>
+
+<file path=ppt/slides/slide19.xml><?xml version="1.0" encoding="utf-8"?>
+<p:sld xmlns:a="http://schemas.openxmlformats.org/drawingml/2006/main" xmlns:r="http://schemas.openxmlformats.org/officeDocument/2006/relationships" xmlns:p="http://schemas.openxmlformats.org/presentationml/2006/main">
+  <p:cSld>
+    <p:spTree>
+      <p:nvGrpSpPr>
+        <p:cNvPr id="1" name=""/>
+        <p:cNvGrpSpPr/>
+        <p:nvPr/>
+      </p:nvGrpSpPr>
+      <p:grpSpPr>
+        <a:xfrm>
+          <a:off x="0" y="0"/>
+          <a:ext cx="0" cy="0"/>
+          <a:chOff x="0" y="0"/>
+          <a:chExt cx="0" cy="0"/>
+        </a:xfrm>
+      </p:grpSpPr>
+      <p:sp>
+        <p:nvSpPr>
+          <p:cNvPr id="2" name="Title 1">
+            <a:extLst>
+              <a:ext uri="{FF2B5EF4-FFF2-40B4-BE49-F238E27FC236}">
+                <a16:creationId xmlns:a16="http://schemas.microsoft.com/office/drawing/2014/main" id="{AAC8A726-CA63-4689-B6C5-FAED1BE89B3C}"/>
+              </a:ext>
+            </a:extLst>
+          </p:cNvPr>
+          <p:cNvSpPr>
+            <a:spLocks noGrp="1"/>
+          </p:cNvSpPr>
+          <p:nvPr>
+            <p:ph type="title"/>
+          </p:nvPr>
+        </p:nvSpPr>
+        <p:spPr/>
+        <p:txBody>
+          <a:bodyPr/>
+          <a:lstStyle/>
+          <a:p>
+            <a:r>
+              <a:rPr lang="en-US" dirty="0"/>
+              <a:t>Project 2: State Machine</a:t>
+            </a:r>
+          </a:p>
+        </p:txBody>
+      </p:sp>
+      <p:pic>
+        <p:nvPicPr>
+          <p:cNvPr id="8" name="Content Placeholder 7">
+            <a:extLst>
+              <a:ext uri="{FF2B5EF4-FFF2-40B4-BE49-F238E27FC236}">
+                <a16:creationId xmlns:a16="http://schemas.microsoft.com/office/drawing/2014/main" id="{B28E6066-EA26-4E53-8F3D-D3AFC38B54F3}"/>
+              </a:ext>
+            </a:extLst>
+          </p:cNvPr>
+          <p:cNvPicPr>
+            <a:picLocks noGrp="1" noChangeAspect="1"/>
+          </p:cNvPicPr>
+          <p:nvPr>
+            <p:ph sz="half" idx="2"/>
+          </p:nvPr>
+        </p:nvPicPr>
+        <p:blipFill>
+          <a:blip r:embed="rId2"/>
+          <a:stretch>
+            <a:fillRect/>
+          </a:stretch>
+        </p:blipFill>
+        <p:spPr>
+          <a:xfrm>
+            <a:off x="6700308" y="975360"/>
+            <a:ext cx="4171950" cy="2305050"/>
+          </a:xfrm>
+          <a:prstGeom prst="rect">
+            <a:avLst/>
+          </a:prstGeom>
+        </p:spPr>
+      </p:pic>
+      <p:sp>
+        <p:nvSpPr>
+          <p:cNvPr id="10" name="Content Placeholder 9">
+            <a:extLst>
+              <a:ext uri="{FF2B5EF4-FFF2-40B4-BE49-F238E27FC236}">
+                <a16:creationId xmlns:a16="http://schemas.microsoft.com/office/drawing/2014/main" id="{A973AF35-2054-473F-ADA0-C7478EEA78A9}"/>
+              </a:ext>
+            </a:extLst>
+          </p:cNvPr>
+          <p:cNvSpPr>
+            <a:spLocks noGrp="1"/>
+          </p:cNvSpPr>
+          <p:nvPr>
+            <p:ph sz="half" idx="1"/>
+          </p:nvPr>
+        </p:nvSpPr>
+        <p:spPr/>
+        <p:txBody>
+          <a:bodyPr/>
+          <a:lstStyle/>
+          <a:p>
+            <a:r>
+              <a:rPr lang="en-US" dirty="0"/>
+              <a:t>The starting State is defined in a Parameter</a:t>
+            </a:r>
+          </a:p>
+          <a:p>
+            <a:r>
+              <a:rPr lang="en-US" dirty="0"/>
+              <a:t>To switch from 1 to 2. Only A is True</a:t>
+            </a:r>
+          </a:p>
+          <a:p>
+            <a:r>
+              <a:rPr lang="en-US" dirty="0"/>
+              <a:t>To switch form 2 to 3 Only B is True</a:t>
+            </a:r>
+          </a:p>
+          <a:p>
+            <a:r>
+              <a:rPr lang="en-US" dirty="0"/>
+              <a:t>To switch from 3 to 1 Only C is True</a:t>
+            </a:r>
+          </a:p>
+        </p:txBody>
+      </p:sp>
+      <p:graphicFrame>
+        <p:nvGraphicFramePr>
+          <p:cNvPr id="11" name="Content Placeholder 8">
+            <a:extLst>
+              <a:ext uri="{FF2B5EF4-FFF2-40B4-BE49-F238E27FC236}">
+                <a16:creationId xmlns:a16="http://schemas.microsoft.com/office/drawing/2014/main" id="{2463EE31-4456-469B-B785-F1B161D8F17B}"/>
+              </a:ext>
+            </a:extLst>
+          </p:cNvPr>
+          <p:cNvGraphicFramePr>
+            <a:graphicFrameLocks/>
+          </p:cNvGraphicFramePr>
+          <p:nvPr>
+            <p:extLst>
+              <p:ext uri="{D42A27DB-BD31-4B8C-83A1-F6EECF244321}">
+                <p14:modId xmlns:p14="http://schemas.microsoft.com/office/powerpoint/2010/main" val="4142603118"/>
+              </p:ext>
+            </p:extLst>
+          </p:nvPr>
+        </p:nvGraphicFramePr>
+        <p:xfrm>
+          <a:off x="7258855" y="3057350"/>
+          <a:ext cx="3054855" cy="3680594"/>
+        </p:xfrm>
+        <a:graphic>
+          <a:graphicData uri="http://schemas.openxmlformats.org/drawingml/2006/diagram">
+            <dgm:relIds xmlns:dgm="http://schemas.openxmlformats.org/drawingml/2006/diagram" xmlns:r="http://schemas.openxmlformats.org/officeDocument/2006/relationships" r:dm="rId3" r:lo="rId4" r:qs="rId5" r:cs="rId6"/>
+          </a:graphicData>
+        </a:graphic>
+      </p:graphicFrame>
+    </p:spTree>
+    <p:extLst>
+      <p:ext uri="{BB962C8B-B14F-4D97-AF65-F5344CB8AC3E}">
+        <p14:creationId xmlns:p14="http://schemas.microsoft.com/office/powerpoint/2010/main" val="3677732703"/>
       </p:ext>
     </p:extLst>
   </p:cSld>
@@ -9328,32 +12120,35 @@
           <a:p>
             <a:r>
               <a:rPr lang="en-US" dirty="0"/>
-              <a:t>What is a Static Module</a:t>
-            </a:r>
-          </a:p>
-          <a:p>
-            <a:r>
-              <a:rPr lang="en-US" dirty="0"/>
-              <a:t>When to create a Static module</a:t>
-            </a:r>
-          </a:p>
-          <a:p>
-            <a:r>
-              <a:rPr lang="en-US" dirty="0"/>
-              <a:t>Common Overrides</a:t>
-            </a:r>
-          </a:p>
-          <a:p>
-            <a:r>
-              <a:rPr lang="en-US" dirty="0"/>
-              <a:t>Exercise Module</a:t>
-            </a:r>
-          </a:p>
-          <a:p>
-            <a:r>
-              <a:rPr lang="en-US" dirty="0"/>
-              <a:t>Recruiting Modules ( ? )</a:t>
-            </a:r>
+              <a:t>What Template to use</a:t>
+            </a:r>
+          </a:p>
+          <a:p>
+            <a:r>
+              <a:rPr lang="en-US" dirty="0"/>
+              <a:t>Static Module Creation</a:t>
+            </a:r>
+          </a:p>
+          <a:p>
+            <a:r>
+              <a:rPr lang="en-US" dirty="0"/>
+              <a:t>Script include</a:t>
+            </a:r>
+          </a:p>
+          <a:p>
+            <a:r>
+              <a:rPr lang="en-US" dirty="0"/>
+              <a:t>Parameters</a:t>
+            </a:r>
+          </a:p>
+          <a:p>
+            <a:r>
+              <a:rPr lang="en-US" dirty="0"/>
+              <a:t>Initialization</a:t>
+            </a:r>
+          </a:p>
+          <a:p>
+            <a:endParaRPr lang="en-US" dirty="0"/>
           </a:p>
           <a:p>
             <a:endParaRPr lang="en-US" dirty="0"/>
@@ -9373,7 +12168,7 @@
 </p:sld>
 </file>
 
-<file path=ppt/slides/slide3.xml><?xml version="1.0" encoding="utf-8"?>
+<file path=ppt/slides/slide20.xml><?xml version="1.0" encoding="utf-8"?>
 <p:sld xmlns:a="http://schemas.openxmlformats.org/drawingml/2006/main" xmlns:r="http://schemas.openxmlformats.org/officeDocument/2006/relationships" xmlns:p="http://schemas.openxmlformats.org/presentationml/2006/main">
   <p:cSld>
     <p:spTree>
@@ -9392,10 +12187,10 @@
       </p:grpSpPr>
       <p:sp>
         <p:nvSpPr>
-          <p:cNvPr id="3" name="Text Placeholder 2">
+          <p:cNvPr id="2" name="Text Placeholder 1">
             <a:extLst>
               <a:ext uri="{FF2B5EF4-FFF2-40B4-BE49-F238E27FC236}">
-                <a16:creationId xmlns:a16="http://schemas.microsoft.com/office/drawing/2014/main" id="{F62A86B4-7235-4685-A123-4B14DF62E2F0}"/>
+                <a16:creationId xmlns:a16="http://schemas.microsoft.com/office/drawing/2014/main" id="{8BE8DA13-2255-4B15-B0E7-9BB8CA0141B7}"/>
               </a:ext>
             </a:extLst>
           </p:cNvPr>
@@ -9413,7 +12208,7 @@
           <a:p>
             <a:r>
               <a:rPr lang="en-US" dirty="0"/>
-              <a:t>What are Static Modules?</a:t>
+              <a:t>Exercise 3 State Machine Module</a:t>
             </a:r>
           </a:p>
         </p:txBody>
@@ -9421,7 +12216,7 @@
     </p:spTree>
     <p:extLst>
       <p:ext uri="{BB962C8B-B14F-4D97-AF65-F5344CB8AC3E}">
-        <p14:creationId xmlns:p14="http://schemas.microsoft.com/office/powerpoint/2010/main" val="2524145622"/>
+        <p14:creationId xmlns:p14="http://schemas.microsoft.com/office/powerpoint/2010/main" val="2287185825"/>
       </p:ext>
     </p:extLst>
   </p:cSld>
@@ -9431,7 +12226,71 @@
 </p:sld>
 </file>
 
-<file path=ppt/slides/slide4.xml><?xml version="1.0" encoding="utf-8"?>
+<file path=ppt/slides/slide21.xml><?xml version="1.0" encoding="utf-8"?>
+<p:sld xmlns:a="http://schemas.openxmlformats.org/drawingml/2006/main" xmlns:r="http://schemas.openxmlformats.org/officeDocument/2006/relationships" xmlns:p="http://schemas.openxmlformats.org/presentationml/2006/main">
+  <p:cSld>
+    <p:spTree>
+      <p:nvGrpSpPr>
+        <p:cNvPr id="1" name=""/>
+        <p:cNvGrpSpPr/>
+        <p:nvPr/>
+      </p:nvGrpSpPr>
+      <p:grpSpPr>
+        <a:xfrm>
+          <a:off x="0" y="0"/>
+          <a:ext cx="0" cy="0"/>
+          <a:chOff x="0" y="0"/>
+          <a:chExt cx="0" cy="0"/>
+        </a:xfrm>
+      </p:grpSpPr>
+      <p:sp>
+        <p:nvSpPr>
+          <p:cNvPr id="2" name="Text Placeholder 1">
+            <a:extLst>
+              <a:ext uri="{FF2B5EF4-FFF2-40B4-BE49-F238E27FC236}">
+                <a16:creationId xmlns:a16="http://schemas.microsoft.com/office/drawing/2014/main" id="{B02492D7-0F0B-4D46-91C4-4C061BBB60A8}"/>
+              </a:ext>
+            </a:extLst>
+          </p:cNvPr>
+          <p:cNvSpPr>
+            <a:spLocks noGrp="1"/>
+          </p:cNvSpPr>
+          <p:nvPr>
+            <p:ph type="body" sz="quarter" idx="10"/>
+          </p:nvPr>
+        </p:nvSpPr>
+        <p:spPr/>
+        <p:txBody>
+          <a:bodyPr/>
+          <a:lstStyle/>
+          <a:p>
+            <a:r>
+              <a:rPr lang="en-US" dirty="0"/>
+              <a:t>Exercise 4 (optional)</a:t>
+            </a:r>
+          </a:p>
+          <a:p>
+            <a:r>
+              <a:rPr lang="en-US" dirty="0"/>
+              <a:t>Run the state machine in DCAF.</a:t>
+            </a:r>
+          </a:p>
+        </p:txBody>
+      </p:sp>
+    </p:spTree>
+    <p:extLst>
+      <p:ext uri="{BB962C8B-B14F-4D97-AF65-F5344CB8AC3E}">
+        <p14:creationId xmlns:p14="http://schemas.microsoft.com/office/powerpoint/2010/main" val="1629590901"/>
+      </p:ext>
+    </p:extLst>
+  </p:cSld>
+  <p:clrMapOvr>
+    <a:masterClrMapping/>
+  </p:clrMapOvr>
+</p:sld>
+</file>
+
+<file path=ppt/slides/slide22.xml><?xml version="1.0" encoding="utf-8"?>
 <p:sld xmlns:a="http://schemas.openxmlformats.org/drawingml/2006/main" xmlns:r="http://schemas.openxmlformats.org/officeDocument/2006/relationships" xmlns:p="http://schemas.openxmlformats.org/presentationml/2006/main">
   <p:cSld>
     <p:spTree>
@@ -9465,13 +12324,8 @@
           <a:p>
             <a:r>
               <a:rPr lang="en-US" dirty="0"/>
-              <a:t>Static</a:t>
-            </a:r>
-            <a:r>
-              <a:rPr lang="en-US" baseline="0" dirty="0"/>
-              <a:t> Module</a:t>
-            </a:r>
-            <a:endParaRPr lang="en-US" dirty="0"/>
+              <a:t>Conclusions</a:t>
+            </a:r>
           </a:p>
         </p:txBody>
       </p:sp>
@@ -9487,39 +12341,341 @@
         </p:nvSpPr>
         <p:spPr/>
         <p:txBody>
-          <a:bodyPr/>
+          <a:bodyPr>
+            <a:normAutofit/>
+          </a:bodyPr>
           <a:lstStyle/>
           <a:p>
-            <a:pPr lvl="1"/>
-            <a:r>
-              <a:rPr lang="en-US" dirty="0"/>
-              <a:t>What information needs to be configurable? </a:t>
-            </a:r>
-          </a:p>
-          <a:p>
-            <a:pPr lvl="1"/>
-            <a:r>
-              <a:rPr lang="en-US" dirty="0"/>
-              <a:t>Application specific modules will have a number of inputs and outputs that do not change. </a:t>
-            </a:r>
-          </a:p>
-          <a:p>
-            <a:pPr lvl="1"/>
-            <a:r>
-              <a:rPr lang="en-US" dirty="0"/>
-              <a:t>Therefore, use the Static Module Template</a:t>
-            </a:r>
-          </a:p>
-          <a:p>
-            <a:pPr lvl="1"/>
-            <a:endParaRPr lang="en-US" dirty="0"/>
+            <a:pPr lvl="2"/>
+            <a:r>
+              <a:rPr lang="en-US" dirty="0"/>
+              <a:t>Static Modules have their channels and parameters defined by the module developer</a:t>
+            </a:r>
+          </a:p>
+          <a:p>
+            <a:pPr lvl="2"/>
+            <a:r>
+              <a:rPr lang="en-US" dirty="0"/>
+              <a:t>Create the Module from the Static Module Sample Project</a:t>
+            </a:r>
+          </a:p>
+          <a:p>
+            <a:pPr lvl="2"/>
+            <a:r>
+              <a:rPr lang="en-US" dirty="0"/>
+              <a:t>Add Parameters to set desired keys.vi (optional)</a:t>
+            </a:r>
+          </a:p>
+          <a:p>
+            <a:pPr lvl="2"/>
+            <a:r>
+              <a:rPr lang="en-US" dirty="0"/>
+              <a:t>Handle initialization (optional) </a:t>
+            </a:r>
+          </a:p>
+          <a:p>
+            <a:pPr lvl="2"/>
+            <a:r>
+              <a:rPr lang="en-US" dirty="0"/>
+              <a:t>Implement the Input, Processing, and/or Output Methods as needed</a:t>
+            </a:r>
+          </a:p>
+          <a:p>
+            <a:pPr lvl="2"/>
+            <a:r>
+              <a:rPr lang="en-US" dirty="0"/>
+              <a:t>You should do testing and validation of your module (will be discussed in later chapters)</a:t>
+            </a:r>
           </a:p>
         </p:txBody>
       </p:sp>
     </p:spTree>
     <p:extLst>
       <p:ext uri="{BB962C8B-B14F-4D97-AF65-F5344CB8AC3E}">
-        <p14:creationId xmlns:p14="http://schemas.microsoft.com/office/powerpoint/2010/main" val="2715638149"/>
+        <p14:creationId xmlns:p14="http://schemas.microsoft.com/office/powerpoint/2010/main" val="1920546832"/>
+      </p:ext>
+    </p:extLst>
+  </p:cSld>
+  <p:clrMapOvr>
+    <a:masterClrMapping/>
+  </p:clrMapOvr>
+</p:sld>
+</file>
+
+<file path=ppt/slides/slide3.xml><?xml version="1.0" encoding="utf-8"?>
+<p:sld xmlns:a="http://schemas.openxmlformats.org/drawingml/2006/main" xmlns:r="http://schemas.openxmlformats.org/officeDocument/2006/relationships" xmlns:p="http://schemas.openxmlformats.org/presentationml/2006/main">
+  <p:cSld>
+    <p:spTree>
+      <p:nvGrpSpPr>
+        <p:cNvPr id="1" name=""/>
+        <p:cNvGrpSpPr/>
+        <p:nvPr/>
+      </p:nvGrpSpPr>
+      <p:grpSpPr>
+        <a:xfrm>
+          <a:off x="0" y="0"/>
+          <a:ext cx="0" cy="0"/>
+          <a:chOff x="0" y="0"/>
+          <a:chExt cx="0" cy="0"/>
+        </a:xfrm>
+      </p:grpSpPr>
+      <p:sp>
+        <p:nvSpPr>
+          <p:cNvPr id="2" name="Title 1">
+            <a:extLst>
+              <a:ext uri="{FF2B5EF4-FFF2-40B4-BE49-F238E27FC236}">
+                <a16:creationId xmlns:a16="http://schemas.microsoft.com/office/drawing/2014/main" id="{DDB0AA52-A019-4B11-AE1C-933CE2504665}"/>
+              </a:ext>
+            </a:extLst>
+          </p:cNvPr>
+          <p:cNvSpPr>
+            <a:spLocks noGrp="1"/>
+          </p:cNvSpPr>
+          <p:nvPr>
+            <p:ph type="title"/>
+          </p:nvPr>
+        </p:nvSpPr>
+        <p:spPr/>
+        <p:txBody>
+          <a:bodyPr/>
+          <a:lstStyle/>
+          <a:p>
+            <a:r>
+              <a:rPr lang="en-US" dirty="0"/>
+              <a:t>Static Or Dynamic?</a:t>
+            </a:r>
+          </a:p>
+        </p:txBody>
+      </p:sp>
+      <p:pic>
+        <p:nvPicPr>
+          <p:cNvPr id="8" name="Content Placeholder 7">
+            <a:extLst>
+              <a:ext uri="{FF2B5EF4-FFF2-40B4-BE49-F238E27FC236}">
+                <a16:creationId xmlns:a16="http://schemas.microsoft.com/office/drawing/2014/main" id="{C24FF5AD-8711-42B8-ABB7-F42946206026}"/>
+              </a:ext>
+            </a:extLst>
+          </p:cNvPr>
+          <p:cNvPicPr>
+            <a:picLocks noGrp="1" noChangeAspect="1"/>
+          </p:cNvPicPr>
+          <p:nvPr>
+            <p:ph idx="1"/>
+          </p:nvPr>
+        </p:nvPicPr>
+        <p:blipFill>
+          <a:blip r:embed="rId2"/>
+          <a:stretch>
+            <a:fillRect/>
+          </a:stretch>
+        </p:blipFill>
+        <p:spPr>
+          <a:xfrm>
+            <a:off x="2987496" y="974725"/>
+            <a:ext cx="6207483" cy="4897438"/>
+          </a:xfrm>
+          <a:prstGeom prst="rect">
+            <a:avLst/>
+          </a:prstGeom>
+        </p:spPr>
+      </p:pic>
+    </p:spTree>
+    <p:extLst>
+      <p:ext uri="{BB962C8B-B14F-4D97-AF65-F5344CB8AC3E}">
+        <p14:creationId xmlns:p14="http://schemas.microsoft.com/office/powerpoint/2010/main" val="150788926"/>
+      </p:ext>
+    </p:extLst>
+  </p:cSld>
+  <p:clrMapOvr>
+    <a:masterClrMapping/>
+  </p:clrMapOvr>
+</p:sld>
+</file>
+
+<file path=ppt/slides/slide4.xml><?xml version="1.0" encoding="utf-8"?>
+<p:sld xmlns:a="http://schemas.openxmlformats.org/drawingml/2006/main" xmlns:r="http://schemas.openxmlformats.org/officeDocument/2006/relationships" xmlns:p="http://schemas.openxmlformats.org/presentationml/2006/main">
+  <p:cSld>
+    <p:spTree>
+      <p:nvGrpSpPr>
+        <p:cNvPr id="1" name=""/>
+        <p:cNvGrpSpPr/>
+        <p:nvPr/>
+      </p:nvGrpSpPr>
+      <p:grpSpPr>
+        <a:xfrm>
+          <a:off x="0" y="0"/>
+          <a:ext cx="0" cy="0"/>
+          <a:chOff x="0" y="0"/>
+          <a:chExt cx="0" cy="0"/>
+        </a:xfrm>
+      </p:grpSpPr>
+      <p:sp>
+        <p:nvSpPr>
+          <p:cNvPr id="2" name="Title 1">
+            <a:extLst>
+              <a:ext uri="{FF2B5EF4-FFF2-40B4-BE49-F238E27FC236}">
+                <a16:creationId xmlns:a16="http://schemas.microsoft.com/office/drawing/2014/main" id="{CC7A9EF6-01ED-439F-A409-094DCB43CB99}"/>
+              </a:ext>
+            </a:extLst>
+          </p:cNvPr>
+          <p:cNvSpPr>
+            <a:spLocks noGrp="1"/>
+          </p:cNvSpPr>
+          <p:nvPr>
+            <p:ph type="title"/>
+          </p:nvPr>
+        </p:nvSpPr>
+        <p:spPr/>
+        <p:txBody>
+          <a:bodyPr/>
+          <a:lstStyle/>
+          <a:p>
+            <a:r>
+              <a:rPr lang="en-US" dirty="0"/>
+              <a:t>Static or Dynamic</a:t>
+            </a:r>
+          </a:p>
+        </p:txBody>
+      </p:sp>
+      <p:sp>
+        <p:nvSpPr>
+          <p:cNvPr id="3" name="Content Placeholder 2">
+            <a:extLst>
+              <a:ext uri="{FF2B5EF4-FFF2-40B4-BE49-F238E27FC236}">
+                <a16:creationId xmlns:a16="http://schemas.microsoft.com/office/drawing/2014/main" id="{3146A820-0D89-4021-9026-5C705BA35C18}"/>
+              </a:ext>
+            </a:extLst>
+          </p:cNvPr>
+          <p:cNvSpPr>
+            <a:spLocks noGrp="1"/>
+          </p:cNvSpPr>
+          <p:nvPr>
+            <p:ph sz="half" idx="1"/>
+          </p:nvPr>
+        </p:nvSpPr>
+        <p:spPr/>
+        <p:txBody>
+          <a:bodyPr/>
+          <a:lstStyle/>
+          <a:p>
+            <a:pPr marL="365751" lvl="1" indent="0">
+              <a:buNone/>
+            </a:pPr>
+            <a:r>
+              <a:rPr lang="en-US" b="1" u="sng" dirty="0"/>
+              <a:t>Static</a:t>
+            </a:r>
+          </a:p>
+          <a:p>
+            <a:pPr lvl="1"/>
+            <a:r>
+              <a:rPr lang="en-US" dirty="0"/>
+              <a:t>Module developer defines the number of channels available in the module</a:t>
+            </a:r>
+          </a:p>
+          <a:p>
+            <a:pPr lvl="1"/>
+            <a:r>
+              <a:rPr lang="en-US" dirty="0"/>
+              <a:t>Template includes UI ready to use.</a:t>
+            </a:r>
+          </a:p>
+          <a:p>
+            <a:pPr lvl="1"/>
+            <a:r>
+              <a:rPr lang="en-US" dirty="0"/>
+              <a:t>Easier to Create</a:t>
+            </a:r>
+          </a:p>
+          <a:p>
+            <a:pPr lvl="1"/>
+            <a:r>
+              <a:rPr lang="en-US" dirty="0"/>
+              <a:t>Mostly used for processing</a:t>
+            </a:r>
+          </a:p>
+        </p:txBody>
+      </p:sp>
+      <p:sp>
+        <p:nvSpPr>
+          <p:cNvPr id="4" name="Content Placeholder 3">
+            <a:extLst>
+              <a:ext uri="{FF2B5EF4-FFF2-40B4-BE49-F238E27FC236}">
+                <a16:creationId xmlns:a16="http://schemas.microsoft.com/office/drawing/2014/main" id="{47E18519-E607-4692-8264-4058E09C741B}"/>
+              </a:ext>
+            </a:extLst>
+          </p:cNvPr>
+          <p:cNvSpPr>
+            <a:spLocks noGrp="1"/>
+          </p:cNvSpPr>
+          <p:nvPr>
+            <p:ph sz="half" idx="2"/>
+          </p:nvPr>
+        </p:nvSpPr>
+        <p:spPr/>
+        <p:txBody>
+          <a:bodyPr/>
+          <a:lstStyle/>
+          <a:p>
+            <a:r>
+              <a:rPr lang="en-US" b="1" u="sng" dirty="0"/>
+              <a:t>Dynamic</a:t>
+            </a:r>
+          </a:p>
+          <a:p>
+            <a:pPr marL="342900" indent="-342900">
+              <a:buFont typeface="Arial" panose="020B0604020202020204" pitchFamily="34" charset="0"/>
+              <a:buChar char="•"/>
+            </a:pPr>
+            <a:r>
+              <a:rPr lang="en-US" dirty="0"/>
+              <a:t>Final user can configure the number of channels. </a:t>
+            </a:r>
+          </a:p>
+          <a:p>
+            <a:pPr marL="342900" indent="-342900">
+              <a:buFont typeface="Arial" panose="020B0604020202020204" pitchFamily="34" charset="0"/>
+              <a:buChar char="•"/>
+            </a:pPr>
+            <a:r>
+              <a:rPr lang="en-US" dirty="0"/>
+              <a:t>More flexible template</a:t>
+            </a:r>
+          </a:p>
+          <a:p>
+            <a:pPr marL="342900" indent="-342900">
+              <a:buFont typeface="Arial" panose="020B0604020202020204" pitchFamily="34" charset="0"/>
+              <a:buChar char="•"/>
+            </a:pPr>
+            <a:r>
+              <a:rPr lang="en-US" dirty="0"/>
+              <a:t>Requires more codding. </a:t>
+            </a:r>
+          </a:p>
+          <a:p>
+            <a:pPr marL="342900" indent="-342900">
+              <a:buFont typeface="Arial" panose="020B0604020202020204" pitchFamily="34" charset="0"/>
+              <a:buChar char="•"/>
+            </a:pPr>
+            <a:r>
+              <a:rPr lang="en-US" dirty="0"/>
+              <a:t>More </a:t>
+            </a:r>
+            <a:r>
+              <a:rPr lang="en-US" dirty="0" err="1"/>
+              <a:t>cmmonly</a:t>
+            </a:r>
+            <a:r>
+              <a:rPr lang="en-US" dirty="0"/>
+              <a:t> used for input/output</a:t>
+            </a:r>
+          </a:p>
+        </p:txBody>
+      </p:sp>
+    </p:spTree>
+    <p:extLst>
+      <p:ext uri="{BB962C8B-B14F-4D97-AF65-F5344CB8AC3E}">
+        <p14:creationId xmlns:p14="http://schemas.microsoft.com/office/powerpoint/2010/main" val="1614737501"/>
       </p:ext>
     </p:extLst>
   </p:cSld>
@@ -9548,7 +12704,13 @@
       </p:grpSpPr>
       <p:sp>
         <p:nvSpPr>
-          <p:cNvPr id="2" name="Title 1"/>
+          <p:cNvPr id="2" name="Title 1">
+            <a:extLst>
+              <a:ext uri="{FF2B5EF4-FFF2-40B4-BE49-F238E27FC236}">
+                <a16:creationId xmlns:a16="http://schemas.microsoft.com/office/drawing/2014/main" id="{C2AFB99D-5805-4F39-86A3-422442BD2B37}"/>
+              </a:ext>
+            </a:extLst>
+          </p:cNvPr>
           <p:cNvSpPr>
             <a:spLocks noGrp="1"/>
           </p:cNvSpPr>
@@ -9563,96 +12725,1323 @@
           <a:p>
             <a:r>
               <a:rPr lang="en-US" dirty="0"/>
-              <a:t>Static</a:t>
-            </a:r>
-            <a:r>
-              <a:rPr lang="en-US" baseline="0" dirty="0"/>
-              <a:t> Module</a:t>
-            </a:r>
-            <a:endParaRPr lang="en-US" dirty="0"/>
+              <a:t>Defining the Channels</a:t>
+            </a:r>
+          </a:p>
+        </p:txBody>
+      </p:sp>
+      <p:pic>
+        <p:nvPicPr>
+          <p:cNvPr id="94" name="Content Placeholder 93">
+            <a:extLst>
+              <a:ext uri="{FF2B5EF4-FFF2-40B4-BE49-F238E27FC236}">
+                <a16:creationId xmlns:a16="http://schemas.microsoft.com/office/drawing/2014/main" id="{23734373-74A0-46BF-9FDF-1840EE7D0C29}"/>
+              </a:ext>
+            </a:extLst>
+          </p:cNvPr>
+          <p:cNvPicPr>
+            <a:picLocks noGrp="1" noChangeAspect="1"/>
+          </p:cNvPicPr>
+          <p:nvPr>
+            <p:ph sz="half" idx="1"/>
+          </p:nvPr>
+        </p:nvPicPr>
+        <p:blipFill>
+          <a:blip r:embed="rId2"/>
+          <a:stretch>
+            <a:fillRect/>
+          </a:stretch>
+        </p:blipFill>
+        <p:spPr>
+          <a:xfrm>
+            <a:off x="311352" y="1489843"/>
+            <a:ext cx="5389562" cy="4265641"/>
+          </a:xfrm>
+          <a:prstGeom prst="rect">
+            <a:avLst/>
+          </a:prstGeom>
+        </p:spPr>
+      </p:pic>
+      <p:sp>
+        <p:nvSpPr>
+          <p:cNvPr id="96" name="Rounded Rectangle 5">
+            <a:extLst>
+              <a:ext uri="{FF2B5EF4-FFF2-40B4-BE49-F238E27FC236}">
+                <a16:creationId xmlns:a16="http://schemas.microsoft.com/office/drawing/2014/main" id="{71F8332F-C03B-4BB2-A36F-2AE23FCC094A}"/>
+              </a:ext>
+            </a:extLst>
+          </p:cNvPr>
+          <p:cNvSpPr/>
+          <p:nvPr/>
+        </p:nvSpPr>
+        <p:spPr>
+          <a:xfrm>
+            <a:off x="10226280" y="3598760"/>
+            <a:ext cx="1828800" cy="771787"/>
+          </a:xfrm>
+          <a:prstGeom prst="roundRect">
+            <a:avLst/>
+          </a:prstGeom>
+          <a:solidFill>
+            <a:schemeClr val="tx2">
+              <a:lumMod val="50000"/>
+            </a:schemeClr>
+          </a:solidFill>
+          <a:ln w="28575">
+            <a:solidFill>
+              <a:schemeClr val="tx1"/>
+            </a:solidFill>
+          </a:ln>
+          <a:effectLst>
+            <a:outerShdw blurRad="50800" dist="38100" dir="2700000" algn="tl" rotWithShape="0">
+              <a:prstClr val="black">
+                <a:alpha val="40000"/>
+              </a:prstClr>
+            </a:outerShdw>
+          </a:effectLst>
+        </p:spPr>
+        <p:style>
+          <a:lnRef idx="1">
+            <a:schemeClr val="accent1"/>
+          </a:lnRef>
+          <a:fillRef idx="3">
+            <a:schemeClr val="accent1"/>
+          </a:fillRef>
+          <a:effectRef idx="2">
+            <a:schemeClr val="accent1"/>
+          </a:effectRef>
+          <a:fontRef idx="minor">
+            <a:schemeClr val="lt1"/>
+          </a:fontRef>
+        </p:style>
+        <p:txBody>
+          <a:bodyPr rtlCol="0" anchor="ctr"/>
+          <a:lstStyle/>
+          <a:p>
+            <a:pPr algn="ctr"/>
+            <a:r>
+              <a:rPr lang="en-US" dirty="0"/>
+              <a:t>Output</a:t>
+            </a:r>
           </a:p>
         </p:txBody>
       </p:sp>
       <p:sp>
         <p:nvSpPr>
-          <p:cNvPr id="3" name="Content Placeholder 2"/>
-          <p:cNvSpPr>
-            <a:spLocks noGrp="1"/>
-          </p:cNvSpPr>
-          <p:nvPr>
-            <p:ph sz="half" idx="1"/>
-          </p:nvPr>
+          <p:cNvPr id="97" name="Rounded Rectangle 5">
+            <a:extLst>
+              <a:ext uri="{FF2B5EF4-FFF2-40B4-BE49-F238E27FC236}">
+                <a16:creationId xmlns:a16="http://schemas.microsoft.com/office/drawing/2014/main" id="{1B143288-A973-40DB-B47E-9221F6424824}"/>
+              </a:ext>
+            </a:extLst>
+          </p:cNvPr>
+          <p:cNvSpPr/>
+          <p:nvPr/>
         </p:nvSpPr>
-        <p:spPr/>
+        <p:spPr>
+          <a:xfrm>
+            <a:off x="10158543" y="3523055"/>
+            <a:ext cx="1828800" cy="771787"/>
+          </a:xfrm>
+          <a:prstGeom prst="roundRect">
+            <a:avLst/>
+          </a:prstGeom>
+          <a:solidFill>
+            <a:schemeClr val="tx2">
+              <a:lumMod val="50000"/>
+            </a:schemeClr>
+          </a:solidFill>
+          <a:ln w="28575">
+            <a:solidFill>
+              <a:schemeClr val="tx1"/>
+            </a:solidFill>
+          </a:ln>
+          <a:effectLst>
+            <a:outerShdw blurRad="50800" dist="38100" dir="2700000" algn="tl" rotWithShape="0">
+              <a:prstClr val="black">
+                <a:alpha val="40000"/>
+              </a:prstClr>
+            </a:outerShdw>
+          </a:effectLst>
+        </p:spPr>
+        <p:style>
+          <a:lnRef idx="1">
+            <a:schemeClr val="accent1"/>
+          </a:lnRef>
+          <a:fillRef idx="3">
+            <a:schemeClr val="accent1"/>
+          </a:fillRef>
+          <a:effectRef idx="2">
+            <a:schemeClr val="accent1"/>
+          </a:effectRef>
+          <a:fontRef idx="minor">
+            <a:schemeClr val="lt1"/>
+          </a:fontRef>
+        </p:style>
         <p:txBody>
-          <a:bodyPr/>
+          <a:bodyPr rtlCol="0" anchor="ctr"/>
           <a:lstStyle/>
           <a:p>
-            <a:pPr lvl="1"/>
-            <a:r>
-              <a:rPr lang="en-US" dirty="0"/>
-              <a:t>Template included with DCAF</a:t>
-            </a:r>
-          </a:p>
-          <a:p>
-            <a:pPr lvl="2"/>
-            <a:r>
-              <a:rPr lang="en-US" dirty="0"/>
-              <a:t>Theoretically there is no underlying difference</a:t>
-            </a:r>
-          </a:p>
-          <a:p>
-            <a:pPr lvl="1"/>
-            <a:r>
-              <a:rPr lang="en-US" dirty="0"/>
-              <a:t>Do not need to create the User Interface for the configuration</a:t>
-            </a:r>
-          </a:p>
-          <a:p>
-            <a:pPr lvl="1"/>
-            <a:r>
-              <a:rPr lang="en-US" dirty="0"/>
-              <a:t>Only need to write the actual logic in specific User Override methods</a:t>
-            </a:r>
-          </a:p>
-          <a:p>
-            <a:pPr lvl="1"/>
-            <a:endParaRPr lang="en-US" dirty="0"/>
+            <a:pPr algn="ctr"/>
+            <a:r>
+              <a:rPr lang="en-US" dirty="0"/>
+              <a:t>Output</a:t>
+            </a:r>
           </a:p>
         </p:txBody>
       </p:sp>
       <p:sp>
         <p:nvSpPr>
-          <p:cNvPr id="4" name="Content Placeholder 3">
+          <p:cNvPr id="98" name="Rounded Rectangle 4">
             <a:extLst>
               <a:ext uri="{FF2B5EF4-FFF2-40B4-BE49-F238E27FC236}">
-                <a16:creationId xmlns:a16="http://schemas.microsoft.com/office/drawing/2014/main" id="{84AFE74E-1E85-4C41-B247-53C2D3493936}"/>
+                <a16:creationId xmlns:a16="http://schemas.microsoft.com/office/drawing/2014/main" id="{52894837-4132-4118-902E-5F70B634C2DD}"/>
               </a:ext>
             </a:extLst>
           </p:cNvPr>
-          <p:cNvSpPr>
-            <a:spLocks noGrp="1"/>
-          </p:cNvSpPr>
-          <p:nvPr>
-            <p:ph sz="half" idx="2"/>
-          </p:nvPr>
+          <p:cNvSpPr/>
+          <p:nvPr/>
         </p:nvSpPr>
-        <p:spPr/>
+        <p:spPr>
+          <a:xfrm>
+            <a:off x="8091283" y="3622664"/>
+            <a:ext cx="1828800" cy="771787"/>
+          </a:xfrm>
+          <a:prstGeom prst="roundRect">
+            <a:avLst/>
+          </a:prstGeom>
+          <a:solidFill>
+            <a:schemeClr val="accent6">
+              <a:lumMod val="75000"/>
+            </a:schemeClr>
+          </a:solidFill>
+          <a:ln w="28575">
+            <a:solidFill>
+              <a:schemeClr val="tx1"/>
+            </a:solidFill>
+          </a:ln>
+          <a:effectLst>
+            <a:outerShdw blurRad="50800" dist="38100" dir="2700000" algn="tl" rotWithShape="0">
+              <a:prstClr val="black">
+                <a:alpha val="40000"/>
+              </a:prstClr>
+            </a:outerShdw>
+          </a:effectLst>
+        </p:spPr>
+        <p:style>
+          <a:lnRef idx="1">
+            <a:schemeClr val="accent1"/>
+          </a:lnRef>
+          <a:fillRef idx="3">
+            <a:schemeClr val="accent1"/>
+          </a:fillRef>
+          <a:effectRef idx="2">
+            <a:schemeClr val="accent1"/>
+          </a:effectRef>
+          <a:fontRef idx="minor">
+            <a:schemeClr val="lt1"/>
+          </a:fontRef>
+        </p:style>
         <p:txBody>
-          <a:bodyPr/>
+          <a:bodyPr rtlCol="0" anchor="ctr"/>
           <a:lstStyle/>
           <a:p>
-            <a:r>
-              <a:rPr lang="en-US" dirty="0"/>
-              <a:t>[image of a project with vi’s highlighted]</a:t>
-            </a:r>
+            <a:pPr algn="ctr"/>
+            <a:r>
+              <a:rPr lang="en-US" dirty="0"/>
+              <a:t>Process</a:t>
+            </a:r>
+          </a:p>
+        </p:txBody>
+      </p:sp>
+      <p:sp>
+        <p:nvSpPr>
+          <p:cNvPr id="99" name="Rounded Rectangle 4">
+            <a:extLst>
+              <a:ext uri="{FF2B5EF4-FFF2-40B4-BE49-F238E27FC236}">
+                <a16:creationId xmlns:a16="http://schemas.microsoft.com/office/drawing/2014/main" id="{8B259D12-4B05-4A40-BA63-11248681AC70}"/>
+              </a:ext>
+            </a:extLst>
+          </p:cNvPr>
+          <p:cNvSpPr/>
+          <p:nvPr/>
+        </p:nvSpPr>
+        <p:spPr>
+          <a:xfrm>
+            <a:off x="8023552" y="3531029"/>
+            <a:ext cx="1828800" cy="771787"/>
+          </a:xfrm>
+          <a:prstGeom prst="roundRect">
+            <a:avLst/>
+          </a:prstGeom>
+          <a:solidFill>
+            <a:schemeClr val="accent6">
+              <a:lumMod val="75000"/>
+            </a:schemeClr>
+          </a:solidFill>
+          <a:ln w="28575">
+            <a:solidFill>
+              <a:schemeClr val="tx1"/>
+            </a:solidFill>
+          </a:ln>
+          <a:effectLst>
+            <a:outerShdw blurRad="50800" dist="38100" dir="2700000" algn="tl" rotWithShape="0">
+              <a:prstClr val="black">
+                <a:alpha val="40000"/>
+              </a:prstClr>
+            </a:outerShdw>
+          </a:effectLst>
+        </p:spPr>
+        <p:style>
+          <a:lnRef idx="1">
+            <a:schemeClr val="accent1"/>
+          </a:lnRef>
+          <a:fillRef idx="3">
+            <a:schemeClr val="accent1"/>
+          </a:fillRef>
+          <a:effectRef idx="2">
+            <a:schemeClr val="accent1"/>
+          </a:effectRef>
+          <a:fontRef idx="minor">
+            <a:schemeClr val="lt1"/>
+          </a:fontRef>
+        </p:style>
+        <p:txBody>
+          <a:bodyPr rtlCol="0" anchor="ctr"/>
+          <a:lstStyle/>
+          <a:p>
+            <a:pPr algn="ctr"/>
+            <a:r>
+              <a:rPr lang="en-US" dirty="0"/>
+              <a:t>Process</a:t>
+            </a:r>
+          </a:p>
+        </p:txBody>
+      </p:sp>
+      <p:sp>
+        <p:nvSpPr>
+          <p:cNvPr id="100" name="Rounded Rectangle 3">
+            <a:extLst>
+              <a:ext uri="{FF2B5EF4-FFF2-40B4-BE49-F238E27FC236}">
+                <a16:creationId xmlns:a16="http://schemas.microsoft.com/office/drawing/2014/main" id="{062682CB-AB33-4E80-8164-8B8D9235CB4D}"/>
+              </a:ext>
+            </a:extLst>
+          </p:cNvPr>
+          <p:cNvSpPr/>
+          <p:nvPr/>
+        </p:nvSpPr>
+        <p:spPr>
+          <a:xfrm>
+            <a:off x="6160208" y="3622673"/>
+            <a:ext cx="1662545" cy="771787"/>
+          </a:xfrm>
+          <a:prstGeom prst="roundRect">
+            <a:avLst/>
+          </a:prstGeom>
+          <a:solidFill>
+            <a:schemeClr val="tx2">
+              <a:lumMod val="50000"/>
+            </a:schemeClr>
+          </a:solidFill>
+          <a:ln w="28575">
+            <a:solidFill>
+              <a:schemeClr val="tx1"/>
+            </a:solidFill>
+          </a:ln>
+          <a:effectLst>
+            <a:outerShdw blurRad="50800" dist="38100" dir="2700000" algn="tl" rotWithShape="0">
+              <a:prstClr val="black">
+                <a:alpha val="40000"/>
+              </a:prstClr>
+            </a:outerShdw>
+          </a:effectLst>
+        </p:spPr>
+        <p:style>
+          <a:lnRef idx="1">
+            <a:schemeClr val="accent1"/>
+          </a:lnRef>
+          <a:fillRef idx="3">
+            <a:schemeClr val="accent1"/>
+          </a:fillRef>
+          <a:effectRef idx="2">
+            <a:schemeClr val="accent1"/>
+          </a:effectRef>
+          <a:fontRef idx="minor">
+            <a:schemeClr val="lt1"/>
+          </a:fontRef>
+        </p:style>
+        <p:txBody>
+          <a:bodyPr rtlCol="0" anchor="ctr"/>
+          <a:lstStyle/>
+          <a:p>
+            <a:pPr algn="ctr"/>
+            <a:r>
+              <a:rPr lang="en-US" dirty="0"/>
+              <a:t>Input</a:t>
+            </a:r>
+          </a:p>
+        </p:txBody>
+      </p:sp>
+      <p:sp>
+        <p:nvSpPr>
+          <p:cNvPr id="101" name="Rounded Rectangle 3">
+            <a:extLst>
+              <a:ext uri="{FF2B5EF4-FFF2-40B4-BE49-F238E27FC236}">
+                <a16:creationId xmlns:a16="http://schemas.microsoft.com/office/drawing/2014/main" id="{833210DB-0E9D-49C4-80A0-9B47D75029F0}"/>
+              </a:ext>
+            </a:extLst>
+          </p:cNvPr>
+          <p:cNvSpPr/>
+          <p:nvPr/>
+        </p:nvSpPr>
+        <p:spPr>
+          <a:xfrm>
+            <a:off x="6084499" y="3538997"/>
+            <a:ext cx="1662545" cy="771787"/>
+          </a:xfrm>
+          <a:prstGeom prst="roundRect">
+            <a:avLst/>
+          </a:prstGeom>
+          <a:solidFill>
+            <a:schemeClr val="tx2">
+              <a:lumMod val="50000"/>
+            </a:schemeClr>
+          </a:solidFill>
+          <a:ln w="28575">
+            <a:solidFill>
+              <a:schemeClr val="tx1"/>
+            </a:solidFill>
+          </a:ln>
+          <a:effectLst>
+            <a:outerShdw blurRad="50800" dist="38100" dir="2700000" algn="tl" rotWithShape="0">
+              <a:prstClr val="black">
+                <a:alpha val="40000"/>
+              </a:prstClr>
+            </a:outerShdw>
+          </a:effectLst>
+        </p:spPr>
+        <p:style>
+          <a:lnRef idx="1">
+            <a:schemeClr val="accent1"/>
+          </a:lnRef>
+          <a:fillRef idx="3">
+            <a:schemeClr val="accent1"/>
+          </a:fillRef>
+          <a:effectRef idx="2">
+            <a:schemeClr val="accent1"/>
+          </a:effectRef>
+          <a:fontRef idx="minor">
+            <a:schemeClr val="lt1"/>
+          </a:fontRef>
+        </p:style>
+        <p:txBody>
+          <a:bodyPr rtlCol="0" anchor="ctr"/>
+          <a:lstStyle/>
+          <a:p>
+            <a:pPr algn="ctr"/>
+            <a:r>
+              <a:rPr lang="en-US" dirty="0"/>
+              <a:t>Input</a:t>
+            </a:r>
+          </a:p>
+        </p:txBody>
+      </p:sp>
+      <p:sp>
+        <p:nvSpPr>
+          <p:cNvPr id="102" name="Rounded Rectangle 3">
+            <a:extLst>
+              <a:ext uri="{FF2B5EF4-FFF2-40B4-BE49-F238E27FC236}">
+                <a16:creationId xmlns:a16="http://schemas.microsoft.com/office/drawing/2014/main" id="{989CDC43-5417-49CC-BC6A-CE8E3AEE7218}"/>
+              </a:ext>
+            </a:extLst>
+          </p:cNvPr>
+          <p:cNvSpPr/>
+          <p:nvPr/>
+        </p:nvSpPr>
+        <p:spPr>
+          <a:xfrm>
+            <a:off x="5853950" y="3447353"/>
+            <a:ext cx="1828800" cy="771787"/>
+          </a:xfrm>
+          <a:prstGeom prst="roundRect">
+            <a:avLst/>
+          </a:prstGeom>
+          <a:solidFill>
+            <a:schemeClr val="tx2">
+              <a:lumMod val="50000"/>
+            </a:schemeClr>
+          </a:solidFill>
+          <a:ln w="28575">
+            <a:solidFill>
+              <a:schemeClr val="tx1"/>
+            </a:solidFill>
+          </a:ln>
+          <a:effectLst>
+            <a:outerShdw blurRad="50800" dist="38100" dir="2700000" algn="tl" rotWithShape="0">
+              <a:prstClr val="black">
+                <a:alpha val="40000"/>
+              </a:prstClr>
+            </a:outerShdw>
+          </a:effectLst>
+        </p:spPr>
+        <p:style>
+          <a:lnRef idx="1">
+            <a:schemeClr val="accent1"/>
+          </a:lnRef>
+          <a:fillRef idx="3">
+            <a:schemeClr val="accent1"/>
+          </a:fillRef>
+          <a:effectRef idx="2">
+            <a:schemeClr val="accent1"/>
+          </a:effectRef>
+          <a:fontRef idx="minor">
+            <a:schemeClr val="lt1"/>
+          </a:fontRef>
+        </p:style>
+        <p:txBody>
+          <a:bodyPr rtlCol="0" anchor="ctr"/>
+          <a:lstStyle/>
+          <a:p>
+            <a:pPr algn="ctr"/>
+            <a:r>
+              <a:rPr lang="en-US" dirty="0"/>
+              <a:t>Input</a:t>
+            </a:r>
+          </a:p>
+        </p:txBody>
+      </p:sp>
+      <p:sp>
+        <p:nvSpPr>
+          <p:cNvPr id="103" name="Rounded Rectangle 4">
+            <a:extLst>
+              <a:ext uri="{FF2B5EF4-FFF2-40B4-BE49-F238E27FC236}">
+                <a16:creationId xmlns:a16="http://schemas.microsoft.com/office/drawing/2014/main" id="{C78A991B-5123-43DF-BE6F-C2EC8384C339}"/>
+              </a:ext>
+            </a:extLst>
+          </p:cNvPr>
+          <p:cNvSpPr/>
+          <p:nvPr/>
+        </p:nvSpPr>
+        <p:spPr>
+          <a:xfrm>
+            <a:off x="7963779" y="3447352"/>
+            <a:ext cx="1828800" cy="771787"/>
+          </a:xfrm>
+          <a:prstGeom prst="roundRect">
+            <a:avLst/>
+          </a:prstGeom>
+          <a:solidFill>
+            <a:schemeClr val="accent6">
+              <a:lumMod val="75000"/>
+            </a:schemeClr>
+          </a:solidFill>
+          <a:ln w="28575">
+            <a:solidFill>
+              <a:schemeClr val="tx1"/>
+            </a:solidFill>
+          </a:ln>
+          <a:effectLst>
+            <a:outerShdw blurRad="50800" dist="38100" dir="2700000" algn="tl" rotWithShape="0">
+              <a:prstClr val="black">
+                <a:alpha val="40000"/>
+              </a:prstClr>
+            </a:outerShdw>
+          </a:effectLst>
+        </p:spPr>
+        <p:style>
+          <a:lnRef idx="1">
+            <a:schemeClr val="accent1"/>
+          </a:lnRef>
+          <a:fillRef idx="3">
+            <a:schemeClr val="accent1"/>
+          </a:fillRef>
+          <a:effectRef idx="2">
+            <a:schemeClr val="accent1"/>
+          </a:effectRef>
+          <a:fontRef idx="minor">
+            <a:schemeClr val="lt1"/>
+          </a:fontRef>
+        </p:style>
+        <p:txBody>
+          <a:bodyPr rtlCol="0" anchor="ctr"/>
+          <a:lstStyle/>
+          <a:p>
+            <a:pPr algn="ctr"/>
+            <a:r>
+              <a:rPr lang="en-US" dirty="0"/>
+              <a:t>Process</a:t>
+            </a:r>
+          </a:p>
+        </p:txBody>
+      </p:sp>
+      <p:sp>
+        <p:nvSpPr>
+          <p:cNvPr id="104" name="Rounded Rectangle 5">
+            <a:extLst>
+              <a:ext uri="{FF2B5EF4-FFF2-40B4-BE49-F238E27FC236}">
+                <a16:creationId xmlns:a16="http://schemas.microsoft.com/office/drawing/2014/main" id="{2C9F2302-76ED-4EEF-8018-E9703BAE11F3}"/>
+              </a:ext>
+            </a:extLst>
+          </p:cNvPr>
+          <p:cNvSpPr/>
+          <p:nvPr/>
+        </p:nvSpPr>
+        <p:spPr>
+          <a:xfrm>
+            <a:off x="10098776" y="3447352"/>
+            <a:ext cx="1828800" cy="771787"/>
+          </a:xfrm>
+          <a:prstGeom prst="roundRect">
+            <a:avLst/>
+          </a:prstGeom>
+          <a:solidFill>
+            <a:schemeClr val="tx2">
+              <a:lumMod val="50000"/>
+            </a:schemeClr>
+          </a:solidFill>
+          <a:ln w="28575">
+            <a:solidFill>
+              <a:schemeClr val="tx1"/>
+            </a:solidFill>
+          </a:ln>
+          <a:effectLst>
+            <a:outerShdw blurRad="50800" dist="38100" dir="2700000" algn="tl" rotWithShape="0">
+              <a:prstClr val="black">
+                <a:alpha val="40000"/>
+              </a:prstClr>
+            </a:outerShdw>
+          </a:effectLst>
+        </p:spPr>
+        <p:style>
+          <a:lnRef idx="1">
+            <a:schemeClr val="accent1"/>
+          </a:lnRef>
+          <a:fillRef idx="3">
+            <a:schemeClr val="accent1"/>
+          </a:fillRef>
+          <a:effectRef idx="2">
+            <a:schemeClr val="accent1"/>
+          </a:effectRef>
+          <a:fontRef idx="minor">
+            <a:schemeClr val="lt1"/>
+          </a:fontRef>
+        </p:style>
+        <p:txBody>
+          <a:bodyPr rtlCol="0" anchor="ctr"/>
+          <a:lstStyle/>
+          <a:p>
+            <a:pPr algn="ctr"/>
+            <a:r>
+              <a:rPr lang="en-US" dirty="0"/>
+              <a:t>Output</a:t>
+            </a:r>
+          </a:p>
+        </p:txBody>
+      </p:sp>
+      <p:sp>
+        <p:nvSpPr>
+          <p:cNvPr id="105" name="Rounded Rectangle 6">
+            <a:extLst>
+              <a:ext uri="{FF2B5EF4-FFF2-40B4-BE49-F238E27FC236}">
+                <a16:creationId xmlns:a16="http://schemas.microsoft.com/office/drawing/2014/main" id="{AEC14A34-C32C-4363-BBEC-78B676BC7771}"/>
+              </a:ext>
+            </a:extLst>
+          </p:cNvPr>
+          <p:cNvSpPr/>
+          <p:nvPr/>
+        </p:nvSpPr>
+        <p:spPr>
+          <a:xfrm>
+            <a:off x="5795227" y="1972987"/>
+            <a:ext cx="6165907" cy="771787"/>
+          </a:xfrm>
+          <a:prstGeom prst="roundRect">
+            <a:avLst/>
+          </a:prstGeom>
+          <a:solidFill>
+            <a:srgbClr val="C00000"/>
+          </a:solidFill>
+          <a:ln w="28575">
+            <a:solidFill>
+              <a:schemeClr val="tx1"/>
+            </a:solidFill>
+          </a:ln>
+          <a:effectLst>
+            <a:outerShdw blurRad="50800" dist="38100" dir="2700000" algn="tl" rotWithShape="0">
+              <a:prstClr val="black">
+                <a:alpha val="40000"/>
+              </a:prstClr>
+            </a:outerShdw>
+          </a:effectLst>
+        </p:spPr>
+        <p:style>
+          <a:lnRef idx="1">
+            <a:schemeClr val="accent1"/>
+          </a:lnRef>
+          <a:fillRef idx="3">
+            <a:schemeClr val="accent1"/>
+          </a:fillRef>
+          <a:effectRef idx="2">
+            <a:schemeClr val="accent1"/>
+          </a:effectRef>
+          <a:fontRef idx="minor">
+            <a:schemeClr val="lt1"/>
+          </a:fontRef>
+        </p:style>
+        <p:txBody>
+          <a:bodyPr rtlCol="0" anchor="ctr"/>
+          <a:lstStyle/>
+          <a:p>
+            <a:pPr algn="ctr"/>
+            <a:r>
+              <a:rPr lang="en-US" dirty="0"/>
+              <a:t>Engine</a:t>
+            </a:r>
+          </a:p>
+        </p:txBody>
+      </p:sp>
+      <p:sp>
+        <p:nvSpPr>
+          <p:cNvPr id="106" name="Up Arrow 11">
+            <a:extLst>
+              <a:ext uri="{FF2B5EF4-FFF2-40B4-BE49-F238E27FC236}">
+                <a16:creationId xmlns:a16="http://schemas.microsoft.com/office/drawing/2014/main" id="{EC70A819-716F-4545-AA98-1F0AB03BD788}"/>
+              </a:ext>
+            </a:extLst>
+          </p:cNvPr>
+          <p:cNvSpPr/>
+          <p:nvPr/>
+        </p:nvSpPr>
+        <p:spPr>
+          <a:xfrm>
+            <a:off x="6581229" y="2766467"/>
+            <a:ext cx="251671" cy="680885"/>
+          </a:xfrm>
+          <a:prstGeom prst="upArrow">
+            <a:avLst/>
+          </a:prstGeom>
+          <a:solidFill>
+            <a:schemeClr val="accent1"/>
+          </a:solidFill>
+          <a:ln>
+            <a:noFill/>
+          </a:ln>
+          <a:effectLst>
+            <a:outerShdw blurRad="50800" dist="38100" dir="2700000" algn="tl" rotWithShape="0">
+              <a:prstClr val="black">
+                <a:alpha val="40000"/>
+              </a:prstClr>
+            </a:outerShdw>
+          </a:effectLst>
+        </p:spPr>
+        <p:style>
+          <a:lnRef idx="1">
+            <a:schemeClr val="accent1"/>
+          </a:lnRef>
+          <a:fillRef idx="3">
+            <a:schemeClr val="accent1"/>
+          </a:fillRef>
+          <a:effectRef idx="2">
+            <a:schemeClr val="accent1"/>
+          </a:effectRef>
+          <a:fontRef idx="minor">
+            <a:schemeClr val="lt1"/>
+          </a:fontRef>
+        </p:style>
+        <p:txBody>
+          <a:bodyPr rtlCol="0" anchor="ctr"/>
+          <a:lstStyle/>
+          <a:p>
+            <a:pPr algn="ctr"/>
+            <a:endParaRPr lang="en-US"/>
+          </a:p>
+        </p:txBody>
+      </p:sp>
+      <p:sp>
+        <p:nvSpPr>
+          <p:cNvPr id="107" name="Up Arrow 12">
+            <a:extLst>
+              <a:ext uri="{FF2B5EF4-FFF2-40B4-BE49-F238E27FC236}">
+                <a16:creationId xmlns:a16="http://schemas.microsoft.com/office/drawing/2014/main" id="{CBCD6296-2638-4AC9-ABE7-F6188AB2FCE8}"/>
+              </a:ext>
+            </a:extLst>
+          </p:cNvPr>
+          <p:cNvSpPr/>
+          <p:nvPr/>
+        </p:nvSpPr>
+        <p:spPr>
+          <a:xfrm rot="10800000">
+            <a:off x="10860285" y="2759236"/>
+            <a:ext cx="251671" cy="680885"/>
+          </a:xfrm>
+          <a:prstGeom prst="upArrow">
+            <a:avLst/>
+          </a:prstGeom>
+          <a:solidFill>
+            <a:schemeClr val="accent1"/>
+          </a:solidFill>
+          <a:ln>
+            <a:noFill/>
+          </a:ln>
+          <a:effectLst>
+            <a:outerShdw blurRad="50800" dist="38100" dir="2700000" algn="tl" rotWithShape="0">
+              <a:prstClr val="black">
+                <a:alpha val="40000"/>
+              </a:prstClr>
+            </a:outerShdw>
+          </a:effectLst>
+        </p:spPr>
+        <p:style>
+          <a:lnRef idx="1">
+            <a:schemeClr val="accent1"/>
+          </a:lnRef>
+          <a:fillRef idx="3">
+            <a:schemeClr val="accent1"/>
+          </a:fillRef>
+          <a:effectRef idx="2">
+            <a:schemeClr val="accent1"/>
+          </a:effectRef>
+          <a:fontRef idx="minor">
+            <a:schemeClr val="lt1"/>
+          </a:fontRef>
+        </p:style>
+        <p:txBody>
+          <a:bodyPr rtlCol="0" anchor="ctr"/>
+          <a:lstStyle/>
+          <a:p>
+            <a:pPr algn="ctr"/>
+            <a:endParaRPr lang="en-US"/>
+          </a:p>
+        </p:txBody>
+      </p:sp>
+      <p:sp>
+        <p:nvSpPr>
+          <p:cNvPr id="108" name="Up Arrow 9">
+            <a:extLst>
+              <a:ext uri="{FF2B5EF4-FFF2-40B4-BE49-F238E27FC236}">
+                <a16:creationId xmlns:a16="http://schemas.microsoft.com/office/drawing/2014/main" id="{68E22B66-AC21-4363-A54F-B6F85FB18586}"/>
+              </a:ext>
+            </a:extLst>
+          </p:cNvPr>
+          <p:cNvSpPr/>
+          <p:nvPr/>
+        </p:nvSpPr>
+        <p:spPr>
+          <a:xfrm rot="10800000">
+            <a:off x="8214168" y="2766467"/>
+            <a:ext cx="251671" cy="680885"/>
+          </a:xfrm>
+          <a:prstGeom prst="upArrow">
+            <a:avLst/>
+          </a:prstGeom>
+          <a:solidFill>
+            <a:schemeClr val="accent1"/>
+          </a:solidFill>
+          <a:ln>
+            <a:noFill/>
+          </a:ln>
+          <a:effectLst>
+            <a:outerShdw blurRad="50800" dist="38100" dir="2700000" algn="tl" rotWithShape="0">
+              <a:prstClr val="black">
+                <a:alpha val="40000"/>
+              </a:prstClr>
+            </a:outerShdw>
+          </a:effectLst>
+        </p:spPr>
+        <p:style>
+          <a:lnRef idx="1">
+            <a:schemeClr val="accent1"/>
+          </a:lnRef>
+          <a:fillRef idx="3">
+            <a:schemeClr val="accent1"/>
+          </a:fillRef>
+          <a:effectRef idx="2">
+            <a:schemeClr val="accent1"/>
+          </a:effectRef>
+          <a:fontRef idx="minor">
+            <a:schemeClr val="lt1"/>
+          </a:fontRef>
+        </p:style>
+        <p:txBody>
+          <a:bodyPr rtlCol="0" anchor="ctr"/>
+          <a:lstStyle/>
+          <a:p>
+            <a:pPr algn="ctr"/>
+            <a:endParaRPr lang="en-US"/>
+          </a:p>
+        </p:txBody>
+      </p:sp>
+      <p:sp>
+        <p:nvSpPr>
+          <p:cNvPr id="109" name="Up Arrow 10">
+            <a:extLst>
+              <a:ext uri="{FF2B5EF4-FFF2-40B4-BE49-F238E27FC236}">
+                <a16:creationId xmlns:a16="http://schemas.microsoft.com/office/drawing/2014/main" id="{48ABE93E-4851-45BE-87A6-EE112240E054}"/>
+              </a:ext>
+            </a:extLst>
+          </p:cNvPr>
+          <p:cNvSpPr/>
+          <p:nvPr/>
+        </p:nvSpPr>
+        <p:spPr>
+          <a:xfrm>
+            <a:off x="9101512" y="2744774"/>
+            <a:ext cx="251671" cy="680885"/>
+          </a:xfrm>
+          <a:prstGeom prst="upArrow">
+            <a:avLst/>
+          </a:prstGeom>
+          <a:solidFill>
+            <a:schemeClr val="accent1"/>
+          </a:solidFill>
+          <a:ln>
+            <a:noFill/>
+          </a:ln>
+          <a:effectLst>
+            <a:outerShdw blurRad="50800" dist="38100" dir="2700000" algn="tl" rotWithShape="0">
+              <a:prstClr val="black">
+                <a:alpha val="40000"/>
+              </a:prstClr>
+            </a:outerShdw>
+          </a:effectLst>
+        </p:spPr>
+        <p:style>
+          <a:lnRef idx="1">
+            <a:schemeClr val="accent1"/>
+          </a:lnRef>
+          <a:fillRef idx="3">
+            <a:schemeClr val="accent1"/>
+          </a:fillRef>
+          <a:effectRef idx="2">
+            <a:schemeClr val="accent1"/>
+          </a:effectRef>
+          <a:fontRef idx="minor">
+            <a:schemeClr val="lt1"/>
+          </a:fontRef>
+        </p:style>
+        <p:txBody>
+          <a:bodyPr rtlCol="0" anchor="ctr"/>
+          <a:lstStyle/>
+          <a:p>
+            <a:pPr algn="ctr"/>
+            <a:endParaRPr lang="en-US"/>
+          </a:p>
+        </p:txBody>
+      </p:sp>
+      <p:sp>
+        <p:nvSpPr>
+          <p:cNvPr id="110" name="Cloud 109">
+            <a:extLst>
+              <a:ext uri="{FF2B5EF4-FFF2-40B4-BE49-F238E27FC236}">
+                <a16:creationId xmlns:a16="http://schemas.microsoft.com/office/drawing/2014/main" id="{AE5B7DB7-547C-433E-9B75-549B7ED0921C}"/>
+              </a:ext>
+            </a:extLst>
+          </p:cNvPr>
+          <p:cNvSpPr/>
+          <p:nvPr/>
+        </p:nvSpPr>
+        <p:spPr>
+          <a:xfrm>
+            <a:off x="7895677" y="4752247"/>
+            <a:ext cx="1896903" cy="839972"/>
+          </a:xfrm>
+          <a:prstGeom prst="cloud">
+            <a:avLst/>
+          </a:prstGeom>
+          <a:noFill/>
+          <a:ln w="12700">
+            <a:solidFill>
+              <a:srgbClr val="0A60A3"/>
+            </a:solidFill>
+          </a:ln>
+          <a:effectLst/>
+        </p:spPr>
+        <p:style>
+          <a:lnRef idx="1">
+            <a:schemeClr val="accent1"/>
+          </a:lnRef>
+          <a:fillRef idx="3">
+            <a:schemeClr val="accent1"/>
+          </a:fillRef>
+          <a:effectRef idx="2">
+            <a:schemeClr val="accent1"/>
+          </a:effectRef>
+          <a:fontRef idx="minor">
+            <a:schemeClr val="lt1"/>
+          </a:fontRef>
+        </p:style>
+        <p:txBody>
+          <a:bodyPr lIns="0" rIns="0" rtlCol="0" anchor="ctr"/>
+          <a:lstStyle/>
+          <a:p>
+            <a:pPr algn="ctr"/>
+            <a:r>
+              <a:rPr lang="en-US" dirty="0">
+                <a:solidFill>
+                  <a:schemeClr val="tx1"/>
+                </a:solidFill>
+              </a:rPr>
+              <a:t>Outside?</a:t>
+            </a:r>
+          </a:p>
+        </p:txBody>
+      </p:sp>
+      <p:sp>
+        <p:nvSpPr>
+          <p:cNvPr id="111" name="Cloud 110">
+            <a:extLst>
+              <a:ext uri="{FF2B5EF4-FFF2-40B4-BE49-F238E27FC236}">
+                <a16:creationId xmlns:a16="http://schemas.microsoft.com/office/drawing/2014/main" id="{ABB2C669-DA96-4A5B-98EF-6CCA54D11B49}"/>
+              </a:ext>
+            </a:extLst>
+          </p:cNvPr>
+          <p:cNvSpPr/>
+          <p:nvPr/>
+        </p:nvSpPr>
+        <p:spPr>
+          <a:xfrm>
+            <a:off x="6020337" y="4752247"/>
+            <a:ext cx="1373453" cy="839972"/>
+          </a:xfrm>
+          <a:prstGeom prst="cloud">
+            <a:avLst/>
+          </a:prstGeom>
+          <a:noFill/>
+          <a:ln w="12700">
+            <a:solidFill>
+              <a:srgbClr val="0A60A3"/>
+            </a:solidFill>
+          </a:ln>
+          <a:effectLst/>
+        </p:spPr>
+        <p:style>
+          <a:lnRef idx="1">
+            <a:schemeClr val="accent1"/>
+          </a:lnRef>
+          <a:fillRef idx="3">
+            <a:schemeClr val="accent1"/>
+          </a:fillRef>
+          <a:effectRef idx="2">
+            <a:schemeClr val="accent1"/>
+          </a:effectRef>
+          <a:fontRef idx="minor">
+            <a:schemeClr val="lt1"/>
+          </a:fontRef>
+        </p:style>
+        <p:txBody>
+          <a:bodyPr lIns="0" rIns="0" rtlCol="0" anchor="ctr"/>
+          <a:lstStyle/>
+          <a:p>
+            <a:pPr algn="ctr"/>
+            <a:r>
+              <a:rPr lang="en-US" dirty="0">
+                <a:solidFill>
+                  <a:schemeClr val="tx1"/>
+                </a:solidFill>
+              </a:rPr>
+              <a:t>Outside</a:t>
+            </a:r>
+          </a:p>
+        </p:txBody>
+      </p:sp>
+      <p:sp>
+        <p:nvSpPr>
+          <p:cNvPr id="112" name="Cloud 111">
+            <a:extLst>
+              <a:ext uri="{FF2B5EF4-FFF2-40B4-BE49-F238E27FC236}">
+                <a16:creationId xmlns:a16="http://schemas.microsoft.com/office/drawing/2014/main" id="{8183D22F-3A77-41AA-8015-3845D4819F99}"/>
+              </a:ext>
+            </a:extLst>
+          </p:cNvPr>
+          <p:cNvSpPr/>
+          <p:nvPr/>
+        </p:nvSpPr>
+        <p:spPr>
+          <a:xfrm>
+            <a:off x="10299393" y="4752247"/>
+            <a:ext cx="1373453" cy="839972"/>
+          </a:xfrm>
+          <a:prstGeom prst="cloud">
+            <a:avLst/>
+          </a:prstGeom>
+          <a:noFill/>
+          <a:ln w="12700">
+            <a:solidFill>
+              <a:srgbClr val="0A60A3"/>
+            </a:solidFill>
+          </a:ln>
+          <a:effectLst/>
+        </p:spPr>
+        <p:style>
+          <a:lnRef idx="1">
+            <a:schemeClr val="accent1"/>
+          </a:lnRef>
+          <a:fillRef idx="3">
+            <a:schemeClr val="accent1"/>
+          </a:fillRef>
+          <a:effectRef idx="2">
+            <a:schemeClr val="accent1"/>
+          </a:effectRef>
+          <a:fontRef idx="minor">
+            <a:schemeClr val="lt1"/>
+          </a:fontRef>
+        </p:style>
+        <p:txBody>
+          <a:bodyPr lIns="0" rIns="0" rtlCol="0" anchor="ctr"/>
+          <a:lstStyle/>
+          <a:p>
+            <a:pPr algn="ctr"/>
+            <a:r>
+              <a:rPr lang="en-US" dirty="0">
+                <a:solidFill>
+                  <a:schemeClr val="tx1"/>
+                </a:solidFill>
+              </a:rPr>
+              <a:t>Outside</a:t>
+            </a:r>
+          </a:p>
+        </p:txBody>
+      </p:sp>
+      <p:sp>
+        <p:nvSpPr>
+          <p:cNvPr id="113" name="Up Arrow 20">
+            <a:extLst>
+              <a:ext uri="{FF2B5EF4-FFF2-40B4-BE49-F238E27FC236}">
+                <a16:creationId xmlns:a16="http://schemas.microsoft.com/office/drawing/2014/main" id="{71C885CE-E347-45B9-A29E-15ADC1F67A13}"/>
+              </a:ext>
+            </a:extLst>
+          </p:cNvPr>
+          <p:cNvSpPr/>
+          <p:nvPr/>
+        </p:nvSpPr>
+        <p:spPr>
+          <a:xfrm>
+            <a:off x="6578765" y="4226368"/>
+            <a:ext cx="251671" cy="680885"/>
+          </a:xfrm>
+          <a:prstGeom prst="upArrow">
+            <a:avLst/>
+          </a:prstGeom>
+          <a:solidFill>
+            <a:schemeClr val="bg2">
+              <a:lumMod val="75000"/>
+            </a:schemeClr>
+          </a:solidFill>
+          <a:ln>
+            <a:noFill/>
+          </a:ln>
+          <a:effectLst>
+            <a:outerShdw blurRad="50800" dist="38100" dir="2700000" algn="tl" rotWithShape="0">
+              <a:prstClr val="black">
+                <a:alpha val="40000"/>
+              </a:prstClr>
+            </a:outerShdw>
+          </a:effectLst>
+        </p:spPr>
+        <p:style>
+          <a:lnRef idx="1">
+            <a:schemeClr val="accent1"/>
+          </a:lnRef>
+          <a:fillRef idx="3">
+            <a:schemeClr val="accent1"/>
+          </a:fillRef>
+          <a:effectRef idx="2">
+            <a:schemeClr val="accent1"/>
+          </a:effectRef>
+          <a:fontRef idx="minor">
+            <a:schemeClr val="lt1"/>
+          </a:fontRef>
+        </p:style>
+        <p:txBody>
+          <a:bodyPr rtlCol="0" anchor="ctr"/>
+          <a:lstStyle/>
+          <a:p>
+            <a:pPr algn="ctr"/>
+            <a:endParaRPr lang="en-US"/>
+          </a:p>
+        </p:txBody>
+      </p:sp>
+      <p:sp>
+        <p:nvSpPr>
+          <p:cNvPr id="114" name="Up Arrow 21">
+            <a:extLst>
+              <a:ext uri="{FF2B5EF4-FFF2-40B4-BE49-F238E27FC236}">
+                <a16:creationId xmlns:a16="http://schemas.microsoft.com/office/drawing/2014/main" id="{8865BC59-FFB6-41FC-8FEA-DFDDD50DF28D}"/>
+              </a:ext>
+            </a:extLst>
+          </p:cNvPr>
+          <p:cNvSpPr/>
+          <p:nvPr/>
+        </p:nvSpPr>
+        <p:spPr>
+          <a:xfrm rot="10800000">
+            <a:off x="10857821" y="4219139"/>
+            <a:ext cx="251671" cy="680885"/>
+          </a:xfrm>
+          <a:prstGeom prst="upArrow">
+            <a:avLst/>
+          </a:prstGeom>
+          <a:solidFill>
+            <a:schemeClr val="bg2">
+              <a:lumMod val="75000"/>
+            </a:schemeClr>
+          </a:solidFill>
+          <a:ln>
+            <a:noFill/>
+          </a:ln>
+          <a:effectLst>
+            <a:outerShdw blurRad="50800" dist="38100" dir="2700000" algn="tl" rotWithShape="0">
+              <a:prstClr val="black">
+                <a:alpha val="40000"/>
+              </a:prstClr>
+            </a:outerShdw>
+          </a:effectLst>
+        </p:spPr>
+        <p:style>
+          <a:lnRef idx="1">
+            <a:schemeClr val="accent1"/>
+          </a:lnRef>
+          <a:fillRef idx="3">
+            <a:schemeClr val="accent1"/>
+          </a:fillRef>
+          <a:effectRef idx="2">
+            <a:schemeClr val="accent1"/>
+          </a:effectRef>
+          <a:fontRef idx="minor">
+            <a:schemeClr val="lt1"/>
+          </a:fontRef>
+        </p:style>
+        <p:txBody>
+          <a:bodyPr rtlCol="0" anchor="ctr"/>
+          <a:lstStyle/>
+          <a:p>
+            <a:pPr algn="ctr"/>
+            <a:endParaRPr lang="en-US"/>
+          </a:p>
+        </p:txBody>
+      </p:sp>
+      <p:sp>
+        <p:nvSpPr>
+          <p:cNvPr id="115" name="Up Arrow 24">
+            <a:extLst>
+              <a:ext uri="{FF2B5EF4-FFF2-40B4-BE49-F238E27FC236}">
+                <a16:creationId xmlns:a16="http://schemas.microsoft.com/office/drawing/2014/main" id="{4087CB13-0335-47CD-91D3-56BDEC4A41CE}"/>
+              </a:ext>
+            </a:extLst>
+          </p:cNvPr>
+          <p:cNvSpPr/>
+          <p:nvPr/>
+        </p:nvSpPr>
+        <p:spPr>
+          <a:xfrm rot="10800000">
+            <a:off x="8225150" y="4226368"/>
+            <a:ext cx="251671" cy="680885"/>
+          </a:xfrm>
+          <a:prstGeom prst="upArrow">
+            <a:avLst/>
+          </a:prstGeom>
+          <a:solidFill>
+            <a:schemeClr val="bg2">
+              <a:lumMod val="75000"/>
+            </a:schemeClr>
+          </a:solidFill>
+          <a:ln>
+            <a:noFill/>
+          </a:ln>
+          <a:effectLst>
+            <a:outerShdw blurRad="50800" dist="38100" dir="2700000" algn="tl" rotWithShape="0">
+              <a:prstClr val="black">
+                <a:alpha val="40000"/>
+              </a:prstClr>
+            </a:outerShdw>
+          </a:effectLst>
+        </p:spPr>
+        <p:style>
+          <a:lnRef idx="1">
+            <a:schemeClr val="accent1"/>
+          </a:lnRef>
+          <a:fillRef idx="3">
+            <a:schemeClr val="accent1"/>
+          </a:fillRef>
+          <a:effectRef idx="2">
+            <a:schemeClr val="accent1"/>
+          </a:effectRef>
+          <a:fontRef idx="minor">
+            <a:schemeClr val="lt1"/>
+          </a:fontRef>
+        </p:style>
+        <p:txBody>
+          <a:bodyPr rtlCol="0" anchor="ctr"/>
+          <a:lstStyle/>
+          <a:p>
+            <a:pPr algn="ctr"/>
+            <a:endParaRPr lang="en-US"/>
+          </a:p>
+        </p:txBody>
+      </p:sp>
+      <p:sp>
+        <p:nvSpPr>
+          <p:cNvPr id="116" name="Up Arrow 25">
+            <a:extLst>
+              <a:ext uri="{FF2B5EF4-FFF2-40B4-BE49-F238E27FC236}">
+                <a16:creationId xmlns:a16="http://schemas.microsoft.com/office/drawing/2014/main" id="{C1560640-B1CC-4F19-AF1D-33FE0070B654}"/>
+              </a:ext>
+            </a:extLst>
+          </p:cNvPr>
+          <p:cNvSpPr/>
+          <p:nvPr/>
+        </p:nvSpPr>
+        <p:spPr>
+          <a:xfrm>
+            <a:off x="9112494" y="4204676"/>
+            <a:ext cx="251671" cy="680885"/>
+          </a:xfrm>
+          <a:prstGeom prst="upArrow">
+            <a:avLst/>
+          </a:prstGeom>
+          <a:solidFill>
+            <a:schemeClr val="bg2">
+              <a:lumMod val="75000"/>
+            </a:schemeClr>
+          </a:solidFill>
+          <a:ln>
+            <a:noFill/>
+          </a:ln>
+          <a:effectLst>
+            <a:outerShdw blurRad="50800" dist="38100" dir="2700000" algn="tl" rotWithShape="0">
+              <a:prstClr val="black">
+                <a:alpha val="40000"/>
+              </a:prstClr>
+            </a:outerShdw>
+          </a:effectLst>
+        </p:spPr>
+        <p:style>
+          <a:lnRef idx="1">
+            <a:schemeClr val="accent1"/>
+          </a:lnRef>
+          <a:fillRef idx="3">
+            <a:schemeClr val="accent1"/>
+          </a:fillRef>
+          <a:effectRef idx="2">
+            <a:schemeClr val="accent1"/>
+          </a:effectRef>
+          <a:fontRef idx="minor">
+            <a:schemeClr val="lt1"/>
+          </a:fontRef>
+        </p:style>
+        <p:txBody>
+          <a:bodyPr rtlCol="0" anchor="ctr"/>
+          <a:lstStyle/>
+          <a:p>
+            <a:pPr algn="ctr"/>
+            <a:endParaRPr lang="en-US"/>
           </a:p>
         </p:txBody>
       </p:sp>
     </p:spTree>
     <p:extLst>
       <p:ext uri="{BB962C8B-B14F-4D97-AF65-F5344CB8AC3E}">
-        <p14:creationId xmlns:p14="http://schemas.microsoft.com/office/powerpoint/2010/main" val="2330867981"/>
+        <p14:creationId xmlns:p14="http://schemas.microsoft.com/office/powerpoint/2010/main" val="2678939451"/>
       </p:ext>
     </p:extLst>
   </p:cSld>
@@ -9663,187 +14052,6 @@
 </file>
 
 <file path=ppt/slides/slide6.xml><?xml version="1.0" encoding="utf-8"?>
-<p:sld xmlns:a="http://schemas.openxmlformats.org/drawingml/2006/main" xmlns:r="http://schemas.openxmlformats.org/officeDocument/2006/relationships" xmlns:p="http://schemas.openxmlformats.org/presentationml/2006/main">
-  <p:cSld>
-    <p:spTree>
-      <p:nvGrpSpPr>
-        <p:cNvPr id="1" name=""/>
-        <p:cNvGrpSpPr/>
-        <p:nvPr/>
-      </p:nvGrpSpPr>
-      <p:grpSpPr>
-        <a:xfrm>
-          <a:off x="0" y="0"/>
-          <a:ext cx="0" cy="0"/>
-          <a:chOff x="0" y="0"/>
-          <a:chExt cx="0" cy="0"/>
-        </a:xfrm>
-      </p:grpSpPr>
-      <p:sp>
-        <p:nvSpPr>
-          <p:cNvPr id="3" name="Text Placeholder 2">
-            <a:extLst>
-              <a:ext uri="{FF2B5EF4-FFF2-40B4-BE49-F238E27FC236}">
-                <a16:creationId xmlns:a16="http://schemas.microsoft.com/office/drawing/2014/main" id="{8CEC06FF-F75A-4874-A39E-ECF57D097E38}"/>
-              </a:ext>
-            </a:extLst>
-          </p:cNvPr>
-          <p:cNvSpPr>
-            <a:spLocks noGrp="1"/>
-          </p:cNvSpPr>
-          <p:nvPr>
-            <p:ph type="body" sz="quarter" idx="10"/>
-          </p:nvPr>
-        </p:nvSpPr>
-        <p:spPr/>
-        <p:txBody>
-          <a:bodyPr/>
-          <a:lstStyle/>
-          <a:p>
-            <a:r>
-              <a:rPr lang="en-US" dirty="0"/>
-              <a:t>When to create Static Modules?</a:t>
-            </a:r>
-          </a:p>
-        </p:txBody>
-      </p:sp>
-    </p:spTree>
-    <p:extLst>
-      <p:ext uri="{BB962C8B-B14F-4D97-AF65-F5344CB8AC3E}">
-        <p14:creationId xmlns:p14="http://schemas.microsoft.com/office/powerpoint/2010/main" val="1722087257"/>
-      </p:ext>
-    </p:extLst>
-  </p:cSld>
-  <p:clrMapOvr>
-    <a:masterClrMapping/>
-  </p:clrMapOvr>
-</p:sld>
-</file>
-
-<file path=ppt/slides/slide7.xml><?xml version="1.0" encoding="utf-8"?>
-<p:sld xmlns:a="http://schemas.openxmlformats.org/drawingml/2006/main" xmlns:r="http://schemas.openxmlformats.org/officeDocument/2006/relationships" xmlns:p="http://schemas.openxmlformats.org/presentationml/2006/main">
-  <p:cSld>
-    <p:spTree>
-      <p:nvGrpSpPr>
-        <p:cNvPr id="1" name=""/>
-        <p:cNvGrpSpPr/>
-        <p:nvPr/>
-      </p:nvGrpSpPr>
-      <p:grpSpPr>
-        <a:xfrm>
-          <a:off x="0" y="0"/>
-          <a:ext cx="0" cy="0"/>
-          <a:chOff x="0" y="0"/>
-          <a:chExt cx="0" cy="0"/>
-        </a:xfrm>
-      </p:grpSpPr>
-      <p:sp>
-        <p:nvSpPr>
-          <p:cNvPr id="2" name="Title 1"/>
-          <p:cNvSpPr>
-            <a:spLocks noGrp="1"/>
-          </p:cNvSpPr>
-          <p:nvPr>
-            <p:ph type="title"/>
-          </p:nvPr>
-        </p:nvSpPr>
-        <p:spPr/>
-        <p:txBody>
-          <a:bodyPr/>
-          <a:lstStyle/>
-          <a:p>
-            <a:r>
-              <a:rPr lang="en-US" dirty="0"/>
-              <a:t>Static</a:t>
-            </a:r>
-            <a:r>
-              <a:rPr lang="en-US" baseline="0" dirty="0"/>
-              <a:t> Module</a:t>
-            </a:r>
-            <a:endParaRPr lang="en-US" dirty="0"/>
-          </a:p>
-        </p:txBody>
-      </p:sp>
-      <p:sp>
-        <p:nvSpPr>
-          <p:cNvPr id="3" name="Content Placeholder 2"/>
-          <p:cNvSpPr>
-            <a:spLocks noGrp="1"/>
-          </p:cNvSpPr>
-          <p:nvPr>
-            <p:ph sz="half" idx="1"/>
-          </p:nvPr>
-        </p:nvSpPr>
-        <p:spPr/>
-        <p:txBody>
-          <a:bodyPr/>
-          <a:lstStyle/>
-          <a:p>
-            <a:pPr lvl="1"/>
-            <a:r>
-              <a:rPr lang="en-US" dirty="0"/>
-              <a:t>Static Number of Inputs and Outputs</a:t>
-            </a:r>
-          </a:p>
-          <a:p>
-            <a:pPr lvl="1"/>
-            <a:r>
-              <a:rPr lang="en-US" dirty="0"/>
-              <a:t>Common for Processing  Modules</a:t>
-            </a:r>
-          </a:p>
-          <a:p>
-            <a:pPr lvl="1"/>
-            <a:r>
-              <a:rPr lang="en-US" dirty="0"/>
-              <a:t>Common for fixed application-specific logic</a:t>
-            </a:r>
-          </a:p>
-          <a:p>
-            <a:pPr lvl="1"/>
-            <a:endParaRPr lang="en-US" dirty="0"/>
-          </a:p>
-        </p:txBody>
-      </p:sp>
-      <p:sp>
-        <p:nvSpPr>
-          <p:cNvPr id="6" name="Content Placeholder 5">
-            <a:extLst>
-              <a:ext uri="{FF2B5EF4-FFF2-40B4-BE49-F238E27FC236}">
-                <a16:creationId xmlns:a16="http://schemas.microsoft.com/office/drawing/2014/main" id="{B2C039C7-770A-4621-A175-EAE6E478C27F}"/>
-              </a:ext>
-            </a:extLst>
-          </p:cNvPr>
-          <p:cNvSpPr>
-            <a:spLocks noGrp="1"/>
-          </p:cNvSpPr>
-          <p:nvPr>
-            <p:ph sz="half" idx="2"/>
-          </p:nvPr>
-        </p:nvSpPr>
-        <p:spPr/>
-        <p:txBody>
-          <a:bodyPr/>
-          <a:lstStyle/>
-          <a:p>
-            <a:endParaRPr lang="en-US"/>
-          </a:p>
-        </p:txBody>
-      </p:sp>
-    </p:spTree>
-    <p:extLst>
-      <p:ext uri="{BB962C8B-B14F-4D97-AF65-F5344CB8AC3E}">
-        <p14:creationId xmlns:p14="http://schemas.microsoft.com/office/powerpoint/2010/main" val="2373895901"/>
-      </p:ext>
-    </p:extLst>
-  </p:cSld>
-  <p:clrMapOvr>
-    <a:masterClrMapping/>
-  </p:clrMapOvr>
-</p:sld>
-</file>
-
-<file path=ppt/slides/slide8.xml><?xml version="1.0" encoding="utf-8"?>
 <p:sld xmlns:a="http://schemas.openxmlformats.org/drawingml/2006/main" xmlns:r="http://schemas.openxmlformats.org/officeDocument/2006/relationships" xmlns:p="http://schemas.openxmlformats.org/presentationml/2006/main">
   <p:cSld>
     <p:spTree>
@@ -10025,7 +14233,7 @@
 </p:sld>
 </file>
 
-<file path=ppt/slides/slide9.xml><?xml version="1.0" encoding="utf-8"?>
+<file path=ppt/slides/slide7.xml><?xml version="1.0" encoding="utf-8"?>
 <p:sld xmlns:a="http://schemas.openxmlformats.org/drawingml/2006/main" xmlns:r="http://schemas.openxmlformats.org/officeDocument/2006/relationships" xmlns:p="http://schemas.openxmlformats.org/presentationml/2006/main">
   <p:cSld>
     <p:spTree>
@@ -10059,8 +14267,13 @@
           <a:p>
             <a:r>
               <a:rPr lang="en-US" dirty="0"/>
-              <a:t>Static Module Checklist</a:t>
-            </a:r>
+              <a:t>Static</a:t>
+            </a:r>
+            <a:r>
+              <a:rPr lang="en-US" baseline="0" dirty="0"/>
+              <a:t> Module</a:t>
+            </a:r>
+            <a:endParaRPr lang="en-US" dirty="0"/>
           </a:p>
         </p:txBody>
       </p:sp>
@@ -10071,142 +14284,170 @@
             <a:spLocks noGrp="1"/>
           </p:cNvSpPr>
           <p:nvPr>
-            <p:ph sz="half" idx="1"/>
+            <p:ph idx="1"/>
           </p:nvPr>
         </p:nvSpPr>
-        <p:spPr/>
+        <p:spPr>
+          <a:xfrm>
+            <a:off x="605367" y="1463547"/>
+            <a:ext cx="6423732" cy="4433476"/>
+          </a:xfrm>
+        </p:spPr>
         <p:txBody>
-          <a:bodyPr>
-            <a:normAutofit fontScale="77500" lnSpcReduction="20000"/>
-          </a:bodyPr>
+          <a:bodyPr/>
           <a:lstStyle/>
           <a:p>
-            <a:pPr lvl="2"/>
-            <a:r>
-              <a:rPr lang="en-US" dirty="0"/>
-              <a:t>Create the Module from the Static Module Sample Project</a:t>
-            </a:r>
-          </a:p>
-          <a:p>
-            <a:pPr lvl="3"/>
-            <a:r>
-              <a:rPr lang="en-US" dirty="0"/>
-              <a:t>Define the Channels</a:t>
-            </a:r>
-          </a:p>
-          <a:p>
-            <a:pPr lvl="2"/>
-            <a:r>
-              <a:rPr lang="en-US" dirty="0"/>
-              <a:t>Add Parameters to set desired keys.vi (optional)</a:t>
-            </a:r>
-          </a:p>
-          <a:p>
-            <a:pPr lvl="2"/>
-            <a:r>
-              <a:rPr lang="en-US" dirty="0"/>
-              <a:t>Handle initialization (optional)</a:t>
-            </a:r>
-          </a:p>
-          <a:p>
-            <a:pPr lvl="3"/>
-            <a:r>
-              <a:rPr lang="en-US" dirty="0"/>
-              <a:t> Handle initialization of references, sessions, parameters</a:t>
-            </a:r>
-          </a:p>
-          <a:p>
-            <a:pPr lvl="3"/>
-            <a:r>
-              <a:rPr lang="en-US" dirty="0"/>
-              <a:t>Pass References into Runtime class if necessary, modify object to allow this</a:t>
-            </a:r>
-          </a:p>
-          <a:p>
-            <a:pPr lvl="2"/>
-            <a:r>
-              <a:rPr lang="en-US" dirty="0"/>
-              <a:t>Implement the Input, Processing, and/or Output Methods as needed</a:t>
-            </a:r>
-          </a:p>
-          <a:p>
-            <a:pPr lvl="3"/>
-            <a:r>
-              <a:rPr lang="en-US" dirty="0"/>
-              <a:t>Modify user process.vi to contain references or the Runtime class if needed and process.vi to pass data necessary to `user process.vi`</a:t>
-            </a:r>
-          </a:p>
-          <a:p>
-            <a:pPr lvl="3"/>
-            <a:r>
-              <a:rPr lang="en-US" dirty="0"/>
-              <a:t>Add Processing code to `user process.vi`</a:t>
-            </a:r>
-          </a:p>
-          <a:p>
-            <a:pPr lvl="3"/>
-            <a:r>
-              <a:rPr lang="en-US" dirty="0"/>
-              <a:t>Add code to input.vi to pass necessary sessions or config data to user input.vi</a:t>
-            </a:r>
-          </a:p>
-          <a:p>
-            <a:pPr lvl="3"/>
-            <a:r>
-              <a:rPr lang="en-US" dirty="0"/>
-              <a:t>Add input code to `user input.vi`.</a:t>
-            </a:r>
-          </a:p>
-          <a:p>
-            <a:pPr lvl="3"/>
-            <a:r>
-              <a:rPr lang="en-US" dirty="0"/>
-              <a:t>Repeat for output</a:t>
-            </a:r>
-          </a:p>
-          <a:p>
-            <a:pPr lvl="2"/>
-            <a:r>
-              <a:rPr lang="en-US" dirty="0"/>
-              <a:t>Programming Considerations for Run-State Methods</a:t>
-            </a:r>
-          </a:p>
-          <a:p>
-            <a:pPr lvl="3"/>
-            <a:r>
-              <a:rPr lang="en-US" dirty="0"/>
-              <a:t>Determinism</a:t>
-            </a:r>
-          </a:p>
-          <a:p>
-            <a:pPr lvl="3"/>
-            <a:r>
-              <a:rPr lang="en-US" dirty="0"/>
-              <a:t>Non-blocking execution</a:t>
-            </a:r>
-          </a:p>
-          <a:p>
-            <a:pPr lvl="2"/>
-            <a:r>
-              <a:rPr lang="en-US" dirty="0"/>
-              <a:t>Specifying other properties</a:t>
-            </a:r>
-          </a:p>
-          <a:p>
-            <a:pPr lvl="2"/>
-            <a:r>
-              <a:rPr lang="en-US" dirty="0"/>
-              <a:t>Testing and validation</a:t>
-            </a:r>
+            <a:r>
+              <a:rPr lang="en-US" dirty="0"/>
+              <a:t>Configuration</a:t>
+            </a:r>
+            <a:r>
+              <a:rPr lang="en-US" baseline="0" dirty="0"/>
+              <a:t> Class:</a:t>
+            </a:r>
+          </a:p>
+          <a:p>
+            <a:pPr lvl="1"/>
+            <a:r>
+              <a:rPr lang="en-US" dirty="0"/>
+              <a:t>Select module options (number of instances, allowable</a:t>
+            </a:r>
+            <a:r>
+              <a:rPr lang="en-US" baseline="0" dirty="0"/>
+              <a:t> targets)</a:t>
+            </a:r>
+          </a:p>
+          <a:p>
+            <a:pPr lvl="1"/>
+            <a:r>
+              <a:rPr lang="en-US" baseline="0" dirty="0"/>
+              <a:t>Update validate.vi with validation rules</a:t>
+            </a:r>
+          </a:p>
+          <a:p>
+            <a:pPr lvl="1"/>
+            <a:r>
+              <a:rPr lang="en-US" baseline="0" dirty="0"/>
+              <a:t>Update get default error list.vi</a:t>
+            </a:r>
+            <a:r>
+              <a:rPr lang="en-US" dirty="0"/>
+              <a:t> with </a:t>
+            </a:r>
+            <a:r>
+              <a:rPr lang="en-US" baseline="0" dirty="0"/>
+              <a:t>default error classifications</a:t>
+            </a:r>
+          </a:p>
+          <a:p>
+            <a:pPr lvl="0"/>
+            <a:r>
+              <a:rPr lang="en-US" dirty="0"/>
+              <a:t>Editor Class:</a:t>
+            </a:r>
+          </a:p>
+          <a:p>
+            <a:pPr lvl="1"/>
+            <a:r>
+              <a:rPr lang="en-US" dirty="0"/>
+              <a:t>Select module glyph</a:t>
+            </a:r>
+          </a:p>
+          <a:p>
+            <a:pPr lvl="0"/>
+            <a:r>
+              <a:rPr lang="en-US" dirty="0"/>
+              <a:t>Runtime</a:t>
+            </a:r>
+          </a:p>
+          <a:p>
+            <a:pPr lvl="1"/>
+            <a:r>
+              <a:rPr lang="en-US" dirty="0"/>
+              <a:t>Implement User Input.vi,</a:t>
+            </a:r>
+            <a:r>
+              <a:rPr lang="en-US" baseline="0" dirty="0"/>
+              <a:t> User Process.vi, and/or User Output.vi with custom logic</a:t>
+            </a:r>
+            <a:endParaRPr lang="en-US" dirty="0"/>
+          </a:p>
+          <a:p>
+            <a:pPr lvl="1"/>
+            <a:endParaRPr lang="en-US" dirty="0"/>
+          </a:p>
+          <a:p>
+            <a:pPr lvl="1"/>
+            <a:endParaRPr lang="en-US" dirty="0"/>
           </a:p>
         </p:txBody>
       </p:sp>
+      <p:pic>
+        <p:nvPicPr>
+          <p:cNvPr id="14" name="Picture 13">
+            <a:extLst>
+              <a:ext uri="{FF2B5EF4-FFF2-40B4-BE49-F238E27FC236}">
+                <a16:creationId xmlns:a16="http://schemas.microsoft.com/office/drawing/2014/main" id="{E2A92939-EE5C-4026-B369-A4E5B6C25A7F}"/>
+              </a:ext>
+            </a:extLst>
+          </p:cNvPr>
+          <p:cNvPicPr>
+            <a:picLocks noChangeAspect="1"/>
+          </p:cNvPicPr>
+          <p:nvPr/>
+        </p:nvPicPr>
+        <p:blipFill>
+          <a:blip r:embed="rId3"/>
+          <a:stretch>
+            <a:fillRect/>
+          </a:stretch>
+        </p:blipFill>
+        <p:spPr>
+          <a:xfrm>
+            <a:off x="7389792" y="695324"/>
+            <a:ext cx="4391025" cy="5819775"/>
+          </a:xfrm>
+          <a:prstGeom prst="rect">
+            <a:avLst/>
+          </a:prstGeom>
+        </p:spPr>
+      </p:pic>
+    </p:spTree>
+    <p:extLst>
+      <p:ext uri="{BB962C8B-B14F-4D97-AF65-F5344CB8AC3E}">
+        <p14:creationId xmlns:p14="http://schemas.microsoft.com/office/powerpoint/2010/main" val="796686571"/>
+      </p:ext>
+    </p:extLst>
+  </p:cSld>
+  <p:clrMapOvr>
+    <a:masterClrMapping/>
+  </p:clrMapOvr>
+</p:sld>
+</file>
+
+<file path=ppt/slides/slide8.xml><?xml version="1.0" encoding="utf-8"?>
+<p:sld xmlns:a="http://schemas.openxmlformats.org/drawingml/2006/main" xmlns:r="http://schemas.openxmlformats.org/officeDocument/2006/relationships" xmlns:p="http://schemas.openxmlformats.org/presentationml/2006/main">
+  <p:cSld>
+    <p:spTree>
+      <p:nvGrpSpPr>
+        <p:cNvPr id="1" name=""/>
+        <p:cNvGrpSpPr/>
+        <p:nvPr/>
+      </p:nvGrpSpPr>
+      <p:grpSpPr>
+        <a:xfrm>
+          <a:off x="0" y="0"/>
+          <a:ext cx="0" cy="0"/>
+          <a:chOff x="0" y="0"/>
+          <a:chExt cx="0" cy="0"/>
+        </a:xfrm>
+      </p:grpSpPr>
       <p:sp>
         <p:nvSpPr>
-          <p:cNvPr id="6" name="Content Placeholder 5">
+          <p:cNvPr id="2" name="Title 1">
             <a:extLst>
               <a:ext uri="{FF2B5EF4-FFF2-40B4-BE49-F238E27FC236}">
-                <a16:creationId xmlns:a16="http://schemas.microsoft.com/office/drawing/2014/main" id="{33673D65-56B4-4C8E-BEA6-451099666C1B}"/>
+                <a16:creationId xmlns:a16="http://schemas.microsoft.com/office/drawing/2014/main" id="{01F6F5F6-EDE5-4284-9065-D3ECD6705FAC}"/>
               </a:ext>
             </a:extLst>
           </p:cNvPr>
@@ -10214,27 +14455,174 @@
             <a:spLocks noGrp="1"/>
           </p:cNvSpPr>
           <p:nvPr>
-            <p:ph sz="half" idx="2"/>
+            <p:ph type="title"/>
           </p:nvPr>
         </p:nvSpPr>
         <p:spPr/>
         <p:txBody>
-          <a:bodyPr>
-            <a:normAutofit fontScale="77500" lnSpcReduction="20000"/>
-          </a:bodyPr>
+          <a:bodyPr/>
           <a:lstStyle/>
           <a:p>
             <a:r>
               <a:rPr lang="en-US" dirty="0"/>
-              <a:t>Developer’s Guide Checklist</a:t>
+              <a:t>Process VI</a:t>
             </a:r>
           </a:p>
         </p:txBody>
       </p:sp>
+      <p:pic>
+        <p:nvPicPr>
+          <p:cNvPr id="6" name="Content Placeholder 5">
+            <a:extLst>
+              <a:ext uri="{FF2B5EF4-FFF2-40B4-BE49-F238E27FC236}">
+                <a16:creationId xmlns:a16="http://schemas.microsoft.com/office/drawing/2014/main" id="{B923E682-EBED-4B83-AFCE-B3A61698569D}"/>
+              </a:ext>
+            </a:extLst>
+          </p:cNvPr>
+          <p:cNvPicPr>
+            <a:picLocks noGrp="1" noChangeAspect="1"/>
+          </p:cNvPicPr>
+          <p:nvPr>
+            <p:ph idx="1"/>
+          </p:nvPr>
+        </p:nvPicPr>
+        <p:blipFill>
+          <a:blip r:embed="rId2"/>
+          <a:stretch>
+            <a:fillRect/>
+          </a:stretch>
+        </p:blipFill>
+        <p:spPr>
+          <a:xfrm>
+            <a:off x="339986" y="1794757"/>
+            <a:ext cx="11765997" cy="1958210"/>
+          </a:xfrm>
+          <a:prstGeom prst="rect">
+            <a:avLst/>
+          </a:prstGeom>
+        </p:spPr>
+      </p:pic>
     </p:spTree>
     <p:extLst>
       <p:ext uri="{BB962C8B-B14F-4D97-AF65-F5344CB8AC3E}">
-        <p14:creationId xmlns:p14="http://schemas.microsoft.com/office/powerpoint/2010/main" val="676911042"/>
+        <p14:creationId xmlns:p14="http://schemas.microsoft.com/office/powerpoint/2010/main" val="902361044"/>
+      </p:ext>
+    </p:extLst>
+  </p:cSld>
+  <p:clrMapOvr>
+    <a:masterClrMapping/>
+  </p:clrMapOvr>
+</p:sld>
+</file>
+
+<file path=ppt/slides/slide9.xml><?xml version="1.0" encoding="utf-8"?>
+<p:sld xmlns:a="http://schemas.openxmlformats.org/drawingml/2006/main" xmlns:r="http://schemas.openxmlformats.org/officeDocument/2006/relationships" xmlns:p="http://schemas.openxmlformats.org/presentationml/2006/main">
+  <p:cSld>
+    <p:spTree>
+      <p:nvGrpSpPr>
+        <p:cNvPr id="1" name=""/>
+        <p:cNvGrpSpPr/>
+        <p:nvPr/>
+      </p:nvGrpSpPr>
+      <p:grpSpPr>
+        <a:xfrm>
+          <a:off x="0" y="0"/>
+          <a:ext cx="0" cy="0"/>
+          <a:chOff x="0" y="0"/>
+          <a:chExt cx="0" cy="0"/>
+        </a:xfrm>
+      </p:grpSpPr>
+      <p:sp>
+        <p:nvSpPr>
+          <p:cNvPr id="5" name="Title 4">
+            <a:extLst>
+              <a:ext uri="{FF2B5EF4-FFF2-40B4-BE49-F238E27FC236}">
+                <a16:creationId xmlns:a16="http://schemas.microsoft.com/office/drawing/2014/main" id="{3A3F6830-8969-4258-99E1-8260663F1723}"/>
+              </a:ext>
+            </a:extLst>
+          </p:cNvPr>
+          <p:cNvSpPr>
+            <a:spLocks noGrp="1"/>
+          </p:cNvSpPr>
+          <p:nvPr>
+            <p:ph type="title"/>
+          </p:nvPr>
+        </p:nvSpPr>
+        <p:spPr/>
+        <p:txBody>
+          <a:bodyPr/>
+          <a:lstStyle/>
+          <a:p>
+            <a:r>
+              <a:rPr lang="en-US" dirty="0"/>
+              <a:t>User Process</a:t>
+            </a:r>
+          </a:p>
+        </p:txBody>
+      </p:sp>
+      <p:pic>
+        <p:nvPicPr>
+          <p:cNvPr id="10" name="Imagen 36">
+            <a:extLst>
+              <a:ext uri="{FF2B5EF4-FFF2-40B4-BE49-F238E27FC236}">
+                <a16:creationId xmlns:a16="http://schemas.microsoft.com/office/drawing/2014/main" id="{4D47BCFF-F447-4668-8C3E-E57316A2F5B8}"/>
+              </a:ext>
+            </a:extLst>
+          </p:cNvPr>
+          <p:cNvPicPr>
+            <a:picLocks noGrp="1"/>
+          </p:cNvPicPr>
+          <p:nvPr>
+            <p:ph idx="1"/>
+          </p:nvPr>
+        </p:nvPicPr>
+        <p:blipFill rotWithShape="1">
+          <a:blip r:embed="rId3"/>
+          <a:srcRect l="30289" r="33445" b="67512"/>
+          <a:stretch/>
+        </p:blipFill>
+        <p:spPr>
+          <a:xfrm>
+            <a:off x="605367" y="1150797"/>
+            <a:ext cx="3534677" cy="1861674"/>
+          </a:xfrm>
+          <a:prstGeom prst="rect">
+            <a:avLst/>
+          </a:prstGeom>
+        </p:spPr>
+      </p:pic>
+      <p:pic>
+        <p:nvPicPr>
+          <p:cNvPr id="11" name="Imagen 98">
+            <a:extLst>
+              <a:ext uri="{FF2B5EF4-FFF2-40B4-BE49-F238E27FC236}">
+                <a16:creationId xmlns:a16="http://schemas.microsoft.com/office/drawing/2014/main" id="{4FF14225-0222-431F-A915-1A66F7ADA9AB}"/>
+              </a:ext>
+            </a:extLst>
+          </p:cNvPr>
+          <p:cNvPicPr/>
+          <p:nvPr/>
+        </p:nvPicPr>
+        <p:blipFill>
+          <a:blip r:embed="rId4"/>
+          <a:stretch>
+            <a:fillRect/>
+          </a:stretch>
+        </p:blipFill>
+        <p:spPr>
+          <a:xfrm>
+            <a:off x="3988812" y="2713281"/>
+            <a:ext cx="7354236" cy="3187527"/>
+          </a:xfrm>
+          <a:prstGeom prst="rect">
+            <a:avLst/>
+          </a:prstGeom>
+        </p:spPr>
+      </p:pic>
+    </p:spTree>
+    <p:extLst>
+      <p:ext uri="{BB962C8B-B14F-4D97-AF65-F5344CB8AC3E}">
+        <p14:creationId xmlns:p14="http://schemas.microsoft.com/office/powerpoint/2010/main" val="2373586226"/>
       </p:ext>
     </p:extLst>
   </p:cSld>

--- a/Trunk/Getting Started Material/DCAF Training/6 Static Modules.pptx
+++ b/Trunk/Getting Started Material/DCAF Training/6 Static Modules.pptx
@@ -5,7 +5,7 @@
     <p:sldMasterId id="2147483741" r:id="rId1"/>
   </p:sldMasterIdLst>
   <p:notesMasterIdLst>
-    <p:notesMasterId r:id="rId24"/>
+    <p:notesMasterId r:id="rId28"/>
   </p:notesMasterIdLst>
   <p:sldIdLst>
     <p:sldId id="259" r:id="rId2"/>
@@ -20,16 +20,20 @@
     <p:sldId id="402" r:id="rId11"/>
     <p:sldId id="398" r:id="rId12"/>
     <p:sldId id="399" r:id="rId13"/>
-    <p:sldId id="406" r:id="rId14"/>
-    <p:sldId id="407" r:id="rId15"/>
-    <p:sldId id="412" r:id="rId16"/>
-    <p:sldId id="400" r:id="rId17"/>
-    <p:sldId id="394" r:id="rId18"/>
-    <p:sldId id="414" r:id="rId19"/>
-    <p:sldId id="409" r:id="rId20"/>
-    <p:sldId id="408" r:id="rId21"/>
-    <p:sldId id="410" r:id="rId22"/>
-    <p:sldId id="411" r:id="rId23"/>
+    <p:sldId id="423" r:id="rId14"/>
+    <p:sldId id="406" r:id="rId15"/>
+    <p:sldId id="407" r:id="rId16"/>
+    <p:sldId id="412" r:id="rId17"/>
+    <p:sldId id="400" r:id="rId18"/>
+    <p:sldId id="421" r:id="rId19"/>
+    <p:sldId id="394" r:id="rId20"/>
+    <p:sldId id="414" r:id="rId21"/>
+    <p:sldId id="409" r:id="rId22"/>
+    <p:sldId id="408" r:id="rId23"/>
+    <p:sldId id="418" r:id="rId24"/>
+    <p:sldId id="410" r:id="rId25"/>
+    <p:sldId id="420" r:id="rId26"/>
+    <p:sldId id="411" r:id="rId27"/>
   </p:sldIdLst>
   <p:sldSz cx="12192000" cy="6858000"/>
   <p:notesSz cx="6858000" cy="9144000"/>
@@ -941,7 +945,7 @@
         <a:bodyPr/>
         <a:lstStyle/>
         <a:p>
-          <a:endParaRPr lang="en-US"/>
+          <a:endParaRPr lang="en-US" dirty="0"/>
         </a:p>
       </dgm:t>
     </dgm:pt>
@@ -977,7 +981,7 @@
         <a:bodyPr/>
         <a:lstStyle/>
         <a:p>
-          <a:endParaRPr lang="en-US"/>
+          <a:endParaRPr lang="en-US" dirty="0"/>
         </a:p>
       </dgm:t>
     </dgm:pt>
@@ -1013,7 +1017,7 @@
         <a:bodyPr/>
         <a:lstStyle/>
         <a:p>
-          <a:endParaRPr lang="en-US"/>
+          <a:endParaRPr lang="en-US" dirty="0"/>
         </a:p>
       </dgm:t>
     </dgm:pt>
@@ -1257,7 +1261,7 @@
             </a:spcAft>
             <a:buNone/>
           </a:pPr>
-          <a:endParaRPr lang="en-US" sz="1800" kern="1200"/>
+          <a:endParaRPr lang="en-US" sz="1800" kern="1200" dirty="0"/>
         </a:p>
       </dsp:txBody>
       <dsp:txXfrm>
@@ -1405,7 +1409,7 @@
             </a:spcAft>
             <a:buNone/>
           </a:pPr>
-          <a:endParaRPr lang="en-US" sz="1800" kern="1200"/>
+          <a:endParaRPr lang="en-US" sz="1800" kern="1200" dirty="0"/>
         </a:p>
       </dsp:txBody>
       <dsp:txXfrm rot="10800000">
@@ -1553,7 +1557,7 @@
             </a:spcAft>
             <a:buNone/>
           </a:pPr>
-          <a:endParaRPr lang="en-US" sz="1800" kern="1200"/>
+          <a:endParaRPr lang="en-US" sz="1800" kern="1200" dirty="0"/>
         </a:p>
       </dsp:txBody>
       <dsp:txXfrm>
@@ -2859,7 +2863,7 @@
             </a:lvl1pPr>
           </a:lstStyle>
           <a:p>
-            <a:endParaRPr lang="en-US"/>
+            <a:endParaRPr lang="en-US" dirty="0"/>
           </a:p>
         </p:txBody>
       </p:sp>
@@ -2892,9 +2896,9 @@
           <a:p>
             <a:fld id="{EA1FD1DD-1EDF-4341-AE12-9015BA74AB77}" type="datetimeFigureOut">
               <a:rPr lang="en-US" smtClean="0"/>
-              <a:t>7/6/2018</a:t>
+              <a:t>7/9/2018</a:t>
             </a:fld>
-            <a:endParaRPr lang="en-US"/>
+            <a:endParaRPr lang="en-US" dirty="0"/>
           </a:p>
         </p:txBody>
       </p:sp>
@@ -2927,7 +2931,7 @@
           <a:bodyPr vert="horz" lIns="91440" tIns="45720" rIns="91440" bIns="45720" rtlCol="0" anchor="ctr"/>
           <a:lstStyle/>
           <a:p>
-            <a:endParaRPr lang="en-US"/>
+            <a:endParaRPr lang="en-US" dirty="0"/>
           </a:p>
         </p:txBody>
       </p:sp>
@@ -3017,7 +3021,7 @@
             </a:lvl1pPr>
           </a:lstStyle>
           <a:p>
-            <a:endParaRPr lang="en-US"/>
+            <a:endParaRPr lang="en-US" dirty="0"/>
           </a:p>
         </p:txBody>
       </p:sp>
@@ -3052,7 +3056,7 @@
               <a:rPr lang="en-US" smtClean="0"/>
               <a:t>‹#›</a:t>
             </a:fld>
-            <a:endParaRPr lang="en-US"/>
+            <a:endParaRPr lang="en-US" dirty="0"/>
           </a:p>
         </p:txBody>
       </p:sp>
@@ -3226,7 +3230,7 @@
               <a:rPr lang="en-US" smtClean="0"/>
               <a:t>7</a:t>
             </a:fld>
-            <a:endParaRPr lang="en-US"/>
+            <a:endParaRPr lang="en-US" dirty="0"/>
           </a:p>
         </p:txBody>
       </p:sp>
@@ -3310,7 +3314,7 @@
               <a:rPr lang="en-US" smtClean="0"/>
               <a:t>9</a:t>
             </a:fld>
-            <a:endParaRPr lang="en-US"/>
+            <a:endParaRPr lang="en-US" dirty="0"/>
           </a:p>
         </p:txBody>
       </p:sp>
@@ -3394,7 +3398,7 @@
               <a:rPr lang="en-US" smtClean="0"/>
               <a:t>10</a:t>
             </a:fld>
-            <a:endParaRPr lang="en-US"/>
+            <a:endParaRPr lang="en-US" dirty="0"/>
           </a:p>
         </p:txBody>
       </p:sp>
@@ -3479,9 +3483,9 @@
           <a:p>
             <a:fld id="{6181AA9A-826B-4D28-AD84-6800691176DC}" type="slidenum">
               <a:rPr lang="en-US" smtClean="0"/>
-              <a:t>21</a:t>
+              <a:t>24</a:t>
             </a:fld>
-            <a:endParaRPr lang="en-US"/>
+            <a:endParaRPr lang="en-US" dirty="0"/>
           </a:p>
         </p:txBody>
       </p:sp>
@@ -3556,7 +3560,7 @@
           <a:lstStyle/>
           <a:p>
             <a:pPr algn="ctr"/>
-            <a:endParaRPr lang="en-US" sz="2400"/>
+            <a:endParaRPr lang="en-US" sz="2400" dirty="0"/>
           </a:p>
         </p:txBody>
       </p:sp>
@@ -3672,7 +3676,7 @@
           <a:lstStyle/>
           <a:p>
             <a:pPr algn="ctr"/>
-            <a:endParaRPr lang="en-US" sz="2400"/>
+            <a:endParaRPr lang="en-US" sz="2400" dirty="0"/>
           </a:p>
         </p:txBody>
       </p:sp>
@@ -3832,13 +3836,8 @@
             </a:br>
             <a:r>
               <a:rPr lang="en-US" dirty="0"/>
-              <a:t>Use minimum height 1690 </a:t>
-            </a:r>
-            <a:r>
-              <a:rPr lang="en-US" dirty="0" err="1"/>
-              <a:t>px</a:t>
-            </a:r>
-            <a:endParaRPr lang="en-US" dirty="0"/>
+              <a:t>Use minimum height 1690 px</a:t>
+            </a:r>
           </a:p>
         </p:txBody>
       </p:sp>
@@ -3954,7 +3953,7 @@
           <a:lstStyle/>
           <a:p>
             <a:pPr algn="ctr"/>
-            <a:endParaRPr lang="en-US" sz="2400"/>
+            <a:endParaRPr lang="en-US" sz="2400" dirty="0"/>
           </a:p>
         </p:txBody>
       </p:sp>
@@ -4116,13 +4115,8 @@
             </a:br>
             <a:r>
               <a:rPr lang="en-US" dirty="0"/>
-              <a:t>Use minimum height 1690 </a:t>
-            </a:r>
-            <a:r>
-              <a:rPr lang="en-US" dirty="0" err="1"/>
-              <a:t>px</a:t>
-            </a:r>
-            <a:endParaRPr lang="en-US" dirty="0"/>
+              <a:t>Use minimum height 1690 px</a:t>
+            </a:r>
           </a:p>
         </p:txBody>
       </p:sp>
@@ -4238,7 +4232,7 @@
           <a:lstStyle/>
           <a:p>
             <a:pPr algn="ctr"/>
-            <a:endParaRPr lang="en-US" sz="2400"/>
+            <a:endParaRPr lang="en-US" sz="2400" dirty="0"/>
           </a:p>
         </p:txBody>
       </p:sp>
@@ -4423,13 +4417,8 @@
             </a:br>
             <a:r>
               <a:rPr lang="en-US" dirty="0"/>
-              <a:t>Use minimum height 1690 </a:t>
-            </a:r>
-            <a:r>
-              <a:rPr lang="en-US" dirty="0" err="1"/>
-              <a:t>px</a:t>
-            </a:r>
-            <a:endParaRPr lang="en-US" dirty="0"/>
+              <a:t>Use minimum height 1690 px</a:t>
+            </a:r>
           </a:p>
         </p:txBody>
       </p:sp>
@@ -4545,7 +4534,7 @@
           <a:lstStyle/>
           <a:p>
             <a:pPr algn="ctr"/>
-            <a:endParaRPr lang="en-US" sz="2400"/>
+            <a:endParaRPr lang="en-US" sz="2400" dirty="0"/>
           </a:p>
         </p:txBody>
       </p:sp>
@@ -4702,13 +4691,8 @@
             </a:br>
             <a:r>
               <a:rPr lang="en-US" dirty="0"/>
-              <a:t>Use minimum height 1690 </a:t>
-            </a:r>
-            <a:r>
-              <a:rPr lang="en-US" dirty="0" err="1"/>
-              <a:t>px</a:t>
-            </a:r>
-            <a:endParaRPr lang="en-US" dirty="0"/>
+              <a:t>Use minimum height 1690 px</a:t>
+            </a:r>
           </a:p>
         </p:txBody>
       </p:sp>
@@ -4824,7 +4808,7 @@
           <a:lstStyle/>
           <a:p>
             <a:pPr algn="ctr"/>
-            <a:endParaRPr lang="en-US" sz="2400"/>
+            <a:endParaRPr lang="en-US" sz="2400" dirty="0"/>
           </a:p>
         </p:txBody>
       </p:sp>
@@ -4976,13 +4960,8 @@
             </a:pPr>
             <a:r>
               <a:rPr lang="en-US" dirty="0"/>
-              <a:t>Drag or insert image here. Use minimum width 1500 </a:t>
-            </a:r>
-            <a:r>
-              <a:rPr lang="en-US" dirty="0" err="1"/>
-              <a:t>px</a:t>
-            </a:r>
-            <a:endParaRPr lang="en-US" dirty="0"/>
+              <a:t>Drag or insert image here. Use minimum width 1500 px</a:t>
+            </a:r>
           </a:p>
         </p:txBody>
       </p:sp>
@@ -5146,7 +5125,7 @@
           <a:lstStyle/>
           <a:p>
             <a:pPr algn="ctr"/>
-            <a:endParaRPr lang="en-US" sz="2400"/>
+            <a:endParaRPr lang="en-US" sz="2400" dirty="0"/>
           </a:p>
         </p:txBody>
       </p:sp>
@@ -5412,7 +5391,7 @@
           <a:lstStyle/>
           <a:p>
             <a:pPr algn="ctr"/>
-            <a:endParaRPr lang="en-US" sz="2400"/>
+            <a:endParaRPr lang="en-US" sz="2400" dirty="0"/>
           </a:p>
         </p:txBody>
       </p:sp>
@@ -5812,18 +5791,13 @@
           </a:lstStyle>
           <a:p>
             <a:r>
-              <a:rPr lang="en-US" sz="1333" dirty="0" err="1">
+              <a:rPr lang="en-US" sz="1333" dirty="0">
                 <a:solidFill>
                   <a:schemeClr val="bg1"/>
                 </a:solidFill>
               </a:rPr>
               <a:t>ni.com</a:t>
             </a:r>
-            <a:endParaRPr lang="en-US" sz="1333" dirty="0">
-              <a:solidFill>
-                <a:schemeClr val="bg1"/>
-              </a:solidFill>
-            </a:endParaRPr>
           </a:p>
         </p:txBody>
       </p:sp>
@@ -5898,7 +5872,7 @@
           <a:lstStyle/>
           <a:p>
             <a:pPr algn="ctr"/>
-            <a:endParaRPr lang="en-US" sz="2400"/>
+            <a:endParaRPr lang="en-US" sz="2400" dirty="0"/>
           </a:p>
         </p:txBody>
       </p:sp>
@@ -6164,18 +6138,13 @@
           </a:lstStyle>
           <a:p>
             <a:r>
-              <a:rPr lang="en-US" sz="1333" dirty="0" err="1">
+              <a:rPr lang="en-US" sz="1333" dirty="0">
                 <a:solidFill>
                   <a:schemeClr val="bg1"/>
                 </a:solidFill>
               </a:rPr>
               <a:t>ni.com</a:t>
             </a:r>
-            <a:endParaRPr lang="en-US" sz="1333" dirty="0">
-              <a:solidFill>
-                <a:schemeClr val="bg1"/>
-              </a:solidFill>
-            </a:endParaRPr>
           </a:p>
         </p:txBody>
       </p:sp>
@@ -6261,7 +6230,7 @@
           <a:lstStyle/>
           <a:p>
             <a:pPr algn="ctr"/>
-            <a:endParaRPr lang="en-US" sz="2400"/>
+            <a:endParaRPr lang="en-US" sz="2400" dirty="0"/>
           </a:p>
         </p:txBody>
       </p:sp>
@@ -6487,18 +6456,13 @@
           </a:lstStyle>
           <a:p>
             <a:r>
-              <a:rPr lang="en-US" sz="1333" dirty="0" err="1">
+              <a:rPr lang="en-US" sz="1333" dirty="0">
                 <a:solidFill>
                   <a:schemeClr val="bg1"/>
                 </a:solidFill>
               </a:rPr>
               <a:t>ni.com</a:t>
             </a:r>
-            <a:endParaRPr lang="en-US" sz="1333" dirty="0">
-              <a:solidFill>
-                <a:schemeClr val="bg1"/>
-              </a:solidFill>
-            </a:endParaRPr>
           </a:p>
         </p:txBody>
       </p:sp>
@@ -6651,9 +6615,9 @@
           <a:p>
             <a:fld id="{C328AB28-8CF8-4FDA-851D-B8A8B08C8597}" type="datetimeFigureOut">
               <a:rPr lang="en-US" smtClean="0"/>
-              <a:t>7/6/2018</a:t>
+              <a:t>7/9/2018</a:t>
             </a:fld>
-            <a:endParaRPr lang="en-US"/>
+            <a:endParaRPr lang="en-US" dirty="0"/>
           </a:p>
         </p:txBody>
       </p:sp>
@@ -6678,7 +6642,7 @@
           <a:bodyPr/>
           <a:lstStyle/>
           <a:p>
-            <a:endParaRPr lang="en-US"/>
+            <a:endParaRPr lang="en-US" dirty="0"/>
           </a:p>
         </p:txBody>
       </p:sp>
@@ -6707,7 +6671,7 @@
               <a:rPr lang="en-US" smtClean="0"/>
               <a:t>‹#›</a:t>
             </a:fld>
-            <a:endParaRPr lang="en-US"/>
+            <a:endParaRPr lang="en-US" dirty="0"/>
           </a:p>
         </p:txBody>
       </p:sp>
@@ -6790,7 +6754,7 @@
           <a:lstStyle/>
           <a:p>
             <a:pPr algn="ctr"/>
-            <a:endParaRPr lang="en-US" sz="2400"/>
+            <a:endParaRPr lang="en-US" sz="2400" dirty="0"/>
           </a:p>
         </p:txBody>
       </p:sp>
@@ -7203,10 +7167,9 @@
           </a:lstStyle>
           <a:p>
             <a:r>
-              <a:rPr lang="en-US" sz="1333" dirty="0" err="1"/>
+              <a:rPr lang="en-US" sz="1333" dirty="0"/>
               <a:t>ni.com</a:t>
             </a:r>
-            <a:endParaRPr lang="en-US" sz="1333" dirty="0"/>
           </a:p>
         </p:txBody>
       </p:sp>
@@ -7289,7 +7252,7 @@
           <a:lstStyle/>
           <a:p>
             <a:pPr algn="ctr"/>
-            <a:endParaRPr lang="en-US" sz="2400"/>
+            <a:endParaRPr lang="en-US" sz="2400" dirty="0"/>
           </a:p>
         </p:txBody>
       </p:sp>
@@ -7621,10 +7584,9 @@
           </a:lstStyle>
           <a:p>
             <a:r>
-              <a:rPr lang="en-US" sz="1333" dirty="0" err="1"/>
+              <a:rPr lang="en-US" sz="1333" dirty="0"/>
               <a:t>ni.com</a:t>
             </a:r>
-            <a:endParaRPr lang="en-US" sz="1333" dirty="0"/>
           </a:p>
         </p:txBody>
       </p:sp>
@@ -7815,7 +7777,7 @@
           <a:lstStyle/>
           <a:p>
             <a:pPr algn="ctr"/>
-            <a:endParaRPr lang="en-US" sz="2400"/>
+            <a:endParaRPr lang="en-US" sz="2400" dirty="0"/>
           </a:p>
         </p:txBody>
       </p:sp>
@@ -8069,7 +8031,7 @@
           <a:lstStyle/>
           <a:p>
             <a:pPr algn="ctr"/>
-            <a:endParaRPr lang="en-US" sz="2400"/>
+            <a:endParaRPr lang="en-US" sz="2400" dirty="0"/>
           </a:p>
         </p:txBody>
       </p:sp>
@@ -8306,7 +8268,7 @@
           <a:lstStyle/>
           <a:p>
             <a:pPr algn="ctr"/>
-            <a:endParaRPr lang="en-US" sz="2400"/>
+            <a:endParaRPr lang="en-US" sz="2400" dirty="0"/>
           </a:p>
         </p:txBody>
       </p:sp>
@@ -8616,7 +8578,7 @@
           <a:lstStyle/>
           <a:p>
             <a:pPr algn="ctr"/>
-            <a:endParaRPr lang="en-US" sz="2400"/>
+            <a:endParaRPr lang="en-US" sz="2400" dirty="0"/>
           </a:p>
         </p:txBody>
       </p:sp>
@@ -9008,7 +8970,7 @@
           <a:lstStyle/>
           <a:p>
             <a:pPr algn="ctr"/>
-            <a:endParaRPr lang="en-US" sz="2400"/>
+            <a:endParaRPr lang="en-US" sz="2400" dirty="0"/>
           </a:p>
         </p:txBody>
       </p:sp>
@@ -9178,13 +9140,8 @@
             </a:br>
             <a:r>
               <a:rPr lang="en-US" dirty="0"/>
-              <a:t>Use minimum height 1690 </a:t>
-            </a:r>
-            <a:r>
-              <a:rPr lang="en-US" dirty="0" err="1"/>
-              <a:t>px</a:t>
-            </a:r>
-            <a:endParaRPr lang="en-US" dirty="0"/>
+              <a:t>Use minimum height 1690 px</a:t>
+            </a:r>
           </a:p>
         </p:txBody>
       </p:sp>
@@ -9422,7 +9379,7 @@
           <a:lstStyle/>
           <a:p>
             <a:pPr algn="ctr"/>
-            <a:endParaRPr lang="en-US" sz="2400">
+            <a:endParaRPr lang="en-US" sz="2400" dirty="0">
               <a:latin typeface="+mn-lt"/>
             </a:endParaRPr>
           </a:p>
@@ -9903,15 +9860,7 @@
           <a:p>
             <a:r>
               <a:rPr lang="en-US" dirty="0"/>
-              <a:t>Benjamin </a:t>
-            </a:r>
-            <a:r>
-              <a:rPr lang="en-US" dirty="0" err="1"/>
-              <a:t>Celis</a:t>
-            </a:r>
-            <a:r>
-              <a:rPr lang="en-US" dirty="0"/>
-              <a:t>, Mathew Pollock, Simon Perez</a:t>
+              <a:t>Benjamin Celis, Simon Perez</a:t>
             </a:r>
           </a:p>
         </p:txBody>
@@ -10423,7 +10372,7 @@
                     <a:bodyPr/>
                     <a:lstStyle/>
                     <a:p>
-                      <a:endParaRPr lang="en-US"/>
+                      <a:endParaRPr lang="en-US" dirty="0"/>
                     </a:p>
                   </a:txBody>
                   <a:tcPr/>
@@ -10460,7 +10409,7 @@
                     <a:bodyPr/>
                     <a:lstStyle/>
                     <a:p>
-                      <a:endParaRPr lang="en-US"/>
+                      <a:endParaRPr lang="en-US" dirty="0"/>
                     </a:p>
                   </a:txBody>
                   <a:tcPr/>
@@ -10591,6 +10540,127 @@
       </p:grpSpPr>
       <p:sp>
         <p:nvSpPr>
+          <p:cNvPr id="2" name="Title 1">
+            <a:extLst>
+              <a:ext uri="{FF2B5EF4-FFF2-40B4-BE49-F238E27FC236}">
+                <a16:creationId xmlns:a16="http://schemas.microsoft.com/office/drawing/2014/main" id="{F77F9243-7F60-48A5-8580-6BC70CC45E94}"/>
+              </a:ext>
+            </a:extLst>
+          </p:cNvPr>
+          <p:cNvSpPr>
+            <a:spLocks noGrp="1"/>
+          </p:cNvSpPr>
+          <p:nvPr>
+            <p:ph type="title"/>
+          </p:nvPr>
+        </p:nvSpPr>
+        <p:spPr>
+          <a:xfrm>
+            <a:off x="605367" y="365760"/>
+            <a:ext cx="10972800" cy="609600"/>
+          </a:xfrm>
+        </p:spPr>
+        <p:txBody>
+          <a:bodyPr/>
+          <a:lstStyle/>
+          <a:p>
+            <a:r>
+              <a:rPr lang="en-US" dirty="0"/>
+              <a:t>Exercise 1: Custom PID</a:t>
+            </a:r>
+          </a:p>
+        </p:txBody>
+      </p:sp>
+      <p:sp>
+        <p:nvSpPr>
+          <p:cNvPr id="3" name="Content Placeholder 2">
+            <a:extLst>
+              <a:ext uri="{FF2B5EF4-FFF2-40B4-BE49-F238E27FC236}">
+                <a16:creationId xmlns:a16="http://schemas.microsoft.com/office/drawing/2014/main" id="{4EF2B063-3914-46F2-9763-B3341F3BB5C8}"/>
+              </a:ext>
+            </a:extLst>
+          </p:cNvPr>
+          <p:cNvSpPr>
+            <a:spLocks noGrp="1"/>
+          </p:cNvSpPr>
+          <p:nvPr>
+            <p:ph idx="1"/>
+          </p:nvPr>
+        </p:nvSpPr>
+        <p:spPr/>
+        <p:txBody>
+          <a:bodyPr/>
+          <a:lstStyle/>
+          <a:p>
+            <a:r>
+              <a:rPr lang="en-US" dirty="0"/>
+              <a:t>Create module from template</a:t>
+            </a:r>
+          </a:p>
+          <a:p>
+            <a:r>
+              <a:rPr lang="en-US" dirty="0"/>
+              <a:t>Implement the user process</a:t>
+            </a:r>
+          </a:p>
+          <a:p>
+            <a:r>
+              <a:rPr lang="en-US" dirty="0"/>
+              <a:t>Test the user process</a:t>
+            </a:r>
+          </a:p>
+          <a:p>
+            <a:endParaRPr lang="en-US" dirty="0"/>
+          </a:p>
+          <a:p>
+            <a:endParaRPr lang="en-US" dirty="0"/>
+          </a:p>
+          <a:p>
+            <a:endParaRPr lang="en-US" dirty="0"/>
+          </a:p>
+          <a:p>
+            <a:endParaRPr lang="en-US" dirty="0"/>
+          </a:p>
+          <a:p>
+            <a:endParaRPr lang="en-US" dirty="0"/>
+          </a:p>
+          <a:p>
+            <a:endParaRPr lang="en-US" dirty="0"/>
+          </a:p>
+        </p:txBody>
+      </p:sp>
+    </p:spTree>
+    <p:extLst>
+      <p:ext uri="{BB962C8B-B14F-4D97-AF65-F5344CB8AC3E}">
+        <p14:creationId xmlns:p14="http://schemas.microsoft.com/office/powerpoint/2010/main" val="3960476722"/>
+      </p:ext>
+    </p:extLst>
+  </p:cSld>
+  <p:clrMapOvr>
+    <a:masterClrMapping/>
+  </p:clrMapOvr>
+</p:sld>
+</file>
+
+<file path=ppt/slides/slide14.xml><?xml version="1.0" encoding="utf-8"?>
+<p:sld xmlns:a="http://schemas.openxmlformats.org/drawingml/2006/main" xmlns:r="http://schemas.openxmlformats.org/officeDocument/2006/relationships" xmlns:p="http://schemas.openxmlformats.org/presentationml/2006/main">
+  <p:cSld>
+    <p:spTree>
+      <p:nvGrpSpPr>
+        <p:cNvPr id="1" name=""/>
+        <p:cNvGrpSpPr/>
+        <p:nvPr/>
+      </p:nvGrpSpPr>
+      <p:grpSpPr>
+        <a:xfrm>
+          <a:off x="0" y="0"/>
+          <a:ext cx="0" cy="0"/>
+          <a:chOff x="0" y="0"/>
+          <a:chExt cx="0" cy="0"/>
+        </a:xfrm>
+      </p:grpSpPr>
+      <p:sp>
+        <p:nvSpPr>
           <p:cNvPr id="3" name="Title 2">
             <a:extLst>
               <a:ext uri="{FF2B5EF4-FFF2-40B4-BE49-F238E27FC236}">
@@ -10695,7 +10765,7 @@
 </p:sld>
 </file>
 
-<file path=ppt/slides/slide14.xml><?xml version="1.0" encoding="utf-8"?>
+<file path=ppt/slides/slide15.xml><?xml version="1.0" encoding="utf-8"?>
 <p:sld xmlns:a="http://schemas.openxmlformats.org/drawingml/2006/main" xmlns:r="http://schemas.openxmlformats.org/officeDocument/2006/relationships" xmlns:p="http://schemas.openxmlformats.org/presentationml/2006/main">
   <p:cSld>
     <p:spTree>
@@ -10821,7 +10891,7 @@
 </p:sld>
 </file>
 
-<file path=ppt/slides/slide15.xml><?xml version="1.0" encoding="utf-8"?>
+<file path=ppt/slides/slide16.xml><?xml version="1.0" encoding="utf-8"?>
 <p:sld xmlns:a="http://schemas.openxmlformats.org/drawingml/2006/main" xmlns:r="http://schemas.openxmlformats.org/officeDocument/2006/relationships" xmlns:p="http://schemas.openxmlformats.org/presentationml/2006/main">
   <p:cSld>
     <p:spTree>
@@ -11427,7 +11497,7 @@
 </p:sld>
 </file>
 
-<file path=ppt/slides/slide16.xml><?xml version="1.0" encoding="utf-8"?>
+<file path=ppt/slides/slide17.xml><?xml version="1.0" encoding="utf-8"?>
 <p:sld xmlns:a="http://schemas.openxmlformats.org/drawingml/2006/main" xmlns:r="http://schemas.openxmlformats.org/officeDocument/2006/relationships" xmlns:p="http://schemas.openxmlformats.org/presentationml/2006/main">
   <p:cSld>
     <p:spTree>
@@ -11491,7 +11561,603 @@
 </p:sld>
 </file>
 
-<file path=ppt/slides/slide17.xml><?xml version="1.0" encoding="utf-8"?>
+<file path=ppt/slides/slide18.xml><?xml version="1.0" encoding="utf-8"?>
+<p:sld xmlns:a="http://schemas.openxmlformats.org/drawingml/2006/main" xmlns:r="http://schemas.openxmlformats.org/officeDocument/2006/relationships" xmlns:p="http://schemas.openxmlformats.org/presentationml/2006/main">
+  <p:cSld>
+    <p:spTree>
+      <p:nvGrpSpPr>
+        <p:cNvPr id="1" name=""/>
+        <p:cNvGrpSpPr/>
+        <p:nvPr/>
+      </p:nvGrpSpPr>
+      <p:grpSpPr>
+        <a:xfrm>
+          <a:off x="0" y="0"/>
+          <a:ext cx="0" cy="0"/>
+          <a:chOff x="0" y="0"/>
+          <a:chExt cx="0" cy="0"/>
+        </a:xfrm>
+      </p:grpSpPr>
+      <p:sp>
+        <p:nvSpPr>
+          <p:cNvPr id="2" name="Title 1">
+            <a:extLst>
+              <a:ext uri="{FF2B5EF4-FFF2-40B4-BE49-F238E27FC236}">
+                <a16:creationId xmlns:a16="http://schemas.microsoft.com/office/drawing/2014/main" id="{F77F9243-7F60-48A5-8580-6BC70CC45E94}"/>
+              </a:ext>
+            </a:extLst>
+          </p:cNvPr>
+          <p:cNvSpPr>
+            <a:spLocks noGrp="1"/>
+          </p:cNvSpPr>
+          <p:nvPr>
+            <p:ph type="title"/>
+          </p:nvPr>
+        </p:nvSpPr>
+        <p:spPr>
+          <a:xfrm>
+            <a:off x="605367" y="365760"/>
+            <a:ext cx="10972800" cy="609600"/>
+          </a:xfrm>
+        </p:spPr>
+        <p:txBody>
+          <a:bodyPr/>
+          <a:lstStyle/>
+          <a:p>
+            <a:r>
+              <a:rPr lang="en-US" dirty="0"/>
+              <a:t>Exercise 2: Channel Scripting</a:t>
+            </a:r>
+          </a:p>
+        </p:txBody>
+      </p:sp>
+      <p:sp>
+        <p:nvSpPr>
+          <p:cNvPr id="3" name="Content Placeholder 2">
+            <a:extLst>
+              <a:ext uri="{FF2B5EF4-FFF2-40B4-BE49-F238E27FC236}">
+                <a16:creationId xmlns:a16="http://schemas.microsoft.com/office/drawing/2014/main" id="{4EF2B063-3914-46F2-9763-B3341F3BB5C8}"/>
+              </a:ext>
+            </a:extLst>
+          </p:cNvPr>
+          <p:cNvSpPr>
+            <a:spLocks noGrp="1"/>
+          </p:cNvSpPr>
+          <p:nvPr>
+            <p:ph idx="1"/>
+          </p:nvPr>
+        </p:nvSpPr>
+        <p:spPr/>
+        <p:txBody>
+          <a:bodyPr/>
+          <a:lstStyle/>
+          <a:p>
+            <a:r>
+              <a:rPr lang="en-US" dirty="0"/>
+              <a:t>Update the clusters</a:t>
+            </a:r>
+          </a:p>
+          <a:p>
+            <a:r>
+              <a:rPr lang="en-US" dirty="0"/>
+              <a:t>Run the script</a:t>
+            </a:r>
+          </a:p>
+          <a:p>
+            <a:endParaRPr lang="en-US" dirty="0"/>
+          </a:p>
+          <a:p>
+            <a:endParaRPr lang="en-US" dirty="0"/>
+          </a:p>
+          <a:p>
+            <a:endParaRPr lang="en-US" dirty="0"/>
+          </a:p>
+          <a:p>
+            <a:endParaRPr lang="en-US" dirty="0"/>
+          </a:p>
+          <a:p>
+            <a:endParaRPr lang="en-US" dirty="0"/>
+          </a:p>
+          <a:p>
+            <a:endParaRPr lang="en-US" dirty="0"/>
+          </a:p>
+        </p:txBody>
+      </p:sp>
+      <p:graphicFrame>
+        <p:nvGraphicFramePr>
+          <p:cNvPr id="7" name="Table 6">
+            <a:extLst>
+              <a:ext uri="{FF2B5EF4-FFF2-40B4-BE49-F238E27FC236}">
+                <a16:creationId xmlns:a16="http://schemas.microsoft.com/office/drawing/2014/main" id="{07DAF20D-D9C4-4254-81A3-6C5FC74918B2}"/>
+              </a:ext>
+            </a:extLst>
+          </p:cNvPr>
+          <p:cNvGraphicFramePr>
+            <a:graphicFrameLocks noGrp="1"/>
+          </p:cNvGraphicFramePr>
+          <p:nvPr>
+            <p:extLst>
+              <p:ext uri="{D42A27DB-BD31-4B8C-83A1-F6EECF244321}">
+                <p14:modId xmlns:p14="http://schemas.microsoft.com/office/powerpoint/2010/main" val="979094180"/>
+              </p:ext>
+            </p:extLst>
+          </p:nvPr>
+        </p:nvGraphicFramePr>
+        <p:xfrm>
+          <a:off x="852693" y="1892118"/>
+          <a:ext cx="8796813" cy="3200400"/>
+        </p:xfrm>
+        <a:graphic>
+          <a:graphicData uri="http://schemas.openxmlformats.org/drawingml/2006/table">
+            <a:tbl>
+              <a:tblPr firstRow="1" bandRow="1">
+                <a:tableStyleId>{5C22544A-7EE6-4342-B048-85BDC9FD1C3A}</a:tableStyleId>
+              </a:tblPr>
+              <a:tblGrid>
+                <a:gridCol w="2932271">
+                  <a:extLst>
+                    <a:ext uri="{9D8B030D-6E8A-4147-A177-3AD203B41FA5}">
+                      <a16:colId xmlns:a16="http://schemas.microsoft.com/office/drawing/2014/main" val="3145892095"/>
+                    </a:ext>
+                  </a:extLst>
+                </a:gridCol>
+                <a:gridCol w="2932271">
+                  <a:extLst>
+                    <a:ext uri="{9D8B030D-6E8A-4147-A177-3AD203B41FA5}">
+                      <a16:colId xmlns:a16="http://schemas.microsoft.com/office/drawing/2014/main" val="3750683195"/>
+                    </a:ext>
+                  </a:extLst>
+                </a:gridCol>
+                <a:gridCol w="2932271">
+                  <a:extLst>
+                    <a:ext uri="{9D8B030D-6E8A-4147-A177-3AD203B41FA5}">
+                      <a16:colId xmlns:a16="http://schemas.microsoft.com/office/drawing/2014/main" val="893307150"/>
+                    </a:ext>
+                  </a:extLst>
+                </a:gridCol>
+              </a:tblGrid>
+              <a:tr h="370840">
+                <a:tc>
+                  <a:txBody>
+                    <a:bodyPr/>
+                    <a:lstStyle/>
+                    <a:p>
+                      <a:r>
+                        <a:rPr lang="en-US" dirty="0"/>
+                        <a:t>Channel</a:t>
+                      </a:r>
+                    </a:p>
+                  </a:txBody>
+                  <a:tcPr/>
+                </a:tc>
+                <a:tc>
+                  <a:txBody>
+                    <a:bodyPr/>
+                    <a:lstStyle/>
+                    <a:p>
+                      <a:r>
+                        <a:rPr lang="en-US" dirty="0"/>
+                        <a:t>Data Type</a:t>
+                      </a:r>
+                    </a:p>
+                  </a:txBody>
+                  <a:tcPr/>
+                </a:tc>
+                <a:tc>
+                  <a:txBody>
+                    <a:bodyPr/>
+                    <a:lstStyle/>
+                    <a:p>
+                      <a:r>
+                        <a:rPr lang="en-US" dirty="0"/>
+                        <a:t>Channel Type</a:t>
+                      </a:r>
+                    </a:p>
+                  </a:txBody>
+                  <a:tcPr/>
+                </a:tc>
+                <a:extLst>
+                  <a:ext uri="{0D108BD9-81ED-4DB2-BD59-A6C34878D82A}">
+                    <a16:rowId xmlns:a16="http://schemas.microsoft.com/office/drawing/2014/main" val="1003854384"/>
+                  </a:ext>
+                </a:extLst>
+              </a:tr>
+              <a:tr h="370840">
+                <a:tc>
+                  <a:txBody>
+                    <a:bodyPr/>
+                    <a:lstStyle/>
+                    <a:p>
+                      <a:pPr marL="0" marR="0" lvl="0" indent="0" algn="l" defTabSz="1219170" rtl="0" eaLnBrk="1" fontAlgn="auto" latinLnBrk="0" hangingPunct="1">
+                        <a:lnSpc>
+                          <a:spcPct val="100000"/>
+                        </a:lnSpc>
+                        <a:spcBef>
+                          <a:spcPts val="0"/>
+                        </a:spcBef>
+                        <a:spcAft>
+                          <a:spcPts val="0"/>
+                        </a:spcAft>
+                        <a:buClrTx/>
+                        <a:buSzTx/>
+                        <a:buFontTx/>
+                        <a:buNone/>
+                        <a:tabLst/>
+                        <a:defRPr/>
+                      </a:pPr>
+                      <a:r>
+                        <a:rPr lang="en-US" dirty="0"/>
+                        <a:t>Variable</a:t>
+                      </a:r>
+                    </a:p>
+                  </a:txBody>
+                  <a:tcPr/>
+                </a:tc>
+                <a:tc>
+                  <a:txBody>
+                    <a:bodyPr/>
+                    <a:lstStyle/>
+                    <a:p>
+                      <a:r>
+                        <a:rPr lang="en-US" dirty="0"/>
+                        <a:t>Double</a:t>
+                      </a:r>
+                    </a:p>
+                  </a:txBody>
+                  <a:tcPr/>
+                </a:tc>
+                <a:tc>
+                  <a:txBody>
+                    <a:bodyPr/>
+                    <a:lstStyle/>
+                    <a:p>
+                      <a:r>
+                        <a:rPr lang="en-US" dirty="0"/>
+                        <a:t>Process Parameter</a:t>
+                      </a:r>
+                    </a:p>
+                  </a:txBody>
+                  <a:tcPr/>
+                </a:tc>
+                <a:extLst>
+                  <a:ext uri="{0D108BD9-81ED-4DB2-BD59-A6C34878D82A}">
+                    <a16:rowId xmlns:a16="http://schemas.microsoft.com/office/drawing/2014/main" val="2507582932"/>
+                  </a:ext>
+                </a:extLst>
+              </a:tr>
+              <a:tr h="370840">
+                <a:tc>
+                  <a:txBody>
+                    <a:bodyPr/>
+                    <a:lstStyle/>
+                    <a:p>
+                      <a:r>
+                        <a:rPr lang="en-US" dirty="0"/>
+                        <a:t>Setpoint</a:t>
+                      </a:r>
+                    </a:p>
+                  </a:txBody>
+                  <a:tcPr/>
+                </a:tc>
+                <a:tc>
+                  <a:txBody>
+                    <a:bodyPr/>
+                    <a:lstStyle/>
+                    <a:p>
+                      <a:r>
+                        <a:rPr lang="en-US" dirty="0"/>
+                        <a:t>Double</a:t>
+                      </a:r>
+                    </a:p>
+                  </a:txBody>
+                  <a:tcPr/>
+                </a:tc>
+                <a:tc>
+                  <a:txBody>
+                    <a:bodyPr/>
+                    <a:lstStyle/>
+                    <a:p>
+                      <a:pPr marL="0" marR="0" lvl="0" indent="0" algn="l" defTabSz="1219170" rtl="0" eaLnBrk="1" fontAlgn="auto" latinLnBrk="0" hangingPunct="1">
+                        <a:lnSpc>
+                          <a:spcPct val="100000"/>
+                        </a:lnSpc>
+                        <a:spcBef>
+                          <a:spcPts val="0"/>
+                        </a:spcBef>
+                        <a:spcAft>
+                          <a:spcPts val="0"/>
+                        </a:spcAft>
+                        <a:buClrTx/>
+                        <a:buSzTx/>
+                        <a:buFontTx/>
+                        <a:buNone/>
+                        <a:tabLst/>
+                        <a:defRPr/>
+                      </a:pPr>
+                      <a:r>
+                        <a:rPr lang="en-US" dirty="0"/>
+                        <a:t>Process Parameter</a:t>
+                      </a:r>
+                    </a:p>
+                  </a:txBody>
+                  <a:tcPr/>
+                </a:tc>
+                <a:extLst>
+                  <a:ext uri="{0D108BD9-81ED-4DB2-BD59-A6C34878D82A}">
+                    <a16:rowId xmlns:a16="http://schemas.microsoft.com/office/drawing/2014/main" val="3110449280"/>
+                  </a:ext>
+                </a:extLst>
+              </a:tr>
+              <a:tr h="370840">
+                <a:tc>
+                  <a:txBody>
+                    <a:bodyPr/>
+                    <a:lstStyle/>
+                    <a:p>
+                      <a:r>
+                        <a:rPr lang="en-US" dirty="0"/>
+                        <a:t>Output</a:t>
+                      </a:r>
+                    </a:p>
+                  </a:txBody>
+                  <a:tcPr/>
+                </a:tc>
+                <a:tc>
+                  <a:txBody>
+                    <a:bodyPr/>
+                    <a:lstStyle/>
+                    <a:p>
+                      <a:r>
+                        <a:rPr lang="en-US" dirty="0"/>
+                        <a:t>Double</a:t>
+                      </a:r>
+                    </a:p>
+                  </a:txBody>
+                  <a:tcPr/>
+                </a:tc>
+                <a:tc>
+                  <a:txBody>
+                    <a:bodyPr/>
+                    <a:lstStyle/>
+                    <a:p>
+                      <a:r>
+                        <a:rPr lang="en-US" dirty="0"/>
+                        <a:t>Result</a:t>
+                      </a:r>
+                    </a:p>
+                  </a:txBody>
+                  <a:tcPr/>
+                </a:tc>
+                <a:extLst>
+                  <a:ext uri="{0D108BD9-81ED-4DB2-BD59-A6C34878D82A}">
+                    <a16:rowId xmlns:a16="http://schemas.microsoft.com/office/drawing/2014/main" val="1709584318"/>
+                  </a:ext>
+                </a:extLst>
+              </a:tr>
+              <a:tr h="370840">
+                <a:tc>
+                  <a:txBody>
+                    <a:bodyPr/>
+                    <a:lstStyle/>
+                    <a:p>
+                      <a:r>
+                        <a:rPr lang="en-US" dirty="0"/>
+                        <a:t>P</a:t>
+                      </a:r>
+                    </a:p>
+                  </a:txBody>
+                  <a:tcPr/>
+                </a:tc>
+                <a:tc>
+                  <a:txBody>
+                    <a:bodyPr/>
+                    <a:lstStyle/>
+                    <a:p>
+                      <a:pPr marL="0" marR="0" lvl="0" indent="0" algn="l" defTabSz="1219170" rtl="0" eaLnBrk="1" fontAlgn="auto" latinLnBrk="0" hangingPunct="1">
+                        <a:lnSpc>
+                          <a:spcPct val="100000"/>
+                        </a:lnSpc>
+                        <a:spcBef>
+                          <a:spcPts val="0"/>
+                        </a:spcBef>
+                        <a:spcAft>
+                          <a:spcPts val="0"/>
+                        </a:spcAft>
+                        <a:buClrTx/>
+                        <a:buSzTx/>
+                        <a:buFontTx/>
+                        <a:buNone/>
+                        <a:tabLst/>
+                        <a:defRPr/>
+                      </a:pPr>
+                      <a:r>
+                        <a:rPr lang="en-US" dirty="0"/>
+                        <a:t>Double</a:t>
+                      </a:r>
+                    </a:p>
+                  </a:txBody>
+                  <a:tcPr/>
+                </a:tc>
+                <a:tc>
+                  <a:txBody>
+                    <a:bodyPr/>
+                    <a:lstStyle/>
+                    <a:p>
+                      <a:pPr marL="0" marR="0" lvl="0" indent="0" algn="l" defTabSz="1219170" rtl="0" eaLnBrk="1" fontAlgn="auto" latinLnBrk="0" hangingPunct="1">
+                        <a:lnSpc>
+                          <a:spcPct val="100000"/>
+                        </a:lnSpc>
+                        <a:spcBef>
+                          <a:spcPts val="0"/>
+                        </a:spcBef>
+                        <a:spcAft>
+                          <a:spcPts val="0"/>
+                        </a:spcAft>
+                        <a:buClrTx/>
+                        <a:buSzTx/>
+                        <a:buFontTx/>
+                        <a:buNone/>
+                        <a:tabLst/>
+                        <a:defRPr/>
+                      </a:pPr>
+                      <a:r>
+                        <a:rPr lang="en-US" dirty="0"/>
+                        <a:t>Process Parameter</a:t>
+                      </a:r>
+                    </a:p>
+                  </a:txBody>
+                  <a:tcPr/>
+                </a:tc>
+                <a:extLst>
+                  <a:ext uri="{0D108BD9-81ED-4DB2-BD59-A6C34878D82A}">
+                    <a16:rowId xmlns:a16="http://schemas.microsoft.com/office/drawing/2014/main" val="2150168525"/>
+                  </a:ext>
+                </a:extLst>
+              </a:tr>
+              <a:tr h="370840">
+                <a:tc>
+                  <a:txBody>
+                    <a:bodyPr/>
+                    <a:lstStyle/>
+                    <a:p>
+                      <a:r>
+                        <a:rPr lang="en-US" dirty="0"/>
+                        <a:t>I</a:t>
+                      </a:r>
+                    </a:p>
+                  </a:txBody>
+                  <a:tcPr/>
+                </a:tc>
+                <a:tc>
+                  <a:txBody>
+                    <a:bodyPr/>
+                    <a:lstStyle/>
+                    <a:p>
+                      <a:r>
+                        <a:rPr lang="en-US" dirty="0"/>
+                        <a:t>Double</a:t>
+                      </a:r>
+                    </a:p>
+                  </a:txBody>
+                  <a:tcPr/>
+                </a:tc>
+                <a:tc>
+                  <a:txBody>
+                    <a:bodyPr/>
+                    <a:lstStyle/>
+                    <a:p>
+                      <a:pPr marL="0" marR="0" lvl="0" indent="0" algn="l" defTabSz="1219170" rtl="0" eaLnBrk="1" fontAlgn="auto" latinLnBrk="0" hangingPunct="1">
+                        <a:lnSpc>
+                          <a:spcPct val="100000"/>
+                        </a:lnSpc>
+                        <a:spcBef>
+                          <a:spcPts val="0"/>
+                        </a:spcBef>
+                        <a:spcAft>
+                          <a:spcPts val="0"/>
+                        </a:spcAft>
+                        <a:buClrTx/>
+                        <a:buSzTx/>
+                        <a:buFontTx/>
+                        <a:buNone/>
+                        <a:tabLst/>
+                        <a:defRPr/>
+                      </a:pPr>
+                      <a:r>
+                        <a:rPr lang="en-US" dirty="0"/>
+                        <a:t>Process Parameter</a:t>
+                      </a:r>
+                    </a:p>
+                  </a:txBody>
+                  <a:tcPr/>
+                </a:tc>
+                <a:extLst>
+                  <a:ext uri="{0D108BD9-81ED-4DB2-BD59-A6C34878D82A}">
+                    <a16:rowId xmlns:a16="http://schemas.microsoft.com/office/drawing/2014/main" val="2537519005"/>
+                  </a:ext>
+                </a:extLst>
+              </a:tr>
+              <a:tr h="370840">
+                <a:tc>
+                  <a:txBody>
+                    <a:bodyPr/>
+                    <a:lstStyle/>
+                    <a:p>
+                      <a:r>
+                        <a:rPr lang="en-US" dirty="0"/>
+                        <a:t>D</a:t>
+                      </a:r>
+                    </a:p>
+                  </a:txBody>
+                  <a:tcPr/>
+                </a:tc>
+                <a:tc>
+                  <a:txBody>
+                    <a:bodyPr/>
+                    <a:lstStyle/>
+                    <a:p>
+                      <a:r>
+                        <a:rPr lang="en-US" dirty="0"/>
+                        <a:t>Double</a:t>
+                      </a:r>
+                    </a:p>
+                  </a:txBody>
+                  <a:tcPr/>
+                </a:tc>
+                <a:tc>
+                  <a:txBody>
+                    <a:bodyPr/>
+                    <a:lstStyle/>
+                    <a:p>
+                      <a:pPr marL="0" marR="0" lvl="0" indent="0" algn="l" defTabSz="1219170" rtl="0" eaLnBrk="1" fontAlgn="auto" latinLnBrk="0" hangingPunct="1">
+                        <a:lnSpc>
+                          <a:spcPct val="100000"/>
+                        </a:lnSpc>
+                        <a:spcBef>
+                          <a:spcPts val="0"/>
+                        </a:spcBef>
+                        <a:spcAft>
+                          <a:spcPts val="0"/>
+                        </a:spcAft>
+                        <a:buClrTx/>
+                        <a:buSzTx/>
+                        <a:buFontTx/>
+                        <a:buNone/>
+                        <a:tabLst/>
+                        <a:defRPr/>
+                      </a:pPr>
+                      <a:r>
+                        <a:rPr lang="en-US" dirty="0"/>
+                        <a:t>Process Parameter</a:t>
+                      </a:r>
+                    </a:p>
+                  </a:txBody>
+                  <a:tcPr/>
+                </a:tc>
+                <a:extLst>
+                  <a:ext uri="{0D108BD9-81ED-4DB2-BD59-A6C34878D82A}">
+                    <a16:rowId xmlns:a16="http://schemas.microsoft.com/office/drawing/2014/main" val="1383414657"/>
+                  </a:ext>
+                </a:extLst>
+              </a:tr>
+            </a:tbl>
+          </a:graphicData>
+        </a:graphic>
+      </p:graphicFrame>
+    </p:spTree>
+    <p:extLst>
+      <p:ext uri="{BB962C8B-B14F-4D97-AF65-F5344CB8AC3E}">
+        <p14:creationId xmlns:p14="http://schemas.microsoft.com/office/powerpoint/2010/main" val="1969058261"/>
+      </p:ext>
+    </p:extLst>
+  </p:cSld>
+  <p:clrMapOvr>
+    <a:masterClrMapping/>
+  </p:clrMapOvr>
+</p:sld>
+</file>
+
+<file path=ppt/slides/slide19.xml><?xml version="1.0" encoding="utf-8"?>
 <p:sld xmlns:a="http://schemas.openxmlformats.org/drawingml/2006/main" xmlns:r="http://schemas.openxmlformats.org/officeDocument/2006/relationships" xmlns:p="http://schemas.openxmlformats.org/presentationml/2006/main">
   <p:cSld>
     <p:spTree>
@@ -11695,7 +12361,7 @@
           <a:lstStyle/>
           <a:p>
             <a:pPr algn="ctr"/>
-            <a:endParaRPr lang="en-US"/>
+            <a:endParaRPr lang="en-US" dirty="0"/>
           </a:p>
         </p:txBody>
       </p:sp>
@@ -11749,7 +12415,7 @@
           <a:lstStyle/>
           <a:p>
             <a:pPr algn="ctr"/>
-            <a:endParaRPr lang="en-US"/>
+            <a:endParaRPr lang="en-US" dirty="0"/>
           </a:p>
         </p:txBody>
       </p:sp>
@@ -11766,7 +12432,123 @@
 </p:sld>
 </file>
 
-<file path=ppt/slides/slide18.xml><?xml version="1.0" encoding="utf-8"?>
+<file path=ppt/slides/slide2.xml><?xml version="1.0" encoding="utf-8"?>
+<p:sld xmlns:a="http://schemas.openxmlformats.org/drawingml/2006/main" xmlns:r="http://schemas.openxmlformats.org/officeDocument/2006/relationships" xmlns:p="http://schemas.openxmlformats.org/presentationml/2006/main">
+  <p:cSld>
+    <p:spTree>
+      <p:nvGrpSpPr>
+        <p:cNvPr id="1" name=""/>
+        <p:cNvGrpSpPr/>
+        <p:nvPr/>
+      </p:nvGrpSpPr>
+      <p:grpSpPr>
+        <a:xfrm>
+          <a:off x="0" y="0"/>
+          <a:ext cx="0" cy="0"/>
+          <a:chOff x="0" y="0"/>
+          <a:chExt cx="0" cy="0"/>
+        </a:xfrm>
+      </p:grpSpPr>
+      <p:sp>
+        <p:nvSpPr>
+          <p:cNvPr id="2" name="Title 1">
+            <a:extLst>
+              <a:ext uri="{FF2B5EF4-FFF2-40B4-BE49-F238E27FC236}">
+                <a16:creationId xmlns:a16="http://schemas.microsoft.com/office/drawing/2014/main" id="{B8BDC128-5203-4FD3-9016-F27C562930D2}"/>
+              </a:ext>
+            </a:extLst>
+          </p:cNvPr>
+          <p:cNvSpPr>
+            <a:spLocks noGrp="1"/>
+          </p:cNvSpPr>
+          <p:nvPr>
+            <p:ph type="title"/>
+          </p:nvPr>
+        </p:nvSpPr>
+        <p:spPr/>
+        <p:txBody>
+          <a:bodyPr/>
+          <a:lstStyle/>
+          <a:p>
+            <a:r>
+              <a:rPr lang="en-US" dirty="0"/>
+              <a:t>Agenda</a:t>
+            </a:r>
+          </a:p>
+        </p:txBody>
+      </p:sp>
+      <p:sp>
+        <p:nvSpPr>
+          <p:cNvPr id="3" name="Content Placeholder 2">
+            <a:extLst>
+              <a:ext uri="{FF2B5EF4-FFF2-40B4-BE49-F238E27FC236}">
+                <a16:creationId xmlns:a16="http://schemas.microsoft.com/office/drawing/2014/main" id="{78F1A5E9-65F0-4886-8010-57C400974AF3}"/>
+              </a:ext>
+            </a:extLst>
+          </p:cNvPr>
+          <p:cNvSpPr>
+            <a:spLocks noGrp="1"/>
+          </p:cNvSpPr>
+          <p:nvPr>
+            <p:ph idx="1"/>
+          </p:nvPr>
+        </p:nvSpPr>
+        <p:spPr/>
+        <p:txBody>
+          <a:bodyPr/>
+          <a:lstStyle/>
+          <a:p>
+            <a:r>
+              <a:rPr lang="en-US" dirty="0"/>
+              <a:t>What Template to use</a:t>
+            </a:r>
+          </a:p>
+          <a:p>
+            <a:r>
+              <a:rPr lang="en-US" dirty="0"/>
+              <a:t>Static Module Creation</a:t>
+            </a:r>
+          </a:p>
+          <a:p>
+            <a:r>
+              <a:rPr lang="en-US" dirty="0"/>
+              <a:t>Script include</a:t>
+            </a:r>
+          </a:p>
+          <a:p>
+            <a:r>
+              <a:rPr lang="en-US" dirty="0"/>
+              <a:t>Parameters</a:t>
+            </a:r>
+          </a:p>
+          <a:p>
+            <a:r>
+              <a:rPr lang="en-US" dirty="0"/>
+              <a:t>Initialization</a:t>
+            </a:r>
+          </a:p>
+          <a:p>
+            <a:endParaRPr lang="en-US" dirty="0"/>
+          </a:p>
+          <a:p>
+            <a:endParaRPr lang="en-US" dirty="0"/>
+          </a:p>
+        </p:txBody>
+      </p:sp>
+    </p:spTree>
+    <p:extLst>
+      <p:ext uri="{BB962C8B-B14F-4D97-AF65-F5344CB8AC3E}">
+        <p14:creationId xmlns:p14="http://schemas.microsoft.com/office/powerpoint/2010/main" val="1801139919"/>
+      </p:ext>
+    </p:extLst>
+  </p:cSld>
+  <p:clrMapOvr>
+    <a:masterClrMapping/>
+  </p:clrMapOvr>
+</p:sld>
+</file>
+
+<file path=ppt/slides/slide20.xml><?xml version="1.0" encoding="utf-8"?>
 <p:sld xmlns:a="http://schemas.openxmlformats.org/drawingml/2006/main" xmlns:r="http://schemas.openxmlformats.org/officeDocument/2006/relationships" xmlns:p="http://schemas.openxmlformats.org/presentationml/2006/main">
   <p:cSld>
     <p:spTree>
@@ -11886,7 +12668,7 @@
 </p:sld>
 </file>
 
-<file path=ppt/slides/slide19.xml><?xml version="1.0" encoding="utf-8"?>
+<file path=ppt/slides/slide21.xml><?xml version="1.0" encoding="utf-8"?>
 <p:sld xmlns:a="http://schemas.openxmlformats.org/drawingml/2006/main" xmlns:r="http://schemas.openxmlformats.org/officeDocument/2006/relationships" xmlns:p="http://schemas.openxmlformats.org/presentationml/2006/main">
   <p:cSld>
     <p:spTree>
@@ -12052,123 +12834,7 @@
 </p:sld>
 </file>
 
-<file path=ppt/slides/slide2.xml><?xml version="1.0" encoding="utf-8"?>
-<p:sld xmlns:a="http://schemas.openxmlformats.org/drawingml/2006/main" xmlns:r="http://schemas.openxmlformats.org/officeDocument/2006/relationships" xmlns:p="http://schemas.openxmlformats.org/presentationml/2006/main">
-  <p:cSld>
-    <p:spTree>
-      <p:nvGrpSpPr>
-        <p:cNvPr id="1" name=""/>
-        <p:cNvGrpSpPr/>
-        <p:nvPr/>
-      </p:nvGrpSpPr>
-      <p:grpSpPr>
-        <a:xfrm>
-          <a:off x="0" y="0"/>
-          <a:ext cx="0" cy="0"/>
-          <a:chOff x="0" y="0"/>
-          <a:chExt cx="0" cy="0"/>
-        </a:xfrm>
-      </p:grpSpPr>
-      <p:sp>
-        <p:nvSpPr>
-          <p:cNvPr id="2" name="Title 1">
-            <a:extLst>
-              <a:ext uri="{FF2B5EF4-FFF2-40B4-BE49-F238E27FC236}">
-                <a16:creationId xmlns:a16="http://schemas.microsoft.com/office/drawing/2014/main" id="{B8BDC128-5203-4FD3-9016-F27C562930D2}"/>
-              </a:ext>
-            </a:extLst>
-          </p:cNvPr>
-          <p:cNvSpPr>
-            <a:spLocks noGrp="1"/>
-          </p:cNvSpPr>
-          <p:nvPr>
-            <p:ph type="title"/>
-          </p:nvPr>
-        </p:nvSpPr>
-        <p:spPr/>
-        <p:txBody>
-          <a:bodyPr/>
-          <a:lstStyle/>
-          <a:p>
-            <a:r>
-              <a:rPr lang="en-US" dirty="0"/>
-              <a:t>Agenda</a:t>
-            </a:r>
-          </a:p>
-        </p:txBody>
-      </p:sp>
-      <p:sp>
-        <p:nvSpPr>
-          <p:cNvPr id="3" name="Content Placeholder 2">
-            <a:extLst>
-              <a:ext uri="{FF2B5EF4-FFF2-40B4-BE49-F238E27FC236}">
-                <a16:creationId xmlns:a16="http://schemas.microsoft.com/office/drawing/2014/main" id="{78F1A5E9-65F0-4886-8010-57C400974AF3}"/>
-              </a:ext>
-            </a:extLst>
-          </p:cNvPr>
-          <p:cNvSpPr>
-            <a:spLocks noGrp="1"/>
-          </p:cNvSpPr>
-          <p:nvPr>
-            <p:ph idx="1"/>
-          </p:nvPr>
-        </p:nvSpPr>
-        <p:spPr/>
-        <p:txBody>
-          <a:bodyPr/>
-          <a:lstStyle/>
-          <a:p>
-            <a:r>
-              <a:rPr lang="en-US" dirty="0"/>
-              <a:t>What Template to use</a:t>
-            </a:r>
-          </a:p>
-          <a:p>
-            <a:r>
-              <a:rPr lang="en-US" dirty="0"/>
-              <a:t>Static Module Creation</a:t>
-            </a:r>
-          </a:p>
-          <a:p>
-            <a:r>
-              <a:rPr lang="en-US" dirty="0"/>
-              <a:t>Script include</a:t>
-            </a:r>
-          </a:p>
-          <a:p>
-            <a:r>
-              <a:rPr lang="en-US" dirty="0"/>
-              <a:t>Parameters</a:t>
-            </a:r>
-          </a:p>
-          <a:p>
-            <a:r>
-              <a:rPr lang="en-US" dirty="0"/>
-              <a:t>Initialization</a:t>
-            </a:r>
-          </a:p>
-          <a:p>
-            <a:endParaRPr lang="en-US" dirty="0"/>
-          </a:p>
-          <a:p>
-            <a:endParaRPr lang="en-US" dirty="0"/>
-          </a:p>
-        </p:txBody>
-      </p:sp>
-    </p:spTree>
-    <p:extLst>
-      <p:ext uri="{BB962C8B-B14F-4D97-AF65-F5344CB8AC3E}">
-        <p14:creationId xmlns:p14="http://schemas.microsoft.com/office/powerpoint/2010/main" val="1801139919"/>
-      </p:ext>
-    </p:extLst>
-  </p:cSld>
-  <p:clrMapOvr>
-    <a:masterClrMapping/>
-  </p:clrMapOvr>
-</p:sld>
-</file>
-
-<file path=ppt/slides/slide20.xml><?xml version="1.0" encoding="utf-8"?>
+<file path=ppt/slides/slide22.xml><?xml version="1.0" encoding="utf-8"?>
 <p:sld xmlns:a="http://schemas.openxmlformats.org/drawingml/2006/main" xmlns:r="http://schemas.openxmlformats.org/officeDocument/2006/relationships" xmlns:p="http://schemas.openxmlformats.org/presentationml/2006/main">
   <p:cSld>
     <p:spTree>
@@ -12226,7 +12892,140 @@
 </p:sld>
 </file>
 
-<file path=ppt/slides/slide21.xml><?xml version="1.0" encoding="utf-8"?>
+<file path=ppt/slides/slide23.xml><?xml version="1.0" encoding="utf-8"?>
+<p:sld xmlns:a="http://schemas.openxmlformats.org/drawingml/2006/main" xmlns:r="http://schemas.openxmlformats.org/officeDocument/2006/relationships" xmlns:p="http://schemas.openxmlformats.org/presentationml/2006/main">
+  <p:cSld>
+    <p:spTree>
+      <p:nvGrpSpPr>
+        <p:cNvPr id="1" name=""/>
+        <p:cNvGrpSpPr/>
+        <p:nvPr/>
+      </p:nvGrpSpPr>
+      <p:grpSpPr>
+        <a:xfrm>
+          <a:off x="0" y="0"/>
+          <a:ext cx="0" cy="0"/>
+          <a:chOff x="0" y="0"/>
+          <a:chExt cx="0" cy="0"/>
+        </a:xfrm>
+      </p:grpSpPr>
+      <p:sp>
+        <p:nvSpPr>
+          <p:cNvPr id="2" name="Title 1">
+            <a:extLst>
+              <a:ext uri="{FF2B5EF4-FFF2-40B4-BE49-F238E27FC236}">
+                <a16:creationId xmlns:a16="http://schemas.microsoft.com/office/drawing/2014/main" id="{F77F9243-7F60-48A5-8580-6BC70CC45E94}"/>
+              </a:ext>
+            </a:extLst>
+          </p:cNvPr>
+          <p:cNvSpPr>
+            <a:spLocks noGrp="1"/>
+          </p:cNvSpPr>
+          <p:nvPr>
+            <p:ph type="title"/>
+          </p:nvPr>
+        </p:nvSpPr>
+        <p:spPr>
+          <a:xfrm>
+            <a:off x="605367" y="365760"/>
+            <a:ext cx="10972800" cy="609600"/>
+          </a:xfrm>
+        </p:spPr>
+        <p:txBody>
+          <a:bodyPr/>
+          <a:lstStyle/>
+          <a:p>
+            <a:r>
+              <a:rPr lang="en-US" dirty="0"/>
+              <a:t>Exercise 3: State Machine</a:t>
+            </a:r>
+          </a:p>
+        </p:txBody>
+      </p:sp>
+      <p:sp>
+        <p:nvSpPr>
+          <p:cNvPr id="3" name="Content Placeholder 2">
+            <a:extLst>
+              <a:ext uri="{FF2B5EF4-FFF2-40B4-BE49-F238E27FC236}">
+                <a16:creationId xmlns:a16="http://schemas.microsoft.com/office/drawing/2014/main" id="{4EF2B063-3914-46F2-9763-B3341F3BB5C8}"/>
+              </a:ext>
+            </a:extLst>
+          </p:cNvPr>
+          <p:cNvSpPr>
+            <a:spLocks noGrp="1"/>
+          </p:cNvSpPr>
+          <p:nvPr>
+            <p:ph idx="1"/>
+          </p:nvPr>
+        </p:nvSpPr>
+        <p:spPr/>
+        <p:txBody>
+          <a:bodyPr/>
+          <a:lstStyle/>
+          <a:p>
+            <a:r>
+              <a:rPr lang="en-US" dirty="0"/>
+              <a:t>Create module from template</a:t>
+            </a:r>
+          </a:p>
+          <a:p>
+            <a:r>
+              <a:rPr lang="en-US" dirty="0"/>
+              <a:t>Add the state to the runtime</a:t>
+            </a:r>
+          </a:p>
+          <a:p>
+            <a:r>
+              <a:rPr lang="en-US" dirty="0"/>
+              <a:t>Initialize the state</a:t>
+            </a:r>
+          </a:p>
+          <a:p>
+            <a:r>
+              <a:rPr lang="en-US" dirty="0"/>
+              <a:t>Implement the user process</a:t>
+            </a:r>
+          </a:p>
+          <a:p>
+            <a:r>
+              <a:rPr lang="en-US" dirty="0"/>
+              <a:t>Test the user process</a:t>
+            </a:r>
+          </a:p>
+          <a:p>
+            <a:endParaRPr lang="en-US" dirty="0"/>
+          </a:p>
+          <a:p>
+            <a:endParaRPr lang="en-US" dirty="0"/>
+          </a:p>
+          <a:p>
+            <a:endParaRPr lang="en-US" dirty="0"/>
+          </a:p>
+          <a:p>
+            <a:endParaRPr lang="en-US" dirty="0"/>
+          </a:p>
+          <a:p>
+            <a:endParaRPr lang="en-US" dirty="0"/>
+          </a:p>
+          <a:p>
+            <a:endParaRPr lang="en-US" dirty="0"/>
+          </a:p>
+        </p:txBody>
+      </p:sp>
+    </p:spTree>
+    <p:extLst>
+      <p:ext uri="{BB962C8B-B14F-4D97-AF65-F5344CB8AC3E}">
+        <p14:creationId xmlns:p14="http://schemas.microsoft.com/office/powerpoint/2010/main" val="3220196452"/>
+      </p:ext>
+    </p:extLst>
+  </p:cSld>
+  <p:clrMapOvr>
+    <a:masterClrMapping/>
+  </p:clrMapOvr>
+</p:sld>
+</file>
+
+<file path=ppt/slides/slide24.xml><?xml version="1.0" encoding="utf-8"?>
 <p:sld xmlns:a="http://schemas.openxmlformats.org/drawingml/2006/main" xmlns:r="http://schemas.openxmlformats.org/officeDocument/2006/relationships" xmlns:p="http://schemas.openxmlformats.org/presentationml/2006/main">
   <p:cSld>
     <p:spTree>
@@ -12272,7 +13071,7 @@
           <a:p>
             <a:r>
               <a:rPr lang="en-US" dirty="0"/>
-              <a:t>Run the state machine in DCAF.</a:t>
+              <a:t>Running the state machine in DCAF Engine</a:t>
             </a:r>
           </a:p>
         </p:txBody>
@@ -12290,7 +13089,108 @@
 </p:sld>
 </file>
 
-<file path=ppt/slides/slide22.xml><?xml version="1.0" encoding="utf-8"?>
+<file path=ppt/slides/slide25.xml><?xml version="1.0" encoding="utf-8"?>
+<p:sld xmlns:a="http://schemas.openxmlformats.org/drawingml/2006/main" xmlns:r="http://schemas.openxmlformats.org/officeDocument/2006/relationships" xmlns:p="http://schemas.openxmlformats.org/presentationml/2006/main">
+  <p:cSld>
+    <p:spTree>
+      <p:nvGrpSpPr>
+        <p:cNvPr id="1" name=""/>
+        <p:cNvGrpSpPr/>
+        <p:nvPr/>
+      </p:nvGrpSpPr>
+      <p:grpSpPr>
+        <a:xfrm>
+          <a:off x="0" y="0"/>
+          <a:ext cx="0" cy="0"/>
+          <a:chOff x="0" y="0"/>
+          <a:chExt cx="0" cy="0"/>
+        </a:xfrm>
+      </p:grpSpPr>
+      <p:sp>
+        <p:nvSpPr>
+          <p:cNvPr id="2" name="Title 1">
+            <a:extLst>
+              <a:ext uri="{FF2B5EF4-FFF2-40B4-BE49-F238E27FC236}">
+                <a16:creationId xmlns:a16="http://schemas.microsoft.com/office/drawing/2014/main" id="{F77F9243-7F60-48A5-8580-6BC70CC45E94}"/>
+              </a:ext>
+            </a:extLst>
+          </p:cNvPr>
+          <p:cNvSpPr>
+            <a:spLocks noGrp="1"/>
+          </p:cNvSpPr>
+          <p:nvPr>
+            <p:ph type="title"/>
+          </p:nvPr>
+        </p:nvSpPr>
+        <p:spPr/>
+        <p:txBody>
+          <a:bodyPr/>
+          <a:lstStyle/>
+          <a:p>
+            <a:r>
+              <a:rPr lang="en-US" dirty="0"/>
+              <a:t>Exercise 4: Running the state machine in DCAF Engine</a:t>
+            </a:r>
+          </a:p>
+        </p:txBody>
+      </p:sp>
+      <p:sp>
+        <p:nvSpPr>
+          <p:cNvPr id="3" name="Content Placeholder 2">
+            <a:extLst>
+              <a:ext uri="{FF2B5EF4-FFF2-40B4-BE49-F238E27FC236}">
+                <a16:creationId xmlns:a16="http://schemas.microsoft.com/office/drawing/2014/main" id="{4EF2B063-3914-46F2-9763-B3341F3BB5C8}"/>
+              </a:ext>
+            </a:extLst>
+          </p:cNvPr>
+          <p:cNvSpPr>
+            <a:spLocks noGrp="1"/>
+          </p:cNvSpPr>
+          <p:nvPr>
+            <p:ph idx="1"/>
+          </p:nvPr>
+        </p:nvSpPr>
+        <p:spPr/>
+        <p:txBody>
+          <a:bodyPr/>
+          <a:lstStyle/>
+          <a:p>
+            <a:r>
+              <a:rPr lang="en-US" dirty="0"/>
+              <a:t>Use the UI module to test 2 multiplexers in the runtime</a:t>
+            </a:r>
+          </a:p>
+          <a:p>
+            <a:endParaRPr lang="en-US" dirty="0"/>
+          </a:p>
+          <a:p>
+            <a:endParaRPr lang="en-US" dirty="0"/>
+          </a:p>
+          <a:p>
+            <a:endParaRPr lang="en-US" dirty="0"/>
+          </a:p>
+          <a:p>
+            <a:endParaRPr lang="en-US" dirty="0"/>
+          </a:p>
+          <a:p>
+            <a:endParaRPr lang="en-US" dirty="0"/>
+          </a:p>
+        </p:txBody>
+      </p:sp>
+    </p:spTree>
+    <p:extLst>
+      <p:ext uri="{BB962C8B-B14F-4D97-AF65-F5344CB8AC3E}">
+        <p14:creationId xmlns:p14="http://schemas.microsoft.com/office/powerpoint/2010/main" val="2297590106"/>
+      </p:ext>
+    </p:extLst>
+  </p:cSld>
+  <p:clrMapOvr>
+    <a:masterClrMapping/>
+  </p:clrMapOvr>
+</p:sld>
+</file>
+
+<file path=ppt/slides/slide26.xml><?xml version="1.0" encoding="utf-8"?>
 <p:sld xmlns:a="http://schemas.openxmlformats.org/drawingml/2006/main" xmlns:r="http://schemas.openxmlformats.org/officeDocument/2006/relationships" xmlns:p="http://schemas.openxmlformats.org/presentationml/2006/main">
   <p:cSld>
     <p:spTree>
@@ -12356,7 +13256,7 @@
             <a:pPr lvl="2"/>
             <a:r>
               <a:rPr lang="en-US" dirty="0"/>
-              <a:t>Create the Module from the Static Module Sample Project</a:t>
+              <a:t>Create the Module from the Static Module</a:t>
             </a:r>
           </a:p>
           <a:p>
@@ -12659,15 +13559,7 @@
             </a:pPr>
             <a:r>
               <a:rPr lang="en-US" dirty="0"/>
-              <a:t>More </a:t>
-            </a:r>
-            <a:r>
-              <a:rPr lang="en-US" dirty="0" err="1"/>
-              <a:t>cmmonly</a:t>
-            </a:r>
-            <a:r>
-              <a:rPr lang="en-US" dirty="0"/>
-              <a:t> used for input/output</a:t>
+              <a:t>More commonly used for input/output</a:t>
             </a:r>
           </a:p>
         </p:txBody>
@@ -13453,7 +14345,7 @@
           <a:lstStyle/>
           <a:p>
             <a:pPr algn="ctr"/>
-            <a:endParaRPr lang="en-US"/>
+            <a:endParaRPr lang="en-US" dirty="0"/>
           </a:p>
         </p:txBody>
       </p:sp>
@@ -13510,7 +14402,7 @@
           <a:lstStyle/>
           <a:p>
             <a:pPr algn="ctr"/>
-            <a:endParaRPr lang="en-US"/>
+            <a:endParaRPr lang="en-US" dirty="0"/>
           </a:p>
         </p:txBody>
       </p:sp>
@@ -13567,7 +14459,7 @@
           <a:lstStyle/>
           <a:p>
             <a:pPr algn="ctr"/>
-            <a:endParaRPr lang="en-US"/>
+            <a:endParaRPr lang="en-US" dirty="0"/>
           </a:p>
         </p:txBody>
       </p:sp>
@@ -13624,7 +14516,7 @@
           <a:lstStyle/>
           <a:p>
             <a:pPr algn="ctr"/>
-            <a:endParaRPr lang="en-US"/>
+            <a:endParaRPr lang="en-US" dirty="0"/>
           </a:p>
         </p:txBody>
       </p:sp>
@@ -13857,7 +14749,7 @@
           <a:lstStyle/>
           <a:p>
             <a:pPr algn="ctr"/>
-            <a:endParaRPr lang="en-US"/>
+            <a:endParaRPr lang="en-US" dirty="0"/>
           </a:p>
         </p:txBody>
       </p:sp>
@@ -13916,7 +14808,7 @@
           <a:lstStyle/>
           <a:p>
             <a:pPr algn="ctr"/>
-            <a:endParaRPr lang="en-US"/>
+            <a:endParaRPr lang="en-US" dirty="0"/>
           </a:p>
         </p:txBody>
       </p:sp>
@@ -13975,7 +14867,7 @@
           <a:lstStyle/>
           <a:p>
             <a:pPr algn="ctr"/>
-            <a:endParaRPr lang="en-US"/>
+            <a:endParaRPr lang="en-US" dirty="0"/>
           </a:p>
         </p:txBody>
       </p:sp>
@@ -14034,7 +14926,7 @@
           <a:lstStyle/>
           <a:p>
             <a:pPr algn="ctr"/>
-            <a:endParaRPr lang="en-US"/>
+            <a:endParaRPr lang="en-US" dirty="0"/>
           </a:p>
         </p:txBody>
       </p:sp>
@@ -14126,50 +15018,23 @@
           <a:p>
             <a:pPr lvl="2"/>
             <a:r>
-              <a:rPr lang="en-US" dirty="0" err="1"/>
-              <a:t>ModuleName</a:t>
-            </a:r>
-            <a:r>
-              <a:rPr lang="en-US" dirty="0"/>
-              <a:t> </a:t>
-            </a:r>
-            <a:r>
-              <a:rPr lang="en-US" dirty="0" err="1"/>
-              <a:t>configuration.lvlclass</a:t>
-            </a:r>
-            <a:endParaRPr lang="en-US" dirty="0"/>
+              <a:rPr lang="en-US" dirty="0"/>
+              <a:t>ModuleName configuration.lvlclass</a:t>
+            </a:r>
           </a:p>
           <a:p>
             <a:pPr lvl="2"/>
             <a:r>
-              <a:rPr lang="en-US" dirty="0" err="1"/>
-              <a:t>ModuleName</a:t>
-            </a:r>
-            <a:r>
-              <a:rPr lang="en-US" dirty="0"/>
-              <a:t> </a:t>
-            </a:r>
-            <a:r>
-              <a:rPr lang="en-US" dirty="0" err="1"/>
-              <a:t>editor.lvlclass</a:t>
-            </a:r>
-            <a:endParaRPr lang="en-US" dirty="0"/>
+              <a:rPr lang="en-US" dirty="0"/>
+              <a:t>ModuleName editor.lvlclass</a:t>
+            </a:r>
           </a:p>
           <a:p>
             <a:pPr lvl="2"/>
             <a:r>
-              <a:rPr lang="en-US" dirty="0" err="1"/>
-              <a:t>ModuleName</a:t>
-            </a:r>
-            <a:r>
-              <a:rPr lang="en-US" dirty="0"/>
-              <a:t> </a:t>
-            </a:r>
-            <a:r>
-              <a:rPr lang="en-US" dirty="0" err="1"/>
-              <a:t>runtime.lvlclass</a:t>
-            </a:r>
-            <a:endParaRPr lang="en-US" dirty="0"/>
+              <a:rPr lang="en-US" dirty="0"/>
+              <a:t>ModuleName runtime.lvlclass</a:t>
+            </a:r>
           </a:p>
           <a:p>
             <a:pPr lvl="2"/>

--- a/Trunk/Getting Started Material/DCAF Training/6 Static Modules.pptx
+++ b/Trunk/Getting Started Material/DCAF Training/6 Static Modules.pptx
@@ -2896,7 +2896,7 @@
           <a:p>
             <a:fld id="{EA1FD1DD-1EDF-4341-AE12-9015BA74AB77}" type="datetimeFigureOut">
               <a:rPr lang="en-US" smtClean="0"/>
-              <a:t>7/9/2018</a:t>
+              <a:t>2018-07-10</a:t>
             </a:fld>
             <a:endParaRPr lang="en-US" dirty="0"/>
           </a:p>
@@ -6615,7 +6615,7 @@
           <a:p>
             <a:fld id="{C328AB28-8CF8-4FDA-851D-B8A8B08C8597}" type="datetimeFigureOut">
               <a:rPr lang="en-US" smtClean="0"/>
-              <a:t>7/9/2018</a:t>
+              <a:t>2018-07-10</a:t>
             </a:fld>
             <a:endParaRPr lang="en-US" dirty="0"/>
           </a:p>
@@ -10087,7 +10087,7 @@
           <a:p>
             <a:r>
               <a:rPr lang="en-US" dirty="0"/>
-              <a:t>Update User Process.</a:t>
+              <a:t>Update User Process</a:t>
             </a:r>
           </a:p>
           <a:p>
@@ -10110,14 +10110,14 @@
           <p:nvPr>
             <p:extLst>
               <p:ext uri="{D42A27DB-BD31-4B8C-83A1-F6EECF244321}">
-                <p14:modId xmlns:p14="http://schemas.microsoft.com/office/powerpoint/2010/main" val="2363510993"/>
+                <p14:modId xmlns:p14="http://schemas.microsoft.com/office/powerpoint/2010/main" val="2292190814"/>
               </p:ext>
             </p:extLst>
           </p:nvPr>
         </p:nvGraphicFramePr>
         <p:xfrm>
-          <a:off x="2395392" y="1735043"/>
-          <a:ext cx="8796813" cy="2743200"/>
+          <a:off x="4133088" y="1737360"/>
+          <a:ext cx="7961325" cy="3474720"/>
         </p:xfrm>
         <a:graphic>
           <a:graphicData uri="http://schemas.openxmlformats.org/drawingml/2006/table">
@@ -10126,21 +10126,21 @@
                 <a:tableStyleId>{5C22544A-7EE6-4342-B048-85BDC9FD1C3A}</a:tableStyleId>
               </a:tblPr>
               <a:tblGrid>
-                <a:gridCol w="2932271">
+                <a:gridCol w="2653775">
                   <a:extLst>
                     <a:ext uri="{9D8B030D-6E8A-4147-A177-3AD203B41FA5}">
                       <a16:colId xmlns:a16="http://schemas.microsoft.com/office/drawing/2014/main" val="3145892095"/>
                     </a:ext>
                   </a:extLst>
                 </a:gridCol>
-                <a:gridCol w="2932271">
+                <a:gridCol w="2653775">
                   <a:extLst>
                     <a:ext uri="{9D8B030D-6E8A-4147-A177-3AD203B41FA5}">
                       <a16:colId xmlns:a16="http://schemas.microsoft.com/office/drawing/2014/main" val="3750683195"/>
                     </a:ext>
                   </a:extLst>
                 </a:gridCol>
-                <a:gridCol w="2932271">
+                <a:gridCol w="2653775">
                   <a:extLst>
                     <a:ext uri="{9D8B030D-6E8A-4147-A177-3AD203B41FA5}">
                       <a16:colId xmlns:a16="http://schemas.microsoft.com/office/drawing/2014/main" val="893307150"/>
@@ -10148,7 +10148,7 @@
                   </a:extLst>
                 </a:gridCol>
               </a:tblGrid>
-              <a:tr h="370840">
+              <a:tr h="395224">
                 <a:tc>
                   <a:txBody>
                     <a:bodyPr/>
@@ -10194,7 +10194,7 @@
                   </a:ext>
                 </a:extLst>
               </a:tr>
-              <a:tr h="370840">
+              <a:tr h="395224">
                 <a:tc>
                   <a:txBody>
                     <a:bodyPr/>
@@ -10257,7 +10257,7 @@
                   </a:ext>
                 </a:extLst>
               </a:tr>
-              <a:tr h="370840">
+              <a:tr h="395224">
                 <a:tc>
                   <a:txBody>
                     <a:bodyPr/>
@@ -10320,7 +10320,7 @@
                   </a:ext>
                 </a:extLst>
               </a:tr>
-              <a:tr h="370840">
+              <a:tr h="395224">
                 <a:tc>
                   <a:txBody>
                     <a:bodyPr/>
@@ -10366,7 +10366,7 @@
                   </a:ext>
                 </a:extLst>
               </a:tr>
-              <a:tr h="370840">
+              <a:tr h="395224">
                 <a:tc>
                   <a:txBody>
                     <a:bodyPr/>
@@ -10403,7 +10403,7 @@
                   </a:ext>
                 </a:extLst>
               </a:tr>
-              <a:tr h="370840">
+              <a:tr h="395224">
                 <a:tc>
                   <a:txBody>
                     <a:bodyPr/>
@@ -13342,7 +13342,7 @@
           <a:p>
             <a:r>
               <a:rPr lang="en-US" dirty="0"/>
-              <a:t>Static Or Dynamic?</a:t>
+              <a:t>Static or Dynamic</a:t>
             </a:r>
           </a:p>
         </p:txBody>
@@ -13462,36 +13462,36 @@
               <a:buNone/>
             </a:pPr>
             <a:r>
-              <a:rPr lang="en-US" b="1" u="sng" dirty="0"/>
+              <a:rPr lang="en-US" sz="2400" b="1" u="sng" dirty="0"/>
               <a:t>Static</a:t>
             </a:r>
           </a:p>
           <a:p>
             <a:pPr lvl="1"/>
             <a:r>
-              <a:rPr lang="en-US" dirty="0"/>
+              <a:rPr lang="en-US" sz="2400" dirty="0"/>
               <a:t>Module developer defines the number of channels available in the module</a:t>
             </a:r>
           </a:p>
           <a:p>
             <a:pPr lvl="1"/>
             <a:r>
-              <a:rPr lang="en-US" dirty="0"/>
+              <a:rPr lang="en-US" sz="2400" dirty="0"/>
               <a:t>Template includes UI ready to use.</a:t>
             </a:r>
           </a:p>
           <a:p>
             <a:pPr lvl="1"/>
             <a:r>
-              <a:rPr lang="en-US" dirty="0"/>
+              <a:rPr lang="en-US" sz="2400" dirty="0"/>
               <a:t>Easier to Create</a:t>
             </a:r>
           </a:p>
           <a:p>
             <a:pPr lvl="1"/>
             <a:r>
-              <a:rPr lang="en-US" dirty="0"/>
-              <a:t>Mostly used for processing</a:t>
+              <a:rPr lang="en-US" sz="2400" dirty="0"/>
+              <a:t>Commonly used for processing</a:t>
             </a:r>
           </a:p>
         </p:txBody>
@@ -13559,7 +13559,7 @@
             </a:pPr>
             <a:r>
               <a:rPr lang="en-US" dirty="0"/>
-              <a:t>More commonly used for input/output</a:t>
+              <a:t>Commonly used for input/output</a:t>
             </a:r>
           </a:p>
         </p:txBody>
@@ -15149,15 +15149,10 @@
             <a:spLocks noGrp="1"/>
           </p:cNvSpPr>
           <p:nvPr>
-            <p:ph idx="1"/>
+            <p:ph sz="half" idx="1"/>
           </p:nvPr>
         </p:nvSpPr>
-        <p:spPr>
-          <a:xfrm>
-            <a:off x="605367" y="1463547"/>
-            <a:ext cx="6423732" cy="4433476"/>
-          </a:xfrm>
-        </p:spPr>
+        <p:spPr/>
         <p:txBody>
           <a:bodyPr/>
           <a:lstStyle/>
@@ -15269,7 +15264,7 @@
         </p:blipFill>
         <p:spPr>
           <a:xfrm>
-            <a:off x="7389792" y="695324"/>
+            <a:off x="6590771" y="519112"/>
             <a:ext cx="4391025" cy="5819775"/>
           </a:xfrm>
           <a:prstGeom prst="rect">
@@ -15448,7 +15443,7 @@
         </p:blipFill>
         <p:spPr>
           <a:xfrm>
-            <a:off x="605367" y="1150797"/>
+            <a:off x="239607" y="2498163"/>
             <a:ext cx="3534677" cy="1861674"/>
           </a:xfrm>
           <a:prstGeom prst="rect">
@@ -15476,7 +15471,7 @@
         </p:blipFill>
         <p:spPr>
           <a:xfrm>
-            <a:off x="3988812" y="2713281"/>
+            <a:off x="4223931" y="1640385"/>
             <a:ext cx="7354236" cy="3187527"/>
           </a:xfrm>
           <a:prstGeom prst="rect">

--- a/Trunk/Getting Started Material/DCAF Training/6 Static Modules.pptx
+++ b/Trunk/Getting Started Material/DCAF Training/6 Static Modules.pptx
@@ -2896,7 +2896,7 @@
           <a:p>
             <a:fld id="{EA1FD1DD-1EDF-4341-AE12-9015BA74AB77}" type="datetimeFigureOut">
               <a:rPr lang="en-US" smtClean="0"/>
-              <a:t>7/9/2018</a:t>
+              <a:t>7/16/2018</a:t>
             </a:fld>
             <a:endParaRPr lang="en-US" dirty="0"/>
           </a:p>
@@ -6615,7 +6615,7 @@
           <a:p>
             <a:fld id="{C328AB28-8CF8-4FDA-851D-B8A8B08C8597}" type="datetimeFigureOut">
               <a:rPr lang="en-US" smtClean="0"/>
-              <a:t>7/9/2018</a:t>
+              <a:t>7/16/2018</a:t>
             </a:fld>
             <a:endParaRPr lang="en-US" dirty="0"/>
           </a:p>
@@ -13622,38 +13622,6 @@
           </a:p>
         </p:txBody>
       </p:sp>
-      <p:pic>
-        <p:nvPicPr>
-          <p:cNvPr id="94" name="Content Placeholder 93">
-            <a:extLst>
-              <a:ext uri="{FF2B5EF4-FFF2-40B4-BE49-F238E27FC236}">
-                <a16:creationId xmlns:a16="http://schemas.microsoft.com/office/drawing/2014/main" id="{23734373-74A0-46BF-9FDF-1840EE7D0C29}"/>
-              </a:ext>
-            </a:extLst>
-          </p:cNvPr>
-          <p:cNvPicPr>
-            <a:picLocks noGrp="1" noChangeAspect="1"/>
-          </p:cNvPicPr>
-          <p:nvPr>
-            <p:ph sz="half" idx="1"/>
-          </p:nvPr>
-        </p:nvPicPr>
-        <p:blipFill>
-          <a:blip r:embed="rId2"/>
-          <a:stretch>
-            <a:fillRect/>
-          </a:stretch>
-        </p:blipFill>
-        <p:spPr>
-          <a:xfrm>
-            <a:off x="311352" y="1489843"/>
-            <a:ext cx="5389562" cy="4265641"/>
-          </a:xfrm>
-          <a:prstGeom prst="rect">
-            <a:avLst/>
-          </a:prstGeom>
-        </p:spPr>
-      </p:pic>
       <p:sp>
         <p:nvSpPr>
           <p:cNvPr id="96" name="Rounded Rectangle 5">
@@ -14930,6 +14898,41 @@
           </a:p>
         </p:txBody>
       </p:sp>
+      <p:pic>
+        <p:nvPicPr>
+          <p:cNvPr id="28" name="Content Placeholder 4">
+            <a:extLst>
+              <a:ext uri="{FF2B5EF4-FFF2-40B4-BE49-F238E27FC236}">
+                <a16:creationId xmlns:a16="http://schemas.microsoft.com/office/drawing/2014/main" id="{EECA9D48-DC9F-4754-AAE8-619D11A3B379}"/>
+              </a:ext>
+            </a:extLst>
+          </p:cNvPr>
+          <p:cNvPicPr>
+            <a:picLocks noGrp="1" noChangeAspect="1"/>
+          </p:cNvPicPr>
+          <p:nvPr>
+            <p:ph sz="half" idx="1"/>
+          </p:nvPr>
+        </p:nvPicPr>
+        <p:blipFill>
+          <a:blip r:embed="rId2">
+            <a:extLst>
+              <a:ext uri="{28A0092B-C50C-407E-A947-70E740481C1C}">
+                <a14:useLocalDpi xmlns:a14="http://schemas.microsoft.com/office/drawing/2010/main" val="0"/>
+              </a:ext>
+            </a:extLst>
+          </a:blip>
+          <a:stretch>
+            <a:fillRect/>
+          </a:stretch>
+        </p:blipFill>
+        <p:spPr>
+          <a:xfrm>
+            <a:off x="604838" y="1806360"/>
+            <a:ext cx="4946850" cy="3886811"/>
+          </a:xfrm>
+        </p:spPr>
+      </p:pic>
     </p:spTree>
     <p:extLst>
       <p:ext uri="{BB962C8B-B14F-4D97-AF65-F5344CB8AC3E}">

--- a/Trunk/Getting Started Material/DCAF Training/6 Static Modules.pptx
+++ b/Trunk/Getting Started Material/DCAF Training/6 Static Modules.pptx
@@ -2896,7 +2896,7 @@
           <a:p>
             <a:fld id="{EA1FD1DD-1EDF-4341-AE12-9015BA74AB77}" type="datetimeFigureOut">
               <a:rPr lang="en-US" smtClean="0"/>
-              <a:t>2018-07-10</a:t>
+              <a:t>7/17/2018</a:t>
             </a:fld>
             <a:endParaRPr lang="en-US" dirty="0"/>
           </a:p>
@@ -6615,7 +6615,7 @@
           <a:p>
             <a:fld id="{C328AB28-8CF8-4FDA-851D-B8A8B08C8597}" type="datetimeFigureOut">
               <a:rPr lang="en-US" smtClean="0"/>
-              <a:t>2018-07-10</a:t>
+              <a:t>7/17/2018</a:t>
             </a:fld>
             <a:endParaRPr lang="en-US" dirty="0"/>
           </a:p>
@@ -10629,6 +10629,355 @@
           </a:p>
         </p:txBody>
       </p:sp>
+      <p:graphicFrame>
+        <p:nvGraphicFramePr>
+          <p:cNvPr id="4" name="Table 3">
+            <a:extLst>
+              <a:ext uri="{FF2B5EF4-FFF2-40B4-BE49-F238E27FC236}">
+                <a16:creationId xmlns:a16="http://schemas.microsoft.com/office/drawing/2014/main" id="{FCEF47CB-282C-4193-A839-85FA2CE1196D}"/>
+              </a:ext>
+            </a:extLst>
+          </p:cNvPr>
+          <p:cNvGraphicFramePr>
+            <a:graphicFrameLocks noGrp="1"/>
+          </p:cNvGraphicFramePr>
+          <p:nvPr>
+            <p:extLst>
+              <p:ext uri="{D42A27DB-BD31-4B8C-83A1-F6EECF244321}">
+                <p14:modId xmlns:p14="http://schemas.microsoft.com/office/powerpoint/2010/main" val="2713087040"/>
+              </p:ext>
+            </p:extLst>
+          </p:nvPr>
+        </p:nvGraphicFramePr>
+        <p:xfrm>
+          <a:off x="1222940" y="2643833"/>
+          <a:ext cx="8796813" cy="2743200"/>
+        </p:xfrm>
+        <a:graphic>
+          <a:graphicData uri="http://schemas.openxmlformats.org/drawingml/2006/table">
+            <a:tbl>
+              <a:tblPr firstRow="1" bandRow="1">
+                <a:tableStyleId>{5C22544A-7EE6-4342-B048-85BDC9FD1C3A}</a:tableStyleId>
+              </a:tblPr>
+              <a:tblGrid>
+                <a:gridCol w="2932271">
+                  <a:extLst>
+                    <a:ext uri="{9D8B030D-6E8A-4147-A177-3AD203B41FA5}">
+                      <a16:colId xmlns:a16="http://schemas.microsoft.com/office/drawing/2014/main" val="3145892095"/>
+                    </a:ext>
+                  </a:extLst>
+                </a:gridCol>
+                <a:gridCol w="2932271">
+                  <a:extLst>
+                    <a:ext uri="{9D8B030D-6E8A-4147-A177-3AD203B41FA5}">
+                      <a16:colId xmlns:a16="http://schemas.microsoft.com/office/drawing/2014/main" val="3750683195"/>
+                    </a:ext>
+                  </a:extLst>
+                </a:gridCol>
+                <a:gridCol w="2932271">
+                  <a:extLst>
+                    <a:ext uri="{9D8B030D-6E8A-4147-A177-3AD203B41FA5}">
+                      <a16:colId xmlns:a16="http://schemas.microsoft.com/office/drawing/2014/main" val="893307150"/>
+                    </a:ext>
+                  </a:extLst>
+                </a:gridCol>
+              </a:tblGrid>
+              <a:tr h="370840">
+                <a:tc>
+                  <a:txBody>
+                    <a:bodyPr/>
+                    <a:lstStyle/>
+                    <a:p>
+                      <a:r>
+                        <a:rPr lang="en-US" dirty="0"/>
+                        <a:t>Channel</a:t>
+                      </a:r>
+                    </a:p>
+                  </a:txBody>
+                  <a:tcPr/>
+                </a:tc>
+                <a:tc>
+                  <a:txBody>
+                    <a:bodyPr/>
+                    <a:lstStyle/>
+                    <a:p>
+                      <a:r>
+                        <a:rPr lang="en-US" dirty="0"/>
+                        <a:t>Data Type</a:t>
+                      </a:r>
+                    </a:p>
+                  </a:txBody>
+                  <a:tcPr/>
+                </a:tc>
+                <a:tc>
+                  <a:txBody>
+                    <a:bodyPr/>
+                    <a:lstStyle/>
+                    <a:p>
+                      <a:r>
+                        <a:rPr lang="en-US" dirty="0"/>
+                        <a:t>Channel Type</a:t>
+                      </a:r>
+                    </a:p>
+                  </a:txBody>
+                  <a:tcPr/>
+                </a:tc>
+                <a:extLst>
+                  <a:ext uri="{0D108BD9-81ED-4DB2-BD59-A6C34878D82A}">
+                    <a16:rowId xmlns:a16="http://schemas.microsoft.com/office/drawing/2014/main" val="1003854384"/>
+                  </a:ext>
+                </a:extLst>
+              </a:tr>
+              <a:tr h="370840">
+                <a:tc>
+                  <a:txBody>
+                    <a:bodyPr/>
+                    <a:lstStyle/>
+                    <a:p>
+                      <a:pPr marL="0" marR="0" lvl="0" indent="0" algn="l" defTabSz="1219170" rtl="0" eaLnBrk="1" fontAlgn="auto" latinLnBrk="0" hangingPunct="1">
+                        <a:lnSpc>
+                          <a:spcPct val="100000"/>
+                        </a:lnSpc>
+                        <a:spcBef>
+                          <a:spcPts val="0"/>
+                        </a:spcBef>
+                        <a:spcAft>
+                          <a:spcPts val="0"/>
+                        </a:spcAft>
+                        <a:buClrTx/>
+                        <a:buSzTx/>
+                        <a:buFontTx/>
+                        <a:buNone/>
+                        <a:tabLst/>
+                        <a:defRPr/>
+                      </a:pPr>
+                      <a:r>
+                        <a:rPr lang="en-US" dirty="0"/>
+                        <a:t>Variable</a:t>
+                      </a:r>
+                    </a:p>
+                  </a:txBody>
+                  <a:tcPr/>
+                </a:tc>
+                <a:tc>
+                  <a:txBody>
+                    <a:bodyPr/>
+                    <a:lstStyle/>
+                    <a:p>
+                      <a:r>
+                        <a:rPr lang="en-US" dirty="0"/>
+                        <a:t>Double</a:t>
+                      </a:r>
+                    </a:p>
+                  </a:txBody>
+                  <a:tcPr/>
+                </a:tc>
+                <a:tc>
+                  <a:txBody>
+                    <a:bodyPr/>
+                    <a:lstStyle/>
+                    <a:p>
+                      <a:r>
+                        <a:rPr lang="en-US" dirty="0"/>
+                        <a:t>Process Parameter</a:t>
+                      </a:r>
+                    </a:p>
+                  </a:txBody>
+                  <a:tcPr/>
+                </a:tc>
+                <a:extLst>
+                  <a:ext uri="{0D108BD9-81ED-4DB2-BD59-A6C34878D82A}">
+                    <a16:rowId xmlns:a16="http://schemas.microsoft.com/office/drawing/2014/main" val="2507582932"/>
+                  </a:ext>
+                </a:extLst>
+              </a:tr>
+              <a:tr h="370840">
+                <a:tc>
+                  <a:txBody>
+                    <a:bodyPr/>
+                    <a:lstStyle/>
+                    <a:p>
+                      <a:r>
+                        <a:rPr lang="en-US" dirty="0"/>
+                        <a:t>Setpoint</a:t>
+                      </a:r>
+                    </a:p>
+                  </a:txBody>
+                  <a:tcPr/>
+                </a:tc>
+                <a:tc>
+                  <a:txBody>
+                    <a:bodyPr/>
+                    <a:lstStyle/>
+                    <a:p>
+                      <a:r>
+                        <a:rPr lang="en-US" dirty="0"/>
+                        <a:t>Double</a:t>
+                      </a:r>
+                    </a:p>
+                  </a:txBody>
+                  <a:tcPr/>
+                </a:tc>
+                <a:tc>
+                  <a:txBody>
+                    <a:bodyPr/>
+                    <a:lstStyle/>
+                    <a:p>
+                      <a:pPr marL="0" marR="0" lvl="0" indent="0" algn="l" defTabSz="1219170" rtl="0" eaLnBrk="1" fontAlgn="auto" latinLnBrk="0" hangingPunct="1">
+                        <a:lnSpc>
+                          <a:spcPct val="100000"/>
+                        </a:lnSpc>
+                        <a:spcBef>
+                          <a:spcPts val="0"/>
+                        </a:spcBef>
+                        <a:spcAft>
+                          <a:spcPts val="0"/>
+                        </a:spcAft>
+                        <a:buClrTx/>
+                        <a:buSzTx/>
+                        <a:buFontTx/>
+                        <a:buNone/>
+                        <a:tabLst/>
+                        <a:defRPr/>
+                      </a:pPr>
+                      <a:r>
+                        <a:rPr lang="en-US" dirty="0"/>
+                        <a:t>Process Parameter</a:t>
+                      </a:r>
+                    </a:p>
+                  </a:txBody>
+                  <a:tcPr/>
+                </a:tc>
+                <a:extLst>
+                  <a:ext uri="{0D108BD9-81ED-4DB2-BD59-A6C34878D82A}">
+                    <a16:rowId xmlns:a16="http://schemas.microsoft.com/office/drawing/2014/main" val="3110449280"/>
+                  </a:ext>
+                </a:extLst>
+              </a:tr>
+              <a:tr h="370840">
+                <a:tc>
+                  <a:txBody>
+                    <a:bodyPr/>
+                    <a:lstStyle/>
+                    <a:p>
+                      <a:r>
+                        <a:rPr lang="en-US" dirty="0"/>
+                        <a:t>Output</a:t>
+                      </a:r>
+                    </a:p>
+                  </a:txBody>
+                  <a:tcPr/>
+                </a:tc>
+                <a:tc>
+                  <a:txBody>
+                    <a:bodyPr/>
+                    <a:lstStyle/>
+                    <a:p>
+                      <a:r>
+                        <a:rPr lang="en-US" dirty="0"/>
+                        <a:t>Double</a:t>
+                      </a:r>
+                    </a:p>
+                  </a:txBody>
+                  <a:tcPr/>
+                </a:tc>
+                <a:tc>
+                  <a:txBody>
+                    <a:bodyPr/>
+                    <a:lstStyle/>
+                    <a:p>
+                      <a:r>
+                        <a:rPr lang="en-US" dirty="0"/>
+                        <a:t>Result</a:t>
+                      </a:r>
+                    </a:p>
+                  </a:txBody>
+                  <a:tcPr/>
+                </a:tc>
+                <a:extLst>
+                  <a:ext uri="{0D108BD9-81ED-4DB2-BD59-A6C34878D82A}">
+                    <a16:rowId xmlns:a16="http://schemas.microsoft.com/office/drawing/2014/main" val="1709584318"/>
+                  </a:ext>
+                </a:extLst>
+              </a:tr>
+              <a:tr h="370840">
+                <a:tc>
+                  <a:txBody>
+                    <a:bodyPr/>
+                    <a:lstStyle/>
+                    <a:p>
+                      <a:endParaRPr lang="en-US" dirty="0"/>
+                    </a:p>
+                  </a:txBody>
+                  <a:tcPr/>
+                </a:tc>
+                <a:tc>
+                  <a:txBody>
+                    <a:bodyPr/>
+                    <a:lstStyle/>
+                    <a:p>
+                      <a:endParaRPr lang="en-US" dirty="0"/>
+                    </a:p>
+                  </a:txBody>
+                  <a:tcPr/>
+                </a:tc>
+                <a:tc>
+                  <a:txBody>
+                    <a:bodyPr/>
+                    <a:lstStyle/>
+                    <a:p>
+                      <a:endParaRPr lang="en-US" dirty="0"/>
+                    </a:p>
+                  </a:txBody>
+                  <a:tcPr/>
+                </a:tc>
+                <a:extLst>
+                  <a:ext uri="{0D108BD9-81ED-4DB2-BD59-A6C34878D82A}">
+                    <a16:rowId xmlns:a16="http://schemas.microsoft.com/office/drawing/2014/main" val="2150168525"/>
+                  </a:ext>
+                </a:extLst>
+              </a:tr>
+              <a:tr h="370840">
+                <a:tc>
+                  <a:txBody>
+                    <a:bodyPr/>
+                    <a:lstStyle/>
+                    <a:p>
+                      <a:endParaRPr lang="en-US" dirty="0"/>
+                    </a:p>
+                  </a:txBody>
+                  <a:tcPr/>
+                </a:tc>
+                <a:tc>
+                  <a:txBody>
+                    <a:bodyPr/>
+                    <a:lstStyle/>
+                    <a:p>
+                      <a:endParaRPr lang="en-US" dirty="0"/>
+                    </a:p>
+                  </a:txBody>
+                  <a:tcPr/>
+                </a:tc>
+                <a:tc>
+                  <a:txBody>
+                    <a:bodyPr/>
+                    <a:lstStyle/>
+                    <a:p>
+                      <a:endParaRPr lang="en-US" dirty="0"/>
+                    </a:p>
+                  </a:txBody>
+                  <a:tcPr/>
+                </a:tc>
+                <a:extLst>
+                  <a:ext uri="{0D108BD9-81ED-4DB2-BD59-A6C34878D82A}">
+                    <a16:rowId xmlns:a16="http://schemas.microsoft.com/office/drawing/2014/main" val="2537519005"/>
+                  </a:ext>
+                </a:extLst>
+              </a:tr>
+            </a:tbl>
+          </a:graphicData>
+        </a:graphic>
+      </p:graphicFrame>
     </p:spTree>
     <p:extLst>
       <p:ext uri="{BB962C8B-B14F-4D97-AF65-F5344CB8AC3E}">
@@ -13622,38 +13971,6 @@
           </a:p>
         </p:txBody>
       </p:sp>
-      <p:pic>
-        <p:nvPicPr>
-          <p:cNvPr id="94" name="Content Placeholder 93">
-            <a:extLst>
-              <a:ext uri="{FF2B5EF4-FFF2-40B4-BE49-F238E27FC236}">
-                <a16:creationId xmlns:a16="http://schemas.microsoft.com/office/drawing/2014/main" id="{23734373-74A0-46BF-9FDF-1840EE7D0C29}"/>
-              </a:ext>
-            </a:extLst>
-          </p:cNvPr>
-          <p:cNvPicPr>
-            <a:picLocks noGrp="1" noChangeAspect="1"/>
-          </p:cNvPicPr>
-          <p:nvPr>
-            <p:ph sz="half" idx="1"/>
-          </p:nvPr>
-        </p:nvPicPr>
-        <p:blipFill>
-          <a:blip r:embed="rId2"/>
-          <a:stretch>
-            <a:fillRect/>
-          </a:stretch>
-        </p:blipFill>
-        <p:spPr>
-          <a:xfrm>
-            <a:off x="311352" y="1489843"/>
-            <a:ext cx="5389562" cy="4265641"/>
-          </a:xfrm>
-          <a:prstGeom prst="rect">
-            <a:avLst/>
-          </a:prstGeom>
-        </p:spPr>
-      </p:pic>
       <p:sp>
         <p:nvSpPr>
           <p:cNvPr id="96" name="Rounded Rectangle 5">
@@ -14930,6 +15247,41 @@
           </a:p>
         </p:txBody>
       </p:sp>
+      <p:pic>
+        <p:nvPicPr>
+          <p:cNvPr id="27" name="Content Placeholder 4">
+            <a:extLst>
+              <a:ext uri="{FF2B5EF4-FFF2-40B4-BE49-F238E27FC236}">
+                <a16:creationId xmlns:a16="http://schemas.microsoft.com/office/drawing/2014/main" id="{46A40DDC-161C-4A63-9A9A-0016632F3E04}"/>
+              </a:ext>
+            </a:extLst>
+          </p:cNvPr>
+          <p:cNvPicPr>
+            <a:picLocks noGrp="1" noChangeAspect="1"/>
+          </p:cNvPicPr>
+          <p:nvPr>
+            <p:ph sz="half" idx="1"/>
+          </p:nvPr>
+        </p:nvPicPr>
+        <p:blipFill>
+          <a:blip r:embed="rId2">
+            <a:extLst>
+              <a:ext uri="{28A0092B-C50C-407E-A947-70E740481C1C}">
+                <a14:useLocalDpi xmlns:a14="http://schemas.microsoft.com/office/drawing/2010/main" val="0"/>
+              </a:ext>
+            </a:extLst>
+          </a:blip>
+          <a:stretch>
+            <a:fillRect/>
+          </a:stretch>
+        </p:blipFill>
+        <p:spPr>
+          <a:xfrm>
+            <a:off x="466833" y="1972987"/>
+            <a:ext cx="4765040" cy="3743960"/>
+          </a:xfrm>
+        </p:spPr>
+      </p:pic>
     </p:spTree>
     <p:extLst>
       <p:ext uri="{BB962C8B-B14F-4D97-AF65-F5344CB8AC3E}">

--- a/Trunk/Getting Started Material/DCAF Training/6 Static Modules.pptx
+++ b/Trunk/Getting Started Material/DCAF Training/6 Static Modules.pptx
@@ -5,7 +5,7 @@
     <p:sldMasterId id="2147483741" r:id="rId1"/>
   </p:sldMasterIdLst>
   <p:notesMasterIdLst>
-    <p:notesMasterId r:id="rId28"/>
+    <p:notesMasterId r:id="rId27"/>
   </p:notesMasterIdLst>
   <p:sldIdLst>
     <p:sldId id="259" r:id="rId2"/>
@@ -32,8 +32,7 @@
     <p:sldId id="408" r:id="rId23"/>
     <p:sldId id="418" r:id="rId24"/>
     <p:sldId id="410" r:id="rId25"/>
-    <p:sldId id="420" r:id="rId26"/>
-    <p:sldId id="411" r:id="rId27"/>
+    <p:sldId id="411" r:id="rId26"/>
   </p:sldIdLst>
   <p:sldSz cx="12192000" cy="6858000"/>
   <p:notesSz cx="6858000" cy="9144000"/>
@@ -2896,7 +2895,7 @@
           <a:p>
             <a:fld id="{EA1FD1DD-1EDF-4341-AE12-9015BA74AB77}" type="datetimeFigureOut">
               <a:rPr lang="en-US" smtClean="0"/>
-              <a:t>7/17/2018</a:t>
+              <a:t>8/28/2018</a:t>
             </a:fld>
             <a:endParaRPr lang="en-US" dirty="0"/>
           </a:p>
@@ -6615,7 +6614,7 @@
           <a:p>
             <a:fld id="{C328AB28-8CF8-4FDA-851D-B8A8B08C8597}" type="datetimeFigureOut">
               <a:rPr lang="en-US" smtClean="0"/>
-              <a:t>7/17/2018</a:t>
+              <a:t>8/28/2018</a:t>
             </a:fld>
             <a:endParaRPr lang="en-US" dirty="0"/>
           </a:p>
@@ -10498,6 +10497,12 @@
             <a:r>
               <a:rPr lang="en-US" dirty="0"/>
               <a:t>Exercise 1 Custom PID</a:t>
+            </a:r>
+          </a:p>
+          <a:p>
+            <a:r>
+              <a:rPr lang="en-US" dirty="0"/>
+              <a:t>Hands-On 2: Exercise 1 Part A</a:t>
             </a:r>
           </a:p>
           <a:p>
@@ -11895,6 +11900,18 @@
               <a:t>Channel Scripting</a:t>
             </a:r>
           </a:p>
+          <a:p>
+            <a:r>
+              <a:rPr lang="en-US" dirty="0"/>
+              <a:t>Hands-On 2: Exercise 2 Part B</a:t>
+            </a:r>
+          </a:p>
+          <a:p>
+            <a:endParaRPr lang="en-US" dirty="0"/>
+          </a:p>
+          <a:p>
+            <a:endParaRPr lang="en-US" dirty="0"/>
+          </a:p>
         </p:txBody>
       </p:sp>
     </p:spTree>
@@ -13123,19 +13140,19 @@
           <a:p>
             <a:r>
               <a:rPr lang="en-US" dirty="0"/>
-              <a:t>To switch from 1 to 2. Only A is True</a:t>
-            </a:r>
-          </a:p>
-          <a:p>
-            <a:r>
-              <a:rPr lang="en-US" dirty="0"/>
-              <a:t>To switch form 2 to 3 Only B is True</a:t>
-            </a:r>
-          </a:p>
-          <a:p>
-            <a:r>
-              <a:rPr lang="en-US" dirty="0"/>
-              <a:t>To switch from 3 to 1 Only C is True</a:t>
+              <a:t>To change from 1 to 2. Only A is True</a:t>
+            </a:r>
+          </a:p>
+          <a:p>
+            <a:r>
+              <a:rPr lang="en-US" dirty="0"/>
+              <a:t>To change from 2 to 3. Only B is True</a:t>
+            </a:r>
+          </a:p>
+          <a:p>
+            <a:r>
+              <a:rPr lang="en-US" dirty="0"/>
+              <a:t>To change from 3 to 1. Only C is True</a:t>
             </a:r>
           </a:p>
         </p:txBody>
@@ -13226,6 +13243,12 @@
               <a:t>Exercise 3 State Machine Module</a:t>
             </a:r>
           </a:p>
+          <a:p>
+            <a:r>
+              <a:rPr lang="en-US" dirty="0"/>
+              <a:t>Hands-On 2: Exercise 2 Part A</a:t>
+            </a:r>
+          </a:p>
         </p:txBody>
       </p:sp>
     </p:spTree>
@@ -13423,6 +13446,15 @@
               <a:t>Running the state machine in DCAF Engine</a:t>
             </a:r>
           </a:p>
+          <a:p>
+            <a:r>
+              <a:rPr lang="en-US" dirty="0"/>
+              <a:t>Hands-On 2: Exercise 2 Part B</a:t>
+            </a:r>
+          </a:p>
+          <a:p>
+            <a:endParaRPr lang="en-US" dirty="0"/>
+          </a:p>
         </p:txBody>
       </p:sp>
     </p:spTree>
@@ -13439,107 +13471,6 @@
 </file>
 
 <file path=ppt/slides/slide25.xml><?xml version="1.0" encoding="utf-8"?>
-<p:sld xmlns:a="http://schemas.openxmlformats.org/drawingml/2006/main" xmlns:r="http://schemas.openxmlformats.org/officeDocument/2006/relationships" xmlns:p="http://schemas.openxmlformats.org/presentationml/2006/main">
-  <p:cSld>
-    <p:spTree>
-      <p:nvGrpSpPr>
-        <p:cNvPr id="1" name=""/>
-        <p:cNvGrpSpPr/>
-        <p:nvPr/>
-      </p:nvGrpSpPr>
-      <p:grpSpPr>
-        <a:xfrm>
-          <a:off x="0" y="0"/>
-          <a:ext cx="0" cy="0"/>
-          <a:chOff x="0" y="0"/>
-          <a:chExt cx="0" cy="0"/>
-        </a:xfrm>
-      </p:grpSpPr>
-      <p:sp>
-        <p:nvSpPr>
-          <p:cNvPr id="2" name="Title 1">
-            <a:extLst>
-              <a:ext uri="{FF2B5EF4-FFF2-40B4-BE49-F238E27FC236}">
-                <a16:creationId xmlns:a16="http://schemas.microsoft.com/office/drawing/2014/main" id="{F77F9243-7F60-48A5-8580-6BC70CC45E94}"/>
-              </a:ext>
-            </a:extLst>
-          </p:cNvPr>
-          <p:cNvSpPr>
-            <a:spLocks noGrp="1"/>
-          </p:cNvSpPr>
-          <p:nvPr>
-            <p:ph type="title"/>
-          </p:nvPr>
-        </p:nvSpPr>
-        <p:spPr/>
-        <p:txBody>
-          <a:bodyPr/>
-          <a:lstStyle/>
-          <a:p>
-            <a:r>
-              <a:rPr lang="en-US" dirty="0"/>
-              <a:t>Exercise 4: Running the state machine in DCAF Engine</a:t>
-            </a:r>
-          </a:p>
-        </p:txBody>
-      </p:sp>
-      <p:sp>
-        <p:nvSpPr>
-          <p:cNvPr id="3" name="Content Placeholder 2">
-            <a:extLst>
-              <a:ext uri="{FF2B5EF4-FFF2-40B4-BE49-F238E27FC236}">
-                <a16:creationId xmlns:a16="http://schemas.microsoft.com/office/drawing/2014/main" id="{4EF2B063-3914-46F2-9763-B3341F3BB5C8}"/>
-              </a:ext>
-            </a:extLst>
-          </p:cNvPr>
-          <p:cNvSpPr>
-            <a:spLocks noGrp="1"/>
-          </p:cNvSpPr>
-          <p:nvPr>
-            <p:ph idx="1"/>
-          </p:nvPr>
-        </p:nvSpPr>
-        <p:spPr/>
-        <p:txBody>
-          <a:bodyPr/>
-          <a:lstStyle/>
-          <a:p>
-            <a:r>
-              <a:rPr lang="en-US" dirty="0"/>
-              <a:t>Use the UI module to test 2 multiplexers in the runtime</a:t>
-            </a:r>
-          </a:p>
-          <a:p>
-            <a:endParaRPr lang="en-US" dirty="0"/>
-          </a:p>
-          <a:p>
-            <a:endParaRPr lang="en-US" dirty="0"/>
-          </a:p>
-          <a:p>
-            <a:endParaRPr lang="en-US" dirty="0"/>
-          </a:p>
-          <a:p>
-            <a:endParaRPr lang="en-US" dirty="0"/>
-          </a:p>
-          <a:p>
-            <a:endParaRPr lang="en-US" dirty="0"/>
-          </a:p>
-        </p:txBody>
-      </p:sp>
-    </p:spTree>
-    <p:extLst>
-      <p:ext uri="{BB962C8B-B14F-4D97-AF65-F5344CB8AC3E}">
-        <p14:creationId xmlns:p14="http://schemas.microsoft.com/office/powerpoint/2010/main" val="2297590106"/>
-      </p:ext>
-    </p:extLst>
-  </p:cSld>
-  <p:clrMapOvr>
-    <a:masterClrMapping/>
-  </p:clrMapOvr>
-</p:sld>
-</file>
-
-<file path=ppt/slides/slide26.xml><?xml version="1.0" encoding="utf-8"?>
 <p:sld xmlns:a="http://schemas.openxmlformats.org/drawingml/2006/main" xmlns:r="http://schemas.openxmlformats.org/officeDocument/2006/relationships" xmlns:p="http://schemas.openxmlformats.org/presentationml/2006/main">
   <p:cSld>
     <p:spTree>
